--- a/powerpoint/10_包裝類別與工具類別(1).pptx
+++ b/powerpoint/10_包裝類別與工具類別(1).pptx
@@ -7,6 +7,9 @@
   <p:sldIdLst>
     <p:sldId id="256" r:id="rId2"/>
     <p:sldId id="257" r:id="rId3"/>
+    <p:sldId id="258" r:id="rId4"/>
+    <p:sldId id="260" r:id="rId5"/>
+    <p:sldId id="261" r:id="rId6"/>
   </p:sldIdLst>
   <p:sldSz cx="12192000" cy="6858000"/>
   <p:notesSz cx="6858000" cy="9144000"/>
@@ -105,6 +108,11 @@
       </a:defRPr>
     </a:lvl9pPr>
   </p:defaultTextStyle>
+  <p:extLst>
+    <p:ext uri="{EFAFB233-063F-42B5-8137-9DF3F51BA10A}">
+      <p15:sldGuideLst xmlns:p15="http://schemas.microsoft.com/office/powerpoint/2012/main"/>
+    </p:ext>
+  </p:extLst>
 </p:presentation>
 </file>
 
@@ -8006,7 +8014,12 @@
             <p:ph idx="1"/>
           </p:nvPr>
         </p:nvSpPr>
-        <p:spPr/>
+        <p:spPr>
+          <a:xfrm>
+            <a:off x="838200" y="1951130"/>
+            <a:ext cx="10515600" cy="3831104"/>
+          </a:xfrm>
+        </p:spPr>
         <p:txBody>
           <a:bodyPr/>
           <a:lstStyle/>
@@ -8352,6 +8365,5302 @@
   <p:transition spd="slow">
     <p:push dir="u"/>
   </p:transition>
+</p:sld>
+</file>
+
+<file path=ppt/slides/slide3.xml><?xml version="1.0" encoding="utf-8"?>
+<p:sld xmlns:a="http://schemas.openxmlformats.org/drawingml/2006/main" xmlns:r="http://schemas.openxmlformats.org/officeDocument/2006/relationships" xmlns:p="http://schemas.openxmlformats.org/presentationml/2006/main">
+  <p:cSld>
+    <p:spTree>
+      <p:nvGrpSpPr>
+        <p:cNvPr id="1" name=""/>
+        <p:cNvGrpSpPr/>
+        <p:nvPr/>
+      </p:nvGrpSpPr>
+      <p:grpSpPr>
+        <a:xfrm>
+          <a:off x="0" y="0"/>
+          <a:ext cx="0" cy="0"/>
+          <a:chOff x="0" y="0"/>
+          <a:chExt cx="0" cy="0"/>
+        </a:xfrm>
+      </p:grpSpPr>
+      <p:sp>
+        <p:nvSpPr>
+          <p:cNvPr id="2" name="標題 1">
+            <a:extLst>
+              <a:ext uri="{FF2B5EF4-FFF2-40B4-BE49-F238E27FC236}">
+                <a16:creationId xmlns:a16="http://schemas.microsoft.com/office/drawing/2014/main" id="{E9691592-8773-49AB-BB24-F0FD6A1F01C5}"/>
+              </a:ext>
+            </a:extLst>
+          </p:cNvPr>
+          <p:cNvSpPr>
+            <a:spLocks noGrp="1"/>
+          </p:cNvSpPr>
+          <p:nvPr>
+            <p:ph type="title"/>
+          </p:nvPr>
+        </p:nvSpPr>
+        <p:spPr/>
+        <p:txBody>
+          <a:bodyPr/>
+          <a:lstStyle/>
+          <a:p>
+            <a:r>
+              <a:rPr lang="zh-TW" altLang="en-US"/>
+              <a:t>包裝類別</a:t>
+            </a:r>
+          </a:p>
+        </p:txBody>
+      </p:sp>
+      <p:sp>
+        <p:nvSpPr>
+          <p:cNvPr id="3" name="內容版面配置區 2">
+            <a:extLst>
+              <a:ext uri="{FF2B5EF4-FFF2-40B4-BE49-F238E27FC236}">
+                <a16:creationId xmlns:a16="http://schemas.microsoft.com/office/drawing/2014/main" id="{86DFBA92-7336-40AC-8A4A-4ECF6CF828F5}"/>
+              </a:ext>
+            </a:extLst>
+          </p:cNvPr>
+          <p:cNvSpPr>
+            <a:spLocks noGrp="1"/>
+          </p:cNvSpPr>
+          <p:nvPr>
+            <p:ph idx="1"/>
+          </p:nvPr>
+        </p:nvSpPr>
+        <p:spPr>
+          <a:xfrm>
+            <a:off x="690282" y="1960095"/>
+            <a:ext cx="10811436" cy="3732494"/>
+          </a:xfrm>
+        </p:spPr>
+        <p:txBody>
+          <a:bodyPr>
+            <a:normAutofit/>
+          </a:bodyPr>
+          <a:lstStyle/>
+          <a:p>
+            <a:r>
+              <a:rPr lang="zh-TW" altLang="en-US"/>
+              <a:t>欲創建</a:t>
+            </a:r>
+            <a:r>
+              <a:rPr lang="zh-TW" altLang="en-US">
+                <a:solidFill>
+                  <a:srgbClr val="00B0F0"/>
+                </a:solidFill>
+              </a:rPr>
+              <a:t>包裝類別</a:t>
+            </a:r>
+            <a:r>
+              <a:rPr lang="zh-TW" altLang="en-US"/>
+              <a:t>，須</a:t>
+            </a:r>
+            <a:r>
+              <a:rPr lang="zh-TW" altLang="en-US">
+                <a:solidFill>
+                  <a:srgbClr val="FFC000"/>
+                </a:solidFill>
+              </a:rPr>
+              <a:t>呼叫</a:t>
+            </a:r>
+            <a:r>
+              <a:rPr lang="zh-TW" altLang="en-US">
+                <a:solidFill>
+                  <a:srgbClr val="00B0F0"/>
+                </a:solidFill>
+              </a:rPr>
+              <a:t>包裝類別</a:t>
+            </a:r>
+            <a:r>
+              <a:rPr lang="zh-TW" altLang="en-US"/>
+              <a:t>的</a:t>
+            </a:r>
+            <a:r>
+              <a:rPr lang="zh-TW" altLang="en-US">
+                <a:solidFill>
+                  <a:srgbClr val="00B0F0"/>
+                </a:solidFill>
+              </a:rPr>
+              <a:t>公開靜態方法 </a:t>
+            </a:r>
+            <a:r>
+              <a:rPr lang="en-US" altLang="zh-TW"/>
+              <a:t>"</a:t>
+            </a:r>
+            <a:r>
+              <a:rPr lang="en-US" altLang="zh-TW">
+                <a:solidFill>
+                  <a:srgbClr val="92D050"/>
+                </a:solidFill>
+              </a:rPr>
+              <a:t>valueOf</a:t>
+            </a:r>
+            <a:r>
+              <a:rPr lang="en-US" altLang="zh-TW"/>
+              <a:t>"</a:t>
+            </a:r>
+          </a:p>
+          <a:p>
+            <a:r>
+              <a:rPr lang="zh-TW" altLang="en-US"/>
+              <a:t>必有一個</a:t>
+            </a:r>
+            <a:r>
+              <a:rPr lang="zh-TW" altLang="en-US">
+                <a:solidFill>
+                  <a:srgbClr val="FFC000"/>
+                </a:solidFill>
+              </a:rPr>
+              <a:t>多載</a:t>
+            </a:r>
+            <a:r>
+              <a:rPr lang="zh-TW" altLang="en-US"/>
+              <a:t>具有唯一</a:t>
+            </a:r>
+            <a:r>
+              <a:rPr lang="zh-TW" altLang="en-US">
+                <a:solidFill>
+                  <a:srgbClr val="00B0F0"/>
+                </a:solidFill>
+              </a:rPr>
+              <a:t>參數</a:t>
+            </a:r>
+            <a:r>
+              <a:rPr lang="zh-TW" altLang="en-US"/>
+              <a:t>，且為對應的</a:t>
+            </a:r>
+            <a:r>
+              <a:rPr lang="zh-TW" altLang="en-US">
+                <a:solidFill>
+                  <a:srgbClr val="00B0F0"/>
+                </a:solidFill>
+              </a:rPr>
+              <a:t>基本資料型別</a:t>
+            </a:r>
+            <a:endParaRPr lang="en-US" altLang="zh-TW">
+              <a:solidFill>
+                <a:srgbClr val="00B0F0"/>
+              </a:solidFill>
+            </a:endParaRPr>
+          </a:p>
+          <a:p>
+            <a:r>
+              <a:rPr lang="zh-TW" altLang="en-US"/>
+              <a:t>有些</a:t>
+            </a:r>
+            <a:r>
+              <a:rPr lang="zh-TW" altLang="en-US">
+                <a:solidFill>
+                  <a:srgbClr val="00B0F0"/>
+                </a:solidFill>
+              </a:rPr>
+              <a:t>包裝類別</a:t>
+            </a:r>
+            <a:r>
+              <a:rPr lang="zh-TW" altLang="en-US"/>
+              <a:t>有</a:t>
+            </a:r>
+            <a:r>
+              <a:rPr lang="zh-TW" altLang="en-US">
+                <a:solidFill>
+                  <a:srgbClr val="FFC000"/>
+                </a:solidFill>
+              </a:rPr>
+              <a:t>多載</a:t>
+            </a:r>
+            <a:r>
+              <a:rPr lang="zh-TW" altLang="en-US"/>
+              <a:t>該</a:t>
+            </a:r>
+            <a:r>
+              <a:rPr lang="zh-TW" altLang="en-US">
+                <a:solidFill>
+                  <a:srgbClr val="00B0F0"/>
+                </a:solidFill>
+              </a:rPr>
+              <a:t>方法</a:t>
+            </a:r>
+            <a:r>
+              <a:rPr lang="zh-TW" altLang="en-US"/>
+              <a:t>，可能的</a:t>
+            </a:r>
+            <a:r>
+              <a:rPr lang="zh-TW" altLang="en-US">
+                <a:solidFill>
+                  <a:srgbClr val="00B0F0"/>
+                </a:solidFill>
+              </a:rPr>
+              <a:t>參數</a:t>
+            </a:r>
+            <a:r>
+              <a:rPr lang="zh-TW" altLang="en-US"/>
+              <a:t>有</a:t>
+            </a:r>
+            <a:r>
+              <a:rPr lang="zh-TW" altLang="en-US">
+                <a:solidFill>
+                  <a:srgbClr val="00B0F0"/>
+                </a:solidFill>
+              </a:rPr>
+              <a:t>字串</a:t>
+            </a:r>
+            <a:r>
+              <a:rPr lang="zh-TW" altLang="en-US"/>
+              <a:t>等</a:t>
+            </a:r>
+            <a:endParaRPr lang="en-US" altLang="zh-TW"/>
+          </a:p>
+          <a:p>
+            <a:r>
+              <a:rPr lang="zh-TW" altLang="en-US"/>
+              <a:t>這個動作稱為</a:t>
+            </a:r>
+            <a:r>
+              <a:rPr lang="zh-TW" altLang="en-US">
+                <a:solidFill>
+                  <a:srgbClr val="FFC000"/>
+                </a:solidFill>
+              </a:rPr>
+              <a:t>裝箱</a:t>
+            </a:r>
+            <a:r>
+              <a:rPr lang="en-US" altLang="zh-TW">
+                <a:solidFill>
+                  <a:srgbClr val="FFC000"/>
+                </a:solidFill>
+              </a:rPr>
+              <a:t>(boxing)</a:t>
+            </a:r>
+          </a:p>
+          <a:p>
+            <a:r>
+              <a:rPr lang="zh-TW" altLang="en-US"/>
+              <a:t>而</a:t>
+            </a:r>
+            <a:r>
+              <a:rPr lang="zh-TW" altLang="en-US">
+                <a:solidFill>
+                  <a:srgbClr val="FFC000"/>
+                </a:solidFill>
+              </a:rPr>
+              <a:t>呼叫</a:t>
+            </a:r>
+            <a:r>
+              <a:rPr lang="zh-TW" altLang="en-US">
+                <a:solidFill>
+                  <a:srgbClr val="00B0F0"/>
+                </a:solidFill>
+              </a:rPr>
+              <a:t>包裝類別</a:t>
+            </a:r>
+            <a:r>
+              <a:rPr lang="zh-TW" altLang="en-US"/>
+              <a:t>的</a:t>
+            </a:r>
+            <a:r>
+              <a:rPr lang="zh-TW" altLang="en-US">
+                <a:solidFill>
+                  <a:srgbClr val="00B0F0"/>
+                </a:solidFill>
+              </a:rPr>
+              <a:t>公開動態方法 </a:t>
+            </a:r>
+            <a:r>
+              <a:rPr lang="en-US" altLang="zh-TW"/>
+              <a:t>"</a:t>
+            </a:r>
+            <a:r>
+              <a:rPr lang="en-US" altLang="zh-TW">
+                <a:solidFill>
+                  <a:srgbClr val="92D050"/>
+                </a:solidFill>
+              </a:rPr>
+              <a:t>xxxValue</a:t>
+            </a:r>
+            <a:r>
+              <a:rPr lang="en-US" altLang="zh-TW"/>
+              <a:t>"(</a:t>
+            </a:r>
+            <a:r>
+              <a:rPr lang="en-US" altLang="zh-TW">
+                <a:solidFill>
+                  <a:srgbClr val="92D050"/>
+                </a:solidFill>
+              </a:rPr>
+              <a:t>xxx</a:t>
+            </a:r>
+            <a:r>
+              <a:rPr lang="zh-TW" altLang="en-US"/>
+              <a:t>為</a:t>
+            </a:r>
+            <a:r>
+              <a:rPr lang="zh-TW" altLang="en-US">
+                <a:solidFill>
+                  <a:srgbClr val="00B0F0"/>
+                </a:solidFill>
+              </a:rPr>
+              <a:t>基本資料型別</a:t>
+            </a:r>
+            <a:r>
+              <a:rPr lang="en-US" altLang="zh-TW"/>
+              <a:t>)</a:t>
+            </a:r>
+          </a:p>
+          <a:p>
+            <a:r>
+              <a:rPr lang="zh-TW" altLang="en-US"/>
+              <a:t>將</a:t>
+            </a:r>
+            <a:r>
+              <a:rPr lang="zh-TW" altLang="en-US">
+                <a:solidFill>
+                  <a:srgbClr val="00B0F0"/>
+                </a:solidFill>
+              </a:rPr>
+              <a:t>包裝類別</a:t>
+            </a:r>
+            <a:r>
+              <a:rPr lang="zh-TW" altLang="en-US"/>
+              <a:t>變為</a:t>
+            </a:r>
+            <a:r>
+              <a:rPr lang="zh-TW" altLang="en-US">
+                <a:solidFill>
+                  <a:srgbClr val="00B0F0"/>
+                </a:solidFill>
+              </a:rPr>
+              <a:t>基本資料型別</a:t>
+            </a:r>
+            <a:endParaRPr lang="en-US" altLang="zh-TW"/>
+          </a:p>
+          <a:p>
+            <a:r>
+              <a:rPr lang="zh-TW" altLang="en-US"/>
+              <a:t>就被稱為</a:t>
+            </a:r>
+            <a:r>
+              <a:rPr lang="zh-TW" altLang="en-US">
+                <a:solidFill>
+                  <a:srgbClr val="FFC000"/>
+                </a:solidFill>
+              </a:rPr>
+              <a:t>拆箱</a:t>
+            </a:r>
+            <a:r>
+              <a:rPr lang="en-US" altLang="zh-TW">
+                <a:solidFill>
+                  <a:srgbClr val="FFC000"/>
+                </a:solidFill>
+              </a:rPr>
+              <a:t>(unboxing)</a:t>
+            </a:r>
+            <a:endParaRPr lang="en-US" altLang="zh-TW"/>
+          </a:p>
+        </p:txBody>
+      </p:sp>
+    </p:spTree>
+    <p:extLst>
+      <p:ext uri="{BB962C8B-B14F-4D97-AF65-F5344CB8AC3E}">
+        <p14:creationId xmlns:p14="http://schemas.microsoft.com/office/powerpoint/2010/main" val="3926456579"/>
+      </p:ext>
+    </p:extLst>
+  </p:cSld>
+  <p:clrMapOvr>
+    <a:masterClrMapping/>
+  </p:clrMapOvr>
+  <p:transition spd="slow">
+    <p:push dir="u"/>
+  </p:transition>
+</p:sld>
+</file>
+
+<file path=ppt/slides/slide4.xml><?xml version="1.0" encoding="utf-8"?>
+<p:sld xmlns:a="http://schemas.openxmlformats.org/drawingml/2006/main" xmlns:r="http://schemas.openxmlformats.org/officeDocument/2006/relationships" xmlns:p="http://schemas.openxmlformats.org/presentationml/2006/main">
+  <p:cSld>
+    <p:spTree>
+      <p:nvGrpSpPr>
+        <p:cNvPr id="1" name=""/>
+        <p:cNvGrpSpPr/>
+        <p:nvPr/>
+      </p:nvGrpSpPr>
+      <p:grpSpPr>
+        <a:xfrm>
+          <a:off x="0" y="0"/>
+          <a:ext cx="0" cy="0"/>
+          <a:chOff x="0" y="0"/>
+          <a:chExt cx="0" cy="0"/>
+        </a:xfrm>
+      </p:grpSpPr>
+      <p:sp>
+        <p:nvSpPr>
+          <p:cNvPr id="2" name="標題 1">
+            <a:extLst>
+              <a:ext uri="{FF2B5EF4-FFF2-40B4-BE49-F238E27FC236}">
+                <a16:creationId xmlns:a16="http://schemas.microsoft.com/office/drawing/2014/main" id="{ACCB5A3A-36A1-4F9D-BD0B-870DC9FE6059}"/>
+              </a:ext>
+            </a:extLst>
+          </p:cNvPr>
+          <p:cNvSpPr>
+            <a:spLocks noGrp="1"/>
+          </p:cNvSpPr>
+          <p:nvPr>
+            <p:ph type="title"/>
+          </p:nvPr>
+        </p:nvSpPr>
+        <p:spPr>
+          <a:xfrm>
+            <a:off x="838200" y="179739"/>
+            <a:ext cx="10515600" cy="1325563"/>
+          </a:xfrm>
+        </p:spPr>
+        <p:txBody>
+          <a:bodyPr/>
+          <a:lstStyle/>
+          <a:p>
+            <a:r>
+              <a:rPr lang="zh-TW" altLang="en-US"/>
+              <a:t>自動拆箱</a:t>
+            </a:r>
+          </a:p>
+        </p:txBody>
+      </p:sp>
+      <p:sp>
+        <p:nvSpPr>
+          <p:cNvPr id="3" name="內容版面配置區 2">
+            <a:extLst>
+              <a:ext uri="{FF2B5EF4-FFF2-40B4-BE49-F238E27FC236}">
+                <a16:creationId xmlns:a16="http://schemas.microsoft.com/office/drawing/2014/main" id="{241A4B8C-D464-4CFD-A363-57B3471737B6}"/>
+              </a:ext>
+            </a:extLst>
+          </p:cNvPr>
+          <p:cNvSpPr>
+            <a:spLocks noGrp="1"/>
+          </p:cNvSpPr>
+          <p:nvPr>
+            <p:ph idx="1"/>
+          </p:nvPr>
+        </p:nvSpPr>
+        <p:spPr>
+          <a:xfrm>
+            <a:off x="838200" y="1350498"/>
+            <a:ext cx="10515600" cy="505197"/>
+          </a:xfrm>
+        </p:spPr>
+        <p:txBody>
+          <a:bodyPr/>
+          <a:lstStyle/>
+          <a:p>
+            <a:r>
+              <a:rPr lang="zh-TW" altLang="en-US">
+                <a:solidFill>
+                  <a:srgbClr val="00B0F0"/>
+                </a:solidFill>
+              </a:rPr>
+              <a:t>包裝類別</a:t>
+            </a:r>
+            <a:r>
+              <a:rPr lang="zh-TW" altLang="en-US"/>
+              <a:t>可以像</a:t>
+            </a:r>
+            <a:r>
+              <a:rPr lang="zh-TW" altLang="en-US">
+                <a:solidFill>
+                  <a:srgbClr val="00B0F0"/>
+                </a:solidFill>
+              </a:rPr>
+              <a:t>基本資料型別</a:t>
+            </a:r>
+            <a:r>
+              <a:rPr lang="zh-TW" altLang="en-US"/>
+              <a:t>一樣進行各式</a:t>
+            </a:r>
+            <a:r>
+              <a:rPr lang="zh-TW" altLang="en-US">
+                <a:solidFill>
+                  <a:srgbClr val="00B0F0"/>
+                </a:solidFill>
+              </a:rPr>
+              <a:t>運算</a:t>
+            </a:r>
+            <a:endParaRPr lang="en-US" altLang="zh-TW">
+              <a:solidFill>
+                <a:srgbClr val="00B0F0"/>
+              </a:solidFill>
+            </a:endParaRPr>
+          </a:p>
+        </p:txBody>
+      </p:sp>
+      <p:grpSp>
+        <p:nvGrpSpPr>
+          <p:cNvPr id="12" name="群組 11">
+            <a:extLst>
+              <a:ext uri="{FF2B5EF4-FFF2-40B4-BE49-F238E27FC236}">
+                <a16:creationId xmlns:a16="http://schemas.microsoft.com/office/drawing/2014/main" id="{64A56BC7-EC69-4AE2-8553-03EB447BA148}"/>
+              </a:ext>
+            </a:extLst>
+          </p:cNvPr>
+          <p:cNvGrpSpPr/>
+          <p:nvPr/>
+        </p:nvGrpSpPr>
+        <p:grpSpPr>
+          <a:xfrm>
+            <a:off x="838200" y="4677285"/>
+            <a:ext cx="10515600" cy="1600438"/>
+            <a:chOff x="838200" y="4784861"/>
+            <a:chExt cx="10515600" cy="1600438"/>
+          </a:xfrm>
+        </p:grpSpPr>
+        <p:sp>
+          <p:nvSpPr>
+            <p:cNvPr id="6" name="Rectangle 3">
+              <a:extLst>
+                <a:ext uri="{FF2B5EF4-FFF2-40B4-BE49-F238E27FC236}">
+                  <a16:creationId xmlns:a16="http://schemas.microsoft.com/office/drawing/2014/main" id="{E3A0BCAD-85C7-45E3-B833-738261EE577E}"/>
+                </a:ext>
+              </a:extLst>
+            </p:cNvPr>
+            <p:cNvSpPr>
+              <a:spLocks noChangeArrowheads="1"/>
+            </p:cNvSpPr>
+            <p:nvPr/>
+          </p:nvSpPr>
+          <p:spPr bwMode="auto">
+            <a:xfrm>
+              <a:off x="838200" y="4784861"/>
+              <a:ext cx="10515600" cy="1600438"/>
+            </a:xfrm>
+            <a:prstGeom prst="rect">
+              <a:avLst/>
+            </a:prstGeom>
+            <a:solidFill>
+              <a:srgbClr val="1E1F22"/>
+            </a:solidFill>
+            <a:ln>
+              <a:noFill/>
+            </a:ln>
+            <a:effectLst/>
+            <a:extLst>
+              <a:ext uri="{91240B29-F687-4F45-9708-019B960494DF}">
+                <a14:hiddenLine xmlns:a14="http://schemas.microsoft.com/office/drawing/2010/main" w="9525">
+                  <a:solidFill>
+                    <a:schemeClr val="tx1"/>
+                  </a:solidFill>
+                  <a:miter lim="800000"/>
+                  <a:headEnd/>
+                  <a:tailEnd/>
+                </a14:hiddenLine>
+              </a:ext>
+              <a:ext uri="{AF507438-7753-43E0-B8FC-AC1667EBCBE1}">
+                <a14:hiddenEffects xmlns:a14="http://schemas.microsoft.com/office/drawing/2010/main">
+                  <a:effectLst>
+                    <a:outerShdw dist="35921" dir="2700000" algn="ctr" rotWithShape="0">
+                      <a:schemeClr val="bg2"/>
+                    </a:outerShdw>
+                  </a:effectLst>
+                </a14:hiddenEffects>
+              </a:ext>
+            </a:extLst>
+          </p:spPr>
+          <p:txBody>
+            <a:bodyPr vert="horz" wrap="square" lIns="91440" tIns="45720" rIns="91440" bIns="45720" numCol="1" anchor="ctr" anchorCtr="0" compatLnSpc="1">
+              <a:prstTxWarp prst="textNoShape">
+                <a:avLst/>
+              </a:prstTxWarp>
+              <a:spAutoFit/>
+            </a:bodyPr>
+            <a:lstStyle/>
+            <a:p>
+              <a:pPr marL="0" marR="0" lvl="0" indent="0" algn="l" defTabSz="914400" rtl="0" eaLnBrk="0" fontAlgn="base" latinLnBrk="0" hangingPunct="0">
+                <a:lnSpc>
+                  <a:spcPct val="100000"/>
+                </a:lnSpc>
+                <a:spcBef>
+                  <a:spcPct val="0"/>
+                </a:spcBef>
+                <a:spcAft>
+                  <a:spcPct val="0"/>
+                </a:spcAft>
+                <a:buClrTx/>
+                <a:buSzTx/>
+                <a:buFontTx/>
+                <a:buNone/>
+                <a:tabLst/>
+              </a:pPr>
+              <a:r>
+                <a:rPr kumimoji="0" lang="zh-TW" altLang="zh-TW" sz="1400" b="0" i="0" u="none" strike="noStrike" cap="none" normalizeH="0" baseline="0">
+                  <a:ln>
+                    <a:noFill/>
+                  </a:ln>
+                  <a:solidFill>
+                    <a:srgbClr val="CF8E6D"/>
+                  </a:solidFill>
+                  <a:effectLst/>
+                  <a:latin typeface="+mj-lt"/>
+                  <a:cs typeface="JetBrains Mono" panose="02000009000000000000" pitchFamily="49" charset="0"/>
+                </a:rPr>
+                <a:t>public class </a:t>
+              </a:r>
+              <a:r>
+                <a:rPr kumimoji="0" lang="zh-TW" altLang="zh-TW" sz="1400" b="0" i="0" u="none" strike="noStrike" cap="none" normalizeH="0" baseline="0">
+                  <a:ln>
+                    <a:noFill/>
+                  </a:ln>
+                  <a:solidFill>
+                    <a:srgbClr val="BCBEC4"/>
+                  </a:solidFill>
+                  <a:effectLst/>
+                  <a:latin typeface="+mj-lt"/>
+                  <a:cs typeface="JetBrains Mono" panose="02000009000000000000" pitchFamily="49" charset="0"/>
+                </a:rPr>
+                <a:t>Main1 {</a:t>
+              </a:r>
+              <a:br>
+                <a:rPr kumimoji="0" lang="zh-TW" altLang="zh-TW" sz="1400" b="0" i="0" u="none" strike="noStrike" cap="none" normalizeH="0" baseline="0">
+                  <a:ln>
+                    <a:noFill/>
+                  </a:ln>
+                  <a:solidFill>
+                    <a:srgbClr val="BCBEC4"/>
+                  </a:solidFill>
+                  <a:effectLst/>
+                  <a:latin typeface="+mj-lt"/>
+                  <a:cs typeface="JetBrains Mono" panose="02000009000000000000" pitchFamily="49" charset="0"/>
+                </a:rPr>
+              </a:br>
+              <a:r>
+                <a:rPr kumimoji="0" lang="zh-TW" altLang="zh-TW" sz="1400" b="0" i="0" u="none" strike="noStrike" cap="none" normalizeH="0" baseline="0">
+                  <a:ln>
+                    <a:noFill/>
+                  </a:ln>
+                  <a:solidFill>
+                    <a:srgbClr val="BCBEC4"/>
+                  </a:solidFill>
+                  <a:effectLst/>
+                  <a:latin typeface="+mj-lt"/>
+                  <a:cs typeface="JetBrains Mono" panose="02000009000000000000" pitchFamily="49" charset="0"/>
+                </a:rPr>
+                <a:t>    </a:t>
+              </a:r>
+              <a:r>
+                <a:rPr kumimoji="0" lang="zh-TW" altLang="zh-TW" sz="1400" b="0" i="0" u="none" strike="noStrike" cap="none" normalizeH="0" baseline="0">
+                  <a:ln>
+                    <a:noFill/>
+                  </a:ln>
+                  <a:solidFill>
+                    <a:srgbClr val="CF8E6D"/>
+                  </a:solidFill>
+                  <a:effectLst/>
+                  <a:latin typeface="+mj-lt"/>
+                  <a:cs typeface="JetBrains Mono" panose="02000009000000000000" pitchFamily="49" charset="0"/>
+                </a:rPr>
+                <a:t>public static void </a:t>
+              </a:r>
+              <a:r>
+                <a:rPr kumimoji="0" lang="zh-TW" altLang="zh-TW" sz="1400" b="0" i="0" u="none" strike="noStrike" cap="none" normalizeH="0" baseline="0">
+                  <a:ln>
+                    <a:noFill/>
+                  </a:ln>
+                  <a:solidFill>
+                    <a:srgbClr val="56A8F5"/>
+                  </a:solidFill>
+                  <a:effectLst/>
+                  <a:latin typeface="+mj-lt"/>
+                  <a:cs typeface="JetBrains Mono" panose="02000009000000000000" pitchFamily="49" charset="0"/>
+                </a:rPr>
+                <a:t>main</a:t>
+              </a:r>
+              <a:r>
+                <a:rPr kumimoji="0" lang="zh-TW" altLang="zh-TW" sz="1400" b="0" i="0" u="none" strike="noStrike" cap="none" normalizeH="0" baseline="0">
+                  <a:ln>
+                    <a:noFill/>
+                  </a:ln>
+                  <a:solidFill>
+                    <a:srgbClr val="BCBEC4"/>
+                  </a:solidFill>
+                  <a:effectLst/>
+                  <a:latin typeface="+mj-lt"/>
+                  <a:cs typeface="JetBrains Mono" panose="02000009000000000000" pitchFamily="49" charset="0"/>
+                </a:rPr>
+                <a:t>(String[] args) {</a:t>
+              </a:r>
+              <a:br>
+                <a:rPr kumimoji="0" lang="zh-TW" altLang="zh-TW" sz="1400" b="0" i="0" u="none" strike="noStrike" cap="none" normalizeH="0" baseline="0">
+                  <a:ln>
+                    <a:noFill/>
+                  </a:ln>
+                  <a:solidFill>
+                    <a:srgbClr val="BCBEC4"/>
+                  </a:solidFill>
+                  <a:effectLst/>
+                  <a:latin typeface="+mj-lt"/>
+                  <a:cs typeface="JetBrains Mono" panose="02000009000000000000" pitchFamily="49" charset="0"/>
+                </a:rPr>
+              </a:br>
+              <a:r>
+                <a:rPr kumimoji="0" lang="zh-TW" altLang="zh-TW" sz="1400" b="0" i="0" u="none" strike="noStrike" cap="none" normalizeH="0" baseline="0">
+                  <a:ln>
+                    <a:noFill/>
+                  </a:ln>
+                  <a:solidFill>
+                    <a:srgbClr val="BCBEC4"/>
+                  </a:solidFill>
+                  <a:effectLst/>
+                  <a:latin typeface="+mj-lt"/>
+                  <a:cs typeface="JetBrains Mono" panose="02000009000000000000" pitchFamily="49" charset="0"/>
+                </a:rPr>
+                <a:t>        System.</a:t>
+              </a:r>
+              <a:r>
+                <a:rPr kumimoji="0" lang="zh-TW" altLang="zh-TW" sz="1400" b="0" i="1" u="none" strike="noStrike" cap="none" normalizeH="0" baseline="0">
+                  <a:ln>
+                    <a:noFill/>
+                  </a:ln>
+                  <a:solidFill>
+                    <a:srgbClr val="C77DBB"/>
+                  </a:solidFill>
+                  <a:effectLst/>
+                  <a:latin typeface="+mj-lt"/>
+                  <a:cs typeface="JetBrains Mono" panose="02000009000000000000" pitchFamily="49" charset="0"/>
+                </a:rPr>
+                <a:t>out</a:t>
+              </a:r>
+              <a:r>
+                <a:rPr kumimoji="0" lang="zh-TW" altLang="zh-TW" sz="1400" b="0" i="0" u="none" strike="noStrike" cap="none" normalizeH="0" baseline="0">
+                  <a:ln>
+                    <a:noFill/>
+                  </a:ln>
+                  <a:solidFill>
+                    <a:srgbClr val="BCBEC4"/>
+                  </a:solidFill>
+                  <a:effectLst/>
+                  <a:latin typeface="+mj-lt"/>
+                  <a:cs typeface="JetBrains Mono" panose="02000009000000000000" pitchFamily="49" charset="0"/>
+                </a:rPr>
+                <a:t>.println(</a:t>
+              </a:r>
+              <a:r>
+                <a:rPr kumimoji="0" lang="zh-TW" altLang="zh-TW" sz="1400" b="0" i="0" u="none" strike="noStrike" cap="none" normalizeH="0" baseline="0">
+                  <a:ln>
+                    <a:noFill/>
+                  </a:ln>
+                  <a:solidFill>
+                    <a:srgbClr val="2AACB8"/>
+                  </a:solidFill>
+                  <a:effectLst/>
+                  <a:latin typeface="+mj-lt"/>
+                  <a:cs typeface="JetBrains Mono" panose="02000009000000000000" pitchFamily="49" charset="0"/>
+                </a:rPr>
+                <a:t>100 </a:t>
+              </a:r>
+              <a:r>
+                <a:rPr kumimoji="0" lang="zh-TW" altLang="zh-TW" sz="1400" b="0" i="0" u="none" strike="noStrike" cap="none" normalizeH="0" baseline="0">
+                  <a:ln>
+                    <a:noFill/>
+                  </a:ln>
+                  <a:solidFill>
+                    <a:srgbClr val="BCBEC4"/>
+                  </a:solidFill>
+                  <a:effectLst/>
+                  <a:latin typeface="+mj-lt"/>
+                  <a:cs typeface="JetBrains Mono" panose="02000009000000000000" pitchFamily="49" charset="0"/>
+                </a:rPr>
+                <a:t>+ Integer.</a:t>
+              </a:r>
+              <a:r>
+                <a:rPr kumimoji="0" lang="zh-TW" altLang="zh-TW" sz="1400" b="0" i="1" u="none" strike="noStrike" cap="none" normalizeH="0" baseline="0">
+                  <a:ln>
+                    <a:noFill/>
+                  </a:ln>
+                  <a:solidFill>
+                    <a:srgbClr val="BCBEC4"/>
+                  </a:solidFill>
+                  <a:effectLst/>
+                  <a:latin typeface="+mj-lt"/>
+                  <a:cs typeface="JetBrains Mono" panose="02000009000000000000" pitchFamily="49" charset="0"/>
+                </a:rPr>
+                <a:t>valueOf</a:t>
+              </a:r>
+              <a:r>
+                <a:rPr kumimoji="0" lang="zh-TW" altLang="zh-TW" sz="1400" b="0" i="0" u="none" strike="noStrike" cap="none" normalizeH="0" baseline="0">
+                  <a:ln>
+                    <a:noFill/>
+                  </a:ln>
+                  <a:solidFill>
+                    <a:srgbClr val="BCBEC4"/>
+                  </a:solidFill>
+                  <a:effectLst/>
+                  <a:latin typeface="+mj-lt"/>
+                  <a:cs typeface="JetBrains Mono" panose="02000009000000000000" pitchFamily="49" charset="0"/>
+                </a:rPr>
+                <a:t>(</a:t>
+              </a:r>
+              <a:r>
+                <a:rPr kumimoji="0" lang="zh-TW" altLang="zh-TW" sz="1400" b="0" i="0" u="none" strike="noStrike" cap="none" normalizeH="0" baseline="0">
+                  <a:ln>
+                    <a:noFill/>
+                  </a:ln>
+                  <a:solidFill>
+                    <a:srgbClr val="2AACB8"/>
+                  </a:solidFill>
+                  <a:effectLst/>
+                  <a:latin typeface="+mj-lt"/>
+                  <a:cs typeface="JetBrains Mono" panose="02000009000000000000" pitchFamily="49" charset="0"/>
+                </a:rPr>
+                <a:t>200</a:t>
+              </a:r>
+              <a:r>
+                <a:rPr kumimoji="0" lang="zh-TW" altLang="zh-TW" sz="1400" b="0" i="0" u="none" strike="noStrike" cap="none" normalizeH="0" baseline="0">
+                  <a:ln>
+                    <a:noFill/>
+                  </a:ln>
+                  <a:solidFill>
+                    <a:srgbClr val="BCBEC4"/>
+                  </a:solidFill>
+                  <a:effectLst/>
+                  <a:latin typeface="+mj-lt"/>
+                  <a:cs typeface="JetBrains Mono" panose="02000009000000000000" pitchFamily="49" charset="0"/>
+                </a:rPr>
+                <a:t>).intValue());</a:t>
+              </a:r>
+              <a:br>
+                <a:rPr kumimoji="0" lang="zh-TW" altLang="zh-TW" sz="1400" b="0" i="0" u="none" strike="noStrike" cap="none" normalizeH="0" baseline="0">
+                  <a:ln>
+                    <a:noFill/>
+                  </a:ln>
+                  <a:solidFill>
+                    <a:srgbClr val="BCBEC4"/>
+                  </a:solidFill>
+                  <a:effectLst/>
+                  <a:latin typeface="+mj-lt"/>
+                  <a:cs typeface="JetBrains Mono" panose="02000009000000000000" pitchFamily="49" charset="0"/>
+                </a:rPr>
+              </a:br>
+              <a:r>
+                <a:rPr kumimoji="0" lang="zh-TW" altLang="zh-TW" sz="1400" b="0" i="0" u="none" strike="noStrike" cap="none" normalizeH="0" baseline="0">
+                  <a:ln>
+                    <a:noFill/>
+                  </a:ln>
+                  <a:solidFill>
+                    <a:srgbClr val="BCBEC4"/>
+                  </a:solidFill>
+                  <a:effectLst/>
+                  <a:latin typeface="+mj-lt"/>
+                  <a:cs typeface="JetBrains Mono" panose="02000009000000000000" pitchFamily="49" charset="0"/>
+                </a:rPr>
+                <a:t>        System.</a:t>
+              </a:r>
+              <a:r>
+                <a:rPr kumimoji="0" lang="zh-TW" altLang="zh-TW" sz="1400" b="0" i="1" u="none" strike="noStrike" cap="none" normalizeH="0" baseline="0">
+                  <a:ln>
+                    <a:noFill/>
+                  </a:ln>
+                  <a:solidFill>
+                    <a:srgbClr val="C77DBB"/>
+                  </a:solidFill>
+                  <a:effectLst/>
+                  <a:latin typeface="+mj-lt"/>
+                  <a:cs typeface="JetBrains Mono" panose="02000009000000000000" pitchFamily="49" charset="0"/>
+                </a:rPr>
+                <a:t>out</a:t>
+              </a:r>
+              <a:r>
+                <a:rPr kumimoji="0" lang="zh-TW" altLang="zh-TW" sz="1400" b="0" i="0" u="none" strike="noStrike" cap="none" normalizeH="0" baseline="0">
+                  <a:ln>
+                    <a:noFill/>
+                  </a:ln>
+                  <a:solidFill>
+                    <a:srgbClr val="BCBEC4"/>
+                  </a:solidFill>
+                  <a:effectLst/>
+                  <a:latin typeface="+mj-lt"/>
+                  <a:cs typeface="JetBrains Mono" panose="02000009000000000000" pitchFamily="49" charset="0"/>
+                </a:rPr>
+                <a:t>.println(Integer.</a:t>
+              </a:r>
+              <a:r>
+                <a:rPr kumimoji="0" lang="zh-TW" altLang="zh-TW" sz="1400" b="0" i="1" u="none" strike="noStrike" cap="none" normalizeH="0" baseline="0">
+                  <a:ln>
+                    <a:noFill/>
+                  </a:ln>
+                  <a:solidFill>
+                    <a:srgbClr val="BCBEC4"/>
+                  </a:solidFill>
+                  <a:effectLst/>
+                  <a:latin typeface="+mj-lt"/>
+                  <a:cs typeface="JetBrains Mono" panose="02000009000000000000" pitchFamily="49" charset="0"/>
+                </a:rPr>
+                <a:t>valueOf</a:t>
+              </a:r>
+              <a:r>
+                <a:rPr kumimoji="0" lang="zh-TW" altLang="zh-TW" sz="1400" b="0" i="0" u="none" strike="noStrike" cap="none" normalizeH="0" baseline="0">
+                  <a:ln>
+                    <a:noFill/>
+                  </a:ln>
+                  <a:solidFill>
+                    <a:srgbClr val="BCBEC4"/>
+                  </a:solidFill>
+                  <a:effectLst/>
+                  <a:latin typeface="+mj-lt"/>
+                  <a:cs typeface="JetBrains Mono" panose="02000009000000000000" pitchFamily="49" charset="0"/>
+                </a:rPr>
+                <a:t>(</a:t>
+              </a:r>
+              <a:r>
+                <a:rPr kumimoji="0" lang="zh-TW" altLang="zh-TW" sz="1400" b="0" i="0" u="none" strike="noStrike" cap="none" normalizeH="0" baseline="0">
+                  <a:ln>
+                    <a:noFill/>
+                  </a:ln>
+                  <a:solidFill>
+                    <a:srgbClr val="2AACB8"/>
+                  </a:solidFill>
+                  <a:effectLst/>
+                  <a:latin typeface="+mj-lt"/>
+                  <a:cs typeface="JetBrains Mono" panose="02000009000000000000" pitchFamily="49" charset="0"/>
+                </a:rPr>
+                <a:t>100</a:t>
+              </a:r>
+              <a:r>
+                <a:rPr kumimoji="0" lang="zh-TW" altLang="zh-TW" sz="1400" b="0" i="0" u="none" strike="noStrike" cap="none" normalizeH="0" baseline="0">
+                  <a:ln>
+                    <a:noFill/>
+                  </a:ln>
+                  <a:solidFill>
+                    <a:srgbClr val="BCBEC4"/>
+                  </a:solidFill>
+                  <a:effectLst/>
+                  <a:latin typeface="+mj-lt"/>
+                  <a:cs typeface="JetBrains Mono" panose="02000009000000000000" pitchFamily="49" charset="0"/>
+                </a:rPr>
+                <a:t>).intValue() / </a:t>
+              </a:r>
+              <a:r>
+                <a:rPr kumimoji="0" lang="zh-TW" altLang="zh-TW" sz="1400" b="0" i="0" u="none" strike="noStrike" cap="none" normalizeH="0" baseline="0">
+                  <a:ln>
+                    <a:noFill/>
+                  </a:ln>
+                  <a:solidFill>
+                    <a:srgbClr val="2AACB8"/>
+                  </a:solidFill>
+                  <a:effectLst/>
+                  <a:latin typeface="+mj-lt"/>
+                  <a:cs typeface="JetBrains Mono" panose="02000009000000000000" pitchFamily="49" charset="0"/>
+                </a:rPr>
+                <a:t>200</a:t>
+              </a:r>
+              <a:r>
+                <a:rPr kumimoji="0" lang="zh-TW" altLang="zh-TW" sz="1400" b="0" i="0" u="none" strike="noStrike" cap="none" normalizeH="0" baseline="0">
+                  <a:ln>
+                    <a:noFill/>
+                  </a:ln>
+                  <a:solidFill>
+                    <a:srgbClr val="BCBEC4"/>
+                  </a:solidFill>
+                  <a:effectLst/>
+                  <a:latin typeface="+mj-lt"/>
+                  <a:cs typeface="JetBrains Mono" panose="02000009000000000000" pitchFamily="49" charset="0"/>
+                </a:rPr>
+                <a:t>);</a:t>
+              </a:r>
+              <a:br>
+                <a:rPr kumimoji="0" lang="zh-TW" altLang="zh-TW" sz="1400" b="0" i="0" u="none" strike="noStrike" cap="none" normalizeH="0" baseline="0">
+                  <a:ln>
+                    <a:noFill/>
+                  </a:ln>
+                  <a:solidFill>
+                    <a:srgbClr val="BCBEC4"/>
+                  </a:solidFill>
+                  <a:effectLst/>
+                  <a:latin typeface="+mj-lt"/>
+                  <a:cs typeface="JetBrains Mono" panose="02000009000000000000" pitchFamily="49" charset="0"/>
+                </a:rPr>
+              </a:br>
+              <a:r>
+                <a:rPr kumimoji="0" lang="zh-TW" altLang="zh-TW" sz="1400" b="0" i="0" u="none" strike="noStrike" cap="none" normalizeH="0" baseline="0">
+                  <a:ln>
+                    <a:noFill/>
+                  </a:ln>
+                  <a:solidFill>
+                    <a:srgbClr val="BCBEC4"/>
+                  </a:solidFill>
+                  <a:effectLst/>
+                  <a:latin typeface="+mj-lt"/>
+                  <a:cs typeface="JetBrains Mono" panose="02000009000000000000" pitchFamily="49" charset="0"/>
+                </a:rPr>
+                <a:t>        System.</a:t>
+              </a:r>
+              <a:r>
+                <a:rPr kumimoji="0" lang="zh-TW" altLang="zh-TW" sz="1400" b="0" i="1" u="none" strike="noStrike" cap="none" normalizeH="0" baseline="0">
+                  <a:ln>
+                    <a:noFill/>
+                  </a:ln>
+                  <a:solidFill>
+                    <a:srgbClr val="C77DBB"/>
+                  </a:solidFill>
+                  <a:effectLst/>
+                  <a:latin typeface="+mj-lt"/>
+                  <a:cs typeface="JetBrains Mono" panose="02000009000000000000" pitchFamily="49" charset="0"/>
+                </a:rPr>
+                <a:t>out</a:t>
+              </a:r>
+              <a:r>
+                <a:rPr kumimoji="0" lang="zh-TW" altLang="zh-TW" sz="1400" b="0" i="0" u="none" strike="noStrike" cap="none" normalizeH="0" baseline="0">
+                  <a:ln>
+                    <a:noFill/>
+                  </a:ln>
+                  <a:solidFill>
+                    <a:srgbClr val="BCBEC4"/>
+                  </a:solidFill>
+                  <a:effectLst/>
+                  <a:latin typeface="+mj-lt"/>
+                  <a:cs typeface="JetBrains Mono" panose="02000009000000000000" pitchFamily="49" charset="0"/>
+                </a:rPr>
+                <a:t>.println(Integer.</a:t>
+              </a:r>
+              <a:r>
+                <a:rPr kumimoji="0" lang="zh-TW" altLang="zh-TW" sz="1400" b="0" i="1" u="none" strike="noStrike" cap="none" normalizeH="0" baseline="0">
+                  <a:ln>
+                    <a:noFill/>
+                  </a:ln>
+                  <a:solidFill>
+                    <a:srgbClr val="BCBEC4"/>
+                  </a:solidFill>
+                  <a:effectLst/>
+                  <a:latin typeface="+mj-lt"/>
+                  <a:cs typeface="JetBrains Mono" panose="02000009000000000000" pitchFamily="49" charset="0"/>
+                </a:rPr>
+                <a:t>valueOf</a:t>
+              </a:r>
+              <a:r>
+                <a:rPr kumimoji="0" lang="zh-TW" altLang="zh-TW" sz="1400" b="0" i="0" u="none" strike="noStrike" cap="none" normalizeH="0" baseline="0">
+                  <a:ln>
+                    <a:noFill/>
+                  </a:ln>
+                  <a:solidFill>
+                    <a:srgbClr val="BCBEC4"/>
+                  </a:solidFill>
+                  <a:effectLst/>
+                  <a:latin typeface="+mj-lt"/>
+                  <a:cs typeface="JetBrains Mono" panose="02000009000000000000" pitchFamily="49" charset="0"/>
+                </a:rPr>
+                <a:t>(</a:t>
+              </a:r>
+              <a:r>
+                <a:rPr kumimoji="0" lang="zh-TW" altLang="zh-TW" sz="1400" b="0" i="0" u="none" strike="noStrike" cap="none" normalizeH="0" baseline="0">
+                  <a:ln>
+                    <a:noFill/>
+                  </a:ln>
+                  <a:solidFill>
+                    <a:srgbClr val="2AACB8"/>
+                  </a:solidFill>
+                  <a:effectLst/>
+                  <a:latin typeface="+mj-lt"/>
+                  <a:cs typeface="JetBrains Mono" panose="02000009000000000000" pitchFamily="49" charset="0"/>
+                </a:rPr>
+                <a:t>100</a:t>
+              </a:r>
+              <a:r>
+                <a:rPr kumimoji="0" lang="zh-TW" altLang="zh-TW" sz="1400" b="0" i="0" u="none" strike="noStrike" cap="none" normalizeH="0" baseline="0">
+                  <a:ln>
+                    <a:noFill/>
+                  </a:ln>
+                  <a:solidFill>
+                    <a:srgbClr val="BCBEC4"/>
+                  </a:solidFill>
+                  <a:effectLst/>
+                  <a:latin typeface="+mj-lt"/>
+                  <a:cs typeface="JetBrains Mono" panose="02000009000000000000" pitchFamily="49" charset="0"/>
+                </a:rPr>
+                <a:t>).intValue() % Integer.</a:t>
+              </a:r>
+              <a:r>
+                <a:rPr kumimoji="0" lang="zh-TW" altLang="zh-TW" sz="1400" b="0" i="1" u="none" strike="noStrike" cap="none" normalizeH="0" baseline="0">
+                  <a:ln>
+                    <a:noFill/>
+                  </a:ln>
+                  <a:solidFill>
+                    <a:srgbClr val="BCBEC4"/>
+                  </a:solidFill>
+                  <a:effectLst/>
+                  <a:latin typeface="+mj-lt"/>
+                  <a:cs typeface="JetBrains Mono" panose="02000009000000000000" pitchFamily="49" charset="0"/>
+                </a:rPr>
+                <a:t>valueOf</a:t>
+              </a:r>
+              <a:r>
+                <a:rPr kumimoji="0" lang="zh-TW" altLang="zh-TW" sz="1400" b="0" i="0" u="none" strike="noStrike" cap="none" normalizeH="0" baseline="0">
+                  <a:ln>
+                    <a:noFill/>
+                  </a:ln>
+                  <a:solidFill>
+                    <a:srgbClr val="BCBEC4"/>
+                  </a:solidFill>
+                  <a:effectLst/>
+                  <a:latin typeface="+mj-lt"/>
+                  <a:cs typeface="JetBrains Mono" panose="02000009000000000000" pitchFamily="49" charset="0"/>
+                </a:rPr>
+                <a:t>(</a:t>
+              </a:r>
+              <a:r>
+                <a:rPr kumimoji="0" lang="zh-TW" altLang="zh-TW" sz="1400" b="0" i="0" u="none" strike="noStrike" cap="none" normalizeH="0" baseline="0">
+                  <a:ln>
+                    <a:noFill/>
+                  </a:ln>
+                  <a:solidFill>
+                    <a:srgbClr val="2AACB8"/>
+                  </a:solidFill>
+                  <a:effectLst/>
+                  <a:latin typeface="+mj-lt"/>
+                  <a:cs typeface="JetBrains Mono" panose="02000009000000000000" pitchFamily="49" charset="0"/>
+                </a:rPr>
+                <a:t>200</a:t>
+              </a:r>
+              <a:r>
+                <a:rPr kumimoji="0" lang="zh-TW" altLang="zh-TW" sz="1400" b="0" i="0" u="none" strike="noStrike" cap="none" normalizeH="0" baseline="0">
+                  <a:ln>
+                    <a:noFill/>
+                  </a:ln>
+                  <a:solidFill>
+                    <a:srgbClr val="BCBEC4"/>
+                  </a:solidFill>
+                  <a:effectLst/>
+                  <a:latin typeface="+mj-lt"/>
+                  <a:cs typeface="JetBrains Mono" panose="02000009000000000000" pitchFamily="49" charset="0"/>
+                </a:rPr>
+                <a:t>).intValue());</a:t>
+              </a:r>
+              <a:br>
+                <a:rPr kumimoji="0" lang="zh-TW" altLang="zh-TW" sz="1400" b="0" i="0" u="none" strike="noStrike" cap="none" normalizeH="0" baseline="0">
+                  <a:ln>
+                    <a:noFill/>
+                  </a:ln>
+                  <a:solidFill>
+                    <a:srgbClr val="BCBEC4"/>
+                  </a:solidFill>
+                  <a:effectLst/>
+                  <a:latin typeface="+mj-lt"/>
+                  <a:cs typeface="JetBrains Mono" panose="02000009000000000000" pitchFamily="49" charset="0"/>
+                </a:rPr>
+              </a:br>
+              <a:r>
+                <a:rPr kumimoji="0" lang="zh-TW" altLang="zh-TW" sz="1400" b="0" i="0" u="none" strike="noStrike" cap="none" normalizeH="0" baseline="0">
+                  <a:ln>
+                    <a:noFill/>
+                  </a:ln>
+                  <a:solidFill>
+                    <a:srgbClr val="BCBEC4"/>
+                  </a:solidFill>
+                  <a:effectLst/>
+                  <a:latin typeface="+mj-lt"/>
+                  <a:cs typeface="JetBrains Mono" panose="02000009000000000000" pitchFamily="49" charset="0"/>
+                </a:rPr>
+                <a:t>    }</a:t>
+              </a:r>
+              <a:br>
+                <a:rPr kumimoji="0" lang="zh-TW" altLang="zh-TW" sz="1400" b="0" i="0" u="none" strike="noStrike" cap="none" normalizeH="0" baseline="0">
+                  <a:ln>
+                    <a:noFill/>
+                  </a:ln>
+                  <a:solidFill>
+                    <a:srgbClr val="BCBEC4"/>
+                  </a:solidFill>
+                  <a:effectLst/>
+                  <a:latin typeface="+mj-lt"/>
+                  <a:cs typeface="JetBrains Mono" panose="02000009000000000000" pitchFamily="49" charset="0"/>
+                </a:rPr>
+              </a:br>
+              <a:r>
+                <a:rPr kumimoji="0" lang="zh-TW" altLang="zh-TW" sz="1400" b="0" i="0" u="none" strike="noStrike" cap="none" normalizeH="0" baseline="0">
+                  <a:ln>
+                    <a:noFill/>
+                  </a:ln>
+                  <a:solidFill>
+                    <a:srgbClr val="BCBEC4"/>
+                  </a:solidFill>
+                  <a:effectLst/>
+                  <a:latin typeface="+mj-lt"/>
+                  <a:cs typeface="JetBrains Mono" panose="02000009000000000000" pitchFamily="49" charset="0"/>
+                </a:rPr>
+                <a:t>}</a:t>
+              </a:r>
+              <a:endParaRPr kumimoji="0" lang="zh-TW" altLang="zh-TW" sz="1400" b="0" i="0" u="none" strike="noStrike" cap="none" normalizeH="0" baseline="0">
+                <a:ln>
+                  <a:noFill/>
+                </a:ln>
+                <a:solidFill>
+                  <a:schemeClr val="tx1"/>
+                </a:solidFill>
+                <a:effectLst/>
+                <a:latin typeface="+mj-lt"/>
+              </a:endParaRPr>
+            </a:p>
+          </p:txBody>
+        </p:sp>
+        <p:sp>
+          <p:nvSpPr>
+            <p:cNvPr id="7" name="文字方塊 6">
+              <a:extLst>
+                <a:ext uri="{FF2B5EF4-FFF2-40B4-BE49-F238E27FC236}">
+                  <a16:creationId xmlns:a16="http://schemas.microsoft.com/office/drawing/2014/main" id="{D07A86F5-BDFB-4880-B0E4-A6BF1EF9D299}"/>
+                </a:ext>
+              </a:extLst>
+            </p:cNvPr>
+            <p:cNvSpPr txBox="1"/>
+            <p:nvPr/>
+          </p:nvSpPr>
+          <p:spPr>
+            <a:xfrm>
+              <a:off x="10662585" y="6015967"/>
+              <a:ext cx="691215" cy="369332"/>
+            </a:xfrm>
+            <a:prstGeom prst="rect">
+              <a:avLst/>
+            </a:prstGeom>
+            <a:noFill/>
+          </p:spPr>
+          <p:txBody>
+            <a:bodyPr wrap="none" rtlCol="0">
+              <a:spAutoFit/>
+            </a:bodyPr>
+            <a:lstStyle/>
+            <a:p>
+              <a:r>
+                <a:rPr lang="en-US" altLang="zh-TW">
+                  <a:solidFill>
+                    <a:schemeClr val="accent3"/>
+                  </a:solidFill>
+                </a:rPr>
+                <a:t>java</a:t>
+              </a:r>
+              <a:endParaRPr lang="zh-TW" altLang="en-US">
+                <a:solidFill>
+                  <a:schemeClr val="accent3"/>
+                </a:solidFill>
+              </a:endParaRPr>
+            </a:p>
+          </p:txBody>
+        </p:sp>
+      </p:grpSp>
+      <p:grpSp>
+        <p:nvGrpSpPr>
+          <p:cNvPr id="10" name="群組 9">
+            <a:extLst>
+              <a:ext uri="{FF2B5EF4-FFF2-40B4-BE49-F238E27FC236}">
+                <a16:creationId xmlns:a16="http://schemas.microsoft.com/office/drawing/2014/main" id="{C116F6D1-8084-43B7-B656-EBDF11677DAB}"/>
+              </a:ext>
+            </a:extLst>
+          </p:cNvPr>
+          <p:cNvGrpSpPr/>
+          <p:nvPr/>
+        </p:nvGrpSpPr>
+        <p:grpSpPr>
+          <a:xfrm>
+            <a:off x="838200" y="1855695"/>
+            <a:ext cx="10515600" cy="1600440"/>
+            <a:chOff x="838200" y="3127416"/>
+            <a:chExt cx="10515600" cy="1600440"/>
+          </a:xfrm>
+        </p:grpSpPr>
+        <p:sp>
+          <p:nvSpPr>
+            <p:cNvPr id="5" name="Rectangle 2">
+              <a:extLst>
+                <a:ext uri="{FF2B5EF4-FFF2-40B4-BE49-F238E27FC236}">
+                  <a16:creationId xmlns:a16="http://schemas.microsoft.com/office/drawing/2014/main" id="{497BFAAD-B313-42A1-A0B8-3CF4BDB7E71D}"/>
+                </a:ext>
+              </a:extLst>
+            </p:cNvPr>
+            <p:cNvSpPr>
+              <a:spLocks noChangeArrowheads="1"/>
+            </p:cNvSpPr>
+            <p:nvPr/>
+          </p:nvSpPr>
+          <p:spPr bwMode="auto">
+            <a:xfrm>
+              <a:off x="838200" y="3127417"/>
+              <a:ext cx="10515600" cy="1600438"/>
+            </a:xfrm>
+            <a:prstGeom prst="rect">
+              <a:avLst/>
+            </a:prstGeom>
+            <a:solidFill>
+              <a:srgbClr val="1E1F22"/>
+            </a:solidFill>
+            <a:ln>
+              <a:noFill/>
+            </a:ln>
+            <a:effectLst/>
+            <a:extLst>
+              <a:ext uri="{91240B29-F687-4F45-9708-019B960494DF}">
+                <a14:hiddenLine xmlns:a14="http://schemas.microsoft.com/office/drawing/2010/main" w="9525">
+                  <a:solidFill>
+                    <a:schemeClr val="tx1"/>
+                  </a:solidFill>
+                  <a:miter lim="800000"/>
+                  <a:headEnd/>
+                  <a:tailEnd/>
+                </a14:hiddenLine>
+              </a:ext>
+              <a:ext uri="{AF507438-7753-43E0-B8FC-AC1667EBCBE1}">
+                <a14:hiddenEffects xmlns:a14="http://schemas.microsoft.com/office/drawing/2010/main">
+                  <a:effectLst>
+                    <a:outerShdw dist="35921" dir="2700000" algn="ctr" rotWithShape="0">
+                      <a:schemeClr val="bg2"/>
+                    </a:outerShdw>
+                  </a:effectLst>
+                </a14:hiddenEffects>
+              </a:ext>
+            </a:extLst>
+          </p:spPr>
+          <p:txBody>
+            <a:bodyPr vert="horz" wrap="square" lIns="91440" tIns="45720" rIns="91440" bIns="45720" numCol="1" anchor="ctr" anchorCtr="0" compatLnSpc="1">
+              <a:prstTxWarp prst="textNoShape">
+                <a:avLst/>
+              </a:prstTxWarp>
+              <a:spAutoFit/>
+            </a:bodyPr>
+            <a:lstStyle/>
+            <a:p>
+              <a:pPr marL="0" marR="0" lvl="0" indent="0" algn="l" defTabSz="914400" rtl="0" eaLnBrk="0" fontAlgn="base" latinLnBrk="0" hangingPunct="0">
+                <a:lnSpc>
+                  <a:spcPct val="100000"/>
+                </a:lnSpc>
+                <a:spcBef>
+                  <a:spcPct val="0"/>
+                </a:spcBef>
+                <a:spcAft>
+                  <a:spcPct val="0"/>
+                </a:spcAft>
+                <a:buClrTx/>
+                <a:buSzTx/>
+                <a:buFontTx/>
+                <a:buNone/>
+                <a:tabLst/>
+              </a:pPr>
+              <a:r>
+                <a:rPr kumimoji="0" lang="zh-TW" altLang="zh-TW" sz="1400" b="0" i="0" u="none" strike="noStrike" cap="none" normalizeH="0" baseline="0">
+                  <a:ln>
+                    <a:noFill/>
+                  </a:ln>
+                  <a:solidFill>
+                    <a:srgbClr val="CF8E6D"/>
+                  </a:solidFill>
+                  <a:effectLst/>
+                  <a:latin typeface="+mj-lt"/>
+                  <a:cs typeface="JetBrains Mono" panose="02000009000000000000" pitchFamily="49" charset="0"/>
+                </a:rPr>
+                <a:t>public class </a:t>
+              </a:r>
+              <a:r>
+                <a:rPr kumimoji="0" lang="zh-TW" altLang="zh-TW" sz="1400" b="0" i="0" u="none" strike="noStrike" cap="none" normalizeH="0" baseline="0">
+                  <a:ln>
+                    <a:noFill/>
+                  </a:ln>
+                  <a:solidFill>
+                    <a:srgbClr val="BCBEC4"/>
+                  </a:solidFill>
+                  <a:effectLst/>
+                  <a:latin typeface="+mj-lt"/>
+                  <a:cs typeface="JetBrains Mono" panose="02000009000000000000" pitchFamily="49" charset="0"/>
+                </a:rPr>
+                <a:t>Main1 {</a:t>
+              </a:r>
+              <a:br>
+                <a:rPr kumimoji="0" lang="zh-TW" altLang="zh-TW" sz="1400" b="0" i="0" u="none" strike="noStrike" cap="none" normalizeH="0" baseline="0">
+                  <a:ln>
+                    <a:noFill/>
+                  </a:ln>
+                  <a:solidFill>
+                    <a:srgbClr val="BCBEC4"/>
+                  </a:solidFill>
+                  <a:effectLst/>
+                  <a:latin typeface="+mj-lt"/>
+                  <a:cs typeface="JetBrains Mono" panose="02000009000000000000" pitchFamily="49" charset="0"/>
+                </a:rPr>
+              </a:br>
+              <a:r>
+                <a:rPr kumimoji="0" lang="zh-TW" altLang="zh-TW" sz="1400" b="0" i="0" u="none" strike="noStrike" cap="none" normalizeH="0" baseline="0">
+                  <a:ln>
+                    <a:noFill/>
+                  </a:ln>
+                  <a:solidFill>
+                    <a:srgbClr val="BCBEC4"/>
+                  </a:solidFill>
+                  <a:effectLst/>
+                  <a:latin typeface="+mj-lt"/>
+                  <a:cs typeface="JetBrains Mono" panose="02000009000000000000" pitchFamily="49" charset="0"/>
+                </a:rPr>
+                <a:t>    </a:t>
+              </a:r>
+              <a:r>
+                <a:rPr kumimoji="0" lang="zh-TW" altLang="zh-TW" sz="1400" b="0" i="0" u="none" strike="noStrike" cap="none" normalizeH="0" baseline="0">
+                  <a:ln>
+                    <a:noFill/>
+                  </a:ln>
+                  <a:solidFill>
+                    <a:srgbClr val="CF8E6D"/>
+                  </a:solidFill>
+                  <a:effectLst/>
+                  <a:latin typeface="+mj-lt"/>
+                  <a:cs typeface="JetBrains Mono" panose="02000009000000000000" pitchFamily="49" charset="0"/>
+                </a:rPr>
+                <a:t>public static void </a:t>
+              </a:r>
+              <a:r>
+                <a:rPr kumimoji="0" lang="zh-TW" altLang="zh-TW" sz="1400" b="0" i="0" u="none" strike="noStrike" cap="none" normalizeH="0" baseline="0">
+                  <a:ln>
+                    <a:noFill/>
+                  </a:ln>
+                  <a:solidFill>
+                    <a:srgbClr val="56A8F5"/>
+                  </a:solidFill>
+                  <a:effectLst/>
+                  <a:latin typeface="+mj-lt"/>
+                  <a:cs typeface="JetBrains Mono" panose="02000009000000000000" pitchFamily="49" charset="0"/>
+                </a:rPr>
+                <a:t>main</a:t>
+              </a:r>
+              <a:r>
+                <a:rPr kumimoji="0" lang="zh-TW" altLang="zh-TW" sz="1400" b="0" i="0" u="none" strike="noStrike" cap="none" normalizeH="0" baseline="0">
+                  <a:ln>
+                    <a:noFill/>
+                  </a:ln>
+                  <a:solidFill>
+                    <a:srgbClr val="BCBEC4"/>
+                  </a:solidFill>
+                  <a:effectLst/>
+                  <a:latin typeface="+mj-lt"/>
+                  <a:cs typeface="JetBrains Mono" panose="02000009000000000000" pitchFamily="49" charset="0"/>
+                </a:rPr>
+                <a:t>(String[] args) {</a:t>
+              </a:r>
+              <a:br>
+                <a:rPr kumimoji="0" lang="zh-TW" altLang="zh-TW" sz="1400" b="0" i="0" u="none" strike="noStrike" cap="none" normalizeH="0" baseline="0">
+                  <a:ln>
+                    <a:noFill/>
+                  </a:ln>
+                  <a:solidFill>
+                    <a:srgbClr val="BCBEC4"/>
+                  </a:solidFill>
+                  <a:effectLst/>
+                  <a:latin typeface="+mj-lt"/>
+                  <a:cs typeface="JetBrains Mono" panose="02000009000000000000" pitchFamily="49" charset="0"/>
+                </a:rPr>
+              </a:br>
+              <a:r>
+                <a:rPr kumimoji="0" lang="zh-TW" altLang="zh-TW" sz="1400" b="0" i="0" u="none" strike="noStrike" cap="none" normalizeH="0" baseline="0">
+                  <a:ln>
+                    <a:noFill/>
+                  </a:ln>
+                  <a:solidFill>
+                    <a:srgbClr val="BCBEC4"/>
+                  </a:solidFill>
+                  <a:effectLst/>
+                  <a:latin typeface="+mj-lt"/>
+                  <a:cs typeface="JetBrains Mono" panose="02000009000000000000" pitchFamily="49" charset="0"/>
+                </a:rPr>
+                <a:t>        System.</a:t>
+              </a:r>
+              <a:r>
+                <a:rPr kumimoji="0" lang="zh-TW" altLang="zh-TW" sz="1400" b="0" i="1" u="none" strike="noStrike" cap="none" normalizeH="0" baseline="0">
+                  <a:ln>
+                    <a:noFill/>
+                  </a:ln>
+                  <a:solidFill>
+                    <a:srgbClr val="C77DBB"/>
+                  </a:solidFill>
+                  <a:effectLst/>
+                  <a:latin typeface="+mj-lt"/>
+                  <a:cs typeface="JetBrains Mono" panose="02000009000000000000" pitchFamily="49" charset="0"/>
+                </a:rPr>
+                <a:t>out</a:t>
+              </a:r>
+              <a:r>
+                <a:rPr kumimoji="0" lang="zh-TW" altLang="zh-TW" sz="1400" b="0" i="0" u="none" strike="noStrike" cap="none" normalizeH="0" baseline="0">
+                  <a:ln>
+                    <a:noFill/>
+                  </a:ln>
+                  <a:solidFill>
+                    <a:srgbClr val="BCBEC4"/>
+                  </a:solidFill>
+                  <a:effectLst/>
+                  <a:latin typeface="+mj-lt"/>
+                  <a:cs typeface="JetBrains Mono" panose="02000009000000000000" pitchFamily="49" charset="0"/>
+                </a:rPr>
+                <a:t>.println(</a:t>
+              </a:r>
+              <a:r>
+                <a:rPr kumimoji="0" lang="zh-TW" altLang="zh-TW" sz="1400" b="0" i="0" u="none" strike="noStrike" cap="none" normalizeH="0" baseline="0">
+                  <a:ln>
+                    <a:noFill/>
+                  </a:ln>
+                  <a:solidFill>
+                    <a:srgbClr val="2AACB8"/>
+                  </a:solidFill>
+                  <a:effectLst/>
+                  <a:latin typeface="+mj-lt"/>
+                  <a:cs typeface="JetBrains Mono" panose="02000009000000000000" pitchFamily="49" charset="0"/>
+                </a:rPr>
+                <a:t>100 </a:t>
+              </a:r>
+              <a:r>
+                <a:rPr kumimoji="0" lang="zh-TW" altLang="zh-TW" sz="1400" b="0" i="0" u="none" strike="noStrike" cap="none" normalizeH="0" baseline="0">
+                  <a:ln>
+                    <a:noFill/>
+                  </a:ln>
+                  <a:solidFill>
+                    <a:srgbClr val="BCBEC4"/>
+                  </a:solidFill>
+                  <a:effectLst/>
+                  <a:latin typeface="+mj-lt"/>
+                  <a:cs typeface="JetBrains Mono" panose="02000009000000000000" pitchFamily="49" charset="0"/>
+                </a:rPr>
+                <a:t>+ Integer.</a:t>
+              </a:r>
+              <a:r>
+                <a:rPr kumimoji="0" lang="zh-TW" altLang="zh-TW" sz="1400" b="0" i="1" u="none" strike="noStrike" cap="none" normalizeH="0" baseline="0">
+                  <a:ln>
+                    <a:noFill/>
+                  </a:ln>
+                  <a:solidFill>
+                    <a:srgbClr val="BCBEC4"/>
+                  </a:solidFill>
+                  <a:effectLst/>
+                  <a:latin typeface="+mj-lt"/>
+                  <a:cs typeface="JetBrains Mono" panose="02000009000000000000" pitchFamily="49" charset="0"/>
+                </a:rPr>
+                <a:t>valueOf</a:t>
+              </a:r>
+              <a:r>
+                <a:rPr kumimoji="0" lang="zh-TW" altLang="zh-TW" sz="1400" b="0" i="0" u="none" strike="noStrike" cap="none" normalizeH="0" baseline="0">
+                  <a:ln>
+                    <a:noFill/>
+                  </a:ln>
+                  <a:solidFill>
+                    <a:srgbClr val="BCBEC4"/>
+                  </a:solidFill>
+                  <a:effectLst/>
+                  <a:latin typeface="+mj-lt"/>
+                  <a:cs typeface="JetBrains Mono" panose="02000009000000000000" pitchFamily="49" charset="0"/>
+                </a:rPr>
+                <a:t>(</a:t>
+              </a:r>
+              <a:r>
+                <a:rPr kumimoji="0" lang="zh-TW" altLang="zh-TW" sz="1400" b="0" i="0" u="none" strike="noStrike" cap="none" normalizeH="0" baseline="0">
+                  <a:ln>
+                    <a:noFill/>
+                  </a:ln>
+                  <a:solidFill>
+                    <a:srgbClr val="2AACB8"/>
+                  </a:solidFill>
+                  <a:effectLst/>
+                  <a:latin typeface="+mj-lt"/>
+                  <a:cs typeface="JetBrains Mono" panose="02000009000000000000" pitchFamily="49" charset="0"/>
+                </a:rPr>
+                <a:t>200</a:t>
+              </a:r>
+              <a:r>
+                <a:rPr kumimoji="0" lang="zh-TW" altLang="zh-TW" sz="1400" b="0" i="0" u="none" strike="noStrike" cap="none" normalizeH="0" baseline="0">
+                  <a:ln>
+                    <a:noFill/>
+                  </a:ln>
+                  <a:solidFill>
+                    <a:srgbClr val="BCBEC4"/>
+                  </a:solidFill>
+                  <a:effectLst/>
+                  <a:latin typeface="+mj-lt"/>
+                  <a:cs typeface="JetBrains Mono" panose="02000009000000000000" pitchFamily="49" charset="0"/>
+                </a:rPr>
+                <a:t>));</a:t>
+              </a:r>
+              <a:br>
+                <a:rPr kumimoji="0" lang="zh-TW" altLang="zh-TW" sz="1400" b="0" i="0" u="none" strike="noStrike" cap="none" normalizeH="0" baseline="0">
+                  <a:ln>
+                    <a:noFill/>
+                  </a:ln>
+                  <a:solidFill>
+                    <a:srgbClr val="BCBEC4"/>
+                  </a:solidFill>
+                  <a:effectLst/>
+                  <a:latin typeface="+mj-lt"/>
+                  <a:cs typeface="JetBrains Mono" panose="02000009000000000000" pitchFamily="49" charset="0"/>
+                </a:rPr>
+              </a:br>
+              <a:r>
+                <a:rPr kumimoji="0" lang="zh-TW" altLang="zh-TW" sz="1400" b="0" i="0" u="none" strike="noStrike" cap="none" normalizeH="0" baseline="0">
+                  <a:ln>
+                    <a:noFill/>
+                  </a:ln>
+                  <a:solidFill>
+                    <a:srgbClr val="BCBEC4"/>
+                  </a:solidFill>
+                  <a:effectLst/>
+                  <a:latin typeface="+mj-lt"/>
+                  <a:cs typeface="JetBrains Mono" panose="02000009000000000000" pitchFamily="49" charset="0"/>
+                </a:rPr>
+                <a:t>        System.</a:t>
+              </a:r>
+              <a:r>
+                <a:rPr kumimoji="0" lang="zh-TW" altLang="zh-TW" sz="1400" b="0" i="1" u="none" strike="noStrike" cap="none" normalizeH="0" baseline="0">
+                  <a:ln>
+                    <a:noFill/>
+                  </a:ln>
+                  <a:solidFill>
+                    <a:srgbClr val="C77DBB"/>
+                  </a:solidFill>
+                  <a:effectLst/>
+                  <a:latin typeface="+mj-lt"/>
+                  <a:cs typeface="JetBrains Mono" panose="02000009000000000000" pitchFamily="49" charset="0"/>
+                </a:rPr>
+                <a:t>out</a:t>
+              </a:r>
+              <a:r>
+                <a:rPr kumimoji="0" lang="zh-TW" altLang="zh-TW" sz="1400" b="0" i="0" u="none" strike="noStrike" cap="none" normalizeH="0" baseline="0">
+                  <a:ln>
+                    <a:noFill/>
+                  </a:ln>
+                  <a:solidFill>
+                    <a:srgbClr val="BCBEC4"/>
+                  </a:solidFill>
+                  <a:effectLst/>
+                  <a:latin typeface="+mj-lt"/>
+                  <a:cs typeface="JetBrains Mono" panose="02000009000000000000" pitchFamily="49" charset="0"/>
+                </a:rPr>
+                <a:t>.println(Integer.</a:t>
+              </a:r>
+              <a:r>
+                <a:rPr kumimoji="0" lang="zh-TW" altLang="zh-TW" sz="1400" b="0" i="1" u="none" strike="noStrike" cap="none" normalizeH="0" baseline="0">
+                  <a:ln>
+                    <a:noFill/>
+                  </a:ln>
+                  <a:solidFill>
+                    <a:srgbClr val="BCBEC4"/>
+                  </a:solidFill>
+                  <a:effectLst/>
+                  <a:latin typeface="+mj-lt"/>
+                  <a:cs typeface="JetBrains Mono" panose="02000009000000000000" pitchFamily="49" charset="0"/>
+                </a:rPr>
+                <a:t>valueOf</a:t>
+              </a:r>
+              <a:r>
+                <a:rPr kumimoji="0" lang="zh-TW" altLang="zh-TW" sz="1400" b="0" i="0" u="none" strike="noStrike" cap="none" normalizeH="0" baseline="0">
+                  <a:ln>
+                    <a:noFill/>
+                  </a:ln>
+                  <a:solidFill>
+                    <a:srgbClr val="BCBEC4"/>
+                  </a:solidFill>
+                  <a:effectLst/>
+                  <a:latin typeface="+mj-lt"/>
+                  <a:cs typeface="JetBrains Mono" panose="02000009000000000000" pitchFamily="49" charset="0"/>
+                </a:rPr>
+                <a:t>(</a:t>
+              </a:r>
+              <a:r>
+                <a:rPr kumimoji="0" lang="zh-TW" altLang="zh-TW" sz="1400" b="0" i="0" u="none" strike="noStrike" cap="none" normalizeH="0" baseline="0">
+                  <a:ln>
+                    <a:noFill/>
+                  </a:ln>
+                  <a:solidFill>
+                    <a:srgbClr val="2AACB8"/>
+                  </a:solidFill>
+                  <a:effectLst/>
+                  <a:latin typeface="+mj-lt"/>
+                  <a:cs typeface="JetBrains Mono" panose="02000009000000000000" pitchFamily="49" charset="0"/>
+                </a:rPr>
+                <a:t>100</a:t>
+              </a:r>
+              <a:r>
+                <a:rPr kumimoji="0" lang="zh-TW" altLang="zh-TW" sz="1400" b="0" i="0" u="none" strike="noStrike" cap="none" normalizeH="0" baseline="0">
+                  <a:ln>
+                    <a:noFill/>
+                  </a:ln>
+                  <a:solidFill>
+                    <a:srgbClr val="BCBEC4"/>
+                  </a:solidFill>
+                  <a:effectLst/>
+                  <a:latin typeface="+mj-lt"/>
+                  <a:cs typeface="JetBrains Mono" panose="02000009000000000000" pitchFamily="49" charset="0"/>
+                </a:rPr>
+                <a:t>) / </a:t>
+              </a:r>
+              <a:r>
+                <a:rPr kumimoji="0" lang="zh-TW" altLang="zh-TW" sz="1400" b="0" i="0" u="none" strike="noStrike" cap="none" normalizeH="0" baseline="0">
+                  <a:ln>
+                    <a:noFill/>
+                  </a:ln>
+                  <a:solidFill>
+                    <a:srgbClr val="2AACB8"/>
+                  </a:solidFill>
+                  <a:effectLst/>
+                  <a:latin typeface="+mj-lt"/>
+                  <a:cs typeface="JetBrains Mono" panose="02000009000000000000" pitchFamily="49" charset="0"/>
+                </a:rPr>
+                <a:t>200</a:t>
+              </a:r>
+              <a:r>
+                <a:rPr kumimoji="0" lang="zh-TW" altLang="zh-TW" sz="1400" b="0" i="0" u="none" strike="noStrike" cap="none" normalizeH="0" baseline="0">
+                  <a:ln>
+                    <a:noFill/>
+                  </a:ln>
+                  <a:solidFill>
+                    <a:srgbClr val="BCBEC4"/>
+                  </a:solidFill>
+                  <a:effectLst/>
+                  <a:latin typeface="+mj-lt"/>
+                  <a:cs typeface="JetBrains Mono" panose="02000009000000000000" pitchFamily="49" charset="0"/>
+                </a:rPr>
+                <a:t>);</a:t>
+              </a:r>
+              <a:br>
+                <a:rPr kumimoji="0" lang="zh-TW" altLang="zh-TW" sz="1400" b="0" i="0" u="none" strike="noStrike" cap="none" normalizeH="0" baseline="0">
+                  <a:ln>
+                    <a:noFill/>
+                  </a:ln>
+                  <a:solidFill>
+                    <a:srgbClr val="BCBEC4"/>
+                  </a:solidFill>
+                  <a:effectLst/>
+                  <a:latin typeface="+mj-lt"/>
+                  <a:cs typeface="JetBrains Mono" panose="02000009000000000000" pitchFamily="49" charset="0"/>
+                </a:rPr>
+              </a:br>
+              <a:r>
+                <a:rPr kumimoji="0" lang="zh-TW" altLang="zh-TW" sz="1400" b="0" i="0" u="none" strike="noStrike" cap="none" normalizeH="0" baseline="0">
+                  <a:ln>
+                    <a:noFill/>
+                  </a:ln>
+                  <a:solidFill>
+                    <a:srgbClr val="BCBEC4"/>
+                  </a:solidFill>
+                  <a:effectLst/>
+                  <a:latin typeface="+mj-lt"/>
+                  <a:cs typeface="JetBrains Mono" panose="02000009000000000000" pitchFamily="49" charset="0"/>
+                </a:rPr>
+                <a:t>        System.</a:t>
+              </a:r>
+              <a:r>
+                <a:rPr kumimoji="0" lang="zh-TW" altLang="zh-TW" sz="1400" b="0" i="1" u="none" strike="noStrike" cap="none" normalizeH="0" baseline="0">
+                  <a:ln>
+                    <a:noFill/>
+                  </a:ln>
+                  <a:solidFill>
+                    <a:srgbClr val="C77DBB"/>
+                  </a:solidFill>
+                  <a:effectLst/>
+                  <a:latin typeface="+mj-lt"/>
+                  <a:cs typeface="JetBrains Mono" panose="02000009000000000000" pitchFamily="49" charset="0"/>
+                </a:rPr>
+                <a:t>out</a:t>
+              </a:r>
+              <a:r>
+                <a:rPr kumimoji="0" lang="zh-TW" altLang="zh-TW" sz="1400" b="0" i="0" u="none" strike="noStrike" cap="none" normalizeH="0" baseline="0">
+                  <a:ln>
+                    <a:noFill/>
+                  </a:ln>
+                  <a:solidFill>
+                    <a:srgbClr val="BCBEC4"/>
+                  </a:solidFill>
+                  <a:effectLst/>
+                  <a:latin typeface="+mj-lt"/>
+                  <a:cs typeface="JetBrains Mono" panose="02000009000000000000" pitchFamily="49" charset="0"/>
+                </a:rPr>
+                <a:t>.println(Integer.</a:t>
+              </a:r>
+              <a:r>
+                <a:rPr kumimoji="0" lang="zh-TW" altLang="zh-TW" sz="1400" b="0" i="1" u="none" strike="noStrike" cap="none" normalizeH="0" baseline="0">
+                  <a:ln>
+                    <a:noFill/>
+                  </a:ln>
+                  <a:solidFill>
+                    <a:srgbClr val="BCBEC4"/>
+                  </a:solidFill>
+                  <a:effectLst/>
+                  <a:latin typeface="+mj-lt"/>
+                  <a:cs typeface="JetBrains Mono" panose="02000009000000000000" pitchFamily="49" charset="0"/>
+                </a:rPr>
+                <a:t>valueOf</a:t>
+              </a:r>
+              <a:r>
+                <a:rPr kumimoji="0" lang="zh-TW" altLang="zh-TW" sz="1400" b="0" i="0" u="none" strike="noStrike" cap="none" normalizeH="0" baseline="0">
+                  <a:ln>
+                    <a:noFill/>
+                  </a:ln>
+                  <a:solidFill>
+                    <a:srgbClr val="BCBEC4"/>
+                  </a:solidFill>
+                  <a:effectLst/>
+                  <a:latin typeface="+mj-lt"/>
+                  <a:cs typeface="JetBrains Mono" panose="02000009000000000000" pitchFamily="49" charset="0"/>
+                </a:rPr>
+                <a:t>(</a:t>
+              </a:r>
+              <a:r>
+                <a:rPr kumimoji="0" lang="zh-TW" altLang="zh-TW" sz="1400" b="0" i="0" u="none" strike="noStrike" cap="none" normalizeH="0" baseline="0">
+                  <a:ln>
+                    <a:noFill/>
+                  </a:ln>
+                  <a:solidFill>
+                    <a:srgbClr val="2AACB8"/>
+                  </a:solidFill>
+                  <a:effectLst/>
+                  <a:latin typeface="+mj-lt"/>
+                  <a:cs typeface="JetBrains Mono" panose="02000009000000000000" pitchFamily="49" charset="0"/>
+                </a:rPr>
+                <a:t>100</a:t>
+              </a:r>
+              <a:r>
+                <a:rPr kumimoji="0" lang="zh-TW" altLang="zh-TW" sz="1400" b="0" i="0" u="none" strike="noStrike" cap="none" normalizeH="0" baseline="0">
+                  <a:ln>
+                    <a:noFill/>
+                  </a:ln>
+                  <a:solidFill>
+                    <a:srgbClr val="BCBEC4"/>
+                  </a:solidFill>
+                  <a:effectLst/>
+                  <a:latin typeface="+mj-lt"/>
+                  <a:cs typeface="JetBrains Mono" panose="02000009000000000000" pitchFamily="49" charset="0"/>
+                </a:rPr>
+                <a:t>) % Integer.</a:t>
+              </a:r>
+              <a:r>
+                <a:rPr kumimoji="0" lang="zh-TW" altLang="zh-TW" sz="1400" b="0" i="1" u="none" strike="noStrike" cap="none" normalizeH="0" baseline="0">
+                  <a:ln>
+                    <a:noFill/>
+                  </a:ln>
+                  <a:solidFill>
+                    <a:srgbClr val="BCBEC4"/>
+                  </a:solidFill>
+                  <a:effectLst/>
+                  <a:latin typeface="+mj-lt"/>
+                  <a:cs typeface="JetBrains Mono" panose="02000009000000000000" pitchFamily="49" charset="0"/>
+                </a:rPr>
+                <a:t>valueOf</a:t>
+              </a:r>
+              <a:r>
+                <a:rPr kumimoji="0" lang="zh-TW" altLang="zh-TW" sz="1400" b="0" i="0" u="none" strike="noStrike" cap="none" normalizeH="0" baseline="0">
+                  <a:ln>
+                    <a:noFill/>
+                  </a:ln>
+                  <a:solidFill>
+                    <a:srgbClr val="BCBEC4"/>
+                  </a:solidFill>
+                  <a:effectLst/>
+                  <a:latin typeface="+mj-lt"/>
+                  <a:cs typeface="JetBrains Mono" panose="02000009000000000000" pitchFamily="49" charset="0"/>
+                </a:rPr>
+                <a:t>(</a:t>
+              </a:r>
+              <a:r>
+                <a:rPr kumimoji="0" lang="zh-TW" altLang="zh-TW" sz="1400" b="0" i="0" u="none" strike="noStrike" cap="none" normalizeH="0" baseline="0">
+                  <a:ln>
+                    <a:noFill/>
+                  </a:ln>
+                  <a:solidFill>
+                    <a:srgbClr val="2AACB8"/>
+                  </a:solidFill>
+                  <a:effectLst/>
+                  <a:latin typeface="+mj-lt"/>
+                  <a:cs typeface="JetBrains Mono" panose="02000009000000000000" pitchFamily="49" charset="0"/>
+                </a:rPr>
+                <a:t>200</a:t>
+              </a:r>
+              <a:r>
+                <a:rPr kumimoji="0" lang="zh-TW" altLang="zh-TW" sz="1400" b="0" i="0" u="none" strike="noStrike" cap="none" normalizeH="0" baseline="0">
+                  <a:ln>
+                    <a:noFill/>
+                  </a:ln>
+                  <a:solidFill>
+                    <a:srgbClr val="BCBEC4"/>
+                  </a:solidFill>
+                  <a:effectLst/>
+                  <a:latin typeface="+mj-lt"/>
+                  <a:cs typeface="JetBrains Mono" panose="02000009000000000000" pitchFamily="49" charset="0"/>
+                </a:rPr>
+                <a:t>));</a:t>
+              </a:r>
+              <a:br>
+                <a:rPr kumimoji="0" lang="zh-TW" altLang="zh-TW" sz="1400" b="0" i="0" u="none" strike="noStrike" cap="none" normalizeH="0" baseline="0">
+                  <a:ln>
+                    <a:noFill/>
+                  </a:ln>
+                  <a:solidFill>
+                    <a:srgbClr val="BCBEC4"/>
+                  </a:solidFill>
+                  <a:effectLst/>
+                  <a:latin typeface="+mj-lt"/>
+                  <a:cs typeface="JetBrains Mono" panose="02000009000000000000" pitchFamily="49" charset="0"/>
+                </a:rPr>
+              </a:br>
+              <a:r>
+                <a:rPr kumimoji="0" lang="zh-TW" altLang="zh-TW" sz="1400" b="0" i="0" u="none" strike="noStrike" cap="none" normalizeH="0" baseline="0">
+                  <a:ln>
+                    <a:noFill/>
+                  </a:ln>
+                  <a:solidFill>
+                    <a:srgbClr val="BCBEC4"/>
+                  </a:solidFill>
+                  <a:effectLst/>
+                  <a:latin typeface="+mj-lt"/>
+                  <a:cs typeface="JetBrains Mono" panose="02000009000000000000" pitchFamily="49" charset="0"/>
+                </a:rPr>
+                <a:t>    }</a:t>
+              </a:r>
+              <a:br>
+                <a:rPr kumimoji="0" lang="zh-TW" altLang="zh-TW" sz="1400" b="0" i="0" u="none" strike="noStrike" cap="none" normalizeH="0" baseline="0">
+                  <a:ln>
+                    <a:noFill/>
+                  </a:ln>
+                  <a:solidFill>
+                    <a:srgbClr val="BCBEC4"/>
+                  </a:solidFill>
+                  <a:effectLst/>
+                  <a:latin typeface="+mj-lt"/>
+                  <a:cs typeface="JetBrains Mono" panose="02000009000000000000" pitchFamily="49" charset="0"/>
+                </a:rPr>
+              </a:br>
+              <a:r>
+                <a:rPr kumimoji="0" lang="zh-TW" altLang="zh-TW" sz="1400" b="0" i="0" u="none" strike="noStrike" cap="none" normalizeH="0" baseline="0">
+                  <a:ln>
+                    <a:noFill/>
+                  </a:ln>
+                  <a:solidFill>
+                    <a:srgbClr val="BCBEC4"/>
+                  </a:solidFill>
+                  <a:effectLst/>
+                  <a:latin typeface="+mj-lt"/>
+                  <a:cs typeface="JetBrains Mono" panose="02000009000000000000" pitchFamily="49" charset="0"/>
+                </a:rPr>
+                <a:t>}</a:t>
+              </a:r>
+              <a:endParaRPr kumimoji="0" lang="zh-TW" altLang="zh-TW" sz="1400" b="0" i="0" u="none" strike="noStrike" cap="none" normalizeH="0" baseline="0">
+                <a:ln>
+                  <a:noFill/>
+                </a:ln>
+                <a:solidFill>
+                  <a:schemeClr val="tx1"/>
+                </a:solidFill>
+                <a:effectLst/>
+                <a:latin typeface="+mj-lt"/>
+              </a:endParaRPr>
+            </a:p>
+          </p:txBody>
+        </p:sp>
+        <p:sp>
+          <p:nvSpPr>
+            <p:cNvPr id="8" name="文字方塊 7">
+              <a:extLst>
+                <a:ext uri="{FF2B5EF4-FFF2-40B4-BE49-F238E27FC236}">
+                  <a16:creationId xmlns:a16="http://schemas.microsoft.com/office/drawing/2014/main" id="{90DBAEB5-E877-4E61-A2DE-B0F73E6A901E}"/>
+                </a:ext>
+              </a:extLst>
+            </p:cNvPr>
+            <p:cNvSpPr txBox="1"/>
+            <p:nvPr/>
+          </p:nvSpPr>
+          <p:spPr>
+            <a:xfrm>
+              <a:off x="10662585" y="4358524"/>
+              <a:ext cx="691215" cy="369332"/>
+            </a:xfrm>
+            <a:prstGeom prst="rect">
+              <a:avLst/>
+            </a:prstGeom>
+            <a:noFill/>
+          </p:spPr>
+          <p:txBody>
+            <a:bodyPr wrap="none" rtlCol="0">
+              <a:spAutoFit/>
+            </a:bodyPr>
+            <a:lstStyle/>
+            <a:p>
+              <a:r>
+                <a:rPr lang="en-US" altLang="zh-TW">
+                  <a:solidFill>
+                    <a:schemeClr val="accent3"/>
+                  </a:solidFill>
+                </a:rPr>
+                <a:t>java</a:t>
+              </a:r>
+              <a:endParaRPr lang="zh-TW" altLang="en-US">
+                <a:solidFill>
+                  <a:schemeClr val="accent3"/>
+                </a:solidFill>
+              </a:endParaRPr>
+            </a:p>
+          </p:txBody>
+        </p:sp>
+        <p:pic>
+          <p:nvPicPr>
+            <p:cNvPr id="9" name="圖片 8">
+              <a:hlinkClick r:id="rId2"/>
+              <a:extLst>
+                <a:ext uri="{FF2B5EF4-FFF2-40B4-BE49-F238E27FC236}">
+                  <a16:creationId xmlns:a16="http://schemas.microsoft.com/office/drawing/2014/main" id="{B5C3B089-BE52-4A8A-B562-68420239D8B1}"/>
+                </a:ext>
+              </a:extLst>
+            </p:cNvPr>
+            <p:cNvPicPr>
+              <a:picLocks noChangeAspect="1"/>
+            </p:cNvPicPr>
+            <p:nvPr/>
+          </p:nvPicPr>
+          <p:blipFill>
+            <a:blip r:embed="rId3">
+              <a:extLst>
+                <a:ext uri="{28A0092B-C50C-407E-A947-70E740481C1C}">
+                  <a14:useLocalDpi xmlns:a14="http://schemas.microsoft.com/office/drawing/2010/main" val="0"/>
+                </a:ext>
+              </a:extLst>
+            </a:blip>
+            <a:stretch>
+              <a:fillRect/>
+            </a:stretch>
+          </p:blipFill>
+          <p:spPr>
+            <a:xfrm>
+              <a:off x="10970552" y="3127416"/>
+              <a:ext cx="383248" cy="374916"/>
+            </a:xfrm>
+            <a:prstGeom prst="rect">
+              <a:avLst/>
+            </a:prstGeom>
+          </p:spPr>
+        </p:pic>
+      </p:grpSp>
+      <p:sp>
+        <p:nvSpPr>
+          <p:cNvPr id="11" name="內容版面配置區 2">
+            <a:extLst>
+              <a:ext uri="{FF2B5EF4-FFF2-40B4-BE49-F238E27FC236}">
+                <a16:creationId xmlns:a16="http://schemas.microsoft.com/office/drawing/2014/main" id="{0D85E341-E2FE-4B97-882A-7A912B49B154}"/>
+              </a:ext>
+            </a:extLst>
+          </p:cNvPr>
+          <p:cNvSpPr txBox="1">
+            <a:spLocks/>
+          </p:cNvSpPr>
+          <p:nvPr/>
+        </p:nvSpPr>
+        <p:spPr>
+          <a:xfrm>
+            <a:off x="838200" y="3574973"/>
+            <a:ext cx="10515600" cy="1102311"/>
+          </a:xfrm>
+          <a:prstGeom prst="rect">
+            <a:avLst/>
+          </a:prstGeom>
+        </p:spPr>
+        <p:txBody>
+          <a:bodyPr vert="horz" lIns="91440" tIns="45720" rIns="91440" bIns="45720" rtlCol="0">
+            <a:normAutofit/>
+          </a:bodyPr>
+          <a:lstStyle>
+            <a:lvl1pPr marL="0" indent="0" algn="l" defTabSz="914400" rtl="0" eaLnBrk="1" latinLnBrk="0" hangingPunct="1">
+              <a:lnSpc>
+                <a:spcPct val="90000"/>
+              </a:lnSpc>
+              <a:spcBef>
+                <a:spcPts val="1000"/>
+              </a:spcBef>
+              <a:buFont typeface="Arial" panose="020B0604020202020204" pitchFamily="34" charset="0"/>
+              <a:buNone/>
+              <a:defRPr sz="2800" kern="1200">
+                <a:solidFill>
+                  <a:schemeClr val="tx1"/>
+                </a:solidFill>
+                <a:latin typeface="+mn-lt"/>
+                <a:ea typeface="+mn-ea"/>
+                <a:cs typeface="+mn-cs"/>
+              </a:defRPr>
+            </a:lvl1pPr>
+            <a:lvl2pPr marL="457200" indent="0" algn="l" defTabSz="914400" rtl="0" eaLnBrk="1" latinLnBrk="0" hangingPunct="1">
+              <a:lnSpc>
+                <a:spcPct val="90000"/>
+              </a:lnSpc>
+              <a:spcBef>
+                <a:spcPts val="500"/>
+              </a:spcBef>
+              <a:buFont typeface="Arial" panose="020B0604020202020204" pitchFamily="34" charset="0"/>
+              <a:buNone/>
+              <a:defRPr sz="2400" kern="1200">
+                <a:solidFill>
+                  <a:schemeClr val="tx1"/>
+                </a:solidFill>
+                <a:latin typeface="+mn-lt"/>
+                <a:ea typeface="+mn-ea"/>
+                <a:cs typeface="+mn-cs"/>
+              </a:defRPr>
+            </a:lvl2pPr>
+            <a:lvl3pPr marL="914400" indent="0" algn="l" defTabSz="914400" rtl="0" eaLnBrk="1" latinLnBrk="0" hangingPunct="1">
+              <a:lnSpc>
+                <a:spcPct val="90000"/>
+              </a:lnSpc>
+              <a:spcBef>
+                <a:spcPts val="500"/>
+              </a:spcBef>
+              <a:buFont typeface="Arial" panose="020B0604020202020204" pitchFamily="34" charset="0"/>
+              <a:buNone/>
+              <a:defRPr sz="2000" kern="1200">
+                <a:solidFill>
+                  <a:schemeClr val="tx1"/>
+                </a:solidFill>
+                <a:latin typeface="+mn-lt"/>
+                <a:ea typeface="+mn-ea"/>
+                <a:cs typeface="+mn-cs"/>
+              </a:defRPr>
+            </a:lvl3pPr>
+            <a:lvl4pPr marL="1371600" indent="0" algn="l" defTabSz="914400" rtl="0" eaLnBrk="1" latinLnBrk="0" hangingPunct="1">
+              <a:lnSpc>
+                <a:spcPct val="90000"/>
+              </a:lnSpc>
+              <a:spcBef>
+                <a:spcPts val="500"/>
+              </a:spcBef>
+              <a:buFont typeface="Arial" panose="020B0604020202020204" pitchFamily="34" charset="0"/>
+              <a:buNone/>
+              <a:defRPr sz="1800" kern="1200">
+                <a:solidFill>
+                  <a:schemeClr val="tx1"/>
+                </a:solidFill>
+                <a:latin typeface="+mn-lt"/>
+                <a:ea typeface="+mn-ea"/>
+                <a:cs typeface="+mn-cs"/>
+              </a:defRPr>
+            </a:lvl4pPr>
+            <a:lvl5pPr marL="1828800" indent="0" algn="l" defTabSz="914400" rtl="0" eaLnBrk="1" latinLnBrk="0" hangingPunct="1">
+              <a:lnSpc>
+                <a:spcPct val="90000"/>
+              </a:lnSpc>
+              <a:spcBef>
+                <a:spcPts val="500"/>
+              </a:spcBef>
+              <a:buFont typeface="Arial" panose="020B0604020202020204" pitchFamily="34" charset="0"/>
+              <a:buNone/>
+              <a:defRPr sz="1800" kern="1200">
+                <a:solidFill>
+                  <a:schemeClr val="tx1"/>
+                </a:solidFill>
+                <a:latin typeface="+mn-lt"/>
+                <a:ea typeface="+mn-ea"/>
+                <a:cs typeface="+mn-cs"/>
+              </a:defRPr>
+            </a:lvl5pPr>
+            <a:lvl6pPr marL="2514600" indent="-228600" algn="l" defTabSz="914400" rtl="0" eaLnBrk="1" latinLnBrk="0" hangingPunct="1">
+              <a:lnSpc>
+                <a:spcPct val="90000"/>
+              </a:lnSpc>
+              <a:spcBef>
+                <a:spcPts val="500"/>
+              </a:spcBef>
+              <a:buFont typeface="Arial" panose="020B0604020202020204" pitchFamily="34" charset="0"/>
+              <a:buChar char="•"/>
+              <a:defRPr sz="1800" kern="1200">
+                <a:solidFill>
+                  <a:schemeClr val="tx1"/>
+                </a:solidFill>
+                <a:latin typeface="+mn-lt"/>
+                <a:ea typeface="+mn-ea"/>
+                <a:cs typeface="+mn-cs"/>
+              </a:defRPr>
+            </a:lvl6pPr>
+            <a:lvl7pPr marL="2971800" indent="-228600" algn="l" defTabSz="914400" rtl="0" eaLnBrk="1" latinLnBrk="0" hangingPunct="1">
+              <a:lnSpc>
+                <a:spcPct val="90000"/>
+              </a:lnSpc>
+              <a:spcBef>
+                <a:spcPts val="500"/>
+              </a:spcBef>
+              <a:buFont typeface="Arial" panose="020B0604020202020204" pitchFamily="34" charset="0"/>
+              <a:buChar char="•"/>
+              <a:defRPr sz="1800" kern="1200">
+                <a:solidFill>
+                  <a:schemeClr val="tx1"/>
+                </a:solidFill>
+                <a:latin typeface="+mn-lt"/>
+                <a:ea typeface="+mn-ea"/>
+                <a:cs typeface="+mn-cs"/>
+              </a:defRPr>
+            </a:lvl7pPr>
+            <a:lvl8pPr marL="3429000" indent="-228600" algn="l" defTabSz="914400" rtl="0" eaLnBrk="1" latinLnBrk="0" hangingPunct="1">
+              <a:lnSpc>
+                <a:spcPct val="90000"/>
+              </a:lnSpc>
+              <a:spcBef>
+                <a:spcPts val="500"/>
+              </a:spcBef>
+              <a:buFont typeface="Arial" panose="020B0604020202020204" pitchFamily="34" charset="0"/>
+              <a:buChar char="•"/>
+              <a:defRPr sz="1800" kern="1200">
+                <a:solidFill>
+                  <a:schemeClr val="tx1"/>
+                </a:solidFill>
+                <a:latin typeface="+mn-lt"/>
+                <a:ea typeface="+mn-ea"/>
+                <a:cs typeface="+mn-cs"/>
+              </a:defRPr>
+            </a:lvl8pPr>
+            <a:lvl9pPr marL="3886200" indent="-228600" algn="l" defTabSz="914400" rtl="0" eaLnBrk="1" latinLnBrk="0" hangingPunct="1">
+              <a:lnSpc>
+                <a:spcPct val="90000"/>
+              </a:lnSpc>
+              <a:spcBef>
+                <a:spcPts val="500"/>
+              </a:spcBef>
+              <a:buFont typeface="Arial" panose="020B0604020202020204" pitchFamily="34" charset="0"/>
+              <a:buChar char="•"/>
+              <a:defRPr sz="1800" kern="1200">
+                <a:solidFill>
+                  <a:schemeClr val="tx1"/>
+                </a:solidFill>
+                <a:latin typeface="+mn-lt"/>
+                <a:ea typeface="+mn-ea"/>
+                <a:cs typeface="+mn-cs"/>
+              </a:defRPr>
+            </a:lvl9pPr>
+          </a:lstStyle>
+          <a:p>
+            <a:r>
+              <a:rPr lang="zh-TW" altLang="en-US"/>
+              <a:t>這是因為</a:t>
+            </a:r>
+            <a:r>
+              <a:rPr lang="zh-TW" altLang="en-US">
+                <a:solidFill>
+                  <a:srgbClr val="00B0F0"/>
+                </a:solidFill>
+              </a:rPr>
+              <a:t>編譯器</a:t>
+            </a:r>
+            <a:r>
+              <a:rPr lang="zh-TW" altLang="en-US"/>
+              <a:t>會在</a:t>
+            </a:r>
+            <a:r>
+              <a:rPr lang="zh-TW" altLang="en-US">
+                <a:solidFill>
+                  <a:srgbClr val="00B0F0"/>
+                </a:solidFill>
+              </a:rPr>
+              <a:t>包裝類別運算</a:t>
+            </a:r>
+            <a:r>
+              <a:rPr lang="zh-TW" altLang="en-US"/>
+              <a:t>前</a:t>
+            </a:r>
+            <a:r>
+              <a:rPr lang="zh-TW" altLang="en-US">
+                <a:solidFill>
+                  <a:srgbClr val="FFC000"/>
+                </a:solidFill>
+              </a:rPr>
+              <a:t>呼叫</a:t>
+            </a:r>
+            <a:endParaRPr lang="en-US" altLang="zh-TW">
+              <a:solidFill>
+                <a:srgbClr val="FFC000"/>
+              </a:solidFill>
+            </a:endParaRPr>
+          </a:p>
+          <a:p>
+            <a:r>
+              <a:rPr lang="en-US" altLang="zh-TW"/>
+              <a:t>"</a:t>
+            </a:r>
+            <a:r>
+              <a:rPr lang="en-US" altLang="zh-TW">
+                <a:solidFill>
+                  <a:srgbClr val="92D050"/>
+                </a:solidFill>
+              </a:rPr>
+              <a:t>xxxValue</a:t>
+            </a:r>
+            <a:r>
+              <a:rPr lang="en-US" altLang="zh-TW"/>
+              <a:t>"(</a:t>
+            </a:r>
+            <a:r>
+              <a:rPr lang="en-US" altLang="zh-TW">
+                <a:solidFill>
+                  <a:srgbClr val="92D050"/>
+                </a:solidFill>
+              </a:rPr>
+              <a:t>xxx</a:t>
+            </a:r>
+            <a:r>
+              <a:rPr lang="zh-TW" altLang="en-US"/>
+              <a:t>為</a:t>
+            </a:r>
+            <a:r>
+              <a:rPr lang="zh-TW" altLang="en-US">
+                <a:solidFill>
+                  <a:srgbClr val="00B0F0"/>
+                </a:solidFill>
+              </a:rPr>
+              <a:t>基本資料型別</a:t>
+            </a:r>
+            <a:r>
+              <a:rPr lang="en-US" altLang="zh-TW"/>
+              <a:t>)</a:t>
+            </a:r>
+            <a:r>
+              <a:rPr lang="zh-TW" altLang="en-US"/>
+              <a:t> </a:t>
+            </a:r>
+            <a:r>
+              <a:rPr lang="zh-TW" altLang="en-US">
+                <a:solidFill>
+                  <a:srgbClr val="00B0F0"/>
+                </a:solidFill>
+              </a:rPr>
+              <a:t>方法</a:t>
+            </a:r>
+            <a:r>
+              <a:rPr lang="zh-TW" altLang="en-US"/>
+              <a:t>，稱為</a:t>
+            </a:r>
+            <a:r>
+              <a:rPr lang="zh-TW" altLang="en-US">
+                <a:solidFill>
+                  <a:srgbClr val="FFC000"/>
+                </a:solidFill>
+              </a:rPr>
+              <a:t>自動拆箱</a:t>
+            </a:r>
+            <a:endParaRPr lang="en-US" altLang="zh-TW">
+              <a:solidFill>
+                <a:srgbClr val="FFC000"/>
+              </a:solidFill>
+            </a:endParaRPr>
+          </a:p>
+        </p:txBody>
+      </p:sp>
+      <p:sp>
+        <p:nvSpPr>
+          <p:cNvPr id="13" name="矩形: 圓角 12">
+            <a:extLst>
+              <a:ext uri="{FF2B5EF4-FFF2-40B4-BE49-F238E27FC236}">
+                <a16:creationId xmlns:a16="http://schemas.microsoft.com/office/drawing/2014/main" id="{25E86349-6CB9-4CE5-98C4-2AFBB97CE57A}"/>
+              </a:ext>
+            </a:extLst>
+          </p:cNvPr>
+          <p:cNvSpPr/>
+          <p:nvPr/>
+        </p:nvSpPr>
+        <p:spPr>
+          <a:xfrm>
+            <a:off x="4164806" y="2355056"/>
+            <a:ext cx="1981200" cy="199884"/>
+          </a:xfrm>
+          <a:prstGeom prst="roundRect">
+            <a:avLst/>
+          </a:prstGeom>
+          <a:noFill/>
+          <a:ln>
+            <a:solidFill>
+              <a:srgbClr val="FFC000"/>
+            </a:solidFill>
+          </a:ln>
+        </p:spPr>
+        <p:style>
+          <a:lnRef idx="2">
+            <a:schemeClr val="accent1">
+              <a:shade val="50000"/>
+            </a:schemeClr>
+          </a:lnRef>
+          <a:fillRef idx="1">
+            <a:schemeClr val="accent1"/>
+          </a:fillRef>
+          <a:effectRef idx="0">
+            <a:schemeClr val="accent1"/>
+          </a:effectRef>
+          <a:fontRef idx="minor">
+            <a:schemeClr val="lt1"/>
+          </a:fontRef>
+        </p:style>
+        <p:txBody>
+          <a:bodyPr rtlCol="0" anchor="ctr"/>
+          <a:lstStyle/>
+          <a:p>
+            <a:pPr algn="ctr"/>
+            <a:endParaRPr lang="zh-TW" altLang="en-US"/>
+          </a:p>
+        </p:txBody>
+      </p:sp>
+      <p:sp>
+        <p:nvSpPr>
+          <p:cNvPr id="14" name="矩形: 圓角 13">
+            <a:extLst>
+              <a:ext uri="{FF2B5EF4-FFF2-40B4-BE49-F238E27FC236}">
+                <a16:creationId xmlns:a16="http://schemas.microsoft.com/office/drawing/2014/main" id="{2A3A7710-5C8E-412A-8EBC-68AD1F18D410}"/>
+              </a:ext>
+            </a:extLst>
+          </p:cNvPr>
+          <p:cNvSpPr/>
+          <p:nvPr/>
+        </p:nvSpPr>
+        <p:spPr>
+          <a:xfrm>
+            <a:off x="3574256" y="2573836"/>
+            <a:ext cx="1981200" cy="199884"/>
+          </a:xfrm>
+          <a:prstGeom prst="roundRect">
+            <a:avLst/>
+          </a:prstGeom>
+          <a:noFill/>
+          <a:ln>
+            <a:solidFill>
+              <a:srgbClr val="FFC000"/>
+            </a:solidFill>
+          </a:ln>
+        </p:spPr>
+        <p:style>
+          <a:lnRef idx="2">
+            <a:schemeClr val="accent1">
+              <a:shade val="50000"/>
+            </a:schemeClr>
+          </a:lnRef>
+          <a:fillRef idx="1">
+            <a:schemeClr val="accent1"/>
+          </a:fillRef>
+          <a:effectRef idx="0">
+            <a:schemeClr val="accent1"/>
+          </a:effectRef>
+          <a:fontRef idx="minor">
+            <a:schemeClr val="lt1"/>
+          </a:fontRef>
+        </p:style>
+        <p:txBody>
+          <a:bodyPr rtlCol="0" anchor="ctr"/>
+          <a:lstStyle/>
+          <a:p>
+            <a:pPr algn="ctr"/>
+            <a:endParaRPr lang="zh-TW" altLang="en-US"/>
+          </a:p>
+        </p:txBody>
+      </p:sp>
+      <p:sp>
+        <p:nvSpPr>
+          <p:cNvPr id="15" name="矩形: 圓角 14">
+            <a:extLst>
+              <a:ext uri="{FF2B5EF4-FFF2-40B4-BE49-F238E27FC236}">
+                <a16:creationId xmlns:a16="http://schemas.microsoft.com/office/drawing/2014/main" id="{EAA0973C-3CCF-4DBF-A573-9639931B13C2}"/>
+              </a:ext>
+            </a:extLst>
+          </p:cNvPr>
+          <p:cNvSpPr/>
+          <p:nvPr/>
+        </p:nvSpPr>
+        <p:spPr>
+          <a:xfrm>
+            <a:off x="3574256" y="2790235"/>
+            <a:ext cx="1981200" cy="199884"/>
+          </a:xfrm>
+          <a:prstGeom prst="roundRect">
+            <a:avLst/>
+          </a:prstGeom>
+          <a:noFill/>
+          <a:ln>
+            <a:solidFill>
+              <a:srgbClr val="FFC000"/>
+            </a:solidFill>
+          </a:ln>
+        </p:spPr>
+        <p:style>
+          <a:lnRef idx="2">
+            <a:schemeClr val="accent1">
+              <a:shade val="50000"/>
+            </a:schemeClr>
+          </a:lnRef>
+          <a:fillRef idx="1">
+            <a:schemeClr val="accent1"/>
+          </a:fillRef>
+          <a:effectRef idx="0">
+            <a:schemeClr val="accent1"/>
+          </a:effectRef>
+          <a:fontRef idx="minor">
+            <a:schemeClr val="lt1"/>
+          </a:fontRef>
+        </p:style>
+        <p:txBody>
+          <a:bodyPr rtlCol="0" anchor="ctr"/>
+          <a:lstStyle/>
+          <a:p>
+            <a:pPr algn="ctr"/>
+            <a:endParaRPr lang="zh-TW" altLang="en-US"/>
+          </a:p>
+        </p:txBody>
+      </p:sp>
+      <p:sp>
+        <p:nvSpPr>
+          <p:cNvPr id="16" name="矩形: 圓角 15">
+            <a:extLst>
+              <a:ext uri="{FF2B5EF4-FFF2-40B4-BE49-F238E27FC236}">
+                <a16:creationId xmlns:a16="http://schemas.microsoft.com/office/drawing/2014/main" id="{C59D0CD1-DF50-4811-87F9-EC88BD9E37A3}"/>
+              </a:ext>
+            </a:extLst>
+          </p:cNvPr>
+          <p:cNvSpPr/>
+          <p:nvPr/>
+        </p:nvSpPr>
+        <p:spPr>
+          <a:xfrm>
+            <a:off x="5834062" y="2790235"/>
+            <a:ext cx="1981200" cy="199884"/>
+          </a:xfrm>
+          <a:prstGeom prst="roundRect">
+            <a:avLst/>
+          </a:prstGeom>
+          <a:noFill/>
+          <a:ln>
+            <a:solidFill>
+              <a:srgbClr val="FFC000"/>
+            </a:solidFill>
+          </a:ln>
+        </p:spPr>
+        <p:style>
+          <a:lnRef idx="2">
+            <a:schemeClr val="accent1">
+              <a:shade val="50000"/>
+            </a:schemeClr>
+          </a:lnRef>
+          <a:fillRef idx="1">
+            <a:schemeClr val="accent1"/>
+          </a:fillRef>
+          <a:effectRef idx="0">
+            <a:schemeClr val="accent1"/>
+          </a:effectRef>
+          <a:fontRef idx="minor">
+            <a:schemeClr val="lt1"/>
+          </a:fontRef>
+        </p:style>
+        <p:txBody>
+          <a:bodyPr rtlCol="0" anchor="ctr"/>
+          <a:lstStyle/>
+          <a:p>
+            <a:pPr algn="ctr"/>
+            <a:endParaRPr lang="zh-TW" altLang="en-US"/>
+          </a:p>
+        </p:txBody>
+      </p:sp>
+      <p:sp>
+        <p:nvSpPr>
+          <p:cNvPr id="17" name="文字方塊 16">
+            <a:extLst>
+              <a:ext uri="{FF2B5EF4-FFF2-40B4-BE49-F238E27FC236}">
+                <a16:creationId xmlns:a16="http://schemas.microsoft.com/office/drawing/2014/main" id="{3D9877FA-2027-49F5-A9E1-C9DDC906F105}"/>
+              </a:ext>
+            </a:extLst>
+          </p:cNvPr>
+          <p:cNvSpPr txBox="1"/>
+          <p:nvPr/>
+        </p:nvSpPr>
+        <p:spPr>
+          <a:xfrm>
+            <a:off x="6369784" y="2324107"/>
+            <a:ext cx="1415772" cy="461665"/>
+          </a:xfrm>
+          <a:prstGeom prst="rect">
+            <a:avLst/>
+          </a:prstGeom>
+          <a:noFill/>
+        </p:spPr>
+        <p:txBody>
+          <a:bodyPr wrap="none" rtlCol="0">
+            <a:spAutoFit/>
+          </a:bodyPr>
+          <a:lstStyle/>
+          <a:p>
+            <a:r>
+              <a:rPr lang="zh-TW" altLang="en-US" sz="2400">
+                <a:solidFill>
+                  <a:srgbClr val="FFC000"/>
+                </a:solidFill>
+              </a:rPr>
+              <a:t>自動拆箱</a:t>
+            </a:r>
+          </a:p>
+        </p:txBody>
+      </p:sp>
+    </p:spTree>
+    <p:extLst>
+      <p:ext uri="{BB962C8B-B14F-4D97-AF65-F5344CB8AC3E}">
+        <p14:creationId xmlns:p14="http://schemas.microsoft.com/office/powerpoint/2010/main" val="3481416556"/>
+      </p:ext>
+    </p:extLst>
+  </p:cSld>
+  <p:clrMapOvr>
+    <a:masterClrMapping/>
+  </p:clrMapOvr>
+  <p:transition spd="slow">
+    <p:push dir="u"/>
+  </p:transition>
+  <p:timing>
+    <p:tnLst>
+      <p:par>
+        <p:cTn id="1" dur="indefinite" restart="never" nodeType="tmRoot">
+          <p:childTnLst>
+            <p:seq concurrent="1" nextAc="seek">
+              <p:cTn id="2" dur="indefinite" nodeType="mainSeq">
+                <p:childTnLst>
+                  <p:par>
+                    <p:cTn id="3" fill="hold">
+                      <p:stCondLst>
+                        <p:cond delay="indefinite"/>
+                      </p:stCondLst>
+                      <p:childTnLst>
+                        <p:par>
+                          <p:cTn id="4" fill="hold">
+                            <p:stCondLst>
+                              <p:cond delay="0"/>
+                            </p:stCondLst>
+                            <p:childTnLst>
+                              <p:par>
+                                <p:cTn id="5" presetID="21" presetClass="entr" presetSubtype="1" fill="hold" grpId="0" nodeType="clickEffect">
+                                  <p:stCondLst>
+                                    <p:cond delay="0"/>
+                                  </p:stCondLst>
+                                  <p:childTnLst>
+                                    <p:set>
+                                      <p:cBhvr>
+                                        <p:cTn id="6" dur="1" fill="hold">
+                                          <p:stCondLst>
+                                            <p:cond delay="0"/>
+                                          </p:stCondLst>
+                                        </p:cTn>
+                                        <p:tgtEl>
+                                          <p:spTgt spid="16"/>
+                                        </p:tgtEl>
+                                        <p:attrNameLst>
+                                          <p:attrName>style.visibility</p:attrName>
+                                        </p:attrNameLst>
+                                      </p:cBhvr>
+                                      <p:to>
+                                        <p:strVal val="visible"/>
+                                      </p:to>
+                                    </p:set>
+                                    <p:animEffect transition="in" filter="wheel(1)">
+                                      <p:cBhvr>
+                                        <p:cTn id="7" dur="500"/>
+                                        <p:tgtEl>
+                                          <p:spTgt spid="16"/>
+                                        </p:tgtEl>
+                                      </p:cBhvr>
+                                    </p:animEffect>
+                                  </p:childTnLst>
+                                </p:cTn>
+                              </p:par>
+                              <p:par>
+                                <p:cTn id="8" presetID="21" presetClass="entr" presetSubtype="1" fill="hold" grpId="0" nodeType="withEffect">
+                                  <p:stCondLst>
+                                    <p:cond delay="0"/>
+                                  </p:stCondLst>
+                                  <p:childTnLst>
+                                    <p:set>
+                                      <p:cBhvr>
+                                        <p:cTn id="9" dur="1" fill="hold">
+                                          <p:stCondLst>
+                                            <p:cond delay="0"/>
+                                          </p:stCondLst>
+                                        </p:cTn>
+                                        <p:tgtEl>
+                                          <p:spTgt spid="13"/>
+                                        </p:tgtEl>
+                                        <p:attrNameLst>
+                                          <p:attrName>style.visibility</p:attrName>
+                                        </p:attrNameLst>
+                                      </p:cBhvr>
+                                      <p:to>
+                                        <p:strVal val="visible"/>
+                                      </p:to>
+                                    </p:set>
+                                    <p:animEffect transition="in" filter="wheel(1)">
+                                      <p:cBhvr>
+                                        <p:cTn id="10" dur="500"/>
+                                        <p:tgtEl>
+                                          <p:spTgt spid="13"/>
+                                        </p:tgtEl>
+                                      </p:cBhvr>
+                                    </p:animEffect>
+                                  </p:childTnLst>
+                                </p:cTn>
+                              </p:par>
+                              <p:par>
+                                <p:cTn id="11" presetID="21" presetClass="entr" presetSubtype="1" fill="hold" grpId="0" nodeType="withEffect">
+                                  <p:stCondLst>
+                                    <p:cond delay="0"/>
+                                  </p:stCondLst>
+                                  <p:childTnLst>
+                                    <p:set>
+                                      <p:cBhvr>
+                                        <p:cTn id="12" dur="1" fill="hold">
+                                          <p:stCondLst>
+                                            <p:cond delay="0"/>
+                                          </p:stCondLst>
+                                        </p:cTn>
+                                        <p:tgtEl>
+                                          <p:spTgt spid="14"/>
+                                        </p:tgtEl>
+                                        <p:attrNameLst>
+                                          <p:attrName>style.visibility</p:attrName>
+                                        </p:attrNameLst>
+                                      </p:cBhvr>
+                                      <p:to>
+                                        <p:strVal val="visible"/>
+                                      </p:to>
+                                    </p:set>
+                                    <p:animEffect transition="in" filter="wheel(1)">
+                                      <p:cBhvr>
+                                        <p:cTn id="13" dur="500"/>
+                                        <p:tgtEl>
+                                          <p:spTgt spid="14"/>
+                                        </p:tgtEl>
+                                      </p:cBhvr>
+                                    </p:animEffect>
+                                  </p:childTnLst>
+                                </p:cTn>
+                              </p:par>
+                              <p:par>
+                                <p:cTn id="14" presetID="21" presetClass="entr" presetSubtype="1" fill="hold" grpId="0" nodeType="withEffect">
+                                  <p:stCondLst>
+                                    <p:cond delay="0"/>
+                                  </p:stCondLst>
+                                  <p:childTnLst>
+                                    <p:set>
+                                      <p:cBhvr>
+                                        <p:cTn id="15" dur="1" fill="hold">
+                                          <p:stCondLst>
+                                            <p:cond delay="0"/>
+                                          </p:stCondLst>
+                                        </p:cTn>
+                                        <p:tgtEl>
+                                          <p:spTgt spid="15"/>
+                                        </p:tgtEl>
+                                        <p:attrNameLst>
+                                          <p:attrName>style.visibility</p:attrName>
+                                        </p:attrNameLst>
+                                      </p:cBhvr>
+                                      <p:to>
+                                        <p:strVal val="visible"/>
+                                      </p:to>
+                                    </p:set>
+                                    <p:animEffect transition="in" filter="wheel(1)">
+                                      <p:cBhvr>
+                                        <p:cTn id="16" dur="500"/>
+                                        <p:tgtEl>
+                                          <p:spTgt spid="15"/>
+                                        </p:tgtEl>
+                                      </p:cBhvr>
+                                    </p:animEffect>
+                                  </p:childTnLst>
+                                </p:cTn>
+                              </p:par>
+                            </p:childTnLst>
+                          </p:cTn>
+                        </p:par>
+                        <p:par>
+                          <p:cTn id="17" fill="hold">
+                            <p:stCondLst>
+                              <p:cond delay="500"/>
+                            </p:stCondLst>
+                            <p:childTnLst>
+                              <p:par>
+                                <p:cTn id="18" presetID="10" presetClass="entr" presetSubtype="0" fill="hold" grpId="0" nodeType="afterEffect">
+                                  <p:stCondLst>
+                                    <p:cond delay="0"/>
+                                  </p:stCondLst>
+                                  <p:childTnLst>
+                                    <p:set>
+                                      <p:cBhvr>
+                                        <p:cTn id="19" dur="1" fill="hold">
+                                          <p:stCondLst>
+                                            <p:cond delay="0"/>
+                                          </p:stCondLst>
+                                        </p:cTn>
+                                        <p:tgtEl>
+                                          <p:spTgt spid="17"/>
+                                        </p:tgtEl>
+                                        <p:attrNameLst>
+                                          <p:attrName>style.visibility</p:attrName>
+                                        </p:attrNameLst>
+                                      </p:cBhvr>
+                                      <p:to>
+                                        <p:strVal val="visible"/>
+                                      </p:to>
+                                    </p:set>
+                                    <p:animEffect transition="in" filter="fade">
+                                      <p:cBhvr>
+                                        <p:cTn id="20" dur="500"/>
+                                        <p:tgtEl>
+                                          <p:spTgt spid="17"/>
+                                        </p:tgtEl>
+                                      </p:cBhvr>
+                                    </p:animEffect>
+                                  </p:childTnLst>
+                                </p:cTn>
+                              </p:par>
+                            </p:childTnLst>
+                          </p:cTn>
+                        </p:par>
+                        <p:par>
+                          <p:cTn id="21" fill="hold">
+                            <p:stCondLst>
+                              <p:cond delay="1000"/>
+                            </p:stCondLst>
+                            <p:childTnLst>
+                              <p:par>
+                                <p:cTn id="22" presetID="10" presetClass="entr" presetSubtype="0" fill="hold" nodeType="afterEffect">
+                                  <p:stCondLst>
+                                    <p:cond delay="0"/>
+                                  </p:stCondLst>
+                                  <p:childTnLst>
+                                    <p:set>
+                                      <p:cBhvr>
+                                        <p:cTn id="23" dur="1" fill="hold">
+                                          <p:stCondLst>
+                                            <p:cond delay="0"/>
+                                          </p:stCondLst>
+                                        </p:cTn>
+                                        <p:tgtEl>
+                                          <p:spTgt spid="12"/>
+                                        </p:tgtEl>
+                                        <p:attrNameLst>
+                                          <p:attrName>style.visibility</p:attrName>
+                                        </p:attrNameLst>
+                                      </p:cBhvr>
+                                      <p:to>
+                                        <p:strVal val="visible"/>
+                                      </p:to>
+                                    </p:set>
+                                    <p:animEffect transition="in" filter="fade">
+                                      <p:cBhvr>
+                                        <p:cTn id="24" dur="500"/>
+                                        <p:tgtEl>
+                                          <p:spTgt spid="12"/>
+                                        </p:tgtEl>
+                                      </p:cBhvr>
+                                    </p:animEffect>
+                                  </p:childTnLst>
+                                </p:cTn>
+                              </p:par>
+                            </p:childTnLst>
+                          </p:cTn>
+                        </p:par>
+                      </p:childTnLst>
+                    </p:cTn>
+                  </p:par>
+                </p:childTnLst>
+              </p:cTn>
+              <p:prevCondLst>
+                <p:cond evt="onPrev" delay="0">
+                  <p:tgtEl>
+                    <p:sldTgt/>
+                  </p:tgtEl>
+                </p:cond>
+              </p:prevCondLst>
+              <p:nextCondLst>
+                <p:cond evt="onNext" delay="0">
+                  <p:tgtEl>
+                    <p:sldTgt/>
+                  </p:tgtEl>
+                </p:cond>
+              </p:nextCondLst>
+            </p:seq>
+          </p:childTnLst>
+        </p:cTn>
+      </p:par>
+    </p:tnLst>
+    <p:bldLst>
+      <p:bldP spid="13" grpId="0" animBg="1"/>
+      <p:bldP spid="14" grpId="0" animBg="1"/>
+      <p:bldP spid="15" grpId="0" animBg="1"/>
+      <p:bldP spid="16" grpId="0" animBg="1"/>
+      <p:bldP spid="17" grpId="0"/>
+    </p:bldLst>
+  </p:timing>
+</p:sld>
+</file>
+
+<file path=ppt/slides/slide5.xml><?xml version="1.0" encoding="utf-8"?>
+<p:sld xmlns:a="http://schemas.openxmlformats.org/drawingml/2006/main" xmlns:r="http://schemas.openxmlformats.org/officeDocument/2006/relationships" xmlns:p="http://schemas.openxmlformats.org/presentationml/2006/main">
+  <p:cSld>
+    <p:spTree>
+      <p:nvGrpSpPr>
+        <p:cNvPr id="1" name=""/>
+        <p:cNvGrpSpPr/>
+        <p:nvPr/>
+      </p:nvGrpSpPr>
+      <p:grpSpPr>
+        <a:xfrm>
+          <a:off x="0" y="0"/>
+          <a:ext cx="0" cy="0"/>
+          <a:chOff x="0" y="0"/>
+          <a:chExt cx="0" cy="0"/>
+        </a:xfrm>
+      </p:grpSpPr>
+      <p:grpSp>
+        <p:nvGrpSpPr>
+          <p:cNvPr id="16" name="群組 15">
+            <a:extLst>
+              <a:ext uri="{FF2B5EF4-FFF2-40B4-BE49-F238E27FC236}">
+                <a16:creationId xmlns:a16="http://schemas.microsoft.com/office/drawing/2014/main" id="{631F6DCF-16D7-4D32-B35A-0EC34A877FA5}"/>
+              </a:ext>
+            </a:extLst>
+          </p:cNvPr>
+          <p:cNvGrpSpPr/>
+          <p:nvPr/>
+        </p:nvGrpSpPr>
+        <p:grpSpPr>
+          <a:xfrm>
+            <a:off x="4552950" y="1102035"/>
+            <a:ext cx="6990224" cy="2554545"/>
+            <a:chOff x="4552950" y="1102035"/>
+            <a:chExt cx="6990224" cy="2554545"/>
+          </a:xfrm>
+        </p:grpSpPr>
+        <p:sp>
+          <p:nvSpPr>
+            <p:cNvPr id="4" name="Rectangle 1">
+              <a:extLst>
+                <a:ext uri="{FF2B5EF4-FFF2-40B4-BE49-F238E27FC236}">
+                  <a16:creationId xmlns:a16="http://schemas.microsoft.com/office/drawing/2014/main" id="{4620CF28-315C-4A7E-9494-68EC0DA90AF2}"/>
+                </a:ext>
+              </a:extLst>
+            </p:cNvPr>
+            <p:cNvSpPr>
+              <a:spLocks noChangeArrowheads="1"/>
+            </p:cNvSpPr>
+            <p:nvPr/>
+          </p:nvSpPr>
+          <p:spPr bwMode="auto">
+            <a:xfrm>
+              <a:off x="4552950" y="1102035"/>
+              <a:ext cx="6990224" cy="2554545"/>
+            </a:xfrm>
+            <a:prstGeom prst="rect">
+              <a:avLst/>
+            </a:prstGeom>
+            <a:solidFill>
+              <a:srgbClr val="1E1F22"/>
+            </a:solidFill>
+            <a:ln>
+              <a:noFill/>
+            </a:ln>
+            <a:effectLst/>
+            <a:extLst>
+              <a:ext uri="{91240B29-F687-4F45-9708-019B960494DF}">
+                <a14:hiddenLine xmlns:a14="http://schemas.microsoft.com/office/drawing/2010/main" w="9525">
+                  <a:solidFill>
+                    <a:schemeClr val="tx1"/>
+                  </a:solidFill>
+                  <a:miter lim="800000"/>
+                  <a:headEnd/>
+                  <a:tailEnd/>
+                </a14:hiddenLine>
+              </a:ext>
+              <a:ext uri="{AF507438-7753-43E0-B8FC-AC1667EBCBE1}">
+                <a14:hiddenEffects xmlns:a14="http://schemas.microsoft.com/office/drawing/2010/main">
+                  <a:effectLst>
+                    <a:outerShdw dist="35921" dir="2700000" algn="ctr" rotWithShape="0">
+                      <a:schemeClr val="bg2"/>
+                    </a:outerShdw>
+                  </a:effectLst>
+                </a14:hiddenEffects>
+              </a:ext>
+            </a:extLst>
+          </p:spPr>
+          <p:txBody>
+            <a:bodyPr vert="horz" wrap="square" lIns="91440" tIns="45720" rIns="91440" bIns="45720" numCol="1" anchor="ctr" anchorCtr="0" compatLnSpc="1">
+              <a:prstTxWarp prst="textNoShape">
+                <a:avLst/>
+              </a:prstTxWarp>
+              <a:spAutoFit/>
+            </a:bodyPr>
+            <a:lstStyle/>
+            <a:p>
+              <a:pPr marL="0" marR="0" lvl="0" indent="0" algn="l" defTabSz="914400" rtl="0" eaLnBrk="0" fontAlgn="base" latinLnBrk="0" hangingPunct="0">
+                <a:lnSpc>
+                  <a:spcPct val="100000"/>
+                </a:lnSpc>
+                <a:spcBef>
+                  <a:spcPct val="0"/>
+                </a:spcBef>
+                <a:spcAft>
+                  <a:spcPct val="0"/>
+                </a:spcAft>
+                <a:buClrTx/>
+                <a:buSzTx/>
+                <a:buFontTx/>
+                <a:buNone/>
+                <a:tabLst/>
+              </a:pPr>
+              <a:r>
+                <a:rPr kumimoji="0" lang="zh-TW" altLang="zh-TW" sz="1600" b="0" i="0" u="none" strike="noStrike" cap="none" normalizeH="0" baseline="0">
+                  <a:ln>
+                    <a:noFill/>
+                  </a:ln>
+                  <a:solidFill>
+                    <a:srgbClr val="CF8E6D"/>
+                  </a:solidFill>
+                  <a:effectLst/>
+                  <a:latin typeface="+mj-lt"/>
+                  <a:cs typeface="JetBrains Mono" panose="02000009000000000000" pitchFamily="49" charset="0"/>
+                </a:rPr>
+                <a:t>public class </a:t>
+              </a:r>
+              <a:r>
+                <a:rPr kumimoji="0" lang="zh-TW" altLang="zh-TW" sz="1600" b="0" i="0" u="none" strike="noStrike" cap="none" normalizeH="0" baseline="0">
+                  <a:ln>
+                    <a:noFill/>
+                  </a:ln>
+                  <a:solidFill>
+                    <a:srgbClr val="BCBEC4"/>
+                  </a:solidFill>
+                  <a:effectLst/>
+                  <a:latin typeface="+mj-lt"/>
+                  <a:cs typeface="JetBrains Mono" panose="02000009000000000000" pitchFamily="49" charset="0"/>
+                </a:rPr>
+                <a:t>Main2 {</a:t>
+              </a:r>
+              <a:br>
+                <a:rPr kumimoji="0" lang="zh-TW" altLang="zh-TW" sz="1600" b="0" i="0" u="none" strike="noStrike" cap="none" normalizeH="0" baseline="0">
+                  <a:ln>
+                    <a:noFill/>
+                  </a:ln>
+                  <a:solidFill>
+                    <a:srgbClr val="BCBEC4"/>
+                  </a:solidFill>
+                  <a:effectLst/>
+                  <a:latin typeface="+mj-lt"/>
+                  <a:cs typeface="JetBrains Mono" panose="02000009000000000000" pitchFamily="49" charset="0"/>
+                </a:rPr>
+              </a:br>
+              <a:r>
+                <a:rPr kumimoji="0" lang="zh-TW" altLang="zh-TW" sz="1600" b="0" i="0" u="none" strike="noStrike" cap="none" normalizeH="0" baseline="0">
+                  <a:ln>
+                    <a:noFill/>
+                  </a:ln>
+                  <a:solidFill>
+                    <a:srgbClr val="BCBEC4"/>
+                  </a:solidFill>
+                  <a:effectLst/>
+                  <a:latin typeface="+mj-lt"/>
+                  <a:cs typeface="JetBrains Mono" panose="02000009000000000000" pitchFamily="49" charset="0"/>
+                </a:rPr>
+                <a:t>    </a:t>
+              </a:r>
+              <a:r>
+                <a:rPr kumimoji="0" lang="zh-TW" altLang="zh-TW" sz="1600" b="0" i="0" u="none" strike="noStrike" cap="none" normalizeH="0" baseline="0">
+                  <a:ln>
+                    <a:noFill/>
+                  </a:ln>
+                  <a:solidFill>
+                    <a:srgbClr val="CF8E6D"/>
+                  </a:solidFill>
+                  <a:effectLst/>
+                  <a:latin typeface="+mj-lt"/>
+                  <a:cs typeface="JetBrains Mono" panose="02000009000000000000" pitchFamily="49" charset="0"/>
+                </a:rPr>
+                <a:t>public static void </a:t>
+              </a:r>
+              <a:r>
+                <a:rPr kumimoji="0" lang="zh-TW" altLang="zh-TW" sz="1600" b="0" i="0" u="none" strike="noStrike" cap="none" normalizeH="0" baseline="0">
+                  <a:ln>
+                    <a:noFill/>
+                  </a:ln>
+                  <a:solidFill>
+                    <a:srgbClr val="56A8F5"/>
+                  </a:solidFill>
+                  <a:effectLst/>
+                  <a:latin typeface="+mj-lt"/>
+                  <a:cs typeface="JetBrains Mono" panose="02000009000000000000" pitchFamily="49" charset="0"/>
+                </a:rPr>
+                <a:t>main</a:t>
+              </a:r>
+              <a:r>
+                <a:rPr kumimoji="0" lang="zh-TW" altLang="zh-TW" sz="1600" b="0" i="0" u="none" strike="noStrike" cap="none" normalizeH="0" baseline="0">
+                  <a:ln>
+                    <a:noFill/>
+                  </a:ln>
+                  <a:solidFill>
+                    <a:srgbClr val="BCBEC4"/>
+                  </a:solidFill>
+                  <a:effectLst/>
+                  <a:latin typeface="+mj-lt"/>
+                  <a:cs typeface="JetBrains Mono" panose="02000009000000000000" pitchFamily="49" charset="0"/>
+                </a:rPr>
+                <a:t>(String[] args) {</a:t>
+              </a:r>
+              <a:br>
+                <a:rPr kumimoji="0" lang="zh-TW" altLang="zh-TW" sz="1600" b="0" i="0" u="none" strike="noStrike" cap="none" normalizeH="0" baseline="0">
+                  <a:ln>
+                    <a:noFill/>
+                  </a:ln>
+                  <a:solidFill>
+                    <a:srgbClr val="BCBEC4"/>
+                  </a:solidFill>
+                  <a:effectLst/>
+                  <a:latin typeface="+mj-lt"/>
+                  <a:cs typeface="JetBrains Mono" panose="02000009000000000000" pitchFamily="49" charset="0"/>
+                </a:rPr>
+              </a:br>
+              <a:r>
+                <a:rPr kumimoji="0" lang="zh-TW" altLang="zh-TW" sz="1600" b="0" i="0" u="none" strike="noStrike" cap="none" normalizeH="0" baseline="0">
+                  <a:ln>
+                    <a:noFill/>
+                  </a:ln>
+                  <a:solidFill>
+                    <a:srgbClr val="BCBEC4"/>
+                  </a:solidFill>
+                  <a:effectLst/>
+                  <a:latin typeface="+mj-lt"/>
+                  <a:cs typeface="JetBrains Mono" panose="02000009000000000000" pitchFamily="49" charset="0"/>
+                </a:rPr>
+                <a:t>        </a:t>
+              </a:r>
+              <a:r>
+                <a:rPr kumimoji="0" lang="zh-TW" altLang="zh-TW" sz="1600" b="0" i="0" u="none" strike="noStrike" cap="none" normalizeH="0" baseline="0">
+                  <a:ln>
+                    <a:noFill/>
+                  </a:ln>
+                  <a:solidFill>
+                    <a:srgbClr val="CF8E6D"/>
+                  </a:solidFill>
+                  <a:effectLst/>
+                  <a:latin typeface="+mj-lt"/>
+                  <a:cs typeface="JetBrains Mono" panose="02000009000000000000" pitchFamily="49" charset="0"/>
+                </a:rPr>
+                <a:t>final </a:t>
+              </a:r>
+              <a:r>
+                <a:rPr kumimoji="0" lang="zh-TW" altLang="zh-TW" sz="1600" b="0" i="0" u="none" strike="noStrike" cap="none" normalizeH="0" baseline="0">
+                  <a:ln>
+                    <a:noFill/>
+                  </a:ln>
+                  <a:solidFill>
+                    <a:srgbClr val="BCBEC4"/>
+                  </a:solidFill>
+                  <a:effectLst/>
+                  <a:latin typeface="+mj-lt"/>
+                  <a:cs typeface="JetBrains Mono" panose="02000009000000000000" pitchFamily="49" charset="0"/>
+                </a:rPr>
+                <a:t>Integer TWO_HUNDRED = </a:t>
+              </a:r>
+              <a:r>
+                <a:rPr kumimoji="0" lang="zh-TW" altLang="zh-TW" sz="1600" b="0" i="0" u="none" strike="noStrike" cap="none" normalizeH="0" baseline="0">
+                  <a:ln>
+                    <a:noFill/>
+                  </a:ln>
+                  <a:solidFill>
+                    <a:srgbClr val="2AACB8"/>
+                  </a:solidFill>
+                  <a:effectLst/>
+                  <a:latin typeface="+mj-lt"/>
+                  <a:cs typeface="JetBrains Mono" panose="02000009000000000000" pitchFamily="49" charset="0"/>
+                </a:rPr>
+                <a:t>100</a:t>
+              </a:r>
+              <a:r>
+                <a:rPr kumimoji="0" lang="zh-TW" altLang="zh-TW" sz="1600" b="0" i="0" u="none" strike="noStrike" cap="none" normalizeH="0" baseline="0">
+                  <a:ln>
+                    <a:noFill/>
+                  </a:ln>
+                  <a:solidFill>
+                    <a:srgbClr val="BCBEC4"/>
+                  </a:solidFill>
+                  <a:effectLst/>
+                  <a:latin typeface="+mj-lt"/>
+                  <a:cs typeface="JetBrains Mono" panose="02000009000000000000" pitchFamily="49" charset="0"/>
+                </a:rPr>
+                <a:t>;</a:t>
+              </a:r>
+              <a:br>
+                <a:rPr kumimoji="0" lang="zh-TW" altLang="zh-TW" sz="1600" b="0" i="0" u="none" strike="noStrike" cap="none" normalizeH="0" baseline="0">
+                  <a:ln>
+                    <a:noFill/>
+                  </a:ln>
+                  <a:solidFill>
+                    <a:srgbClr val="BCBEC4"/>
+                  </a:solidFill>
+                  <a:effectLst/>
+                  <a:latin typeface="+mj-lt"/>
+                  <a:cs typeface="JetBrains Mono" panose="02000009000000000000" pitchFamily="49" charset="0"/>
+                </a:rPr>
+              </a:br>
+              <a:r>
+                <a:rPr kumimoji="0" lang="zh-TW" altLang="zh-TW" sz="1600" b="0" i="0" u="none" strike="noStrike" cap="none" normalizeH="0" baseline="0">
+                  <a:ln>
+                    <a:noFill/>
+                  </a:ln>
+                  <a:solidFill>
+                    <a:srgbClr val="BCBEC4"/>
+                  </a:solidFill>
+                  <a:effectLst/>
+                  <a:latin typeface="+mj-lt"/>
+                  <a:cs typeface="JetBrains Mono" panose="02000009000000000000" pitchFamily="49" charset="0"/>
+                </a:rPr>
+                <a:t>        System.</a:t>
+              </a:r>
+              <a:r>
+                <a:rPr kumimoji="0" lang="zh-TW" altLang="zh-TW" sz="1600" b="0" i="1" u="none" strike="noStrike" cap="none" normalizeH="0" baseline="0">
+                  <a:ln>
+                    <a:noFill/>
+                  </a:ln>
+                  <a:solidFill>
+                    <a:srgbClr val="C77DBB"/>
+                  </a:solidFill>
+                  <a:effectLst/>
+                  <a:latin typeface="+mj-lt"/>
+                  <a:cs typeface="JetBrains Mono" panose="02000009000000000000" pitchFamily="49" charset="0"/>
+                </a:rPr>
+                <a:t>out</a:t>
+              </a:r>
+              <a:r>
+                <a:rPr kumimoji="0" lang="zh-TW" altLang="zh-TW" sz="1600" b="0" i="0" u="none" strike="noStrike" cap="none" normalizeH="0" baseline="0">
+                  <a:ln>
+                    <a:noFill/>
+                  </a:ln>
+                  <a:solidFill>
+                    <a:srgbClr val="BCBEC4"/>
+                  </a:solidFill>
+                  <a:effectLst/>
+                  <a:latin typeface="+mj-lt"/>
+                  <a:cs typeface="JetBrains Mono" panose="02000009000000000000" pitchFamily="49" charset="0"/>
+                </a:rPr>
+                <a:t>.println(</a:t>
+              </a:r>
+              <a:r>
+                <a:rPr kumimoji="0" lang="zh-TW" altLang="zh-TW" sz="1600" b="0" i="1" u="none" strike="noStrike" cap="none" normalizeH="0" baseline="0">
+                  <a:ln>
+                    <a:noFill/>
+                  </a:ln>
+                  <a:solidFill>
+                    <a:srgbClr val="BCBEC4"/>
+                  </a:solidFill>
+                  <a:effectLst/>
+                  <a:latin typeface="+mj-lt"/>
+                  <a:cs typeface="JetBrains Mono" panose="02000009000000000000" pitchFamily="49" charset="0"/>
+                </a:rPr>
+                <a:t>add</a:t>
+              </a:r>
+              <a:r>
+                <a:rPr kumimoji="0" lang="zh-TW" altLang="zh-TW" sz="1600" b="0" i="0" u="none" strike="noStrike" cap="none" normalizeH="0" baseline="0">
+                  <a:ln>
+                    <a:noFill/>
+                  </a:ln>
+                  <a:solidFill>
+                    <a:srgbClr val="BCBEC4"/>
+                  </a:solidFill>
+                  <a:effectLst/>
+                  <a:latin typeface="+mj-lt"/>
+                  <a:cs typeface="JetBrains Mono" panose="02000009000000000000" pitchFamily="49" charset="0"/>
+                </a:rPr>
+                <a:t>(</a:t>
+              </a:r>
+              <a:r>
+                <a:rPr kumimoji="0" lang="zh-TW" altLang="zh-TW" sz="1600" b="0" i="0" u="none" strike="noStrike" cap="none" normalizeH="0" baseline="0">
+                  <a:ln>
+                    <a:noFill/>
+                  </a:ln>
+                  <a:solidFill>
+                    <a:srgbClr val="2AACB8"/>
+                  </a:solidFill>
+                  <a:effectLst/>
+                  <a:latin typeface="+mj-lt"/>
+                  <a:cs typeface="JetBrains Mono" panose="02000009000000000000" pitchFamily="49" charset="0"/>
+                </a:rPr>
+                <a:t>100</a:t>
+              </a:r>
+              <a:r>
+                <a:rPr kumimoji="0" lang="zh-TW" altLang="zh-TW" sz="1600" b="0" i="0" u="none" strike="noStrike" cap="none" normalizeH="0" baseline="0">
+                  <a:ln>
+                    <a:noFill/>
+                  </a:ln>
+                  <a:solidFill>
+                    <a:srgbClr val="BCBEC4"/>
+                  </a:solidFill>
+                  <a:effectLst/>
+                  <a:latin typeface="+mj-lt"/>
+                  <a:cs typeface="JetBrains Mono" panose="02000009000000000000" pitchFamily="49" charset="0"/>
+                </a:rPr>
+                <a:t>, TWO_HUNDRED));</a:t>
+              </a:r>
+              <a:br>
+                <a:rPr kumimoji="0" lang="zh-TW" altLang="zh-TW" sz="1600" b="0" i="0" u="none" strike="noStrike" cap="none" normalizeH="0" baseline="0">
+                  <a:ln>
+                    <a:noFill/>
+                  </a:ln>
+                  <a:solidFill>
+                    <a:srgbClr val="BCBEC4"/>
+                  </a:solidFill>
+                  <a:effectLst/>
+                  <a:latin typeface="+mj-lt"/>
+                  <a:cs typeface="JetBrains Mono" panose="02000009000000000000" pitchFamily="49" charset="0"/>
+                </a:rPr>
+              </a:br>
+              <a:r>
+                <a:rPr kumimoji="0" lang="zh-TW" altLang="zh-TW" sz="1600" b="0" i="0" u="none" strike="noStrike" cap="none" normalizeH="0" baseline="0">
+                  <a:ln>
+                    <a:noFill/>
+                  </a:ln>
+                  <a:solidFill>
+                    <a:srgbClr val="BCBEC4"/>
+                  </a:solidFill>
+                  <a:effectLst/>
+                  <a:latin typeface="+mj-lt"/>
+                  <a:cs typeface="JetBrains Mono" panose="02000009000000000000" pitchFamily="49" charset="0"/>
+                </a:rPr>
+                <a:t>    }</a:t>
+              </a:r>
+              <a:br>
+                <a:rPr kumimoji="0" lang="zh-TW" altLang="zh-TW" sz="1600" b="0" i="0" u="none" strike="noStrike" cap="none" normalizeH="0" baseline="0">
+                  <a:ln>
+                    <a:noFill/>
+                  </a:ln>
+                  <a:solidFill>
+                    <a:srgbClr val="BCBEC4"/>
+                  </a:solidFill>
+                  <a:effectLst/>
+                  <a:latin typeface="+mj-lt"/>
+                  <a:cs typeface="JetBrains Mono" panose="02000009000000000000" pitchFamily="49" charset="0"/>
+                </a:rPr>
+              </a:br>
+              <a:br>
+                <a:rPr kumimoji="0" lang="zh-TW" altLang="zh-TW" sz="1600" b="0" i="0" u="none" strike="noStrike" cap="none" normalizeH="0" baseline="0">
+                  <a:ln>
+                    <a:noFill/>
+                  </a:ln>
+                  <a:solidFill>
+                    <a:srgbClr val="BCBEC4"/>
+                  </a:solidFill>
+                  <a:effectLst/>
+                  <a:latin typeface="+mj-lt"/>
+                  <a:cs typeface="JetBrains Mono" panose="02000009000000000000" pitchFamily="49" charset="0"/>
+                </a:rPr>
+              </a:br>
+              <a:r>
+                <a:rPr kumimoji="0" lang="zh-TW" altLang="zh-TW" sz="1600" b="0" i="0" u="none" strike="noStrike" cap="none" normalizeH="0" baseline="0">
+                  <a:ln>
+                    <a:noFill/>
+                  </a:ln>
+                  <a:solidFill>
+                    <a:srgbClr val="BCBEC4"/>
+                  </a:solidFill>
+                  <a:effectLst/>
+                  <a:latin typeface="+mj-lt"/>
+                  <a:cs typeface="JetBrains Mono" panose="02000009000000000000" pitchFamily="49" charset="0"/>
+                </a:rPr>
+                <a:t>    </a:t>
+              </a:r>
+              <a:r>
+                <a:rPr kumimoji="0" lang="zh-TW" altLang="zh-TW" sz="1600" b="0" i="0" u="none" strike="noStrike" cap="none" normalizeH="0" baseline="0">
+                  <a:ln>
+                    <a:noFill/>
+                  </a:ln>
+                  <a:solidFill>
+                    <a:srgbClr val="CF8E6D"/>
+                  </a:solidFill>
+                  <a:effectLst/>
+                  <a:latin typeface="+mj-lt"/>
+                  <a:cs typeface="JetBrains Mono" panose="02000009000000000000" pitchFamily="49" charset="0"/>
+                </a:rPr>
+                <a:t>public static </a:t>
+              </a:r>
+              <a:r>
+                <a:rPr kumimoji="0" lang="zh-TW" altLang="zh-TW" sz="1600" b="0" i="0" u="none" strike="noStrike" cap="none" normalizeH="0" baseline="0">
+                  <a:ln>
+                    <a:noFill/>
+                  </a:ln>
+                  <a:solidFill>
+                    <a:srgbClr val="BCBEC4"/>
+                  </a:solidFill>
+                  <a:effectLst/>
+                  <a:latin typeface="+mj-lt"/>
+                  <a:cs typeface="JetBrains Mono" panose="02000009000000000000" pitchFamily="49" charset="0"/>
+                </a:rPr>
+                <a:t>Integer </a:t>
+              </a:r>
+              <a:r>
+                <a:rPr kumimoji="0" lang="zh-TW" altLang="zh-TW" sz="1600" b="0" i="0" u="none" strike="noStrike" cap="none" normalizeH="0" baseline="0">
+                  <a:ln>
+                    <a:noFill/>
+                  </a:ln>
+                  <a:solidFill>
+                    <a:srgbClr val="56A8F5"/>
+                  </a:solidFill>
+                  <a:effectLst/>
+                  <a:latin typeface="+mj-lt"/>
+                  <a:cs typeface="JetBrains Mono" panose="02000009000000000000" pitchFamily="49" charset="0"/>
+                </a:rPr>
+                <a:t>add</a:t>
+              </a:r>
+              <a:r>
+                <a:rPr kumimoji="0" lang="zh-TW" altLang="zh-TW" sz="1600" b="0" i="0" u="none" strike="noStrike" cap="none" normalizeH="0" baseline="0">
+                  <a:ln>
+                    <a:noFill/>
+                  </a:ln>
+                  <a:solidFill>
+                    <a:srgbClr val="BCBEC4"/>
+                  </a:solidFill>
+                  <a:effectLst/>
+                  <a:latin typeface="+mj-lt"/>
+                  <a:cs typeface="JetBrains Mono" panose="02000009000000000000" pitchFamily="49" charset="0"/>
+                </a:rPr>
+                <a:t>(Integer a, Integer b) {</a:t>
+              </a:r>
+              <a:br>
+                <a:rPr kumimoji="0" lang="zh-TW" altLang="zh-TW" sz="1600" b="0" i="0" u="none" strike="noStrike" cap="none" normalizeH="0" baseline="0">
+                  <a:ln>
+                    <a:noFill/>
+                  </a:ln>
+                  <a:solidFill>
+                    <a:srgbClr val="BCBEC4"/>
+                  </a:solidFill>
+                  <a:effectLst/>
+                  <a:latin typeface="+mj-lt"/>
+                  <a:cs typeface="JetBrains Mono" panose="02000009000000000000" pitchFamily="49" charset="0"/>
+                </a:rPr>
+              </a:br>
+              <a:r>
+                <a:rPr kumimoji="0" lang="zh-TW" altLang="zh-TW" sz="1600" b="0" i="0" u="none" strike="noStrike" cap="none" normalizeH="0" baseline="0">
+                  <a:ln>
+                    <a:noFill/>
+                  </a:ln>
+                  <a:solidFill>
+                    <a:srgbClr val="BCBEC4"/>
+                  </a:solidFill>
+                  <a:effectLst/>
+                  <a:latin typeface="+mj-lt"/>
+                  <a:cs typeface="JetBrains Mono" panose="02000009000000000000" pitchFamily="49" charset="0"/>
+                </a:rPr>
+                <a:t>        </a:t>
+              </a:r>
+              <a:r>
+                <a:rPr kumimoji="0" lang="zh-TW" altLang="zh-TW" sz="1600" b="0" i="0" u="none" strike="noStrike" cap="none" normalizeH="0" baseline="0">
+                  <a:ln>
+                    <a:noFill/>
+                  </a:ln>
+                  <a:solidFill>
+                    <a:srgbClr val="CF8E6D"/>
+                  </a:solidFill>
+                  <a:effectLst/>
+                  <a:latin typeface="+mj-lt"/>
+                  <a:cs typeface="JetBrains Mono" panose="02000009000000000000" pitchFamily="49" charset="0"/>
+                </a:rPr>
+                <a:t>return </a:t>
+              </a:r>
+              <a:r>
+                <a:rPr kumimoji="0" lang="zh-TW" altLang="zh-TW" sz="1600" b="0" i="0" u="none" strike="noStrike" cap="none" normalizeH="0" baseline="0">
+                  <a:ln>
+                    <a:noFill/>
+                  </a:ln>
+                  <a:solidFill>
+                    <a:srgbClr val="BCBEC4"/>
+                  </a:solidFill>
+                  <a:effectLst/>
+                  <a:latin typeface="+mj-lt"/>
+                  <a:cs typeface="JetBrains Mono" panose="02000009000000000000" pitchFamily="49" charset="0"/>
+                </a:rPr>
+                <a:t>a + b;</a:t>
+              </a:r>
+              <a:br>
+                <a:rPr kumimoji="0" lang="zh-TW" altLang="zh-TW" sz="1600" b="0" i="0" u="none" strike="noStrike" cap="none" normalizeH="0" baseline="0">
+                  <a:ln>
+                    <a:noFill/>
+                  </a:ln>
+                  <a:solidFill>
+                    <a:srgbClr val="BCBEC4"/>
+                  </a:solidFill>
+                  <a:effectLst/>
+                  <a:latin typeface="+mj-lt"/>
+                  <a:cs typeface="JetBrains Mono" panose="02000009000000000000" pitchFamily="49" charset="0"/>
+                </a:rPr>
+              </a:br>
+              <a:r>
+                <a:rPr kumimoji="0" lang="zh-TW" altLang="zh-TW" sz="1600" b="0" i="0" u="none" strike="noStrike" cap="none" normalizeH="0" baseline="0">
+                  <a:ln>
+                    <a:noFill/>
+                  </a:ln>
+                  <a:solidFill>
+                    <a:srgbClr val="BCBEC4"/>
+                  </a:solidFill>
+                  <a:effectLst/>
+                  <a:latin typeface="+mj-lt"/>
+                  <a:cs typeface="JetBrains Mono" panose="02000009000000000000" pitchFamily="49" charset="0"/>
+                </a:rPr>
+                <a:t>    }</a:t>
+              </a:r>
+              <a:br>
+                <a:rPr kumimoji="0" lang="zh-TW" altLang="zh-TW" sz="1600" b="0" i="0" u="none" strike="noStrike" cap="none" normalizeH="0" baseline="0">
+                  <a:ln>
+                    <a:noFill/>
+                  </a:ln>
+                  <a:solidFill>
+                    <a:srgbClr val="BCBEC4"/>
+                  </a:solidFill>
+                  <a:effectLst/>
+                  <a:latin typeface="+mj-lt"/>
+                  <a:cs typeface="JetBrains Mono" panose="02000009000000000000" pitchFamily="49" charset="0"/>
+                </a:rPr>
+              </a:br>
+              <a:r>
+                <a:rPr kumimoji="0" lang="zh-TW" altLang="zh-TW" sz="1600" b="0" i="0" u="none" strike="noStrike" cap="none" normalizeH="0" baseline="0">
+                  <a:ln>
+                    <a:noFill/>
+                  </a:ln>
+                  <a:solidFill>
+                    <a:srgbClr val="BCBEC4"/>
+                  </a:solidFill>
+                  <a:effectLst/>
+                  <a:latin typeface="+mj-lt"/>
+                  <a:cs typeface="JetBrains Mono" panose="02000009000000000000" pitchFamily="49" charset="0"/>
+                </a:rPr>
+                <a:t>}</a:t>
+              </a:r>
+              <a:endParaRPr kumimoji="0" lang="zh-TW" altLang="zh-TW" sz="2800" b="0" i="0" u="none" strike="noStrike" cap="none" normalizeH="0" baseline="0">
+                <a:ln>
+                  <a:noFill/>
+                </a:ln>
+                <a:solidFill>
+                  <a:schemeClr val="tx1"/>
+                </a:solidFill>
+                <a:effectLst/>
+                <a:latin typeface="+mj-lt"/>
+              </a:endParaRPr>
+            </a:p>
+          </p:txBody>
+        </p:sp>
+        <p:sp>
+          <p:nvSpPr>
+            <p:cNvPr id="15" name="文字方塊 14">
+              <a:extLst>
+                <a:ext uri="{FF2B5EF4-FFF2-40B4-BE49-F238E27FC236}">
+                  <a16:creationId xmlns:a16="http://schemas.microsoft.com/office/drawing/2014/main" id="{7D0B9F4E-0B40-4964-8695-592EFFD467DB}"/>
+                </a:ext>
+              </a:extLst>
+            </p:cNvPr>
+            <p:cNvSpPr txBox="1"/>
+            <p:nvPr/>
+          </p:nvSpPr>
+          <p:spPr>
+            <a:xfrm>
+              <a:off x="10851959" y="3287248"/>
+              <a:ext cx="691215" cy="369332"/>
+            </a:xfrm>
+            <a:prstGeom prst="rect">
+              <a:avLst/>
+            </a:prstGeom>
+            <a:noFill/>
+          </p:spPr>
+          <p:txBody>
+            <a:bodyPr wrap="none" rtlCol="0">
+              <a:spAutoFit/>
+            </a:bodyPr>
+            <a:lstStyle/>
+            <a:p>
+              <a:r>
+                <a:rPr lang="en-US" altLang="zh-TW">
+                  <a:solidFill>
+                    <a:schemeClr val="accent3"/>
+                  </a:solidFill>
+                </a:rPr>
+                <a:t>java</a:t>
+              </a:r>
+              <a:endParaRPr lang="zh-TW" altLang="en-US">
+                <a:solidFill>
+                  <a:schemeClr val="accent3"/>
+                </a:solidFill>
+              </a:endParaRPr>
+            </a:p>
+          </p:txBody>
+        </p:sp>
+      </p:grpSp>
+      <p:sp>
+        <p:nvSpPr>
+          <p:cNvPr id="2" name="標題 1">
+            <a:extLst>
+              <a:ext uri="{FF2B5EF4-FFF2-40B4-BE49-F238E27FC236}">
+                <a16:creationId xmlns:a16="http://schemas.microsoft.com/office/drawing/2014/main" id="{7A4DE3DC-214E-4DEF-9BF8-7068C97B0596}"/>
+              </a:ext>
+            </a:extLst>
+          </p:cNvPr>
+          <p:cNvSpPr>
+            <a:spLocks noGrp="1"/>
+          </p:cNvSpPr>
+          <p:nvPr>
+            <p:ph type="title"/>
+          </p:nvPr>
+        </p:nvSpPr>
+        <p:spPr>
+          <a:xfrm>
+            <a:off x="838200" y="0"/>
+            <a:ext cx="10515600" cy="1325563"/>
+          </a:xfrm>
+        </p:spPr>
+        <p:txBody>
+          <a:bodyPr/>
+          <a:lstStyle/>
+          <a:p>
+            <a:r>
+              <a:rPr lang="zh-TW" altLang="en-US"/>
+              <a:t>自動裝箱</a:t>
+            </a:r>
+          </a:p>
+        </p:txBody>
+      </p:sp>
+      <p:sp>
+        <p:nvSpPr>
+          <p:cNvPr id="3" name="內容版面配置區 2">
+            <a:extLst>
+              <a:ext uri="{FF2B5EF4-FFF2-40B4-BE49-F238E27FC236}">
+                <a16:creationId xmlns:a16="http://schemas.microsoft.com/office/drawing/2014/main" id="{E3883F72-8659-4EEB-9CC3-5E39F654109E}"/>
+              </a:ext>
+            </a:extLst>
+          </p:cNvPr>
+          <p:cNvSpPr>
+            <a:spLocks noGrp="1"/>
+          </p:cNvSpPr>
+          <p:nvPr>
+            <p:ph idx="1"/>
+          </p:nvPr>
+        </p:nvSpPr>
+        <p:spPr>
+          <a:xfrm>
+            <a:off x="648827" y="2069894"/>
+            <a:ext cx="3904124" cy="3081216"/>
+          </a:xfrm>
+        </p:spPr>
+        <p:txBody>
+          <a:bodyPr>
+            <a:normAutofit/>
+          </a:bodyPr>
+          <a:lstStyle/>
+          <a:p>
+            <a:r>
+              <a:rPr lang="zh-TW" altLang="en-US">
+                <a:latin typeface="+mj-lt"/>
+              </a:rPr>
+              <a:t>將</a:t>
+            </a:r>
+            <a:r>
+              <a:rPr lang="zh-TW" altLang="en-US">
+                <a:solidFill>
+                  <a:srgbClr val="00B0F0"/>
+                </a:solidFill>
+                <a:latin typeface="+mj-lt"/>
+              </a:rPr>
+              <a:t>包裝類別</a:t>
+            </a:r>
+            <a:r>
+              <a:rPr lang="zh-TW" altLang="en-US">
+                <a:solidFill>
+                  <a:srgbClr val="FFC000"/>
+                </a:solidFill>
+                <a:latin typeface="+mj-lt"/>
+              </a:rPr>
+              <a:t>賦值</a:t>
+            </a:r>
+            <a:r>
+              <a:rPr lang="zh-TW" altLang="en-US">
+                <a:latin typeface="+mj-lt"/>
+              </a:rPr>
+              <a:t>給</a:t>
+            </a:r>
+            <a:endParaRPr lang="en-US" altLang="zh-TW">
+              <a:latin typeface="+mj-lt"/>
+            </a:endParaRPr>
+          </a:p>
+          <a:p>
+            <a:r>
+              <a:rPr lang="zh-TW" altLang="en-US">
+                <a:solidFill>
+                  <a:srgbClr val="00B0F0"/>
+                </a:solidFill>
+                <a:latin typeface="+mj-lt"/>
+              </a:rPr>
+              <a:t>基本資料型別</a:t>
+            </a:r>
+            <a:r>
+              <a:rPr lang="zh-TW" altLang="en-US">
+                <a:latin typeface="+mj-lt"/>
+              </a:rPr>
+              <a:t>的</a:t>
+            </a:r>
+            <a:r>
+              <a:rPr lang="zh-TW" altLang="en-US">
+                <a:solidFill>
+                  <a:srgbClr val="00B0F0"/>
+                </a:solidFill>
+                <a:latin typeface="+mj-lt"/>
+              </a:rPr>
+              <a:t>變數</a:t>
+            </a:r>
+            <a:r>
+              <a:rPr lang="zh-TW" altLang="en-US">
+                <a:latin typeface="+mj-lt"/>
+              </a:rPr>
+              <a:t>時</a:t>
+            </a:r>
+            <a:endParaRPr lang="en-US" altLang="zh-TW">
+              <a:latin typeface="+mj-lt"/>
+            </a:endParaRPr>
+          </a:p>
+          <a:p>
+            <a:r>
+              <a:rPr lang="zh-TW" altLang="en-US">
+                <a:latin typeface="+mj-lt"/>
+              </a:rPr>
+              <a:t>也會</a:t>
+            </a:r>
+            <a:r>
+              <a:rPr lang="zh-TW" altLang="en-US">
+                <a:solidFill>
+                  <a:srgbClr val="FFC000"/>
+                </a:solidFill>
+                <a:latin typeface="+mj-lt"/>
+              </a:rPr>
+              <a:t>自動拆箱</a:t>
+            </a:r>
+            <a:endParaRPr lang="en-US" altLang="zh-TW">
+              <a:solidFill>
+                <a:srgbClr val="FFC000"/>
+              </a:solidFill>
+              <a:latin typeface="+mj-lt"/>
+            </a:endParaRPr>
+          </a:p>
+          <a:p>
+            <a:r>
+              <a:rPr lang="zh-TW" altLang="en-US">
+                <a:latin typeface="+mj-lt"/>
+              </a:rPr>
+              <a:t>而將</a:t>
+            </a:r>
+            <a:r>
+              <a:rPr lang="zh-TW" altLang="en-US">
+                <a:solidFill>
+                  <a:srgbClr val="00B0F0"/>
+                </a:solidFill>
+                <a:latin typeface="+mj-lt"/>
+              </a:rPr>
+              <a:t>基本資料型別</a:t>
+            </a:r>
+            <a:r>
+              <a:rPr lang="zh-TW" altLang="en-US">
+                <a:solidFill>
+                  <a:srgbClr val="FFC000"/>
+                </a:solidFill>
+                <a:latin typeface="+mj-lt"/>
+              </a:rPr>
+              <a:t>賦值</a:t>
+            </a:r>
+            <a:endParaRPr lang="en-US" altLang="zh-TW">
+              <a:solidFill>
+                <a:srgbClr val="FFC000"/>
+              </a:solidFill>
+              <a:latin typeface="+mj-lt"/>
+            </a:endParaRPr>
+          </a:p>
+          <a:p>
+            <a:r>
+              <a:rPr lang="zh-TW" altLang="en-US">
+                <a:latin typeface="+mj-lt"/>
+              </a:rPr>
+              <a:t>給</a:t>
+            </a:r>
+            <a:r>
+              <a:rPr lang="zh-TW" altLang="en-US">
+                <a:solidFill>
+                  <a:srgbClr val="00B0F0"/>
+                </a:solidFill>
+                <a:latin typeface="+mj-lt"/>
+              </a:rPr>
+              <a:t>包裝類別</a:t>
+            </a:r>
+            <a:r>
+              <a:rPr lang="zh-TW" altLang="en-US">
+                <a:latin typeface="+mj-lt"/>
+              </a:rPr>
+              <a:t>的</a:t>
+            </a:r>
+            <a:r>
+              <a:rPr lang="zh-TW" altLang="en-US">
+                <a:solidFill>
+                  <a:srgbClr val="00B0F0"/>
+                </a:solidFill>
+                <a:latin typeface="+mj-lt"/>
+              </a:rPr>
+              <a:t>變數</a:t>
+            </a:r>
+            <a:r>
+              <a:rPr lang="zh-TW" altLang="en-US">
+                <a:latin typeface="+mj-lt"/>
+              </a:rPr>
+              <a:t>時</a:t>
+            </a:r>
+            <a:endParaRPr lang="en-US" altLang="zh-TW">
+              <a:latin typeface="+mj-lt"/>
+            </a:endParaRPr>
+          </a:p>
+          <a:p>
+            <a:r>
+              <a:rPr lang="zh-TW" altLang="en-US">
+                <a:latin typeface="+mj-lt"/>
+              </a:rPr>
+              <a:t>則會</a:t>
+            </a:r>
+            <a:r>
+              <a:rPr lang="zh-TW" altLang="en-US">
+                <a:solidFill>
+                  <a:srgbClr val="FFC000"/>
+                </a:solidFill>
+                <a:latin typeface="+mj-lt"/>
+              </a:rPr>
+              <a:t>自動裝箱</a:t>
+            </a:r>
+            <a:endParaRPr lang="en-US" altLang="zh-TW">
+              <a:solidFill>
+                <a:srgbClr val="FFC000"/>
+              </a:solidFill>
+              <a:latin typeface="+mj-lt"/>
+            </a:endParaRPr>
+          </a:p>
+        </p:txBody>
+      </p:sp>
+      <p:sp>
+        <p:nvSpPr>
+          <p:cNvPr id="6" name="矩形: 圓角 5">
+            <a:extLst>
+              <a:ext uri="{FF2B5EF4-FFF2-40B4-BE49-F238E27FC236}">
+                <a16:creationId xmlns:a16="http://schemas.microsoft.com/office/drawing/2014/main" id="{CF8367C1-D2D9-454B-A2E2-699EAB131BFE}"/>
+              </a:ext>
+            </a:extLst>
+          </p:cNvPr>
+          <p:cNvSpPr/>
+          <p:nvPr/>
+        </p:nvSpPr>
+        <p:spPr>
+          <a:xfrm>
+            <a:off x="6286501" y="2901936"/>
+            <a:ext cx="595312" cy="199884"/>
+          </a:xfrm>
+          <a:prstGeom prst="roundRect">
+            <a:avLst/>
+          </a:prstGeom>
+          <a:noFill/>
+          <a:ln>
+            <a:solidFill>
+              <a:srgbClr val="92D050"/>
+            </a:solidFill>
+          </a:ln>
+        </p:spPr>
+        <p:style>
+          <a:lnRef idx="2">
+            <a:schemeClr val="accent1">
+              <a:shade val="50000"/>
+            </a:schemeClr>
+          </a:lnRef>
+          <a:fillRef idx="1">
+            <a:schemeClr val="accent1"/>
+          </a:fillRef>
+          <a:effectRef idx="0">
+            <a:schemeClr val="accent1"/>
+          </a:effectRef>
+          <a:fontRef idx="minor">
+            <a:schemeClr val="lt1"/>
+          </a:fontRef>
+        </p:style>
+        <p:txBody>
+          <a:bodyPr rtlCol="0" anchor="ctr"/>
+          <a:lstStyle/>
+          <a:p>
+            <a:pPr algn="ctr"/>
+            <a:endParaRPr lang="zh-TW" altLang="en-US"/>
+          </a:p>
+        </p:txBody>
+      </p:sp>
+      <p:sp>
+        <p:nvSpPr>
+          <p:cNvPr id="7" name="矩形: 圓角 6">
+            <a:extLst>
+              <a:ext uri="{FF2B5EF4-FFF2-40B4-BE49-F238E27FC236}">
+                <a16:creationId xmlns:a16="http://schemas.microsoft.com/office/drawing/2014/main" id="{F63427A5-E215-4A1E-8C34-A41B3AACF31C}"/>
+              </a:ext>
+            </a:extLst>
+          </p:cNvPr>
+          <p:cNvSpPr/>
+          <p:nvPr/>
+        </p:nvSpPr>
+        <p:spPr>
+          <a:xfrm>
+            <a:off x="8627267" y="1674373"/>
+            <a:ext cx="369095" cy="199884"/>
+          </a:xfrm>
+          <a:prstGeom prst="roundRect">
+            <a:avLst/>
+          </a:prstGeom>
+          <a:noFill/>
+          <a:ln>
+            <a:solidFill>
+              <a:srgbClr val="92D050"/>
+            </a:solidFill>
+          </a:ln>
+        </p:spPr>
+        <p:style>
+          <a:lnRef idx="2">
+            <a:schemeClr val="accent1">
+              <a:shade val="50000"/>
+            </a:schemeClr>
+          </a:lnRef>
+          <a:fillRef idx="1">
+            <a:schemeClr val="accent1"/>
+          </a:fillRef>
+          <a:effectRef idx="0">
+            <a:schemeClr val="accent1"/>
+          </a:effectRef>
+          <a:fontRef idx="minor">
+            <a:schemeClr val="lt1"/>
+          </a:fontRef>
+        </p:style>
+        <p:txBody>
+          <a:bodyPr rtlCol="0" anchor="ctr"/>
+          <a:lstStyle/>
+          <a:p>
+            <a:pPr algn="ctr"/>
+            <a:endParaRPr lang="zh-TW" altLang="en-US"/>
+          </a:p>
+        </p:txBody>
+      </p:sp>
+      <p:sp>
+        <p:nvSpPr>
+          <p:cNvPr id="8" name="矩形: 圓角 7">
+            <a:extLst>
+              <a:ext uri="{FF2B5EF4-FFF2-40B4-BE49-F238E27FC236}">
+                <a16:creationId xmlns:a16="http://schemas.microsoft.com/office/drawing/2014/main" id="{741172A1-ED78-4515-8764-85F44873FC7A}"/>
+              </a:ext>
+            </a:extLst>
+          </p:cNvPr>
+          <p:cNvSpPr/>
+          <p:nvPr/>
+        </p:nvSpPr>
+        <p:spPr>
+          <a:xfrm>
+            <a:off x="8074025" y="1913436"/>
+            <a:ext cx="372209" cy="199884"/>
+          </a:xfrm>
+          <a:prstGeom prst="roundRect">
+            <a:avLst/>
+          </a:prstGeom>
+          <a:noFill/>
+          <a:ln>
+            <a:solidFill>
+              <a:srgbClr val="92D050"/>
+            </a:solidFill>
+          </a:ln>
+        </p:spPr>
+        <p:style>
+          <a:lnRef idx="2">
+            <a:schemeClr val="accent1">
+              <a:shade val="50000"/>
+            </a:schemeClr>
+          </a:lnRef>
+          <a:fillRef idx="1">
+            <a:schemeClr val="accent1"/>
+          </a:fillRef>
+          <a:effectRef idx="0">
+            <a:schemeClr val="accent1"/>
+          </a:effectRef>
+          <a:fontRef idx="minor">
+            <a:schemeClr val="lt1"/>
+          </a:fontRef>
+        </p:style>
+        <p:txBody>
+          <a:bodyPr rtlCol="0" anchor="ctr"/>
+          <a:lstStyle/>
+          <a:p>
+            <a:pPr algn="ctr"/>
+            <a:endParaRPr lang="zh-TW" altLang="en-US"/>
+          </a:p>
+        </p:txBody>
+      </p:sp>
+      <p:sp>
+        <p:nvSpPr>
+          <p:cNvPr id="9" name="矩形: 圓角 8">
+            <a:extLst>
+              <a:ext uri="{FF2B5EF4-FFF2-40B4-BE49-F238E27FC236}">
+                <a16:creationId xmlns:a16="http://schemas.microsoft.com/office/drawing/2014/main" id="{544834D5-DFE2-4B79-BB3B-FD6A14827226}"/>
+              </a:ext>
+            </a:extLst>
+          </p:cNvPr>
+          <p:cNvSpPr/>
+          <p:nvPr/>
+        </p:nvSpPr>
+        <p:spPr>
+          <a:xfrm>
+            <a:off x="8627268" y="1934028"/>
+            <a:ext cx="1259681" cy="199884"/>
+          </a:xfrm>
+          <a:prstGeom prst="roundRect">
+            <a:avLst/>
+          </a:prstGeom>
+          <a:noFill/>
+          <a:ln>
+            <a:solidFill>
+              <a:srgbClr val="FFC000"/>
+            </a:solidFill>
+          </a:ln>
+        </p:spPr>
+        <p:style>
+          <a:lnRef idx="2">
+            <a:schemeClr val="accent1">
+              <a:shade val="50000"/>
+            </a:schemeClr>
+          </a:lnRef>
+          <a:fillRef idx="1">
+            <a:schemeClr val="accent1"/>
+          </a:fillRef>
+          <a:effectRef idx="0">
+            <a:schemeClr val="accent1"/>
+          </a:effectRef>
+          <a:fontRef idx="minor">
+            <a:schemeClr val="lt1"/>
+          </a:fontRef>
+        </p:style>
+        <p:txBody>
+          <a:bodyPr rtlCol="0" anchor="ctr"/>
+          <a:lstStyle/>
+          <a:p>
+            <a:pPr algn="ctr"/>
+            <a:endParaRPr lang="zh-TW" altLang="en-US"/>
+          </a:p>
+        </p:txBody>
+      </p:sp>
+      <p:sp>
+        <p:nvSpPr>
+          <p:cNvPr id="10" name="文字方塊 9">
+            <a:extLst>
+              <a:ext uri="{FF2B5EF4-FFF2-40B4-BE49-F238E27FC236}">
+                <a16:creationId xmlns:a16="http://schemas.microsoft.com/office/drawing/2014/main" id="{D2CD7AF5-B4D8-401D-B36B-83553EE26D26}"/>
+              </a:ext>
+            </a:extLst>
+          </p:cNvPr>
+          <p:cNvSpPr txBox="1"/>
+          <p:nvPr/>
+        </p:nvSpPr>
+        <p:spPr>
+          <a:xfrm>
+            <a:off x="8591403" y="2113320"/>
+            <a:ext cx="1415772" cy="461665"/>
+          </a:xfrm>
+          <a:prstGeom prst="rect">
+            <a:avLst/>
+          </a:prstGeom>
+          <a:noFill/>
+        </p:spPr>
+        <p:txBody>
+          <a:bodyPr wrap="none" rtlCol="0">
+            <a:spAutoFit/>
+          </a:bodyPr>
+          <a:lstStyle/>
+          <a:p>
+            <a:r>
+              <a:rPr lang="zh-TW" altLang="en-US" sz="2400">
+                <a:solidFill>
+                  <a:srgbClr val="FFC000"/>
+                </a:solidFill>
+              </a:rPr>
+              <a:t>自動拆箱</a:t>
+            </a:r>
+          </a:p>
+        </p:txBody>
+      </p:sp>
+      <p:sp>
+        <p:nvSpPr>
+          <p:cNvPr id="13" name="文字方塊 12">
+            <a:extLst>
+              <a:ext uri="{FF2B5EF4-FFF2-40B4-BE49-F238E27FC236}">
+                <a16:creationId xmlns:a16="http://schemas.microsoft.com/office/drawing/2014/main" id="{6F4FFB75-0A21-48E5-82C4-8060063DEDB0}"/>
+              </a:ext>
+            </a:extLst>
+          </p:cNvPr>
+          <p:cNvSpPr txBox="1"/>
+          <p:nvPr/>
+        </p:nvSpPr>
+        <p:spPr>
+          <a:xfrm>
+            <a:off x="6173927" y="2113320"/>
+            <a:ext cx="1415772" cy="461665"/>
+          </a:xfrm>
+          <a:prstGeom prst="rect">
+            <a:avLst/>
+          </a:prstGeom>
+          <a:noFill/>
+        </p:spPr>
+        <p:txBody>
+          <a:bodyPr wrap="none" rtlCol="0">
+            <a:spAutoFit/>
+          </a:bodyPr>
+          <a:lstStyle/>
+          <a:p>
+            <a:r>
+              <a:rPr lang="zh-TW" altLang="en-US" sz="2400">
+                <a:solidFill>
+                  <a:srgbClr val="92D050"/>
+                </a:solidFill>
+              </a:rPr>
+              <a:t>自動裝箱</a:t>
+            </a:r>
+          </a:p>
+        </p:txBody>
+      </p:sp>
+      <p:grpSp>
+        <p:nvGrpSpPr>
+          <p:cNvPr id="17" name="群組 16">
+            <a:extLst>
+              <a:ext uri="{FF2B5EF4-FFF2-40B4-BE49-F238E27FC236}">
+                <a16:creationId xmlns:a16="http://schemas.microsoft.com/office/drawing/2014/main" id="{99C5A9CB-C3EA-4D67-B0AA-19EAF53ADCF4}"/>
+              </a:ext>
+            </a:extLst>
+          </p:cNvPr>
+          <p:cNvGrpSpPr/>
+          <p:nvPr/>
+        </p:nvGrpSpPr>
+        <p:grpSpPr>
+          <a:xfrm>
+            <a:off x="4552951" y="3873838"/>
+            <a:ext cx="6990224" cy="2554545"/>
+            <a:chOff x="4552951" y="3873838"/>
+            <a:chExt cx="6990224" cy="2554545"/>
+          </a:xfrm>
+        </p:grpSpPr>
+        <p:sp>
+          <p:nvSpPr>
+            <p:cNvPr id="5" name="Rectangle 2">
+              <a:extLst>
+                <a:ext uri="{FF2B5EF4-FFF2-40B4-BE49-F238E27FC236}">
+                  <a16:creationId xmlns:a16="http://schemas.microsoft.com/office/drawing/2014/main" id="{7D768719-D90D-4768-BD7B-16F865731F48}"/>
+                </a:ext>
+              </a:extLst>
+            </p:cNvPr>
+            <p:cNvSpPr>
+              <a:spLocks noChangeArrowheads="1"/>
+            </p:cNvSpPr>
+            <p:nvPr/>
+          </p:nvSpPr>
+          <p:spPr bwMode="auto">
+            <a:xfrm>
+              <a:off x="4552951" y="3873838"/>
+              <a:ext cx="6990224" cy="2554545"/>
+            </a:xfrm>
+            <a:prstGeom prst="rect">
+              <a:avLst/>
+            </a:prstGeom>
+            <a:solidFill>
+              <a:srgbClr val="1E1F22"/>
+            </a:solidFill>
+            <a:ln>
+              <a:noFill/>
+            </a:ln>
+            <a:effectLst/>
+            <a:extLst>
+              <a:ext uri="{91240B29-F687-4F45-9708-019B960494DF}">
+                <a14:hiddenLine xmlns:a14="http://schemas.microsoft.com/office/drawing/2010/main" w="9525">
+                  <a:solidFill>
+                    <a:schemeClr val="tx1"/>
+                  </a:solidFill>
+                  <a:miter lim="800000"/>
+                  <a:headEnd/>
+                  <a:tailEnd/>
+                </a14:hiddenLine>
+              </a:ext>
+              <a:ext uri="{AF507438-7753-43E0-B8FC-AC1667EBCBE1}">
+                <a14:hiddenEffects xmlns:a14="http://schemas.microsoft.com/office/drawing/2010/main">
+                  <a:effectLst>
+                    <a:outerShdw dist="35921" dir="2700000" algn="ctr" rotWithShape="0">
+                      <a:schemeClr val="bg2"/>
+                    </a:outerShdw>
+                  </a:effectLst>
+                </a14:hiddenEffects>
+              </a:ext>
+            </a:extLst>
+          </p:spPr>
+          <p:txBody>
+            <a:bodyPr vert="horz" wrap="square" lIns="91440" tIns="45720" rIns="91440" bIns="45720" numCol="1" anchor="ctr" anchorCtr="0" compatLnSpc="1">
+              <a:prstTxWarp prst="textNoShape">
+                <a:avLst/>
+              </a:prstTxWarp>
+              <a:spAutoFit/>
+            </a:bodyPr>
+            <a:lstStyle/>
+            <a:p>
+              <a:pPr marL="0" marR="0" lvl="0" indent="0" algn="l" defTabSz="914400" rtl="0" eaLnBrk="0" fontAlgn="base" latinLnBrk="0" hangingPunct="0">
+                <a:lnSpc>
+                  <a:spcPct val="100000"/>
+                </a:lnSpc>
+                <a:spcBef>
+                  <a:spcPct val="0"/>
+                </a:spcBef>
+                <a:spcAft>
+                  <a:spcPct val="0"/>
+                </a:spcAft>
+                <a:buClrTx/>
+                <a:buSzTx/>
+                <a:buFontTx/>
+                <a:buNone/>
+                <a:tabLst/>
+              </a:pPr>
+              <a:r>
+                <a:rPr kumimoji="0" lang="zh-TW" altLang="zh-TW" sz="1600" b="0" i="0" u="none" strike="noStrike" cap="none" normalizeH="0" baseline="0">
+                  <a:ln>
+                    <a:noFill/>
+                  </a:ln>
+                  <a:solidFill>
+                    <a:srgbClr val="CF8E6D"/>
+                  </a:solidFill>
+                  <a:effectLst/>
+                  <a:latin typeface="+mj-lt"/>
+                  <a:cs typeface="JetBrains Mono" panose="02000009000000000000" pitchFamily="49" charset="0"/>
+                </a:rPr>
+                <a:t>public class </a:t>
+              </a:r>
+              <a:r>
+                <a:rPr kumimoji="0" lang="zh-TW" altLang="zh-TW" sz="1600" b="0" i="0" u="none" strike="noStrike" cap="none" normalizeH="0" baseline="0">
+                  <a:ln>
+                    <a:noFill/>
+                  </a:ln>
+                  <a:solidFill>
+                    <a:srgbClr val="BCBEC4"/>
+                  </a:solidFill>
+                  <a:effectLst/>
+                  <a:latin typeface="+mj-lt"/>
+                  <a:cs typeface="JetBrains Mono" panose="02000009000000000000" pitchFamily="49" charset="0"/>
+                </a:rPr>
+                <a:t>Main2 {</a:t>
+              </a:r>
+              <a:br>
+                <a:rPr kumimoji="0" lang="zh-TW" altLang="zh-TW" sz="1600" b="0" i="0" u="none" strike="noStrike" cap="none" normalizeH="0" baseline="0">
+                  <a:ln>
+                    <a:noFill/>
+                  </a:ln>
+                  <a:solidFill>
+                    <a:srgbClr val="BCBEC4"/>
+                  </a:solidFill>
+                  <a:effectLst/>
+                  <a:latin typeface="+mj-lt"/>
+                  <a:cs typeface="JetBrains Mono" panose="02000009000000000000" pitchFamily="49" charset="0"/>
+                </a:rPr>
+              </a:br>
+              <a:r>
+                <a:rPr kumimoji="0" lang="zh-TW" altLang="zh-TW" sz="1600" b="0" i="0" u="none" strike="noStrike" cap="none" normalizeH="0" baseline="0">
+                  <a:ln>
+                    <a:noFill/>
+                  </a:ln>
+                  <a:solidFill>
+                    <a:srgbClr val="BCBEC4"/>
+                  </a:solidFill>
+                  <a:effectLst/>
+                  <a:latin typeface="+mj-lt"/>
+                  <a:cs typeface="JetBrains Mono" panose="02000009000000000000" pitchFamily="49" charset="0"/>
+                </a:rPr>
+                <a:t>    </a:t>
+              </a:r>
+              <a:r>
+                <a:rPr kumimoji="0" lang="zh-TW" altLang="zh-TW" sz="1600" b="0" i="0" u="none" strike="noStrike" cap="none" normalizeH="0" baseline="0">
+                  <a:ln>
+                    <a:noFill/>
+                  </a:ln>
+                  <a:solidFill>
+                    <a:srgbClr val="CF8E6D"/>
+                  </a:solidFill>
+                  <a:effectLst/>
+                  <a:latin typeface="+mj-lt"/>
+                  <a:cs typeface="JetBrains Mono" panose="02000009000000000000" pitchFamily="49" charset="0"/>
+                </a:rPr>
+                <a:t>public static void </a:t>
+              </a:r>
+              <a:r>
+                <a:rPr kumimoji="0" lang="zh-TW" altLang="zh-TW" sz="1600" b="0" i="0" u="none" strike="noStrike" cap="none" normalizeH="0" baseline="0">
+                  <a:ln>
+                    <a:noFill/>
+                  </a:ln>
+                  <a:solidFill>
+                    <a:srgbClr val="56A8F5"/>
+                  </a:solidFill>
+                  <a:effectLst/>
+                  <a:latin typeface="+mj-lt"/>
+                  <a:cs typeface="JetBrains Mono" panose="02000009000000000000" pitchFamily="49" charset="0"/>
+                </a:rPr>
+                <a:t>main</a:t>
+              </a:r>
+              <a:r>
+                <a:rPr kumimoji="0" lang="zh-TW" altLang="zh-TW" sz="1600" b="0" i="0" u="none" strike="noStrike" cap="none" normalizeH="0" baseline="0">
+                  <a:ln>
+                    <a:noFill/>
+                  </a:ln>
+                  <a:solidFill>
+                    <a:srgbClr val="BCBEC4"/>
+                  </a:solidFill>
+                  <a:effectLst/>
+                  <a:latin typeface="+mj-lt"/>
+                  <a:cs typeface="JetBrains Mono" panose="02000009000000000000" pitchFamily="49" charset="0"/>
+                </a:rPr>
+                <a:t>(String[] args) {</a:t>
+              </a:r>
+              <a:br>
+                <a:rPr kumimoji="0" lang="zh-TW" altLang="zh-TW" sz="1600" b="0" i="0" u="none" strike="noStrike" cap="none" normalizeH="0" baseline="0">
+                  <a:ln>
+                    <a:noFill/>
+                  </a:ln>
+                  <a:solidFill>
+                    <a:srgbClr val="BCBEC4"/>
+                  </a:solidFill>
+                  <a:effectLst/>
+                  <a:latin typeface="+mj-lt"/>
+                  <a:cs typeface="JetBrains Mono" panose="02000009000000000000" pitchFamily="49" charset="0"/>
+                </a:rPr>
+              </a:br>
+              <a:r>
+                <a:rPr kumimoji="0" lang="zh-TW" altLang="zh-TW" sz="1600" b="0" i="0" u="none" strike="noStrike" cap="none" normalizeH="0" baseline="0">
+                  <a:ln>
+                    <a:noFill/>
+                  </a:ln>
+                  <a:solidFill>
+                    <a:srgbClr val="BCBEC4"/>
+                  </a:solidFill>
+                  <a:effectLst/>
+                  <a:latin typeface="+mj-lt"/>
+                  <a:cs typeface="JetBrains Mono" panose="02000009000000000000" pitchFamily="49" charset="0"/>
+                </a:rPr>
+                <a:t>        </a:t>
+              </a:r>
+              <a:r>
+                <a:rPr kumimoji="0" lang="zh-TW" altLang="zh-TW" sz="1600" b="0" i="0" u="none" strike="noStrike" cap="none" normalizeH="0" baseline="0">
+                  <a:ln>
+                    <a:noFill/>
+                  </a:ln>
+                  <a:solidFill>
+                    <a:srgbClr val="CF8E6D"/>
+                  </a:solidFill>
+                  <a:effectLst/>
+                  <a:latin typeface="+mj-lt"/>
+                  <a:cs typeface="JetBrains Mono" panose="02000009000000000000" pitchFamily="49" charset="0"/>
+                </a:rPr>
+                <a:t>final </a:t>
+              </a:r>
+              <a:r>
+                <a:rPr kumimoji="0" lang="zh-TW" altLang="zh-TW" sz="1600" b="0" i="0" u="none" strike="noStrike" cap="none" normalizeH="0" baseline="0">
+                  <a:ln>
+                    <a:noFill/>
+                  </a:ln>
+                  <a:solidFill>
+                    <a:srgbClr val="BCBEC4"/>
+                  </a:solidFill>
+                  <a:effectLst/>
+                  <a:latin typeface="+mj-lt"/>
+                  <a:cs typeface="JetBrains Mono" panose="02000009000000000000" pitchFamily="49" charset="0"/>
+                </a:rPr>
+                <a:t>Integer TWO_HUNDRED = Integer.</a:t>
+              </a:r>
+              <a:r>
+                <a:rPr kumimoji="0" lang="zh-TW" altLang="zh-TW" sz="1600" b="0" i="1" u="none" strike="noStrike" cap="none" normalizeH="0" baseline="0">
+                  <a:ln>
+                    <a:noFill/>
+                  </a:ln>
+                  <a:solidFill>
+                    <a:srgbClr val="BCBEC4"/>
+                  </a:solidFill>
+                  <a:effectLst/>
+                  <a:latin typeface="+mj-lt"/>
+                  <a:cs typeface="JetBrains Mono" panose="02000009000000000000" pitchFamily="49" charset="0"/>
+                </a:rPr>
+                <a:t>valueOf</a:t>
+              </a:r>
+              <a:r>
+                <a:rPr kumimoji="0" lang="zh-TW" altLang="zh-TW" sz="1600" b="0" i="0" u="none" strike="noStrike" cap="none" normalizeH="0" baseline="0">
+                  <a:ln>
+                    <a:noFill/>
+                  </a:ln>
+                  <a:solidFill>
+                    <a:srgbClr val="BCBEC4"/>
+                  </a:solidFill>
+                  <a:effectLst/>
+                  <a:latin typeface="+mj-lt"/>
+                  <a:cs typeface="JetBrains Mono" panose="02000009000000000000" pitchFamily="49" charset="0"/>
+                </a:rPr>
+                <a:t>(</a:t>
+              </a:r>
+              <a:r>
+                <a:rPr kumimoji="0" lang="zh-TW" altLang="zh-TW" sz="1600" b="0" i="0" u="none" strike="noStrike" cap="none" normalizeH="0" baseline="0">
+                  <a:ln>
+                    <a:noFill/>
+                  </a:ln>
+                  <a:solidFill>
+                    <a:srgbClr val="2AACB8"/>
+                  </a:solidFill>
+                  <a:effectLst/>
+                  <a:latin typeface="+mj-lt"/>
+                  <a:cs typeface="JetBrains Mono" panose="02000009000000000000" pitchFamily="49" charset="0"/>
+                </a:rPr>
+                <a:t>100</a:t>
+              </a:r>
+              <a:r>
+                <a:rPr kumimoji="0" lang="zh-TW" altLang="zh-TW" sz="1600" b="0" i="0" u="none" strike="noStrike" cap="none" normalizeH="0" baseline="0">
+                  <a:ln>
+                    <a:noFill/>
+                  </a:ln>
+                  <a:solidFill>
+                    <a:srgbClr val="BCBEC4"/>
+                  </a:solidFill>
+                  <a:effectLst/>
+                  <a:latin typeface="+mj-lt"/>
+                  <a:cs typeface="JetBrains Mono" panose="02000009000000000000" pitchFamily="49" charset="0"/>
+                </a:rPr>
+                <a:t>);</a:t>
+              </a:r>
+              <a:br>
+                <a:rPr kumimoji="0" lang="zh-TW" altLang="zh-TW" sz="1600" b="0" i="0" u="none" strike="noStrike" cap="none" normalizeH="0" baseline="0">
+                  <a:ln>
+                    <a:noFill/>
+                  </a:ln>
+                  <a:solidFill>
+                    <a:srgbClr val="BCBEC4"/>
+                  </a:solidFill>
+                  <a:effectLst/>
+                  <a:latin typeface="+mj-lt"/>
+                  <a:cs typeface="JetBrains Mono" panose="02000009000000000000" pitchFamily="49" charset="0"/>
+                </a:rPr>
+              </a:br>
+              <a:r>
+                <a:rPr kumimoji="0" lang="zh-TW" altLang="zh-TW" sz="1600" b="0" i="0" u="none" strike="noStrike" cap="none" normalizeH="0" baseline="0">
+                  <a:ln>
+                    <a:noFill/>
+                  </a:ln>
+                  <a:solidFill>
+                    <a:srgbClr val="BCBEC4"/>
+                  </a:solidFill>
+                  <a:effectLst/>
+                  <a:latin typeface="+mj-lt"/>
+                  <a:cs typeface="JetBrains Mono" panose="02000009000000000000" pitchFamily="49" charset="0"/>
+                </a:rPr>
+                <a:t>        System.</a:t>
+              </a:r>
+              <a:r>
+                <a:rPr kumimoji="0" lang="zh-TW" altLang="zh-TW" sz="1600" b="0" i="1" u="none" strike="noStrike" cap="none" normalizeH="0" baseline="0">
+                  <a:ln>
+                    <a:noFill/>
+                  </a:ln>
+                  <a:solidFill>
+                    <a:srgbClr val="C77DBB"/>
+                  </a:solidFill>
+                  <a:effectLst/>
+                  <a:latin typeface="+mj-lt"/>
+                  <a:cs typeface="JetBrains Mono" panose="02000009000000000000" pitchFamily="49" charset="0"/>
+                </a:rPr>
+                <a:t>out</a:t>
+              </a:r>
+              <a:r>
+                <a:rPr kumimoji="0" lang="zh-TW" altLang="zh-TW" sz="1600" b="0" i="0" u="none" strike="noStrike" cap="none" normalizeH="0" baseline="0">
+                  <a:ln>
+                    <a:noFill/>
+                  </a:ln>
+                  <a:solidFill>
+                    <a:srgbClr val="BCBEC4"/>
+                  </a:solidFill>
+                  <a:effectLst/>
+                  <a:latin typeface="+mj-lt"/>
+                  <a:cs typeface="JetBrains Mono" panose="02000009000000000000" pitchFamily="49" charset="0"/>
+                </a:rPr>
+                <a:t>.println(</a:t>
+              </a:r>
+              <a:r>
+                <a:rPr kumimoji="0" lang="zh-TW" altLang="zh-TW" sz="1600" b="0" i="1" u="none" strike="noStrike" cap="none" normalizeH="0" baseline="0">
+                  <a:ln>
+                    <a:noFill/>
+                  </a:ln>
+                  <a:solidFill>
+                    <a:srgbClr val="BCBEC4"/>
+                  </a:solidFill>
+                  <a:effectLst/>
+                  <a:latin typeface="+mj-lt"/>
+                  <a:cs typeface="JetBrains Mono" panose="02000009000000000000" pitchFamily="49" charset="0"/>
+                </a:rPr>
+                <a:t>add</a:t>
+              </a:r>
+              <a:r>
+                <a:rPr kumimoji="0" lang="zh-TW" altLang="zh-TW" sz="1600" b="0" i="0" u="none" strike="noStrike" cap="none" normalizeH="0" baseline="0">
+                  <a:ln>
+                    <a:noFill/>
+                  </a:ln>
+                  <a:solidFill>
+                    <a:srgbClr val="BCBEC4"/>
+                  </a:solidFill>
+                  <a:effectLst/>
+                  <a:latin typeface="+mj-lt"/>
+                  <a:cs typeface="JetBrains Mono" panose="02000009000000000000" pitchFamily="49" charset="0"/>
+                </a:rPr>
+                <a:t>(</a:t>
+              </a:r>
+              <a:r>
+                <a:rPr kumimoji="0" lang="zh-TW" altLang="zh-TW" sz="1600" b="0" i="0" u="none" strike="noStrike" cap="none" normalizeH="0" baseline="0">
+                  <a:ln>
+                    <a:noFill/>
+                  </a:ln>
+                  <a:solidFill>
+                    <a:srgbClr val="2AACB8"/>
+                  </a:solidFill>
+                  <a:effectLst/>
+                  <a:latin typeface="+mj-lt"/>
+                  <a:cs typeface="JetBrains Mono" panose="02000009000000000000" pitchFamily="49" charset="0"/>
+                </a:rPr>
+                <a:t>100</a:t>
+              </a:r>
+              <a:r>
+                <a:rPr kumimoji="0" lang="zh-TW" altLang="zh-TW" sz="1600" b="0" i="0" u="none" strike="noStrike" cap="none" normalizeH="0" baseline="0">
+                  <a:ln>
+                    <a:noFill/>
+                  </a:ln>
+                  <a:solidFill>
+                    <a:srgbClr val="BCBEC4"/>
+                  </a:solidFill>
+                  <a:effectLst/>
+                  <a:latin typeface="+mj-lt"/>
+                  <a:cs typeface="JetBrains Mono" panose="02000009000000000000" pitchFamily="49" charset="0"/>
+                </a:rPr>
+                <a:t>, TWO_HUNDRED.intValue()));</a:t>
+              </a:r>
+              <a:br>
+                <a:rPr kumimoji="0" lang="zh-TW" altLang="zh-TW" sz="1600" b="0" i="0" u="none" strike="noStrike" cap="none" normalizeH="0" baseline="0">
+                  <a:ln>
+                    <a:noFill/>
+                  </a:ln>
+                  <a:solidFill>
+                    <a:srgbClr val="BCBEC4"/>
+                  </a:solidFill>
+                  <a:effectLst/>
+                  <a:latin typeface="+mj-lt"/>
+                  <a:cs typeface="JetBrains Mono" panose="02000009000000000000" pitchFamily="49" charset="0"/>
+                </a:rPr>
+              </a:br>
+              <a:r>
+                <a:rPr kumimoji="0" lang="zh-TW" altLang="zh-TW" sz="1600" b="0" i="0" u="none" strike="noStrike" cap="none" normalizeH="0" baseline="0">
+                  <a:ln>
+                    <a:noFill/>
+                  </a:ln>
+                  <a:solidFill>
+                    <a:srgbClr val="BCBEC4"/>
+                  </a:solidFill>
+                  <a:effectLst/>
+                  <a:latin typeface="+mj-lt"/>
+                  <a:cs typeface="JetBrains Mono" panose="02000009000000000000" pitchFamily="49" charset="0"/>
+                </a:rPr>
+                <a:t>    }</a:t>
+              </a:r>
+              <a:br>
+                <a:rPr kumimoji="0" lang="zh-TW" altLang="zh-TW" sz="1600" b="0" i="0" u="none" strike="noStrike" cap="none" normalizeH="0" baseline="0">
+                  <a:ln>
+                    <a:noFill/>
+                  </a:ln>
+                  <a:solidFill>
+                    <a:srgbClr val="BCBEC4"/>
+                  </a:solidFill>
+                  <a:effectLst/>
+                  <a:latin typeface="+mj-lt"/>
+                  <a:cs typeface="JetBrains Mono" panose="02000009000000000000" pitchFamily="49" charset="0"/>
+                </a:rPr>
+              </a:br>
+              <a:br>
+                <a:rPr kumimoji="0" lang="zh-TW" altLang="zh-TW" sz="1600" b="0" i="0" u="none" strike="noStrike" cap="none" normalizeH="0" baseline="0">
+                  <a:ln>
+                    <a:noFill/>
+                  </a:ln>
+                  <a:solidFill>
+                    <a:srgbClr val="BCBEC4"/>
+                  </a:solidFill>
+                  <a:effectLst/>
+                  <a:latin typeface="+mj-lt"/>
+                  <a:cs typeface="JetBrains Mono" panose="02000009000000000000" pitchFamily="49" charset="0"/>
+                </a:rPr>
+              </a:br>
+              <a:r>
+                <a:rPr kumimoji="0" lang="zh-TW" altLang="zh-TW" sz="1600" b="0" i="0" u="none" strike="noStrike" cap="none" normalizeH="0" baseline="0">
+                  <a:ln>
+                    <a:noFill/>
+                  </a:ln>
+                  <a:solidFill>
+                    <a:srgbClr val="BCBEC4"/>
+                  </a:solidFill>
+                  <a:effectLst/>
+                  <a:latin typeface="+mj-lt"/>
+                  <a:cs typeface="JetBrains Mono" panose="02000009000000000000" pitchFamily="49" charset="0"/>
+                </a:rPr>
+                <a:t>    </a:t>
+              </a:r>
+              <a:r>
+                <a:rPr kumimoji="0" lang="zh-TW" altLang="zh-TW" sz="1600" b="0" i="0" u="none" strike="noStrike" cap="none" normalizeH="0" baseline="0">
+                  <a:ln>
+                    <a:noFill/>
+                  </a:ln>
+                  <a:solidFill>
+                    <a:srgbClr val="CF8E6D"/>
+                  </a:solidFill>
+                  <a:effectLst/>
+                  <a:latin typeface="+mj-lt"/>
+                  <a:cs typeface="JetBrains Mono" panose="02000009000000000000" pitchFamily="49" charset="0"/>
+                </a:rPr>
+                <a:t>public static </a:t>
+              </a:r>
+              <a:r>
+                <a:rPr kumimoji="0" lang="zh-TW" altLang="zh-TW" sz="1600" b="0" i="0" u="none" strike="noStrike" cap="none" normalizeH="0" baseline="0">
+                  <a:ln>
+                    <a:noFill/>
+                  </a:ln>
+                  <a:solidFill>
+                    <a:srgbClr val="BCBEC4"/>
+                  </a:solidFill>
+                  <a:effectLst/>
+                  <a:latin typeface="+mj-lt"/>
+                  <a:cs typeface="JetBrains Mono" panose="02000009000000000000" pitchFamily="49" charset="0"/>
+                </a:rPr>
+                <a:t>Integer </a:t>
+              </a:r>
+              <a:r>
+                <a:rPr kumimoji="0" lang="zh-TW" altLang="zh-TW" sz="1600" b="0" i="0" u="none" strike="noStrike" cap="none" normalizeH="0" baseline="0">
+                  <a:ln>
+                    <a:noFill/>
+                  </a:ln>
+                  <a:solidFill>
+                    <a:srgbClr val="56A8F5"/>
+                  </a:solidFill>
+                  <a:effectLst/>
+                  <a:latin typeface="+mj-lt"/>
+                  <a:cs typeface="JetBrains Mono" panose="02000009000000000000" pitchFamily="49" charset="0"/>
+                </a:rPr>
+                <a:t>add</a:t>
+              </a:r>
+              <a:r>
+                <a:rPr kumimoji="0" lang="zh-TW" altLang="zh-TW" sz="1600" b="0" i="0" u="none" strike="noStrike" cap="none" normalizeH="0" baseline="0">
+                  <a:ln>
+                    <a:noFill/>
+                  </a:ln>
+                  <a:solidFill>
+                    <a:srgbClr val="BCBEC4"/>
+                  </a:solidFill>
+                  <a:effectLst/>
+                  <a:latin typeface="+mj-lt"/>
+                  <a:cs typeface="JetBrains Mono" panose="02000009000000000000" pitchFamily="49" charset="0"/>
+                </a:rPr>
+                <a:t>(Integer a, </a:t>
+              </a:r>
+              <a:r>
+                <a:rPr kumimoji="0" lang="zh-TW" altLang="zh-TW" sz="1600" b="0" i="0" u="none" strike="noStrike" cap="none" normalizeH="0" baseline="0">
+                  <a:ln>
+                    <a:noFill/>
+                  </a:ln>
+                  <a:solidFill>
+                    <a:srgbClr val="CF8E6D"/>
+                  </a:solidFill>
+                  <a:effectLst/>
+                  <a:latin typeface="+mj-lt"/>
+                  <a:cs typeface="JetBrains Mono" panose="02000009000000000000" pitchFamily="49" charset="0"/>
+                </a:rPr>
+                <a:t>int</a:t>
+              </a:r>
+              <a:r>
+                <a:rPr kumimoji="0" lang="zh-TW" altLang="zh-TW" sz="1600" b="0" i="0" u="none" strike="noStrike" cap="none" normalizeH="0" baseline="0">
+                  <a:ln>
+                    <a:noFill/>
+                  </a:ln>
+                  <a:solidFill>
+                    <a:srgbClr val="BCBEC4"/>
+                  </a:solidFill>
+                  <a:effectLst/>
+                  <a:latin typeface="+mj-lt"/>
+                  <a:cs typeface="JetBrains Mono" panose="02000009000000000000" pitchFamily="49" charset="0"/>
+                </a:rPr>
+                <a:t> b) {</a:t>
+              </a:r>
+              <a:br>
+                <a:rPr kumimoji="0" lang="zh-TW" altLang="zh-TW" sz="1600" b="0" i="0" u="none" strike="noStrike" cap="none" normalizeH="0" baseline="0">
+                  <a:ln>
+                    <a:noFill/>
+                  </a:ln>
+                  <a:solidFill>
+                    <a:srgbClr val="BCBEC4"/>
+                  </a:solidFill>
+                  <a:effectLst/>
+                  <a:latin typeface="+mj-lt"/>
+                  <a:cs typeface="JetBrains Mono" panose="02000009000000000000" pitchFamily="49" charset="0"/>
+                </a:rPr>
+              </a:br>
+              <a:r>
+                <a:rPr kumimoji="0" lang="zh-TW" altLang="zh-TW" sz="1600" b="0" i="0" u="none" strike="noStrike" cap="none" normalizeH="0" baseline="0">
+                  <a:ln>
+                    <a:noFill/>
+                  </a:ln>
+                  <a:solidFill>
+                    <a:srgbClr val="BCBEC4"/>
+                  </a:solidFill>
+                  <a:effectLst/>
+                  <a:latin typeface="+mj-lt"/>
+                  <a:cs typeface="JetBrains Mono" panose="02000009000000000000" pitchFamily="49" charset="0"/>
+                </a:rPr>
+                <a:t>        </a:t>
+              </a:r>
+              <a:r>
+                <a:rPr kumimoji="0" lang="zh-TW" altLang="zh-TW" sz="1600" b="0" i="0" u="none" strike="noStrike" cap="none" normalizeH="0" baseline="0">
+                  <a:ln>
+                    <a:noFill/>
+                  </a:ln>
+                  <a:solidFill>
+                    <a:srgbClr val="CF8E6D"/>
+                  </a:solidFill>
+                  <a:effectLst/>
+                  <a:latin typeface="+mj-lt"/>
+                  <a:cs typeface="JetBrains Mono" panose="02000009000000000000" pitchFamily="49" charset="0"/>
+                </a:rPr>
+                <a:t>return </a:t>
+              </a:r>
+              <a:r>
+                <a:rPr kumimoji="0" lang="zh-TW" altLang="zh-TW" sz="1600" b="0" i="0" u="none" strike="noStrike" cap="none" normalizeH="0" baseline="0">
+                  <a:ln>
+                    <a:noFill/>
+                  </a:ln>
+                  <a:solidFill>
+                    <a:srgbClr val="BCBEC4"/>
+                  </a:solidFill>
+                  <a:effectLst/>
+                  <a:latin typeface="+mj-lt"/>
+                  <a:cs typeface="JetBrains Mono" panose="02000009000000000000" pitchFamily="49" charset="0"/>
+                </a:rPr>
+                <a:t>Integer.</a:t>
+              </a:r>
+              <a:r>
+                <a:rPr kumimoji="0" lang="zh-TW" altLang="zh-TW" sz="1600" b="0" i="1" u="none" strike="noStrike" cap="none" normalizeH="0" baseline="0">
+                  <a:ln>
+                    <a:noFill/>
+                  </a:ln>
+                  <a:solidFill>
+                    <a:srgbClr val="BCBEC4"/>
+                  </a:solidFill>
+                  <a:effectLst/>
+                  <a:latin typeface="+mj-lt"/>
+                  <a:cs typeface="JetBrains Mono" panose="02000009000000000000" pitchFamily="49" charset="0"/>
+                </a:rPr>
+                <a:t>valueOf</a:t>
+              </a:r>
+              <a:r>
+                <a:rPr kumimoji="0" lang="zh-TW" altLang="zh-TW" sz="1600" b="0" i="0" u="none" strike="noStrike" cap="none" normalizeH="0" baseline="0">
+                  <a:ln>
+                    <a:noFill/>
+                  </a:ln>
+                  <a:solidFill>
+                    <a:srgbClr val="BCBEC4"/>
+                  </a:solidFill>
+                  <a:effectLst/>
+                  <a:latin typeface="+mj-lt"/>
+                  <a:cs typeface="JetBrains Mono" panose="02000009000000000000" pitchFamily="49" charset="0"/>
+                </a:rPr>
+                <a:t>(a + b);</a:t>
+              </a:r>
+              <a:br>
+                <a:rPr kumimoji="0" lang="zh-TW" altLang="zh-TW" sz="1600" b="0" i="0" u="none" strike="noStrike" cap="none" normalizeH="0" baseline="0">
+                  <a:ln>
+                    <a:noFill/>
+                  </a:ln>
+                  <a:solidFill>
+                    <a:srgbClr val="BCBEC4"/>
+                  </a:solidFill>
+                  <a:effectLst/>
+                  <a:latin typeface="+mj-lt"/>
+                  <a:cs typeface="JetBrains Mono" panose="02000009000000000000" pitchFamily="49" charset="0"/>
+                </a:rPr>
+              </a:br>
+              <a:r>
+                <a:rPr kumimoji="0" lang="zh-TW" altLang="zh-TW" sz="1600" b="0" i="0" u="none" strike="noStrike" cap="none" normalizeH="0" baseline="0">
+                  <a:ln>
+                    <a:noFill/>
+                  </a:ln>
+                  <a:solidFill>
+                    <a:srgbClr val="BCBEC4"/>
+                  </a:solidFill>
+                  <a:effectLst/>
+                  <a:latin typeface="+mj-lt"/>
+                  <a:cs typeface="JetBrains Mono" panose="02000009000000000000" pitchFamily="49" charset="0"/>
+                </a:rPr>
+                <a:t>    }</a:t>
+              </a:r>
+              <a:br>
+                <a:rPr kumimoji="0" lang="zh-TW" altLang="zh-TW" sz="1600" b="0" i="0" u="none" strike="noStrike" cap="none" normalizeH="0" baseline="0">
+                  <a:ln>
+                    <a:noFill/>
+                  </a:ln>
+                  <a:solidFill>
+                    <a:srgbClr val="BCBEC4"/>
+                  </a:solidFill>
+                  <a:effectLst/>
+                  <a:latin typeface="+mj-lt"/>
+                  <a:cs typeface="JetBrains Mono" panose="02000009000000000000" pitchFamily="49" charset="0"/>
+                </a:rPr>
+              </a:br>
+              <a:r>
+                <a:rPr kumimoji="0" lang="zh-TW" altLang="zh-TW" sz="1600" b="0" i="0" u="none" strike="noStrike" cap="none" normalizeH="0" baseline="0">
+                  <a:ln>
+                    <a:noFill/>
+                  </a:ln>
+                  <a:solidFill>
+                    <a:srgbClr val="BCBEC4"/>
+                  </a:solidFill>
+                  <a:effectLst/>
+                  <a:latin typeface="+mj-lt"/>
+                  <a:cs typeface="JetBrains Mono" panose="02000009000000000000" pitchFamily="49" charset="0"/>
+                </a:rPr>
+                <a:t>}</a:t>
+              </a:r>
+              <a:endParaRPr kumimoji="0" lang="zh-TW" altLang="zh-TW" sz="2800" b="0" i="0" u="none" strike="noStrike" cap="none" normalizeH="0" baseline="0">
+                <a:ln>
+                  <a:noFill/>
+                </a:ln>
+                <a:solidFill>
+                  <a:schemeClr val="tx1"/>
+                </a:solidFill>
+                <a:effectLst/>
+                <a:latin typeface="+mj-lt"/>
+              </a:endParaRPr>
+            </a:p>
+          </p:txBody>
+        </p:sp>
+        <p:sp>
+          <p:nvSpPr>
+            <p:cNvPr id="14" name="文字方塊 13">
+              <a:extLst>
+                <a:ext uri="{FF2B5EF4-FFF2-40B4-BE49-F238E27FC236}">
+                  <a16:creationId xmlns:a16="http://schemas.microsoft.com/office/drawing/2014/main" id="{DC417997-069F-4D25-8756-0D6141412B7F}"/>
+                </a:ext>
+              </a:extLst>
+            </p:cNvPr>
+            <p:cNvSpPr txBox="1"/>
+            <p:nvPr/>
+          </p:nvSpPr>
+          <p:spPr>
+            <a:xfrm>
+              <a:off x="10851959" y="6059051"/>
+              <a:ext cx="691215" cy="369332"/>
+            </a:xfrm>
+            <a:prstGeom prst="rect">
+              <a:avLst/>
+            </a:prstGeom>
+            <a:noFill/>
+          </p:spPr>
+          <p:txBody>
+            <a:bodyPr wrap="none" rtlCol="0">
+              <a:spAutoFit/>
+            </a:bodyPr>
+            <a:lstStyle/>
+            <a:p>
+              <a:r>
+                <a:rPr lang="en-US" altLang="zh-TW">
+                  <a:solidFill>
+                    <a:schemeClr val="accent3"/>
+                  </a:solidFill>
+                </a:rPr>
+                <a:t>java</a:t>
+              </a:r>
+              <a:endParaRPr lang="zh-TW" altLang="en-US">
+                <a:solidFill>
+                  <a:schemeClr val="accent3"/>
+                </a:solidFill>
+              </a:endParaRPr>
+            </a:p>
+          </p:txBody>
+        </p:sp>
+      </p:grpSp>
+      <p:pic>
+        <p:nvPicPr>
+          <p:cNvPr id="18" name="圖片 17">
+            <a:hlinkClick r:id="rId2"/>
+            <a:extLst>
+              <a:ext uri="{FF2B5EF4-FFF2-40B4-BE49-F238E27FC236}">
+                <a16:creationId xmlns:a16="http://schemas.microsoft.com/office/drawing/2014/main" id="{81E354B5-C85C-469E-B291-497D32C00630}"/>
+              </a:ext>
+            </a:extLst>
+          </p:cNvPr>
+          <p:cNvPicPr>
+            <a:picLocks noChangeAspect="1"/>
+          </p:cNvPicPr>
+          <p:nvPr/>
+        </p:nvPicPr>
+        <p:blipFill>
+          <a:blip r:embed="rId3">
+            <a:extLst>
+              <a:ext uri="{28A0092B-C50C-407E-A947-70E740481C1C}">
+                <a14:useLocalDpi xmlns:a14="http://schemas.microsoft.com/office/drawing/2010/main" val="0"/>
+              </a:ext>
+            </a:extLst>
+          </a:blip>
+          <a:stretch>
+            <a:fillRect/>
+          </a:stretch>
+        </p:blipFill>
+        <p:spPr>
+          <a:xfrm>
+            <a:off x="11159926" y="1102035"/>
+            <a:ext cx="383248" cy="374916"/>
+          </a:xfrm>
+          <a:prstGeom prst="rect">
+            <a:avLst/>
+          </a:prstGeom>
+        </p:spPr>
+      </p:pic>
+    </p:spTree>
+    <p:extLst>
+      <p:ext uri="{BB962C8B-B14F-4D97-AF65-F5344CB8AC3E}">
+        <p14:creationId xmlns:p14="http://schemas.microsoft.com/office/powerpoint/2010/main" val="1298202585"/>
+      </p:ext>
+    </p:extLst>
+  </p:cSld>
+  <p:clrMapOvr>
+    <a:masterClrMapping/>
+  </p:clrMapOvr>
+  <p:transition spd="slow">
+    <p:push dir="u"/>
+  </p:transition>
+  <p:timing>
+    <p:tnLst>
+      <p:par>
+        <p:cTn id="1" dur="indefinite" restart="never" nodeType="tmRoot">
+          <p:childTnLst>
+            <p:seq concurrent="1" nextAc="seek">
+              <p:cTn id="2" dur="indefinite" nodeType="mainSeq">
+                <p:childTnLst>
+                  <p:par>
+                    <p:cTn id="3" fill="hold">
+                      <p:stCondLst>
+                        <p:cond delay="indefinite"/>
+                      </p:stCondLst>
+                      <p:childTnLst>
+                        <p:par>
+                          <p:cTn id="4" fill="hold">
+                            <p:stCondLst>
+                              <p:cond delay="0"/>
+                            </p:stCondLst>
+                            <p:childTnLst>
+                              <p:par>
+                                <p:cTn id="5" presetID="21" presetClass="entr" presetSubtype="1" fill="hold" grpId="0" nodeType="clickEffect">
+                                  <p:stCondLst>
+                                    <p:cond delay="0"/>
+                                  </p:stCondLst>
+                                  <p:childTnLst>
+                                    <p:set>
+                                      <p:cBhvr>
+                                        <p:cTn id="6" dur="1" fill="hold">
+                                          <p:stCondLst>
+                                            <p:cond delay="0"/>
+                                          </p:stCondLst>
+                                        </p:cTn>
+                                        <p:tgtEl>
+                                          <p:spTgt spid="9"/>
+                                        </p:tgtEl>
+                                        <p:attrNameLst>
+                                          <p:attrName>style.visibility</p:attrName>
+                                        </p:attrNameLst>
+                                      </p:cBhvr>
+                                      <p:to>
+                                        <p:strVal val="visible"/>
+                                      </p:to>
+                                    </p:set>
+                                    <p:animEffect transition="in" filter="wheel(1)">
+                                      <p:cBhvr>
+                                        <p:cTn id="7" dur="500"/>
+                                        <p:tgtEl>
+                                          <p:spTgt spid="9"/>
+                                        </p:tgtEl>
+                                      </p:cBhvr>
+                                    </p:animEffect>
+                                  </p:childTnLst>
+                                </p:cTn>
+                              </p:par>
+                            </p:childTnLst>
+                          </p:cTn>
+                        </p:par>
+                        <p:par>
+                          <p:cTn id="8" fill="hold">
+                            <p:stCondLst>
+                              <p:cond delay="500"/>
+                            </p:stCondLst>
+                            <p:childTnLst>
+                              <p:par>
+                                <p:cTn id="9" presetID="10" presetClass="entr" presetSubtype="0" fill="hold" grpId="0" nodeType="afterEffect">
+                                  <p:stCondLst>
+                                    <p:cond delay="0"/>
+                                  </p:stCondLst>
+                                  <p:childTnLst>
+                                    <p:set>
+                                      <p:cBhvr>
+                                        <p:cTn id="10" dur="1" fill="hold">
+                                          <p:stCondLst>
+                                            <p:cond delay="0"/>
+                                          </p:stCondLst>
+                                        </p:cTn>
+                                        <p:tgtEl>
+                                          <p:spTgt spid="10"/>
+                                        </p:tgtEl>
+                                        <p:attrNameLst>
+                                          <p:attrName>style.visibility</p:attrName>
+                                        </p:attrNameLst>
+                                      </p:cBhvr>
+                                      <p:to>
+                                        <p:strVal val="visible"/>
+                                      </p:to>
+                                    </p:set>
+                                    <p:animEffect transition="in" filter="fade">
+                                      <p:cBhvr>
+                                        <p:cTn id="11" dur="500"/>
+                                        <p:tgtEl>
+                                          <p:spTgt spid="10"/>
+                                        </p:tgtEl>
+                                      </p:cBhvr>
+                                    </p:animEffect>
+                                  </p:childTnLst>
+                                </p:cTn>
+                              </p:par>
+                            </p:childTnLst>
+                          </p:cTn>
+                        </p:par>
+                        <p:par>
+                          <p:cTn id="12" fill="hold">
+                            <p:stCondLst>
+                              <p:cond delay="1000"/>
+                            </p:stCondLst>
+                            <p:childTnLst>
+                              <p:par>
+                                <p:cTn id="13" presetID="21" presetClass="entr" presetSubtype="1" fill="hold" grpId="0" nodeType="afterEffect">
+                                  <p:stCondLst>
+                                    <p:cond delay="0"/>
+                                  </p:stCondLst>
+                                  <p:childTnLst>
+                                    <p:set>
+                                      <p:cBhvr>
+                                        <p:cTn id="14" dur="1" fill="hold">
+                                          <p:stCondLst>
+                                            <p:cond delay="0"/>
+                                          </p:stCondLst>
+                                        </p:cTn>
+                                        <p:tgtEl>
+                                          <p:spTgt spid="6"/>
+                                        </p:tgtEl>
+                                        <p:attrNameLst>
+                                          <p:attrName>style.visibility</p:attrName>
+                                        </p:attrNameLst>
+                                      </p:cBhvr>
+                                      <p:to>
+                                        <p:strVal val="visible"/>
+                                      </p:to>
+                                    </p:set>
+                                    <p:animEffect transition="in" filter="wheel(1)">
+                                      <p:cBhvr>
+                                        <p:cTn id="15" dur="500"/>
+                                        <p:tgtEl>
+                                          <p:spTgt spid="6"/>
+                                        </p:tgtEl>
+                                      </p:cBhvr>
+                                    </p:animEffect>
+                                  </p:childTnLst>
+                                </p:cTn>
+                              </p:par>
+                              <p:par>
+                                <p:cTn id="16" presetID="21" presetClass="entr" presetSubtype="1" fill="hold" grpId="0" nodeType="withEffect">
+                                  <p:stCondLst>
+                                    <p:cond delay="0"/>
+                                  </p:stCondLst>
+                                  <p:childTnLst>
+                                    <p:set>
+                                      <p:cBhvr>
+                                        <p:cTn id="17" dur="1" fill="hold">
+                                          <p:stCondLst>
+                                            <p:cond delay="0"/>
+                                          </p:stCondLst>
+                                        </p:cTn>
+                                        <p:tgtEl>
+                                          <p:spTgt spid="7"/>
+                                        </p:tgtEl>
+                                        <p:attrNameLst>
+                                          <p:attrName>style.visibility</p:attrName>
+                                        </p:attrNameLst>
+                                      </p:cBhvr>
+                                      <p:to>
+                                        <p:strVal val="visible"/>
+                                      </p:to>
+                                    </p:set>
+                                    <p:animEffect transition="in" filter="wheel(1)">
+                                      <p:cBhvr>
+                                        <p:cTn id="18" dur="500"/>
+                                        <p:tgtEl>
+                                          <p:spTgt spid="7"/>
+                                        </p:tgtEl>
+                                      </p:cBhvr>
+                                    </p:animEffect>
+                                  </p:childTnLst>
+                                </p:cTn>
+                              </p:par>
+                              <p:par>
+                                <p:cTn id="19" presetID="21" presetClass="entr" presetSubtype="1" fill="hold" grpId="0" nodeType="withEffect">
+                                  <p:stCondLst>
+                                    <p:cond delay="0"/>
+                                  </p:stCondLst>
+                                  <p:childTnLst>
+                                    <p:set>
+                                      <p:cBhvr>
+                                        <p:cTn id="20" dur="1" fill="hold">
+                                          <p:stCondLst>
+                                            <p:cond delay="0"/>
+                                          </p:stCondLst>
+                                        </p:cTn>
+                                        <p:tgtEl>
+                                          <p:spTgt spid="8"/>
+                                        </p:tgtEl>
+                                        <p:attrNameLst>
+                                          <p:attrName>style.visibility</p:attrName>
+                                        </p:attrNameLst>
+                                      </p:cBhvr>
+                                      <p:to>
+                                        <p:strVal val="visible"/>
+                                      </p:to>
+                                    </p:set>
+                                    <p:animEffect transition="in" filter="wheel(1)">
+                                      <p:cBhvr>
+                                        <p:cTn id="21" dur="500"/>
+                                        <p:tgtEl>
+                                          <p:spTgt spid="8"/>
+                                        </p:tgtEl>
+                                      </p:cBhvr>
+                                    </p:animEffect>
+                                  </p:childTnLst>
+                                </p:cTn>
+                              </p:par>
+                            </p:childTnLst>
+                          </p:cTn>
+                        </p:par>
+                        <p:par>
+                          <p:cTn id="22" fill="hold">
+                            <p:stCondLst>
+                              <p:cond delay="1500"/>
+                            </p:stCondLst>
+                            <p:childTnLst>
+                              <p:par>
+                                <p:cTn id="23" presetID="10" presetClass="entr" presetSubtype="0" fill="hold" grpId="0" nodeType="afterEffect">
+                                  <p:stCondLst>
+                                    <p:cond delay="0"/>
+                                  </p:stCondLst>
+                                  <p:childTnLst>
+                                    <p:set>
+                                      <p:cBhvr>
+                                        <p:cTn id="24" dur="1" fill="hold">
+                                          <p:stCondLst>
+                                            <p:cond delay="0"/>
+                                          </p:stCondLst>
+                                        </p:cTn>
+                                        <p:tgtEl>
+                                          <p:spTgt spid="13"/>
+                                        </p:tgtEl>
+                                        <p:attrNameLst>
+                                          <p:attrName>style.visibility</p:attrName>
+                                        </p:attrNameLst>
+                                      </p:cBhvr>
+                                      <p:to>
+                                        <p:strVal val="visible"/>
+                                      </p:to>
+                                    </p:set>
+                                    <p:animEffect transition="in" filter="fade">
+                                      <p:cBhvr>
+                                        <p:cTn id="25" dur="500"/>
+                                        <p:tgtEl>
+                                          <p:spTgt spid="13"/>
+                                        </p:tgtEl>
+                                      </p:cBhvr>
+                                    </p:animEffect>
+                                  </p:childTnLst>
+                                </p:cTn>
+                              </p:par>
+                            </p:childTnLst>
+                          </p:cTn>
+                        </p:par>
+                        <p:par>
+                          <p:cTn id="26" fill="hold">
+                            <p:stCondLst>
+                              <p:cond delay="2000"/>
+                            </p:stCondLst>
+                            <p:childTnLst>
+                              <p:par>
+                                <p:cTn id="27" presetID="10" presetClass="entr" presetSubtype="0" fill="hold" nodeType="afterEffect">
+                                  <p:stCondLst>
+                                    <p:cond delay="0"/>
+                                  </p:stCondLst>
+                                  <p:childTnLst>
+                                    <p:set>
+                                      <p:cBhvr>
+                                        <p:cTn id="28" dur="1" fill="hold">
+                                          <p:stCondLst>
+                                            <p:cond delay="0"/>
+                                          </p:stCondLst>
+                                        </p:cTn>
+                                        <p:tgtEl>
+                                          <p:spTgt spid="17"/>
+                                        </p:tgtEl>
+                                        <p:attrNameLst>
+                                          <p:attrName>style.visibility</p:attrName>
+                                        </p:attrNameLst>
+                                      </p:cBhvr>
+                                      <p:to>
+                                        <p:strVal val="visible"/>
+                                      </p:to>
+                                    </p:set>
+                                    <p:animEffect transition="in" filter="fade">
+                                      <p:cBhvr>
+                                        <p:cTn id="29" dur="500"/>
+                                        <p:tgtEl>
+                                          <p:spTgt spid="17"/>
+                                        </p:tgtEl>
+                                      </p:cBhvr>
+                                    </p:animEffect>
+                                  </p:childTnLst>
+                                </p:cTn>
+                              </p:par>
+                            </p:childTnLst>
+                          </p:cTn>
+                        </p:par>
+                      </p:childTnLst>
+                    </p:cTn>
+                  </p:par>
+                </p:childTnLst>
+              </p:cTn>
+              <p:prevCondLst>
+                <p:cond evt="onPrev" delay="0">
+                  <p:tgtEl>
+                    <p:sldTgt/>
+                  </p:tgtEl>
+                </p:cond>
+              </p:prevCondLst>
+              <p:nextCondLst>
+                <p:cond evt="onNext" delay="0">
+                  <p:tgtEl>
+                    <p:sldTgt/>
+                  </p:tgtEl>
+                </p:cond>
+              </p:nextCondLst>
+            </p:seq>
+          </p:childTnLst>
+        </p:cTn>
+      </p:par>
+    </p:tnLst>
+    <p:bldLst>
+      <p:bldP spid="6" grpId="0" animBg="1"/>
+      <p:bldP spid="7" grpId="0" animBg="1"/>
+      <p:bldP spid="8" grpId="0" animBg="1"/>
+      <p:bldP spid="9" grpId="0" animBg="1"/>
+      <p:bldP spid="10" grpId="0"/>
+      <p:bldP spid="13" grpId="0"/>
+    </p:bldLst>
+  </p:timing>
 </p:sld>
 </file>
 

--- a/powerpoint/10_包裝類別與工具類別(1).pptx
+++ b/powerpoint/10_包裝類別與工具類別(1).pptx
@@ -5,7 +5,7 @@
     <p:sldMasterId id="2147483660" r:id="rId1"/>
   </p:sldMasterIdLst>
   <p:notesMasterIdLst>
-    <p:notesMasterId r:id="rId16"/>
+    <p:notesMasterId r:id="rId19"/>
   </p:notesMasterIdLst>
   <p:sldIdLst>
     <p:sldId id="256" r:id="rId2"/>
@@ -22,6 +22,9 @@
     <p:sldId id="268" r:id="rId13"/>
     <p:sldId id="266" r:id="rId14"/>
     <p:sldId id="262" r:id="rId15"/>
+    <p:sldId id="271" r:id="rId16"/>
+    <p:sldId id="291" r:id="rId17"/>
+    <p:sldId id="293" r:id="rId18"/>
   </p:sldIdLst>
   <p:sldSz cx="12192000" cy="6858000"/>
   <p:notesSz cx="6858000" cy="9144000"/>
@@ -210,7 +213,7 @@
           <a:p>
             <a:fld id="{00D1967D-2DD3-4C36-96B1-E3AA5FB7040E}" type="datetimeFigureOut">
               <a:rPr lang="zh-TW" altLang="en-US" smtClean="0"/>
-              <a:t>2024/8/21</a:t>
+              <a:t>2024/8/23</a:t>
             </a:fld>
             <a:endParaRPr lang="zh-TW" altLang="en-US"/>
           </a:p>
@@ -552,6 +555,90 @@
     <p:extLst>
       <p:ext uri="{BB962C8B-B14F-4D97-AF65-F5344CB8AC3E}">
         <p14:creationId xmlns:p14="http://schemas.microsoft.com/office/powerpoint/2010/main" val="907113536"/>
+      </p:ext>
+    </p:extLst>
+  </p:cSld>
+  <p:clrMapOvr>
+    <a:masterClrMapping/>
+  </p:clrMapOvr>
+</p:notes>
+</file>
+
+<file path=ppt/notesSlides/notesSlide2.xml><?xml version="1.0" encoding="utf-8"?>
+<p:notes xmlns:a="http://schemas.openxmlformats.org/drawingml/2006/main" xmlns:r="http://schemas.openxmlformats.org/officeDocument/2006/relationships" xmlns:p="http://schemas.openxmlformats.org/presentationml/2006/main">
+  <p:cSld>
+    <p:spTree>
+      <p:nvGrpSpPr>
+        <p:cNvPr id="1" name=""/>
+        <p:cNvGrpSpPr/>
+        <p:nvPr/>
+      </p:nvGrpSpPr>
+      <p:grpSpPr>
+        <a:xfrm>
+          <a:off x="0" y="0"/>
+          <a:ext cx="0" cy="0"/>
+          <a:chOff x="0" y="0"/>
+          <a:chExt cx="0" cy="0"/>
+        </a:xfrm>
+      </p:grpSpPr>
+      <p:sp>
+        <p:nvSpPr>
+          <p:cNvPr id="2" name="投影片影像版面配置區 1"/>
+          <p:cNvSpPr>
+            <a:spLocks noGrp="1" noRot="1" noChangeAspect="1"/>
+          </p:cNvSpPr>
+          <p:nvPr>
+            <p:ph type="sldImg"/>
+          </p:nvPr>
+        </p:nvSpPr>
+        <p:spPr/>
+      </p:sp>
+      <p:sp>
+        <p:nvSpPr>
+          <p:cNvPr id="3" name="備忘稿版面配置區 2"/>
+          <p:cNvSpPr>
+            <a:spLocks noGrp="1"/>
+          </p:cNvSpPr>
+          <p:nvPr>
+            <p:ph type="body" idx="1"/>
+          </p:nvPr>
+        </p:nvSpPr>
+        <p:spPr/>
+        <p:txBody>
+          <a:bodyPr/>
+          <a:lstStyle/>
+          <a:p>
+            <a:endParaRPr lang="zh-TW" altLang="en-US"/>
+          </a:p>
+        </p:txBody>
+      </p:sp>
+      <p:sp>
+        <p:nvSpPr>
+          <p:cNvPr id="4" name="投影片編號版面配置區 3"/>
+          <p:cNvSpPr>
+            <a:spLocks noGrp="1"/>
+          </p:cNvSpPr>
+          <p:nvPr>
+            <p:ph type="sldNum" sz="quarter" idx="5"/>
+          </p:nvPr>
+        </p:nvSpPr>
+        <p:spPr/>
+        <p:txBody>
+          <a:bodyPr/>
+          <a:lstStyle/>
+          <a:p>
+            <a:fld id="{800B2817-156B-4924-A86B-957630412DA0}" type="slidenum">
+              <a:rPr lang="zh-TW" altLang="en-US" smtClean="0"/>
+              <a:t>17</a:t>
+            </a:fld>
+            <a:endParaRPr lang="zh-TW" altLang="en-US"/>
+          </a:p>
+        </p:txBody>
+      </p:sp>
+    </p:spTree>
+    <p:extLst>
+      <p:ext uri="{BB962C8B-B14F-4D97-AF65-F5344CB8AC3E}">
+        <p14:creationId xmlns:p14="http://schemas.microsoft.com/office/powerpoint/2010/main" val="1594593161"/>
       </p:ext>
     </p:extLst>
   </p:cSld>
@@ -8373,7 +8460,10 @@
               <a:rPr lang="en-US" altLang="zh-TW"/>
               <a:t>TYIC</a:t>
             </a:r>
-            <a:endParaRPr lang="zh-TW" altLang="en-US"/>
+            <a:r>
+              <a:rPr lang="zh-TW" altLang="en-US"/>
+              <a:t>桃高資訊社</a:t>
+            </a:r>
           </a:p>
         </p:txBody>
       </p:sp>
@@ -13993,10 +14083,6 @@
               </a:rPr>
               <a:t>)</a:t>
             </a:r>
-            <a:r>
-              <a:rPr lang="zh-TW" altLang="en-US" sz="2400"/>
-              <a:t>、</a:t>
-            </a:r>
             <a:endParaRPr lang="en-US" altLang="zh-TW" sz="2400"/>
           </a:p>
           <a:p>
@@ -14075,10 +14161,6 @@
                 </a:solidFill>
               </a:rPr>
               <a:t>)</a:t>
-            </a:r>
-            <a:r>
-              <a:rPr lang="zh-TW" altLang="en-US" sz="2400"/>
-              <a:t>、</a:t>
             </a:r>
             <a:endParaRPr lang="en-US" altLang="zh-TW" sz="2400"/>
           </a:p>
@@ -17987,7 +18069,12 @@
             <p:ph type="title"/>
           </p:nvPr>
         </p:nvSpPr>
-        <p:spPr/>
+        <p:spPr>
+          <a:xfrm>
+            <a:off x="838200" y="365125"/>
+            <a:ext cx="10515600" cy="1325563"/>
+          </a:xfrm>
+        </p:spPr>
         <p:txBody>
           <a:bodyPr/>
           <a:lstStyle/>
@@ -18001,10 +18088,10 @@
       </p:sp>
       <p:sp>
         <p:nvSpPr>
-          <p:cNvPr id="3" name="內容版面配置區 2">
+          <p:cNvPr id="7" name="內容版面配置區 6">
             <a:extLst>
               <a:ext uri="{FF2B5EF4-FFF2-40B4-BE49-F238E27FC236}">
-                <a16:creationId xmlns:a16="http://schemas.microsoft.com/office/drawing/2014/main" id="{91F31D75-5851-4951-9F11-2D1EA700E307}"/>
+                <a16:creationId xmlns:a16="http://schemas.microsoft.com/office/drawing/2014/main" id="{CF5FFD61-7FBF-40C7-AE5D-04D1EBC70AC3}"/>
               </a:ext>
             </a:extLst>
           </p:cNvPr>
@@ -18015,30 +18102,634 @@
             <p:ph idx="1"/>
           </p:nvPr>
         </p:nvSpPr>
-        <p:spPr/>
+        <p:spPr>
+          <a:xfrm>
+            <a:off x="838200" y="1664541"/>
+            <a:ext cx="10515600" cy="4673506"/>
+          </a:xfrm>
+        </p:spPr>
         <p:txBody>
-          <a:bodyPr/>
+          <a:bodyPr>
+            <a:normAutofit/>
+          </a:bodyPr>
           <a:lstStyle/>
           <a:p>
             <a:r>
               <a:rPr lang="zh-TW" altLang="en-US"/>
-              <a:t>字串除了可以通過 </a:t>
+              <a:t>在 </a:t>
             </a:r>
             <a:r>
               <a:rPr lang="en-US" altLang="zh-TW"/>
-              <a:t>new </a:t>
+              <a:t>Java </a:t>
             </a:r>
             <a:r>
               <a:rPr lang="zh-TW" altLang="en-US"/>
-              <a:t>運算的方式創建實例外</a:t>
-            </a:r>
-            <a:endParaRPr lang="en-US" altLang="zh-TW"/>
+              <a:t>中，</a:t>
+            </a:r>
+            <a:r>
+              <a:rPr lang="zh-TW" altLang="en-US">
+                <a:solidFill>
+                  <a:srgbClr val="00B0F0"/>
+                </a:solidFill>
+              </a:rPr>
+              <a:t>字串</a:t>
+            </a:r>
+            <a:r>
+              <a:rPr lang="zh-TW" altLang="en-US"/>
+              <a:t>就是 </a:t>
+            </a:r>
+            <a:r>
+              <a:rPr lang="en-US" altLang="zh-TW">
+                <a:solidFill>
+                  <a:srgbClr val="00B050"/>
+                </a:solidFill>
+              </a:rPr>
+              <a:t>java</a:t>
+            </a:r>
+            <a:r>
+              <a:rPr lang="en-US" altLang="zh-TW">
+                <a:solidFill>
+                  <a:srgbClr val="00B0F0"/>
+                </a:solidFill>
+              </a:rPr>
+              <a:t>.</a:t>
+            </a:r>
+            <a:r>
+              <a:rPr lang="en-US" altLang="zh-TW">
+                <a:solidFill>
+                  <a:srgbClr val="FFFF00"/>
+                </a:solidFill>
+              </a:rPr>
+              <a:t>lang</a:t>
+            </a:r>
+            <a:r>
+              <a:rPr lang="en-US" altLang="zh-TW">
+                <a:solidFill>
+                  <a:srgbClr val="00B0F0"/>
+                </a:solidFill>
+              </a:rPr>
+              <a:t>.</a:t>
+            </a:r>
+            <a:r>
+              <a:rPr lang="en-US" altLang="zh-TW">
+                <a:solidFill>
+                  <a:srgbClr val="FFC000"/>
+                </a:solidFill>
+              </a:rPr>
+              <a:t>String</a:t>
+            </a:r>
+            <a:r>
+              <a:rPr lang="zh-TW" altLang="en-US">
+                <a:solidFill>
+                  <a:srgbClr val="FFC000"/>
+                </a:solidFill>
+              </a:rPr>
+              <a:t> </a:t>
+            </a:r>
+            <a:r>
+              <a:rPr lang="zh-TW" altLang="en-US">
+                <a:solidFill>
+                  <a:srgbClr val="00B0F0"/>
+                </a:solidFill>
+              </a:rPr>
+              <a:t>類別</a:t>
+            </a:r>
+            <a:r>
+              <a:rPr lang="zh-TW" altLang="en-US"/>
+              <a:t>的</a:t>
+            </a:r>
+            <a:r>
+              <a:rPr lang="zh-TW" altLang="en-US">
+                <a:solidFill>
+                  <a:srgbClr val="00B0F0"/>
+                </a:solidFill>
+              </a:rPr>
+              <a:t>實例</a:t>
+            </a:r>
+            <a:endParaRPr lang="en-US" altLang="zh-TW">
+              <a:solidFill>
+                <a:srgbClr val="00B0F0"/>
+              </a:solidFill>
+            </a:endParaRPr>
           </a:p>
           <a:p>
             <a:r>
               <a:rPr lang="zh-TW" altLang="en-US"/>
-              <a:t>也可以通過</a:t>
-            </a:r>
+              <a:t>其有許多</a:t>
+            </a:r>
+            <a:r>
+              <a:rPr lang="zh-TW" altLang="en-US">
+                <a:solidFill>
+                  <a:srgbClr val="00B0F0"/>
+                </a:solidFill>
+              </a:rPr>
+              <a:t>動態方法</a:t>
+            </a:r>
+            <a:r>
+              <a:rPr lang="zh-TW" altLang="en-US"/>
+              <a:t>，如：</a:t>
+            </a:r>
+            <a:r>
+              <a:rPr lang="en-US" altLang="zh-TW">
+                <a:solidFill>
+                  <a:srgbClr val="CF8E6D"/>
+                </a:solidFill>
+              </a:rPr>
+              <a:t>int</a:t>
+            </a:r>
+            <a:r>
+              <a:rPr lang="zh-TW" altLang="en-US">
+                <a:solidFill>
+                  <a:srgbClr val="00B0F0"/>
+                </a:solidFill>
+              </a:rPr>
+              <a:t> </a:t>
+            </a:r>
+            <a:r>
+              <a:rPr lang="en-US" altLang="zh-TW">
+                <a:solidFill>
+                  <a:srgbClr val="92D050"/>
+                </a:solidFill>
+              </a:rPr>
+              <a:t>length</a:t>
+            </a:r>
+            <a:r>
+              <a:rPr lang="en-US" altLang="zh-TW">
+                <a:solidFill>
+                  <a:srgbClr val="00B0F0"/>
+                </a:solidFill>
+              </a:rPr>
+              <a:t>()</a:t>
+            </a:r>
+            <a:r>
+              <a:rPr lang="zh-TW" altLang="en-US"/>
+              <a:t>、</a:t>
+            </a:r>
+            <a:r>
+              <a:rPr lang="en-US" altLang="zh-TW">
+                <a:solidFill>
+                  <a:srgbClr val="FFC000"/>
+                </a:solidFill>
+              </a:rPr>
+              <a:t>String</a:t>
+            </a:r>
+            <a:r>
+              <a:rPr lang="en-US" altLang="zh-TW">
+                <a:solidFill>
+                  <a:srgbClr val="00B0F0"/>
+                </a:solidFill>
+              </a:rPr>
+              <a:t> </a:t>
+            </a:r>
+            <a:r>
+              <a:rPr lang="en-US" altLang="zh-TW">
+                <a:solidFill>
+                  <a:srgbClr val="92D050"/>
+                </a:solidFill>
+              </a:rPr>
+              <a:t>strip</a:t>
+            </a:r>
+            <a:r>
+              <a:rPr lang="en-US" altLang="zh-TW">
+                <a:solidFill>
+                  <a:srgbClr val="00B0F0"/>
+                </a:solidFill>
+              </a:rPr>
+              <a:t>()</a:t>
+            </a:r>
+          </a:p>
+          <a:p>
+            <a:r>
+              <a:rPr lang="en-US" altLang="zh-TW">
+                <a:solidFill>
+                  <a:srgbClr val="FFC000"/>
+                </a:solidFill>
+              </a:rPr>
+              <a:t>String</a:t>
+            </a:r>
+            <a:r>
+              <a:rPr lang="en-US" altLang="zh-TW">
+                <a:solidFill>
+                  <a:srgbClr val="00B0F0"/>
+                </a:solidFill>
+              </a:rPr>
+              <a:t>[] </a:t>
+            </a:r>
+            <a:r>
+              <a:rPr lang="en-US" altLang="zh-TW">
+                <a:solidFill>
+                  <a:srgbClr val="92D050"/>
+                </a:solidFill>
+              </a:rPr>
+              <a:t>split</a:t>
+            </a:r>
+            <a:r>
+              <a:rPr lang="en-US" altLang="zh-TW">
+                <a:solidFill>
+                  <a:srgbClr val="00B0F0"/>
+                </a:solidFill>
+              </a:rPr>
+              <a:t>(</a:t>
+            </a:r>
+            <a:r>
+              <a:rPr lang="en-US" altLang="zh-TW">
+                <a:solidFill>
+                  <a:srgbClr val="FFC000"/>
+                </a:solidFill>
+              </a:rPr>
+              <a:t>String</a:t>
+            </a:r>
+            <a:r>
+              <a:rPr lang="en-US" altLang="zh-TW">
+                <a:solidFill>
+                  <a:srgbClr val="00B0F0"/>
+                </a:solidFill>
+              </a:rPr>
+              <a:t> regex)</a:t>
+            </a:r>
+            <a:endParaRPr lang="en-US" altLang="zh-TW">
+              <a:solidFill>
+                <a:srgbClr val="FFC000"/>
+              </a:solidFill>
+            </a:endParaRPr>
+          </a:p>
+          <a:p>
+            <a:r>
+              <a:rPr lang="en-US" altLang="zh-TW">
+                <a:solidFill>
+                  <a:srgbClr val="FFC000"/>
+                </a:solidFill>
+              </a:rPr>
+              <a:t>String</a:t>
+            </a:r>
+            <a:r>
+              <a:rPr lang="en-US" altLang="zh-TW"/>
+              <a:t> </a:t>
+            </a:r>
+            <a:r>
+              <a:rPr lang="en-US" altLang="zh-TW">
+                <a:solidFill>
+                  <a:srgbClr val="92D050"/>
+                </a:solidFill>
+              </a:rPr>
+              <a:t>substring</a:t>
+            </a:r>
+            <a:r>
+              <a:rPr lang="en-US" altLang="zh-TW">
+                <a:solidFill>
+                  <a:srgbClr val="00B0F0"/>
+                </a:solidFill>
+              </a:rPr>
+              <a:t>(</a:t>
+            </a:r>
+            <a:r>
+              <a:rPr lang="en-US" altLang="zh-TW">
+                <a:solidFill>
+                  <a:srgbClr val="CF8E6D"/>
+                </a:solidFill>
+              </a:rPr>
+              <a:t>int</a:t>
+            </a:r>
+            <a:r>
+              <a:rPr lang="en-US" altLang="zh-TW"/>
+              <a:t> </a:t>
+            </a:r>
+            <a:r>
+              <a:rPr lang="en-US" altLang="zh-TW">
+                <a:solidFill>
+                  <a:srgbClr val="00B0F0"/>
+                </a:solidFill>
+              </a:rPr>
+              <a:t>beginIndex,</a:t>
+            </a:r>
+            <a:r>
+              <a:rPr lang="en-US" altLang="zh-TW"/>
+              <a:t> </a:t>
+            </a:r>
+            <a:r>
+              <a:rPr lang="en-US" altLang="zh-TW">
+                <a:solidFill>
+                  <a:srgbClr val="FFC000"/>
+                </a:solidFill>
+              </a:rPr>
+              <a:t>int</a:t>
+            </a:r>
+            <a:r>
+              <a:rPr lang="en-US" altLang="zh-TW"/>
+              <a:t> </a:t>
+            </a:r>
+            <a:r>
+              <a:rPr lang="en-US" altLang="zh-TW">
+                <a:solidFill>
+                  <a:srgbClr val="00B0F0"/>
+                </a:solidFill>
+              </a:rPr>
+              <a:t>endIndex)</a:t>
+            </a:r>
+          </a:p>
+          <a:p>
+            <a:r>
+              <a:rPr lang="en-US" altLang="zh-TW">
+                <a:solidFill>
+                  <a:srgbClr val="CF8E6D"/>
+                </a:solidFill>
+              </a:rPr>
+              <a:t>boolean</a:t>
+            </a:r>
+            <a:r>
+              <a:rPr lang="en-US" altLang="zh-TW">
+                <a:solidFill>
+                  <a:srgbClr val="00B0F0"/>
+                </a:solidFill>
+              </a:rPr>
+              <a:t> </a:t>
+            </a:r>
+            <a:r>
+              <a:rPr lang="en-US" altLang="zh-TW">
+                <a:solidFill>
+                  <a:srgbClr val="92D050"/>
+                </a:solidFill>
+              </a:rPr>
+              <a:t>startsWith</a:t>
+            </a:r>
+            <a:r>
+              <a:rPr lang="en-US" altLang="zh-TW">
+                <a:solidFill>
+                  <a:srgbClr val="00B0F0"/>
+                </a:solidFill>
+              </a:rPr>
+              <a:t>(</a:t>
+            </a:r>
+            <a:r>
+              <a:rPr lang="en-US" altLang="zh-TW">
+                <a:solidFill>
+                  <a:srgbClr val="FFC000"/>
+                </a:solidFill>
+              </a:rPr>
+              <a:t>String</a:t>
+            </a:r>
+            <a:r>
+              <a:rPr lang="en-US" altLang="zh-TW">
+                <a:solidFill>
+                  <a:srgbClr val="00B0F0"/>
+                </a:solidFill>
+              </a:rPr>
+              <a:t> prefix)</a:t>
+            </a:r>
+          </a:p>
+          <a:p>
+            <a:r>
+              <a:rPr lang="en-US" altLang="zh-TW">
+                <a:solidFill>
+                  <a:srgbClr val="CF8E6D"/>
+                </a:solidFill>
+              </a:rPr>
+              <a:t>boolean</a:t>
+            </a:r>
+            <a:r>
+              <a:rPr lang="en-US" altLang="zh-TW">
+                <a:solidFill>
+                  <a:srgbClr val="00B0F0"/>
+                </a:solidFill>
+              </a:rPr>
+              <a:t> </a:t>
+            </a:r>
+            <a:r>
+              <a:rPr lang="en-US" altLang="zh-TW">
+                <a:solidFill>
+                  <a:srgbClr val="92D050"/>
+                </a:solidFill>
+              </a:rPr>
+              <a:t>endsWith</a:t>
+            </a:r>
+            <a:r>
+              <a:rPr lang="en-US" altLang="zh-TW">
+                <a:solidFill>
+                  <a:srgbClr val="00B0F0"/>
+                </a:solidFill>
+              </a:rPr>
+              <a:t>(</a:t>
+            </a:r>
+            <a:r>
+              <a:rPr lang="en-US" altLang="zh-TW">
+                <a:solidFill>
+                  <a:srgbClr val="FFC000"/>
+                </a:solidFill>
+              </a:rPr>
+              <a:t>String</a:t>
+            </a:r>
+            <a:r>
+              <a:rPr lang="en-US" altLang="zh-TW">
+                <a:solidFill>
+                  <a:srgbClr val="00B0F0"/>
+                </a:solidFill>
+              </a:rPr>
+              <a:t> suffix)</a:t>
+            </a:r>
+          </a:p>
+          <a:p>
+            <a:r>
+              <a:rPr lang="en-US" altLang="zh-TW">
+                <a:solidFill>
+                  <a:srgbClr val="CF8E6D"/>
+                </a:solidFill>
+              </a:rPr>
+              <a:t>boolean</a:t>
+            </a:r>
+            <a:r>
+              <a:rPr lang="en-US" altLang="zh-TW">
+                <a:solidFill>
+                  <a:srgbClr val="00B0F0"/>
+                </a:solidFill>
+              </a:rPr>
+              <a:t> </a:t>
+            </a:r>
+            <a:r>
+              <a:rPr lang="en-US" altLang="zh-TW">
+                <a:solidFill>
+                  <a:srgbClr val="92D050"/>
+                </a:solidFill>
+              </a:rPr>
+              <a:t>contains</a:t>
+            </a:r>
+            <a:r>
+              <a:rPr lang="en-US" altLang="zh-TW">
+                <a:solidFill>
+                  <a:srgbClr val="00B0F0"/>
+                </a:solidFill>
+              </a:rPr>
+              <a:t>(</a:t>
+            </a:r>
+            <a:r>
+              <a:rPr lang="en-US" altLang="zh-TW">
+                <a:solidFill>
+                  <a:srgbClr val="FFC000"/>
+                </a:solidFill>
+              </a:rPr>
+              <a:t>String</a:t>
+            </a:r>
+            <a:r>
+              <a:rPr lang="en-US" altLang="zh-TW">
+                <a:solidFill>
+                  <a:srgbClr val="00B0F0"/>
+                </a:solidFill>
+              </a:rPr>
+              <a:t> s)</a:t>
+            </a:r>
+            <a:r>
+              <a:rPr lang="zh-TW" altLang="en-US"/>
+              <a:t>、</a:t>
+            </a:r>
+            <a:r>
+              <a:rPr lang="en-US" altLang="zh-TW">
+                <a:solidFill>
+                  <a:srgbClr val="CF8E6D"/>
+                </a:solidFill>
+              </a:rPr>
+              <a:t>char</a:t>
+            </a:r>
+            <a:r>
+              <a:rPr lang="en-US" altLang="zh-TW">
+                <a:solidFill>
+                  <a:srgbClr val="00B0F0"/>
+                </a:solidFill>
+              </a:rPr>
+              <a:t> </a:t>
+            </a:r>
+            <a:r>
+              <a:rPr lang="en-US" altLang="zh-TW">
+                <a:solidFill>
+                  <a:srgbClr val="92D050"/>
+                </a:solidFill>
+              </a:rPr>
+              <a:t>charAt</a:t>
+            </a:r>
+            <a:r>
+              <a:rPr lang="en-US" altLang="zh-TW">
+                <a:solidFill>
+                  <a:srgbClr val="00B0F0"/>
+                </a:solidFill>
+              </a:rPr>
+              <a:t>(</a:t>
+            </a:r>
+            <a:r>
+              <a:rPr lang="en-US" altLang="zh-TW">
+                <a:solidFill>
+                  <a:srgbClr val="CF8E6D"/>
+                </a:solidFill>
+              </a:rPr>
+              <a:t>int</a:t>
+            </a:r>
+            <a:r>
+              <a:rPr lang="en-US" altLang="zh-TW">
+                <a:solidFill>
+                  <a:srgbClr val="00B0F0"/>
+                </a:solidFill>
+              </a:rPr>
+              <a:t> index)</a:t>
+            </a:r>
+            <a:endParaRPr lang="en-US" altLang="zh-TW">
+              <a:solidFill>
+                <a:srgbClr val="FFC000"/>
+              </a:solidFill>
+            </a:endParaRPr>
+          </a:p>
+          <a:p>
+            <a:r>
+              <a:rPr lang="en-US" altLang="zh-TW">
+                <a:solidFill>
+                  <a:srgbClr val="FFC000"/>
+                </a:solidFill>
+              </a:rPr>
+              <a:t>String</a:t>
+            </a:r>
+            <a:r>
+              <a:rPr lang="en-US" altLang="zh-TW">
+                <a:solidFill>
+                  <a:srgbClr val="00B0F0"/>
+                </a:solidFill>
+              </a:rPr>
+              <a:t> </a:t>
+            </a:r>
+            <a:r>
+              <a:rPr lang="en-US" altLang="zh-TW">
+                <a:solidFill>
+                  <a:srgbClr val="92D050"/>
+                </a:solidFill>
+              </a:rPr>
+              <a:t>replace</a:t>
+            </a:r>
+            <a:r>
+              <a:rPr lang="en-US" altLang="zh-TW">
+                <a:solidFill>
+                  <a:srgbClr val="00B0F0"/>
+                </a:solidFill>
+              </a:rPr>
+              <a:t>(</a:t>
+            </a:r>
+            <a:r>
+              <a:rPr lang="en-US" altLang="zh-TW">
+                <a:solidFill>
+                  <a:srgbClr val="FFC000"/>
+                </a:solidFill>
+              </a:rPr>
+              <a:t>String</a:t>
+            </a:r>
+            <a:r>
+              <a:rPr lang="en-US" altLang="zh-TW">
+                <a:solidFill>
+                  <a:srgbClr val="00B0F0"/>
+                </a:solidFill>
+              </a:rPr>
+              <a:t> target, </a:t>
+            </a:r>
+            <a:r>
+              <a:rPr lang="en-US" altLang="zh-TW">
+                <a:solidFill>
+                  <a:srgbClr val="FFC000"/>
+                </a:solidFill>
+              </a:rPr>
+              <a:t>String</a:t>
+            </a:r>
+            <a:r>
+              <a:rPr lang="en-US" altLang="zh-TW">
+                <a:solidFill>
+                  <a:srgbClr val="00B0F0"/>
+                </a:solidFill>
+              </a:rPr>
+              <a:t> replacement)</a:t>
+            </a:r>
+          </a:p>
+          <a:p>
+            <a:r>
+              <a:rPr lang="zh-TW" altLang="en-US"/>
+              <a:t>不管是哪個程式語言，</a:t>
+            </a:r>
+            <a:r>
+              <a:rPr lang="zh-TW" altLang="en-US">
+                <a:solidFill>
+                  <a:srgbClr val="00B0F0"/>
+                </a:solidFill>
+              </a:rPr>
+              <a:t>字串</a:t>
+            </a:r>
+            <a:r>
+              <a:rPr lang="zh-TW" altLang="en-US"/>
+              <a:t>通常都有這些</a:t>
+            </a:r>
+            <a:r>
+              <a:rPr lang="zh-TW" altLang="en-US">
+                <a:solidFill>
+                  <a:srgbClr val="00B0F0"/>
+                </a:solidFill>
+              </a:rPr>
+              <a:t>方法</a:t>
+            </a:r>
+            <a:endParaRPr lang="en-US" altLang="zh-TW">
+              <a:solidFill>
+                <a:srgbClr val="00B0F0"/>
+              </a:solidFill>
+            </a:endParaRPr>
           </a:p>
         </p:txBody>
       </p:sp>
@@ -18046,6 +18737,5636 @@
     <p:extLst>
       <p:ext uri="{BB962C8B-B14F-4D97-AF65-F5344CB8AC3E}">
         <p14:creationId xmlns:p14="http://schemas.microsoft.com/office/powerpoint/2010/main" val="2810301151"/>
+      </p:ext>
+    </p:extLst>
+  </p:cSld>
+  <p:clrMapOvr>
+    <a:masterClrMapping/>
+  </p:clrMapOvr>
+  <p:transition spd="slow">
+    <p:push dir="u"/>
+  </p:transition>
+</p:sld>
+</file>
+
+<file path=ppt/slides/slide15.xml><?xml version="1.0" encoding="utf-8"?>
+<p:sld xmlns:a="http://schemas.openxmlformats.org/drawingml/2006/main" xmlns:r="http://schemas.openxmlformats.org/officeDocument/2006/relationships" xmlns:p="http://schemas.openxmlformats.org/presentationml/2006/main">
+  <p:cSld>
+    <p:spTree>
+      <p:nvGrpSpPr>
+        <p:cNvPr id="1" name=""/>
+        <p:cNvGrpSpPr/>
+        <p:nvPr/>
+      </p:nvGrpSpPr>
+      <p:grpSpPr>
+        <a:xfrm>
+          <a:off x="0" y="0"/>
+          <a:ext cx="0" cy="0"/>
+          <a:chOff x="0" y="0"/>
+          <a:chExt cx="0" cy="0"/>
+        </a:xfrm>
+      </p:grpSpPr>
+      <p:sp>
+        <p:nvSpPr>
+          <p:cNvPr id="2" name="標題 1">
+            <a:extLst>
+              <a:ext uri="{FF2B5EF4-FFF2-40B4-BE49-F238E27FC236}">
+                <a16:creationId xmlns:a16="http://schemas.microsoft.com/office/drawing/2014/main" id="{432BFCCF-ED16-4A90-A11A-2C9328FC004D}"/>
+              </a:ext>
+            </a:extLst>
+          </p:cNvPr>
+          <p:cNvSpPr>
+            <a:spLocks noGrp="1"/>
+          </p:cNvSpPr>
+          <p:nvPr>
+            <p:ph type="title"/>
+          </p:nvPr>
+        </p:nvSpPr>
+        <p:spPr>
+          <a:xfrm>
+            <a:off x="838200" y="0"/>
+            <a:ext cx="10515600" cy="1325563"/>
+          </a:xfrm>
+        </p:spPr>
+        <p:txBody>
+          <a:bodyPr/>
+          <a:lstStyle/>
+          <a:p>
+            <a:r>
+              <a:rPr lang="zh-TW" altLang="en-US"/>
+              <a:t>字串</a:t>
+            </a:r>
+          </a:p>
+        </p:txBody>
+      </p:sp>
+      <p:grpSp>
+        <p:nvGrpSpPr>
+          <p:cNvPr id="6" name="群組 5">
+            <a:extLst>
+              <a:ext uri="{FF2B5EF4-FFF2-40B4-BE49-F238E27FC236}">
+                <a16:creationId xmlns:a16="http://schemas.microsoft.com/office/drawing/2014/main" id="{AB2C0953-DACA-4357-874E-6AC33BFA8B32}"/>
+              </a:ext>
+            </a:extLst>
+          </p:cNvPr>
+          <p:cNvGrpSpPr/>
+          <p:nvPr/>
+        </p:nvGrpSpPr>
+        <p:grpSpPr>
+          <a:xfrm>
+            <a:off x="8390965" y="3270331"/>
+            <a:ext cx="2962835" cy="1200329"/>
+            <a:chOff x="1522684" y="5780729"/>
+            <a:chExt cx="2962835" cy="1200329"/>
+          </a:xfrm>
+        </p:grpSpPr>
+        <p:sp>
+          <p:nvSpPr>
+            <p:cNvPr id="7" name="Rectangle 4">
+              <a:extLst>
+                <a:ext uri="{FF2B5EF4-FFF2-40B4-BE49-F238E27FC236}">
+                  <a16:creationId xmlns:a16="http://schemas.microsoft.com/office/drawing/2014/main" id="{5B960F75-5E77-4EEE-B849-E8BB1133A683}"/>
+                </a:ext>
+              </a:extLst>
+            </p:cNvPr>
+            <p:cNvSpPr>
+              <a:spLocks noChangeArrowheads="1"/>
+            </p:cNvSpPr>
+            <p:nvPr/>
+          </p:nvSpPr>
+          <p:spPr bwMode="auto">
+            <a:xfrm>
+              <a:off x="1522684" y="5780729"/>
+              <a:ext cx="2962835" cy="1200329"/>
+            </a:xfrm>
+            <a:prstGeom prst="rect">
+              <a:avLst/>
+            </a:prstGeom>
+            <a:solidFill>
+              <a:srgbClr val="1E1F22"/>
+            </a:solidFill>
+            <a:ln w="9525">
+              <a:noFill/>
+              <a:miter lim="800000"/>
+              <a:headEnd/>
+              <a:tailEnd/>
+            </a:ln>
+            <a:effectLst/>
+            <a:extLst>
+              <a:ext uri="{AF507438-7753-43E0-B8FC-AC1667EBCBE1}">
+                <a14:hiddenEffects xmlns:a14="http://schemas.microsoft.com/office/drawing/2010/main">
+                  <a:effectLst>
+                    <a:outerShdw dist="35921" dir="2700000" algn="ctr" rotWithShape="0">
+                      <a:schemeClr val="bg2"/>
+                    </a:outerShdw>
+                  </a:effectLst>
+                </a14:hiddenEffects>
+              </a:ext>
+            </a:extLst>
+          </p:spPr>
+          <p:txBody>
+            <a:bodyPr vert="horz" wrap="square" lIns="91440" tIns="45720" rIns="91440" bIns="45720" numCol="1" anchor="ctr" anchorCtr="0" compatLnSpc="1">
+              <a:prstTxWarp prst="textNoShape">
+                <a:avLst/>
+              </a:prstTxWarp>
+              <a:spAutoFit/>
+            </a:bodyPr>
+            <a:lstStyle/>
+            <a:p>
+              <a:pPr marL="0" marR="0" lvl="0" indent="0" algn="l" defTabSz="914400" rtl="0" eaLnBrk="0" fontAlgn="base" latinLnBrk="0" hangingPunct="0">
+                <a:lnSpc>
+                  <a:spcPct val="100000"/>
+                </a:lnSpc>
+                <a:spcBef>
+                  <a:spcPct val="0"/>
+                </a:spcBef>
+                <a:spcAft>
+                  <a:spcPct val="0"/>
+                </a:spcAft>
+                <a:buClrTx/>
+                <a:buSzTx/>
+                <a:buFontTx/>
+                <a:buNone/>
+                <a:tabLst/>
+              </a:pPr>
+              <a:r>
+                <a:rPr kumimoji="0" lang="en-US" altLang="zh-TW" sz="2400" b="0" i="0" u="none" strike="noStrike" cap="none" normalizeH="0" baseline="0">
+                  <a:ln>
+                    <a:noFill/>
+                  </a:ln>
+                  <a:solidFill>
+                    <a:srgbClr val="92D050"/>
+                  </a:solidFill>
+                  <a:effectLst/>
+                  <a:latin typeface="+mj-lt"/>
+                  <a:cs typeface="JetBrains Mono" panose="02000009000000000000" pitchFamily="49" charset="0"/>
+                </a:rPr>
+                <a:t>5</a:t>
+              </a:r>
+            </a:p>
+            <a:p>
+              <a:pPr marL="0" marR="0" lvl="0" indent="0" algn="l" defTabSz="914400" rtl="0" eaLnBrk="0" fontAlgn="base" latinLnBrk="0" hangingPunct="0">
+                <a:lnSpc>
+                  <a:spcPct val="100000"/>
+                </a:lnSpc>
+                <a:spcBef>
+                  <a:spcPct val="0"/>
+                </a:spcBef>
+                <a:spcAft>
+                  <a:spcPct val="0"/>
+                </a:spcAft>
+                <a:buClrTx/>
+                <a:buSzTx/>
+                <a:buFontTx/>
+                <a:buNone/>
+                <a:tabLst/>
+              </a:pPr>
+              <a:r>
+                <a:rPr kumimoji="0" lang="en-US" altLang="zh-TW" sz="2400" b="0" i="0" u="none" strike="noStrike" cap="none" normalizeH="0" baseline="0">
+                  <a:ln>
+                    <a:noFill/>
+                  </a:ln>
+                  <a:solidFill>
+                    <a:srgbClr val="92D050"/>
+                  </a:solidFill>
+                  <a:effectLst/>
+                  <a:latin typeface="+mj-lt"/>
+                  <a:cs typeface="JetBrains Mono" panose="02000009000000000000" pitchFamily="49" charset="0"/>
+                </a:rPr>
+                <a:t>2147483647</a:t>
+              </a:r>
+            </a:p>
+            <a:p>
+              <a:pPr marL="0" marR="0" lvl="0" indent="0" algn="l" defTabSz="914400" rtl="0" eaLnBrk="0" fontAlgn="base" latinLnBrk="0" hangingPunct="0">
+                <a:lnSpc>
+                  <a:spcPct val="100000"/>
+                </a:lnSpc>
+                <a:spcBef>
+                  <a:spcPct val="0"/>
+                </a:spcBef>
+                <a:spcAft>
+                  <a:spcPct val="0"/>
+                </a:spcAft>
+                <a:buClrTx/>
+                <a:buSzTx/>
+                <a:buFontTx/>
+                <a:buNone/>
+                <a:tabLst/>
+              </a:pPr>
+              <a:r>
+                <a:rPr kumimoji="0" lang="en-US" altLang="zh-TW" sz="2400" b="0" i="0" u="none" strike="noStrike" cap="none" normalizeH="0" baseline="0">
+                  <a:ln>
+                    <a:noFill/>
+                  </a:ln>
+                  <a:solidFill>
+                    <a:srgbClr val="BCBEC4"/>
+                  </a:solidFill>
+                  <a:effectLst/>
+                  <a:latin typeface="+mj-lt"/>
+                  <a:cs typeface="JetBrains Mono" panose="02000009000000000000" pitchFamily="49" charset="0"/>
+                </a:rPr>
+                <a:t>74836,28</a:t>
+              </a:r>
+            </a:p>
+          </p:txBody>
+        </p:sp>
+        <p:sp>
+          <p:nvSpPr>
+            <p:cNvPr id="8" name="文字方塊 7">
+              <a:extLst>
+                <a:ext uri="{FF2B5EF4-FFF2-40B4-BE49-F238E27FC236}">
+                  <a16:creationId xmlns:a16="http://schemas.microsoft.com/office/drawing/2014/main" id="{C6D298A9-046A-4B99-BB2B-A4C9067A46F6}"/>
+                </a:ext>
+              </a:extLst>
+            </p:cNvPr>
+            <p:cNvSpPr txBox="1"/>
+            <p:nvPr/>
+          </p:nvSpPr>
+          <p:spPr>
+            <a:xfrm>
+              <a:off x="3605150" y="6673281"/>
+              <a:ext cx="880369" cy="307777"/>
+            </a:xfrm>
+            <a:prstGeom prst="rect">
+              <a:avLst/>
+            </a:prstGeom>
+            <a:noFill/>
+            <a:ln>
+              <a:noFill/>
+            </a:ln>
+          </p:spPr>
+          <p:txBody>
+            <a:bodyPr wrap="none" rtlCol="0">
+              <a:spAutoFit/>
+            </a:bodyPr>
+            <a:lstStyle/>
+            <a:p>
+              <a:r>
+                <a:rPr lang="en-US" altLang="zh-TW" sz="1400">
+                  <a:solidFill>
+                    <a:schemeClr val="accent3"/>
+                  </a:solidFill>
+                </a:rPr>
+                <a:t>console</a:t>
+              </a:r>
+              <a:endParaRPr lang="zh-TW" altLang="en-US" sz="1400">
+                <a:solidFill>
+                  <a:schemeClr val="accent3"/>
+                </a:solidFill>
+              </a:endParaRPr>
+            </a:p>
+          </p:txBody>
+        </p:sp>
+      </p:grpSp>
+      <p:grpSp>
+        <p:nvGrpSpPr>
+          <p:cNvPr id="3" name="群組 2">
+            <a:extLst>
+              <a:ext uri="{FF2B5EF4-FFF2-40B4-BE49-F238E27FC236}">
+                <a16:creationId xmlns:a16="http://schemas.microsoft.com/office/drawing/2014/main" id="{09948E82-A120-4690-BE5C-D6D0D2A668B0}"/>
+              </a:ext>
+            </a:extLst>
+          </p:cNvPr>
+          <p:cNvGrpSpPr/>
+          <p:nvPr/>
+        </p:nvGrpSpPr>
+        <p:grpSpPr>
+          <a:xfrm>
+            <a:off x="838200" y="1325563"/>
+            <a:ext cx="7241085" cy="5068701"/>
+            <a:chOff x="838200" y="1325563"/>
+            <a:chExt cx="7241085" cy="5068701"/>
+          </a:xfrm>
+        </p:grpSpPr>
+        <p:sp>
+          <p:nvSpPr>
+            <p:cNvPr id="4" name="Rectangle 2">
+              <a:extLst>
+                <a:ext uri="{FF2B5EF4-FFF2-40B4-BE49-F238E27FC236}">
+                  <a16:creationId xmlns:a16="http://schemas.microsoft.com/office/drawing/2014/main" id="{0C353486-E7BB-4B72-9E1C-0025CA056FB5}"/>
+                </a:ext>
+              </a:extLst>
+            </p:cNvPr>
+            <p:cNvSpPr>
+              <a:spLocks noChangeArrowheads="1"/>
+            </p:cNvSpPr>
+            <p:nvPr/>
+          </p:nvSpPr>
+          <p:spPr bwMode="auto">
+            <a:xfrm>
+              <a:off x="838200" y="1346728"/>
+              <a:ext cx="7241085" cy="5047536"/>
+            </a:xfrm>
+            <a:prstGeom prst="rect">
+              <a:avLst/>
+            </a:prstGeom>
+            <a:solidFill>
+              <a:srgbClr val="1E1F22"/>
+            </a:solidFill>
+            <a:ln>
+              <a:noFill/>
+            </a:ln>
+            <a:effectLst/>
+            <a:extLst>
+              <a:ext uri="{91240B29-F687-4F45-9708-019B960494DF}">
+                <a14:hiddenLine xmlns:a14="http://schemas.microsoft.com/office/drawing/2010/main" w="9525">
+                  <a:solidFill>
+                    <a:schemeClr val="tx1"/>
+                  </a:solidFill>
+                  <a:miter lim="800000"/>
+                  <a:headEnd/>
+                  <a:tailEnd/>
+                </a14:hiddenLine>
+              </a:ext>
+              <a:ext uri="{AF507438-7753-43E0-B8FC-AC1667EBCBE1}">
+                <a14:hiddenEffects xmlns:a14="http://schemas.microsoft.com/office/drawing/2010/main">
+                  <a:effectLst>
+                    <a:outerShdw dist="35921" dir="2700000" algn="ctr" rotWithShape="0">
+                      <a:schemeClr val="bg2"/>
+                    </a:outerShdw>
+                  </a:effectLst>
+                </a14:hiddenEffects>
+              </a:ext>
+            </a:extLst>
+          </p:spPr>
+          <p:txBody>
+            <a:bodyPr vert="horz" wrap="none" lIns="91440" tIns="45720" rIns="91440" bIns="45720" numCol="1" anchor="ctr" anchorCtr="0" compatLnSpc="1">
+              <a:prstTxWarp prst="textNoShape">
+                <a:avLst/>
+              </a:prstTxWarp>
+              <a:spAutoFit/>
+            </a:bodyPr>
+            <a:lstStyle/>
+            <a:p>
+              <a:pPr marL="0" marR="0" lvl="0" indent="0" algn="l" defTabSz="914400" rtl="0" eaLnBrk="0" fontAlgn="base" latinLnBrk="0" hangingPunct="0">
+                <a:lnSpc>
+                  <a:spcPct val="100000"/>
+                </a:lnSpc>
+                <a:spcBef>
+                  <a:spcPct val="0"/>
+                </a:spcBef>
+                <a:spcAft>
+                  <a:spcPct val="0"/>
+                </a:spcAft>
+                <a:buClrTx/>
+                <a:buSzTx/>
+                <a:buFontTx/>
+                <a:buNone/>
+                <a:tabLst/>
+              </a:pPr>
+              <a:r>
+                <a:rPr kumimoji="0" lang="zh-TW" altLang="zh-TW" sz="1400" b="0" i="0" u="none" strike="noStrike" cap="none" normalizeH="0" baseline="0">
+                  <a:ln>
+                    <a:noFill/>
+                  </a:ln>
+                  <a:solidFill>
+                    <a:srgbClr val="CF8E6D"/>
+                  </a:solidFill>
+                  <a:effectLst/>
+                  <a:latin typeface="+mj-lt"/>
+                  <a:cs typeface="JetBrains Mono" panose="02000009000000000000" pitchFamily="49" charset="0"/>
+                </a:rPr>
+                <a:t>import </a:t>
+              </a:r>
+              <a:r>
+                <a:rPr kumimoji="0" lang="zh-TW" altLang="zh-TW" sz="1400" b="0" i="0" u="none" strike="noStrike" cap="none" normalizeH="0" baseline="0">
+                  <a:ln>
+                    <a:noFill/>
+                  </a:ln>
+                  <a:solidFill>
+                    <a:srgbClr val="BCBEC4"/>
+                  </a:solidFill>
+                  <a:effectLst/>
+                  <a:latin typeface="+mj-lt"/>
+                  <a:cs typeface="JetBrains Mono" panose="02000009000000000000" pitchFamily="49" charset="0"/>
+                </a:rPr>
+                <a:t>java.util.Scanner;</a:t>
+              </a:r>
+              <a:br>
+                <a:rPr kumimoji="0" lang="zh-TW" altLang="zh-TW" sz="1400" b="0" i="0" u="none" strike="noStrike" cap="none" normalizeH="0" baseline="0">
+                  <a:ln>
+                    <a:noFill/>
+                  </a:ln>
+                  <a:solidFill>
+                    <a:srgbClr val="BCBEC4"/>
+                  </a:solidFill>
+                  <a:effectLst/>
+                  <a:latin typeface="+mj-lt"/>
+                  <a:cs typeface="JetBrains Mono" panose="02000009000000000000" pitchFamily="49" charset="0"/>
+                </a:rPr>
+              </a:br>
+              <a:br>
+                <a:rPr kumimoji="0" lang="zh-TW" altLang="zh-TW" sz="1400" b="0" i="0" u="none" strike="noStrike" cap="none" normalizeH="0" baseline="0">
+                  <a:ln>
+                    <a:noFill/>
+                  </a:ln>
+                  <a:solidFill>
+                    <a:srgbClr val="BCBEC4"/>
+                  </a:solidFill>
+                  <a:effectLst/>
+                  <a:latin typeface="+mj-lt"/>
+                  <a:cs typeface="JetBrains Mono" panose="02000009000000000000" pitchFamily="49" charset="0"/>
+                </a:rPr>
+              </a:br>
+              <a:r>
+                <a:rPr kumimoji="0" lang="zh-TW" altLang="zh-TW" sz="1400" b="0" i="0" u="none" strike="noStrike" cap="none" normalizeH="0" baseline="0">
+                  <a:ln>
+                    <a:noFill/>
+                  </a:ln>
+                  <a:solidFill>
+                    <a:srgbClr val="7A7E85"/>
+                  </a:solidFill>
+                  <a:effectLst/>
+                  <a:latin typeface="+mj-lt"/>
+                  <a:cs typeface="JetBrains Mono" panose="02000009000000000000" pitchFamily="49" charset="0"/>
+                </a:rPr>
+                <a:t>// </a:t>
+              </a:r>
+              <a:r>
+                <a:rPr kumimoji="0" lang="zh-TW" altLang="zh-TW" sz="1400" b="0" i="0" u="none" strike="noStrike" cap="none" normalizeH="0" baseline="0">
+                  <a:ln>
+                    <a:noFill/>
+                  </a:ln>
+                  <a:solidFill>
+                    <a:srgbClr val="7A7E85"/>
+                  </a:solidFill>
+                  <a:effectLst/>
+                  <a:latin typeface="+mj-lt"/>
+                  <a:ea typeface="微軟正黑體" panose="020B0604030504040204" pitchFamily="34" charset="-120"/>
+                  <a:cs typeface="JetBrains Mono" panose="02000009000000000000" pitchFamily="49" charset="0"/>
+                </a:rPr>
+                <a:t>找整數中連續</a:t>
+              </a:r>
+              <a:r>
+                <a:rPr kumimoji="0" lang="zh-TW" altLang="zh-TW" sz="1400" b="0" i="0" u="none" strike="noStrike" cap="none" normalizeH="0" baseline="0">
+                  <a:ln>
+                    <a:noFill/>
+                  </a:ln>
+                  <a:solidFill>
+                    <a:srgbClr val="7A7E85"/>
+                  </a:solidFill>
+                  <a:effectLst/>
+                  <a:latin typeface="+mj-lt"/>
+                  <a:cs typeface="JetBrains Mono" panose="02000009000000000000" pitchFamily="49" charset="0"/>
+                </a:rPr>
+                <a:t> n </a:t>
+              </a:r>
+              <a:r>
+                <a:rPr kumimoji="0" lang="zh-TW" altLang="zh-TW" sz="1400" b="0" i="0" u="none" strike="noStrike" cap="none" normalizeH="0" baseline="0">
+                  <a:ln>
+                    <a:noFill/>
+                  </a:ln>
+                  <a:solidFill>
+                    <a:srgbClr val="7A7E85"/>
+                  </a:solidFill>
+                  <a:effectLst/>
+                  <a:latin typeface="+mj-lt"/>
+                  <a:ea typeface="微軟正黑體" panose="020B0604030504040204" pitchFamily="34" charset="-120"/>
+                  <a:cs typeface="JetBrains Mono" panose="02000009000000000000" pitchFamily="49" charset="0"/>
+                </a:rPr>
+                <a:t>個數字和的最大值</a:t>
+              </a:r>
+              <a:br>
+                <a:rPr kumimoji="0" lang="zh-TW" altLang="zh-TW" sz="1400" b="0" i="0" u="none" strike="noStrike" cap="none" normalizeH="0" baseline="0">
+                  <a:ln>
+                    <a:noFill/>
+                  </a:ln>
+                  <a:solidFill>
+                    <a:srgbClr val="7A7E85"/>
+                  </a:solidFill>
+                  <a:effectLst/>
+                  <a:latin typeface="+mj-lt"/>
+                  <a:ea typeface="微軟正黑體" panose="020B0604030504040204" pitchFamily="34" charset="-120"/>
+                  <a:cs typeface="JetBrains Mono" panose="02000009000000000000" pitchFamily="49" charset="0"/>
+                </a:rPr>
+              </a:br>
+              <a:r>
+                <a:rPr kumimoji="0" lang="zh-TW" altLang="zh-TW" sz="1400" b="0" i="0" u="none" strike="noStrike" cap="none" normalizeH="0" baseline="0">
+                  <a:ln>
+                    <a:noFill/>
+                  </a:ln>
+                  <a:solidFill>
+                    <a:srgbClr val="CF8E6D"/>
+                  </a:solidFill>
+                  <a:effectLst/>
+                  <a:latin typeface="+mj-lt"/>
+                  <a:cs typeface="JetBrains Mono" panose="02000009000000000000" pitchFamily="49" charset="0"/>
+                </a:rPr>
+                <a:t>public class </a:t>
+              </a:r>
+              <a:r>
+                <a:rPr kumimoji="0" lang="zh-TW" altLang="zh-TW" sz="1400" b="0" i="0" u="none" strike="noStrike" cap="none" normalizeH="0" baseline="0">
+                  <a:ln>
+                    <a:noFill/>
+                  </a:ln>
+                  <a:solidFill>
+                    <a:srgbClr val="BCBEC4"/>
+                  </a:solidFill>
+                  <a:effectLst/>
+                  <a:latin typeface="+mj-lt"/>
+                  <a:cs typeface="JetBrains Mono" panose="02000009000000000000" pitchFamily="49" charset="0"/>
+                </a:rPr>
+                <a:t>Main3 {</a:t>
+              </a:r>
+              <a:br>
+                <a:rPr kumimoji="0" lang="zh-TW" altLang="zh-TW" sz="1400" b="0" i="0" u="none" strike="noStrike" cap="none" normalizeH="0" baseline="0">
+                  <a:ln>
+                    <a:noFill/>
+                  </a:ln>
+                  <a:solidFill>
+                    <a:srgbClr val="BCBEC4"/>
+                  </a:solidFill>
+                  <a:effectLst/>
+                  <a:latin typeface="+mj-lt"/>
+                  <a:cs typeface="JetBrains Mono" panose="02000009000000000000" pitchFamily="49" charset="0"/>
+                </a:rPr>
+              </a:br>
+              <a:r>
+                <a:rPr kumimoji="0" lang="zh-TW" altLang="zh-TW" sz="1400" b="0" i="0" u="none" strike="noStrike" cap="none" normalizeH="0" baseline="0">
+                  <a:ln>
+                    <a:noFill/>
+                  </a:ln>
+                  <a:solidFill>
+                    <a:srgbClr val="BCBEC4"/>
+                  </a:solidFill>
+                  <a:effectLst/>
+                  <a:latin typeface="+mj-lt"/>
+                  <a:cs typeface="JetBrains Mono" panose="02000009000000000000" pitchFamily="49" charset="0"/>
+                </a:rPr>
+                <a:t>    </a:t>
+              </a:r>
+              <a:r>
+                <a:rPr kumimoji="0" lang="zh-TW" altLang="zh-TW" sz="1400" b="0" i="0" u="none" strike="noStrike" cap="none" normalizeH="0" baseline="0">
+                  <a:ln>
+                    <a:noFill/>
+                  </a:ln>
+                  <a:solidFill>
+                    <a:srgbClr val="CF8E6D"/>
+                  </a:solidFill>
+                  <a:effectLst/>
+                  <a:latin typeface="+mj-lt"/>
+                  <a:cs typeface="JetBrains Mono" panose="02000009000000000000" pitchFamily="49" charset="0"/>
+                </a:rPr>
+                <a:t>public static void </a:t>
+              </a:r>
+              <a:r>
+                <a:rPr kumimoji="0" lang="zh-TW" altLang="zh-TW" sz="1400" b="0" i="0" u="none" strike="noStrike" cap="none" normalizeH="0" baseline="0">
+                  <a:ln>
+                    <a:noFill/>
+                  </a:ln>
+                  <a:solidFill>
+                    <a:srgbClr val="56A8F5"/>
+                  </a:solidFill>
+                  <a:effectLst/>
+                  <a:latin typeface="+mj-lt"/>
+                  <a:cs typeface="JetBrains Mono" panose="02000009000000000000" pitchFamily="49" charset="0"/>
+                </a:rPr>
+                <a:t>main</a:t>
+              </a:r>
+              <a:r>
+                <a:rPr kumimoji="0" lang="zh-TW" altLang="zh-TW" sz="1400" b="0" i="0" u="none" strike="noStrike" cap="none" normalizeH="0" baseline="0">
+                  <a:ln>
+                    <a:noFill/>
+                  </a:ln>
+                  <a:solidFill>
+                    <a:srgbClr val="BCBEC4"/>
+                  </a:solidFill>
+                  <a:effectLst/>
+                  <a:latin typeface="+mj-lt"/>
+                  <a:cs typeface="JetBrains Mono" panose="02000009000000000000" pitchFamily="49" charset="0"/>
+                </a:rPr>
+                <a:t>(String[] args) {</a:t>
+              </a:r>
+              <a:br>
+                <a:rPr kumimoji="0" lang="zh-TW" altLang="zh-TW" sz="1400" b="0" i="0" u="none" strike="noStrike" cap="none" normalizeH="0" baseline="0">
+                  <a:ln>
+                    <a:noFill/>
+                  </a:ln>
+                  <a:solidFill>
+                    <a:srgbClr val="BCBEC4"/>
+                  </a:solidFill>
+                  <a:effectLst/>
+                  <a:latin typeface="+mj-lt"/>
+                  <a:cs typeface="JetBrains Mono" panose="02000009000000000000" pitchFamily="49" charset="0"/>
+                </a:rPr>
+              </a:br>
+              <a:r>
+                <a:rPr kumimoji="0" lang="zh-TW" altLang="zh-TW" sz="1400" b="0" i="0" u="none" strike="noStrike" cap="none" normalizeH="0" baseline="0">
+                  <a:ln>
+                    <a:noFill/>
+                  </a:ln>
+                  <a:solidFill>
+                    <a:srgbClr val="BCBEC4"/>
+                  </a:solidFill>
+                  <a:effectLst/>
+                  <a:latin typeface="+mj-lt"/>
+                  <a:cs typeface="JetBrains Mono" panose="02000009000000000000" pitchFamily="49" charset="0"/>
+                </a:rPr>
+                <a:t>        Scanner scanner = </a:t>
+              </a:r>
+              <a:r>
+                <a:rPr kumimoji="0" lang="zh-TW" altLang="zh-TW" sz="1400" b="0" i="0" u="none" strike="noStrike" cap="none" normalizeH="0" baseline="0">
+                  <a:ln>
+                    <a:noFill/>
+                  </a:ln>
+                  <a:solidFill>
+                    <a:srgbClr val="CF8E6D"/>
+                  </a:solidFill>
+                  <a:effectLst/>
+                  <a:latin typeface="+mj-lt"/>
+                  <a:cs typeface="JetBrains Mono" panose="02000009000000000000" pitchFamily="49" charset="0"/>
+                </a:rPr>
+                <a:t>new </a:t>
+              </a:r>
+              <a:r>
+                <a:rPr kumimoji="0" lang="zh-TW" altLang="zh-TW" sz="1400" b="0" i="0" u="none" strike="noStrike" cap="none" normalizeH="0" baseline="0">
+                  <a:ln>
+                    <a:noFill/>
+                  </a:ln>
+                  <a:solidFill>
+                    <a:srgbClr val="BCBEC4"/>
+                  </a:solidFill>
+                  <a:effectLst/>
+                  <a:latin typeface="+mj-lt"/>
+                  <a:cs typeface="JetBrains Mono" panose="02000009000000000000" pitchFamily="49" charset="0"/>
+                </a:rPr>
+                <a:t>Scanner(System.</a:t>
+              </a:r>
+              <a:r>
+                <a:rPr kumimoji="0" lang="zh-TW" altLang="zh-TW" sz="1400" b="0" i="1" u="none" strike="noStrike" cap="none" normalizeH="0" baseline="0">
+                  <a:ln>
+                    <a:noFill/>
+                  </a:ln>
+                  <a:solidFill>
+                    <a:srgbClr val="C77DBB"/>
+                  </a:solidFill>
+                  <a:effectLst/>
+                  <a:latin typeface="+mj-lt"/>
+                  <a:cs typeface="JetBrains Mono" panose="02000009000000000000" pitchFamily="49" charset="0"/>
+                </a:rPr>
+                <a:t>in</a:t>
+              </a:r>
+              <a:r>
+                <a:rPr kumimoji="0" lang="zh-TW" altLang="zh-TW" sz="1400" b="0" i="0" u="none" strike="noStrike" cap="none" normalizeH="0" baseline="0">
+                  <a:ln>
+                    <a:noFill/>
+                  </a:ln>
+                  <a:solidFill>
+                    <a:srgbClr val="BCBEC4"/>
+                  </a:solidFill>
+                  <a:effectLst/>
+                  <a:latin typeface="+mj-lt"/>
+                  <a:cs typeface="JetBrains Mono" panose="02000009000000000000" pitchFamily="49" charset="0"/>
+                </a:rPr>
+                <a:t>);</a:t>
+              </a:r>
+              <a:br>
+                <a:rPr kumimoji="0" lang="zh-TW" altLang="zh-TW" sz="1400" b="0" i="0" u="none" strike="noStrike" cap="none" normalizeH="0" baseline="0">
+                  <a:ln>
+                    <a:noFill/>
+                  </a:ln>
+                  <a:solidFill>
+                    <a:srgbClr val="BCBEC4"/>
+                  </a:solidFill>
+                  <a:effectLst/>
+                  <a:latin typeface="+mj-lt"/>
+                  <a:cs typeface="JetBrains Mono" panose="02000009000000000000" pitchFamily="49" charset="0"/>
+                </a:rPr>
+              </a:br>
+              <a:r>
+                <a:rPr kumimoji="0" lang="zh-TW" altLang="zh-TW" sz="1400" b="0" i="0" u="none" strike="noStrike" cap="none" normalizeH="0" baseline="0">
+                  <a:ln>
+                    <a:noFill/>
+                  </a:ln>
+                  <a:solidFill>
+                    <a:srgbClr val="BCBEC4"/>
+                  </a:solidFill>
+                  <a:effectLst/>
+                  <a:latin typeface="+mj-lt"/>
+                  <a:cs typeface="JetBrains Mono" panose="02000009000000000000" pitchFamily="49" charset="0"/>
+                </a:rPr>
+                <a:t>        </a:t>
+              </a:r>
+              <a:r>
+                <a:rPr kumimoji="0" lang="zh-TW" altLang="zh-TW" sz="1400" b="0" i="0" u="none" strike="noStrike" cap="none" normalizeH="0" baseline="0">
+                  <a:ln>
+                    <a:noFill/>
+                  </a:ln>
+                  <a:solidFill>
+                    <a:srgbClr val="CF8E6D"/>
+                  </a:solidFill>
+                  <a:effectLst/>
+                  <a:latin typeface="+mj-lt"/>
+                  <a:cs typeface="JetBrains Mono" panose="02000009000000000000" pitchFamily="49" charset="0"/>
+                </a:rPr>
+                <a:t>int </a:t>
+              </a:r>
+              <a:r>
+                <a:rPr kumimoji="0" lang="zh-TW" altLang="zh-TW" sz="1400" b="0" i="0" u="none" strike="noStrike" cap="none" normalizeH="0" baseline="0">
+                  <a:ln>
+                    <a:noFill/>
+                  </a:ln>
+                  <a:solidFill>
+                    <a:srgbClr val="BCBEC4"/>
+                  </a:solidFill>
+                  <a:effectLst/>
+                  <a:latin typeface="+mj-lt"/>
+                  <a:cs typeface="JetBrains Mono" panose="02000009000000000000" pitchFamily="49" charset="0"/>
+                </a:rPr>
+                <a:t>count = scanner.nextInt();</a:t>
+              </a:r>
+              <a:br>
+                <a:rPr kumimoji="0" lang="zh-TW" altLang="zh-TW" sz="1400" b="0" i="0" u="none" strike="noStrike" cap="none" normalizeH="0" baseline="0">
+                  <a:ln>
+                    <a:noFill/>
+                  </a:ln>
+                  <a:solidFill>
+                    <a:srgbClr val="BCBEC4"/>
+                  </a:solidFill>
+                  <a:effectLst/>
+                  <a:latin typeface="+mj-lt"/>
+                  <a:cs typeface="JetBrains Mono" panose="02000009000000000000" pitchFamily="49" charset="0"/>
+                </a:rPr>
+              </a:br>
+              <a:r>
+                <a:rPr kumimoji="0" lang="zh-TW" altLang="zh-TW" sz="1400" b="0" i="0" u="none" strike="noStrike" cap="none" normalizeH="0" baseline="0">
+                  <a:ln>
+                    <a:noFill/>
+                  </a:ln>
+                  <a:solidFill>
+                    <a:srgbClr val="BCBEC4"/>
+                  </a:solidFill>
+                  <a:effectLst/>
+                  <a:latin typeface="+mj-lt"/>
+                  <a:cs typeface="JetBrains Mono" panose="02000009000000000000" pitchFamily="49" charset="0"/>
+                </a:rPr>
+                <a:t>        String maxString = </a:t>
+              </a:r>
+              <a:r>
+                <a:rPr kumimoji="0" lang="zh-TW" altLang="zh-TW" sz="1400" b="0" i="0" u="none" strike="noStrike" cap="none" normalizeH="0" baseline="0">
+                  <a:ln>
+                    <a:noFill/>
+                  </a:ln>
+                  <a:solidFill>
+                    <a:srgbClr val="6AAB73"/>
+                  </a:solidFill>
+                  <a:effectLst/>
+                  <a:latin typeface="+mj-lt"/>
+                  <a:cs typeface="JetBrains Mono" panose="02000009000000000000" pitchFamily="49" charset="0"/>
+                </a:rPr>
+                <a:t>""</a:t>
+              </a:r>
+              <a:r>
+                <a:rPr kumimoji="0" lang="zh-TW" altLang="zh-TW" sz="1400" b="0" i="0" u="none" strike="noStrike" cap="none" normalizeH="0" baseline="0">
+                  <a:ln>
+                    <a:noFill/>
+                  </a:ln>
+                  <a:solidFill>
+                    <a:srgbClr val="BCBEC4"/>
+                  </a:solidFill>
+                  <a:effectLst/>
+                  <a:latin typeface="+mj-lt"/>
+                  <a:cs typeface="JetBrains Mono" panose="02000009000000000000" pitchFamily="49" charset="0"/>
+                </a:rPr>
+                <a:t>;</a:t>
+              </a:r>
+              <a:br>
+                <a:rPr kumimoji="0" lang="zh-TW" altLang="zh-TW" sz="1400" b="0" i="0" u="none" strike="noStrike" cap="none" normalizeH="0" baseline="0">
+                  <a:ln>
+                    <a:noFill/>
+                  </a:ln>
+                  <a:solidFill>
+                    <a:srgbClr val="BCBEC4"/>
+                  </a:solidFill>
+                  <a:effectLst/>
+                  <a:latin typeface="+mj-lt"/>
+                  <a:cs typeface="JetBrains Mono" panose="02000009000000000000" pitchFamily="49" charset="0"/>
+                </a:rPr>
+              </a:br>
+              <a:r>
+                <a:rPr kumimoji="0" lang="zh-TW" altLang="zh-TW" sz="1400" b="0" i="0" u="none" strike="noStrike" cap="none" normalizeH="0" baseline="0">
+                  <a:ln>
+                    <a:noFill/>
+                  </a:ln>
+                  <a:solidFill>
+                    <a:srgbClr val="BCBEC4"/>
+                  </a:solidFill>
+                  <a:effectLst/>
+                  <a:latin typeface="+mj-lt"/>
+                  <a:cs typeface="JetBrains Mono" panose="02000009000000000000" pitchFamily="49" charset="0"/>
+                </a:rPr>
+                <a:t>        </a:t>
+              </a:r>
+              <a:r>
+                <a:rPr kumimoji="0" lang="zh-TW" altLang="zh-TW" sz="1400" b="0" i="0" u="none" strike="noStrike" cap="none" normalizeH="0" baseline="0">
+                  <a:ln>
+                    <a:noFill/>
+                  </a:ln>
+                  <a:solidFill>
+                    <a:srgbClr val="CF8E6D"/>
+                  </a:solidFill>
+                  <a:effectLst/>
+                  <a:latin typeface="+mj-lt"/>
+                  <a:cs typeface="JetBrains Mono" panose="02000009000000000000" pitchFamily="49" charset="0"/>
+                </a:rPr>
+                <a:t>int </a:t>
+              </a:r>
+              <a:r>
+                <a:rPr kumimoji="0" lang="zh-TW" altLang="zh-TW" sz="1400" b="0" i="0" u="none" strike="noStrike" cap="none" normalizeH="0" baseline="0">
+                  <a:ln>
+                    <a:noFill/>
+                  </a:ln>
+                  <a:solidFill>
+                    <a:srgbClr val="BCBEC4"/>
+                  </a:solidFill>
+                  <a:effectLst/>
+                  <a:latin typeface="+mj-lt"/>
+                  <a:cs typeface="JetBrains Mono" panose="02000009000000000000" pitchFamily="49" charset="0"/>
+                </a:rPr>
+                <a:t>max = -</a:t>
+              </a:r>
+              <a:r>
+                <a:rPr kumimoji="0" lang="zh-TW" altLang="zh-TW" sz="1400" b="0" i="0" u="none" strike="noStrike" cap="none" normalizeH="0" baseline="0">
+                  <a:ln>
+                    <a:noFill/>
+                  </a:ln>
+                  <a:solidFill>
+                    <a:srgbClr val="2AACB8"/>
+                  </a:solidFill>
+                  <a:effectLst/>
+                  <a:latin typeface="+mj-lt"/>
+                  <a:cs typeface="JetBrains Mono" panose="02000009000000000000" pitchFamily="49" charset="0"/>
+                </a:rPr>
+                <a:t>1</a:t>
+              </a:r>
+              <a:r>
+                <a:rPr kumimoji="0" lang="zh-TW" altLang="zh-TW" sz="1400" b="0" i="0" u="none" strike="noStrike" cap="none" normalizeH="0" baseline="0">
+                  <a:ln>
+                    <a:noFill/>
+                  </a:ln>
+                  <a:solidFill>
+                    <a:srgbClr val="BCBEC4"/>
+                  </a:solidFill>
+                  <a:effectLst/>
+                  <a:latin typeface="+mj-lt"/>
+                  <a:cs typeface="JetBrains Mono" panose="02000009000000000000" pitchFamily="49" charset="0"/>
+                </a:rPr>
+                <a:t>;</a:t>
+              </a:r>
+              <a:br>
+                <a:rPr kumimoji="0" lang="zh-TW" altLang="zh-TW" sz="1400" b="0" i="0" u="none" strike="noStrike" cap="none" normalizeH="0" baseline="0">
+                  <a:ln>
+                    <a:noFill/>
+                  </a:ln>
+                  <a:solidFill>
+                    <a:srgbClr val="BCBEC4"/>
+                  </a:solidFill>
+                  <a:effectLst/>
+                  <a:latin typeface="+mj-lt"/>
+                  <a:cs typeface="JetBrains Mono" panose="02000009000000000000" pitchFamily="49" charset="0"/>
+                </a:rPr>
+              </a:br>
+              <a:r>
+                <a:rPr kumimoji="0" lang="zh-TW" altLang="zh-TW" sz="1400" b="0" i="0" u="none" strike="noStrike" cap="none" normalizeH="0" baseline="0">
+                  <a:ln>
+                    <a:noFill/>
+                  </a:ln>
+                  <a:solidFill>
+                    <a:srgbClr val="BCBEC4"/>
+                  </a:solidFill>
+                  <a:effectLst/>
+                  <a:latin typeface="+mj-lt"/>
+                  <a:cs typeface="JetBrains Mono" panose="02000009000000000000" pitchFamily="49" charset="0"/>
+                </a:rPr>
+                <a:t>        String string = scanner.next();</a:t>
+              </a:r>
+              <a:br>
+                <a:rPr kumimoji="0" lang="zh-TW" altLang="zh-TW" sz="1400" b="0" i="0" u="none" strike="noStrike" cap="none" normalizeH="0" baseline="0">
+                  <a:ln>
+                    <a:noFill/>
+                  </a:ln>
+                  <a:solidFill>
+                    <a:srgbClr val="BCBEC4"/>
+                  </a:solidFill>
+                  <a:effectLst/>
+                  <a:latin typeface="+mj-lt"/>
+                  <a:cs typeface="JetBrains Mono" panose="02000009000000000000" pitchFamily="49" charset="0"/>
+                </a:rPr>
+              </a:br>
+              <a:r>
+                <a:rPr kumimoji="0" lang="zh-TW" altLang="zh-TW" sz="1400" b="0" i="0" u="none" strike="noStrike" cap="none" normalizeH="0" baseline="0">
+                  <a:ln>
+                    <a:noFill/>
+                  </a:ln>
+                  <a:solidFill>
+                    <a:srgbClr val="BCBEC4"/>
+                  </a:solidFill>
+                  <a:effectLst/>
+                  <a:latin typeface="+mj-lt"/>
+                  <a:cs typeface="JetBrains Mono" panose="02000009000000000000" pitchFamily="49" charset="0"/>
+                </a:rPr>
+                <a:t>        </a:t>
+              </a:r>
+              <a:r>
+                <a:rPr kumimoji="0" lang="zh-TW" altLang="zh-TW" sz="1400" b="0" i="0" u="none" strike="noStrike" cap="none" normalizeH="0" baseline="0">
+                  <a:ln>
+                    <a:noFill/>
+                  </a:ln>
+                  <a:solidFill>
+                    <a:srgbClr val="CF8E6D"/>
+                  </a:solidFill>
+                  <a:effectLst/>
+                  <a:latin typeface="+mj-lt"/>
+                  <a:cs typeface="JetBrains Mono" panose="02000009000000000000" pitchFamily="49" charset="0"/>
+                </a:rPr>
+                <a:t>for </a:t>
+              </a:r>
+              <a:r>
+                <a:rPr kumimoji="0" lang="zh-TW" altLang="zh-TW" sz="1400" b="0" i="0" u="none" strike="noStrike" cap="none" normalizeH="0" baseline="0">
+                  <a:ln>
+                    <a:noFill/>
+                  </a:ln>
+                  <a:solidFill>
+                    <a:srgbClr val="BCBEC4"/>
+                  </a:solidFill>
+                  <a:effectLst/>
+                  <a:latin typeface="+mj-lt"/>
+                  <a:cs typeface="JetBrains Mono" panose="02000009000000000000" pitchFamily="49" charset="0"/>
+                </a:rPr>
+                <a:t>(</a:t>
+              </a:r>
+              <a:r>
+                <a:rPr kumimoji="0" lang="zh-TW" altLang="zh-TW" sz="1400" b="0" i="0" u="none" strike="noStrike" cap="none" normalizeH="0" baseline="0">
+                  <a:ln>
+                    <a:noFill/>
+                  </a:ln>
+                  <a:solidFill>
+                    <a:srgbClr val="CF8E6D"/>
+                  </a:solidFill>
+                  <a:effectLst/>
+                  <a:latin typeface="+mj-lt"/>
+                  <a:cs typeface="JetBrains Mono" panose="02000009000000000000" pitchFamily="49" charset="0"/>
+                </a:rPr>
+                <a:t>int </a:t>
+              </a:r>
+              <a:r>
+                <a:rPr kumimoji="0" lang="zh-TW" altLang="zh-TW" sz="1400" b="0" i="0" u="none" strike="noStrike" cap="none" normalizeH="0" baseline="0">
+                  <a:ln>
+                    <a:noFill/>
+                  </a:ln>
+                  <a:solidFill>
+                    <a:srgbClr val="BCBEC4"/>
+                  </a:solidFill>
+                  <a:effectLst/>
+                  <a:latin typeface="+mj-lt"/>
+                  <a:cs typeface="JetBrains Mono" panose="02000009000000000000" pitchFamily="49" charset="0"/>
+                </a:rPr>
+                <a:t>i = </a:t>
+              </a:r>
+              <a:r>
+                <a:rPr kumimoji="0" lang="zh-TW" altLang="zh-TW" sz="1400" b="0" i="0" u="none" strike="noStrike" cap="none" normalizeH="0" baseline="0">
+                  <a:ln>
+                    <a:noFill/>
+                  </a:ln>
+                  <a:solidFill>
+                    <a:srgbClr val="2AACB8"/>
+                  </a:solidFill>
+                  <a:effectLst/>
+                  <a:latin typeface="+mj-lt"/>
+                  <a:cs typeface="JetBrains Mono" panose="02000009000000000000" pitchFamily="49" charset="0"/>
+                </a:rPr>
+                <a:t>0</a:t>
+              </a:r>
+              <a:r>
+                <a:rPr kumimoji="0" lang="zh-TW" altLang="zh-TW" sz="1400" b="0" i="0" u="none" strike="noStrike" cap="none" normalizeH="0" baseline="0">
+                  <a:ln>
+                    <a:noFill/>
+                  </a:ln>
+                  <a:solidFill>
+                    <a:srgbClr val="BCBEC4"/>
+                  </a:solidFill>
+                  <a:effectLst/>
+                  <a:latin typeface="+mj-lt"/>
+                  <a:cs typeface="JetBrains Mono" panose="02000009000000000000" pitchFamily="49" charset="0"/>
+                </a:rPr>
+                <a:t>; i &lt;= string.length() - count; i++) {</a:t>
+              </a:r>
+              <a:br>
+                <a:rPr kumimoji="0" lang="zh-TW" altLang="zh-TW" sz="1400" b="0" i="0" u="none" strike="noStrike" cap="none" normalizeH="0" baseline="0">
+                  <a:ln>
+                    <a:noFill/>
+                  </a:ln>
+                  <a:solidFill>
+                    <a:srgbClr val="BCBEC4"/>
+                  </a:solidFill>
+                  <a:effectLst/>
+                  <a:latin typeface="+mj-lt"/>
+                  <a:cs typeface="JetBrains Mono" panose="02000009000000000000" pitchFamily="49" charset="0"/>
+                </a:rPr>
+              </a:br>
+              <a:r>
+                <a:rPr kumimoji="0" lang="zh-TW" altLang="zh-TW" sz="1400" b="0" i="0" u="none" strike="noStrike" cap="none" normalizeH="0" baseline="0">
+                  <a:ln>
+                    <a:noFill/>
+                  </a:ln>
+                  <a:solidFill>
+                    <a:srgbClr val="BCBEC4"/>
+                  </a:solidFill>
+                  <a:effectLst/>
+                  <a:latin typeface="+mj-lt"/>
+                  <a:cs typeface="JetBrains Mono" panose="02000009000000000000" pitchFamily="49" charset="0"/>
+                </a:rPr>
+                <a:t>            </a:t>
+              </a:r>
+              <a:r>
+                <a:rPr kumimoji="0" lang="zh-TW" altLang="zh-TW" sz="1400" b="0" i="0" u="none" strike="noStrike" cap="none" normalizeH="0" baseline="0">
+                  <a:ln>
+                    <a:noFill/>
+                  </a:ln>
+                  <a:solidFill>
+                    <a:srgbClr val="CF8E6D"/>
+                  </a:solidFill>
+                  <a:effectLst/>
+                  <a:latin typeface="+mj-lt"/>
+                  <a:cs typeface="JetBrains Mono" panose="02000009000000000000" pitchFamily="49" charset="0"/>
+                </a:rPr>
+                <a:t>int </a:t>
+              </a:r>
+              <a:r>
+                <a:rPr kumimoji="0" lang="zh-TW" altLang="zh-TW" sz="1400" b="0" i="0" u="none" strike="noStrike" cap="none" normalizeH="0" baseline="0">
+                  <a:ln>
+                    <a:noFill/>
+                  </a:ln>
+                  <a:solidFill>
+                    <a:srgbClr val="BCBEC4"/>
+                  </a:solidFill>
+                  <a:effectLst/>
+                  <a:latin typeface="+mj-lt"/>
+                  <a:cs typeface="JetBrains Mono" panose="02000009000000000000" pitchFamily="49" charset="0"/>
+                </a:rPr>
+                <a:t>sum = </a:t>
+              </a:r>
+              <a:r>
+                <a:rPr kumimoji="0" lang="zh-TW" altLang="zh-TW" sz="1400" b="0" i="0" u="none" strike="noStrike" cap="none" normalizeH="0" baseline="0">
+                  <a:ln>
+                    <a:noFill/>
+                  </a:ln>
+                  <a:solidFill>
+                    <a:srgbClr val="2AACB8"/>
+                  </a:solidFill>
+                  <a:effectLst/>
+                  <a:latin typeface="+mj-lt"/>
+                  <a:cs typeface="JetBrains Mono" panose="02000009000000000000" pitchFamily="49" charset="0"/>
+                </a:rPr>
+                <a:t>0</a:t>
+              </a:r>
+              <a:r>
+                <a:rPr kumimoji="0" lang="zh-TW" altLang="zh-TW" sz="1400" b="0" i="0" u="none" strike="noStrike" cap="none" normalizeH="0" baseline="0">
+                  <a:ln>
+                    <a:noFill/>
+                  </a:ln>
+                  <a:solidFill>
+                    <a:srgbClr val="BCBEC4"/>
+                  </a:solidFill>
+                  <a:effectLst/>
+                  <a:latin typeface="+mj-lt"/>
+                  <a:cs typeface="JetBrains Mono" panose="02000009000000000000" pitchFamily="49" charset="0"/>
+                </a:rPr>
+                <a:t>;</a:t>
+              </a:r>
+              <a:br>
+                <a:rPr kumimoji="0" lang="zh-TW" altLang="zh-TW" sz="1400" b="0" i="0" u="none" strike="noStrike" cap="none" normalizeH="0" baseline="0">
+                  <a:ln>
+                    <a:noFill/>
+                  </a:ln>
+                  <a:solidFill>
+                    <a:srgbClr val="BCBEC4"/>
+                  </a:solidFill>
+                  <a:effectLst/>
+                  <a:latin typeface="+mj-lt"/>
+                  <a:cs typeface="JetBrains Mono" panose="02000009000000000000" pitchFamily="49" charset="0"/>
+                </a:rPr>
+              </a:br>
+              <a:r>
+                <a:rPr kumimoji="0" lang="zh-TW" altLang="zh-TW" sz="1400" b="0" i="0" u="none" strike="noStrike" cap="none" normalizeH="0" baseline="0">
+                  <a:ln>
+                    <a:noFill/>
+                  </a:ln>
+                  <a:solidFill>
+                    <a:srgbClr val="BCBEC4"/>
+                  </a:solidFill>
+                  <a:effectLst/>
+                  <a:latin typeface="+mj-lt"/>
+                  <a:cs typeface="JetBrains Mono" panose="02000009000000000000" pitchFamily="49" charset="0"/>
+                </a:rPr>
+                <a:t>            </a:t>
+              </a:r>
+              <a:r>
+                <a:rPr kumimoji="0" lang="zh-TW" altLang="zh-TW" sz="1400" b="0" i="0" u="none" strike="noStrike" cap="none" normalizeH="0" baseline="0">
+                  <a:ln>
+                    <a:noFill/>
+                  </a:ln>
+                  <a:solidFill>
+                    <a:srgbClr val="CF8E6D"/>
+                  </a:solidFill>
+                  <a:effectLst/>
+                  <a:latin typeface="+mj-lt"/>
+                  <a:cs typeface="JetBrains Mono" panose="02000009000000000000" pitchFamily="49" charset="0"/>
+                </a:rPr>
+                <a:t>for </a:t>
+              </a:r>
+              <a:r>
+                <a:rPr kumimoji="0" lang="zh-TW" altLang="zh-TW" sz="1400" b="0" i="0" u="none" strike="noStrike" cap="none" normalizeH="0" baseline="0">
+                  <a:ln>
+                    <a:noFill/>
+                  </a:ln>
+                  <a:solidFill>
+                    <a:srgbClr val="BCBEC4"/>
+                  </a:solidFill>
+                  <a:effectLst/>
+                  <a:latin typeface="+mj-lt"/>
+                  <a:cs typeface="JetBrains Mono" panose="02000009000000000000" pitchFamily="49" charset="0"/>
+                </a:rPr>
+                <a:t>(</a:t>
+              </a:r>
+              <a:r>
+                <a:rPr kumimoji="0" lang="zh-TW" altLang="zh-TW" sz="1400" b="0" i="0" u="none" strike="noStrike" cap="none" normalizeH="0" baseline="0">
+                  <a:ln>
+                    <a:noFill/>
+                  </a:ln>
+                  <a:solidFill>
+                    <a:srgbClr val="CF8E6D"/>
+                  </a:solidFill>
+                  <a:effectLst/>
+                  <a:latin typeface="+mj-lt"/>
+                  <a:cs typeface="JetBrains Mono" panose="02000009000000000000" pitchFamily="49" charset="0"/>
+                </a:rPr>
+                <a:t>int </a:t>
+              </a:r>
+              <a:r>
+                <a:rPr kumimoji="0" lang="zh-TW" altLang="zh-TW" sz="1400" b="0" i="0" u="none" strike="noStrike" cap="none" normalizeH="0" baseline="0">
+                  <a:ln>
+                    <a:noFill/>
+                  </a:ln>
+                  <a:solidFill>
+                    <a:srgbClr val="BCBEC4"/>
+                  </a:solidFill>
+                  <a:effectLst/>
+                  <a:latin typeface="+mj-lt"/>
+                  <a:cs typeface="JetBrains Mono" panose="02000009000000000000" pitchFamily="49" charset="0"/>
+                </a:rPr>
+                <a:t>j = </a:t>
+              </a:r>
+              <a:r>
+                <a:rPr kumimoji="0" lang="zh-TW" altLang="zh-TW" sz="1400" b="0" i="0" u="none" strike="noStrike" cap="none" normalizeH="0" baseline="0">
+                  <a:ln>
+                    <a:noFill/>
+                  </a:ln>
+                  <a:solidFill>
+                    <a:srgbClr val="2AACB8"/>
+                  </a:solidFill>
+                  <a:effectLst/>
+                  <a:latin typeface="+mj-lt"/>
+                  <a:cs typeface="JetBrains Mono" panose="02000009000000000000" pitchFamily="49" charset="0"/>
+                </a:rPr>
+                <a:t>0</a:t>
+              </a:r>
+              <a:r>
+                <a:rPr kumimoji="0" lang="zh-TW" altLang="zh-TW" sz="1400" b="0" i="0" u="none" strike="noStrike" cap="none" normalizeH="0" baseline="0">
+                  <a:ln>
+                    <a:noFill/>
+                  </a:ln>
+                  <a:solidFill>
+                    <a:srgbClr val="BCBEC4"/>
+                  </a:solidFill>
+                  <a:effectLst/>
+                  <a:latin typeface="+mj-lt"/>
+                  <a:cs typeface="JetBrains Mono" panose="02000009000000000000" pitchFamily="49" charset="0"/>
+                </a:rPr>
+                <a:t>; j &lt; count; j++) {</a:t>
+              </a:r>
+              <a:br>
+                <a:rPr kumimoji="0" lang="zh-TW" altLang="zh-TW" sz="1400" b="0" i="0" u="none" strike="noStrike" cap="none" normalizeH="0" baseline="0">
+                  <a:ln>
+                    <a:noFill/>
+                  </a:ln>
+                  <a:solidFill>
+                    <a:srgbClr val="BCBEC4"/>
+                  </a:solidFill>
+                  <a:effectLst/>
+                  <a:latin typeface="+mj-lt"/>
+                  <a:cs typeface="JetBrains Mono" panose="02000009000000000000" pitchFamily="49" charset="0"/>
+                </a:rPr>
+              </a:br>
+              <a:r>
+                <a:rPr kumimoji="0" lang="zh-TW" altLang="zh-TW" sz="1400" b="0" i="0" u="none" strike="noStrike" cap="none" normalizeH="0" baseline="0">
+                  <a:ln>
+                    <a:noFill/>
+                  </a:ln>
+                  <a:solidFill>
+                    <a:srgbClr val="BCBEC4"/>
+                  </a:solidFill>
+                  <a:effectLst/>
+                  <a:latin typeface="+mj-lt"/>
+                  <a:cs typeface="JetBrains Mono" panose="02000009000000000000" pitchFamily="49" charset="0"/>
+                </a:rPr>
+                <a:t>                sum += Character.</a:t>
+              </a:r>
+              <a:r>
+                <a:rPr kumimoji="0" lang="zh-TW" altLang="zh-TW" sz="1400" b="0" i="1" u="none" strike="noStrike" cap="none" normalizeH="0" baseline="0">
+                  <a:ln>
+                    <a:noFill/>
+                  </a:ln>
+                  <a:solidFill>
+                    <a:srgbClr val="BCBEC4"/>
+                  </a:solidFill>
+                  <a:effectLst/>
+                  <a:latin typeface="+mj-lt"/>
+                  <a:cs typeface="JetBrains Mono" panose="02000009000000000000" pitchFamily="49" charset="0"/>
+                </a:rPr>
+                <a:t>getNumericValue</a:t>
+              </a:r>
+              <a:r>
+                <a:rPr kumimoji="0" lang="zh-TW" altLang="zh-TW" sz="1400" b="0" i="0" u="none" strike="noStrike" cap="none" normalizeH="0" baseline="0">
+                  <a:ln>
+                    <a:noFill/>
+                  </a:ln>
+                  <a:solidFill>
+                    <a:srgbClr val="BCBEC4"/>
+                  </a:solidFill>
+                  <a:effectLst/>
+                  <a:latin typeface="+mj-lt"/>
+                  <a:cs typeface="JetBrains Mono" panose="02000009000000000000" pitchFamily="49" charset="0"/>
+                </a:rPr>
+                <a:t>(string.charAt(i + j));</a:t>
+              </a:r>
+              <a:br>
+                <a:rPr kumimoji="0" lang="zh-TW" altLang="zh-TW" sz="1400" b="0" i="0" u="none" strike="noStrike" cap="none" normalizeH="0" baseline="0">
+                  <a:ln>
+                    <a:noFill/>
+                  </a:ln>
+                  <a:solidFill>
+                    <a:srgbClr val="BCBEC4"/>
+                  </a:solidFill>
+                  <a:effectLst/>
+                  <a:latin typeface="+mj-lt"/>
+                  <a:cs typeface="JetBrains Mono" panose="02000009000000000000" pitchFamily="49" charset="0"/>
+                </a:rPr>
+              </a:br>
+              <a:r>
+                <a:rPr kumimoji="0" lang="zh-TW" altLang="zh-TW" sz="1400" b="0" i="0" u="none" strike="noStrike" cap="none" normalizeH="0" baseline="0">
+                  <a:ln>
+                    <a:noFill/>
+                  </a:ln>
+                  <a:solidFill>
+                    <a:srgbClr val="BCBEC4"/>
+                  </a:solidFill>
+                  <a:effectLst/>
+                  <a:latin typeface="+mj-lt"/>
+                  <a:cs typeface="JetBrains Mono" panose="02000009000000000000" pitchFamily="49" charset="0"/>
+                </a:rPr>
+                <a:t>            }</a:t>
+              </a:r>
+              <a:br>
+                <a:rPr kumimoji="0" lang="zh-TW" altLang="zh-TW" sz="1400" b="0" i="0" u="none" strike="noStrike" cap="none" normalizeH="0" baseline="0">
+                  <a:ln>
+                    <a:noFill/>
+                  </a:ln>
+                  <a:solidFill>
+                    <a:srgbClr val="BCBEC4"/>
+                  </a:solidFill>
+                  <a:effectLst/>
+                  <a:latin typeface="+mj-lt"/>
+                  <a:cs typeface="JetBrains Mono" panose="02000009000000000000" pitchFamily="49" charset="0"/>
+                </a:rPr>
+              </a:br>
+              <a:r>
+                <a:rPr kumimoji="0" lang="zh-TW" altLang="zh-TW" sz="1400" b="0" i="0" u="none" strike="noStrike" cap="none" normalizeH="0" baseline="0">
+                  <a:ln>
+                    <a:noFill/>
+                  </a:ln>
+                  <a:solidFill>
+                    <a:srgbClr val="BCBEC4"/>
+                  </a:solidFill>
+                  <a:effectLst/>
+                  <a:latin typeface="+mj-lt"/>
+                  <a:cs typeface="JetBrains Mono" panose="02000009000000000000" pitchFamily="49" charset="0"/>
+                </a:rPr>
+                <a:t>            </a:t>
+              </a:r>
+              <a:r>
+                <a:rPr kumimoji="0" lang="zh-TW" altLang="zh-TW" sz="1400" b="0" i="0" u="none" strike="noStrike" cap="none" normalizeH="0" baseline="0">
+                  <a:ln>
+                    <a:noFill/>
+                  </a:ln>
+                  <a:solidFill>
+                    <a:srgbClr val="CF8E6D"/>
+                  </a:solidFill>
+                  <a:effectLst/>
+                  <a:latin typeface="+mj-lt"/>
+                  <a:cs typeface="JetBrains Mono" panose="02000009000000000000" pitchFamily="49" charset="0"/>
+                </a:rPr>
+                <a:t>if </a:t>
+              </a:r>
+              <a:r>
+                <a:rPr kumimoji="0" lang="zh-TW" altLang="zh-TW" sz="1400" b="0" i="0" u="none" strike="noStrike" cap="none" normalizeH="0" baseline="0">
+                  <a:ln>
+                    <a:noFill/>
+                  </a:ln>
+                  <a:solidFill>
+                    <a:srgbClr val="BCBEC4"/>
+                  </a:solidFill>
+                  <a:effectLst/>
+                  <a:latin typeface="+mj-lt"/>
+                  <a:cs typeface="JetBrains Mono" panose="02000009000000000000" pitchFamily="49" charset="0"/>
+                </a:rPr>
+                <a:t>(sum &gt; max) {</a:t>
+              </a:r>
+              <a:br>
+                <a:rPr kumimoji="0" lang="zh-TW" altLang="zh-TW" sz="1400" b="0" i="0" u="none" strike="noStrike" cap="none" normalizeH="0" baseline="0">
+                  <a:ln>
+                    <a:noFill/>
+                  </a:ln>
+                  <a:solidFill>
+                    <a:srgbClr val="BCBEC4"/>
+                  </a:solidFill>
+                  <a:effectLst/>
+                  <a:latin typeface="+mj-lt"/>
+                  <a:cs typeface="JetBrains Mono" panose="02000009000000000000" pitchFamily="49" charset="0"/>
+                </a:rPr>
+              </a:br>
+              <a:r>
+                <a:rPr kumimoji="0" lang="zh-TW" altLang="zh-TW" sz="1400" b="0" i="0" u="none" strike="noStrike" cap="none" normalizeH="0" baseline="0">
+                  <a:ln>
+                    <a:noFill/>
+                  </a:ln>
+                  <a:solidFill>
+                    <a:srgbClr val="BCBEC4"/>
+                  </a:solidFill>
+                  <a:effectLst/>
+                  <a:latin typeface="+mj-lt"/>
+                  <a:cs typeface="JetBrains Mono" panose="02000009000000000000" pitchFamily="49" charset="0"/>
+                </a:rPr>
+                <a:t>                max = sum;</a:t>
+              </a:r>
+              <a:br>
+                <a:rPr kumimoji="0" lang="zh-TW" altLang="zh-TW" sz="1400" b="0" i="0" u="none" strike="noStrike" cap="none" normalizeH="0" baseline="0">
+                  <a:ln>
+                    <a:noFill/>
+                  </a:ln>
+                  <a:solidFill>
+                    <a:srgbClr val="BCBEC4"/>
+                  </a:solidFill>
+                  <a:effectLst/>
+                  <a:latin typeface="+mj-lt"/>
+                  <a:cs typeface="JetBrains Mono" panose="02000009000000000000" pitchFamily="49" charset="0"/>
+                </a:rPr>
+              </a:br>
+              <a:r>
+                <a:rPr kumimoji="0" lang="zh-TW" altLang="zh-TW" sz="1400" b="0" i="0" u="none" strike="noStrike" cap="none" normalizeH="0" baseline="0">
+                  <a:ln>
+                    <a:noFill/>
+                  </a:ln>
+                  <a:solidFill>
+                    <a:srgbClr val="BCBEC4"/>
+                  </a:solidFill>
+                  <a:effectLst/>
+                  <a:latin typeface="+mj-lt"/>
+                  <a:cs typeface="JetBrains Mono" panose="02000009000000000000" pitchFamily="49" charset="0"/>
+                </a:rPr>
+                <a:t>                maxString = string.substring(i, i + count);</a:t>
+              </a:r>
+              <a:br>
+                <a:rPr kumimoji="0" lang="zh-TW" altLang="zh-TW" sz="1400" b="0" i="0" u="none" strike="noStrike" cap="none" normalizeH="0" baseline="0">
+                  <a:ln>
+                    <a:noFill/>
+                  </a:ln>
+                  <a:solidFill>
+                    <a:srgbClr val="BCBEC4"/>
+                  </a:solidFill>
+                  <a:effectLst/>
+                  <a:latin typeface="+mj-lt"/>
+                  <a:cs typeface="JetBrains Mono" panose="02000009000000000000" pitchFamily="49" charset="0"/>
+                </a:rPr>
+              </a:br>
+              <a:r>
+                <a:rPr kumimoji="0" lang="zh-TW" altLang="zh-TW" sz="1400" b="0" i="0" u="none" strike="noStrike" cap="none" normalizeH="0" baseline="0">
+                  <a:ln>
+                    <a:noFill/>
+                  </a:ln>
+                  <a:solidFill>
+                    <a:srgbClr val="BCBEC4"/>
+                  </a:solidFill>
+                  <a:effectLst/>
+                  <a:latin typeface="+mj-lt"/>
+                  <a:cs typeface="JetBrains Mono" panose="02000009000000000000" pitchFamily="49" charset="0"/>
+                </a:rPr>
+                <a:t>            }</a:t>
+              </a:r>
+              <a:br>
+                <a:rPr kumimoji="0" lang="zh-TW" altLang="zh-TW" sz="1400" b="0" i="0" u="none" strike="noStrike" cap="none" normalizeH="0" baseline="0">
+                  <a:ln>
+                    <a:noFill/>
+                  </a:ln>
+                  <a:solidFill>
+                    <a:srgbClr val="BCBEC4"/>
+                  </a:solidFill>
+                  <a:effectLst/>
+                  <a:latin typeface="+mj-lt"/>
+                  <a:cs typeface="JetBrains Mono" panose="02000009000000000000" pitchFamily="49" charset="0"/>
+                </a:rPr>
+              </a:br>
+              <a:r>
+                <a:rPr kumimoji="0" lang="zh-TW" altLang="zh-TW" sz="1400" b="0" i="0" u="none" strike="noStrike" cap="none" normalizeH="0" baseline="0">
+                  <a:ln>
+                    <a:noFill/>
+                  </a:ln>
+                  <a:solidFill>
+                    <a:srgbClr val="BCBEC4"/>
+                  </a:solidFill>
+                  <a:effectLst/>
+                  <a:latin typeface="+mj-lt"/>
+                  <a:cs typeface="JetBrains Mono" panose="02000009000000000000" pitchFamily="49" charset="0"/>
+                </a:rPr>
+                <a:t>        }</a:t>
+              </a:r>
+              <a:br>
+                <a:rPr kumimoji="0" lang="zh-TW" altLang="zh-TW" sz="1400" b="0" i="0" u="none" strike="noStrike" cap="none" normalizeH="0" baseline="0">
+                  <a:ln>
+                    <a:noFill/>
+                  </a:ln>
+                  <a:solidFill>
+                    <a:srgbClr val="BCBEC4"/>
+                  </a:solidFill>
+                  <a:effectLst/>
+                  <a:latin typeface="+mj-lt"/>
+                  <a:cs typeface="JetBrains Mono" panose="02000009000000000000" pitchFamily="49" charset="0"/>
+                </a:rPr>
+              </a:br>
+              <a:r>
+                <a:rPr kumimoji="0" lang="zh-TW" altLang="zh-TW" sz="1400" b="0" i="0" u="none" strike="noStrike" cap="none" normalizeH="0" baseline="0">
+                  <a:ln>
+                    <a:noFill/>
+                  </a:ln>
+                  <a:solidFill>
+                    <a:srgbClr val="BCBEC4"/>
+                  </a:solidFill>
+                  <a:effectLst/>
+                  <a:latin typeface="+mj-lt"/>
+                  <a:cs typeface="JetBrains Mono" panose="02000009000000000000" pitchFamily="49" charset="0"/>
+                </a:rPr>
+                <a:t>        System.</a:t>
+              </a:r>
+              <a:r>
+                <a:rPr kumimoji="0" lang="zh-TW" altLang="zh-TW" sz="1400" b="0" i="1" u="none" strike="noStrike" cap="none" normalizeH="0" baseline="0">
+                  <a:ln>
+                    <a:noFill/>
+                  </a:ln>
+                  <a:solidFill>
+                    <a:srgbClr val="C77DBB"/>
+                  </a:solidFill>
+                  <a:effectLst/>
+                  <a:latin typeface="+mj-lt"/>
+                  <a:cs typeface="JetBrains Mono" panose="02000009000000000000" pitchFamily="49" charset="0"/>
+                </a:rPr>
+                <a:t>out</a:t>
+              </a:r>
+              <a:r>
+                <a:rPr kumimoji="0" lang="zh-TW" altLang="zh-TW" sz="1400" b="0" i="0" u="none" strike="noStrike" cap="none" normalizeH="0" baseline="0">
+                  <a:ln>
+                    <a:noFill/>
+                  </a:ln>
+                  <a:solidFill>
+                    <a:srgbClr val="BCBEC4"/>
+                  </a:solidFill>
+                  <a:effectLst/>
+                  <a:latin typeface="+mj-lt"/>
+                  <a:cs typeface="JetBrains Mono" panose="02000009000000000000" pitchFamily="49" charset="0"/>
+                </a:rPr>
+                <a:t>.println(maxString + </a:t>
+              </a:r>
+              <a:r>
+                <a:rPr kumimoji="0" lang="zh-TW" altLang="zh-TW" sz="1400" b="0" i="0" u="none" strike="noStrike" cap="none" normalizeH="0" baseline="0">
+                  <a:ln>
+                    <a:noFill/>
+                  </a:ln>
+                  <a:solidFill>
+                    <a:srgbClr val="6AAB73"/>
+                  </a:solidFill>
+                  <a:effectLst/>
+                  <a:latin typeface="+mj-lt"/>
+                  <a:cs typeface="JetBrains Mono" panose="02000009000000000000" pitchFamily="49" charset="0"/>
+                </a:rPr>
+                <a:t>"," </a:t>
+              </a:r>
+              <a:r>
+                <a:rPr kumimoji="0" lang="zh-TW" altLang="zh-TW" sz="1400" b="0" i="0" u="none" strike="noStrike" cap="none" normalizeH="0" baseline="0">
+                  <a:ln>
+                    <a:noFill/>
+                  </a:ln>
+                  <a:solidFill>
+                    <a:srgbClr val="BCBEC4"/>
+                  </a:solidFill>
+                  <a:effectLst/>
+                  <a:latin typeface="+mj-lt"/>
+                  <a:cs typeface="JetBrains Mono" panose="02000009000000000000" pitchFamily="49" charset="0"/>
+                </a:rPr>
+                <a:t>+ max);</a:t>
+              </a:r>
+              <a:br>
+                <a:rPr kumimoji="0" lang="zh-TW" altLang="zh-TW" sz="1400" b="0" i="0" u="none" strike="noStrike" cap="none" normalizeH="0" baseline="0">
+                  <a:ln>
+                    <a:noFill/>
+                  </a:ln>
+                  <a:solidFill>
+                    <a:srgbClr val="BCBEC4"/>
+                  </a:solidFill>
+                  <a:effectLst/>
+                  <a:latin typeface="+mj-lt"/>
+                  <a:cs typeface="JetBrains Mono" panose="02000009000000000000" pitchFamily="49" charset="0"/>
+                </a:rPr>
+              </a:br>
+              <a:r>
+                <a:rPr kumimoji="0" lang="zh-TW" altLang="zh-TW" sz="1400" b="0" i="0" u="none" strike="noStrike" cap="none" normalizeH="0" baseline="0">
+                  <a:ln>
+                    <a:noFill/>
+                  </a:ln>
+                  <a:solidFill>
+                    <a:srgbClr val="BCBEC4"/>
+                  </a:solidFill>
+                  <a:effectLst/>
+                  <a:latin typeface="+mj-lt"/>
+                  <a:cs typeface="JetBrains Mono" panose="02000009000000000000" pitchFamily="49" charset="0"/>
+                </a:rPr>
+                <a:t>    }</a:t>
+              </a:r>
+              <a:br>
+                <a:rPr kumimoji="0" lang="zh-TW" altLang="zh-TW" sz="1400" b="0" i="0" u="none" strike="noStrike" cap="none" normalizeH="0" baseline="0">
+                  <a:ln>
+                    <a:noFill/>
+                  </a:ln>
+                  <a:solidFill>
+                    <a:srgbClr val="BCBEC4"/>
+                  </a:solidFill>
+                  <a:effectLst/>
+                  <a:latin typeface="+mj-lt"/>
+                  <a:cs typeface="JetBrains Mono" panose="02000009000000000000" pitchFamily="49" charset="0"/>
+                </a:rPr>
+              </a:br>
+              <a:r>
+                <a:rPr kumimoji="0" lang="zh-TW" altLang="zh-TW" sz="1400" b="0" i="0" u="none" strike="noStrike" cap="none" normalizeH="0" baseline="0">
+                  <a:ln>
+                    <a:noFill/>
+                  </a:ln>
+                  <a:solidFill>
+                    <a:srgbClr val="BCBEC4"/>
+                  </a:solidFill>
+                  <a:effectLst/>
+                  <a:latin typeface="+mj-lt"/>
+                  <a:cs typeface="JetBrains Mono" panose="02000009000000000000" pitchFamily="49" charset="0"/>
+                </a:rPr>
+                <a:t>}</a:t>
+              </a:r>
+              <a:endParaRPr kumimoji="0" lang="zh-TW" altLang="zh-TW" sz="2000" b="0" i="0" u="none" strike="noStrike" cap="none" normalizeH="0" baseline="0">
+                <a:ln>
+                  <a:noFill/>
+                </a:ln>
+                <a:solidFill>
+                  <a:schemeClr val="tx1"/>
+                </a:solidFill>
+                <a:effectLst/>
+                <a:latin typeface="+mj-lt"/>
+              </a:endParaRPr>
+            </a:p>
+          </p:txBody>
+        </p:sp>
+        <p:sp>
+          <p:nvSpPr>
+            <p:cNvPr id="9" name="文字方塊 8">
+              <a:extLst>
+                <a:ext uri="{FF2B5EF4-FFF2-40B4-BE49-F238E27FC236}">
+                  <a16:creationId xmlns:a16="http://schemas.microsoft.com/office/drawing/2014/main" id="{BAD36B0B-DD87-4749-8762-F9C3ACBE85F4}"/>
+                </a:ext>
+              </a:extLst>
+            </p:cNvPr>
+            <p:cNvSpPr txBox="1"/>
+            <p:nvPr/>
+          </p:nvSpPr>
+          <p:spPr>
+            <a:xfrm>
+              <a:off x="7388070" y="6024932"/>
+              <a:ext cx="691215" cy="369332"/>
+            </a:xfrm>
+            <a:prstGeom prst="rect">
+              <a:avLst/>
+            </a:prstGeom>
+            <a:noFill/>
+          </p:spPr>
+          <p:txBody>
+            <a:bodyPr wrap="none" rtlCol="0">
+              <a:spAutoFit/>
+            </a:bodyPr>
+            <a:lstStyle/>
+            <a:p>
+              <a:r>
+                <a:rPr lang="en-US" altLang="zh-TW">
+                  <a:solidFill>
+                    <a:schemeClr val="accent3"/>
+                  </a:solidFill>
+                </a:rPr>
+                <a:t>java</a:t>
+              </a:r>
+              <a:endParaRPr lang="zh-TW" altLang="en-US">
+                <a:solidFill>
+                  <a:schemeClr val="accent3"/>
+                </a:solidFill>
+              </a:endParaRPr>
+            </a:p>
+          </p:txBody>
+        </p:sp>
+        <p:pic>
+          <p:nvPicPr>
+            <p:cNvPr id="10" name="圖片 9">
+              <a:hlinkClick r:id="rId2"/>
+              <a:extLst>
+                <a:ext uri="{FF2B5EF4-FFF2-40B4-BE49-F238E27FC236}">
+                  <a16:creationId xmlns:a16="http://schemas.microsoft.com/office/drawing/2014/main" id="{5C8B66C7-54DC-483F-802C-46BBED270F54}"/>
+                </a:ext>
+              </a:extLst>
+            </p:cNvPr>
+            <p:cNvPicPr>
+              <a:picLocks noChangeAspect="1"/>
+            </p:cNvPicPr>
+            <p:nvPr/>
+          </p:nvPicPr>
+          <p:blipFill>
+            <a:blip r:embed="rId3">
+              <a:extLst>
+                <a:ext uri="{28A0092B-C50C-407E-A947-70E740481C1C}">
+                  <a14:useLocalDpi xmlns:a14="http://schemas.microsoft.com/office/drawing/2010/main" val="0"/>
+                </a:ext>
+              </a:extLst>
+            </a:blip>
+            <a:stretch>
+              <a:fillRect/>
+            </a:stretch>
+          </p:blipFill>
+          <p:spPr>
+            <a:xfrm>
+              <a:off x="7540385" y="1325563"/>
+              <a:ext cx="538900" cy="527184"/>
+            </a:xfrm>
+            <a:prstGeom prst="rect">
+              <a:avLst/>
+            </a:prstGeom>
+          </p:spPr>
+        </p:pic>
+      </p:grpSp>
+    </p:spTree>
+    <p:extLst>
+      <p:ext uri="{BB962C8B-B14F-4D97-AF65-F5344CB8AC3E}">
+        <p14:creationId xmlns:p14="http://schemas.microsoft.com/office/powerpoint/2010/main" val="927612326"/>
+      </p:ext>
+    </p:extLst>
+  </p:cSld>
+  <p:clrMapOvr>
+    <a:masterClrMapping/>
+  </p:clrMapOvr>
+  <p:transition spd="slow">
+    <p:push dir="u"/>
+  </p:transition>
+</p:sld>
+</file>
+
+<file path=ppt/slides/slide16.xml><?xml version="1.0" encoding="utf-8"?>
+<p:sld xmlns:a="http://schemas.openxmlformats.org/drawingml/2006/main" xmlns:r="http://schemas.openxmlformats.org/officeDocument/2006/relationships" xmlns:p="http://schemas.openxmlformats.org/presentationml/2006/main">
+  <p:cSld>
+    <p:spTree>
+      <p:nvGrpSpPr>
+        <p:cNvPr id="1" name=""/>
+        <p:cNvGrpSpPr/>
+        <p:nvPr/>
+      </p:nvGrpSpPr>
+      <p:grpSpPr>
+        <a:xfrm>
+          <a:off x="0" y="0"/>
+          <a:ext cx="0" cy="0"/>
+          <a:chOff x="0" y="0"/>
+          <a:chExt cx="0" cy="0"/>
+        </a:xfrm>
+      </p:grpSpPr>
+      <p:sp>
+        <p:nvSpPr>
+          <p:cNvPr id="2" name="標題 1">
+            <a:extLst>
+              <a:ext uri="{FF2B5EF4-FFF2-40B4-BE49-F238E27FC236}">
+                <a16:creationId xmlns:a16="http://schemas.microsoft.com/office/drawing/2014/main" id="{1230C42B-B58D-4109-8A9D-180FABC2D5CD}"/>
+              </a:ext>
+            </a:extLst>
+          </p:cNvPr>
+          <p:cNvSpPr>
+            <a:spLocks noGrp="1"/>
+          </p:cNvSpPr>
+          <p:nvPr>
+            <p:ph type="title"/>
+          </p:nvPr>
+        </p:nvSpPr>
+        <p:spPr>
+          <a:xfrm>
+            <a:off x="838200" y="0"/>
+            <a:ext cx="10515600" cy="1325563"/>
+          </a:xfrm>
+        </p:spPr>
+        <p:txBody>
+          <a:bodyPr/>
+          <a:lstStyle/>
+          <a:p>
+            <a:r>
+              <a:rPr lang="zh-TW" altLang="en-US"/>
+              <a:t>列舉</a:t>
+            </a:r>
+          </a:p>
+        </p:txBody>
+      </p:sp>
+      <p:sp>
+        <p:nvSpPr>
+          <p:cNvPr id="3" name="內容版面配置區 2">
+            <a:extLst>
+              <a:ext uri="{FF2B5EF4-FFF2-40B4-BE49-F238E27FC236}">
+                <a16:creationId xmlns:a16="http://schemas.microsoft.com/office/drawing/2014/main" id="{C19DA24E-AECE-47D2-A9EB-9D6619387EA8}"/>
+              </a:ext>
+            </a:extLst>
+          </p:cNvPr>
+          <p:cNvSpPr>
+            <a:spLocks noGrp="1"/>
+          </p:cNvSpPr>
+          <p:nvPr>
+            <p:ph idx="1"/>
+          </p:nvPr>
+        </p:nvSpPr>
+        <p:spPr>
+          <a:xfrm>
+            <a:off x="838200" y="920246"/>
+            <a:ext cx="10515600" cy="2553625"/>
+          </a:xfrm>
+        </p:spPr>
+        <p:txBody>
+          <a:bodyPr>
+            <a:normAutofit/>
+          </a:bodyPr>
+          <a:lstStyle/>
+          <a:p>
+            <a:r>
+              <a:rPr lang="zh-TW" altLang="en-US">
+                <a:solidFill>
+                  <a:srgbClr val="00B0F0"/>
+                </a:solidFill>
+              </a:rPr>
+              <a:t>列舉</a:t>
+            </a:r>
+            <a:r>
+              <a:rPr lang="en-US" altLang="zh-TW">
+                <a:solidFill>
+                  <a:srgbClr val="00B0F0"/>
+                </a:solidFill>
+              </a:rPr>
+              <a:t>(enumerate)</a:t>
+            </a:r>
+            <a:r>
+              <a:rPr lang="zh-TW" altLang="en-US"/>
+              <a:t>，顧名思義，就是把東西列出來</a:t>
+            </a:r>
+            <a:endParaRPr lang="en-US" altLang="zh-TW"/>
+          </a:p>
+          <a:p>
+            <a:r>
+              <a:rPr lang="zh-TW" altLang="en-US"/>
+              <a:t>在 </a:t>
+            </a:r>
+            <a:r>
+              <a:rPr lang="en-US" altLang="zh-TW"/>
+              <a:t>Java </a:t>
+            </a:r>
+            <a:r>
+              <a:rPr lang="zh-TW" altLang="en-US"/>
+              <a:t>中，</a:t>
+            </a:r>
+            <a:r>
+              <a:rPr lang="zh-TW" altLang="en-US">
+                <a:solidFill>
+                  <a:srgbClr val="00B0F0"/>
+                </a:solidFill>
+              </a:rPr>
+              <a:t>列舉</a:t>
+            </a:r>
+            <a:r>
+              <a:rPr lang="zh-TW" altLang="en-US"/>
+              <a:t>就是一個特殊的</a:t>
+            </a:r>
+            <a:r>
+              <a:rPr lang="zh-TW" altLang="en-US">
+                <a:solidFill>
+                  <a:srgbClr val="00B0F0"/>
+                </a:solidFill>
+              </a:rPr>
+              <a:t>類別</a:t>
+            </a:r>
+            <a:r>
+              <a:rPr lang="zh-TW" altLang="en-US"/>
+              <a:t>：</a:t>
+            </a:r>
+            <a:endParaRPr lang="en-US" altLang="zh-TW"/>
+          </a:p>
+          <a:p>
+            <a:r>
+              <a:rPr lang="en-US" altLang="zh-TW"/>
+              <a:t>1.</a:t>
+            </a:r>
+            <a:r>
+              <a:rPr lang="zh-TW" altLang="en-US"/>
+              <a:t> </a:t>
+            </a:r>
+            <a:r>
+              <a:rPr lang="zh-TW" altLang="en-US">
+                <a:solidFill>
+                  <a:srgbClr val="00B0F0"/>
+                </a:solidFill>
+              </a:rPr>
+              <a:t>列舉類別</a:t>
+            </a:r>
+            <a:r>
+              <a:rPr lang="zh-TW" altLang="en-US"/>
+              <a:t>為 </a:t>
+            </a:r>
+            <a:r>
+              <a:rPr lang="en-US" altLang="zh-TW">
+                <a:solidFill>
+                  <a:srgbClr val="CF8E6D"/>
+                </a:solidFill>
+              </a:rPr>
+              <a:t>final</a:t>
+            </a:r>
+            <a:r>
+              <a:rPr lang="en-US" altLang="zh-TW"/>
+              <a:t> </a:t>
+            </a:r>
+            <a:r>
+              <a:rPr lang="zh-TW" altLang="en-US">
+                <a:solidFill>
+                  <a:srgbClr val="00B0F0"/>
+                </a:solidFill>
+              </a:rPr>
+              <a:t>類別</a:t>
+            </a:r>
+            <a:r>
+              <a:rPr lang="zh-TW" altLang="en-US"/>
+              <a:t>，無法被</a:t>
+            </a:r>
+            <a:r>
+              <a:rPr lang="zh-TW" altLang="en-US">
+                <a:solidFill>
+                  <a:srgbClr val="FFC000"/>
+                </a:solidFill>
+              </a:rPr>
+              <a:t>繼承</a:t>
+            </a:r>
+            <a:endParaRPr lang="en-US" altLang="zh-TW">
+              <a:solidFill>
+                <a:srgbClr val="FFC000"/>
+              </a:solidFill>
+            </a:endParaRPr>
+          </a:p>
+          <a:p>
+            <a:r>
+              <a:rPr lang="en-US" altLang="zh-TW"/>
+              <a:t>2.</a:t>
+            </a:r>
+            <a:r>
+              <a:rPr lang="zh-TW" altLang="en-US"/>
+              <a:t> 其中的</a:t>
+            </a:r>
+            <a:r>
+              <a:rPr lang="zh-TW" altLang="en-US">
+                <a:solidFill>
+                  <a:srgbClr val="00B0F0"/>
+                </a:solidFill>
+              </a:rPr>
+              <a:t>常數</a:t>
+            </a:r>
+            <a:r>
+              <a:rPr lang="zh-TW" altLang="en-US"/>
+              <a:t>就是</a:t>
+            </a:r>
+            <a:r>
+              <a:rPr lang="zh-TW" altLang="en-US">
+                <a:solidFill>
+                  <a:srgbClr val="00B0F0"/>
+                </a:solidFill>
+              </a:rPr>
+              <a:t>公開靜態不可變欄位</a:t>
+            </a:r>
+            <a:r>
+              <a:rPr lang="zh-TW" altLang="en-US"/>
+              <a:t>，為該</a:t>
+            </a:r>
+            <a:r>
+              <a:rPr lang="zh-TW" altLang="en-US">
+                <a:solidFill>
+                  <a:srgbClr val="00B0F0"/>
+                </a:solidFill>
+              </a:rPr>
+              <a:t>列舉類別</a:t>
+            </a:r>
+            <a:r>
+              <a:rPr lang="zh-TW" altLang="en-US"/>
+              <a:t>的</a:t>
+            </a:r>
+            <a:r>
+              <a:rPr lang="zh-TW" altLang="en-US">
+                <a:solidFill>
+                  <a:srgbClr val="00B0F0"/>
+                </a:solidFill>
+              </a:rPr>
+              <a:t>實例</a:t>
+            </a:r>
+            <a:endParaRPr lang="en-US" altLang="zh-TW">
+              <a:solidFill>
+                <a:srgbClr val="00B0F0"/>
+              </a:solidFill>
+            </a:endParaRPr>
+          </a:p>
+          <a:p>
+            <a:r>
+              <a:rPr lang="en-US" altLang="zh-TW"/>
+              <a:t>3.</a:t>
+            </a:r>
+            <a:r>
+              <a:rPr lang="zh-TW" altLang="en-US"/>
+              <a:t> </a:t>
+            </a:r>
+            <a:r>
+              <a:rPr lang="zh-TW" altLang="en-US">
+                <a:solidFill>
+                  <a:srgbClr val="00B0F0"/>
+                </a:solidFill>
+              </a:rPr>
+              <a:t>列舉類別</a:t>
+            </a:r>
+            <a:r>
+              <a:rPr lang="zh-TW" altLang="en-US"/>
+              <a:t>的</a:t>
+            </a:r>
+            <a:r>
+              <a:rPr lang="zh-TW" altLang="en-US">
+                <a:solidFill>
+                  <a:srgbClr val="00B0F0"/>
+                </a:solidFill>
+              </a:rPr>
+              <a:t>建構子</a:t>
+            </a:r>
+            <a:r>
+              <a:rPr lang="zh-TW" altLang="en-US"/>
+              <a:t>為</a:t>
+            </a:r>
+            <a:r>
+              <a:rPr lang="zh-TW" altLang="en-US">
+                <a:solidFill>
+                  <a:srgbClr val="00B0F0"/>
+                </a:solidFill>
+              </a:rPr>
+              <a:t> </a:t>
+            </a:r>
+            <a:r>
+              <a:rPr lang="en-US" altLang="zh-TW">
+                <a:solidFill>
+                  <a:srgbClr val="CF8E6D"/>
+                </a:solidFill>
+              </a:rPr>
+              <a:t>private</a:t>
+            </a:r>
+            <a:r>
+              <a:rPr lang="zh-TW" altLang="en-US"/>
+              <a:t>，外界不可</a:t>
+            </a:r>
+            <a:r>
+              <a:rPr lang="zh-TW" altLang="en-US">
+                <a:solidFill>
+                  <a:srgbClr val="00B0F0"/>
+                </a:solidFill>
+              </a:rPr>
+              <a:t>實例化</a:t>
+            </a:r>
+            <a:endParaRPr lang="en-US" altLang="zh-TW">
+              <a:solidFill>
+                <a:srgbClr val="00B0F0"/>
+              </a:solidFill>
+            </a:endParaRPr>
+          </a:p>
+        </p:txBody>
+      </p:sp>
+      <p:sp>
+        <p:nvSpPr>
+          <p:cNvPr id="4" name="Rectangle 1">
+            <a:extLst>
+              <a:ext uri="{FF2B5EF4-FFF2-40B4-BE49-F238E27FC236}">
+                <a16:creationId xmlns:a16="http://schemas.microsoft.com/office/drawing/2014/main" id="{D6D07580-C153-4230-AEDB-5A6F3C5F9E12}"/>
+              </a:ext>
+            </a:extLst>
+          </p:cNvPr>
+          <p:cNvSpPr>
+            <a:spLocks noChangeArrowheads="1"/>
+          </p:cNvSpPr>
+          <p:nvPr/>
+        </p:nvSpPr>
+        <p:spPr bwMode="auto">
+          <a:xfrm>
+            <a:off x="838200" y="3473871"/>
+            <a:ext cx="10515600" cy="400110"/>
+          </a:xfrm>
+          <a:prstGeom prst="rect">
+            <a:avLst/>
+          </a:prstGeom>
+          <a:solidFill>
+            <a:srgbClr val="1E1F22"/>
+          </a:solidFill>
+          <a:ln>
+            <a:noFill/>
+          </a:ln>
+          <a:effectLst/>
+          <a:extLst>
+            <a:ext uri="{91240B29-F687-4F45-9708-019B960494DF}">
+              <a14:hiddenLine xmlns:a14="http://schemas.microsoft.com/office/drawing/2010/main" w="9525">
+                <a:solidFill>
+                  <a:schemeClr val="tx1"/>
+                </a:solidFill>
+                <a:miter lim="800000"/>
+                <a:headEnd/>
+                <a:tailEnd/>
+              </a14:hiddenLine>
+            </a:ext>
+            <a:ext uri="{AF507438-7753-43E0-B8FC-AC1667EBCBE1}">
+              <a14:hiddenEffects xmlns:a14="http://schemas.microsoft.com/office/drawing/2010/main">
+                <a:effectLst>
+                  <a:outerShdw dist="35921" dir="2700000" algn="ctr" rotWithShape="0">
+                    <a:schemeClr val="bg2"/>
+                  </a:outerShdw>
+                </a:effectLst>
+              </a14:hiddenEffects>
+            </a:ext>
+          </a:extLst>
+        </p:spPr>
+        <p:txBody>
+          <a:bodyPr vert="horz" wrap="square" lIns="91440" tIns="45720" rIns="91440" bIns="45720" numCol="1" anchor="ctr" anchorCtr="0" compatLnSpc="1">
+            <a:prstTxWarp prst="textNoShape">
+              <a:avLst/>
+            </a:prstTxWarp>
+            <a:spAutoFit/>
+          </a:bodyPr>
+          <a:lstStyle/>
+          <a:p>
+            <a:pPr marL="0" marR="0" lvl="0" indent="0" algn="l" defTabSz="914400" rtl="0" eaLnBrk="0" fontAlgn="base" latinLnBrk="0" hangingPunct="0">
+              <a:lnSpc>
+                <a:spcPct val="100000"/>
+              </a:lnSpc>
+              <a:spcBef>
+                <a:spcPct val="0"/>
+              </a:spcBef>
+              <a:spcAft>
+                <a:spcPct val="0"/>
+              </a:spcAft>
+              <a:buClrTx/>
+              <a:buSzTx/>
+              <a:buFontTx/>
+              <a:buNone/>
+              <a:tabLst/>
+            </a:pPr>
+            <a:r>
+              <a:rPr kumimoji="0" lang="zh-TW" altLang="zh-TW" sz="2000" b="0" i="0" u="none" strike="noStrike" cap="none" normalizeH="0" baseline="0">
+                <a:ln>
+                  <a:noFill/>
+                </a:ln>
+                <a:solidFill>
+                  <a:srgbClr val="00B0F0"/>
+                </a:solidFill>
+                <a:effectLst/>
+                <a:latin typeface="+mj-lt"/>
+                <a:ea typeface="微軟正黑體" panose="020B0604030504040204" pitchFamily="34" charset="-120"/>
+              </a:rPr>
+              <a:t>修飾子 </a:t>
+            </a:r>
+            <a:r>
+              <a:rPr kumimoji="0" lang="zh-TW" altLang="zh-TW" sz="2000" b="0" i="0" u="none" strike="noStrike" cap="none" normalizeH="0" baseline="0">
+                <a:ln>
+                  <a:noFill/>
+                </a:ln>
+                <a:solidFill>
+                  <a:srgbClr val="CF8E6D"/>
+                </a:solidFill>
+                <a:effectLst/>
+                <a:latin typeface="+mj-lt"/>
+                <a:ea typeface="微軟正黑體" panose="020B0604030504040204" pitchFamily="34" charset="-120"/>
+                <a:cs typeface="JetBrains Mono" panose="02000009000000000000" pitchFamily="49" charset="0"/>
+              </a:rPr>
+              <a:t>enum </a:t>
+            </a:r>
+            <a:r>
+              <a:rPr kumimoji="0" lang="zh-TW" altLang="zh-TW" sz="2000" b="0" i="0" u="none" strike="noStrike" cap="none" normalizeH="0" baseline="0">
+                <a:ln>
+                  <a:noFill/>
+                </a:ln>
+                <a:solidFill>
+                  <a:srgbClr val="92D050"/>
+                </a:solidFill>
+                <a:effectLst/>
+                <a:latin typeface="+mj-lt"/>
+                <a:ea typeface="微軟正黑體" panose="020B0604030504040204" pitchFamily="34" charset="-120"/>
+              </a:rPr>
+              <a:t>列舉類別名稱 </a:t>
+            </a:r>
+            <a:r>
+              <a:rPr kumimoji="0" lang="zh-TW" altLang="zh-TW" sz="2000" b="0" i="0" u="none" strike="noStrike" cap="none" normalizeH="0" baseline="0">
+                <a:ln>
+                  <a:noFill/>
+                </a:ln>
+                <a:solidFill>
+                  <a:srgbClr val="BCBEC4"/>
+                </a:solidFill>
+                <a:effectLst/>
+                <a:latin typeface="+mj-lt"/>
+                <a:ea typeface="微軟正黑體" panose="020B0604030504040204" pitchFamily="34" charset="-120"/>
+                <a:cs typeface="JetBrains Mono" panose="02000009000000000000" pitchFamily="49" charset="0"/>
+              </a:rPr>
+              <a:t>{</a:t>
+            </a:r>
+            <a:r>
+              <a:rPr kumimoji="0" lang="zh-TW" altLang="zh-TW" sz="2000" b="0" i="1" u="none" strike="noStrike" cap="none" normalizeH="0" baseline="0">
+                <a:ln>
+                  <a:noFill/>
+                </a:ln>
+                <a:solidFill>
+                  <a:srgbClr val="C77DBB"/>
+                </a:solidFill>
+                <a:effectLst/>
+                <a:latin typeface="+mj-lt"/>
+                <a:ea typeface="微軟正黑體" panose="020B0604030504040204" pitchFamily="34" charset="-120"/>
+              </a:rPr>
+              <a:t>常數</a:t>
+            </a:r>
+            <a:r>
+              <a:rPr kumimoji="0" lang="zh-TW" altLang="zh-TW" sz="2000" b="0" i="1" u="none" strike="noStrike" cap="none" normalizeH="0" baseline="0">
+                <a:ln>
+                  <a:noFill/>
+                </a:ln>
+                <a:solidFill>
+                  <a:srgbClr val="C77DBB"/>
+                </a:solidFill>
+                <a:effectLst/>
+                <a:latin typeface="+mj-lt"/>
+                <a:ea typeface="微軟正黑體" panose="020B0604030504040204" pitchFamily="34" charset="-120"/>
+                <a:cs typeface="JetBrains Mono" panose="02000009000000000000" pitchFamily="49" charset="0"/>
+              </a:rPr>
+              <a:t>1</a:t>
+            </a:r>
+            <a:r>
+              <a:rPr kumimoji="0" lang="zh-TW" altLang="zh-TW" sz="2000" b="0" i="0" u="none" strike="noStrike" cap="none" normalizeH="0" baseline="0">
+                <a:ln>
+                  <a:noFill/>
+                </a:ln>
+                <a:solidFill>
+                  <a:srgbClr val="BCBEC4"/>
+                </a:solidFill>
+                <a:effectLst/>
+                <a:latin typeface="+mj-lt"/>
+                <a:ea typeface="微軟正黑體" panose="020B0604030504040204" pitchFamily="34" charset="-120"/>
+                <a:cs typeface="JetBrains Mono" panose="02000009000000000000" pitchFamily="49" charset="0"/>
+              </a:rPr>
+              <a:t>,</a:t>
+            </a:r>
+            <a:r>
+              <a:rPr kumimoji="0" lang="en-US" altLang="zh-TW" sz="2000" b="0" i="0" u="none" strike="noStrike" cap="none" normalizeH="0" baseline="0">
+                <a:ln>
+                  <a:noFill/>
+                </a:ln>
+                <a:solidFill>
+                  <a:srgbClr val="BCBEC4"/>
+                </a:solidFill>
+                <a:effectLst/>
+                <a:latin typeface="+mj-lt"/>
+                <a:ea typeface="微軟正黑體" panose="020B0604030504040204" pitchFamily="34" charset="-120"/>
+                <a:cs typeface="JetBrains Mono" panose="02000009000000000000" pitchFamily="49" charset="0"/>
+              </a:rPr>
+              <a:t> </a:t>
+            </a:r>
+            <a:r>
+              <a:rPr kumimoji="0" lang="zh-TW" altLang="zh-TW" sz="2000" b="0" i="1" u="none" strike="noStrike" cap="none" normalizeH="0" baseline="0">
+                <a:ln>
+                  <a:noFill/>
+                </a:ln>
+                <a:solidFill>
+                  <a:srgbClr val="C77DBB"/>
+                </a:solidFill>
+                <a:effectLst/>
+                <a:latin typeface="+mj-lt"/>
+                <a:ea typeface="微軟正黑體" panose="020B0604030504040204" pitchFamily="34" charset="-120"/>
+              </a:rPr>
+              <a:t>常數</a:t>
+            </a:r>
+            <a:r>
+              <a:rPr kumimoji="0" lang="zh-TW" altLang="zh-TW" sz="2000" b="0" i="1" u="none" strike="noStrike" cap="none" normalizeH="0" baseline="0">
+                <a:ln>
+                  <a:noFill/>
+                </a:ln>
+                <a:solidFill>
+                  <a:srgbClr val="C77DBB"/>
+                </a:solidFill>
+                <a:effectLst/>
+                <a:latin typeface="+mj-lt"/>
+                <a:ea typeface="微軟正黑體" panose="020B0604030504040204" pitchFamily="34" charset="-120"/>
+                <a:cs typeface="JetBrains Mono" panose="02000009000000000000" pitchFamily="49" charset="0"/>
+              </a:rPr>
+              <a:t>2</a:t>
+            </a:r>
+            <a:r>
+              <a:rPr kumimoji="0" lang="zh-TW" altLang="zh-TW" sz="2000" b="0" i="0" u="none" strike="noStrike" cap="none" normalizeH="0" baseline="0">
+                <a:ln>
+                  <a:noFill/>
+                </a:ln>
+                <a:solidFill>
+                  <a:srgbClr val="BCBEC4"/>
+                </a:solidFill>
+                <a:effectLst/>
+                <a:latin typeface="+mj-lt"/>
+                <a:ea typeface="微軟正黑體" panose="020B0604030504040204" pitchFamily="34" charset="-120"/>
+                <a:cs typeface="JetBrains Mono" panose="02000009000000000000" pitchFamily="49" charset="0"/>
+              </a:rPr>
+              <a:t>, </a:t>
+            </a:r>
+            <a:r>
+              <a:rPr lang="zh-TW" altLang="zh-TW" sz="2000" i="1">
+                <a:solidFill>
+                  <a:srgbClr val="C77DBB"/>
+                </a:solidFill>
+                <a:latin typeface="+mj-lt"/>
+                <a:ea typeface="微軟正黑體" panose="020B0604030504040204" pitchFamily="34" charset="-120"/>
+              </a:rPr>
+              <a:t>...</a:t>
+            </a:r>
+            <a:r>
+              <a:rPr kumimoji="0" lang="zh-TW" altLang="zh-TW" sz="2000" b="0" i="0" u="none" strike="noStrike" cap="none" normalizeH="0" baseline="0">
+                <a:ln>
+                  <a:noFill/>
+                </a:ln>
+                <a:solidFill>
+                  <a:srgbClr val="BCBEC4"/>
+                </a:solidFill>
+                <a:effectLst/>
+                <a:latin typeface="+mj-lt"/>
+                <a:ea typeface="微軟正黑體" panose="020B0604030504040204" pitchFamily="34" charset="-120"/>
+                <a:cs typeface="JetBrains Mono" panose="02000009000000000000" pitchFamily="49" charset="0"/>
+              </a:rPr>
+              <a:t>, </a:t>
+            </a:r>
+            <a:r>
+              <a:rPr lang="zh-TW" altLang="zh-TW" sz="2000" i="1">
+                <a:solidFill>
+                  <a:srgbClr val="C77DBB"/>
+                </a:solidFill>
+                <a:latin typeface="+mj-lt"/>
+                <a:ea typeface="微軟正黑體" panose="020B0604030504040204" pitchFamily="34" charset="-120"/>
+              </a:rPr>
+              <a:t>常數n</a:t>
+            </a:r>
+            <a:r>
+              <a:rPr kumimoji="0" lang="zh-TW" altLang="zh-TW" sz="2000" b="0" i="0" u="none" strike="noStrike" cap="none" normalizeH="0" baseline="0">
+                <a:ln>
+                  <a:noFill/>
+                </a:ln>
+                <a:solidFill>
+                  <a:srgbClr val="BCBEC4"/>
+                </a:solidFill>
+                <a:effectLst/>
+                <a:latin typeface="+mj-lt"/>
+                <a:ea typeface="微軟正黑體" panose="020B0604030504040204" pitchFamily="34" charset="-120"/>
+                <a:cs typeface="JetBrains Mono" panose="02000009000000000000" pitchFamily="49" charset="0"/>
+              </a:rPr>
+              <a:t>}</a:t>
+            </a:r>
+            <a:endParaRPr kumimoji="0" lang="zh-TW" altLang="zh-TW" sz="3200" b="0" i="0" u="none" strike="noStrike" cap="none" normalizeH="0" baseline="0">
+              <a:ln>
+                <a:noFill/>
+              </a:ln>
+              <a:solidFill>
+                <a:schemeClr val="tx1"/>
+              </a:solidFill>
+              <a:effectLst/>
+              <a:latin typeface="+mj-lt"/>
+            </a:endParaRPr>
+          </a:p>
+        </p:txBody>
+      </p:sp>
+      <p:sp>
+        <p:nvSpPr>
+          <p:cNvPr id="6" name="Rectangle 2">
+            <a:extLst>
+              <a:ext uri="{FF2B5EF4-FFF2-40B4-BE49-F238E27FC236}">
+                <a16:creationId xmlns:a16="http://schemas.microsoft.com/office/drawing/2014/main" id="{EF8771B2-0915-4465-9A77-FBDDC51F8F83}"/>
+              </a:ext>
+            </a:extLst>
+          </p:cNvPr>
+          <p:cNvSpPr>
+            <a:spLocks noChangeArrowheads="1"/>
+          </p:cNvSpPr>
+          <p:nvPr/>
+        </p:nvSpPr>
+        <p:spPr bwMode="auto">
+          <a:xfrm>
+            <a:off x="838200" y="3950126"/>
+            <a:ext cx="10515600" cy="2554545"/>
+          </a:xfrm>
+          <a:prstGeom prst="rect">
+            <a:avLst/>
+          </a:prstGeom>
+          <a:solidFill>
+            <a:srgbClr val="1E1F22"/>
+          </a:solidFill>
+          <a:ln>
+            <a:noFill/>
+          </a:ln>
+          <a:effectLst/>
+          <a:extLst>
+            <a:ext uri="{91240B29-F687-4F45-9708-019B960494DF}">
+              <a14:hiddenLine xmlns:a14="http://schemas.microsoft.com/office/drawing/2010/main" w="9525">
+                <a:solidFill>
+                  <a:schemeClr val="tx1"/>
+                </a:solidFill>
+                <a:miter lim="800000"/>
+                <a:headEnd/>
+                <a:tailEnd/>
+              </a14:hiddenLine>
+            </a:ext>
+            <a:ext uri="{AF507438-7753-43E0-B8FC-AC1667EBCBE1}">
+              <a14:hiddenEffects xmlns:a14="http://schemas.microsoft.com/office/drawing/2010/main">
+                <a:effectLst>
+                  <a:outerShdw dist="35921" dir="2700000" algn="ctr" rotWithShape="0">
+                    <a:schemeClr val="bg2"/>
+                  </a:outerShdw>
+                </a:effectLst>
+              </a14:hiddenEffects>
+            </a:ext>
+          </a:extLst>
+        </p:spPr>
+        <p:txBody>
+          <a:bodyPr vert="horz" wrap="square" lIns="91440" tIns="45720" rIns="91440" bIns="45720" numCol="1" anchor="ctr" anchorCtr="0" compatLnSpc="1">
+            <a:prstTxWarp prst="textNoShape">
+              <a:avLst/>
+            </a:prstTxWarp>
+            <a:spAutoFit/>
+          </a:bodyPr>
+          <a:lstStyle/>
+          <a:p>
+            <a:pPr marL="0" marR="0" lvl="0" indent="0" algn="l" defTabSz="914400" rtl="0" eaLnBrk="0" fontAlgn="base" latinLnBrk="0" hangingPunct="0">
+              <a:lnSpc>
+                <a:spcPct val="100000"/>
+              </a:lnSpc>
+              <a:spcBef>
+                <a:spcPct val="0"/>
+              </a:spcBef>
+              <a:spcAft>
+                <a:spcPct val="0"/>
+              </a:spcAft>
+              <a:buClrTx/>
+              <a:buSzTx/>
+              <a:buFontTx/>
+              <a:buNone/>
+              <a:tabLst/>
+            </a:pPr>
+            <a:r>
+              <a:rPr kumimoji="0" lang="zh-TW" altLang="zh-TW" sz="2000" b="0" i="0" u="none" strike="noStrike" cap="none" normalizeH="0" baseline="0">
+                <a:ln>
+                  <a:noFill/>
+                </a:ln>
+                <a:solidFill>
+                  <a:srgbClr val="00B0F0"/>
+                </a:solidFill>
+                <a:effectLst/>
+                <a:latin typeface="+mj-lt"/>
+                <a:ea typeface="微軟正黑體" panose="020B0604030504040204" pitchFamily="34" charset="-120"/>
+              </a:rPr>
+              <a:t>修飾子 </a:t>
+            </a:r>
+            <a:r>
+              <a:rPr kumimoji="0" lang="zh-TW" altLang="zh-TW" sz="2000" b="0" i="0" u="none" strike="noStrike" cap="none" normalizeH="0" baseline="0">
+                <a:ln>
+                  <a:noFill/>
+                </a:ln>
+                <a:solidFill>
+                  <a:srgbClr val="CF8E6D"/>
+                </a:solidFill>
+                <a:effectLst/>
+                <a:latin typeface="+mj-lt"/>
+                <a:cs typeface="JetBrains Mono" panose="02000009000000000000" pitchFamily="49" charset="0"/>
+              </a:rPr>
+              <a:t>enum</a:t>
+            </a:r>
+            <a:r>
+              <a:rPr kumimoji="0" lang="en-US" altLang="zh-TW" sz="2000" b="0" i="0" u="none" strike="noStrike" cap="none" normalizeH="0" baseline="0">
+                <a:ln>
+                  <a:noFill/>
+                </a:ln>
+                <a:solidFill>
+                  <a:srgbClr val="CF8E6D"/>
+                </a:solidFill>
+                <a:effectLst/>
+                <a:latin typeface="+mj-lt"/>
+                <a:cs typeface="JetBrains Mono" panose="02000009000000000000" pitchFamily="49" charset="0"/>
+              </a:rPr>
+              <a:t> </a:t>
+            </a:r>
+            <a:r>
+              <a:rPr kumimoji="0" lang="zh-TW" altLang="zh-TW" sz="2000" b="0" i="0" u="none" strike="noStrike" cap="none" normalizeH="0" baseline="0">
+                <a:ln>
+                  <a:noFill/>
+                </a:ln>
+                <a:solidFill>
+                  <a:srgbClr val="92D050"/>
+                </a:solidFill>
+                <a:effectLst/>
+                <a:latin typeface="+mj-lt"/>
+                <a:ea typeface="微軟正黑體" panose="020B0604030504040204" pitchFamily="34" charset="-120"/>
+              </a:rPr>
+              <a:t>列舉類別名稱</a:t>
+            </a:r>
+            <a:r>
+              <a:rPr kumimoji="0" lang="zh-TW" altLang="zh-TW" sz="2000" b="0" i="0" u="none" strike="noStrike" cap="none" normalizeH="0" baseline="0">
+                <a:ln>
+                  <a:noFill/>
+                </a:ln>
+                <a:solidFill>
+                  <a:srgbClr val="BCBEC4"/>
+                </a:solidFill>
+                <a:effectLst/>
+                <a:latin typeface="+mj-lt"/>
+                <a:cs typeface="JetBrains Mono" panose="02000009000000000000" pitchFamily="49" charset="0"/>
+              </a:rPr>
+              <a:t> {</a:t>
+            </a:r>
+            <a:br>
+              <a:rPr kumimoji="0" lang="zh-TW" altLang="zh-TW" sz="2000" b="0" i="0" u="none" strike="noStrike" cap="none" normalizeH="0" baseline="0">
+                <a:ln>
+                  <a:noFill/>
+                </a:ln>
+                <a:solidFill>
+                  <a:srgbClr val="BCBEC4"/>
+                </a:solidFill>
+                <a:effectLst/>
+                <a:latin typeface="+mj-lt"/>
+                <a:cs typeface="JetBrains Mono" panose="02000009000000000000" pitchFamily="49" charset="0"/>
+              </a:rPr>
+            </a:br>
+            <a:r>
+              <a:rPr kumimoji="0" lang="zh-TW" altLang="zh-TW" sz="2000" b="0" i="0" u="none" strike="noStrike" cap="none" normalizeH="0" baseline="0">
+                <a:ln>
+                  <a:noFill/>
+                </a:ln>
+                <a:solidFill>
+                  <a:srgbClr val="BCBEC4"/>
+                </a:solidFill>
+                <a:effectLst/>
+                <a:latin typeface="+mj-lt"/>
+                <a:cs typeface="JetBrains Mono" panose="02000009000000000000" pitchFamily="49" charset="0"/>
+              </a:rPr>
+              <a:t>    </a:t>
+            </a:r>
+            <a:r>
+              <a:rPr kumimoji="0" lang="zh-TW" altLang="zh-TW" sz="2000" b="0" i="1" u="none" strike="noStrike" cap="none" normalizeH="0" baseline="0">
+                <a:ln>
+                  <a:noFill/>
+                </a:ln>
+                <a:solidFill>
+                  <a:srgbClr val="C77DBB"/>
+                </a:solidFill>
+                <a:effectLst/>
+                <a:latin typeface="+mj-lt"/>
+                <a:ea typeface="微軟正黑體" panose="020B0604030504040204" pitchFamily="34" charset="-120"/>
+                <a:cs typeface="JetBrains Mono" panose="02000009000000000000" pitchFamily="49" charset="0"/>
+              </a:rPr>
+              <a:t>常數</a:t>
+            </a:r>
+            <a:r>
+              <a:rPr kumimoji="0" lang="zh-TW" altLang="zh-TW" sz="2000" b="0" i="1" u="none" strike="noStrike" cap="none" normalizeH="0" baseline="0">
+                <a:ln>
+                  <a:noFill/>
+                </a:ln>
+                <a:solidFill>
+                  <a:srgbClr val="C77DBB"/>
+                </a:solidFill>
+                <a:effectLst/>
+                <a:latin typeface="+mj-lt"/>
+                <a:cs typeface="JetBrains Mono" panose="02000009000000000000" pitchFamily="49" charset="0"/>
+              </a:rPr>
+              <a:t>1</a:t>
+            </a:r>
+            <a:r>
+              <a:rPr kumimoji="0" lang="zh-TW" altLang="zh-TW" sz="2000" b="0" i="0" u="none" strike="noStrike" cap="none" normalizeH="0" baseline="0">
+                <a:ln>
+                  <a:noFill/>
+                </a:ln>
+                <a:solidFill>
+                  <a:srgbClr val="BCBEC4"/>
+                </a:solidFill>
+                <a:effectLst/>
+                <a:latin typeface="+mj-lt"/>
+                <a:cs typeface="JetBrains Mono" panose="02000009000000000000" pitchFamily="49" charset="0"/>
+              </a:rPr>
+              <a:t>(</a:t>
+            </a:r>
+            <a:r>
+              <a:rPr kumimoji="0" lang="zh-TW" altLang="zh-TW" sz="2000" b="0" i="0" u="none" strike="noStrike" cap="none" normalizeH="0" baseline="0">
+                <a:ln>
+                  <a:noFill/>
+                </a:ln>
+                <a:solidFill>
+                  <a:srgbClr val="00B0F0"/>
+                </a:solidFill>
+                <a:effectLst/>
+                <a:latin typeface="+mj-lt"/>
+                <a:ea typeface="微軟正黑體" panose="020B0604030504040204" pitchFamily="34" charset="-120"/>
+                <a:cs typeface="JetBrains Mono" panose="02000009000000000000" pitchFamily="49" charset="0"/>
+              </a:rPr>
+              <a:t>引數</a:t>
+            </a:r>
+            <a:r>
+              <a:rPr kumimoji="0" lang="zh-TW" altLang="zh-TW" sz="2000" b="0" i="0" u="none" strike="noStrike" cap="none" normalizeH="0" baseline="0">
+                <a:ln>
+                  <a:noFill/>
+                </a:ln>
+                <a:solidFill>
+                  <a:srgbClr val="00B0F0"/>
+                </a:solidFill>
+                <a:effectLst/>
+                <a:latin typeface="+mj-lt"/>
+                <a:cs typeface="JetBrains Mono" panose="02000009000000000000" pitchFamily="49" charset="0"/>
+              </a:rPr>
+              <a:t>...</a:t>
+            </a:r>
+            <a:r>
+              <a:rPr kumimoji="0" lang="zh-TW" altLang="zh-TW" sz="2000" b="0" i="0" u="none" strike="noStrike" cap="none" normalizeH="0" baseline="0">
+                <a:ln>
+                  <a:noFill/>
+                </a:ln>
+                <a:solidFill>
+                  <a:srgbClr val="BCBEC4"/>
+                </a:solidFill>
+                <a:effectLst/>
+                <a:latin typeface="+mj-lt"/>
+                <a:cs typeface="JetBrains Mono" panose="02000009000000000000" pitchFamily="49" charset="0"/>
+              </a:rPr>
+              <a:t>),</a:t>
+            </a:r>
+            <a:r>
+              <a:rPr kumimoji="0" lang="zh-TW" altLang="en-US" sz="2000" b="0" i="0" u="none" strike="noStrike" cap="none" normalizeH="0" baseline="0">
+                <a:ln>
+                  <a:noFill/>
+                </a:ln>
+                <a:solidFill>
+                  <a:srgbClr val="BCBEC4"/>
+                </a:solidFill>
+                <a:effectLst/>
+                <a:latin typeface="+mj-lt"/>
+                <a:cs typeface="JetBrains Mono" panose="02000009000000000000" pitchFamily="49" charset="0"/>
+              </a:rPr>
+              <a:t> </a:t>
+            </a:r>
+            <a:r>
+              <a:rPr kumimoji="0" lang="zh-TW" altLang="zh-TW" sz="2000" b="0" i="1" u="none" strike="noStrike" cap="none" normalizeH="0" baseline="0">
+                <a:ln>
+                  <a:noFill/>
+                </a:ln>
+                <a:solidFill>
+                  <a:srgbClr val="C77DBB"/>
+                </a:solidFill>
+                <a:effectLst/>
+                <a:latin typeface="+mj-lt"/>
+                <a:ea typeface="微軟正黑體" panose="020B0604030504040204" pitchFamily="34" charset="-120"/>
+                <a:cs typeface="JetBrains Mono" panose="02000009000000000000" pitchFamily="49" charset="0"/>
+              </a:rPr>
+              <a:t>常數</a:t>
+            </a:r>
+            <a:r>
+              <a:rPr lang="en-US" altLang="zh-TW" sz="2000" i="1">
+                <a:solidFill>
+                  <a:srgbClr val="C77DBB"/>
+                </a:solidFill>
+                <a:latin typeface="+mj-lt"/>
+                <a:ea typeface="微軟正黑體" panose="020B0604030504040204" pitchFamily="34" charset="-120"/>
+                <a:cs typeface="JetBrains Mono" panose="02000009000000000000" pitchFamily="49" charset="0"/>
+              </a:rPr>
+              <a:t>2</a:t>
+            </a:r>
+            <a:r>
+              <a:rPr kumimoji="0" lang="zh-TW" altLang="zh-TW" sz="2000" b="0" i="0" u="none" strike="noStrike" cap="none" normalizeH="0" baseline="0">
+                <a:ln>
+                  <a:noFill/>
+                </a:ln>
+                <a:solidFill>
+                  <a:srgbClr val="BCBEC4"/>
+                </a:solidFill>
+                <a:effectLst/>
+                <a:latin typeface="+mj-lt"/>
+                <a:cs typeface="JetBrains Mono" panose="02000009000000000000" pitchFamily="49" charset="0"/>
+              </a:rPr>
+              <a:t>(</a:t>
+            </a:r>
+            <a:r>
+              <a:rPr kumimoji="0" lang="zh-TW" altLang="zh-TW" sz="2000" b="0" i="0" u="none" strike="noStrike" cap="none" normalizeH="0" baseline="0">
+                <a:ln>
+                  <a:noFill/>
+                </a:ln>
+                <a:solidFill>
+                  <a:srgbClr val="00B0F0"/>
+                </a:solidFill>
+                <a:effectLst/>
+                <a:latin typeface="+mj-lt"/>
+                <a:ea typeface="微軟正黑體" panose="020B0604030504040204" pitchFamily="34" charset="-120"/>
+                <a:cs typeface="JetBrains Mono" panose="02000009000000000000" pitchFamily="49" charset="0"/>
+              </a:rPr>
+              <a:t>引數</a:t>
+            </a:r>
+            <a:r>
+              <a:rPr kumimoji="0" lang="zh-TW" altLang="zh-TW" sz="2000" b="0" i="0" u="none" strike="noStrike" cap="none" normalizeH="0" baseline="0">
+                <a:ln>
+                  <a:noFill/>
+                </a:ln>
+                <a:solidFill>
+                  <a:srgbClr val="00B0F0"/>
+                </a:solidFill>
+                <a:effectLst/>
+                <a:latin typeface="+mj-lt"/>
+                <a:cs typeface="JetBrains Mono" panose="02000009000000000000" pitchFamily="49" charset="0"/>
+              </a:rPr>
+              <a:t>...</a:t>
+            </a:r>
+            <a:r>
+              <a:rPr kumimoji="0" lang="zh-TW" altLang="zh-TW" sz="2000" b="0" i="0" u="none" strike="noStrike" cap="none" normalizeH="0" baseline="0">
+                <a:ln>
+                  <a:noFill/>
+                </a:ln>
+                <a:solidFill>
+                  <a:srgbClr val="BCBEC4"/>
+                </a:solidFill>
+                <a:effectLst/>
+                <a:latin typeface="+mj-lt"/>
+                <a:cs typeface="JetBrains Mono" panose="02000009000000000000" pitchFamily="49" charset="0"/>
+              </a:rPr>
+              <a:t>), </a:t>
+            </a:r>
+            <a:r>
+              <a:rPr lang="zh-TW" altLang="zh-TW" sz="2000" i="1">
+                <a:solidFill>
+                  <a:srgbClr val="C77DBB"/>
+                </a:solidFill>
+                <a:latin typeface="+mj-lt"/>
+                <a:ea typeface="微軟正黑體" panose="020B0604030504040204" pitchFamily="34" charset="-120"/>
+              </a:rPr>
+              <a:t>...</a:t>
+            </a:r>
+            <a:r>
+              <a:rPr kumimoji="0" lang="zh-TW" altLang="zh-TW" sz="2000" b="0" i="0" u="none" strike="noStrike" cap="none" normalizeH="0" baseline="0">
+                <a:ln>
+                  <a:noFill/>
+                </a:ln>
+                <a:solidFill>
+                  <a:srgbClr val="BCBEC4"/>
+                </a:solidFill>
+                <a:effectLst/>
+                <a:latin typeface="+mj-lt"/>
+                <a:cs typeface="JetBrains Mono" panose="02000009000000000000" pitchFamily="49" charset="0"/>
+              </a:rPr>
+              <a:t>, </a:t>
+            </a:r>
+            <a:r>
+              <a:rPr lang="zh-TW" altLang="zh-TW" sz="2000" i="1">
+                <a:solidFill>
+                  <a:srgbClr val="C77DBB"/>
+                </a:solidFill>
+                <a:latin typeface="+mj-lt"/>
+                <a:ea typeface="微軟正黑體" panose="020B0604030504040204" pitchFamily="34" charset="-120"/>
+              </a:rPr>
+              <a:t>常數n</a:t>
+            </a:r>
+            <a:r>
+              <a:rPr kumimoji="0" lang="zh-TW" altLang="zh-TW" sz="2000" b="0" i="0" u="none" strike="noStrike" cap="none" normalizeH="0" baseline="0">
+                <a:ln>
+                  <a:noFill/>
+                </a:ln>
+                <a:solidFill>
+                  <a:srgbClr val="BCBEC4"/>
+                </a:solidFill>
+                <a:effectLst/>
+                <a:latin typeface="+mj-lt"/>
+                <a:cs typeface="JetBrains Mono" panose="02000009000000000000" pitchFamily="49" charset="0"/>
+              </a:rPr>
+              <a:t>(</a:t>
+            </a:r>
+            <a:r>
+              <a:rPr kumimoji="0" lang="zh-TW" altLang="zh-TW" sz="2000" b="0" i="0" u="none" strike="noStrike" cap="none" normalizeH="0" baseline="0">
+                <a:ln>
+                  <a:noFill/>
+                </a:ln>
+                <a:solidFill>
+                  <a:srgbClr val="00B0F0"/>
+                </a:solidFill>
+                <a:effectLst/>
+                <a:latin typeface="+mj-lt"/>
+                <a:ea typeface="微軟正黑體" panose="020B0604030504040204" pitchFamily="34" charset="-120"/>
+                <a:cs typeface="JetBrains Mono" panose="02000009000000000000" pitchFamily="49" charset="0"/>
+              </a:rPr>
+              <a:t>引數</a:t>
+            </a:r>
+            <a:r>
+              <a:rPr kumimoji="0" lang="zh-TW" altLang="zh-TW" sz="2000" b="0" i="0" u="none" strike="noStrike" cap="none" normalizeH="0" baseline="0">
+                <a:ln>
+                  <a:noFill/>
+                </a:ln>
+                <a:solidFill>
+                  <a:srgbClr val="00B0F0"/>
+                </a:solidFill>
+                <a:effectLst/>
+                <a:latin typeface="+mj-lt"/>
+                <a:cs typeface="JetBrains Mono" panose="02000009000000000000" pitchFamily="49" charset="0"/>
+              </a:rPr>
+              <a:t>...</a:t>
+            </a:r>
+            <a:r>
+              <a:rPr kumimoji="0" lang="zh-TW" altLang="zh-TW" sz="2000" b="0" i="0" u="none" strike="noStrike" cap="none" normalizeH="0" baseline="0">
+                <a:ln>
+                  <a:noFill/>
+                </a:ln>
+                <a:solidFill>
+                  <a:srgbClr val="BCBEC4"/>
+                </a:solidFill>
+                <a:effectLst/>
+                <a:latin typeface="+mj-lt"/>
+                <a:cs typeface="JetBrains Mono" panose="02000009000000000000" pitchFamily="49" charset="0"/>
+              </a:rPr>
+              <a:t>);</a:t>
+            </a:r>
+            <a:br>
+              <a:rPr kumimoji="0" lang="zh-TW" altLang="zh-TW" sz="2000" b="0" i="0" u="none" strike="noStrike" cap="none" normalizeH="0" baseline="0">
+                <a:ln>
+                  <a:noFill/>
+                </a:ln>
+                <a:solidFill>
+                  <a:srgbClr val="BCBEC4"/>
+                </a:solidFill>
+                <a:effectLst/>
+                <a:latin typeface="+mj-lt"/>
+                <a:cs typeface="JetBrains Mono" panose="02000009000000000000" pitchFamily="49" charset="0"/>
+              </a:rPr>
+            </a:br>
+            <a:r>
+              <a:rPr kumimoji="0" lang="zh-TW" altLang="zh-TW" sz="2000" b="0" i="0" u="none" strike="noStrike" cap="none" normalizeH="0" baseline="0">
+                <a:ln>
+                  <a:noFill/>
+                </a:ln>
+                <a:solidFill>
+                  <a:srgbClr val="BCBEC4"/>
+                </a:solidFill>
+                <a:effectLst/>
+                <a:latin typeface="+mj-lt"/>
+                <a:cs typeface="JetBrains Mono" panose="02000009000000000000" pitchFamily="49" charset="0"/>
+              </a:rPr>
+              <a:t>    </a:t>
+            </a:r>
+            <a:br>
+              <a:rPr kumimoji="0" lang="zh-TW" altLang="zh-TW" sz="2000" b="0" i="0" u="none" strike="noStrike" cap="none" normalizeH="0" baseline="0">
+                <a:ln>
+                  <a:noFill/>
+                </a:ln>
+                <a:solidFill>
+                  <a:srgbClr val="BCBEC4"/>
+                </a:solidFill>
+                <a:effectLst/>
+                <a:latin typeface="+mj-lt"/>
+                <a:cs typeface="JetBrains Mono" panose="02000009000000000000" pitchFamily="49" charset="0"/>
+              </a:rPr>
+            </a:br>
+            <a:r>
+              <a:rPr kumimoji="0" lang="zh-TW" altLang="zh-TW" sz="2000" b="0" i="0" u="none" strike="noStrike" cap="none" normalizeH="0" baseline="0">
+                <a:ln>
+                  <a:noFill/>
+                </a:ln>
+                <a:solidFill>
+                  <a:srgbClr val="BCBEC4"/>
+                </a:solidFill>
+                <a:effectLst/>
+                <a:latin typeface="+mj-lt"/>
+                <a:cs typeface="JetBrains Mono" panose="02000009000000000000" pitchFamily="49" charset="0"/>
+              </a:rPr>
+              <a:t>    </a:t>
+            </a:r>
+            <a:r>
+              <a:rPr kumimoji="0" lang="zh-TW" altLang="zh-TW" sz="2000" b="0" i="0" u="none" strike="noStrike" cap="none" normalizeH="0" baseline="0">
+                <a:ln>
+                  <a:noFill/>
+                </a:ln>
+                <a:solidFill>
+                  <a:srgbClr val="FFFF00"/>
+                </a:solidFill>
+                <a:effectLst/>
+                <a:latin typeface="+mj-lt"/>
+                <a:ea typeface="微軟正黑體" panose="020B0604030504040204" pitchFamily="34" charset="-120"/>
+                <a:cs typeface="JetBrains Mono" panose="02000009000000000000" pitchFamily="49" charset="0"/>
+              </a:rPr>
+              <a:t>欄位</a:t>
+            </a:r>
+            <a:r>
+              <a:rPr kumimoji="0" lang="zh-TW" altLang="zh-TW" sz="2000" b="0" i="0" u="none" strike="noStrike" cap="none" normalizeH="0" baseline="0">
+                <a:ln>
+                  <a:noFill/>
+                </a:ln>
+                <a:solidFill>
+                  <a:srgbClr val="FFFF00"/>
+                </a:solidFill>
+                <a:effectLst/>
+                <a:latin typeface="+mj-lt"/>
+                <a:cs typeface="JetBrains Mono" panose="02000009000000000000" pitchFamily="49" charset="0"/>
+              </a:rPr>
+              <a:t>...</a:t>
+            </a:r>
+            <a:br>
+              <a:rPr kumimoji="0" lang="zh-TW" altLang="zh-TW" sz="2000" b="0" i="0" u="none" strike="noStrike" cap="none" normalizeH="0" baseline="0">
+                <a:ln>
+                  <a:noFill/>
+                </a:ln>
+                <a:solidFill>
+                  <a:srgbClr val="FFFF00"/>
+                </a:solidFill>
+                <a:effectLst/>
+                <a:latin typeface="+mj-lt"/>
+                <a:cs typeface="JetBrains Mono" panose="02000009000000000000" pitchFamily="49" charset="0"/>
+              </a:rPr>
+            </a:br>
+            <a:r>
+              <a:rPr kumimoji="0" lang="zh-TW" altLang="zh-TW" sz="2000" b="0" i="0" u="none" strike="noStrike" cap="none" normalizeH="0" baseline="0">
+                <a:ln>
+                  <a:noFill/>
+                </a:ln>
+                <a:solidFill>
+                  <a:srgbClr val="FFFF00"/>
+                </a:solidFill>
+                <a:effectLst/>
+                <a:latin typeface="+mj-lt"/>
+                <a:cs typeface="JetBrains Mono" panose="02000009000000000000" pitchFamily="49" charset="0"/>
+              </a:rPr>
+              <a:t>    </a:t>
+            </a:r>
+            <a:r>
+              <a:rPr lang="zh-TW" altLang="zh-TW" sz="2000">
+                <a:solidFill>
+                  <a:srgbClr val="FFFF00"/>
+                </a:solidFill>
+                <a:latin typeface="+mj-lt"/>
+                <a:ea typeface="微軟正黑體" panose="020B0604030504040204" pitchFamily="34" charset="-120"/>
+                <a:cs typeface="JetBrains Mono" panose="02000009000000000000" pitchFamily="49" charset="0"/>
+              </a:rPr>
+              <a:t>方法...</a:t>
+            </a:r>
+            <a:br>
+              <a:rPr lang="zh-TW" altLang="zh-TW" sz="2000">
+                <a:solidFill>
+                  <a:srgbClr val="FFFF00"/>
+                </a:solidFill>
+                <a:latin typeface="+mj-lt"/>
+                <a:ea typeface="微軟正黑體" panose="020B0604030504040204" pitchFamily="34" charset="-120"/>
+                <a:cs typeface="JetBrains Mono" panose="02000009000000000000" pitchFamily="49" charset="0"/>
+              </a:rPr>
+            </a:br>
+            <a:r>
+              <a:rPr lang="zh-TW" altLang="zh-TW" sz="2000">
+                <a:solidFill>
+                  <a:srgbClr val="FFFF00"/>
+                </a:solidFill>
+                <a:latin typeface="+mj-lt"/>
+                <a:ea typeface="微軟正黑體" panose="020B0604030504040204" pitchFamily="34" charset="-120"/>
+                <a:cs typeface="JetBrains Mono" panose="02000009000000000000" pitchFamily="49" charset="0"/>
+              </a:rPr>
+              <a:t> </a:t>
+            </a:r>
+            <a:r>
+              <a:rPr lang="en-US" altLang="zh-TW" sz="2000">
+                <a:solidFill>
+                  <a:srgbClr val="FFFF00"/>
+                </a:solidFill>
+                <a:latin typeface="+mj-lt"/>
+                <a:ea typeface="微軟正黑體" panose="020B0604030504040204" pitchFamily="34" charset="-120"/>
+                <a:cs typeface="JetBrains Mono" panose="02000009000000000000" pitchFamily="49" charset="0"/>
+              </a:rPr>
+              <a:t>   </a:t>
+            </a:r>
+            <a:r>
+              <a:rPr lang="zh-TW" altLang="en-US" sz="2000">
+                <a:solidFill>
+                  <a:srgbClr val="FFFF00"/>
+                </a:solidFill>
+                <a:latin typeface="+mj-lt"/>
+                <a:ea typeface="微軟正黑體" panose="020B0604030504040204" pitchFamily="34" charset="-120"/>
+                <a:cs typeface="JetBrains Mono" panose="02000009000000000000" pitchFamily="49" charset="0"/>
+              </a:rPr>
+              <a:t>建構子</a:t>
+            </a:r>
+            <a:r>
+              <a:rPr lang="zh-TW" altLang="zh-TW" sz="2000">
+                <a:solidFill>
+                  <a:srgbClr val="FFFF00"/>
+                </a:solidFill>
+                <a:latin typeface="+mj-lt"/>
+                <a:ea typeface="微軟正黑體" panose="020B0604030504040204" pitchFamily="34" charset="-120"/>
+                <a:cs typeface="JetBrains Mono" panose="02000009000000000000" pitchFamily="49" charset="0"/>
+              </a:rPr>
+              <a:t>...</a:t>
+            </a:r>
+            <a:endParaRPr lang="en-US" altLang="zh-TW" sz="2000">
+              <a:solidFill>
+                <a:srgbClr val="FFFF00"/>
+              </a:solidFill>
+              <a:latin typeface="+mj-lt"/>
+              <a:ea typeface="微軟正黑體" panose="020B0604030504040204" pitchFamily="34" charset="-120"/>
+              <a:cs typeface="JetBrains Mono" panose="02000009000000000000" pitchFamily="49" charset="0"/>
+            </a:endParaRPr>
+          </a:p>
+          <a:p>
+            <a:pPr marL="0" marR="0" lvl="0" indent="0" algn="l" defTabSz="914400" rtl="0" eaLnBrk="0" fontAlgn="base" latinLnBrk="0" hangingPunct="0">
+              <a:lnSpc>
+                <a:spcPct val="100000"/>
+              </a:lnSpc>
+              <a:spcBef>
+                <a:spcPct val="0"/>
+              </a:spcBef>
+              <a:spcAft>
+                <a:spcPct val="0"/>
+              </a:spcAft>
+              <a:buClrTx/>
+              <a:buSzTx/>
+              <a:buFontTx/>
+              <a:buNone/>
+              <a:tabLst/>
+            </a:pPr>
+            <a:r>
+              <a:rPr lang="zh-TW" altLang="en-US" sz="2000">
+                <a:solidFill>
+                  <a:srgbClr val="FFFF00"/>
+                </a:solidFill>
+                <a:latin typeface="+mj-lt"/>
+                <a:ea typeface="微軟正黑體" panose="020B0604030504040204" pitchFamily="34" charset="-120"/>
+                <a:cs typeface="JetBrains Mono" panose="02000009000000000000" pitchFamily="49" charset="0"/>
+              </a:rPr>
+              <a:t>    類別</a:t>
+            </a:r>
+            <a:r>
+              <a:rPr lang="en-US" altLang="zh-TW" sz="2000">
+                <a:solidFill>
+                  <a:srgbClr val="FFFF00"/>
+                </a:solidFill>
+                <a:latin typeface="+mj-lt"/>
+                <a:ea typeface="微軟正黑體" panose="020B0604030504040204" pitchFamily="34" charset="-120"/>
+                <a:cs typeface="JetBrains Mono" panose="02000009000000000000" pitchFamily="49" charset="0"/>
+              </a:rPr>
+              <a:t>...</a:t>
+            </a:r>
+            <a:br>
+              <a:rPr kumimoji="0" lang="zh-TW" altLang="zh-TW" sz="2000" b="0" i="0" u="none" strike="noStrike" cap="none" normalizeH="0" baseline="0">
+                <a:ln>
+                  <a:noFill/>
+                </a:ln>
+                <a:solidFill>
+                  <a:srgbClr val="BCBEC4"/>
+                </a:solidFill>
+                <a:effectLst/>
+                <a:latin typeface="+mj-lt"/>
+                <a:cs typeface="JetBrains Mono" panose="02000009000000000000" pitchFamily="49" charset="0"/>
+              </a:rPr>
+            </a:br>
+            <a:r>
+              <a:rPr kumimoji="0" lang="zh-TW" altLang="zh-TW" sz="2000" b="0" i="0" u="none" strike="noStrike" cap="none" normalizeH="0" baseline="0">
+                <a:ln>
+                  <a:noFill/>
+                </a:ln>
+                <a:solidFill>
+                  <a:srgbClr val="BCBEC4"/>
+                </a:solidFill>
+                <a:effectLst/>
+                <a:latin typeface="+mj-lt"/>
+                <a:cs typeface="JetBrains Mono" panose="02000009000000000000" pitchFamily="49" charset="0"/>
+              </a:rPr>
+              <a:t>}</a:t>
+            </a:r>
+            <a:endParaRPr kumimoji="0" lang="zh-TW" altLang="zh-TW" sz="3200" b="0" i="0" u="none" strike="noStrike" cap="none" normalizeH="0" baseline="0">
+              <a:ln>
+                <a:noFill/>
+              </a:ln>
+              <a:solidFill>
+                <a:schemeClr val="tx1"/>
+              </a:solidFill>
+              <a:effectLst/>
+              <a:latin typeface="+mj-lt"/>
+            </a:endParaRPr>
+          </a:p>
+        </p:txBody>
+      </p:sp>
+    </p:spTree>
+    <p:extLst>
+      <p:ext uri="{BB962C8B-B14F-4D97-AF65-F5344CB8AC3E}">
+        <p14:creationId xmlns:p14="http://schemas.microsoft.com/office/powerpoint/2010/main" val="4068030668"/>
+      </p:ext>
+    </p:extLst>
+  </p:cSld>
+  <p:clrMapOvr>
+    <a:masterClrMapping/>
+  </p:clrMapOvr>
+  <p:transition spd="slow">
+    <p:push dir="u"/>
+  </p:transition>
+</p:sld>
+</file>
+
+<file path=ppt/slides/slide17.xml><?xml version="1.0" encoding="utf-8"?>
+<p:sld xmlns:a="http://schemas.openxmlformats.org/drawingml/2006/main" xmlns:r="http://schemas.openxmlformats.org/officeDocument/2006/relationships" xmlns:p="http://schemas.openxmlformats.org/presentationml/2006/main">
+  <p:cSld>
+    <p:spTree>
+      <p:nvGrpSpPr>
+        <p:cNvPr id="1" name=""/>
+        <p:cNvGrpSpPr/>
+        <p:nvPr/>
+      </p:nvGrpSpPr>
+      <p:grpSpPr>
+        <a:xfrm>
+          <a:off x="0" y="0"/>
+          <a:ext cx="0" cy="0"/>
+          <a:chOff x="0" y="0"/>
+          <a:chExt cx="0" cy="0"/>
+        </a:xfrm>
+      </p:grpSpPr>
+      <p:sp>
+        <p:nvSpPr>
+          <p:cNvPr id="2" name="標題 1">
+            <a:extLst>
+              <a:ext uri="{FF2B5EF4-FFF2-40B4-BE49-F238E27FC236}">
+                <a16:creationId xmlns:a16="http://schemas.microsoft.com/office/drawing/2014/main" id="{D3A719D7-6F3A-4802-A96F-27C459F973D3}"/>
+              </a:ext>
+            </a:extLst>
+          </p:cNvPr>
+          <p:cNvSpPr>
+            <a:spLocks noGrp="1"/>
+          </p:cNvSpPr>
+          <p:nvPr>
+            <p:ph type="title"/>
+          </p:nvPr>
+        </p:nvSpPr>
+        <p:spPr/>
+        <p:txBody>
+          <a:bodyPr/>
+          <a:lstStyle/>
+          <a:p>
+            <a:r>
+              <a:rPr lang="zh-TW" altLang="en-US"/>
+              <a:t>列舉</a:t>
+            </a:r>
+          </a:p>
+        </p:txBody>
+      </p:sp>
+      <p:sp>
+        <p:nvSpPr>
+          <p:cNvPr id="3" name="內容版面配置區 2">
+            <a:extLst>
+              <a:ext uri="{FF2B5EF4-FFF2-40B4-BE49-F238E27FC236}">
+                <a16:creationId xmlns:a16="http://schemas.microsoft.com/office/drawing/2014/main" id="{B35098A0-F24B-4D55-B9B7-9D6BCA9D9A5F}"/>
+              </a:ext>
+            </a:extLst>
+          </p:cNvPr>
+          <p:cNvSpPr>
+            <a:spLocks noGrp="1"/>
+          </p:cNvSpPr>
+          <p:nvPr>
+            <p:ph idx="1"/>
+          </p:nvPr>
+        </p:nvSpPr>
+        <p:spPr>
+          <a:xfrm>
+            <a:off x="838200" y="1454765"/>
+            <a:ext cx="10515600" cy="1053763"/>
+          </a:xfrm>
+        </p:spPr>
+        <p:txBody>
+          <a:bodyPr/>
+          <a:lstStyle/>
+          <a:p>
+            <a:r>
+              <a:rPr lang="zh-TW" altLang="en-US">
+                <a:solidFill>
+                  <a:srgbClr val="00B0F0"/>
+                </a:solidFill>
+              </a:rPr>
+              <a:t>列舉類別</a:t>
+            </a:r>
+            <a:r>
+              <a:rPr lang="zh-TW" altLang="en-US"/>
+              <a:t>的</a:t>
+            </a:r>
+            <a:r>
+              <a:rPr lang="zh-TW" altLang="en-US">
+                <a:solidFill>
+                  <a:srgbClr val="00B0F0"/>
+                </a:solidFill>
+              </a:rPr>
+              <a:t>公開靜態方法 </a:t>
+            </a:r>
+            <a:r>
+              <a:rPr lang="en-US" altLang="zh-TW">
+                <a:solidFill>
+                  <a:srgbClr val="FFC000"/>
+                </a:solidFill>
+              </a:rPr>
+              <a:t>Role</a:t>
+            </a:r>
+            <a:r>
+              <a:rPr lang="zh-TW" altLang="en-US"/>
+              <a:t> </a:t>
+            </a:r>
+            <a:r>
+              <a:rPr lang="en-US" altLang="zh-TW">
+                <a:solidFill>
+                  <a:srgbClr val="92D050"/>
+                </a:solidFill>
+              </a:rPr>
+              <a:t>values()</a:t>
+            </a:r>
+          </a:p>
+          <a:p>
+            <a:r>
+              <a:rPr lang="zh-TW" altLang="en-US"/>
+              <a:t>可以返回該</a:t>
+            </a:r>
+            <a:r>
+              <a:rPr lang="zh-TW" altLang="en-US">
+                <a:solidFill>
+                  <a:srgbClr val="00B0F0"/>
+                </a:solidFill>
+              </a:rPr>
+              <a:t>列舉類別</a:t>
+            </a:r>
+            <a:r>
+              <a:rPr lang="zh-TW" altLang="en-US"/>
+              <a:t>的</a:t>
+            </a:r>
+            <a:r>
+              <a:rPr lang="zh-TW" altLang="en-US">
+                <a:solidFill>
+                  <a:srgbClr val="00B0F0"/>
+                </a:solidFill>
+              </a:rPr>
+              <a:t>常數</a:t>
+            </a:r>
+            <a:r>
+              <a:rPr lang="zh-TW" altLang="en-US"/>
+              <a:t>組成的</a:t>
+            </a:r>
+            <a:r>
+              <a:rPr lang="zh-TW" altLang="en-US">
+                <a:solidFill>
+                  <a:srgbClr val="00B0F0"/>
+                </a:solidFill>
+              </a:rPr>
+              <a:t>陣列</a:t>
+            </a:r>
+          </a:p>
+        </p:txBody>
+      </p:sp>
+      <p:grpSp>
+        <p:nvGrpSpPr>
+          <p:cNvPr id="4" name="群組 3">
+            <a:extLst>
+              <a:ext uri="{FF2B5EF4-FFF2-40B4-BE49-F238E27FC236}">
+                <a16:creationId xmlns:a16="http://schemas.microsoft.com/office/drawing/2014/main" id="{E3219DCD-660D-483B-86B1-254F26FBD065}"/>
+              </a:ext>
+            </a:extLst>
+          </p:cNvPr>
+          <p:cNvGrpSpPr/>
+          <p:nvPr/>
+        </p:nvGrpSpPr>
+        <p:grpSpPr>
+          <a:xfrm>
+            <a:off x="838200" y="2500777"/>
+            <a:ext cx="10524847" cy="3893487"/>
+            <a:chOff x="838200" y="2500777"/>
+            <a:chExt cx="10524847" cy="3893487"/>
+          </a:xfrm>
+        </p:grpSpPr>
+        <p:grpSp>
+          <p:nvGrpSpPr>
+            <p:cNvPr id="11" name="群組 10">
+              <a:extLst>
+                <a:ext uri="{FF2B5EF4-FFF2-40B4-BE49-F238E27FC236}">
+                  <a16:creationId xmlns:a16="http://schemas.microsoft.com/office/drawing/2014/main" id="{77E3C8D5-2630-4417-9954-61FEA3EB401E}"/>
+                </a:ext>
+              </a:extLst>
+            </p:cNvPr>
+            <p:cNvGrpSpPr/>
+            <p:nvPr/>
+          </p:nvGrpSpPr>
+          <p:grpSpPr>
+            <a:xfrm>
+              <a:off x="838200" y="2508528"/>
+              <a:ext cx="10524847" cy="3877985"/>
+              <a:chOff x="838200" y="1825625"/>
+              <a:chExt cx="10524847" cy="3877985"/>
+            </a:xfrm>
+          </p:grpSpPr>
+          <p:sp>
+            <p:nvSpPr>
+              <p:cNvPr id="6" name="Rectangle 3">
+                <a:extLst>
+                  <a:ext uri="{FF2B5EF4-FFF2-40B4-BE49-F238E27FC236}">
+                    <a16:creationId xmlns:a16="http://schemas.microsoft.com/office/drawing/2014/main" id="{5A59F728-EC8C-48ED-AD06-05623BFA2B30}"/>
+                  </a:ext>
+                </a:extLst>
+              </p:cNvPr>
+              <p:cNvSpPr>
+                <a:spLocks noChangeArrowheads="1"/>
+              </p:cNvSpPr>
+              <p:nvPr/>
+            </p:nvSpPr>
+            <p:spPr bwMode="auto">
+              <a:xfrm>
+                <a:off x="838200" y="1825625"/>
+                <a:ext cx="5579262" cy="1708160"/>
+              </a:xfrm>
+              <a:prstGeom prst="rect">
+                <a:avLst/>
+              </a:prstGeom>
+              <a:solidFill>
+                <a:srgbClr val="1E1F22"/>
+              </a:solidFill>
+              <a:ln>
+                <a:noFill/>
+              </a:ln>
+              <a:effectLst/>
+              <a:extLst>
+                <a:ext uri="{91240B29-F687-4F45-9708-019B960494DF}">
+                  <a14:hiddenLine xmlns:a14="http://schemas.microsoft.com/office/drawing/2010/main" w="9525">
+                    <a:solidFill>
+                      <a:schemeClr val="tx1"/>
+                    </a:solidFill>
+                    <a:miter lim="800000"/>
+                    <a:headEnd/>
+                    <a:tailEnd/>
+                  </a14:hiddenLine>
+                </a:ext>
+                <a:ext uri="{AF507438-7753-43E0-B8FC-AC1667EBCBE1}">
+                  <a14:hiddenEffects xmlns:a14="http://schemas.microsoft.com/office/drawing/2010/main">
+                    <a:effectLst>
+                      <a:outerShdw dist="35921" dir="2700000" algn="ctr" rotWithShape="0">
+                        <a:schemeClr val="bg2"/>
+                      </a:outerShdw>
+                    </a:effectLst>
+                  </a14:hiddenEffects>
+                </a:ext>
+              </a:extLst>
+            </p:spPr>
+            <p:txBody>
+              <a:bodyPr vert="horz" wrap="square" lIns="91440" tIns="45720" rIns="91440" bIns="45720" numCol="1" anchor="ctr" anchorCtr="0" compatLnSpc="1">
+                <a:prstTxWarp prst="textNoShape">
+                  <a:avLst/>
+                </a:prstTxWarp>
+                <a:spAutoFit/>
+              </a:bodyPr>
+              <a:lstStyle/>
+              <a:p>
+                <a:pPr marL="0" marR="0" lvl="0" indent="0" algn="l" defTabSz="914400" rtl="0" eaLnBrk="0" fontAlgn="base" latinLnBrk="0" hangingPunct="0">
+                  <a:lnSpc>
+                    <a:spcPct val="100000"/>
+                  </a:lnSpc>
+                  <a:spcBef>
+                    <a:spcPct val="0"/>
+                  </a:spcBef>
+                  <a:spcAft>
+                    <a:spcPct val="0"/>
+                  </a:spcAft>
+                  <a:buClrTx/>
+                  <a:buSzTx/>
+                  <a:buFontTx/>
+                  <a:buNone/>
+                  <a:tabLst/>
+                </a:pPr>
+                <a:r>
+                  <a:rPr kumimoji="0" lang="zh-TW" altLang="zh-TW" sz="1500" b="0" i="0" u="none" strike="noStrike" cap="none" normalizeH="0" baseline="0">
+                    <a:ln>
+                      <a:noFill/>
+                    </a:ln>
+                    <a:solidFill>
+                      <a:srgbClr val="CF8E6D"/>
+                    </a:solidFill>
+                    <a:effectLst/>
+                    <a:latin typeface="+mj-lt"/>
+                    <a:cs typeface="JetBrains Mono" panose="02000009000000000000" pitchFamily="49" charset="0"/>
+                  </a:rPr>
+                  <a:t>public class </a:t>
+                </a:r>
+                <a:r>
+                  <a:rPr kumimoji="0" lang="zh-TW" altLang="zh-TW" sz="1500" b="0" i="0" u="none" strike="noStrike" cap="none" normalizeH="0" baseline="0">
+                    <a:ln>
+                      <a:noFill/>
+                    </a:ln>
+                    <a:solidFill>
+                      <a:srgbClr val="BCBEC4"/>
+                    </a:solidFill>
+                    <a:effectLst/>
+                    <a:latin typeface="+mj-lt"/>
+                    <a:cs typeface="JetBrains Mono" panose="02000009000000000000" pitchFamily="49" charset="0"/>
+                  </a:rPr>
+                  <a:t>Main {</a:t>
+                </a:r>
+                <a:br>
+                  <a:rPr kumimoji="0" lang="zh-TW" altLang="zh-TW" sz="1500" b="0" i="0" u="none" strike="noStrike" cap="none" normalizeH="0" baseline="0">
+                    <a:ln>
+                      <a:noFill/>
+                    </a:ln>
+                    <a:solidFill>
+                      <a:srgbClr val="BCBEC4"/>
+                    </a:solidFill>
+                    <a:effectLst/>
+                    <a:latin typeface="+mj-lt"/>
+                    <a:cs typeface="JetBrains Mono" panose="02000009000000000000" pitchFamily="49" charset="0"/>
+                  </a:rPr>
+                </a:br>
+                <a:r>
+                  <a:rPr kumimoji="0" lang="zh-TW" altLang="zh-TW" sz="1500" b="0" i="0" u="none" strike="noStrike" cap="none" normalizeH="0" baseline="0">
+                    <a:ln>
+                      <a:noFill/>
+                    </a:ln>
+                    <a:solidFill>
+                      <a:srgbClr val="BCBEC4"/>
+                    </a:solidFill>
+                    <a:effectLst/>
+                    <a:latin typeface="+mj-lt"/>
+                    <a:cs typeface="JetBrains Mono" panose="02000009000000000000" pitchFamily="49" charset="0"/>
+                  </a:rPr>
+                  <a:t>    </a:t>
+                </a:r>
+                <a:r>
+                  <a:rPr kumimoji="0" lang="zh-TW" altLang="zh-TW" sz="1500" b="0" i="0" u="none" strike="noStrike" cap="none" normalizeH="0" baseline="0">
+                    <a:ln>
+                      <a:noFill/>
+                    </a:ln>
+                    <a:solidFill>
+                      <a:srgbClr val="CF8E6D"/>
+                    </a:solidFill>
+                    <a:effectLst/>
+                    <a:latin typeface="+mj-lt"/>
+                    <a:cs typeface="JetBrains Mono" panose="02000009000000000000" pitchFamily="49" charset="0"/>
+                  </a:rPr>
+                  <a:t>public static void </a:t>
+                </a:r>
+                <a:r>
+                  <a:rPr kumimoji="0" lang="zh-TW" altLang="zh-TW" sz="1500" b="0" i="0" u="none" strike="noStrike" cap="none" normalizeH="0" baseline="0">
+                    <a:ln>
+                      <a:noFill/>
+                    </a:ln>
+                    <a:solidFill>
+                      <a:srgbClr val="56A8F5"/>
+                    </a:solidFill>
+                    <a:effectLst/>
+                    <a:latin typeface="+mj-lt"/>
+                    <a:cs typeface="JetBrains Mono" panose="02000009000000000000" pitchFamily="49" charset="0"/>
+                  </a:rPr>
+                  <a:t>main</a:t>
+                </a:r>
+                <a:r>
+                  <a:rPr kumimoji="0" lang="zh-TW" altLang="zh-TW" sz="1500" b="0" i="0" u="none" strike="noStrike" cap="none" normalizeH="0" baseline="0">
+                    <a:ln>
+                      <a:noFill/>
+                    </a:ln>
+                    <a:solidFill>
+                      <a:srgbClr val="BCBEC4"/>
+                    </a:solidFill>
+                    <a:effectLst/>
+                    <a:latin typeface="+mj-lt"/>
+                    <a:cs typeface="JetBrains Mono" panose="02000009000000000000" pitchFamily="49" charset="0"/>
+                  </a:rPr>
+                  <a:t>(String[] args) {</a:t>
+                </a:r>
+                <a:br>
+                  <a:rPr kumimoji="0" lang="zh-TW" altLang="zh-TW" sz="1500" b="0" i="0" u="none" strike="noStrike" cap="none" normalizeH="0" baseline="0">
+                    <a:ln>
+                      <a:noFill/>
+                    </a:ln>
+                    <a:solidFill>
+                      <a:srgbClr val="BCBEC4"/>
+                    </a:solidFill>
+                    <a:effectLst/>
+                    <a:latin typeface="+mj-lt"/>
+                    <a:cs typeface="JetBrains Mono" panose="02000009000000000000" pitchFamily="49" charset="0"/>
+                  </a:rPr>
+                </a:br>
+                <a:r>
+                  <a:rPr kumimoji="0" lang="zh-TW" altLang="zh-TW" sz="1500" b="0" i="0" u="none" strike="noStrike" cap="none" normalizeH="0" baseline="0">
+                    <a:ln>
+                      <a:noFill/>
+                    </a:ln>
+                    <a:solidFill>
+                      <a:srgbClr val="BCBEC4"/>
+                    </a:solidFill>
+                    <a:effectLst/>
+                    <a:latin typeface="+mj-lt"/>
+                    <a:cs typeface="JetBrains Mono" panose="02000009000000000000" pitchFamily="49" charset="0"/>
+                  </a:rPr>
+                  <a:t>        </a:t>
+                </a:r>
+                <a:r>
+                  <a:rPr kumimoji="0" lang="zh-TW" altLang="zh-TW" sz="1500" b="0" i="0" u="none" strike="noStrike" cap="none" normalizeH="0" baseline="0">
+                    <a:ln>
+                      <a:noFill/>
+                    </a:ln>
+                    <a:solidFill>
+                      <a:srgbClr val="CF8E6D"/>
+                    </a:solidFill>
+                    <a:effectLst/>
+                    <a:latin typeface="+mj-lt"/>
+                    <a:cs typeface="JetBrains Mono" panose="02000009000000000000" pitchFamily="49" charset="0"/>
+                  </a:rPr>
+                  <a:t>for </a:t>
+                </a:r>
+                <a:r>
+                  <a:rPr kumimoji="0" lang="zh-TW" altLang="zh-TW" sz="1500" b="0" i="0" u="none" strike="noStrike" cap="none" normalizeH="0" baseline="0">
+                    <a:ln>
+                      <a:noFill/>
+                    </a:ln>
+                    <a:solidFill>
+                      <a:srgbClr val="BCBEC4"/>
+                    </a:solidFill>
+                    <a:effectLst/>
+                    <a:latin typeface="+mj-lt"/>
+                    <a:cs typeface="JetBrains Mono" panose="02000009000000000000" pitchFamily="49" charset="0"/>
+                  </a:rPr>
+                  <a:t>(Role role : Role.</a:t>
+                </a:r>
+                <a:r>
+                  <a:rPr kumimoji="0" lang="zh-TW" altLang="zh-TW" sz="1500" b="0" i="1" u="none" strike="noStrike" cap="none" normalizeH="0" baseline="0">
+                    <a:ln>
+                      <a:noFill/>
+                    </a:ln>
+                    <a:solidFill>
+                      <a:srgbClr val="BCBEC4"/>
+                    </a:solidFill>
+                    <a:effectLst/>
+                    <a:latin typeface="+mj-lt"/>
+                    <a:cs typeface="JetBrains Mono" panose="02000009000000000000" pitchFamily="49" charset="0"/>
+                  </a:rPr>
+                  <a:t>values</a:t>
+                </a:r>
+                <a:r>
+                  <a:rPr kumimoji="0" lang="zh-TW" altLang="zh-TW" sz="1500" b="0" i="0" u="none" strike="noStrike" cap="none" normalizeH="0" baseline="0">
+                    <a:ln>
+                      <a:noFill/>
+                    </a:ln>
+                    <a:solidFill>
+                      <a:srgbClr val="BCBEC4"/>
+                    </a:solidFill>
+                    <a:effectLst/>
+                    <a:latin typeface="+mj-lt"/>
+                    <a:cs typeface="JetBrains Mono" panose="02000009000000000000" pitchFamily="49" charset="0"/>
+                  </a:rPr>
+                  <a:t>()) {</a:t>
+                </a:r>
+                <a:br>
+                  <a:rPr kumimoji="0" lang="zh-TW" altLang="zh-TW" sz="1500" b="0" i="0" u="none" strike="noStrike" cap="none" normalizeH="0" baseline="0">
+                    <a:ln>
+                      <a:noFill/>
+                    </a:ln>
+                    <a:solidFill>
+                      <a:srgbClr val="BCBEC4"/>
+                    </a:solidFill>
+                    <a:effectLst/>
+                    <a:latin typeface="+mj-lt"/>
+                    <a:cs typeface="JetBrains Mono" panose="02000009000000000000" pitchFamily="49" charset="0"/>
+                  </a:rPr>
+                </a:br>
+                <a:r>
+                  <a:rPr kumimoji="0" lang="zh-TW" altLang="zh-TW" sz="1500" b="0" i="0" u="none" strike="noStrike" cap="none" normalizeH="0" baseline="0">
+                    <a:ln>
+                      <a:noFill/>
+                    </a:ln>
+                    <a:solidFill>
+                      <a:srgbClr val="BCBEC4"/>
+                    </a:solidFill>
+                    <a:effectLst/>
+                    <a:latin typeface="+mj-lt"/>
+                    <a:cs typeface="JetBrains Mono" panose="02000009000000000000" pitchFamily="49" charset="0"/>
+                  </a:rPr>
+                  <a:t>            </a:t>
+                </a:r>
+                <a:r>
+                  <a:rPr kumimoji="0" lang="zh-TW" altLang="zh-TW" sz="1500" b="0" i="0" u="none" strike="noStrike" cap="none" normalizeH="0" baseline="0">
+                    <a:ln>
+                      <a:noFill/>
+                    </a:ln>
+                    <a:solidFill>
+                      <a:srgbClr val="CF8E6D"/>
+                    </a:solidFill>
+                    <a:effectLst/>
+                    <a:latin typeface="+mj-lt"/>
+                    <a:cs typeface="JetBrains Mono" panose="02000009000000000000" pitchFamily="49" charset="0"/>
+                  </a:rPr>
+                  <a:t>new </a:t>
+                </a:r>
+                <a:r>
+                  <a:rPr kumimoji="0" lang="zh-TW" altLang="zh-TW" sz="1500" b="0" i="0" u="none" strike="noStrike" cap="none" normalizeH="0" baseline="0">
+                    <a:ln>
+                      <a:noFill/>
+                    </a:ln>
+                    <a:solidFill>
+                      <a:srgbClr val="BCBEC4"/>
+                    </a:solidFill>
+                    <a:effectLst/>
+                    <a:latin typeface="+mj-lt"/>
+                    <a:cs typeface="JetBrains Mono" panose="02000009000000000000" pitchFamily="49" charset="0"/>
+                  </a:rPr>
+                  <a:t>Person(role).printInfo();</a:t>
+                </a:r>
+                <a:br>
+                  <a:rPr kumimoji="0" lang="zh-TW" altLang="zh-TW" sz="1500" b="0" i="0" u="none" strike="noStrike" cap="none" normalizeH="0" baseline="0">
+                    <a:ln>
+                      <a:noFill/>
+                    </a:ln>
+                    <a:solidFill>
+                      <a:srgbClr val="BCBEC4"/>
+                    </a:solidFill>
+                    <a:effectLst/>
+                    <a:latin typeface="+mj-lt"/>
+                    <a:cs typeface="JetBrains Mono" panose="02000009000000000000" pitchFamily="49" charset="0"/>
+                  </a:rPr>
+                </a:br>
+                <a:r>
+                  <a:rPr kumimoji="0" lang="zh-TW" altLang="zh-TW" sz="1500" b="0" i="0" u="none" strike="noStrike" cap="none" normalizeH="0" baseline="0">
+                    <a:ln>
+                      <a:noFill/>
+                    </a:ln>
+                    <a:solidFill>
+                      <a:srgbClr val="BCBEC4"/>
+                    </a:solidFill>
+                    <a:effectLst/>
+                    <a:latin typeface="+mj-lt"/>
+                    <a:cs typeface="JetBrains Mono" panose="02000009000000000000" pitchFamily="49" charset="0"/>
+                  </a:rPr>
+                  <a:t>        }</a:t>
+                </a:r>
+                <a:br>
+                  <a:rPr kumimoji="0" lang="zh-TW" altLang="zh-TW" sz="1500" b="0" i="0" u="none" strike="noStrike" cap="none" normalizeH="0" baseline="0">
+                    <a:ln>
+                      <a:noFill/>
+                    </a:ln>
+                    <a:solidFill>
+                      <a:srgbClr val="BCBEC4"/>
+                    </a:solidFill>
+                    <a:effectLst/>
+                    <a:latin typeface="+mj-lt"/>
+                    <a:cs typeface="JetBrains Mono" panose="02000009000000000000" pitchFamily="49" charset="0"/>
+                  </a:rPr>
+                </a:br>
+                <a:r>
+                  <a:rPr kumimoji="0" lang="zh-TW" altLang="zh-TW" sz="1500" b="0" i="0" u="none" strike="noStrike" cap="none" normalizeH="0" baseline="0">
+                    <a:ln>
+                      <a:noFill/>
+                    </a:ln>
+                    <a:solidFill>
+                      <a:srgbClr val="BCBEC4"/>
+                    </a:solidFill>
+                    <a:effectLst/>
+                    <a:latin typeface="+mj-lt"/>
+                    <a:cs typeface="JetBrains Mono" panose="02000009000000000000" pitchFamily="49" charset="0"/>
+                  </a:rPr>
+                  <a:t>    }</a:t>
+                </a:r>
+                <a:br>
+                  <a:rPr kumimoji="0" lang="zh-TW" altLang="zh-TW" sz="1500" b="0" i="0" u="none" strike="noStrike" cap="none" normalizeH="0" baseline="0">
+                    <a:ln>
+                      <a:noFill/>
+                    </a:ln>
+                    <a:solidFill>
+                      <a:srgbClr val="BCBEC4"/>
+                    </a:solidFill>
+                    <a:effectLst/>
+                    <a:latin typeface="+mj-lt"/>
+                    <a:cs typeface="JetBrains Mono" panose="02000009000000000000" pitchFamily="49" charset="0"/>
+                  </a:rPr>
+                </a:br>
+                <a:r>
+                  <a:rPr kumimoji="0" lang="zh-TW" altLang="zh-TW" sz="1500" b="0" i="0" u="none" strike="noStrike" cap="none" normalizeH="0" baseline="0">
+                    <a:ln>
+                      <a:noFill/>
+                    </a:ln>
+                    <a:solidFill>
+                      <a:srgbClr val="BCBEC4"/>
+                    </a:solidFill>
+                    <a:effectLst/>
+                    <a:latin typeface="+mj-lt"/>
+                    <a:cs typeface="JetBrains Mono" panose="02000009000000000000" pitchFamily="49" charset="0"/>
+                  </a:rPr>
+                  <a:t>}</a:t>
+                </a:r>
+                <a:endParaRPr kumimoji="0" lang="zh-TW" altLang="zh-TW" sz="1500" b="0" i="0" u="none" strike="noStrike" cap="none" normalizeH="0" baseline="0">
+                  <a:ln>
+                    <a:noFill/>
+                  </a:ln>
+                  <a:solidFill>
+                    <a:schemeClr val="tx1"/>
+                  </a:solidFill>
+                  <a:effectLst/>
+                  <a:latin typeface="+mj-lt"/>
+                </a:endParaRPr>
+              </a:p>
+            </p:txBody>
+          </p:sp>
+          <p:sp>
+            <p:nvSpPr>
+              <p:cNvPr id="7" name="Rectangle 4">
+                <a:extLst>
+                  <a:ext uri="{FF2B5EF4-FFF2-40B4-BE49-F238E27FC236}">
+                    <a16:creationId xmlns:a16="http://schemas.microsoft.com/office/drawing/2014/main" id="{BA94EE1E-827F-4E62-8E9D-40BDFDEE36F8}"/>
+                  </a:ext>
+                </a:extLst>
+              </p:cNvPr>
+              <p:cNvSpPr>
+                <a:spLocks noChangeArrowheads="1"/>
+              </p:cNvSpPr>
+              <p:nvPr/>
+            </p:nvSpPr>
+            <p:spPr bwMode="auto">
+              <a:xfrm>
+                <a:off x="838200" y="3533785"/>
+                <a:ext cx="5579262" cy="2169825"/>
+              </a:xfrm>
+              <a:prstGeom prst="rect">
+                <a:avLst/>
+              </a:prstGeom>
+              <a:solidFill>
+                <a:srgbClr val="1E1F22"/>
+              </a:solidFill>
+              <a:ln>
+                <a:noFill/>
+              </a:ln>
+              <a:effectLst/>
+              <a:extLst>
+                <a:ext uri="{91240B29-F687-4F45-9708-019B960494DF}">
+                  <a14:hiddenLine xmlns:a14="http://schemas.microsoft.com/office/drawing/2010/main" w="9525">
+                    <a:solidFill>
+                      <a:schemeClr val="tx1"/>
+                    </a:solidFill>
+                    <a:miter lim="800000"/>
+                    <a:headEnd/>
+                    <a:tailEnd/>
+                  </a14:hiddenLine>
+                </a:ext>
+                <a:ext uri="{AF507438-7753-43E0-B8FC-AC1667EBCBE1}">
+                  <a14:hiddenEffects xmlns:a14="http://schemas.microsoft.com/office/drawing/2010/main">
+                    <a:effectLst>
+                      <a:outerShdw dist="35921" dir="2700000" algn="ctr" rotWithShape="0">
+                        <a:schemeClr val="bg2"/>
+                      </a:outerShdw>
+                    </a:effectLst>
+                  </a14:hiddenEffects>
+                </a:ext>
+              </a:extLst>
+            </p:spPr>
+            <p:txBody>
+              <a:bodyPr vert="horz" wrap="square" lIns="91440" tIns="45720" rIns="91440" bIns="45720" numCol="1" anchor="ctr" anchorCtr="0" compatLnSpc="1">
+                <a:prstTxWarp prst="textNoShape">
+                  <a:avLst/>
+                </a:prstTxWarp>
+                <a:spAutoFit/>
+              </a:bodyPr>
+              <a:lstStyle/>
+              <a:p>
+                <a:pPr marL="0" marR="0" lvl="0" indent="0" algn="l" defTabSz="914400" rtl="0" eaLnBrk="0" fontAlgn="base" latinLnBrk="0" hangingPunct="0">
+                  <a:lnSpc>
+                    <a:spcPct val="100000"/>
+                  </a:lnSpc>
+                  <a:spcBef>
+                    <a:spcPct val="0"/>
+                  </a:spcBef>
+                  <a:spcAft>
+                    <a:spcPct val="0"/>
+                  </a:spcAft>
+                  <a:buClrTx/>
+                  <a:buSzTx/>
+                  <a:buFontTx/>
+                  <a:buNone/>
+                  <a:tabLst/>
+                </a:pPr>
+                <a:r>
+                  <a:rPr kumimoji="0" lang="zh-TW" altLang="zh-TW" sz="1500" b="0" i="0" u="none" strike="noStrike" cap="none" normalizeH="0" baseline="0">
+                    <a:ln>
+                      <a:noFill/>
+                    </a:ln>
+                    <a:solidFill>
+                      <a:srgbClr val="CF8E6D"/>
+                    </a:solidFill>
+                    <a:effectLst/>
+                    <a:latin typeface="+mj-lt"/>
+                    <a:cs typeface="JetBrains Mono" panose="02000009000000000000" pitchFamily="49" charset="0"/>
+                  </a:rPr>
+                  <a:t>enum </a:t>
+                </a:r>
+                <a:r>
+                  <a:rPr kumimoji="0" lang="zh-TW" altLang="zh-TW" sz="1500" b="0" i="0" u="none" strike="noStrike" cap="none" normalizeH="0" baseline="0">
+                    <a:ln>
+                      <a:noFill/>
+                    </a:ln>
+                    <a:solidFill>
+                      <a:srgbClr val="BCBEC4"/>
+                    </a:solidFill>
+                    <a:effectLst/>
+                    <a:latin typeface="+mj-lt"/>
+                    <a:cs typeface="JetBrains Mono" panose="02000009000000000000" pitchFamily="49" charset="0"/>
+                  </a:rPr>
+                  <a:t>Role {</a:t>
+                </a:r>
+                <a:br>
+                  <a:rPr kumimoji="0" lang="zh-TW" altLang="zh-TW" sz="1500" b="0" i="0" u="none" strike="noStrike" cap="none" normalizeH="0" baseline="0">
+                    <a:ln>
+                      <a:noFill/>
+                    </a:ln>
+                    <a:solidFill>
+                      <a:srgbClr val="BCBEC4"/>
+                    </a:solidFill>
+                    <a:effectLst/>
+                    <a:latin typeface="+mj-lt"/>
+                    <a:cs typeface="JetBrains Mono" panose="02000009000000000000" pitchFamily="49" charset="0"/>
+                  </a:rPr>
+                </a:br>
+                <a:r>
+                  <a:rPr kumimoji="0" lang="zh-TW" altLang="zh-TW" sz="1500" b="0" i="0" u="none" strike="noStrike" cap="none" normalizeH="0" baseline="0">
+                    <a:ln>
+                      <a:noFill/>
+                    </a:ln>
+                    <a:solidFill>
+                      <a:srgbClr val="BCBEC4"/>
+                    </a:solidFill>
+                    <a:effectLst/>
+                    <a:latin typeface="+mj-lt"/>
+                    <a:cs typeface="JetBrains Mono" panose="02000009000000000000" pitchFamily="49" charset="0"/>
+                  </a:rPr>
+                  <a:t>    </a:t>
+                </a:r>
+                <a:r>
+                  <a:rPr kumimoji="0" lang="zh-TW" altLang="zh-TW" sz="1500" b="0" i="1" u="none" strike="noStrike" cap="none" normalizeH="0" baseline="0">
+                    <a:ln>
+                      <a:noFill/>
+                    </a:ln>
+                    <a:solidFill>
+                      <a:srgbClr val="C77DBB"/>
+                    </a:solidFill>
+                    <a:effectLst/>
+                    <a:latin typeface="+mj-lt"/>
+                    <a:cs typeface="JetBrains Mono" panose="02000009000000000000" pitchFamily="49" charset="0"/>
+                  </a:rPr>
+                  <a:t>WORKER</a:t>
+                </a:r>
+                <a:r>
+                  <a:rPr kumimoji="0" lang="zh-TW" altLang="zh-TW" sz="1500" b="0" i="0" u="none" strike="noStrike" cap="none" normalizeH="0" baseline="0">
+                    <a:ln>
+                      <a:noFill/>
+                    </a:ln>
+                    <a:solidFill>
+                      <a:srgbClr val="BCBEC4"/>
+                    </a:solidFill>
+                    <a:effectLst/>
+                    <a:latin typeface="+mj-lt"/>
+                    <a:cs typeface="JetBrains Mono" panose="02000009000000000000" pitchFamily="49" charset="0"/>
+                  </a:rPr>
+                  <a:t>(</a:t>
+                </a:r>
+                <a:r>
+                  <a:rPr kumimoji="0" lang="zh-TW" altLang="zh-TW" sz="1500" b="0" i="0" u="none" strike="noStrike" cap="none" normalizeH="0" baseline="0">
+                    <a:ln>
+                      <a:noFill/>
+                    </a:ln>
+                    <a:solidFill>
+                      <a:srgbClr val="6AAB73"/>
+                    </a:solidFill>
+                    <a:effectLst/>
+                    <a:latin typeface="+mj-lt"/>
+                    <a:cs typeface="JetBrains Mono" panose="02000009000000000000" pitchFamily="49" charset="0"/>
+                  </a:rPr>
+                  <a:t>"</a:t>
+                </a:r>
+                <a:r>
+                  <a:rPr kumimoji="0" lang="zh-TW" altLang="zh-TW" sz="1500" b="0" i="0" u="none" strike="noStrike" cap="none" normalizeH="0" baseline="0">
+                    <a:ln>
+                      <a:noFill/>
+                    </a:ln>
+                    <a:solidFill>
+                      <a:srgbClr val="6AAB73"/>
+                    </a:solidFill>
+                    <a:effectLst/>
+                    <a:latin typeface="+mj-lt"/>
+                    <a:ea typeface="微軟正黑體" panose="020B0604030504040204" pitchFamily="34" charset="-120"/>
+                    <a:cs typeface="JetBrains Mono" panose="02000009000000000000" pitchFamily="49" charset="0"/>
+                  </a:rPr>
+                  <a:t>上班族</a:t>
+                </a:r>
+                <a:r>
+                  <a:rPr kumimoji="0" lang="zh-TW" altLang="zh-TW" sz="1500" b="0" i="0" u="none" strike="noStrike" cap="none" normalizeH="0" baseline="0">
+                    <a:ln>
+                      <a:noFill/>
+                    </a:ln>
+                    <a:solidFill>
+                      <a:srgbClr val="6AAB73"/>
+                    </a:solidFill>
+                    <a:effectLst/>
+                    <a:latin typeface="+mj-lt"/>
+                    <a:cs typeface="JetBrains Mono" panose="02000009000000000000" pitchFamily="49" charset="0"/>
+                  </a:rPr>
+                  <a:t>"</a:t>
+                </a:r>
+                <a:r>
+                  <a:rPr kumimoji="0" lang="zh-TW" altLang="zh-TW" sz="1500" b="0" i="0" u="none" strike="noStrike" cap="none" normalizeH="0" baseline="0">
+                    <a:ln>
+                      <a:noFill/>
+                    </a:ln>
+                    <a:solidFill>
+                      <a:srgbClr val="BCBEC4"/>
+                    </a:solidFill>
+                    <a:effectLst/>
+                    <a:latin typeface="+mj-lt"/>
+                    <a:cs typeface="JetBrains Mono" panose="02000009000000000000" pitchFamily="49" charset="0"/>
+                  </a:rPr>
+                  <a:t>), </a:t>
+                </a:r>
+                <a:r>
+                  <a:rPr kumimoji="0" lang="zh-TW" altLang="zh-TW" sz="1500" b="0" i="1" u="none" strike="noStrike" cap="none" normalizeH="0" baseline="0">
+                    <a:ln>
+                      <a:noFill/>
+                    </a:ln>
+                    <a:solidFill>
+                      <a:srgbClr val="C77DBB"/>
+                    </a:solidFill>
+                    <a:effectLst/>
+                    <a:latin typeface="+mj-lt"/>
+                    <a:cs typeface="JetBrains Mono" panose="02000009000000000000" pitchFamily="49" charset="0"/>
+                  </a:rPr>
+                  <a:t>BABY</a:t>
+                </a:r>
+                <a:r>
+                  <a:rPr kumimoji="0" lang="zh-TW" altLang="zh-TW" sz="1500" b="0" i="0" u="none" strike="noStrike" cap="none" normalizeH="0" baseline="0">
+                    <a:ln>
+                      <a:noFill/>
+                    </a:ln>
+                    <a:solidFill>
+                      <a:srgbClr val="BCBEC4"/>
+                    </a:solidFill>
+                    <a:effectLst/>
+                    <a:latin typeface="+mj-lt"/>
+                    <a:cs typeface="JetBrains Mono" panose="02000009000000000000" pitchFamily="49" charset="0"/>
+                  </a:rPr>
+                  <a:t>(</a:t>
+                </a:r>
+                <a:r>
+                  <a:rPr kumimoji="0" lang="zh-TW" altLang="zh-TW" sz="1500" b="0" i="0" u="none" strike="noStrike" cap="none" normalizeH="0" baseline="0">
+                    <a:ln>
+                      <a:noFill/>
+                    </a:ln>
+                    <a:solidFill>
+                      <a:srgbClr val="6AAB73"/>
+                    </a:solidFill>
+                    <a:effectLst/>
+                    <a:latin typeface="+mj-lt"/>
+                    <a:cs typeface="JetBrains Mono" panose="02000009000000000000" pitchFamily="49" charset="0"/>
+                  </a:rPr>
+                  <a:t>"</a:t>
+                </a:r>
+                <a:r>
+                  <a:rPr kumimoji="0" lang="zh-TW" altLang="zh-TW" sz="1500" b="0" i="0" u="none" strike="noStrike" cap="none" normalizeH="0" baseline="0">
+                    <a:ln>
+                      <a:noFill/>
+                    </a:ln>
+                    <a:solidFill>
+                      <a:srgbClr val="6AAB73"/>
+                    </a:solidFill>
+                    <a:effectLst/>
+                    <a:latin typeface="+mj-lt"/>
+                    <a:ea typeface="微軟正黑體" panose="020B0604030504040204" pitchFamily="34" charset="-120"/>
+                    <a:cs typeface="JetBrains Mono" panose="02000009000000000000" pitchFamily="49" charset="0"/>
+                  </a:rPr>
+                  <a:t>嬰兒</a:t>
+                </a:r>
+                <a:r>
+                  <a:rPr kumimoji="0" lang="zh-TW" altLang="zh-TW" sz="1500" b="0" i="0" u="none" strike="noStrike" cap="none" normalizeH="0" baseline="0">
+                    <a:ln>
+                      <a:noFill/>
+                    </a:ln>
+                    <a:solidFill>
+                      <a:srgbClr val="6AAB73"/>
+                    </a:solidFill>
+                    <a:effectLst/>
+                    <a:latin typeface="+mj-lt"/>
+                    <a:cs typeface="JetBrains Mono" panose="02000009000000000000" pitchFamily="49" charset="0"/>
+                  </a:rPr>
+                  <a:t>"</a:t>
+                </a:r>
+                <a:r>
+                  <a:rPr kumimoji="0" lang="zh-TW" altLang="zh-TW" sz="1500" b="0" i="0" u="none" strike="noStrike" cap="none" normalizeH="0" baseline="0">
+                    <a:ln>
+                      <a:noFill/>
+                    </a:ln>
+                    <a:solidFill>
+                      <a:srgbClr val="BCBEC4"/>
+                    </a:solidFill>
+                    <a:effectLst/>
+                    <a:latin typeface="+mj-lt"/>
+                    <a:cs typeface="JetBrains Mono" panose="02000009000000000000" pitchFamily="49" charset="0"/>
+                  </a:rPr>
+                  <a:t>), </a:t>
+                </a:r>
+                <a:r>
+                  <a:rPr kumimoji="0" lang="zh-TW" altLang="zh-TW" sz="1500" b="0" i="1" u="none" strike="noStrike" cap="none" normalizeH="0" baseline="0">
+                    <a:ln>
+                      <a:noFill/>
+                    </a:ln>
+                    <a:solidFill>
+                      <a:srgbClr val="C77DBB"/>
+                    </a:solidFill>
+                    <a:effectLst/>
+                    <a:latin typeface="+mj-lt"/>
+                    <a:cs typeface="JetBrains Mono" panose="02000009000000000000" pitchFamily="49" charset="0"/>
+                  </a:rPr>
+                  <a:t>STUDENT</a:t>
+                </a:r>
+                <a:r>
+                  <a:rPr kumimoji="0" lang="zh-TW" altLang="zh-TW" sz="1500" b="0" i="0" u="none" strike="noStrike" cap="none" normalizeH="0" baseline="0">
+                    <a:ln>
+                      <a:noFill/>
+                    </a:ln>
+                    <a:solidFill>
+                      <a:srgbClr val="BCBEC4"/>
+                    </a:solidFill>
+                    <a:effectLst/>
+                    <a:latin typeface="+mj-lt"/>
+                    <a:cs typeface="JetBrains Mono" panose="02000009000000000000" pitchFamily="49" charset="0"/>
+                  </a:rPr>
+                  <a:t>(</a:t>
+                </a:r>
+                <a:r>
+                  <a:rPr kumimoji="0" lang="zh-TW" altLang="zh-TW" sz="1500" b="0" i="0" u="none" strike="noStrike" cap="none" normalizeH="0" baseline="0">
+                    <a:ln>
+                      <a:noFill/>
+                    </a:ln>
+                    <a:solidFill>
+                      <a:srgbClr val="6AAB73"/>
+                    </a:solidFill>
+                    <a:effectLst/>
+                    <a:latin typeface="+mj-lt"/>
+                    <a:cs typeface="JetBrains Mono" panose="02000009000000000000" pitchFamily="49" charset="0"/>
+                  </a:rPr>
+                  <a:t>"</a:t>
+                </a:r>
+                <a:r>
+                  <a:rPr kumimoji="0" lang="zh-TW" altLang="zh-TW" sz="1500" b="0" i="0" u="none" strike="noStrike" cap="none" normalizeH="0" baseline="0">
+                    <a:ln>
+                      <a:noFill/>
+                    </a:ln>
+                    <a:solidFill>
+                      <a:srgbClr val="6AAB73"/>
+                    </a:solidFill>
+                    <a:effectLst/>
+                    <a:latin typeface="+mj-lt"/>
+                    <a:ea typeface="微軟正黑體" panose="020B0604030504040204" pitchFamily="34" charset="-120"/>
+                    <a:cs typeface="JetBrains Mono" panose="02000009000000000000" pitchFamily="49" charset="0"/>
+                  </a:rPr>
+                  <a:t>學生</a:t>
+                </a:r>
+                <a:r>
+                  <a:rPr kumimoji="0" lang="zh-TW" altLang="zh-TW" sz="1500" b="0" i="0" u="none" strike="noStrike" cap="none" normalizeH="0" baseline="0">
+                    <a:ln>
+                      <a:noFill/>
+                    </a:ln>
+                    <a:solidFill>
+                      <a:srgbClr val="6AAB73"/>
+                    </a:solidFill>
+                    <a:effectLst/>
+                    <a:latin typeface="+mj-lt"/>
+                    <a:cs typeface="JetBrains Mono" panose="02000009000000000000" pitchFamily="49" charset="0"/>
+                  </a:rPr>
+                  <a:t>"</a:t>
+                </a:r>
+                <a:r>
+                  <a:rPr kumimoji="0" lang="zh-TW" altLang="zh-TW" sz="1500" b="0" i="0" u="none" strike="noStrike" cap="none" normalizeH="0" baseline="0">
+                    <a:ln>
+                      <a:noFill/>
+                    </a:ln>
+                    <a:solidFill>
+                      <a:srgbClr val="BCBEC4"/>
+                    </a:solidFill>
+                    <a:effectLst/>
+                    <a:latin typeface="+mj-lt"/>
+                    <a:cs typeface="JetBrains Mono" panose="02000009000000000000" pitchFamily="49" charset="0"/>
+                  </a:rPr>
+                  <a:t>);</a:t>
+                </a:r>
+                <a:br>
+                  <a:rPr kumimoji="0" lang="zh-TW" altLang="zh-TW" sz="1500" b="0" i="0" u="none" strike="noStrike" cap="none" normalizeH="0" baseline="0">
+                    <a:ln>
+                      <a:noFill/>
+                    </a:ln>
+                    <a:solidFill>
+                      <a:srgbClr val="BCBEC4"/>
+                    </a:solidFill>
+                    <a:effectLst/>
+                    <a:latin typeface="+mj-lt"/>
+                    <a:cs typeface="JetBrains Mono" panose="02000009000000000000" pitchFamily="49" charset="0"/>
+                  </a:rPr>
+                </a:br>
+                <a:br>
+                  <a:rPr kumimoji="0" lang="zh-TW" altLang="zh-TW" sz="1500" b="0" i="0" u="none" strike="noStrike" cap="none" normalizeH="0" baseline="0">
+                    <a:ln>
+                      <a:noFill/>
+                    </a:ln>
+                    <a:solidFill>
+                      <a:srgbClr val="BCBEC4"/>
+                    </a:solidFill>
+                    <a:effectLst/>
+                    <a:latin typeface="+mj-lt"/>
+                    <a:cs typeface="JetBrains Mono" panose="02000009000000000000" pitchFamily="49" charset="0"/>
+                  </a:rPr>
+                </a:br>
+                <a:r>
+                  <a:rPr kumimoji="0" lang="zh-TW" altLang="zh-TW" sz="1500" b="0" i="0" u="none" strike="noStrike" cap="none" normalizeH="0" baseline="0">
+                    <a:ln>
+                      <a:noFill/>
+                    </a:ln>
+                    <a:solidFill>
+                      <a:srgbClr val="BCBEC4"/>
+                    </a:solidFill>
+                    <a:effectLst/>
+                    <a:latin typeface="+mj-lt"/>
+                    <a:cs typeface="JetBrains Mono" panose="02000009000000000000" pitchFamily="49" charset="0"/>
+                  </a:rPr>
+                  <a:t>    </a:t>
+                </a:r>
+                <a:r>
+                  <a:rPr kumimoji="0" lang="zh-TW" altLang="zh-TW" sz="1500" b="0" i="0" u="none" strike="noStrike" cap="none" normalizeH="0" baseline="0">
+                    <a:ln>
+                      <a:noFill/>
+                    </a:ln>
+                    <a:solidFill>
+                      <a:srgbClr val="CF8E6D"/>
+                    </a:solidFill>
+                    <a:effectLst/>
+                    <a:latin typeface="+mj-lt"/>
+                    <a:cs typeface="JetBrains Mono" panose="02000009000000000000" pitchFamily="49" charset="0"/>
+                  </a:rPr>
+                  <a:t>final </a:t>
+                </a:r>
+                <a:r>
+                  <a:rPr kumimoji="0" lang="zh-TW" altLang="zh-TW" sz="1500" b="0" i="0" u="none" strike="noStrike" cap="none" normalizeH="0" baseline="0">
+                    <a:ln>
+                      <a:noFill/>
+                    </a:ln>
+                    <a:solidFill>
+                      <a:srgbClr val="BCBEC4"/>
+                    </a:solidFill>
+                    <a:effectLst/>
+                    <a:latin typeface="+mj-lt"/>
+                    <a:cs typeface="JetBrains Mono" panose="02000009000000000000" pitchFamily="49" charset="0"/>
+                  </a:rPr>
+                  <a:t>String </a:t>
+                </a:r>
+                <a:r>
+                  <a:rPr kumimoji="0" lang="zh-TW" altLang="zh-TW" sz="1500" b="0" i="0" u="none" strike="noStrike" cap="none" normalizeH="0" baseline="0">
+                    <a:ln>
+                      <a:noFill/>
+                    </a:ln>
+                    <a:solidFill>
+                      <a:srgbClr val="C77DBB"/>
+                    </a:solidFill>
+                    <a:effectLst/>
+                    <a:latin typeface="+mj-lt"/>
+                    <a:cs typeface="JetBrains Mono" panose="02000009000000000000" pitchFamily="49" charset="0"/>
+                  </a:rPr>
+                  <a:t>description</a:t>
+                </a:r>
+                <a:r>
+                  <a:rPr kumimoji="0" lang="zh-TW" altLang="zh-TW" sz="1500" b="0" i="0" u="none" strike="noStrike" cap="none" normalizeH="0" baseline="0">
+                    <a:ln>
+                      <a:noFill/>
+                    </a:ln>
+                    <a:solidFill>
+                      <a:srgbClr val="BCBEC4"/>
+                    </a:solidFill>
+                    <a:effectLst/>
+                    <a:latin typeface="+mj-lt"/>
+                    <a:cs typeface="JetBrains Mono" panose="02000009000000000000" pitchFamily="49" charset="0"/>
+                  </a:rPr>
+                  <a:t>;</a:t>
+                </a:r>
+                <a:br>
+                  <a:rPr kumimoji="0" lang="zh-TW" altLang="zh-TW" sz="1500" b="0" i="0" u="none" strike="noStrike" cap="none" normalizeH="0" baseline="0">
+                    <a:ln>
+                      <a:noFill/>
+                    </a:ln>
+                    <a:solidFill>
+                      <a:srgbClr val="BCBEC4"/>
+                    </a:solidFill>
+                    <a:effectLst/>
+                    <a:latin typeface="+mj-lt"/>
+                    <a:cs typeface="JetBrains Mono" panose="02000009000000000000" pitchFamily="49" charset="0"/>
+                  </a:rPr>
+                </a:br>
+                <a:br>
+                  <a:rPr kumimoji="0" lang="zh-TW" altLang="zh-TW" sz="1500" b="0" i="0" u="none" strike="noStrike" cap="none" normalizeH="0" baseline="0">
+                    <a:ln>
+                      <a:noFill/>
+                    </a:ln>
+                    <a:solidFill>
+                      <a:srgbClr val="BCBEC4"/>
+                    </a:solidFill>
+                    <a:effectLst/>
+                    <a:latin typeface="+mj-lt"/>
+                    <a:cs typeface="JetBrains Mono" panose="02000009000000000000" pitchFamily="49" charset="0"/>
+                  </a:rPr>
+                </a:br>
+                <a:r>
+                  <a:rPr kumimoji="0" lang="zh-TW" altLang="zh-TW" sz="1500" b="0" i="0" u="none" strike="noStrike" cap="none" normalizeH="0" baseline="0">
+                    <a:ln>
+                      <a:noFill/>
+                    </a:ln>
+                    <a:solidFill>
+                      <a:srgbClr val="BCBEC4"/>
+                    </a:solidFill>
+                    <a:effectLst/>
+                    <a:latin typeface="+mj-lt"/>
+                    <a:cs typeface="JetBrains Mono" panose="02000009000000000000" pitchFamily="49" charset="0"/>
+                  </a:rPr>
+                  <a:t>    </a:t>
+                </a:r>
+                <a:r>
+                  <a:rPr kumimoji="0" lang="zh-TW" altLang="zh-TW" sz="1500" b="0" i="0" u="none" strike="noStrike" cap="none" normalizeH="0" baseline="0">
+                    <a:ln>
+                      <a:noFill/>
+                    </a:ln>
+                    <a:solidFill>
+                      <a:srgbClr val="56A8F5"/>
+                    </a:solidFill>
+                    <a:effectLst/>
+                    <a:latin typeface="+mj-lt"/>
+                    <a:cs typeface="JetBrains Mono" panose="02000009000000000000" pitchFamily="49" charset="0"/>
+                  </a:rPr>
+                  <a:t>Role</a:t>
+                </a:r>
+                <a:r>
+                  <a:rPr kumimoji="0" lang="zh-TW" altLang="zh-TW" sz="1500" b="0" i="0" u="none" strike="noStrike" cap="none" normalizeH="0" baseline="0">
+                    <a:ln>
+                      <a:noFill/>
+                    </a:ln>
+                    <a:solidFill>
+                      <a:srgbClr val="BCBEC4"/>
+                    </a:solidFill>
+                    <a:effectLst/>
+                    <a:latin typeface="+mj-lt"/>
+                    <a:cs typeface="JetBrains Mono" panose="02000009000000000000" pitchFamily="49" charset="0"/>
+                  </a:rPr>
+                  <a:t>(String description) {</a:t>
+                </a:r>
+                <a:br>
+                  <a:rPr kumimoji="0" lang="zh-TW" altLang="zh-TW" sz="1500" b="0" i="0" u="none" strike="noStrike" cap="none" normalizeH="0" baseline="0">
+                    <a:ln>
+                      <a:noFill/>
+                    </a:ln>
+                    <a:solidFill>
+                      <a:srgbClr val="BCBEC4"/>
+                    </a:solidFill>
+                    <a:effectLst/>
+                    <a:latin typeface="+mj-lt"/>
+                    <a:cs typeface="JetBrains Mono" panose="02000009000000000000" pitchFamily="49" charset="0"/>
+                  </a:rPr>
+                </a:br>
+                <a:r>
+                  <a:rPr kumimoji="0" lang="zh-TW" altLang="zh-TW" sz="1500" b="0" i="0" u="none" strike="noStrike" cap="none" normalizeH="0" baseline="0">
+                    <a:ln>
+                      <a:noFill/>
+                    </a:ln>
+                    <a:solidFill>
+                      <a:srgbClr val="BCBEC4"/>
+                    </a:solidFill>
+                    <a:effectLst/>
+                    <a:latin typeface="+mj-lt"/>
+                    <a:cs typeface="JetBrains Mono" panose="02000009000000000000" pitchFamily="49" charset="0"/>
+                  </a:rPr>
+                  <a:t>        </a:t>
+                </a:r>
+                <a:r>
+                  <a:rPr kumimoji="0" lang="zh-TW" altLang="zh-TW" sz="1500" b="0" i="0" u="none" strike="noStrike" cap="none" normalizeH="0" baseline="0">
+                    <a:ln>
+                      <a:noFill/>
+                    </a:ln>
+                    <a:solidFill>
+                      <a:srgbClr val="CF8E6D"/>
+                    </a:solidFill>
+                    <a:effectLst/>
+                    <a:latin typeface="+mj-lt"/>
+                    <a:cs typeface="JetBrains Mono" panose="02000009000000000000" pitchFamily="49" charset="0"/>
+                  </a:rPr>
+                  <a:t>this</a:t>
+                </a:r>
+                <a:r>
+                  <a:rPr kumimoji="0" lang="zh-TW" altLang="zh-TW" sz="1500" b="0" i="0" u="none" strike="noStrike" cap="none" normalizeH="0" baseline="0">
+                    <a:ln>
+                      <a:noFill/>
+                    </a:ln>
+                    <a:solidFill>
+                      <a:srgbClr val="BCBEC4"/>
+                    </a:solidFill>
+                    <a:effectLst/>
+                    <a:latin typeface="+mj-lt"/>
+                    <a:cs typeface="JetBrains Mono" panose="02000009000000000000" pitchFamily="49" charset="0"/>
+                  </a:rPr>
+                  <a:t>.</a:t>
+                </a:r>
+                <a:r>
+                  <a:rPr kumimoji="0" lang="zh-TW" altLang="zh-TW" sz="1500" b="0" i="0" u="none" strike="noStrike" cap="none" normalizeH="0" baseline="0">
+                    <a:ln>
+                      <a:noFill/>
+                    </a:ln>
+                    <a:solidFill>
+                      <a:srgbClr val="C77DBB"/>
+                    </a:solidFill>
+                    <a:effectLst/>
+                    <a:latin typeface="+mj-lt"/>
+                    <a:cs typeface="JetBrains Mono" panose="02000009000000000000" pitchFamily="49" charset="0"/>
+                  </a:rPr>
+                  <a:t>description </a:t>
+                </a:r>
+                <a:r>
+                  <a:rPr kumimoji="0" lang="zh-TW" altLang="zh-TW" sz="1500" b="0" i="0" u="none" strike="noStrike" cap="none" normalizeH="0" baseline="0">
+                    <a:ln>
+                      <a:noFill/>
+                    </a:ln>
+                    <a:solidFill>
+                      <a:srgbClr val="BCBEC4"/>
+                    </a:solidFill>
+                    <a:effectLst/>
+                    <a:latin typeface="+mj-lt"/>
+                    <a:cs typeface="JetBrains Mono" panose="02000009000000000000" pitchFamily="49" charset="0"/>
+                  </a:rPr>
+                  <a:t>= description;</a:t>
+                </a:r>
+                <a:br>
+                  <a:rPr kumimoji="0" lang="zh-TW" altLang="zh-TW" sz="1500" b="0" i="0" u="none" strike="noStrike" cap="none" normalizeH="0" baseline="0">
+                    <a:ln>
+                      <a:noFill/>
+                    </a:ln>
+                    <a:solidFill>
+                      <a:srgbClr val="BCBEC4"/>
+                    </a:solidFill>
+                    <a:effectLst/>
+                    <a:latin typeface="+mj-lt"/>
+                    <a:cs typeface="JetBrains Mono" panose="02000009000000000000" pitchFamily="49" charset="0"/>
+                  </a:rPr>
+                </a:br>
+                <a:r>
+                  <a:rPr kumimoji="0" lang="zh-TW" altLang="zh-TW" sz="1500" b="0" i="0" u="none" strike="noStrike" cap="none" normalizeH="0" baseline="0">
+                    <a:ln>
+                      <a:noFill/>
+                    </a:ln>
+                    <a:solidFill>
+                      <a:srgbClr val="BCBEC4"/>
+                    </a:solidFill>
+                    <a:effectLst/>
+                    <a:latin typeface="+mj-lt"/>
+                    <a:cs typeface="JetBrains Mono" panose="02000009000000000000" pitchFamily="49" charset="0"/>
+                  </a:rPr>
+                  <a:t>    }</a:t>
+                </a:r>
+                <a:br>
+                  <a:rPr kumimoji="0" lang="zh-TW" altLang="zh-TW" sz="1500" b="0" i="0" u="none" strike="noStrike" cap="none" normalizeH="0" baseline="0">
+                    <a:ln>
+                      <a:noFill/>
+                    </a:ln>
+                    <a:solidFill>
+                      <a:srgbClr val="BCBEC4"/>
+                    </a:solidFill>
+                    <a:effectLst/>
+                    <a:latin typeface="+mj-lt"/>
+                    <a:cs typeface="JetBrains Mono" panose="02000009000000000000" pitchFamily="49" charset="0"/>
+                  </a:rPr>
+                </a:br>
+                <a:r>
+                  <a:rPr kumimoji="0" lang="zh-TW" altLang="zh-TW" sz="1500" b="0" i="0" u="none" strike="noStrike" cap="none" normalizeH="0" baseline="0">
+                    <a:ln>
+                      <a:noFill/>
+                    </a:ln>
+                    <a:solidFill>
+                      <a:srgbClr val="BCBEC4"/>
+                    </a:solidFill>
+                    <a:effectLst/>
+                    <a:latin typeface="+mj-lt"/>
+                    <a:cs typeface="JetBrains Mono" panose="02000009000000000000" pitchFamily="49" charset="0"/>
+                  </a:rPr>
+                  <a:t>}</a:t>
+                </a:r>
+                <a:endParaRPr kumimoji="0" lang="zh-TW" altLang="zh-TW" sz="1500" b="0" i="0" u="none" strike="noStrike" cap="none" normalizeH="0" baseline="0">
+                  <a:ln>
+                    <a:noFill/>
+                  </a:ln>
+                  <a:solidFill>
+                    <a:schemeClr val="tx1"/>
+                  </a:solidFill>
+                  <a:effectLst/>
+                  <a:latin typeface="+mj-lt"/>
+                </a:endParaRPr>
+              </a:p>
+            </p:txBody>
+          </p:sp>
+          <p:sp>
+            <p:nvSpPr>
+              <p:cNvPr id="9" name="Rectangle 6">
+                <a:extLst>
+                  <a:ext uri="{FF2B5EF4-FFF2-40B4-BE49-F238E27FC236}">
+                    <a16:creationId xmlns:a16="http://schemas.microsoft.com/office/drawing/2014/main" id="{71BF5A99-A208-4368-A315-369194ECC359}"/>
+                  </a:ext>
+                </a:extLst>
+              </p:cNvPr>
+              <p:cNvSpPr>
+                <a:spLocks noChangeArrowheads="1"/>
+              </p:cNvSpPr>
+              <p:nvPr/>
+            </p:nvSpPr>
+            <p:spPr bwMode="auto">
+              <a:xfrm>
+                <a:off x="6417462" y="1825625"/>
+                <a:ext cx="4945585" cy="3785652"/>
+              </a:xfrm>
+              <a:prstGeom prst="rect">
+                <a:avLst/>
+              </a:prstGeom>
+              <a:solidFill>
+                <a:srgbClr val="1E1F22"/>
+              </a:solidFill>
+              <a:ln>
+                <a:noFill/>
+              </a:ln>
+              <a:effectLst/>
+              <a:extLst>
+                <a:ext uri="{91240B29-F687-4F45-9708-019B960494DF}">
+                  <a14:hiddenLine xmlns:a14="http://schemas.microsoft.com/office/drawing/2010/main" w="9525">
+                    <a:solidFill>
+                      <a:schemeClr val="tx1"/>
+                    </a:solidFill>
+                    <a:miter lim="800000"/>
+                    <a:headEnd/>
+                    <a:tailEnd/>
+                  </a14:hiddenLine>
+                </a:ext>
+                <a:ext uri="{AF507438-7753-43E0-B8FC-AC1667EBCBE1}">
+                  <a14:hiddenEffects xmlns:a14="http://schemas.microsoft.com/office/drawing/2010/main">
+                    <a:effectLst>
+                      <a:outerShdw dist="35921" dir="2700000" algn="ctr" rotWithShape="0">
+                        <a:schemeClr val="bg2"/>
+                      </a:outerShdw>
+                    </a:effectLst>
+                  </a14:hiddenEffects>
+                </a:ext>
+              </a:extLst>
+            </p:spPr>
+            <p:txBody>
+              <a:bodyPr vert="horz" wrap="none" lIns="91440" tIns="45720" rIns="91440" bIns="45720" numCol="1" anchor="ctr" anchorCtr="0" compatLnSpc="1">
+                <a:prstTxWarp prst="textNoShape">
+                  <a:avLst/>
+                </a:prstTxWarp>
+                <a:spAutoFit/>
+              </a:bodyPr>
+              <a:lstStyle/>
+              <a:p>
+                <a:pPr marL="0" marR="0" lvl="0" indent="0" algn="l" defTabSz="914400" rtl="0" eaLnBrk="0" fontAlgn="base" latinLnBrk="0" hangingPunct="0">
+                  <a:lnSpc>
+                    <a:spcPct val="100000"/>
+                  </a:lnSpc>
+                  <a:spcBef>
+                    <a:spcPct val="0"/>
+                  </a:spcBef>
+                  <a:spcAft>
+                    <a:spcPct val="0"/>
+                  </a:spcAft>
+                  <a:buClrTx/>
+                  <a:buSzTx/>
+                  <a:buFontTx/>
+                  <a:buNone/>
+                  <a:tabLst/>
+                </a:pPr>
+                <a:r>
+                  <a:rPr kumimoji="0" lang="zh-TW" altLang="zh-TW" sz="1500" b="0" i="0" u="none" strike="noStrike" cap="none" normalizeH="0" baseline="0">
+                    <a:ln>
+                      <a:noFill/>
+                    </a:ln>
+                    <a:solidFill>
+                      <a:srgbClr val="CF8E6D"/>
+                    </a:solidFill>
+                    <a:effectLst/>
+                    <a:latin typeface="+mj-lt"/>
+                    <a:cs typeface="JetBrains Mono" panose="02000009000000000000" pitchFamily="49" charset="0"/>
+                  </a:rPr>
+                  <a:t>class </a:t>
+                </a:r>
+                <a:r>
+                  <a:rPr kumimoji="0" lang="zh-TW" altLang="zh-TW" sz="1500" b="0" i="0" u="none" strike="noStrike" cap="none" normalizeH="0" baseline="0">
+                    <a:ln>
+                      <a:noFill/>
+                    </a:ln>
+                    <a:solidFill>
+                      <a:srgbClr val="BCBEC4"/>
+                    </a:solidFill>
+                    <a:effectLst/>
+                    <a:latin typeface="+mj-lt"/>
+                    <a:cs typeface="JetBrains Mono" panose="02000009000000000000" pitchFamily="49" charset="0"/>
+                  </a:rPr>
+                  <a:t>Person {</a:t>
+                </a:r>
+                <a:br>
+                  <a:rPr kumimoji="0" lang="zh-TW" altLang="zh-TW" sz="1500" b="0" i="0" u="none" strike="noStrike" cap="none" normalizeH="0" baseline="0">
+                    <a:ln>
+                      <a:noFill/>
+                    </a:ln>
+                    <a:solidFill>
+                      <a:srgbClr val="BCBEC4"/>
+                    </a:solidFill>
+                    <a:effectLst/>
+                    <a:latin typeface="+mj-lt"/>
+                    <a:cs typeface="JetBrains Mono" panose="02000009000000000000" pitchFamily="49" charset="0"/>
+                  </a:rPr>
+                </a:br>
+                <a:r>
+                  <a:rPr kumimoji="0" lang="zh-TW" altLang="zh-TW" sz="1500" b="0" i="0" u="none" strike="noStrike" cap="none" normalizeH="0" baseline="0">
+                    <a:ln>
+                      <a:noFill/>
+                    </a:ln>
+                    <a:solidFill>
+                      <a:srgbClr val="BCBEC4"/>
+                    </a:solidFill>
+                    <a:effectLst/>
+                    <a:latin typeface="+mj-lt"/>
+                    <a:cs typeface="JetBrains Mono" panose="02000009000000000000" pitchFamily="49" charset="0"/>
+                  </a:rPr>
+                  <a:t>    Role </a:t>
+                </a:r>
+                <a:r>
+                  <a:rPr kumimoji="0" lang="zh-TW" altLang="zh-TW" sz="1500" b="0" i="0" u="none" strike="noStrike" cap="none" normalizeH="0" baseline="0">
+                    <a:ln>
+                      <a:noFill/>
+                    </a:ln>
+                    <a:solidFill>
+                      <a:srgbClr val="C77DBB"/>
+                    </a:solidFill>
+                    <a:effectLst/>
+                    <a:latin typeface="+mj-lt"/>
+                    <a:cs typeface="JetBrains Mono" panose="02000009000000000000" pitchFamily="49" charset="0"/>
+                  </a:rPr>
+                  <a:t>role</a:t>
+                </a:r>
+                <a:r>
+                  <a:rPr kumimoji="0" lang="zh-TW" altLang="zh-TW" sz="1500" b="0" i="0" u="none" strike="noStrike" cap="none" normalizeH="0" baseline="0">
+                    <a:ln>
+                      <a:noFill/>
+                    </a:ln>
+                    <a:solidFill>
+                      <a:srgbClr val="BCBEC4"/>
+                    </a:solidFill>
+                    <a:effectLst/>
+                    <a:latin typeface="+mj-lt"/>
+                    <a:cs typeface="JetBrains Mono" panose="02000009000000000000" pitchFamily="49" charset="0"/>
+                  </a:rPr>
+                  <a:t>;</a:t>
+                </a:r>
+                <a:br>
+                  <a:rPr kumimoji="0" lang="zh-TW" altLang="zh-TW" sz="1500" b="0" i="0" u="none" strike="noStrike" cap="none" normalizeH="0" baseline="0">
+                    <a:ln>
+                      <a:noFill/>
+                    </a:ln>
+                    <a:solidFill>
+                      <a:srgbClr val="BCBEC4"/>
+                    </a:solidFill>
+                    <a:effectLst/>
+                    <a:latin typeface="+mj-lt"/>
+                    <a:cs typeface="JetBrains Mono" panose="02000009000000000000" pitchFamily="49" charset="0"/>
+                  </a:rPr>
+                </a:br>
+                <a:br>
+                  <a:rPr kumimoji="0" lang="zh-TW" altLang="zh-TW" sz="1500" b="0" i="0" u="none" strike="noStrike" cap="none" normalizeH="0" baseline="0">
+                    <a:ln>
+                      <a:noFill/>
+                    </a:ln>
+                    <a:solidFill>
+                      <a:srgbClr val="BCBEC4"/>
+                    </a:solidFill>
+                    <a:effectLst/>
+                    <a:latin typeface="+mj-lt"/>
+                    <a:cs typeface="JetBrains Mono" panose="02000009000000000000" pitchFamily="49" charset="0"/>
+                  </a:rPr>
+                </a:br>
+                <a:r>
+                  <a:rPr kumimoji="0" lang="zh-TW" altLang="zh-TW" sz="1500" b="0" i="0" u="none" strike="noStrike" cap="none" normalizeH="0" baseline="0">
+                    <a:ln>
+                      <a:noFill/>
+                    </a:ln>
+                    <a:solidFill>
+                      <a:srgbClr val="BCBEC4"/>
+                    </a:solidFill>
+                    <a:effectLst/>
+                    <a:latin typeface="+mj-lt"/>
+                    <a:cs typeface="JetBrains Mono" panose="02000009000000000000" pitchFamily="49" charset="0"/>
+                  </a:rPr>
+                  <a:t>    </a:t>
+                </a:r>
+                <a:r>
+                  <a:rPr kumimoji="0" lang="zh-TW" altLang="zh-TW" sz="1500" b="0" i="0" u="none" strike="noStrike" cap="none" normalizeH="0" baseline="0">
+                    <a:ln>
+                      <a:noFill/>
+                    </a:ln>
+                    <a:solidFill>
+                      <a:srgbClr val="56A8F5"/>
+                    </a:solidFill>
+                    <a:effectLst/>
+                    <a:latin typeface="+mj-lt"/>
+                    <a:cs typeface="JetBrains Mono" panose="02000009000000000000" pitchFamily="49" charset="0"/>
+                  </a:rPr>
+                  <a:t>Person</a:t>
+                </a:r>
+                <a:r>
+                  <a:rPr kumimoji="0" lang="zh-TW" altLang="zh-TW" sz="1500" b="0" i="0" u="none" strike="noStrike" cap="none" normalizeH="0" baseline="0">
+                    <a:ln>
+                      <a:noFill/>
+                    </a:ln>
+                    <a:solidFill>
+                      <a:srgbClr val="BCBEC4"/>
+                    </a:solidFill>
+                    <a:effectLst/>
+                    <a:latin typeface="+mj-lt"/>
+                    <a:cs typeface="JetBrains Mono" panose="02000009000000000000" pitchFamily="49" charset="0"/>
+                  </a:rPr>
+                  <a:t>(Role role) {</a:t>
+                </a:r>
+                <a:br>
+                  <a:rPr kumimoji="0" lang="zh-TW" altLang="zh-TW" sz="1500" b="0" i="0" u="none" strike="noStrike" cap="none" normalizeH="0" baseline="0">
+                    <a:ln>
+                      <a:noFill/>
+                    </a:ln>
+                    <a:solidFill>
+                      <a:srgbClr val="BCBEC4"/>
+                    </a:solidFill>
+                    <a:effectLst/>
+                    <a:latin typeface="+mj-lt"/>
+                    <a:cs typeface="JetBrains Mono" panose="02000009000000000000" pitchFamily="49" charset="0"/>
+                  </a:rPr>
+                </a:br>
+                <a:r>
+                  <a:rPr kumimoji="0" lang="zh-TW" altLang="zh-TW" sz="1500" b="0" i="0" u="none" strike="noStrike" cap="none" normalizeH="0" baseline="0">
+                    <a:ln>
+                      <a:noFill/>
+                    </a:ln>
+                    <a:solidFill>
+                      <a:srgbClr val="BCBEC4"/>
+                    </a:solidFill>
+                    <a:effectLst/>
+                    <a:latin typeface="+mj-lt"/>
+                    <a:cs typeface="JetBrains Mono" panose="02000009000000000000" pitchFamily="49" charset="0"/>
+                  </a:rPr>
+                  <a:t>        </a:t>
+                </a:r>
+                <a:r>
+                  <a:rPr kumimoji="0" lang="zh-TW" altLang="zh-TW" sz="1500" b="0" i="0" u="none" strike="noStrike" cap="none" normalizeH="0" baseline="0">
+                    <a:ln>
+                      <a:noFill/>
+                    </a:ln>
+                    <a:solidFill>
+                      <a:srgbClr val="CF8E6D"/>
+                    </a:solidFill>
+                    <a:effectLst/>
+                    <a:latin typeface="+mj-lt"/>
+                    <a:cs typeface="JetBrains Mono" panose="02000009000000000000" pitchFamily="49" charset="0"/>
+                  </a:rPr>
+                  <a:t>this</a:t>
+                </a:r>
+                <a:r>
+                  <a:rPr kumimoji="0" lang="zh-TW" altLang="zh-TW" sz="1500" b="0" i="0" u="none" strike="noStrike" cap="none" normalizeH="0" baseline="0">
+                    <a:ln>
+                      <a:noFill/>
+                    </a:ln>
+                    <a:solidFill>
+                      <a:srgbClr val="BCBEC4"/>
+                    </a:solidFill>
+                    <a:effectLst/>
+                    <a:latin typeface="+mj-lt"/>
+                    <a:cs typeface="JetBrains Mono" panose="02000009000000000000" pitchFamily="49" charset="0"/>
+                  </a:rPr>
+                  <a:t>.</a:t>
+                </a:r>
+                <a:r>
+                  <a:rPr kumimoji="0" lang="zh-TW" altLang="zh-TW" sz="1500" b="0" i="0" u="none" strike="noStrike" cap="none" normalizeH="0" baseline="0">
+                    <a:ln>
+                      <a:noFill/>
+                    </a:ln>
+                    <a:solidFill>
+                      <a:srgbClr val="C77DBB"/>
+                    </a:solidFill>
+                    <a:effectLst/>
+                    <a:latin typeface="+mj-lt"/>
+                    <a:cs typeface="JetBrains Mono" panose="02000009000000000000" pitchFamily="49" charset="0"/>
+                  </a:rPr>
+                  <a:t>role </a:t>
+                </a:r>
+                <a:r>
+                  <a:rPr kumimoji="0" lang="zh-TW" altLang="zh-TW" sz="1500" b="0" i="0" u="none" strike="noStrike" cap="none" normalizeH="0" baseline="0">
+                    <a:ln>
+                      <a:noFill/>
+                    </a:ln>
+                    <a:solidFill>
+                      <a:srgbClr val="BCBEC4"/>
+                    </a:solidFill>
+                    <a:effectLst/>
+                    <a:latin typeface="+mj-lt"/>
+                    <a:cs typeface="JetBrains Mono" panose="02000009000000000000" pitchFamily="49" charset="0"/>
+                  </a:rPr>
+                  <a:t>= role;</a:t>
+                </a:r>
+                <a:br>
+                  <a:rPr kumimoji="0" lang="zh-TW" altLang="zh-TW" sz="1500" b="0" i="0" u="none" strike="noStrike" cap="none" normalizeH="0" baseline="0">
+                    <a:ln>
+                      <a:noFill/>
+                    </a:ln>
+                    <a:solidFill>
+                      <a:srgbClr val="BCBEC4"/>
+                    </a:solidFill>
+                    <a:effectLst/>
+                    <a:latin typeface="+mj-lt"/>
+                    <a:cs typeface="JetBrains Mono" panose="02000009000000000000" pitchFamily="49" charset="0"/>
+                  </a:rPr>
+                </a:br>
+                <a:r>
+                  <a:rPr kumimoji="0" lang="zh-TW" altLang="zh-TW" sz="1500" b="0" i="0" u="none" strike="noStrike" cap="none" normalizeH="0" baseline="0">
+                    <a:ln>
+                      <a:noFill/>
+                    </a:ln>
+                    <a:solidFill>
+                      <a:srgbClr val="BCBEC4"/>
+                    </a:solidFill>
+                    <a:effectLst/>
+                    <a:latin typeface="+mj-lt"/>
+                    <a:cs typeface="JetBrains Mono" panose="02000009000000000000" pitchFamily="49" charset="0"/>
+                  </a:rPr>
+                  <a:t>    }</a:t>
+                </a:r>
+                <a:br>
+                  <a:rPr kumimoji="0" lang="zh-TW" altLang="zh-TW" sz="1500" b="0" i="0" u="none" strike="noStrike" cap="none" normalizeH="0" baseline="0">
+                    <a:ln>
+                      <a:noFill/>
+                    </a:ln>
+                    <a:solidFill>
+                      <a:srgbClr val="BCBEC4"/>
+                    </a:solidFill>
+                    <a:effectLst/>
+                    <a:latin typeface="+mj-lt"/>
+                    <a:cs typeface="JetBrains Mono" panose="02000009000000000000" pitchFamily="49" charset="0"/>
+                  </a:rPr>
+                </a:br>
+                <a:br>
+                  <a:rPr kumimoji="0" lang="zh-TW" altLang="zh-TW" sz="1500" b="0" i="0" u="none" strike="noStrike" cap="none" normalizeH="0" baseline="0">
+                    <a:ln>
+                      <a:noFill/>
+                    </a:ln>
+                    <a:solidFill>
+                      <a:srgbClr val="BCBEC4"/>
+                    </a:solidFill>
+                    <a:effectLst/>
+                    <a:latin typeface="+mj-lt"/>
+                    <a:cs typeface="JetBrains Mono" panose="02000009000000000000" pitchFamily="49" charset="0"/>
+                  </a:rPr>
+                </a:br>
+                <a:r>
+                  <a:rPr kumimoji="0" lang="zh-TW" altLang="zh-TW" sz="1500" b="0" i="0" u="none" strike="noStrike" cap="none" normalizeH="0" baseline="0">
+                    <a:ln>
+                      <a:noFill/>
+                    </a:ln>
+                    <a:solidFill>
+                      <a:srgbClr val="BCBEC4"/>
+                    </a:solidFill>
+                    <a:effectLst/>
+                    <a:latin typeface="+mj-lt"/>
+                    <a:cs typeface="JetBrains Mono" panose="02000009000000000000" pitchFamily="49" charset="0"/>
+                  </a:rPr>
+                  <a:t>    </a:t>
+                </a:r>
+                <a:r>
+                  <a:rPr kumimoji="0" lang="zh-TW" altLang="zh-TW" sz="1500" b="0" i="0" u="none" strike="noStrike" cap="none" normalizeH="0" baseline="0">
+                    <a:ln>
+                      <a:noFill/>
+                    </a:ln>
+                    <a:solidFill>
+                      <a:srgbClr val="CF8E6D"/>
+                    </a:solidFill>
+                    <a:effectLst/>
+                    <a:latin typeface="+mj-lt"/>
+                    <a:cs typeface="JetBrains Mono" panose="02000009000000000000" pitchFamily="49" charset="0"/>
+                  </a:rPr>
+                  <a:t>void </a:t>
+                </a:r>
+                <a:r>
+                  <a:rPr kumimoji="0" lang="zh-TW" altLang="zh-TW" sz="1500" b="0" i="0" u="none" strike="noStrike" cap="none" normalizeH="0" baseline="0">
+                    <a:ln>
+                      <a:noFill/>
+                    </a:ln>
+                    <a:solidFill>
+                      <a:srgbClr val="56A8F5"/>
+                    </a:solidFill>
+                    <a:effectLst/>
+                    <a:latin typeface="+mj-lt"/>
+                    <a:cs typeface="JetBrains Mono" panose="02000009000000000000" pitchFamily="49" charset="0"/>
+                  </a:rPr>
+                  <a:t>printInfo</a:t>
+                </a:r>
+                <a:r>
+                  <a:rPr kumimoji="0" lang="zh-TW" altLang="zh-TW" sz="1500" b="0" i="0" u="none" strike="noStrike" cap="none" normalizeH="0" baseline="0">
+                    <a:ln>
+                      <a:noFill/>
+                    </a:ln>
+                    <a:solidFill>
+                      <a:srgbClr val="BCBEC4"/>
+                    </a:solidFill>
+                    <a:effectLst/>
+                    <a:latin typeface="+mj-lt"/>
+                    <a:cs typeface="JetBrains Mono" panose="02000009000000000000" pitchFamily="49" charset="0"/>
+                  </a:rPr>
+                  <a:t>() {</a:t>
+                </a:r>
+                <a:br>
+                  <a:rPr kumimoji="0" lang="zh-TW" altLang="zh-TW" sz="1500" b="0" i="0" u="none" strike="noStrike" cap="none" normalizeH="0" baseline="0">
+                    <a:ln>
+                      <a:noFill/>
+                    </a:ln>
+                    <a:solidFill>
+                      <a:srgbClr val="BCBEC4"/>
+                    </a:solidFill>
+                    <a:effectLst/>
+                    <a:latin typeface="+mj-lt"/>
+                    <a:cs typeface="JetBrains Mono" panose="02000009000000000000" pitchFamily="49" charset="0"/>
+                  </a:rPr>
+                </a:br>
+                <a:r>
+                  <a:rPr kumimoji="0" lang="zh-TW" altLang="zh-TW" sz="1500" b="0" i="0" u="none" strike="noStrike" cap="none" normalizeH="0" baseline="0">
+                    <a:ln>
+                      <a:noFill/>
+                    </a:ln>
+                    <a:solidFill>
+                      <a:srgbClr val="BCBEC4"/>
+                    </a:solidFill>
+                    <a:effectLst/>
+                    <a:latin typeface="+mj-lt"/>
+                    <a:cs typeface="JetBrains Mono" panose="02000009000000000000" pitchFamily="49" charset="0"/>
+                  </a:rPr>
+                  <a:t>        System.</a:t>
+                </a:r>
+                <a:r>
+                  <a:rPr kumimoji="0" lang="zh-TW" altLang="zh-TW" sz="1500" b="0" i="1" u="none" strike="noStrike" cap="none" normalizeH="0" baseline="0">
+                    <a:ln>
+                      <a:noFill/>
+                    </a:ln>
+                    <a:solidFill>
+                      <a:srgbClr val="C77DBB"/>
+                    </a:solidFill>
+                    <a:effectLst/>
+                    <a:latin typeface="+mj-lt"/>
+                    <a:cs typeface="JetBrains Mono" panose="02000009000000000000" pitchFamily="49" charset="0"/>
+                  </a:rPr>
+                  <a:t>out</a:t>
+                </a:r>
+                <a:r>
+                  <a:rPr kumimoji="0" lang="zh-TW" altLang="zh-TW" sz="1500" b="0" i="0" u="none" strike="noStrike" cap="none" normalizeH="0" baseline="0">
+                    <a:ln>
+                      <a:noFill/>
+                    </a:ln>
+                    <a:solidFill>
+                      <a:srgbClr val="BCBEC4"/>
+                    </a:solidFill>
+                    <a:effectLst/>
+                    <a:latin typeface="+mj-lt"/>
+                    <a:cs typeface="JetBrains Mono" panose="02000009000000000000" pitchFamily="49" charset="0"/>
+                  </a:rPr>
+                  <a:t>.println(</a:t>
+                </a:r>
+                <a:r>
+                  <a:rPr kumimoji="0" lang="zh-TW" altLang="zh-TW" sz="1500" b="0" i="0" u="none" strike="noStrike" cap="none" normalizeH="0" baseline="0">
+                    <a:ln>
+                      <a:noFill/>
+                    </a:ln>
+                    <a:solidFill>
+                      <a:srgbClr val="C77DBB"/>
+                    </a:solidFill>
+                    <a:effectLst/>
+                    <a:latin typeface="+mj-lt"/>
+                    <a:cs typeface="JetBrains Mono" panose="02000009000000000000" pitchFamily="49" charset="0"/>
+                  </a:rPr>
+                  <a:t>role</a:t>
+                </a:r>
+                <a:r>
+                  <a:rPr kumimoji="0" lang="zh-TW" altLang="zh-TW" sz="1500" b="0" i="0" u="none" strike="noStrike" cap="none" normalizeH="0" baseline="0">
+                    <a:ln>
+                      <a:noFill/>
+                    </a:ln>
+                    <a:solidFill>
+                      <a:srgbClr val="BCBEC4"/>
+                    </a:solidFill>
+                    <a:effectLst/>
+                    <a:latin typeface="+mj-lt"/>
+                    <a:cs typeface="JetBrains Mono" panose="02000009000000000000" pitchFamily="49" charset="0"/>
+                  </a:rPr>
+                  <a:t>.</a:t>
+                </a:r>
+                <a:r>
+                  <a:rPr kumimoji="0" lang="zh-TW" altLang="zh-TW" sz="1500" b="0" i="0" u="none" strike="noStrike" cap="none" normalizeH="0" baseline="0">
+                    <a:ln>
+                      <a:noFill/>
+                    </a:ln>
+                    <a:solidFill>
+                      <a:srgbClr val="C77DBB"/>
+                    </a:solidFill>
+                    <a:effectLst/>
+                    <a:latin typeface="+mj-lt"/>
+                    <a:cs typeface="JetBrains Mono" panose="02000009000000000000" pitchFamily="49" charset="0"/>
+                  </a:rPr>
+                  <a:t>description </a:t>
+                </a:r>
+                <a:r>
+                  <a:rPr kumimoji="0" lang="zh-TW" altLang="zh-TW" sz="1500" b="0" i="0" u="none" strike="noStrike" cap="none" normalizeH="0" baseline="0">
+                    <a:ln>
+                      <a:noFill/>
+                    </a:ln>
+                    <a:solidFill>
+                      <a:srgbClr val="BCBEC4"/>
+                    </a:solidFill>
+                    <a:effectLst/>
+                    <a:latin typeface="+mj-lt"/>
+                    <a:cs typeface="JetBrains Mono" panose="02000009000000000000" pitchFamily="49" charset="0"/>
+                  </a:rPr>
+                  <a:t>+</a:t>
+                </a:r>
+                <a:br>
+                  <a:rPr kumimoji="0" lang="zh-TW" altLang="zh-TW" sz="1500" b="0" i="0" u="none" strike="noStrike" cap="none" normalizeH="0" baseline="0">
+                    <a:ln>
+                      <a:noFill/>
+                    </a:ln>
+                    <a:solidFill>
+                      <a:srgbClr val="BCBEC4"/>
+                    </a:solidFill>
+                    <a:effectLst/>
+                    <a:latin typeface="+mj-lt"/>
+                    <a:cs typeface="JetBrains Mono" panose="02000009000000000000" pitchFamily="49" charset="0"/>
+                  </a:rPr>
+                </a:br>
+                <a:r>
+                  <a:rPr kumimoji="0" lang="zh-TW" altLang="zh-TW" sz="1500" b="0" i="0" u="none" strike="noStrike" cap="none" normalizeH="0" baseline="0">
+                    <a:ln>
+                      <a:noFill/>
+                    </a:ln>
+                    <a:solidFill>
+                      <a:srgbClr val="BCBEC4"/>
+                    </a:solidFill>
+                    <a:effectLst/>
+                    <a:latin typeface="+mj-lt"/>
+                    <a:cs typeface="JetBrains Mono" panose="02000009000000000000" pitchFamily="49" charset="0"/>
+                  </a:rPr>
+                  <a:t>                </a:t>
+                </a:r>
+                <a:r>
+                  <a:rPr kumimoji="0" lang="zh-TW" altLang="zh-TW" sz="1500" b="0" i="0" u="none" strike="noStrike" cap="none" normalizeH="0" baseline="0">
+                    <a:ln>
+                      <a:noFill/>
+                    </a:ln>
+                    <a:solidFill>
+                      <a:srgbClr val="6AAB73"/>
+                    </a:solidFill>
+                    <a:effectLst/>
+                    <a:latin typeface="+mj-lt"/>
+                    <a:cs typeface="JetBrains Mono" panose="02000009000000000000" pitchFamily="49" charset="0"/>
+                  </a:rPr>
+                  <a:t>"</a:t>
+                </a:r>
+                <a:r>
+                  <a:rPr kumimoji="0" lang="zh-TW" altLang="zh-TW" sz="1500" b="0" i="0" u="none" strike="noStrike" cap="none" normalizeH="0" baseline="0">
+                    <a:ln>
+                      <a:noFill/>
+                    </a:ln>
+                    <a:solidFill>
+                      <a:srgbClr val="6AAB73"/>
+                    </a:solidFill>
+                    <a:effectLst/>
+                    <a:latin typeface="+mj-lt"/>
+                    <a:ea typeface="微軟正黑體" panose="020B0604030504040204" pitchFamily="34" charset="-120"/>
+                    <a:cs typeface="JetBrains Mono" panose="02000009000000000000" pitchFamily="49" charset="0"/>
+                  </a:rPr>
+                  <a:t>：</a:t>
+                </a:r>
+                <a:r>
+                  <a:rPr kumimoji="0" lang="zh-TW" altLang="zh-TW" sz="1500" b="0" i="0" u="none" strike="noStrike" cap="none" normalizeH="0" baseline="0">
+                    <a:ln>
+                      <a:noFill/>
+                    </a:ln>
+                    <a:solidFill>
+                      <a:srgbClr val="6AAB73"/>
+                    </a:solidFill>
+                    <a:effectLst/>
+                    <a:latin typeface="+mj-lt"/>
+                    <a:cs typeface="JetBrains Mono" panose="02000009000000000000" pitchFamily="49" charset="0"/>
+                  </a:rPr>
+                  <a:t>" </a:t>
+                </a:r>
+                <a:r>
+                  <a:rPr kumimoji="0" lang="zh-TW" altLang="zh-TW" sz="1500" b="0" i="0" u="none" strike="noStrike" cap="none" normalizeH="0" baseline="0">
+                    <a:ln>
+                      <a:noFill/>
+                    </a:ln>
+                    <a:solidFill>
+                      <a:srgbClr val="BCBEC4"/>
+                    </a:solidFill>
+                    <a:effectLst/>
+                    <a:latin typeface="+mj-lt"/>
+                    <a:cs typeface="JetBrains Mono" panose="02000009000000000000" pitchFamily="49" charset="0"/>
+                  </a:rPr>
+                  <a:t>+ </a:t>
+                </a:r>
+                <a:r>
+                  <a:rPr kumimoji="0" lang="zh-TW" altLang="zh-TW" sz="1500" b="0" i="0" u="none" strike="noStrike" cap="none" normalizeH="0" baseline="0">
+                    <a:ln>
+                      <a:noFill/>
+                    </a:ln>
+                    <a:solidFill>
+                      <a:srgbClr val="CF8E6D"/>
+                    </a:solidFill>
+                    <a:effectLst/>
+                    <a:latin typeface="+mj-lt"/>
+                    <a:cs typeface="JetBrains Mono" panose="02000009000000000000" pitchFamily="49" charset="0"/>
+                  </a:rPr>
+                  <a:t>switch </a:t>
+                </a:r>
+                <a:r>
+                  <a:rPr kumimoji="0" lang="zh-TW" altLang="zh-TW" sz="1500" b="0" i="0" u="none" strike="noStrike" cap="none" normalizeH="0" baseline="0">
+                    <a:ln>
+                      <a:noFill/>
+                    </a:ln>
+                    <a:solidFill>
+                      <a:srgbClr val="BCBEC4"/>
+                    </a:solidFill>
+                    <a:effectLst/>
+                    <a:latin typeface="+mj-lt"/>
+                    <a:cs typeface="JetBrains Mono" panose="02000009000000000000" pitchFamily="49" charset="0"/>
+                  </a:rPr>
+                  <a:t>(</a:t>
+                </a:r>
+                <a:r>
+                  <a:rPr kumimoji="0" lang="zh-TW" altLang="zh-TW" sz="1500" b="0" i="0" u="none" strike="noStrike" cap="none" normalizeH="0" baseline="0">
+                    <a:ln>
+                      <a:noFill/>
+                    </a:ln>
+                    <a:solidFill>
+                      <a:srgbClr val="C77DBB"/>
+                    </a:solidFill>
+                    <a:effectLst/>
+                    <a:latin typeface="+mj-lt"/>
+                    <a:cs typeface="JetBrains Mono" panose="02000009000000000000" pitchFamily="49" charset="0"/>
+                  </a:rPr>
+                  <a:t>role</a:t>
+                </a:r>
+                <a:r>
+                  <a:rPr kumimoji="0" lang="zh-TW" altLang="zh-TW" sz="1500" b="0" i="0" u="none" strike="noStrike" cap="none" normalizeH="0" baseline="0">
+                    <a:ln>
+                      <a:noFill/>
+                    </a:ln>
+                    <a:solidFill>
+                      <a:srgbClr val="BCBEC4"/>
+                    </a:solidFill>
+                    <a:effectLst/>
+                    <a:latin typeface="+mj-lt"/>
+                    <a:cs typeface="JetBrains Mono" panose="02000009000000000000" pitchFamily="49" charset="0"/>
+                  </a:rPr>
+                  <a:t>) {</a:t>
+                </a:r>
+                <a:br>
+                  <a:rPr kumimoji="0" lang="zh-TW" altLang="zh-TW" sz="1500" b="0" i="0" u="none" strike="noStrike" cap="none" normalizeH="0" baseline="0">
+                    <a:ln>
+                      <a:noFill/>
+                    </a:ln>
+                    <a:solidFill>
+                      <a:srgbClr val="BCBEC4"/>
+                    </a:solidFill>
+                    <a:effectLst/>
+                    <a:latin typeface="+mj-lt"/>
+                    <a:cs typeface="JetBrains Mono" panose="02000009000000000000" pitchFamily="49" charset="0"/>
+                  </a:rPr>
+                </a:br>
+                <a:r>
+                  <a:rPr kumimoji="0" lang="zh-TW" altLang="zh-TW" sz="1500" b="0" i="0" u="none" strike="noStrike" cap="none" normalizeH="0" baseline="0">
+                    <a:ln>
+                      <a:noFill/>
+                    </a:ln>
+                    <a:solidFill>
+                      <a:srgbClr val="BCBEC4"/>
+                    </a:solidFill>
+                    <a:effectLst/>
+                    <a:latin typeface="+mj-lt"/>
+                    <a:cs typeface="JetBrains Mono" panose="02000009000000000000" pitchFamily="49" charset="0"/>
+                  </a:rPr>
+                  <a:t>            </a:t>
+                </a:r>
+                <a:r>
+                  <a:rPr kumimoji="0" lang="zh-TW" altLang="zh-TW" sz="1500" b="0" i="0" u="none" strike="noStrike" cap="none" normalizeH="0" baseline="0">
+                    <a:ln>
+                      <a:noFill/>
+                    </a:ln>
+                    <a:solidFill>
+                      <a:srgbClr val="CF8E6D"/>
+                    </a:solidFill>
+                    <a:effectLst/>
+                    <a:latin typeface="+mj-lt"/>
+                    <a:cs typeface="JetBrains Mono" panose="02000009000000000000" pitchFamily="49" charset="0"/>
+                  </a:rPr>
+                  <a:t>case </a:t>
+                </a:r>
+                <a:r>
+                  <a:rPr kumimoji="0" lang="zh-TW" altLang="zh-TW" sz="1500" b="0" i="1" u="none" strike="noStrike" cap="none" normalizeH="0" baseline="0">
+                    <a:ln>
+                      <a:noFill/>
+                    </a:ln>
+                    <a:solidFill>
+                      <a:srgbClr val="C77DBB"/>
+                    </a:solidFill>
+                    <a:effectLst/>
+                    <a:latin typeface="+mj-lt"/>
+                    <a:cs typeface="JetBrains Mono" panose="02000009000000000000" pitchFamily="49" charset="0"/>
+                  </a:rPr>
+                  <a:t>WORKER </a:t>
+                </a:r>
+                <a:r>
+                  <a:rPr kumimoji="0" lang="zh-TW" altLang="zh-TW" sz="1500" b="0" i="0" u="none" strike="noStrike" cap="none" normalizeH="0" baseline="0">
+                    <a:ln>
+                      <a:noFill/>
+                    </a:ln>
+                    <a:solidFill>
+                      <a:srgbClr val="BCBEC4"/>
+                    </a:solidFill>
+                    <a:effectLst/>
+                    <a:latin typeface="+mj-lt"/>
+                    <a:cs typeface="JetBrains Mono" panose="02000009000000000000" pitchFamily="49" charset="0"/>
+                  </a:rPr>
+                  <a:t>-&gt; </a:t>
+                </a:r>
+                <a:r>
+                  <a:rPr kumimoji="0" lang="zh-TW" altLang="zh-TW" sz="1500" b="0" i="0" u="none" strike="noStrike" cap="none" normalizeH="0" baseline="0">
+                    <a:ln>
+                      <a:noFill/>
+                    </a:ln>
+                    <a:solidFill>
+                      <a:srgbClr val="6AAB73"/>
+                    </a:solidFill>
+                    <a:effectLst/>
+                    <a:latin typeface="+mj-lt"/>
+                    <a:cs typeface="JetBrains Mono" panose="02000009000000000000" pitchFamily="49" charset="0"/>
+                  </a:rPr>
+                  <a:t>"</a:t>
+                </a:r>
+                <a:r>
+                  <a:rPr kumimoji="0" lang="zh-TW" altLang="zh-TW" sz="1500" b="0" i="0" u="none" strike="noStrike" cap="none" normalizeH="0" baseline="0">
+                    <a:ln>
+                      <a:noFill/>
+                    </a:ln>
+                    <a:solidFill>
+                      <a:srgbClr val="6AAB73"/>
+                    </a:solidFill>
+                    <a:effectLst/>
+                    <a:latin typeface="+mj-lt"/>
+                    <a:ea typeface="微軟正黑體" panose="020B0604030504040204" pitchFamily="34" charset="-120"/>
+                    <a:cs typeface="JetBrains Mono" panose="02000009000000000000" pitchFamily="49" charset="0"/>
+                  </a:rPr>
+                  <a:t>上班</a:t>
+                </a:r>
+                <a:r>
+                  <a:rPr kumimoji="0" lang="zh-TW" altLang="zh-TW" sz="1500" b="0" i="0" u="none" strike="noStrike" cap="none" normalizeH="0" baseline="0">
+                    <a:ln>
+                      <a:noFill/>
+                    </a:ln>
+                    <a:solidFill>
+                      <a:srgbClr val="6AAB73"/>
+                    </a:solidFill>
+                    <a:effectLst/>
+                    <a:latin typeface="+mj-lt"/>
+                    <a:cs typeface="JetBrains Mono" panose="02000009000000000000" pitchFamily="49" charset="0"/>
+                  </a:rPr>
+                  <a:t>"</a:t>
+                </a:r>
+                <a:r>
+                  <a:rPr kumimoji="0" lang="zh-TW" altLang="zh-TW" sz="1500" b="0" i="0" u="none" strike="noStrike" cap="none" normalizeH="0" baseline="0">
+                    <a:ln>
+                      <a:noFill/>
+                    </a:ln>
+                    <a:solidFill>
+                      <a:srgbClr val="BCBEC4"/>
+                    </a:solidFill>
+                    <a:effectLst/>
+                    <a:latin typeface="+mj-lt"/>
+                    <a:cs typeface="JetBrains Mono" panose="02000009000000000000" pitchFamily="49" charset="0"/>
+                  </a:rPr>
+                  <a:t>;</a:t>
+                </a:r>
+                <a:br>
+                  <a:rPr kumimoji="0" lang="zh-TW" altLang="zh-TW" sz="1500" b="0" i="0" u="none" strike="noStrike" cap="none" normalizeH="0" baseline="0">
+                    <a:ln>
+                      <a:noFill/>
+                    </a:ln>
+                    <a:solidFill>
+                      <a:srgbClr val="BCBEC4"/>
+                    </a:solidFill>
+                    <a:effectLst/>
+                    <a:latin typeface="+mj-lt"/>
+                    <a:cs typeface="JetBrains Mono" panose="02000009000000000000" pitchFamily="49" charset="0"/>
+                  </a:rPr>
+                </a:br>
+                <a:r>
+                  <a:rPr kumimoji="0" lang="zh-TW" altLang="zh-TW" sz="1500" b="0" i="0" u="none" strike="noStrike" cap="none" normalizeH="0" baseline="0">
+                    <a:ln>
+                      <a:noFill/>
+                    </a:ln>
+                    <a:solidFill>
+                      <a:srgbClr val="BCBEC4"/>
+                    </a:solidFill>
+                    <a:effectLst/>
+                    <a:latin typeface="+mj-lt"/>
+                    <a:cs typeface="JetBrains Mono" panose="02000009000000000000" pitchFamily="49" charset="0"/>
+                  </a:rPr>
+                  <a:t>            </a:t>
+                </a:r>
+                <a:r>
+                  <a:rPr kumimoji="0" lang="zh-TW" altLang="zh-TW" sz="1500" b="0" i="0" u="none" strike="noStrike" cap="none" normalizeH="0" baseline="0">
+                    <a:ln>
+                      <a:noFill/>
+                    </a:ln>
+                    <a:solidFill>
+                      <a:srgbClr val="CF8E6D"/>
+                    </a:solidFill>
+                    <a:effectLst/>
+                    <a:latin typeface="+mj-lt"/>
+                    <a:cs typeface="JetBrains Mono" panose="02000009000000000000" pitchFamily="49" charset="0"/>
+                  </a:rPr>
+                  <a:t>case </a:t>
+                </a:r>
+                <a:r>
+                  <a:rPr kumimoji="0" lang="zh-TW" altLang="zh-TW" sz="1500" b="0" i="1" u="none" strike="noStrike" cap="none" normalizeH="0" baseline="0">
+                    <a:ln>
+                      <a:noFill/>
+                    </a:ln>
+                    <a:solidFill>
+                      <a:srgbClr val="C77DBB"/>
+                    </a:solidFill>
+                    <a:effectLst/>
+                    <a:latin typeface="+mj-lt"/>
+                    <a:cs typeface="JetBrains Mono" panose="02000009000000000000" pitchFamily="49" charset="0"/>
+                  </a:rPr>
+                  <a:t>BABY </a:t>
+                </a:r>
+                <a:r>
+                  <a:rPr kumimoji="0" lang="zh-TW" altLang="zh-TW" sz="1500" b="0" i="0" u="none" strike="noStrike" cap="none" normalizeH="0" baseline="0">
+                    <a:ln>
+                      <a:noFill/>
+                    </a:ln>
+                    <a:solidFill>
+                      <a:srgbClr val="BCBEC4"/>
+                    </a:solidFill>
+                    <a:effectLst/>
+                    <a:latin typeface="+mj-lt"/>
+                    <a:cs typeface="JetBrains Mono" panose="02000009000000000000" pitchFamily="49" charset="0"/>
+                  </a:rPr>
+                  <a:t>-&gt; </a:t>
+                </a:r>
+                <a:r>
+                  <a:rPr kumimoji="0" lang="zh-TW" altLang="zh-TW" sz="1500" b="0" i="0" u="none" strike="noStrike" cap="none" normalizeH="0" baseline="0">
+                    <a:ln>
+                      <a:noFill/>
+                    </a:ln>
+                    <a:solidFill>
+                      <a:srgbClr val="6AAB73"/>
+                    </a:solidFill>
+                    <a:effectLst/>
+                    <a:latin typeface="+mj-lt"/>
+                    <a:cs typeface="JetBrains Mono" panose="02000009000000000000" pitchFamily="49" charset="0"/>
+                  </a:rPr>
+                  <a:t>"</a:t>
+                </a:r>
+                <a:r>
+                  <a:rPr kumimoji="0" lang="zh-TW" altLang="zh-TW" sz="1500" b="0" i="0" u="none" strike="noStrike" cap="none" normalizeH="0" baseline="0">
+                    <a:ln>
+                      <a:noFill/>
+                    </a:ln>
+                    <a:solidFill>
+                      <a:srgbClr val="6AAB73"/>
+                    </a:solidFill>
+                    <a:effectLst/>
+                    <a:latin typeface="+mj-lt"/>
+                    <a:ea typeface="微軟正黑體" panose="020B0604030504040204" pitchFamily="34" charset="-120"/>
+                    <a:cs typeface="JetBrains Mono" panose="02000009000000000000" pitchFamily="49" charset="0"/>
+                  </a:rPr>
+                  <a:t>哭</a:t>
+                </a:r>
+                <a:r>
+                  <a:rPr kumimoji="0" lang="zh-TW" altLang="zh-TW" sz="1500" b="0" i="0" u="none" strike="noStrike" cap="none" normalizeH="0" baseline="0">
+                    <a:ln>
+                      <a:noFill/>
+                    </a:ln>
+                    <a:solidFill>
+                      <a:srgbClr val="6AAB73"/>
+                    </a:solidFill>
+                    <a:effectLst/>
+                    <a:latin typeface="+mj-lt"/>
+                    <a:cs typeface="JetBrains Mono" panose="02000009000000000000" pitchFamily="49" charset="0"/>
+                  </a:rPr>
+                  <a:t>"</a:t>
+                </a:r>
+                <a:r>
+                  <a:rPr kumimoji="0" lang="zh-TW" altLang="zh-TW" sz="1500" b="0" i="0" u="none" strike="noStrike" cap="none" normalizeH="0" baseline="0">
+                    <a:ln>
+                      <a:noFill/>
+                    </a:ln>
+                    <a:solidFill>
+                      <a:srgbClr val="BCBEC4"/>
+                    </a:solidFill>
+                    <a:effectLst/>
+                    <a:latin typeface="+mj-lt"/>
+                    <a:cs typeface="JetBrains Mono" panose="02000009000000000000" pitchFamily="49" charset="0"/>
+                  </a:rPr>
+                  <a:t>;</a:t>
+                </a:r>
+                <a:br>
+                  <a:rPr kumimoji="0" lang="zh-TW" altLang="zh-TW" sz="1500" b="0" i="0" u="none" strike="noStrike" cap="none" normalizeH="0" baseline="0">
+                    <a:ln>
+                      <a:noFill/>
+                    </a:ln>
+                    <a:solidFill>
+                      <a:srgbClr val="BCBEC4"/>
+                    </a:solidFill>
+                    <a:effectLst/>
+                    <a:latin typeface="+mj-lt"/>
+                    <a:cs typeface="JetBrains Mono" panose="02000009000000000000" pitchFamily="49" charset="0"/>
+                  </a:rPr>
+                </a:br>
+                <a:r>
+                  <a:rPr kumimoji="0" lang="zh-TW" altLang="zh-TW" sz="1500" b="0" i="0" u="none" strike="noStrike" cap="none" normalizeH="0" baseline="0">
+                    <a:ln>
+                      <a:noFill/>
+                    </a:ln>
+                    <a:solidFill>
+                      <a:srgbClr val="BCBEC4"/>
+                    </a:solidFill>
+                    <a:effectLst/>
+                    <a:latin typeface="+mj-lt"/>
+                    <a:cs typeface="JetBrains Mono" panose="02000009000000000000" pitchFamily="49" charset="0"/>
+                  </a:rPr>
+                  <a:t>            </a:t>
+                </a:r>
+                <a:r>
+                  <a:rPr kumimoji="0" lang="zh-TW" altLang="zh-TW" sz="1500" b="0" i="0" u="none" strike="noStrike" cap="none" normalizeH="0" baseline="0">
+                    <a:ln>
+                      <a:noFill/>
+                    </a:ln>
+                    <a:solidFill>
+                      <a:srgbClr val="CF8E6D"/>
+                    </a:solidFill>
+                    <a:effectLst/>
+                    <a:latin typeface="+mj-lt"/>
+                    <a:cs typeface="JetBrains Mono" panose="02000009000000000000" pitchFamily="49" charset="0"/>
+                  </a:rPr>
+                  <a:t>case </a:t>
+                </a:r>
+                <a:r>
+                  <a:rPr kumimoji="0" lang="zh-TW" altLang="zh-TW" sz="1500" b="0" i="1" u="none" strike="noStrike" cap="none" normalizeH="0" baseline="0">
+                    <a:ln>
+                      <a:noFill/>
+                    </a:ln>
+                    <a:solidFill>
+                      <a:srgbClr val="C77DBB"/>
+                    </a:solidFill>
+                    <a:effectLst/>
+                    <a:latin typeface="+mj-lt"/>
+                    <a:cs typeface="JetBrains Mono" panose="02000009000000000000" pitchFamily="49" charset="0"/>
+                  </a:rPr>
+                  <a:t>STUDENT </a:t>
+                </a:r>
+                <a:r>
+                  <a:rPr kumimoji="0" lang="zh-TW" altLang="zh-TW" sz="1500" b="0" i="0" u="none" strike="noStrike" cap="none" normalizeH="0" baseline="0">
+                    <a:ln>
+                      <a:noFill/>
+                    </a:ln>
+                    <a:solidFill>
+                      <a:srgbClr val="BCBEC4"/>
+                    </a:solidFill>
+                    <a:effectLst/>
+                    <a:latin typeface="+mj-lt"/>
+                    <a:cs typeface="JetBrains Mono" panose="02000009000000000000" pitchFamily="49" charset="0"/>
+                  </a:rPr>
+                  <a:t>-&gt; </a:t>
+                </a:r>
+                <a:r>
+                  <a:rPr kumimoji="0" lang="zh-TW" altLang="zh-TW" sz="1500" b="0" i="0" u="none" strike="noStrike" cap="none" normalizeH="0" baseline="0">
+                    <a:ln>
+                      <a:noFill/>
+                    </a:ln>
+                    <a:solidFill>
+                      <a:srgbClr val="6AAB73"/>
+                    </a:solidFill>
+                    <a:effectLst/>
+                    <a:latin typeface="+mj-lt"/>
+                    <a:cs typeface="JetBrains Mono" panose="02000009000000000000" pitchFamily="49" charset="0"/>
+                  </a:rPr>
+                  <a:t>"</a:t>
+                </a:r>
+                <a:r>
+                  <a:rPr kumimoji="0" lang="zh-TW" altLang="zh-TW" sz="1500" b="0" i="0" u="none" strike="noStrike" cap="none" normalizeH="0" baseline="0">
+                    <a:ln>
+                      <a:noFill/>
+                    </a:ln>
+                    <a:solidFill>
+                      <a:srgbClr val="6AAB73"/>
+                    </a:solidFill>
+                    <a:effectLst/>
+                    <a:latin typeface="+mj-lt"/>
+                    <a:ea typeface="微軟正黑體" panose="020B0604030504040204" pitchFamily="34" charset="-120"/>
+                    <a:cs typeface="JetBrains Mono" panose="02000009000000000000" pitchFamily="49" charset="0"/>
+                  </a:rPr>
+                  <a:t>上課</a:t>
+                </a:r>
+                <a:r>
+                  <a:rPr kumimoji="0" lang="zh-TW" altLang="zh-TW" sz="1500" b="0" i="0" u="none" strike="noStrike" cap="none" normalizeH="0" baseline="0">
+                    <a:ln>
+                      <a:noFill/>
+                    </a:ln>
+                    <a:solidFill>
+                      <a:srgbClr val="6AAB73"/>
+                    </a:solidFill>
+                    <a:effectLst/>
+                    <a:latin typeface="+mj-lt"/>
+                    <a:cs typeface="JetBrains Mono" panose="02000009000000000000" pitchFamily="49" charset="0"/>
+                  </a:rPr>
+                  <a:t>"</a:t>
+                </a:r>
+                <a:r>
+                  <a:rPr kumimoji="0" lang="zh-TW" altLang="zh-TW" sz="1500" b="0" i="0" u="none" strike="noStrike" cap="none" normalizeH="0" baseline="0">
+                    <a:ln>
+                      <a:noFill/>
+                    </a:ln>
+                    <a:solidFill>
+                      <a:srgbClr val="BCBEC4"/>
+                    </a:solidFill>
+                    <a:effectLst/>
+                    <a:latin typeface="+mj-lt"/>
+                    <a:cs typeface="JetBrains Mono" panose="02000009000000000000" pitchFamily="49" charset="0"/>
+                  </a:rPr>
+                  <a:t>;</a:t>
+                </a:r>
+                <a:br>
+                  <a:rPr kumimoji="0" lang="zh-TW" altLang="zh-TW" sz="1500" b="0" i="0" u="none" strike="noStrike" cap="none" normalizeH="0" baseline="0">
+                    <a:ln>
+                      <a:noFill/>
+                    </a:ln>
+                    <a:solidFill>
+                      <a:srgbClr val="BCBEC4"/>
+                    </a:solidFill>
+                    <a:effectLst/>
+                    <a:latin typeface="+mj-lt"/>
+                    <a:cs typeface="JetBrains Mono" panose="02000009000000000000" pitchFamily="49" charset="0"/>
+                  </a:rPr>
+                </a:br>
+                <a:r>
+                  <a:rPr kumimoji="0" lang="zh-TW" altLang="zh-TW" sz="1500" b="0" i="0" u="none" strike="noStrike" cap="none" normalizeH="0" baseline="0">
+                    <a:ln>
+                      <a:noFill/>
+                    </a:ln>
+                    <a:solidFill>
+                      <a:srgbClr val="BCBEC4"/>
+                    </a:solidFill>
+                    <a:effectLst/>
+                    <a:latin typeface="+mj-lt"/>
+                    <a:cs typeface="JetBrains Mono" panose="02000009000000000000" pitchFamily="49" charset="0"/>
+                  </a:rPr>
+                  <a:t>        });</a:t>
+                </a:r>
+                <a:br>
+                  <a:rPr kumimoji="0" lang="zh-TW" altLang="zh-TW" sz="1500" b="0" i="0" u="none" strike="noStrike" cap="none" normalizeH="0" baseline="0">
+                    <a:ln>
+                      <a:noFill/>
+                    </a:ln>
+                    <a:solidFill>
+                      <a:srgbClr val="BCBEC4"/>
+                    </a:solidFill>
+                    <a:effectLst/>
+                    <a:latin typeface="+mj-lt"/>
+                    <a:cs typeface="JetBrains Mono" panose="02000009000000000000" pitchFamily="49" charset="0"/>
+                  </a:rPr>
+                </a:br>
+                <a:r>
+                  <a:rPr kumimoji="0" lang="zh-TW" altLang="zh-TW" sz="1500" b="0" i="0" u="none" strike="noStrike" cap="none" normalizeH="0" baseline="0">
+                    <a:ln>
+                      <a:noFill/>
+                    </a:ln>
+                    <a:solidFill>
+                      <a:srgbClr val="BCBEC4"/>
+                    </a:solidFill>
+                    <a:effectLst/>
+                    <a:latin typeface="+mj-lt"/>
+                    <a:cs typeface="JetBrains Mono" panose="02000009000000000000" pitchFamily="49" charset="0"/>
+                  </a:rPr>
+                  <a:t>    }</a:t>
+                </a:r>
+                <a:br>
+                  <a:rPr kumimoji="0" lang="zh-TW" altLang="zh-TW" sz="1500" b="0" i="0" u="none" strike="noStrike" cap="none" normalizeH="0" baseline="0">
+                    <a:ln>
+                      <a:noFill/>
+                    </a:ln>
+                    <a:solidFill>
+                      <a:srgbClr val="BCBEC4"/>
+                    </a:solidFill>
+                    <a:effectLst/>
+                    <a:latin typeface="+mj-lt"/>
+                    <a:cs typeface="JetBrains Mono" panose="02000009000000000000" pitchFamily="49" charset="0"/>
+                  </a:rPr>
+                </a:br>
+                <a:r>
+                  <a:rPr kumimoji="0" lang="zh-TW" altLang="zh-TW" sz="1500" b="0" i="0" u="none" strike="noStrike" cap="none" normalizeH="0" baseline="0">
+                    <a:ln>
+                      <a:noFill/>
+                    </a:ln>
+                    <a:solidFill>
+                      <a:srgbClr val="BCBEC4"/>
+                    </a:solidFill>
+                    <a:effectLst/>
+                    <a:latin typeface="+mj-lt"/>
+                    <a:cs typeface="JetBrains Mono" panose="02000009000000000000" pitchFamily="49" charset="0"/>
+                  </a:rPr>
+                  <a:t>}</a:t>
+                </a:r>
+                <a:endParaRPr kumimoji="0" lang="zh-TW" altLang="zh-TW" sz="1500" b="0" i="0" u="none" strike="noStrike" cap="none" normalizeH="0" baseline="0">
+                  <a:ln>
+                    <a:noFill/>
+                  </a:ln>
+                  <a:solidFill>
+                    <a:schemeClr val="tx1"/>
+                  </a:solidFill>
+                  <a:effectLst/>
+                  <a:latin typeface="+mj-lt"/>
+                </a:endParaRPr>
+              </a:p>
+            </p:txBody>
+          </p:sp>
+          <p:sp>
+            <p:nvSpPr>
+              <p:cNvPr id="10" name="矩形 9">
+                <a:extLst>
+                  <a:ext uri="{FF2B5EF4-FFF2-40B4-BE49-F238E27FC236}">
+                    <a16:creationId xmlns:a16="http://schemas.microsoft.com/office/drawing/2014/main" id="{12ACCE20-980E-4546-A0D6-C7F614FAE8B2}"/>
+                  </a:ext>
+                </a:extLst>
+              </p:cNvPr>
+              <p:cNvSpPr/>
+              <p:nvPr/>
+            </p:nvSpPr>
+            <p:spPr>
+              <a:xfrm>
+                <a:off x="6417462" y="5532120"/>
+                <a:ext cx="4945585" cy="171490"/>
+              </a:xfrm>
+              <a:prstGeom prst="rect">
+                <a:avLst/>
+              </a:prstGeom>
+              <a:solidFill>
+                <a:srgbClr val="1E1F22"/>
+              </a:solidFill>
+              <a:ln>
+                <a:noFill/>
+              </a:ln>
+            </p:spPr>
+            <p:style>
+              <a:lnRef idx="2">
+                <a:schemeClr val="accent1">
+                  <a:shade val="50000"/>
+                </a:schemeClr>
+              </a:lnRef>
+              <a:fillRef idx="1">
+                <a:schemeClr val="accent1"/>
+              </a:fillRef>
+              <a:effectRef idx="0">
+                <a:schemeClr val="accent1"/>
+              </a:effectRef>
+              <a:fontRef idx="minor">
+                <a:schemeClr val="lt1"/>
+              </a:fontRef>
+            </p:style>
+            <p:txBody>
+              <a:bodyPr rtlCol="0" anchor="ctr"/>
+              <a:lstStyle/>
+              <a:p>
+                <a:pPr algn="ctr"/>
+                <a:endParaRPr lang="zh-TW" altLang="en-US"/>
+              </a:p>
+            </p:txBody>
+          </p:sp>
+        </p:grpSp>
+        <p:sp>
+          <p:nvSpPr>
+            <p:cNvPr id="12" name="文字方塊 11">
+              <a:extLst>
+                <a:ext uri="{FF2B5EF4-FFF2-40B4-BE49-F238E27FC236}">
+                  <a16:creationId xmlns:a16="http://schemas.microsoft.com/office/drawing/2014/main" id="{49BAA9B5-6E55-4425-B9A1-845AB9A85F65}"/>
+                </a:ext>
+              </a:extLst>
+            </p:cNvPr>
+            <p:cNvSpPr txBox="1"/>
+            <p:nvPr/>
+          </p:nvSpPr>
+          <p:spPr>
+            <a:xfrm>
+              <a:off x="10662585" y="6024932"/>
+              <a:ext cx="691215" cy="369332"/>
+            </a:xfrm>
+            <a:prstGeom prst="rect">
+              <a:avLst/>
+            </a:prstGeom>
+            <a:noFill/>
+          </p:spPr>
+          <p:txBody>
+            <a:bodyPr wrap="none" rtlCol="0">
+              <a:spAutoFit/>
+            </a:bodyPr>
+            <a:lstStyle/>
+            <a:p>
+              <a:r>
+                <a:rPr lang="en-US" altLang="zh-TW">
+                  <a:solidFill>
+                    <a:schemeClr val="accent3"/>
+                  </a:solidFill>
+                </a:rPr>
+                <a:t>java</a:t>
+              </a:r>
+              <a:endParaRPr lang="zh-TW" altLang="en-US">
+                <a:solidFill>
+                  <a:schemeClr val="accent3"/>
+                </a:solidFill>
+              </a:endParaRPr>
+            </a:p>
+          </p:txBody>
+        </p:sp>
+        <p:pic>
+          <p:nvPicPr>
+            <p:cNvPr id="13" name="圖片 12">
+              <a:hlinkClick r:id="rId3"/>
+              <a:extLst>
+                <a:ext uri="{FF2B5EF4-FFF2-40B4-BE49-F238E27FC236}">
+                  <a16:creationId xmlns:a16="http://schemas.microsoft.com/office/drawing/2014/main" id="{AF298888-CF06-4F54-9C90-9AEC31CB8566}"/>
+                </a:ext>
+              </a:extLst>
+            </p:cNvPr>
+            <p:cNvPicPr>
+              <a:picLocks noChangeAspect="1"/>
+            </p:cNvPicPr>
+            <p:nvPr/>
+          </p:nvPicPr>
+          <p:blipFill>
+            <a:blip r:embed="rId4">
+              <a:extLst>
+                <a:ext uri="{28A0092B-C50C-407E-A947-70E740481C1C}">
+                  <a14:useLocalDpi xmlns:a14="http://schemas.microsoft.com/office/drawing/2010/main" val="0"/>
+                </a:ext>
+              </a:extLst>
+            </a:blip>
+            <a:stretch>
+              <a:fillRect/>
+            </a:stretch>
+          </p:blipFill>
+          <p:spPr>
+            <a:xfrm>
+              <a:off x="10814900" y="2500777"/>
+              <a:ext cx="538900" cy="527184"/>
+            </a:xfrm>
+            <a:prstGeom prst="rect">
+              <a:avLst/>
+            </a:prstGeom>
+          </p:spPr>
+        </p:pic>
+      </p:grpSp>
+    </p:spTree>
+    <p:extLst>
+      <p:ext uri="{BB962C8B-B14F-4D97-AF65-F5344CB8AC3E}">
+        <p14:creationId xmlns:p14="http://schemas.microsoft.com/office/powerpoint/2010/main" val="2743295123"/>
       </p:ext>
     </p:extLst>
   </p:cSld>

--- a/powerpoint/10_包裝類別與工具類別(1).pptx
+++ b/powerpoint/10_包裝類別與工具類別(1).pptx
@@ -5,7 +5,7 @@
     <p:sldMasterId id="2147483660" r:id="rId1"/>
   </p:sldMasterIdLst>
   <p:notesMasterIdLst>
-    <p:notesMasterId r:id="rId19"/>
+    <p:notesMasterId r:id="rId23"/>
   </p:notesMasterIdLst>
   <p:sldIdLst>
     <p:sldId id="256" r:id="rId2"/>
@@ -21,10 +21,14 @@
     <p:sldId id="270" r:id="rId12"/>
     <p:sldId id="268" r:id="rId13"/>
     <p:sldId id="266" r:id="rId14"/>
-    <p:sldId id="262" r:id="rId15"/>
-    <p:sldId id="271" r:id="rId16"/>
-    <p:sldId id="291" r:id="rId17"/>
-    <p:sldId id="293" r:id="rId18"/>
+    <p:sldId id="291" r:id="rId15"/>
+    <p:sldId id="293" r:id="rId16"/>
+    <p:sldId id="262" r:id="rId17"/>
+    <p:sldId id="271" r:id="rId18"/>
+    <p:sldId id="294" r:id="rId19"/>
+    <p:sldId id="295" r:id="rId20"/>
+    <p:sldId id="296" r:id="rId21"/>
+    <p:sldId id="297" r:id="rId22"/>
   </p:sldIdLst>
   <p:sldSz cx="12192000" cy="6858000"/>
   <p:notesSz cx="6858000" cy="9144000"/>
@@ -213,7 +217,7 @@
           <a:p>
             <a:fld id="{00D1967D-2DD3-4C36-96B1-E3AA5FB7040E}" type="datetimeFigureOut">
               <a:rPr lang="zh-TW" altLang="en-US" smtClean="0"/>
-              <a:t>2024/8/23</a:t>
+              <a:t>2024/8/25</a:t>
             </a:fld>
             <a:endParaRPr lang="zh-TW" altLang="en-US"/>
           </a:p>
@@ -629,7 +633,7 @@
           <a:p>
             <a:fld id="{800B2817-156B-4924-A86B-957630412DA0}" type="slidenum">
               <a:rPr lang="zh-TW" altLang="en-US" smtClean="0"/>
-              <a:t>17</a:t>
+              <a:t>15</a:t>
             </a:fld>
             <a:endParaRPr lang="zh-TW" altLang="en-US"/>
           </a:p>
@@ -639,6 +643,90 @@
     <p:extLst>
       <p:ext uri="{BB962C8B-B14F-4D97-AF65-F5344CB8AC3E}">
         <p14:creationId xmlns:p14="http://schemas.microsoft.com/office/powerpoint/2010/main" val="1594593161"/>
+      </p:ext>
+    </p:extLst>
+  </p:cSld>
+  <p:clrMapOvr>
+    <a:masterClrMapping/>
+  </p:clrMapOvr>
+</p:notes>
+</file>
+
+<file path=ppt/notesSlides/notesSlide3.xml><?xml version="1.0" encoding="utf-8"?>
+<p:notes xmlns:a="http://schemas.openxmlformats.org/drawingml/2006/main" xmlns:r="http://schemas.openxmlformats.org/officeDocument/2006/relationships" xmlns:p="http://schemas.openxmlformats.org/presentationml/2006/main">
+  <p:cSld>
+    <p:spTree>
+      <p:nvGrpSpPr>
+        <p:cNvPr id="1" name=""/>
+        <p:cNvGrpSpPr/>
+        <p:nvPr/>
+      </p:nvGrpSpPr>
+      <p:grpSpPr>
+        <a:xfrm>
+          <a:off x="0" y="0"/>
+          <a:ext cx="0" cy="0"/>
+          <a:chOff x="0" y="0"/>
+          <a:chExt cx="0" cy="0"/>
+        </a:xfrm>
+      </p:grpSpPr>
+      <p:sp>
+        <p:nvSpPr>
+          <p:cNvPr id="2" name="投影片影像版面配置區 1"/>
+          <p:cNvSpPr>
+            <a:spLocks noGrp="1" noRot="1" noChangeAspect="1"/>
+          </p:cNvSpPr>
+          <p:nvPr>
+            <p:ph type="sldImg"/>
+          </p:nvPr>
+        </p:nvSpPr>
+        <p:spPr/>
+      </p:sp>
+      <p:sp>
+        <p:nvSpPr>
+          <p:cNvPr id="3" name="備忘稿版面配置區 2"/>
+          <p:cNvSpPr>
+            <a:spLocks noGrp="1"/>
+          </p:cNvSpPr>
+          <p:nvPr>
+            <p:ph type="body" idx="1"/>
+          </p:nvPr>
+        </p:nvSpPr>
+        <p:spPr/>
+        <p:txBody>
+          <a:bodyPr/>
+          <a:lstStyle/>
+          <a:p>
+            <a:endParaRPr lang="zh-TW" altLang="en-US"/>
+          </a:p>
+        </p:txBody>
+      </p:sp>
+      <p:sp>
+        <p:nvSpPr>
+          <p:cNvPr id="4" name="投影片編號版面配置區 3"/>
+          <p:cNvSpPr>
+            <a:spLocks noGrp="1"/>
+          </p:cNvSpPr>
+          <p:nvPr>
+            <p:ph type="sldNum" sz="quarter" idx="5"/>
+          </p:nvPr>
+        </p:nvSpPr>
+        <p:spPr/>
+        <p:txBody>
+          <a:bodyPr/>
+          <a:lstStyle/>
+          <a:p>
+            <a:fld id="{FC78299E-8C5D-4011-9A49-A23A440BB1DA}" type="slidenum">
+              <a:rPr lang="zh-TW" altLang="en-US" smtClean="0"/>
+              <a:t>19</a:t>
+            </a:fld>
+            <a:endParaRPr lang="zh-TW" altLang="en-US"/>
+          </a:p>
+        </p:txBody>
+      </p:sp>
+    </p:spTree>
+    <p:extLst>
+      <p:ext uri="{BB962C8B-B14F-4D97-AF65-F5344CB8AC3E}">
+        <p14:creationId xmlns:p14="http://schemas.microsoft.com/office/powerpoint/2010/main" val="2400403339"/>
       </p:ext>
     </p:extLst>
   </p:cSld>
@@ -18058,2407 +18146,6 @@
           <p:cNvPr id="2" name="標題 1">
             <a:extLst>
               <a:ext uri="{FF2B5EF4-FFF2-40B4-BE49-F238E27FC236}">
-                <a16:creationId xmlns:a16="http://schemas.microsoft.com/office/drawing/2014/main" id="{C04B2107-73BD-47A9-868C-9C07650382F6}"/>
-              </a:ext>
-            </a:extLst>
-          </p:cNvPr>
-          <p:cNvSpPr>
-            <a:spLocks noGrp="1"/>
-          </p:cNvSpPr>
-          <p:nvPr>
-            <p:ph type="title"/>
-          </p:nvPr>
-        </p:nvSpPr>
-        <p:spPr>
-          <a:xfrm>
-            <a:off x="838200" y="365125"/>
-            <a:ext cx="10515600" cy="1325563"/>
-          </a:xfrm>
-        </p:spPr>
-        <p:txBody>
-          <a:bodyPr/>
-          <a:lstStyle/>
-          <a:p>
-            <a:r>
-              <a:rPr lang="zh-TW" altLang="en-US"/>
-              <a:t>字串</a:t>
-            </a:r>
-          </a:p>
-        </p:txBody>
-      </p:sp>
-      <p:sp>
-        <p:nvSpPr>
-          <p:cNvPr id="7" name="內容版面配置區 6">
-            <a:extLst>
-              <a:ext uri="{FF2B5EF4-FFF2-40B4-BE49-F238E27FC236}">
-                <a16:creationId xmlns:a16="http://schemas.microsoft.com/office/drawing/2014/main" id="{CF5FFD61-7FBF-40C7-AE5D-04D1EBC70AC3}"/>
-              </a:ext>
-            </a:extLst>
-          </p:cNvPr>
-          <p:cNvSpPr>
-            <a:spLocks noGrp="1"/>
-          </p:cNvSpPr>
-          <p:nvPr>
-            <p:ph idx="1"/>
-          </p:nvPr>
-        </p:nvSpPr>
-        <p:spPr>
-          <a:xfrm>
-            <a:off x="838200" y="1664541"/>
-            <a:ext cx="10515600" cy="4673506"/>
-          </a:xfrm>
-        </p:spPr>
-        <p:txBody>
-          <a:bodyPr>
-            <a:normAutofit/>
-          </a:bodyPr>
-          <a:lstStyle/>
-          <a:p>
-            <a:r>
-              <a:rPr lang="zh-TW" altLang="en-US"/>
-              <a:t>在 </a:t>
-            </a:r>
-            <a:r>
-              <a:rPr lang="en-US" altLang="zh-TW"/>
-              <a:t>Java </a:t>
-            </a:r>
-            <a:r>
-              <a:rPr lang="zh-TW" altLang="en-US"/>
-              <a:t>中，</a:t>
-            </a:r>
-            <a:r>
-              <a:rPr lang="zh-TW" altLang="en-US">
-                <a:solidFill>
-                  <a:srgbClr val="00B0F0"/>
-                </a:solidFill>
-              </a:rPr>
-              <a:t>字串</a:t>
-            </a:r>
-            <a:r>
-              <a:rPr lang="zh-TW" altLang="en-US"/>
-              <a:t>就是 </a:t>
-            </a:r>
-            <a:r>
-              <a:rPr lang="en-US" altLang="zh-TW">
-                <a:solidFill>
-                  <a:srgbClr val="00B050"/>
-                </a:solidFill>
-              </a:rPr>
-              <a:t>java</a:t>
-            </a:r>
-            <a:r>
-              <a:rPr lang="en-US" altLang="zh-TW">
-                <a:solidFill>
-                  <a:srgbClr val="00B0F0"/>
-                </a:solidFill>
-              </a:rPr>
-              <a:t>.</a:t>
-            </a:r>
-            <a:r>
-              <a:rPr lang="en-US" altLang="zh-TW">
-                <a:solidFill>
-                  <a:srgbClr val="FFFF00"/>
-                </a:solidFill>
-              </a:rPr>
-              <a:t>lang</a:t>
-            </a:r>
-            <a:r>
-              <a:rPr lang="en-US" altLang="zh-TW">
-                <a:solidFill>
-                  <a:srgbClr val="00B0F0"/>
-                </a:solidFill>
-              </a:rPr>
-              <a:t>.</a:t>
-            </a:r>
-            <a:r>
-              <a:rPr lang="en-US" altLang="zh-TW">
-                <a:solidFill>
-                  <a:srgbClr val="FFC000"/>
-                </a:solidFill>
-              </a:rPr>
-              <a:t>String</a:t>
-            </a:r>
-            <a:r>
-              <a:rPr lang="zh-TW" altLang="en-US">
-                <a:solidFill>
-                  <a:srgbClr val="FFC000"/>
-                </a:solidFill>
-              </a:rPr>
-              <a:t> </a:t>
-            </a:r>
-            <a:r>
-              <a:rPr lang="zh-TW" altLang="en-US">
-                <a:solidFill>
-                  <a:srgbClr val="00B0F0"/>
-                </a:solidFill>
-              </a:rPr>
-              <a:t>類別</a:t>
-            </a:r>
-            <a:r>
-              <a:rPr lang="zh-TW" altLang="en-US"/>
-              <a:t>的</a:t>
-            </a:r>
-            <a:r>
-              <a:rPr lang="zh-TW" altLang="en-US">
-                <a:solidFill>
-                  <a:srgbClr val="00B0F0"/>
-                </a:solidFill>
-              </a:rPr>
-              <a:t>實例</a:t>
-            </a:r>
-            <a:endParaRPr lang="en-US" altLang="zh-TW">
-              <a:solidFill>
-                <a:srgbClr val="00B0F0"/>
-              </a:solidFill>
-            </a:endParaRPr>
-          </a:p>
-          <a:p>
-            <a:r>
-              <a:rPr lang="zh-TW" altLang="en-US"/>
-              <a:t>其有許多</a:t>
-            </a:r>
-            <a:r>
-              <a:rPr lang="zh-TW" altLang="en-US">
-                <a:solidFill>
-                  <a:srgbClr val="00B0F0"/>
-                </a:solidFill>
-              </a:rPr>
-              <a:t>動態方法</a:t>
-            </a:r>
-            <a:r>
-              <a:rPr lang="zh-TW" altLang="en-US"/>
-              <a:t>，如：</a:t>
-            </a:r>
-            <a:r>
-              <a:rPr lang="en-US" altLang="zh-TW">
-                <a:solidFill>
-                  <a:srgbClr val="CF8E6D"/>
-                </a:solidFill>
-              </a:rPr>
-              <a:t>int</a:t>
-            </a:r>
-            <a:r>
-              <a:rPr lang="zh-TW" altLang="en-US">
-                <a:solidFill>
-                  <a:srgbClr val="00B0F0"/>
-                </a:solidFill>
-              </a:rPr>
-              <a:t> </a:t>
-            </a:r>
-            <a:r>
-              <a:rPr lang="en-US" altLang="zh-TW">
-                <a:solidFill>
-                  <a:srgbClr val="92D050"/>
-                </a:solidFill>
-              </a:rPr>
-              <a:t>length</a:t>
-            </a:r>
-            <a:r>
-              <a:rPr lang="en-US" altLang="zh-TW">
-                <a:solidFill>
-                  <a:srgbClr val="00B0F0"/>
-                </a:solidFill>
-              </a:rPr>
-              <a:t>()</a:t>
-            </a:r>
-            <a:r>
-              <a:rPr lang="zh-TW" altLang="en-US"/>
-              <a:t>、</a:t>
-            </a:r>
-            <a:r>
-              <a:rPr lang="en-US" altLang="zh-TW">
-                <a:solidFill>
-                  <a:srgbClr val="FFC000"/>
-                </a:solidFill>
-              </a:rPr>
-              <a:t>String</a:t>
-            </a:r>
-            <a:r>
-              <a:rPr lang="en-US" altLang="zh-TW">
-                <a:solidFill>
-                  <a:srgbClr val="00B0F0"/>
-                </a:solidFill>
-              </a:rPr>
-              <a:t> </a:t>
-            </a:r>
-            <a:r>
-              <a:rPr lang="en-US" altLang="zh-TW">
-                <a:solidFill>
-                  <a:srgbClr val="92D050"/>
-                </a:solidFill>
-              </a:rPr>
-              <a:t>strip</a:t>
-            </a:r>
-            <a:r>
-              <a:rPr lang="en-US" altLang="zh-TW">
-                <a:solidFill>
-                  <a:srgbClr val="00B0F0"/>
-                </a:solidFill>
-              </a:rPr>
-              <a:t>()</a:t>
-            </a:r>
-          </a:p>
-          <a:p>
-            <a:r>
-              <a:rPr lang="en-US" altLang="zh-TW">
-                <a:solidFill>
-                  <a:srgbClr val="FFC000"/>
-                </a:solidFill>
-              </a:rPr>
-              <a:t>String</a:t>
-            </a:r>
-            <a:r>
-              <a:rPr lang="en-US" altLang="zh-TW">
-                <a:solidFill>
-                  <a:srgbClr val="00B0F0"/>
-                </a:solidFill>
-              </a:rPr>
-              <a:t>[] </a:t>
-            </a:r>
-            <a:r>
-              <a:rPr lang="en-US" altLang="zh-TW">
-                <a:solidFill>
-                  <a:srgbClr val="92D050"/>
-                </a:solidFill>
-              </a:rPr>
-              <a:t>split</a:t>
-            </a:r>
-            <a:r>
-              <a:rPr lang="en-US" altLang="zh-TW">
-                <a:solidFill>
-                  <a:srgbClr val="00B0F0"/>
-                </a:solidFill>
-              </a:rPr>
-              <a:t>(</a:t>
-            </a:r>
-            <a:r>
-              <a:rPr lang="en-US" altLang="zh-TW">
-                <a:solidFill>
-                  <a:srgbClr val="FFC000"/>
-                </a:solidFill>
-              </a:rPr>
-              <a:t>String</a:t>
-            </a:r>
-            <a:r>
-              <a:rPr lang="en-US" altLang="zh-TW">
-                <a:solidFill>
-                  <a:srgbClr val="00B0F0"/>
-                </a:solidFill>
-              </a:rPr>
-              <a:t> regex)</a:t>
-            </a:r>
-            <a:endParaRPr lang="en-US" altLang="zh-TW">
-              <a:solidFill>
-                <a:srgbClr val="FFC000"/>
-              </a:solidFill>
-            </a:endParaRPr>
-          </a:p>
-          <a:p>
-            <a:r>
-              <a:rPr lang="en-US" altLang="zh-TW">
-                <a:solidFill>
-                  <a:srgbClr val="FFC000"/>
-                </a:solidFill>
-              </a:rPr>
-              <a:t>String</a:t>
-            </a:r>
-            <a:r>
-              <a:rPr lang="en-US" altLang="zh-TW"/>
-              <a:t> </a:t>
-            </a:r>
-            <a:r>
-              <a:rPr lang="en-US" altLang="zh-TW">
-                <a:solidFill>
-                  <a:srgbClr val="92D050"/>
-                </a:solidFill>
-              </a:rPr>
-              <a:t>substring</a:t>
-            </a:r>
-            <a:r>
-              <a:rPr lang="en-US" altLang="zh-TW">
-                <a:solidFill>
-                  <a:srgbClr val="00B0F0"/>
-                </a:solidFill>
-              </a:rPr>
-              <a:t>(</a:t>
-            </a:r>
-            <a:r>
-              <a:rPr lang="en-US" altLang="zh-TW">
-                <a:solidFill>
-                  <a:srgbClr val="CF8E6D"/>
-                </a:solidFill>
-              </a:rPr>
-              <a:t>int</a:t>
-            </a:r>
-            <a:r>
-              <a:rPr lang="en-US" altLang="zh-TW"/>
-              <a:t> </a:t>
-            </a:r>
-            <a:r>
-              <a:rPr lang="en-US" altLang="zh-TW">
-                <a:solidFill>
-                  <a:srgbClr val="00B0F0"/>
-                </a:solidFill>
-              </a:rPr>
-              <a:t>beginIndex,</a:t>
-            </a:r>
-            <a:r>
-              <a:rPr lang="en-US" altLang="zh-TW"/>
-              <a:t> </a:t>
-            </a:r>
-            <a:r>
-              <a:rPr lang="en-US" altLang="zh-TW">
-                <a:solidFill>
-                  <a:srgbClr val="FFC000"/>
-                </a:solidFill>
-              </a:rPr>
-              <a:t>int</a:t>
-            </a:r>
-            <a:r>
-              <a:rPr lang="en-US" altLang="zh-TW"/>
-              <a:t> </a:t>
-            </a:r>
-            <a:r>
-              <a:rPr lang="en-US" altLang="zh-TW">
-                <a:solidFill>
-                  <a:srgbClr val="00B0F0"/>
-                </a:solidFill>
-              </a:rPr>
-              <a:t>endIndex)</a:t>
-            </a:r>
-          </a:p>
-          <a:p>
-            <a:r>
-              <a:rPr lang="en-US" altLang="zh-TW">
-                <a:solidFill>
-                  <a:srgbClr val="CF8E6D"/>
-                </a:solidFill>
-              </a:rPr>
-              <a:t>boolean</a:t>
-            </a:r>
-            <a:r>
-              <a:rPr lang="en-US" altLang="zh-TW">
-                <a:solidFill>
-                  <a:srgbClr val="00B0F0"/>
-                </a:solidFill>
-              </a:rPr>
-              <a:t> </a:t>
-            </a:r>
-            <a:r>
-              <a:rPr lang="en-US" altLang="zh-TW">
-                <a:solidFill>
-                  <a:srgbClr val="92D050"/>
-                </a:solidFill>
-              </a:rPr>
-              <a:t>startsWith</a:t>
-            </a:r>
-            <a:r>
-              <a:rPr lang="en-US" altLang="zh-TW">
-                <a:solidFill>
-                  <a:srgbClr val="00B0F0"/>
-                </a:solidFill>
-              </a:rPr>
-              <a:t>(</a:t>
-            </a:r>
-            <a:r>
-              <a:rPr lang="en-US" altLang="zh-TW">
-                <a:solidFill>
-                  <a:srgbClr val="FFC000"/>
-                </a:solidFill>
-              </a:rPr>
-              <a:t>String</a:t>
-            </a:r>
-            <a:r>
-              <a:rPr lang="en-US" altLang="zh-TW">
-                <a:solidFill>
-                  <a:srgbClr val="00B0F0"/>
-                </a:solidFill>
-              </a:rPr>
-              <a:t> prefix)</a:t>
-            </a:r>
-          </a:p>
-          <a:p>
-            <a:r>
-              <a:rPr lang="en-US" altLang="zh-TW">
-                <a:solidFill>
-                  <a:srgbClr val="CF8E6D"/>
-                </a:solidFill>
-              </a:rPr>
-              <a:t>boolean</a:t>
-            </a:r>
-            <a:r>
-              <a:rPr lang="en-US" altLang="zh-TW">
-                <a:solidFill>
-                  <a:srgbClr val="00B0F0"/>
-                </a:solidFill>
-              </a:rPr>
-              <a:t> </a:t>
-            </a:r>
-            <a:r>
-              <a:rPr lang="en-US" altLang="zh-TW">
-                <a:solidFill>
-                  <a:srgbClr val="92D050"/>
-                </a:solidFill>
-              </a:rPr>
-              <a:t>endsWith</a:t>
-            </a:r>
-            <a:r>
-              <a:rPr lang="en-US" altLang="zh-TW">
-                <a:solidFill>
-                  <a:srgbClr val="00B0F0"/>
-                </a:solidFill>
-              </a:rPr>
-              <a:t>(</a:t>
-            </a:r>
-            <a:r>
-              <a:rPr lang="en-US" altLang="zh-TW">
-                <a:solidFill>
-                  <a:srgbClr val="FFC000"/>
-                </a:solidFill>
-              </a:rPr>
-              <a:t>String</a:t>
-            </a:r>
-            <a:r>
-              <a:rPr lang="en-US" altLang="zh-TW">
-                <a:solidFill>
-                  <a:srgbClr val="00B0F0"/>
-                </a:solidFill>
-              </a:rPr>
-              <a:t> suffix)</a:t>
-            </a:r>
-          </a:p>
-          <a:p>
-            <a:r>
-              <a:rPr lang="en-US" altLang="zh-TW">
-                <a:solidFill>
-                  <a:srgbClr val="CF8E6D"/>
-                </a:solidFill>
-              </a:rPr>
-              <a:t>boolean</a:t>
-            </a:r>
-            <a:r>
-              <a:rPr lang="en-US" altLang="zh-TW">
-                <a:solidFill>
-                  <a:srgbClr val="00B0F0"/>
-                </a:solidFill>
-              </a:rPr>
-              <a:t> </a:t>
-            </a:r>
-            <a:r>
-              <a:rPr lang="en-US" altLang="zh-TW">
-                <a:solidFill>
-                  <a:srgbClr val="92D050"/>
-                </a:solidFill>
-              </a:rPr>
-              <a:t>contains</a:t>
-            </a:r>
-            <a:r>
-              <a:rPr lang="en-US" altLang="zh-TW">
-                <a:solidFill>
-                  <a:srgbClr val="00B0F0"/>
-                </a:solidFill>
-              </a:rPr>
-              <a:t>(</a:t>
-            </a:r>
-            <a:r>
-              <a:rPr lang="en-US" altLang="zh-TW">
-                <a:solidFill>
-                  <a:srgbClr val="FFC000"/>
-                </a:solidFill>
-              </a:rPr>
-              <a:t>String</a:t>
-            </a:r>
-            <a:r>
-              <a:rPr lang="en-US" altLang="zh-TW">
-                <a:solidFill>
-                  <a:srgbClr val="00B0F0"/>
-                </a:solidFill>
-              </a:rPr>
-              <a:t> s)</a:t>
-            </a:r>
-            <a:r>
-              <a:rPr lang="zh-TW" altLang="en-US"/>
-              <a:t>、</a:t>
-            </a:r>
-            <a:r>
-              <a:rPr lang="en-US" altLang="zh-TW">
-                <a:solidFill>
-                  <a:srgbClr val="CF8E6D"/>
-                </a:solidFill>
-              </a:rPr>
-              <a:t>char</a:t>
-            </a:r>
-            <a:r>
-              <a:rPr lang="en-US" altLang="zh-TW">
-                <a:solidFill>
-                  <a:srgbClr val="00B0F0"/>
-                </a:solidFill>
-              </a:rPr>
-              <a:t> </a:t>
-            </a:r>
-            <a:r>
-              <a:rPr lang="en-US" altLang="zh-TW">
-                <a:solidFill>
-                  <a:srgbClr val="92D050"/>
-                </a:solidFill>
-              </a:rPr>
-              <a:t>charAt</a:t>
-            </a:r>
-            <a:r>
-              <a:rPr lang="en-US" altLang="zh-TW">
-                <a:solidFill>
-                  <a:srgbClr val="00B0F0"/>
-                </a:solidFill>
-              </a:rPr>
-              <a:t>(</a:t>
-            </a:r>
-            <a:r>
-              <a:rPr lang="en-US" altLang="zh-TW">
-                <a:solidFill>
-                  <a:srgbClr val="CF8E6D"/>
-                </a:solidFill>
-              </a:rPr>
-              <a:t>int</a:t>
-            </a:r>
-            <a:r>
-              <a:rPr lang="en-US" altLang="zh-TW">
-                <a:solidFill>
-                  <a:srgbClr val="00B0F0"/>
-                </a:solidFill>
-              </a:rPr>
-              <a:t> index)</a:t>
-            </a:r>
-            <a:endParaRPr lang="en-US" altLang="zh-TW">
-              <a:solidFill>
-                <a:srgbClr val="FFC000"/>
-              </a:solidFill>
-            </a:endParaRPr>
-          </a:p>
-          <a:p>
-            <a:r>
-              <a:rPr lang="en-US" altLang="zh-TW">
-                <a:solidFill>
-                  <a:srgbClr val="FFC000"/>
-                </a:solidFill>
-              </a:rPr>
-              <a:t>String</a:t>
-            </a:r>
-            <a:r>
-              <a:rPr lang="en-US" altLang="zh-TW">
-                <a:solidFill>
-                  <a:srgbClr val="00B0F0"/>
-                </a:solidFill>
-              </a:rPr>
-              <a:t> </a:t>
-            </a:r>
-            <a:r>
-              <a:rPr lang="en-US" altLang="zh-TW">
-                <a:solidFill>
-                  <a:srgbClr val="92D050"/>
-                </a:solidFill>
-              </a:rPr>
-              <a:t>replace</a:t>
-            </a:r>
-            <a:r>
-              <a:rPr lang="en-US" altLang="zh-TW">
-                <a:solidFill>
-                  <a:srgbClr val="00B0F0"/>
-                </a:solidFill>
-              </a:rPr>
-              <a:t>(</a:t>
-            </a:r>
-            <a:r>
-              <a:rPr lang="en-US" altLang="zh-TW">
-                <a:solidFill>
-                  <a:srgbClr val="FFC000"/>
-                </a:solidFill>
-              </a:rPr>
-              <a:t>String</a:t>
-            </a:r>
-            <a:r>
-              <a:rPr lang="en-US" altLang="zh-TW">
-                <a:solidFill>
-                  <a:srgbClr val="00B0F0"/>
-                </a:solidFill>
-              </a:rPr>
-              <a:t> target, </a:t>
-            </a:r>
-            <a:r>
-              <a:rPr lang="en-US" altLang="zh-TW">
-                <a:solidFill>
-                  <a:srgbClr val="FFC000"/>
-                </a:solidFill>
-              </a:rPr>
-              <a:t>String</a:t>
-            </a:r>
-            <a:r>
-              <a:rPr lang="en-US" altLang="zh-TW">
-                <a:solidFill>
-                  <a:srgbClr val="00B0F0"/>
-                </a:solidFill>
-              </a:rPr>
-              <a:t> replacement)</a:t>
-            </a:r>
-          </a:p>
-          <a:p>
-            <a:r>
-              <a:rPr lang="zh-TW" altLang="en-US"/>
-              <a:t>不管是哪個程式語言，</a:t>
-            </a:r>
-            <a:r>
-              <a:rPr lang="zh-TW" altLang="en-US">
-                <a:solidFill>
-                  <a:srgbClr val="00B0F0"/>
-                </a:solidFill>
-              </a:rPr>
-              <a:t>字串</a:t>
-            </a:r>
-            <a:r>
-              <a:rPr lang="zh-TW" altLang="en-US"/>
-              <a:t>通常都有這些</a:t>
-            </a:r>
-            <a:r>
-              <a:rPr lang="zh-TW" altLang="en-US">
-                <a:solidFill>
-                  <a:srgbClr val="00B0F0"/>
-                </a:solidFill>
-              </a:rPr>
-              <a:t>方法</a:t>
-            </a:r>
-            <a:endParaRPr lang="en-US" altLang="zh-TW">
-              <a:solidFill>
-                <a:srgbClr val="00B0F0"/>
-              </a:solidFill>
-            </a:endParaRPr>
-          </a:p>
-        </p:txBody>
-      </p:sp>
-    </p:spTree>
-    <p:extLst>
-      <p:ext uri="{BB962C8B-B14F-4D97-AF65-F5344CB8AC3E}">
-        <p14:creationId xmlns:p14="http://schemas.microsoft.com/office/powerpoint/2010/main" val="2810301151"/>
-      </p:ext>
-    </p:extLst>
-  </p:cSld>
-  <p:clrMapOvr>
-    <a:masterClrMapping/>
-  </p:clrMapOvr>
-  <p:transition spd="slow">
-    <p:push dir="u"/>
-  </p:transition>
-</p:sld>
-</file>
-
-<file path=ppt/slides/slide15.xml><?xml version="1.0" encoding="utf-8"?>
-<p:sld xmlns:a="http://schemas.openxmlformats.org/drawingml/2006/main" xmlns:r="http://schemas.openxmlformats.org/officeDocument/2006/relationships" xmlns:p="http://schemas.openxmlformats.org/presentationml/2006/main">
-  <p:cSld>
-    <p:spTree>
-      <p:nvGrpSpPr>
-        <p:cNvPr id="1" name=""/>
-        <p:cNvGrpSpPr/>
-        <p:nvPr/>
-      </p:nvGrpSpPr>
-      <p:grpSpPr>
-        <a:xfrm>
-          <a:off x="0" y="0"/>
-          <a:ext cx="0" cy="0"/>
-          <a:chOff x="0" y="0"/>
-          <a:chExt cx="0" cy="0"/>
-        </a:xfrm>
-      </p:grpSpPr>
-      <p:sp>
-        <p:nvSpPr>
-          <p:cNvPr id="2" name="標題 1">
-            <a:extLst>
-              <a:ext uri="{FF2B5EF4-FFF2-40B4-BE49-F238E27FC236}">
-                <a16:creationId xmlns:a16="http://schemas.microsoft.com/office/drawing/2014/main" id="{432BFCCF-ED16-4A90-A11A-2C9328FC004D}"/>
-              </a:ext>
-            </a:extLst>
-          </p:cNvPr>
-          <p:cNvSpPr>
-            <a:spLocks noGrp="1"/>
-          </p:cNvSpPr>
-          <p:nvPr>
-            <p:ph type="title"/>
-          </p:nvPr>
-        </p:nvSpPr>
-        <p:spPr>
-          <a:xfrm>
-            <a:off x="838200" y="0"/>
-            <a:ext cx="10515600" cy="1325563"/>
-          </a:xfrm>
-        </p:spPr>
-        <p:txBody>
-          <a:bodyPr/>
-          <a:lstStyle/>
-          <a:p>
-            <a:r>
-              <a:rPr lang="zh-TW" altLang="en-US"/>
-              <a:t>字串</a:t>
-            </a:r>
-          </a:p>
-        </p:txBody>
-      </p:sp>
-      <p:grpSp>
-        <p:nvGrpSpPr>
-          <p:cNvPr id="6" name="群組 5">
-            <a:extLst>
-              <a:ext uri="{FF2B5EF4-FFF2-40B4-BE49-F238E27FC236}">
-                <a16:creationId xmlns:a16="http://schemas.microsoft.com/office/drawing/2014/main" id="{AB2C0953-DACA-4357-874E-6AC33BFA8B32}"/>
-              </a:ext>
-            </a:extLst>
-          </p:cNvPr>
-          <p:cNvGrpSpPr/>
-          <p:nvPr/>
-        </p:nvGrpSpPr>
-        <p:grpSpPr>
-          <a:xfrm>
-            <a:off x="8390965" y="3270331"/>
-            <a:ext cx="2962835" cy="1200329"/>
-            <a:chOff x="1522684" y="5780729"/>
-            <a:chExt cx="2962835" cy="1200329"/>
-          </a:xfrm>
-        </p:grpSpPr>
-        <p:sp>
-          <p:nvSpPr>
-            <p:cNvPr id="7" name="Rectangle 4">
-              <a:extLst>
-                <a:ext uri="{FF2B5EF4-FFF2-40B4-BE49-F238E27FC236}">
-                  <a16:creationId xmlns:a16="http://schemas.microsoft.com/office/drawing/2014/main" id="{5B960F75-5E77-4EEE-B849-E8BB1133A683}"/>
-                </a:ext>
-              </a:extLst>
-            </p:cNvPr>
-            <p:cNvSpPr>
-              <a:spLocks noChangeArrowheads="1"/>
-            </p:cNvSpPr>
-            <p:nvPr/>
-          </p:nvSpPr>
-          <p:spPr bwMode="auto">
-            <a:xfrm>
-              <a:off x="1522684" y="5780729"/>
-              <a:ext cx="2962835" cy="1200329"/>
-            </a:xfrm>
-            <a:prstGeom prst="rect">
-              <a:avLst/>
-            </a:prstGeom>
-            <a:solidFill>
-              <a:srgbClr val="1E1F22"/>
-            </a:solidFill>
-            <a:ln w="9525">
-              <a:noFill/>
-              <a:miter lim="800000"/>
-              <a:headEnd/>
-              <a:tailEnd/>
-            </a:ln>
-            <a:effectLst/>
-            <a:extLst>
-              <a:ext uri="{AF507438-7753-43E0-B8FC-AC1667EBCBE1}">
-                <a14:hiddenEffects xmlns:a14="http://schemas.microsoft.com/office/drawing/2010/main">
-                  <a:effectLst>
-                    <a:outerShdw dist="35921" dir="2700000" algn="ctr" rotWithShape="0">
-                      <a:schemeClr val="bg2"/>
-                    </a:outerShdw>
-                  </a:effectLst>
-                </a14:hiddenEffects>
-              </a:ext>
-            </a:extLst>
-          </p:spPr>
-          <p:txBody>
-            <a:bodyPr vert="horz" wrap="square" lIns="91440" tIns="45720" rIns="91440" bIns="45720" numCol="1" anchor="ctr" anchorCtr="0" compatLnSpc="1">
-              <a:prstTxWarp prst="textNoShape">
-                <a:avLst/>
-              </a:prstTxWarp>
-              <a:spAutoFit/>
-            </a:bodyPr>
-            <a:lstStyle/>
-            <a:p>
-              <a:pPr marL="0" marR="0" lvl="0" indent="0" algn="l" defTabSz="914400" rtl="0" eaLnBrk="0" fontAlgn="base" latinLnBrk="0" hangingPunct="0">
-                <a:lnSpc>
-                  <a:spcPct val="100000"/>
-                </a:lnSpc>
-                <a:spcBef>
-                  <a:spcPct val="0"/>
-                </a:spcBef>
-                <a:spcAft>
-                  <a:spcPct val="0"/>
-                </a:spcAft>
-                <a:buClrTx/>
-                <a:buSzTx/>
-                <a:buFontTx/>
-                <a:buNone/>
-                <a:tabLst/>
-              </a:pPr>
-              <a:r>
-                <a:rPr kumimoji="0" lang="en-US" altLang="zh-TW" sz="2400" b="0" i="0" u="none" strike="noStrike" cap="none" normalizeH="0" baseline="0">
-                  <a:ln>
-                    <a:noFill/>
-                  </a:ln>
-                  <a:solidFill>
-                    <a:srgbClr val="92D050"/>
-                  </a:solidFill>
-                  <a:effectLst/>
-                  <a:latin typeface="+mj-lt"/>
-                  <a:cs typeface="JetBrains Mono" panose="02000009000000000000" pitchFamily="49" charset="0"/>
-                </a:rPr>
-                <a:t>5</a:t>
-              </a:r>
-            </a:p>
-            <a:p>
-              <a:pPr marL="0" marR="0" lvl="0" indent="0" algn="l" defTabSz="914400" rtl="0" eaLnBrk="0" fontAlgn="base" latinLnBrk="0" hangingPunct="0">
-                <a:lnSpc>
-                  <a:spcPct val="100000"/>
-                </a:lnSpc>
-                <a:spcBef>
-                  <a:spcPct val="0"/>
-                </a:spcBef>
-                <a:spcAft>
-                  <a:spcPct val="0"/>
-                </a:spcAft>
-                <a:buClrTx/>
-                <a:buSzTx/>
-                <a:buFontTx/>
-                <a:buNone/>
-                <a:tabLst/>
-              </a:pPr>
-              <a:r>
-                <a:rPr kumimoji="0" lang="en-US" altLang="zh-TW" sz="2400" b="0" i="0" u="none" strike="noStrike" cap="none" normalizeH="0" baseline="0">
-                  <a:ln>
-                    <a:noFill/>
-                  </a:ln>
-                  <a:solidFill>
-                    <a:srgbClr val="92D050"/>
-                  </a:solidFill>
-                  <a:effectLst/>
-                  <a:latin typeface="+mj-lt"/>
-                  <a:cs typeface="JetBrains Mono" panose="02000009000000000000" pitchFamily="49" charset="0"/>
-                </a:rPr>
-                <a:t>2147483647</a:t>
-              </a:r>
-            </a:p>
-            <a:p>
-              <a:pPr marL="0" marR="0" lvl="0" indent="0" algn="l" defTabSz="914400" rtl="0" eaLnBrk="0" fontAlgn="base" latinLnBrk="0" hangingPunct="0">
-                <a:lnSpc>
-                  <a:spcPct val="100000"/>
-                </a:lnSpc>
-                <a:spcBef>
-                  <a:spcPct val="0"/>
-                </a:spcBef>
-                <a:spcAft>
-                  <a:spcPct val="0"/>
-                </a:spcAft>
-                <a:buClrTx/>
-                <a:buSzTx/>
-                <a:buFontTx/>
-                <a:buNone/>
-                <a:tabLst/>
-              </a:pPr>
-              <a:r>
-                <a:rPr kumimoji="0" lang="en-US" altLang="zh-TW" sz="2400" b="0" i="0" u="none" strike="noStrike" cap="none" normalizeH="0" baseline="0">
-                  <a:ln>
-                    <a:noFill/>
-                  </a:ln>
-                  <a:solidFill>
-                    <a:srgbClr val="BCBEC4"/>
-                  </a:solidFill>
-                  <a:effectLst/>
-                  <a:latin typeface="+mj-lt"/>
-                  <a:cs typeface="JetBrains Mono" panose="02000009000000000000" pitchFamily="49" charset="0"/>
-                </a:rPr>
-                <a:t>74836,28</a:t>
-              </a:r>
-            </a:p>
-          </p:txBody>
-        </p:sp>
-        <p:sp>
-          <p:nvSpPr>
-            <p:cNvPr id="8" name="文字方塊 7">
-              <a:extLst>
-                <a:ext uri="{FF2B5EF4-FFF2-40B4-BE49-F238E27FC236}">
-                  <a16:creationId xmlns:a16="http://schemas.microsoft.com/office/drawing/2014/main" id="{C6D298A9-046A-4B99-BB2B-A4C9067A46F6}"/>
-                </a:ext>
-              </a:extLst>
-            </p:cNvPr>
-            <p:cNvSpPr txBox="1"/>
-            <p:nvPr/>
-          </p:nvSpPr>
-          <p:spPr>
-            <a:xfrm>
-              <a:off x="3605150" y="6673281"/>
-              <a:ext cx="880369" cy="307777"/>
-            </a:xfrm>
-            <a:prstGeom prst="rect">
-              <a:avLst/>
-            </a:prstGeom>
-            <a:noFill/>
-            <a:ln>
-              <a:noFill/>
-            </a:ln>
-          </p:spPr>
-          <p:txBody>
-            <a:bodyPr wrap="none" rtlCol="0">
-              <a:spAutoFit/>
-            </a:bodyPr>
-            <a:lstStyle/>
-            <a:p>
-              <a:r>
-                <a:rPr lang="en-US" altLang="zh-TW" sz="1400">
-                  <a:solidFill>
-                    <a:schemeClr val="accent3"/>
-                  </a:solidFill>
-                </a:rPr>
-                <a:t>console</a:t>
-              </a:r>
-              <a:endParaRPr lang="zh-TW" altLang="en-US" sz="1400">
-                <a:solidFill>
-                  <a:schemeClr val="accent3"/>
-                </a:solidFill>
-              </a:endParaRPr>
-            </a:p>
-          </p:txBody>
-        </p:sp>
-      </p:grpSp>
-      <p:grpSp>
-        <p:nvGrpSpPr>
-          <p:cNvPr id="3" name="群組 2">
-            <a:extLst>
-              <a:ext uri="{FF2B5EF4-FFF2-40B4-BE49-F238E27FC236}">
-                <a16:creationId xmlns:a16="http://schemas.microsoft.com/office/drawing/2014/main" id="{09948E82-A120-4690-BE5C-D6D0D2A668B0}"/>
-              </a:ext>
-            </a:extLst>
-          </p:cNvPr>
-          <p:cNvGrpSpPr/>
-          <p:nvPr/>
-        </p:nvGrpSpPr>
-        <p:grpSpPr>
-          <a:xfrm>
-            <a:off x="838200" y="1325563"/>
-            <a:ext cx="7241085" cy="5068701"/>
-            <a:chOff x="838200" y="1325563"/>
-            <a:chExt cx="7241085" cy="5068701"/>
-          </a:xfrm>
-        </p:grpSpPr>
-        <p:sp>
-          <p:nvSpPr>
-            <p:cNvPr id="4" name="Rectangle 2">
-              <a:extLst>
-                <a:ext uri="{FF2B5EF4-FFF2-40B4-BE49-F238E27FC236}">
-                  <a16:creationId xmlns:a16="http://schemas.microsoft.com/office/drawing/2014/main" id="{0C353486-E7BB-4B72-9E1C-0025CA056FB5}"/>
-                </a:ext>
-              </a:extLst>
-            </p:cNvPr>
-            <p:cNvSpPr>
-              <a:spLocks noChangeArrowheads="1"/>
-            </p:cNvSpPr>
-            <p:nvPr/>
-          </p:nvSpPr>
-          <p:spPr bwMode="auto">
-            <a:xfrm>
-              <a:off x="838200" y="1346728"/>
-              <a:ext cx="7241085" cy="5047536"/>
-            </a:xfrm>
-            <a:prstGeom prst="rect">
-              <a:avLst/>
-            </a:prstGeom>
-            <a:solidFill>
-              <a:srgbClr val="1E1F22"/>
-            </a:solidFill>
-            <a:ln>
-              <a:noFill/>
-            </a:ln>
-            <a:effectLst/>
-            <a:extLst>
-              <a:ext uri="{91240B29-F687-4F45-9708-019B960494DF}">
-                <a14:hiddenLine xmlns:a14="http://schemas.microsoft.com/office/drawing/2010/main" w="9525">
-                  <a:solidFill>
-                    <a:schemeClr val="tx1"/>
-                  </a:solidFill>
-                  <a:miter lim="800000"/>
-                  <a:headEnd/>
-                  <a:tailEnd/>
-                </a14:hiddenLine>
-              </a:ext>
-              <a:ext uri="{AF507438-7753-43E0-B8FC-AC1667EBCBE1}">
-                <a14:hiddenEffects xmlns:a14="http://schemas.microsoft.com/office/drawing/2010/main">
-                  <a:effectLst>
-                    <a:outerShdw dist="35921" dir="2700000" algn="ctr" rotWithShape="0">
-                      <a:schemeClr val="bg2"/>
-                    </a:outerShdw>
-                  </a:effectLst>
-                </a14:hiddenEffects>
-              </a:ext>
-            </a:extLst>
-          </p:spPr>
-          <p:txBody>
-            <a:bodyPr vert="horz" wrap="none" lIns="91440" tIns="45720" rIns="91440" bIns="45720" numCol="1" anchor="ctr" anchorCtr="0" compatLnSpc="1">
-              <a:prstTxWarp prst="textNoShape">
-                <a:avLst/>
-              </a:prstTxWarp>
-              <a:spAutoFit/>
-            </a:bodyPr>
-            <a:lstStyle/>
-            <a:p>
-              <a:pPr marL="0" marR="0" lvl="0" indent="0" algn="l" defTabSz="914400" rtl="0" eaLnBrk="0" fontAlgn="base" latinLnBrk="0" hangingPunct="0">
-                <a:lnSpc>
-                  <a:spcPct val="100000"/>
-                </a:lnSpc>
-                <a:spcBef>
-                  <a:spcPct val="0"/>
-                </a:spcBef>
-                <a:spcAft>
-                  <a:spcPct val="0"/>
-                </a:spcAft>
-                <a:buClrTx/>
-                <a:buSzTx/>
-                <a:buFontTx/>
-                <a:buNone/>
-                <a:tabLst/>
-              </a:pPr>
-              <a:r>
-                <a:rPr kumimoji="0" lang="zh-TW" altLang="zh-TW" sz="1400" b="0" i="0" u="none" strike="noStrike" cap="none" normalizeH="0" baseline="0">
-                  <a:ln>
-                    <a:noFill/>
-                  </a:ln>
-                  <a:solidFill>
-                    <a:srgbClr val="CF8E6D"/>
-                  </a:solidFill>
-                  <a:effectLst/>
-                  <a:latin typeface="+mj-lt"/>
-                  <a:cs typeface="JetBrains Mono" panose="02000009000000000000" pitchFamily="49" charset="0"/>
-                </a:rPr>
-                <a:t>import </a:t>
-              </a:r>
-              <a:r>
-                <a:rPr kumimoji="0" lang="zh-TW" altLang="zh-TW" sz="1400" b="0" i="0" u="none" strike="noStrike" cap="none" normalizeH="0" baseline="0">
-                  <a:ln>
-                    <a:noFill/>
-                  </a:ln>
-                  <a:solidFill>
-                    <a:srgbClr val="BCBEC4"/>
-                  </a:solidFill>
-                  <a:effectLst/>
-                  <a:latin typeface="+mj-lt"/>
-                  <a:cs typeface="JetBrains Mono" panose="02000009000000000000" pitchFamily="49" charset="0"/>
-                </a:rPr>
-                <a:t>java.util.Scanner;</a:t>
-              </a:r>
-              <a:br>
-                <a:rPr kumimoji="0" lang="zh-TW" altLang="zh-TW" sz="1400" b="0" i="0" u="none" strike="noStrike" cap="none" normalizeH="0" baseline="0">
-                  <a:ln>
-                    <a:noFill/>
-                  </a:ln>
-                  <a:solidFill>
-                    <a:srgbClr val="BCBEC4"/>
-                  </a:solidFill>
-                  <a:effectLst/>
-                  <a:latin typeface="+mj-lt"/>
-                  <a:cs typeface="JetBrains Mono" panose="02000009000000000000" pitchFamily="49" charset="0"/>
-                </a:rPr>
-              </a:br>
-              <a:br>
-                <a:rPr kumimoji="0" lang="zh-TW" altLang="zh-TW" sz="1400" b="0" i="0" u="none" strike="noStrike" cap="none" normalizeH="0" baseline="0">
-                  <a:ln>
-                    <a:noFill/>
-                  </a:ln>
-                  <a:solidFill>
-                    <a:srgbClr val="BCBEC4"/>
-                  </a:solidFill>
-                  <a:effectLst/>
-                  <a:latin typeface="+mj-lt"/>
-                  <a:cs typeface="JetBrains Mono" panose="02000009000000000000" pitchFamily="49" charset="0"/>
-                </a:rPr>
-              </a:br>
-              <a:r>
-                <a:rPr kumimoji="0" lang="zh-TW" altLang="zh-TW" sz="1400" b="0" i="0" u="none" strike="noStrike" cap="none" normalizeH="0" baseline="0">
-                  <a:ln>
-                    <a:noFill/>
-                  </a:ln>
-                  <a:solidFill>
-                    <a:srgbClr val="7A7E85"/>
-                  </a:solidFill>
-                  <a:effectLst/>
-                  <a:latin typeface="+mj-lt"/>
-                  <a:cs typeface="JetBrains Mono" panose="02000009000000000000" pitchFamily="49" charset="0"/>
-                </a:rPr>
-                <a:t>// </a:t>
-              </a:r>
-              <a:r>
-                <a:rPr kumimoji="0" lang="zh-TW" altLang="zh-TW" sz="1400" b="0" i="0" u="none" strike="noStrike" cap="none" normalizeH="0" baseline="0">
-                  <a:ln>
-                    <a:noFill/>
-                  </a:ln>
-                  <a:solidFill>
-                    <a:srgbClr val="7A7E85"/>
-                  </a:solidFill>
-                  <a:effectLst/>
-                  <a:latin typeface="+mj-lt"/>
-                  <a:ea typeface="微軟正黑體" panose="020B0604030504040204" pitchFamily="34" charset="-120"/>
-                  <a:cs typeface="JetBrains Mono" panose="02000009000000000000" pitchFamily="49" charset="0"/>
-                </a:rPr>
-                <a:t>找整數中連續</a:t>
-              </a:r>
-              <a:r>
-                <a:rPr kumimoji="0" lang="zh-TW" altLang="zh-TW" sz="1400" b="0" i="0" u="none" strike="noStrike" cap="none" normalizeH="0" baseline="0">
-                  <a:ln>
-                    <a:noFill/>
-                  </a:ln>
-                  <a:solidFill>
-                    <a:srgbClr val="7A7E85"/>
-                  </a:solidFill>
-                  <a:effectLst/>
-                  <a:latin typeface="+mj-lt"/>
-                  <a:cs typeface="JetBrains Mono" panose="02000009000000000000" pitchFamily="49" charset="0"/>
-                </a:rPr>
-                <a:t> n </a:t>
-              </a:r>
-              <a:r>
-                <a:rPr kumimoji="0" lang="zh-TW" altLang="zh-TW" sz="1400" b="0" i="0" u="none" strike="noStrike" cap="none" normalizeH="0" baseline="0">
-                  <a:ln>
-                    <a:noFill/>
-                  </a:ln>
-                  <a:solidFill>
-                    <a:srgbClr val="7A7E85"/>
-                  </a:solidFill>
-                  <a:effectLst/>
-                  <a:latin typeface="+mj-lt"/>
-                  <a:ea typeface="微軟正黑體" panose="020B0604030504040204" pitchFamily="34" charset="-120"/>
-                  <a:cs typeface="JetBrains Mono" panose="02000009000000000000" pitchFamily="49" charset="0"/>
-                </a:rPr>
-                <a:t>個數字和的最大值</a:t>
-              </a:r>
-              <a:br>
-                <a:rPr kumimoji="0" lang="zh-TW" altLang="zh-TW" sz="1400" b="0" i="0" u="none" strike="noStrike" cap="none" normalizeH="0" baseline="0">
-                  <a:ln>
-                    <a:noFill/>
-                  </a:ln>
-                  <a:solidFill>
-                    <a:srgbClr val="7A7E85"/>
-                  </a:solidFill>
-                  <a:effectLst/>
-                  <a:latin typeface="+mj-lt"/>
-                  <a:ea typeface="微軟正黑體" panose="020B0604030504040204" pitchFamily="34" charset="-120"/>
-                  <a:cs typeface="JetBrains Mono" panose="02000009000000000000" pitchFamily="49" charset="0"/>
-                </a:rPr>
-              </a:br>
-              <a:r>
-                <a:rPr kumimoji="0" lang="zh-TW" altLang="zh-TW" sz="1400" b="0" i="0" u="none" strike="noStrike" cap="none" normalizeH="0" baseline="0">
-                  <a:ln>
-                    <a:noFill/>
-                  </a:ln>
-                  <a:solidFill>
-                    <a:srgbClr val="CF8E6D"/>
-                  </a:solidFill>
-                  <a:effectLst/>
-                  <a:latin typeface="+mj-lt"/>
-                  <a:cs typeface="JetBrains Mono" panose="02000009000000000000" pitchFamily="49" charset="0"/>
-                </a:rPr>
-                <a:t>public class </a:t>
-              </a:r>
-              <a:r>
-                <a:rPr kumimoji="0" lang="zh-TW" altLang="zh-TW" sz="1400" b="0" i="0" u="none" strike="noStrike" cap="none" normalizeH="0" baseline="0">
-                  <a:ln>
-                    <a:noFill/>
-                  </a:ln>
-                  <a:solidFill>
-                    <a:srgbClr val="BCBEC4"/>
-                  </a:solidFill>
-                  <a:effectLst/>
-                  <a:latin typeface="+mj-lt"/>
-                  <a:cs typeface="JetBrains Mono" panose="02000009000000000000" pitchFamily="49" charset="0"/>
-                </a:rPr>
-                <a:t>Main3 {</a:t>
-              </a:r>
-              <a:br>
-                <a:rPr kumimoji="0" lang="zh-TW" altLang="zh-TW" sz="1400" b="0" i="0" u="none" strike="noStrike" cap="none" normalizeH="0" baseline="0">
-                  <a:ln>
-                    <a:noFill/>
-                  </a:ln>
-                  <a:solidFill>
-                    <a:srgbClr val="BCBEC4"/>
-                  </a:solidFill>
-                  <a:effectLst/>
-                  <a:latin typeface="+mj-lt"/>
-                  <a:cs typeface="JetBrains Mono" panose="02000009000000000000" pitchFamily="49" charset="0"/>
-                </a:rPr>
-              </a:br>
-              <a:r>
-                <a:rPr kumimoji="0" lang="zh-TW" altLang="zh-TW" sz="1400" b="0" i="0" u="none" strike="noStrike" cap="none" normalizeH="0" baseline="0">
-                  <a:ln>
-                    <a:noFill/>
-                  </a:ln>
-                  <a:solidFill>
-                    <a:srgbClr val="BCBEC4"/>
-                  </a:solidFill>
-                  <a:effectLst/>
-                  <a:latin typeface="+mj-lt"/>
-                  <a:cs typeface="JetBrains Mono" panose="02000009000000000000" pitchFamily="49" charset="0"/>
-                </a:rPr>
-                <a:t>    </a:t>
-              </a:r>
-              <a:r>
-                <a:rPr kumimoji="0" lang="zh-TW" altLang="zh-TW" sz="1400" b="0" i="0" u="none" strike="noStrike" cap="none" normalizeH="0" baseline="0">
-                  <a:ln>
-                    <a:noFill/>
-                  </a:ln>
-                  <a:solidFill>
-                    <a:srgbClr val="CF8E6D"/>
-                  </a:solidFill>
-                  <a:effectLst/>
-                  <a:latin typeface="+mj-lt"/>
-                  <a:cs typeface="JetBrains Mono" panose="02000009000000000000" pitchFamily="49" charset="0"/>
-                </a:rPr>
-                <a:t>public static void </a:t>
-              </a:r>
-              <a:r>
-                <a:rPr kumimoji="0" lang="zh-TW" altLang="zh-TW" sz="1400" b="0" i="0" u="none" strike="noStrike" cap="none" normalizeH="0" baseline="0">
-                  <a:ln>
-                    <a:noFill/>
-                  </a:ln>
-                  <a:solidFill>
-                    <a:srgbClr val="56A8F5"/>
-                  </a:solidFill>
-                  <a:effectLst/>
-                  <a:latin typeface="+mj-lt"/>
-                  <a:cs typeface="JetBrains Mono" panose="02000009000000000000" pitchFamily="49" charset="0"/>
-                </a:rPr>
-                <a:t>main</a:t>
-              </a:r>
-              <a:r>
-                <a:rPr kumimoji="0" lang="zh-TW" altLang="zh-TW" sz="1400" b="0" i="0" u="none" strike="noStrike" cap="none" normalizeH="0" baseline="0">
-                  <a:ln>
-                    <a:noFill/>
-                  </a:ln>
-                  <a:solidFill>
-                    <a:srgbClr val="BCBEC4"/>
-                  </a:solidFill>
-                  <a:effectLst/>
-                  <a:latin typeface="+mj-lt"/>
-                  <a:cs typeface="JetBrains Mono" panose="02000009000000000000" pitchFamily="49" charset="0"/>
-                </a:rPr>
-                <a:t>(String[] args) {</a:t>
-              </a:r>
-              <a:br>
-                <a:rPr kumimoji="0" lang="zh-TW" altLang="zh-TW" sz="1400" b="0" i="0" u="none" strike="noStrike" cap="none" normalizeH="0" baseline="0">
-                  <a:ln>
-                    <a:noFill/>
-                  </a:ln>
-                  <a:solidFill>
-                    <a:srgbClr val="BCBEC4"/>
-                  </a:solidFill>
-                  <a:effectLst/>
-                  <a:latin typeface="+mj-lt"/>
-                  <a:cs typeface="JetBrains Mono" panose="02000009000000000000" pitchFamily="49" charset="0"/>
-                </a:rPr>
-              </a:br>
-              <a:r>
-                <a:rPr kumimoji="0" lang="zh-TW" altLang="zh-TW" sz="1400" b="0" i="0" u="none" strike="noStrike" cap="none" normalizeH="0" baseline="0">
-                  <a:ln>
-                    <a:noFill/>
-                  </a:ln>
-                  <a:solidFill>
-                    <a:srgbClr val="BCBEC4"/>
-                  </a:solidFill>
-                  <a:effectLst/>
-                  <a:latin typeface="+mj-lt"/>
-                  <a:cs typeface="JetBrains Mono" panose="02000009000000000000" pitchFamily="49" charset="0"/>
-                </a:rPr>
-                <a:t>        Scanner scanner = </a:t>
-              </a:r>
-              <a:r>
-                <a:rPr kumimoji="0" lang="zh-TW" altLang="zh-TW" sz="1400" b="0" i="0" u="none" strike="noStrike" cap="none" normalizeH="0" baseline="0">
-                  <a:ln>
-                    <a:noFill/>
-                  </a:ln>
-                  <a:solidFill>
-                    <a:srgbClr val="CF8E6D"/>
-                  </a:solidFill>
-                  <a:effectLst/>
-                  <a:latin typeface="+mj-lt"/>
-                  <a:cs typeface="JetBrains Mono" panose="02000009000000000000" pitchFamily="49" charset="0"/>
-                </a:rPr>
-                <a:t>new </a:t>
-              </a:r>
-              <a:r>
-                <a:rPr kumimoji="0" lang="zh-TW" altLang="zh-TW" sz="1400" b="0" i="0" u="none" strike="noStrike" cap="none" normalizeH="0" baseline="0">
-                  <a:ln>
-                    <a:noFill/>
-                  </a:ln>
-                  <a:solidFill>
-                    <a:srgbClr val="BCBEC4"/>
-                  </a:solidFill>
-                  <a:effectLst/>
-                  <a:latin typeface="+mj-lt"/>
-                  <a:cs typeface="JetBrains Mono" panose="02000009000000000000" pitchFamily="49" charset="0"/>
-                </a:rPr>
-                <a:t>Scanner(System.</a:t>
-              </a:r>
-              <a:r>
-                <a:rPr kumimoji="0" lang="zh-TW" altLang="zh-TW" sz="1400" b="0" i="1" u="none" strike="noStrike" cap="none" normalizeH="0" baseline="0">
-                  <a:ln>
-                    <a:noFill/>
-                  </a:ln>
-                  <a:solidFill>
-                    <a:srgbClr val="C77DBB"/>
-                  </a:solidFill>
-                  <a:effectLst/>
-                  <a:latin typeface="+mj-lt"/>
-                  <a:cs typeface="JetBrains Mono" panose="02000009000000000000" pitchFamily="49" charset="0"/>
-                </a:rPr>
-                <a:t>in</a:t>
-              </a:r>
-              <a:r>
-                <a:rPr kumimoji="0" lang="zh-TW" altLang="zh-TW" sz="1400" b="0" i="0" u="none" strike="noStrike" cap="none" normalizeH="0" baseline="0">
-                  <a:ln>
-                    <a:noFill/>
-                  </a:ln>
-                  <a:solidFill>
-                    <a:srgbClr val="BCBEC4"/>
-                  </a:solidFill>
-                  <a:effectLst/>
-                  <a:latin typeface="+mj-lt"/>
-                  <a:cs typeface="JetBrains Mono" panose="02000009000000000000" pitchFamily="49" charset="0"/>
-                </a:rPr>
-                <a:t>);</a:t>
-              </a:r>
-              <a:br>
-                <a:rPr kumimoji="0" lang="zh-TW" altLang="zh-TW" sz="1400" b="0" i="0" u="none" strike="noStrike" cap="none" normalizeH="0" baseline="0">
-                  <a:ln>
-                    <a:noFill/>
-                  </a:ln>
-                  <a:solidFill>
-                    <a:srgbClr val="BCBEC4"/>
-                  </a:solidFill>
-                  <a:effectLst/>
-                  <a:latin typeface="+mj-lt"/>
-                  <a:cs typeface="JetBrains Mono" panose="02000009000000000000" pitchFamily="49" charset="0"/>
-                </a:rPr>
-              </a:br>
-              <a:r>
-                <a:rPr kumimoji="0" lang="zh-TW" altLang="zh-TW" sz="1400" b="0" i="0" u="none" strike="noStrike" cap="none" normalizeH="0" baseline="0">
-                  <a:ln>
-                    <a:noFill/>
-                  </a:ln>
-                  <a:solidFill>
-                    <a:srgbClr val="BCBEC4"/>
-                  </a:solidFill>
-                  <a:effectLst/>
-                  <a:latin typeface="+mj-lt"/>
-                  <a:cs typeface="JetBrains Mono" panose="02000009000000000000" pitchFamily="49" charset="0"/>
-                </a:rPr>
-                <a:t>        </a:t>
-              </a:r>
-              <a:r>
-                <a:rPr kumimoji="0" lang="zh-TW" altLang="zh-TW" sz="1400" b="0" i="0" u="none" strike="noStrike" cap="none" normalizeH="0" baseline="0">
-                  <a:ln>
-                    <a:noFill/>
-                  </a:ln>
-                  <a:solidFill>
-                    <a:srgbClr val="CF8E6D"/>
-                  </a:solidFill>
-                  <a:effectLst/>
-                  <a:latin typeface="+mj-lt"/>
-                  <a:cs typeface="JetBrains Mono" panose="02000009000000000000" pitchFamily="49" charset="0"/>
-                </a:rPr>
-                <a:t>int </a:t>
-              </a:r>
-              <a:r>
-                <a:rPr kumimoji="0" lang="zh-TW" altLang="zh-TW" sz="1400" b="0" i="0" u="none" strike="noStrike" cap="none" normalizeH="0" baseline="0">
-                  <a:ln>
-                    <a:noFill/>
-                  </a:ln>
-                  <a:solidFill>
-                    <a:srgbClr val="BCBEC4"/>
-                  </a:solidFill>
-                  <a:effectLst/>
-                  <a:latin typeface="+mj-lt"/>
-                  <a:cs typeface="JetBrains Mono" panose="02000009000000000000" pitchFamily="49" charset="0"/>
-                </a:rPr>
-                <a:t>count = scanner.nextInt();</a:t>
-              </a:r>
-              <a:br>
-                <a:rPr kumimoji="0" lang="zh-TW" altLang="zh-TW" sz="1400" b="0" i="0" u="none" strike="noStrike" cap="none" normalizeH="0" baseline="0">
-                  <a:ln>
-                    <a:noFill/>
-                  </a:ln>
-                  <a:solidFill>
-                    <a:srgbClr val="BCBEC4"/>
-                  </a:solidFill>
-                  <a:effectLst/>
-                  <a:latin typeface="+mj-lt"/>
-                  <a:cs typeface="JetBrains Mono" panose="02000009000000000000" pitchFamily="49" charset="0"/>
-                </a:rPr>
-              </a:br>
-              <a:r>
-                <a:rPr kumimoji="0" lang="zh-TW" altLang="zh-TW" sz="1400" b="0" i="0" u="none" strike="noStrike" cap="none" normalizeH="0" baseline="0">
-                  <a:ln>
-                    <a:noFill/>
-                  </a:ln>
-                  <a:solidFill>
-                    <a:srgbClr val="BCBEC4"/>
-                  </a:solidFill>
-                  <a:effectLst/>
-                  <a:latin typeface="+mj-lt"/>
-                  <a:cs typeface="JetBrains Mono" panose="02000009000000000000" pitchFamily="49" charset="0"/>
-                </a:rPr>
-                <a:t>        String maxString = </a:t>
-              </a:r>
-              <a:r>
-                <a:rPr kumimoji="0" lang="zh-TW" altLang="zh-TW" sz="1400" b="0" i="0" u="none" strike="noStrike" cap="none" normalizeH="0" baseline="0">
-                  <a:ln>
-                    <a:noFill/>
-                  </a:ln>
-                  <a:solidFill>
-                    <a:srgbClr val="6AAB73"/>
-                  </a:solidFill>
-                  <a:effectLst/>
-                  <a:latin typeface="+mj-lt"/>
-                  <a:cs typeface="JetBrains Mono" panose="02000009000000000000" pitchFamily="49" charset="0"/>
-                </a:rPr>
-                <a:t>""</a:t>
-              </a:r>
-              <a:r>
-                <a:rPr kumimoji="0" lang="zh-TW" altLang="zh-TW" sz="1400" b="0" i="0" u="none" strike="noStrike" cap="none" normalizeH="0" baseline="0">
-                  <a:ln>
-                    <a:noFill/>
-                  </a:ln>
-                  <a:solidFill>
-                    <a:srgbClr val="BCBEC4"/>
-                  </a:solidFill>
-                  <a:effectLst/>
-                  <a:latin typeface="+mj-lt"/>
-                  <a:cs typeface="JetBrains Mono" panose="02000009000000000000" pitchFamily="49" charset="0"/>
-                </a:rPr>
-                <a:t>;</a:t>
-              </a:r>
-              <a:br>
-                <a:rPr kumimoji="0" lang="zh-TW" altLang="zh-TW" sz="1400" b="0" i="0" u="none" strike="noStrike" cap="none" normalizeH="0" baseline="0">
-                  <a:ln>
-                    <a:noFill/>
-                  </a:ln>
-                  <a:solidFill>
-                    <a:srgbClr val="BCBEC4"/>
-                  </a:solidFill>
-                  <a:effectLst/>
-                  <a:latin typeface="+mj-lt"/>
-                  <a:cs typeface="JetBrains Mono" panose="02000009000000000000" pitchFamily="49" charset="0"/>
-                </a:rPr>
-              </a:br>
-              <a:r>
-                <a:rPr kumimoji="0" lang="zh-TW" altLang="zh-TW" sz="1400" b="0" i="0" u="none" strike="noStrike" cap="none" normalizeH="0" baseline="0">
-                  <a:ln>
-                    <a:noFill/>
-                  </a:ln>
-                  <a:solidFill>
-                    <a:srgbClr val="BCBEC4"/>
-                  </a:solidFill>
-                  <a:effectLst/>
-                  <a:latin typeface="+mj-lt"/>
-                  <a:cs typeface="JetBrains Mono" panose="02000009000000000000" pitchFamily="49" charset="0"/>
-                </a:rPr>
-                <a:t>        </a:t>
-              </a:r>
-              <a:r>
-                <a:rPr kumimoji="0" lang="zh-TW" altLang="zh-TW" sz="1400" b="0" i="0" u="none" strike="noStrike" cap="none" normalizeH="0" baseline="0">
-                  <a:ln>
-                    <a:noFill/>
-                  </a:ln>
-                  <a:solidFill>
-                    <a:srgbClr val="CF8E6D"/>
-                  </a:solidFill>
-                  <a:effectLst/>
-                  <a:latin typeface="+mj-lt"/>
-                  <a:cs typeface="JetBrains Mono" panose="02000009000000000000" pitchFamily="49" charset="0"/>
-                </a:rPr>
-                <a:t>int </a:t>
-              </a:r>
-              <a:r>
-                <a:rPr kumimoji="0" lang="zh-TW" altLang="zh-TW" sz="1400" b="0" i="0" u="none" strike="noStrike" cap="none" normalizeH="0" baseline="0">
-                  <a:ln>
-                    <a:noFill/>
-                  </a:ln>
-                  <a:solidFill>
-                    <a:srgbClr val="BCBEC4"/>
-                  </a:solidFill>
-                  <a:effectLst/>
-                  <a:latin typeface="+mj-lt"/>
-                  <a:cs typeface="JetBrains Mono" panose="02000009000000000000" pitchFamily="49" charset="0"/>
-                </a:rPr>
-                <a:t>max = -</a:t>
-              </a:r>
-              <a:r>
-                <a:rPr kumimoji="0" lang="zh-TW" altLang="zh-TW" sz="1400" b="0" i="0" u="none" strike="noStrike" cap="none" normalizeH="0" baseline="0">
-                  <a:ln>
-                    <a:noFill/>
-                  </a:ln>
-                  <a:solidFill>
-                    <a:srgbClr val="2AACB8"/>
-                  </a:solidFill>
-                  <a:effectLst/>
-                  <a:latin typeface="+mj-lt"/>
-                  <a:cs typeface="JetBrains Mono" panose="02000009000000000000" pitchFamily="49" charset="0"/>
-                </a:rPr>
-                <a:t>1</a:t>
-              </a:r>
-              <a:r>
-                <a:rPr kumimoji="0" lang="zh-TW" altLang="zh-TW" sz="1400" b="0" i="0" u="none" strike="noStrike" cap="none" normalizeH="0" baseline="0">
-                  <a:ln>
-                    <a:noFill/>
-                  </a:ln>
-                  <a:solidFill>
-                    <a:srgbClr val="BCBEC4"/>
-                  </a:solidFill>
-                  <a:effectLst/>
-                  <a:latin typeface="+mj-lt"/>
-                  <a:cs typeface="JetBrains Mono" panose="02000009000000000000" pitchFamily="49" charset="0"/>
-                </a:rPr>
-                <a:t>;</a:t>
-              </a:r>
-              <a:br>
-                <a:rPr kumimoji="0" lang="zh-TW" altLang="zh-TW" sz="1400" b="0" i="0" u="none" strike="noStrike" cap="none" normalizeH="0" baseline="0">
-                  <a:ln>
-                    <a:noFill/>
-                  </a:ln>
-                  <a:solidFill>
-                    <a:srgbClr val="BCBEC4"/>
-                  </a:solidFill>
-                  <a:effectLst/>
-                  <a:latin typeface="+mj-lt"/>
-                  <a:cs typeface="JetBrains Mono" panose="02000009000000000000" pitchFamily="49" charset="0"/>
-                </a:rPr>
-              </a:br>
-              <a:r>
-                <a:rPr kumimoji="0" lang="zh-TW" altLang="zh-TW" sz="1400" b="0" i="0" u="none" strike="noStrike" cap="none" normalizeH="0" baseline="0">
-                  <a:ln>
-                    <a:noFill/>
-                  </a:ln>
-                  <a:solidFill>
-                    <a:srgbClr val="BCBEC4"/>
-                  </a:solidFill>
-                  <a:effectLst/>
-                  <a:latin typeface="+mj-lt"/>
-                  <a:cs typeface="JetBrains Mono" panose="02000009000000000000" pitchFamily="49" charset="0"/>
-                </a:rPr>
-                <a:t>        String string = scanner.next();</a:t>
-              </a:r>
-              <a:br>
-                <a:rPr kumimoji="0" lang="zh-TW" altLang="zh-TW" sz="1400" b="0" i="0" u="none" strike="noStrike" cap="none" normalizeH="0" baseline="0">
-                  <a:ln>
-                    <a:noFill/>
-                  </a:ln>
-                  <a:solidFill>
-                    <a:srgbClr val="BCBEC4"/>
-                  </a:solidFill>
-                  <a:effectLst/>
-                  <a:latin typeface="+mj-lt"/>
-                  <a:cs typeface="JetBrains Mono" panose="02000009000000000000" pitchFamily="49" charset="0"/>
-                </a:rPr>
-              </a:br>
-              <a:r>
-                <a:rPr kumimoji="0" lang="zh-TW" altLang="zh-TW" sz="1400" b="0" i="0" u="none" strike="noStrike" cap="none" normalizeH="0" baseline="0">
-                  <a:ln>
-                    <a:noFill/>
-                  </a:ln>
-                  <a:solidFill>
-                    <a:srgbClr val="BCBEC4"/>
-                  </a:solidFill>
-                  <a:effectLst/>
-                  <a:latin typeface="+mj-lt"/>
-                  <a:cs typeface="JetBrains Mono" panose="02000009000000000000" pitchFamily="49" charset="0"/>
-                </a:rPr>
-                <a:t>        </a:t>
-              </a:r>
-              <a:r>
-                <a:rPr kumimoji="0" lang="zh-TW" altLang="zh-TW" sz="1400" b="0" i="0" u="none" strike="noStrike" cap="none" normalizeH="0" baseline="0">
-                  <a:ln>
-                    <a:noFill/>
-                  </a:ln>
-                  <a:solidFill>
-                    <a:srgbClr val="CF8E6D"/>
-                  </a:solidFill>
-                  <a:effectLst/>
-                  <a:latin typeface="+mj-lt"/>
-                  <a:cs typeface="JetBrains Mono" panose="02000009000000000000" pitchFamily="49" charset="0"/>
-                </a:rPr>
-                <a:t>for </a:t>
-              </a:r>
-              <a:r>
-                <a:rPr kumimoji="0" lang="zh-TW" altLang="zh-TW" sz="1400" b="0" i="0" u="none" strike="noStrike" cap="none" normalizeH="0" baseline="0">
-                  <a:ln>
-                    <a:noFill/>
-                  </a:ln>
-                  <a:solidFill>
-                    <a:srgbClr val="BCBEC4"/>
-                  </a:solidFill>
-                  <a:effectLst/>
-                  <a:latin typeface="+mj-lt"/>
-                  <a:cs typeface="JetBrains Mono" panose="02000009000000000000" pitchFamily="49" charset="0"/>
-                </a:rPr>
-                <a:t>(</a:t>
-              </a:r>
-              <a:r>
-                <a:rPr kumimoji="0" lang="zh-TW" altLang="zh-TW" sz="1400" b="0" i="0" u="none" strike="noStrike" cap="none" normalizeH="0" baseline="0">
-                  <a:ln>
-                    <a:noFill/>
-                  </a:ln>
-                  <a:solidFill>
-                    <a:srgbClr val="CF8E6D"/>
-                  </a:solidFill>
-                  <a:effectLst/>
-                  <a:latin typeface="+mj-lt"/>
-                  <a:cs typeface="JetBrains Mono" panose="02000009000000000000" pitchFamily="49" charset="0"/>
-                </a:rPr>
-                <a:t>int </a:t>
-              </a:r>
-              <a:r>
-                <a:rPr kumimoji="0" lang="zh-TW" altLang="zh-TW" sz="1400" b="0" i="0" u="none" strike="noStrike" cap="none" normalizeH="0" baseline="0">
-                  <a:ln>
-                    <a:noFill/>
-                  </a:ln>
-                  <a:solidFill>
-                    <a:srgbClr val="BCBEC4"/>
-                  </a:solidFill>
-                  <a:effectLst/>
-                  <a:latin typeface="+mj-lt"/>
-                  <a:cs typeface="JetBrains Mono" panose="02000009000000000000" pitchFamily="49" charset="0"/>
-                </a:rPr>
-                <a:t>i = </a:t>
-              </a:r>
-              <a:r>
-                <a:rPr kumimoji="0" lang="zh-TW" altLang="zh-TW" sz="1400" b="0" i="0" u="none" strike="noStrike" cap="none" normalizeH="0" baseline="0">
-                  <a:ln>
-                    <a:noFill/>
-                  </a:ln>
-                  <a:solidFill>
-                    <a:srgbClr val="2AACB8"/>
-                  </a:solidFill>
-                  <a:effectLst/>
-                  <a:latin typeface="+mj-lt"/>
-                  <a:cs typeface="JetBrains Mono" panose="02000009000000000000" pitchFamily="49" charset="0"/>
-                </a:rPr>
-                <a:t>0</a:t>
-              </a:r>
-              <a:r>
-                <a:rPr kumimoji="0" lang="zh-TW" altLang="zh-TW" sz="1400" b="0" i="0" u="none" strike="noStrike" cap="none" normalizeH="0" baseline="0">
-                  <a:ln>
-                    <a:noFill/>
-                  </a:ln>
-                  <a:solidFill>
-                    <a:srgbClr val="BCBEC4"/>
-                  </a:solidFill>
-                  <a:effectLst/>
-                  <a:latin typeface="+mj-lt"/>
-                  <a:cs typeface="JetBrains Mono" panose="02000009000000000000" pitchFamily="49" charset="0"/>
-                </a:rPr>
-                <a:t>; i &lt;= string.length() - count; i++) {</a:t>
-              </a:r>
-              <a:br>
-                <a:rPr kumimoji="0" lang="zh-TW" altLang="zh-TW" sz="1400" b="0" i="0" u="none" strike="noStrike" cap="none" normalizeH="0" baseline="0">
-                  <a:ln>
-                    <a:noFill/>
-                  </a:ln>
-                  <a:solidFill>
-                    <a:srgbClr val="BCBEC4"/>
-                  </a:solidFill>
-                  <a:effectLst/>
-                  <a:latin typeface="+mj-lt"/>
-                  <a:cs typeface="JetBrains Mono" panose="02000009000000000000" pitchFamily="49" charset="0"/>
-                </a:rPr>
-              </a:br>
-              <a:r>
-                <a:rPr kumimoji="0" lang="zh-TW" altLang="zh-TW" sz="1400" b="0" i="0" u="none" strike="noStrike" cap="none" normalizeH="0" baseline="0">
-                  <a:ln>
-                    <a:noFill/>
-                  </a:ln>
-                  <a:solidFill>
-                    <a:srgbClr val="BCBEC4"/>
-                  </a:solidFill>
-                  <a:effectLst/>
-                  <a:latin typeface="+mj-lt"/>
-                  <a:cs typeface="JetBrains Mono" panose="02000009000000000000" pitchFamily="49" charset="0"/>
-                </a:rPr>
-                <a:t>            </a:t>
-              </a:r>
-              <a:r>
-                <a:rPr kumimoji="0" lang="zh-TW" altLang="zh-TW" sz="1400" b="0" i="0" u="none" strike="noStrike" cap="none" normalizeH="0" baseline="0">
-                  <a:ln>
-                    <a:noFill/>
-                  </a:ln>
-                  <a:solidFill>
-                    <a:srgbClr val="CF8E6D"/>
-                  </a:solidFill>
-                  <a:effectLst/>
-                  <a:latin typeface="+mj-lt"/>
-                  <a:cs typeface="JetBrains Mono" panose="02000009000000000000" pitchFamily="49" charset="0"/>
-                </a:rPr>
-                <a:t>int </a:t>
-              </a:r>
-              <a:r>
-                <a:rPr kumimoji="0" lang="zh-TW" altLang="zh-TW" sz="1400" b="0" i="0" u="none" strike="noStrike" cap="none" normalizeH="0" baseline="0">
-                  <a:ln>
-                    <a:noFill/>
-                  </a:ln>
-                  <a:solidFill>
-                    <a:srgbClr val="BCBEC4"/>
-                  </a:solidFill>
-                  <a:effectLst/>
-                  <a:latin typeface="+mj-lt"/>
-                  <a:cs typeface="JetBrains Mono" panose="02000009000000000000" pitchFamily="49" charset="0"/>
-                </a:rPr>
-                <a:t>sum = </a:t>
-              </a:r>
-              <a:r>
-                <a:rPr kumimoji="0" lang="zh-TW" altLang="zh-TW" sz="1400" b="0" i="0" u="none" strike="noStrike" cap="none" normalizeH="0" baseline="0">
-                  <a:ln>
-                    <a:noFill/>
-                  </a:ln>
-                  <a:solidFill>
-                    <a:srgbClr val="2AACB8"/>
-                  </a:solidFill>
-                  <a:effectLst/>
-                  <a:latin typeface="+mj-lt"/>
-                  <a:cs typeface="JetBrains Mono" panose="02000009000000000000" pitchFamily="49" charset="0"/>
-                </a:rPr>
-                <a:t>0</a:t>
-              </a:r>
-              <a:r>
-                <a:rPr kumimoji="0" lang="zh-TW" altLang="zh-TW" sz="1400" b="0" i="0" u="none" strike="noStrike" cap="none" normalizeH="0" baseline="0">
-                  <a:ln>
-                    <a:noFill/>
-                  </a:ln>
-                  <a:solidFill>
-                    <a:srgbClr val="BCBEC4"/>
-                  </a:solidFill>
-                  <a:effectLst/>
-                  <a:latin typeface="+mj-lt"/>
-                  <a:cs typeface="JetBrains Mono" panose="02000009000000000000" pitchFamily="49" charset="0"/>
-                </a:rPr>
-                <a:t>;</a:t>
-              </a:r>
-              <a:br>
-                <a:rPr kumimoji="0" lang="zh-TW" altLang="zh-TW" sz="1400" b="0" i="0" u="none" strike="noStrike" cap="none" normalizeH="0" baseline="0">
-                  <a:ln>
-                    <a:noFill/>
-                  </a:ln>
-                  <a:solidFill>
-                    <a:srgbClr val="BCBEC4"/>
-                  </a:solidFill>
-                  <a:effectLst/>
-                  <a:latin typeface="+mj-lt"/>
-                  <a:cs typeface="JetBrains Mono" panose="02000009000000000000" pitchFamily="49" charset="0"/>
-                </a:rPr>
-              </a:br>
-              <a:r>
-                <a:rPr kumimoji="0" lang="zh-TW" altLang="zh-TW" sz="1400" b="0" i="0" u="none" strike="noStrike" cap="none" normalizeH="0" baseline="0">
-                  <a:ln>
-                    <a:noFill/>
-                  </a:ln>
-                  <a:solidFill>
-                    <a:srgbClr val="BCBEC4"/>
-                  </a:solidFill>
-                  <a:effectLst/>
-                  <a:latin typeface="+mj-lt"/>
-                  <a:cs typeface="JetBrains Mono" panose="02000009000000000000" pitchFamily="49" charset="0"/>
-                </a:rPr>
-                <a:t>            </a:t>
-              </a:r>
-              <a:r>
-                <a:rPr kumimoji="0" lang="zh-TW" altLang="zh-TW" sz="1400" b="0" i="0" u="none" strike="noStrike" cap="none" normalizeH="0" baseline="0">
-                  <a:ln>
-                    <a:noFill/>
-                  </a:ln>
-                  <a:solidFill>
-                    <a:srgbClr val="CF8E6D"/>
-                  </a:solidFill>
-                  <a:effectLst/>
-                  <a:latin typeface="+mj-lt"/>
-                  <a:cs typeface="JetBrains Mono" panose="02000009000000000000" pitchFamily="49" charset="0"/>
-                </a:rPr>
-                <a:t>for </a:t>
-              </a:r>
-              <a:r>
-                <a:rPr kumimoji="0" lang="zh-TW" altLang="zh-TW" sz="1400" b="0" i="0" u="none" strike="noStrike" cap="none" normalizeH="0" baseline="0">
-                  <a:ln>
-                    <a:noFill/>
-                  </a:ln>
-                  <a:solidFill>
-                    <a:srgbClr val="BCBEC4"/>
-                  </a:solidFill>
-                  <a:effectLst/>
-                  <a:latin typeface="+mj-lt"/>
-                  <a:cs typeface="JetBrains Mono" panose="02000009000000000000" pitchFamily="49" charset="0"/>
-                </a:rPr>
-                <a:t>(</a:t>
-              </a:r>
-              <a:r>
-                <a:rPr kumimoji="0" lang="zh-TW" altLang="zh-TW" sz="1400" b="0" i="0" u="none" strike="noStrike" cap="none" normalizeH="0" baseline="0">
-                  <a:ln>
-                    <a:noFill/>
-                  </a:ln>
-                  <a:solidFill>
-                    <a:srgbClr val="CF8E6D"/>
-                  </a:solidFill>
-                  <a:effectLst/>
-                  <a:latin typeface="+mj-lt"/>
-                  <a:cs typeface="JetBrains Mono" panose="02000009000000000000" pitchFamily="49" charset="0"/>
-                </a:rPr>
-                <a:t>int </a:t>
-              </a:r>
-              <a:r>
-                <a:rPr kumimoji="0" lang="zh-TW" altLang="zh-TW" sz="1400" b="0" i="0" u="none" strike="noStrike" cap="none" normalizeH="0" baseline="0">
-                  <a:ln>
-                    <a:noFill/>
-                  </a:ln>
-                  <a:solidFill>
-                    <a:srgbClr val="BCBEC4"/>
-                  </a:solidFill>
-                  <a:effectLst/>
-                  <a:latin typeface="+mj-lt"/>
-                  <a:cs typeface="JetBrains Mono" panose="02000009000000000000" pitchFamily="49" charset="0"/>
-                </a:rPr>
-                <a:t>j = </a:t>
-              </a:r>
-              <a:r>
-                <a:rPr kumimoji="0" lang="zh-TW" altLang="zh-TW" sz="1400" b="0" i="0" u="none" strike="noStrike" cap="none" normalizeH="0" baseline="0">
-                  <a:ln>
-                    <a:noFill/>
-                  </a:ln>
-                  <a:solidFill>
-                    <a:srgbClr val="2AACB8"/>
-                  </a:solidFill>
-                  <a:effectLst/>
-                  <a:latin typeface="+mj-lt"/>
-                  <a:cs typeface="JetBrains Mono" panose="02000009000000000000" pitchFamily="49" charset="0"/>
-                </a:rPr>
-                <a:t>0</a:t>
-              </a:r>
-              <a:r>
-                <a:rPr kumimoji="0" lang="zh-TW" altLang="zh-TW" sz="1400" b="0" i="0" u="none" strike="noStrike" cap="none" normalizeH="0" baseline="0">
-                  <a:ln>
-                    <a:noFill/>
-                  </a:ln>
-                  <a:solidFill>
-                    <a:srgbClr val="BCBEC4"/>
-                  </a:solidFill>
-                  <a:effectLst/>
-                  <a:latin typeface="+mj-lt"/>
-                  <a:cs typeface="JetBrains Mono" panose="02000009000000000000" pitchFamily="49" charset="0"/>
-                </a:rPr>
-                <a:t>; j &lt; count; j++) {</a:t>
-              </a:r>
-              <a:br>
-                <a:rPr kumimoji="0" lang="zh-TW" altLang="zh-TW" sz="1400" b="0" i="0" u="none" strike="noStrike" cap="none" normalizeH="0" baseline="0">
-                  <a:ln>
-                    <a:noFill/>
-                  </a:ln>
-                  <a:solidFill>
-                    <a:srgbClr val="BCBEC4"/>
-                  </a:solidFill>
-                  <a:effectLst/>
-                  <a:latin typeface="+mj-lt"/>
-                  <a:cs typeface="JetBrains Mono" panose="02000009000000000000" pitchFamily="49" charset="0"/>
-                </a:rPr>
-              </a:br>
-              <a:r>
-                <a:rPr kumimoji="0" lang="zh-TW" altLang="zh-TW" sz="1400" b="0" i="0" u="none" strike="noStrike" cap="none" normalizeH="0" baseline="0">
-                  <a:ln>
-                    <a:noFill/>
-                  </a:ln>
-                  <a:solidFill>
-                    <a:srgbClr val="BCBEC4"/>
-                  </a:solidFill>
-                  <a:effectLst/>
-                  <a:latin typeface="+mj-lt"/>
-                  <a:cs typeface="JetBrains Mono" panose="02000009000000000000" pitchFamily="49" charset="0"/>
-                </a:rPr>
-                <a:t>                sum += Character.</a:t>
-              </a:r>
-              <a:r>
-                <a:rPr kumimoji="0" lang="zh-TW" altLang="zh-TW" sz="1400" b="0" i="1" u="none" strike="noStrike" cap="none" normalizeH="0" baseline="0">
-                  <a:ln>
-                    <a:noFill/>
-                  </a:ln>
-                  <a:solidFill>
-                    <a:srgbClr val="BCBEC4"/>
-                  </a:solidFill>
-                  <a:effectLst/>
-                  <a:latin typeface="+mj-lt"/>
-                  <a:cs typeface="JetBrains Mono" panose="02000009000000000000" pitchFamily="49" charset="0"/>
-                </a:rPr>
-                <a:t>getNumericValue</a:t>
-              </a:r>
-              <a:r>
-                <a:rPr kumimoji="0" lang="zh-TW" altLang="zh-TW" sz="1400" b="0" i="0" u="none" strike="noStrike" cap="none" normalizeH="0" baseline="0">
-                  <a:ln>
-                    <a:noFill/>
-                  </a:ln>
-                  <a:solidFill>
-                    <a:srgbClr val="BCBEC4"/>
-                  </a:solidFill>
-                  <a:effectLst/>
-                  <a:latin typeface="+mj-lt"/>
-                  <a:cs typeface="JetBrains Mono" panose="02000009000000000000" pitchFamily="49" charset="0"/>
-                </a:rPr>
-                <a:t>(string.charAt(i + j));</a:t>
-              </a:r>
-              <a:br>
-                <a:rPr kumimoji="0" lang="zh-TW" altLang="zh-TW" sz="1400" b="0" i="0" u="none" strike="noStrike" cap="none" normalizeH="0" baseline="0">
-                  <a:ln>
-                    <a:noFill/>
-                  </a:ln>
-                  <a:solidFill>
-                    <a:srgbClr val="BCBEC4"/>
-                  </a:solidFill>
-                  <a:effectLst/>
-                  <a:latin typeface="+mj-lt"/>
-                  <a:cs typeface="JetBrains Mono" panose="02000009000000000000" pitchFamily="49" charset="0"/>
-                </a:rPr>
-              </a:br>
-              <a:r>
-                <a:rPr kumimoji="0" lang="zh-TW" altLang="zh-TW" sz="1400" b="0" i="0" u="none" strike="noStrike" cap="none" normalizeH="0" baseline="0">
-                  <a:ln>
-                    <a:noFill/>
-                  </a:ln>
-                  <a:solidFill>
-                    <a:srgbClr val="BCBEC4"/>
-                  </a:solidFill>
-                  <a:effectLst/>
-                  <a:latin typeface="+mj-lt"/>
-                  <a:cs typeface="JetBrains Mono" panose="02000009000000000000" pitchFamily="49" charset="0"/>
-                </a:rPr>
-                <a:t>            }</a:t>
-              </a:r>
-              <a:br>
-                <a:rPr kumimoji="0" lang="zh-TW" altLang="zh-TW" sz="1400" b="0" i="0" u="none" strike="noStrike" cap="none" normalizeH="0" baseline="0">
-                  <a:ln>
-                    <a:noFill/>
-                  </a:ln>
-                  <a:solidFill>
-                    <a:srgbClr val="BCBEC4"/>
-                  </a:solidFill>
-                  <a:effectLst/>
-                  <a:latin typeface="+mj-lt"/>
-                  <a:cs typeface="JetBrains Mono" panose="02000009000000000000" pitchFamily="49" charset="0"/>
-                </a:rPr>
-              </a:br>
-              <a:r>
-                <a:rPr kumimoji="0" lang="zh-TW" altLang="zh-TW" sz="1400" b="0" i="0" u="none" strike="noStrike" cap="none" normalizeH="0" baseline="0">
-                  <a:ln>
-                    <a:noFill/>
-                  </a:ln>
-                  <a:solidFill>
-                    <a:srgbClr val="BCBEC4"/>
-                  </a:solidFill>
-                  <a:effectLst/>
-                  <a:latin typeface="+mj-lt"/>
-                  <a:cs typeface="JetBrains Mono" panose="02000009000000000000" pitchFamily="49" charset="0"/>
-                </a:rPr>
-                <a:t>            </a:t>
-              </a:r>
-              <a:r>
-                <a:rPr kumimoji="0" lang="zh-TW" altLang="zh-TW" sz="1400" b="0" i="0" u="none" strike="noStrike" cap="none" normalizeH="0" baseline="0">
-                  <a:ln>
-                    <a:noFill/>
-                  </a:ln>
-                  <a:solidFill>
-                    <a:srgbClr val="CF8E6D"/>
-                  </a:solidFill>
-                  <a:effectLst/>
-                  <a:latin typeface="+mj-lt"/>
-                  <a:cs typeface="JetBrains Mono" panose="02000009000000000000" pitchFamily="49" charset="0"/>
-                </a:rPr>
-                <a:t>if </a:t>
-              </a:r>
-              <a:r>
-                <a:rPr kumimoji="0" lang="zh-TW" altLang="zh-TW" sz="1400" b="0" i="0" u="none" strike="noStrike" cap="none" normalizeH="0" baseline="0">
-                  <a:ln>
-                    <a:noFill/>
-                  </a:ln>
-                  <a:solidFill>
-                    <a:srgbClr val="BCBEC4"/>
-                  </a:solidFill>
-                  <a:effectLst/>
-                  <a:latin typeface="+mj-lt"/>
-                  <a:cs typeface="JetBrains Mono" panose="02000009000000000000" pitchFamily="49" charset="0"/>
-                </a:rPr>
-                <a:t>(sum &gt; max) {</a:t>
-              </a:r>
-              <a:br>
-                <a:rPr kumimoji="0" lang="zh-TW" altLang="zh-TW" sz="1400" b="0" i="0" u="none" strike="noStrike" cap="none" normalizeH="0" baseline="0">
-                  <a:ln>
-                    <a:noFill/>
-                  </a:ln>
-                  <a:solidFill>
-                    <a:srgbClr val="BCBEC4"/>
-                  </a:solidFill>
-                  <a:effectLst/>
-                  <a:latin typeface="+mj-lt"/>
-                  <a:cs typeface="JetBrains Mono" panose="02000009000000000000" pitchFamily="49" charset="0"/>
-                </a:rPr>
-              </a:br>
-              <a:r>
-                <a:rPr kumimoji="0" lang="zh-TW" altLang="zh-TW" sz="1400" b="0" i="0" u="none" strike="noStrike" cap="none" normalizeH="0" baseline="0">
-                  <a:ln>
-                    <a:noFill/>
-                  </a:ln>
-                  <a:solidFill>
-                    <a:srgbClr val="BCBEC4"/>
-                  </a:solidFill>
-                  <a:effectLst/>
-                  <a:latin typeface="+mj-lt"/>
-                  <a:cs typeface="JetBrains Mono" panose="02000009000000000000" pitchFamily="49" charset="0"/>
-                </a:rPr>
-                <a:t>                max = sum;</a:t>
-              </a:r>
-              <a:br>
-                <a:rPr kumimoji="0" lang="zh-TW" altLang="zh-TW" sz="1400" b="0" i="0" u="none" strike="noStrike" cap="none" normalizeH="0" baseline="0">
-                  <a:ln>
-                    <a:noFill/>
-                  </a:ln>
-                  <a:solidFill>
-                    <a:srgbClr val="BCBEC4"/>
-                  </a:solidFill>
-                  <a:effectLst/>
-                  <a:latin typeface="+mj-lt"/>
-                  <a:cs typeface="JetBrains Mono" panose="02000009000000000000" pitchFamily="49" charset="0"/>
-                </a:rPr>
-              </a:br>
-              <a:r>
-                <a:rPr kumimoji="0" lang="zh-TW" altLang="zh-TW" sz="1400" b="0" i="0" u="none" strike="noStrike" cap="none" normalizeH="0" baseline="0">
-                  <a:ln>
-                    <a:noFill/>
-                  </a:ln>
-                  <a:solidFill>
-                    <a:srgbClr val="BCBEC4"/>
-                  </a:solidFill>
-                  <a:effectLst/>
-                  <a:latin typeface="+mj-lt"/>
-                  <a:cs typeface="JetBrains Mono" panose="02000009000000000000" pitchFamily="49" charset="0"/>
-                </a:rPr>
-                <a:t>                maxString = string.substring(i, i + count);</a:t>
-              </a:r>
-              <a:br>
-                <a:rPr kumimoji="0" lang="zh-TW" altLang="zh-TW" sz="1400" b="0" i="0" u="none" strike="noStrike" cap="none" normalizeH="0" baseline="0">
-                  <a:ln>
-                    <a:noFill/>
-                  </a:ln>
-                  <a:solidFill>
-                    <a:srgbClr val="BCBEC4"/>
-                  </a:solidFill>
-                  <a:effectLst/>
-                  <a:latin typeface="+mj-lt"/>
-                  <a:cs typeface="JetBrains Mono" panose="02000009000000000000" pitchFamily="49" charset="0"/>
-                </a:rPr>
-              </a:br>
-              <a:r>
-                <a:rPr kumimoji="0" lang="zh-TW" altLang="zh-TW" sz="1400" b="0" i="0" u="none" strike="noStrike" cap="none" normalizeH="0" baseline="0">
-                  <a:ln>
-                    <a:noFill/>
-                  </a:ln>
-                  <a:solidFill>
-                    <a:srgbClr val="BCBEC4"/>
-                  </a:solidFill>
-                  <a:effectLst/>
-                  <a:latin typeface="+mj-lt"/>
-                  <a:cs typeface="JetBrains Mono" panose="02000009000000000000" pitchFamily="49" charset="0"/>
-                </a:rPr>
-                <a:t>            }</a:t>
-              </a:r>
-              <a:br>
-                <a:rPr kumimoji="0" lang="zh-TW" altLang="zh-TW" sz="1400" b="0" i="0" u="none" strike="noStrike" cap="none" normalizeH="0" baseline="0">
-                  <a:ln>
-                    <a:noFill/>
-                  </a:ln>
-                  <a:solidFill>
-                    <a:srgbClr val="BCBEC4"/>
-                  </a:solidFill>
-                  <a:effectLst/>
-                  <a:latin typeface="+mj-lt"/>
-                  <a:cs typeface="JetBrains Mono" panose="02000009000000000000" pitchFamily="49" charset="0"/>
-                </a:rPr>
-              </a:br>
-              <a:r>
-                <a:rPr kumimoji="0" lang="zh-TW" altLang="zh-TW" sz="1400" b="0" i="0" u="none" strike="noStrike" cap="none" normalizeH="0" baseline="0">
-                  <a:ln>
-                    <a:noFill/>
-                  </a:ln>
-                  <a:solidFill>
-                    <a:srgbClr val="BCBEC4"/>
-                  </a:solidFill>
-                  <a:effectLst/>
-                  <a:latin typeface="+mj-lt"/>
-                  <a:cs typeface="JetBrains Mono" panose="02000009000000000000" pitchFamily="49" charset="0"/>
-                </a:rPr>
-                <a:t>        }</a:t>
-              </a:r>
-              <a:br>
-                <a:rPr kumimoji="0" lang="zh-TW" altLang="zh-TW" sz="1400" b="0" i="0" u="none" strike="noStrike" cap="none" normalizeH="0" baseline="0">
-                  <a:ln>
-                    <a:noFill/>
-                  </a:ln>
-                  <a:solidFill>
-                    <a:srgbClr val="BCBEC4"/>
-                  </a:solidFill>
-                  <a:effectLst/>
-                  <a:latin typeface="+mj-lt"/>
-                  <a:cs typeface="JetBrains Mono" panose="02000009000000000000" pitchFamily="49" charset="0"/>
-                </a:rPr>
-              </a:br>
-              <a:r>
-                <a:rPr kumimoji="0" lang="zh-TW" altLang="zh-TW" sz="1400" b="0" i="0" u="none" strike="noStrike" cap="none" normalizeH="0" baseline="0">
-                  <a:ln>
-                    <a:noFill/>
-                  </a:ln>
-                  <a:solidFill>
-                    <a:srgbClr val="BCBEC4"/>
-                  </a:solidFill>
-                  <a:effectLst/>
-                  <a:latin typeface="+mj-lt"/>
-                  <a:cs typeface="JetBrains Mono" panose="02000009000000000000" pitchFamily="49" charset="0"/>
-                </a:rPr>
-                <a:t>        System.</a:t>
-              </a:r>
-              <a:r>
-                <a:rPr kumimoji="0" lang="zh-TW" altLang="zh-TW" sz="1400" b="0" i="1" u="none" strike="noStrike" cap="none" normalizeH="0" baseline="0">
-                  <a:ln>
-                    <a:noFill/>
-                  </a:ln>
-                  <a:solidFill>
-                    <a:srgbClr val="C77DBB"/>
-                  </a:solidFill>
-                  <a:effectLst/>
-                  <a:latin typeface="+mj-lt"/>
-                  <a:cs typeface="JetBrains Mono" panose="02000009000000000000" pitchFamily="49" charset="0"/>
-                </a:rPr>
-                <a:t>out</a:t>
-              </a:r>
-              <a:r>
-                <a:rPr kumimoji="0" lang="zh-TW" altLang="zh-TW" sz="1400" b="0" i="0" u="none" strike="noStrike" cap="none" normalizeH="0" baseline="0">
-                  <a:ln>
-                    <a:noFill/>
-                  </a:ln>
-                  <a:solidFill>
-                    <a:srgbClr val="BCBEC4"/>
-                  </a:solidFill>
-                  <a:effectLst/>
-                  <a:latin typeface="+mj-lt"/>
-                  <a:cs typeface="JetBrains Mono" panose="02000009000000000000" pitchFamily="49" charset="0"/>
-                </a:rPr>
-                <a:t>.println(maxString + </a:t>
-              </a:r>
-              <a:r>
-                <a:rPr kumimoji="0" lang="zh-TW" altLang="zh-TW" sz="1400" b="0" i="0" u="none" strike="noStrike" cap="none" normalizeH="0" baseline="0">
-                  <a:ln>
-                    <a:noFill/>
-                  </a:ln>
-                  <a:solidFill>
-                    <a:srgbClr val="6AAB73"/>
-                  </a:solidFill>
-                  <a:effectLst/>
-                  <a:latin typeface="+mj-lt"/>
-                  <a:cs typeface="JetBrains Mono" panose="02000009000000000000" pitchFamily="49" charset="0"/>
-                </a:rPr>
-                <a:t>"," </a:t>
-              </a:r>
-              <a:r>
-                <a:rPr kumimoji="0" lang="zh-TW" altLang="zh-TW" sz="1400" b="0" i="0" u="none" strike="noStrike" cap="none" normalizeH="0" baseline="0">
-                  <a:ln>
-                    <a:noFill/>
-                  </a:ln>
-                  <a:solidFill>
-                    <a:srgbClr val="BCBEC4"/>
-                  </a:solidFill>
-                  <a:effectLst/>
-                  <a:latin typeface="+mj-lt"/>
-                  <a:cs typeface="JetBrains Mono" panose="02000009000000000000" pitchFamily="49" charset="0"/>
-                </a:rPr>
-                <a:t>+ max);</a:t>
-              </a:r>
-              <a:br>
-                <a:rPr kumimoji="0" lang="zh-TW" altLang="zh-TW" sz="1400" b="0" i="0" u="none" strike="noStrike" cap="none" normalizeH="0" baseline="0">
-                  <a:ln>
-                    <a:noFill/>
-                  </a:ln>
-                  <a:solidFill>
-                    <a:srgbClr val="BCBEC4"/>
-                  </a:solidFill>
-                  <a:effectLst/>
-                  <a:latin typeface="+mj-lt"/>
-                  <a:cs typeface="JetBrains Mono" panose="02000009000000000000" pitchFamily="49" charset="0"/>
-                </a:rPr>
-              </a:br>
-              <a:r>
-                <a:rPr kumimoji="0" lang="zh-TW" altLang="zh-TW" sz="1400" b="0" i="0" u="none" strike="noStrike" cap="none" normalizeH="0" baseline="0">
-                  <a:ln>
-                    <a:noFill/>
-                  </a:ln>
-                  <a:solidFill>
-                    <a:srgbClr val="BCBEC4"/>
-                  </a:solidFill>
-                  <a:effectLst/>
-                  <a:latin typeface="+mj-lt"/>
-                  <a:cs typeface="JetBrains Mono" panose="02000009000000000000" pitchFamily="49" charset="0"/>
-                </a:rPr>
-                <a:t>    }</a:t>
-              </a:r>
-              <a:br>
-                <a:rPr kumimoji="0" lang="zh-TW" altLang="zh-TW" sz="1400" b="0" i="0" u="none" strike="noStrike" cap="none" normalizeH="0" baseline="0">
-                  <a:ln>
-                    <a:noFill/>
-                  </a:ln>
-                  <a:solidFill>
-                    <a:srgbClr val="BCBEC4"/>
-                  </a:solidFill>
-                  <a:effectLst/>
-                  <a:latin typeface="+mj-lt"/>
-                  <a:cs typeface="JetBrains Mono" panose="02000009000000000000" pitchFamily="49" charset="0"/>
-                </a:rPr>
-              </a:br>
-              <a:r>
-                <a:rPr kumimoji="0" lang="zh-TW" altLang="zh-TW" sz="1400" b="0" i="0" u="none" strike="noStrike" cap="none" normalizeH="0" baseline="0">
-                  <a:ln>
-                    <a:noFill/>
-                  </a:ln>
-                  <a:solidFill>
-                    <a:srgbClr val="BCBEC4"/>
-                  </a:solidFill>
-                  <a:effectLst/>
-                  <a:latin typeface="+mj-lt"/>
-                  <a:cs typeface="JetBrains Mono" panose="02000009000000000000" pitchFamily="49" charset="0"/>
-                </a:rPr>
-                <a:t>}</a:t>
-              </a:r>
-              <a:endParaRPr kumimoji="0" lang="zh-TW" altLang="zh-TW" sz="2000" b="0" i="0" u="none" strike="noStrike" cap="none" normalizeH="0" baseline="0">
-                <a:ln>
-                  <a:noFill/>
-                </a:ln>
-                <a:solidFill>
-                  <a:schemeClr val="tx1"/>
-                </a:solidFill>
-                <a:effectLst/>
-                <a:latin typeface="+mj-lt"/>
-              </a:endParaRPr>
-            </a:p>
-          </p:txBody>
-        </p:sp>
-        <p:sp>
-          <p:nvSpPr>
-            <p:cNvPr id="9" name="文字方塊 8">
-              <a:extLst>
-                <a:ext uri="{FF2B5EF4-FFF2-40B4-BE49-F238E27FC236}">
-                  <a16:creationId xmlns:a16="http://schemas.microsoft.com/office/drawing/2014/main" id="{BAD36B0B-DD87-4749-8762-F9C3ACBE85F4}"/>
-                </a:ext>
-              </a:extLst>
-            </p:cNvPr>
-            <p:cNvSpPr txBox="1"/>
-            <p:nvPr/>
-          </p:nvSpPr>
-          <p:spPr>
-            <a:xfrm>
-              <a:off x="7388070" y="6024932"/>
-              <a:ext cx="691215" cy="369332"/>
-            </a:xfrm>
-            <a:prstGeom prst="rect">
-              <a:avLst/>
-            </a:prstGeom>
-            <a:noFill/>
-          </p:spPr>
-          <p:txBody>
-            <a:bodyPr wrap="none" rtlCol="0">
-              <a:spAutoFit/>
-            </a:bodyPr>
-            <a:lstStyle/>
-            <a:p>
-              <a:r>
-                <a:rPr lang="en-US" altLang="zh-TW">
-                  <a:solidFill>
-                    <a:schemeClr val="accent3"/>
-                  </a:solidFill>
-                </a:rPr>
-                <a:t>java</a:t>
-              </a:r>
-              <a:endParaRPr lang="zh-TW" altLang="en-US">
-                <a:solidFill>
-                  <a:schemeClr val="accent3"/>
-                </a:solidFill>
-              </a:endParaRPr>
-            </a:p>
-          </p:txBody>
-        </p:sp>
-        <p:pic>
-          <p:nvPicPr>
-            <p:cNvPr id="10" name="圖片 9">
-              <a:hlinkClick r:id="rId2"/>
-              <a:extLst>
-                <a:ext uri="{FF2B5EF4-FFF2-40B4-BE49-F238E27FC236}">
-                  <a16:creationId xmlns:a16="http://schemas.microsoft.com/office/drawing/2014/main" id="{5C8B66C7-54DC-483F-802C-46BBED270F54}"/>
-                </a:ext>
-              </a:extLst>
-            </p:cNvPr>
-            <p:cNvPicPr>
-              <a:picLocks noChangeAspect="1"/>
-            </p:cNvPicPr>
-            <p:nvPr/>
-          </p:nvPicPr>
-          <p:blipFill>
-            <a:blip r:embed="rId3">
-              <a:extLst>
-                <a:ext uri="{28A0092B-C50C-407E-A947-70E740481C1C}">
-                  <a14:useLocalDpi xmlns:a14="http://schemas.microsoft.com/office/drawing/2010/main" val="0"/>
-                </a:ext>
-              </a:extLst>
-            </a:blip>
-            <a:stretch>
-              <a:fillRect/>
-            </a:stretch>
-          </p:blipFill>
-          <p:spPr>
-            <a:xfrm>
-              <a:off x="7540385" y="1325563"/>
-              <a:ext cx="538900" cy="527184"/>
-            </a:xfrm>
-            <a:prstGeom prst="rect">
-              <a:avLst/>
-            </a:prstGeom>
-          </p:spPr>
-        </p:pic>
-      </p:grpSp>
-    </p:spTree>
-    <p:extLst>
-      <p:ext uri="{BB962C8B-B14F-4D97-AF65-F5344CB8AC3E}">
-        <p14:creationId xmlns:p14="http://schemas.microsoft.com/office/powerpoint/2010/main" val="927612326"/>
-      </p:ext>
-    </p:extLst>
-  </p:cSld>
-  <p:clrMapOvr>
-    <a:masterClrMapping/>
-  </p:clrMapOvr>
-  <p:transition spd="slow">
-    <p:push dir="u"/>
-  </p:transition>
-</p:sld>
-</file>
-
-<file path=ppt/slides/slide16.xml><?xml version="1.0" encoding="utf-8"?>
-<p:sld xmlns:a="http://schemas.openxmlformats.org/drawingml/2006/main" xmlns:r="http://schemas.openxmlformats.org/officeDocument/2006/relationships" xmlns:p="http://schemas.openxmlformats.org/presentationml/2006/main">
-  <p:cSld>
-    <p:spTree>
-      <p:nvGrpSpPr>
-        <p:cNvPr id="1" name=""/>
-        <p:cNvGrpSpPr/>
-        <p:nvPr/>
-      </p:nvGrpSpPr>
-      <p:grpSpPr>
-        <a:xfrm>
-          <a:off x="0" y="0"/>
-          <a:ext cx="0" cy="0"/>
-          <a:chOff x="0" y="0"/>
-          <a:chExt cx="0" cy="0"/>
-        </a:xfrm>
-      </p:grpSpPr>
-      <p:sp>
-        <p:nvSpPr>
-          <p:cNvPr id="2" name="標題 1">
-            <a:extLst>
-              <a:ext uri="{FF2B5EF4-FFF2-40B4-BE49-F238E27FC236}">
                 <a16:creationId xmlns:a16="http://schemas.microsoft.com/office/drawing/2014/main" id="{1230C42B-B58D-4109-8A9D-180FABC2D5CD}"/>
               </a:ext>
             </a:extLst>
@@ -21789,7 +19476,7 @@
 </p:sld>
 </file>
 
-<file path=ppt/slides/slide17.xml><?xml version="1.0" encoding="utf-8"?>
+<file path=ppt/slides/slide15.xml><?xml version="1.0" encoding="utf-8"?>
 <p:sld xmlns:a="http://schemas.openxmlformats.org/drawingml/2006/main" xmlns:r="http://schemas.openxmlformats.org/officeDocument/2006/relationships" xmlns:p="http://schemas.openxmlformats.org/presentationml/2006/main">
   <p:cSld>
     <p:spTree>
@@ -24379,6 +22066,5257 @@
 </p:sld>
 </file>
 
+<file path=ppt/slides/slide16.xml><?xml version="1.0" encoding="utf-8"?>
+<p:sld xmlns:a="http://schemas.openxmlformats.org/drawingml/2006/main" xmlns:r="http://schemas.openxmlformats.org/officeDocument/2006/relationships" xmlns:p="http://schemas.openxmlformats.org/presentationml/2006/main">
+  <p:cSld>
+    <p:spTree>
+      <p:nvGrpSpPr>
+        <p:cNvPr id="1" name=""/>
+        <p:cNvGrpSpPr/>
+        <p:nvPr/>
+      </p:nvGrpSpPr>
+      <p:grpSpPr>
+        <a:xfrm>
+          <a:off x="0" y="0"/>
+          <a:ext cx="0" cy="0"/>
+          <a:chOff x="0" y="0"/>
+          <a:chExt cx="0" cy="0"/>
+        </a:xfrm>
+      </p:grpSpPr>
+      <p:sp>
+        <p:nvSpPr>
+          <p:cNvPr id="2" name="標題 1">
+            <a:extLst>
+              <a:ext uri="{FF2B5EF4-FFF2-40B4-BE49-F238E27FC236}">
+                <a16:creationId xmlns:a16="http://schemas.microsoft.com/office/drawing/2014/main" id="{C04B2107-73BD-47A9-868C-9C07650382F6}"/>
+              </a:ext>
+            </a:extLst>
+          </p:cNvPr>
+          <p:cNvSpPr>
+            <a:spLocks noGrp="1"/>
+          </p:cNvSpPr>
+          <p:nvPr>
+            <p:ph type="title"/>
+          </p:nvPr>
+        </p:nvSpPr>
+        <p:spPr>
+          <a:xfrm>
+            <a:off x="838200" y="365125"/>
+            <a:ext cx="10515600" cy="1325563"/>
+          </a:xfrm>
+        </p:spPr>
+        <p:txBody>
+          <a:bodyPr/>
+          <a:lstStyle/>
+          <a:p>
+            <a:r>
+              <a:rPr lang="zh-TW" altLang="en-US"/>
+              <a:t>字串</a:t>
+            </a:r>
+          </a:p>
+        </p:txBody>
+      </p:sp>
+      <p:sp>
+        <p:nvSpPr>
+          <p:cNvPr id="7" name="內容版面配置區 6">
+            <a:extLst>
+              <a:ext uri="{FF2B5EF4-FFF2-40B4-BE49-F238E27FC236}">
+                <a16:creationId xmlns:a16="http://schemas.microsoft.com/office/drawing/2014/main" id="{CF5FFD61-7FBF-40C7-AE5D-04D1EBC70AC3}"/>
+              </a:ext>
+            </a:extLst>
+          </p:cNvPr>
+          <p:cNvSpPr>
+            <a:spLocks noGrp="1"/>
+          </p:cNvSpPr>
+          <p:nvPr>
+            <p:ph idx="1"/>
+          </p:nvPr>
+        </p:nvSpPr>
+        <p:spPr>
+          <a:xfrm>
+            <a:off x="838200" y="1664541"/>
+            <a:ext cx="10515600" cy="4673506"/>
+          </a:xfrm>
+        </p:spPr>
+        <p:txBody>
+          <a:bodyPr>
+            <a:normAutofit/>
+          </a:bodyPr>
+          <a:lstStyle/>
+          <a:p>
+            <a:r>
+              <a:rPr lang="zh-TW" altLang="en-US"/>
+              <a:t>在 </a:t>
+            </a:r>
+            <a:r>
+              <a:rPr lang="en-US" altLang="zh-TW"/>
+              <a:t>Java </a:t>
+            </a:r>
+            <a:r>
+              <a:rPr lang="zh-TW" altLang="en-US"/>
+              <a:t>中，</a:t>
+            </a:r>
+            <a:r>
+              <a:rPr lang="zh-TW" altLang="en-US">
+                <a:solidFill>
+                  <a:srgbClr val="00B0F0"/>
+                </a:solidFill>
+              </a:rPr>
+              <a:t>字串</a:t>
+            </a:r>
+            <a:r>
+              <a:rPr lang="zh-TW" altLang="en-US"/>
+              <a:t>就是 </a:t>
+            </a:r>
+            <a:r>
+              <a:rPr lang="en-US" altLang="zh-TW">
+                <a:solidFill>
+                  <a:srgbClr val="00B050"/>
+                </a:solidFill>
+              </a:rPr>
+              <a:t>java</a:t>
+            </a:r>
+            <a:r>
+              <a:rPr lang="en-US" altLang="zh-TW">
+                <a:solidFill>
+                  <a:srgbClr val="00B0F0"/>
+                </a:solidFill>
+              </a:rPr>
+              <a:t>.</a:t>
+            </a:r>
+            <a:r>
+              <a:rPr lang="en-US" altLang="zh-TW">
+                <a:solidFill>
+                  <a:srgbClr val="FFFF00"/>
+                </a:solidFill>
+              </a:rPr>
+              <a:t>lang</a:t>
+            </a:r>
+            <a:r>
+              <a:rPr lang="en-US" altLang="zh-TW">
+                <a:solidFill>
+                  <a:srgbClr val="00B0F0"/>
+                </a:solidFill>
+              </a:rPr>
+              <a:t>.</a:t>
+            </a:r>
+            <a:r>
+              <a:rPr lang="en-US" altLang="zh-TW">
+                <a:solidFill>
+                  <a:srgbClr val="FFC000"/>
+                </a:solidFill>
+              </a:rPr>
+              <a:t>String</a:t>
+            </a:r>
+            <a:r>
+              <a:rPr lang="zh-TW" altLang="en-US">
+                <a:solidFill>
+                  <a:srgbClr val="FFC000"/>
+                </a:solidFill>
+              </a:rPr>
+              <a:t> </a:t>
+            </a:r>
+            <a:r>
+              <a:rPr lang="zh-TW" altLang="en-US">
+                <a:solidFill>
+                  <a:srgbClr val="00B0F0"/>
+                </a:solidFill>
+              </a:rPr>
+              <a:t>類別</a:t>
+            </a:r>
+            <a:r>
+              <a:rPr lang="zh-TW" altLang="en-US"/>
+              <a:t>的</a:t>
+            </a:r>
+            <a:r>
+              <a:rPr lang="zh-TW" altLang="en-US">
+                <a:solidFill>
+                  <a:srgbClr val="00B0F0"/>
+                </a:solidFill>
+              </a:rPr>
+              <a:t>實例</a:t>
+            </a:r>
+            <a:endParaRPr lang="en-US" altLang="zh-TW">
+              <a:solidFill>
+                <a:srgbClr val="00B0F0"/>
+              </a:solidFill>
+            </a:endParaRPr>
+          </a:p>
+          <a:p>
+            <a:r>
+              <a:rPr lang="zh-TW" altLang="en-US"/>
+              <a:t>其有許多</a:t>
+            </a:r>
+            <a:r>
+              <a:rPr lang="zh-TW" altLang="en-US">
+                <a:solidFill>
+                  <a:srgbClr val="00B0F0"/>
+                </a:solidFill>
+              </a:rPr>
+              <a:t>動態方法</a:t>
+            </a:r>
+            <a:r>
+              <a:rPr lang="zh-TW" altLang="en-US"/>
+              <a:t>，如：</a:t>
+            </a:r>
+            <a:r>
+              <a:rPr lang="en-US" altLang="zh-TW">
+                <a:solidFill>
+                  <a:srgbClr val="CF8E6D"/>
+                </a:solidFill>
+              </a:rPr>
+              <a:t>int</a:t>
+            </a:r>
+            <a:r>
+              <a:rPr lang="zh-TW" altLang="en-US">
+                <a:solidFill>
+                  <a:srgbClr val="00B0F0"/>
+                </a:solidFill>
+              </a:rPr>
+              <a:t> </a:t>
+            </a:r>
+            <a:r>
+              <a:rPr lang="en-US" altLang="zh-TW">
+                <a:solidFill>
+                  <a:srgbClr val="92D050"/>
+                </a:solidFill>
+              </a:rPr>
+              <a:t>length</a:t>
+            </a:r>
+            <a:r>
+              <a:rPr lang="en-US" altLang="zh-TW">
+                <a:solidFill>
+                  <a:srgbClr val="00B0F0"/>
+                </a:solidFill>
+              </a:rPr>
+              <a:t>()</a:t>
+            </a:r>
+            <a:r>
+              <a:rPr lang="zh-TW" altLang="en-US"/>
+              <a:t>、</a:t>
+            </a:r>
+            <a:r>
+              <a:rPr lang="en-US" altLang="zh-TW">
+                <a:solidFill>
+                  <a:srgbClr val="FFC000"/>
+                </a:solidFill>
+              </a:rPr>
+              <a:t>String</a:t>
+            </a:r>
+            <a:r>
+              <a:rPr lang="en-US" altLang="zh-TW">
+                <a:solidFill>
+                  <a:srgbClr val="00B0F0"/>
+                </a:solidFill>
+              </a:rPr>
+              <a:t> </a:t>
+            </a:r>
+            <a:r>
+              <a:rPr lang="en-US" altLang="zh-TW">
+                <a:solidFill>
+                  <a:srgbClr val="92D050"/>
+                </a:solidFill>
+              </a:rPr>
+              <a:t>strip</a:t>
+            </a:r>
+            <a:r>
+              <a:rPr lang="en-US" altLang="zh-TW">
+                <a:solidFill>
+                  <a:srgbClr val="00B0F0"/>
+                </a:solidFill>
+              </a:rPr>
+              <a:t>()</a:t>
+            </a:r>
+          </a:p>
+          <a:p>
+            <a:r>
+              <a:rPr lang="en-US" altLang="zh-TW">
+                <a:solidFill>
+                  <a:srgbClr val="FFC000"/>
+                </a:solidFill>
+              </a:rPr>
+              <a:t>String</a:t>
+            </a:r>
+            <a:r>
+              <a:rPr lang="en-US" altLang="zh-TW">
+                <a:solidFill>
+                  <a:srgbClr val="00B0F0"/>
+                </a:solidFill>
+              </a:rPr>
+              <a:t>[] </a:t>
+            </a:r>
+            <a:r>
+              <a:rPr lang="en-US" altLang="zh-TW">
+                <a:solidFill>
+                  <a:srgbClr val="92D050"/>
+                </a:solidFill>
+              </a:rPr>
+              <a:t>split</a:t>
+            </a:r>
+            <a:r>
+              <a:rPr lang="en-US" altLang="zh-TW">
+                <a:solidFill>
+                  <a:srgbClr val="00B0F0"/>
+                </a:solidFill>
+              </a:rPr>
+              <a:t>(</a:t>
+            </a:r>
+            <a:r>
+              <a:rPr lang="en-US" altLang="zh-TW">
+                <a:solidFill>
+                  <a:srgbClr val="FFC000"/>
+                </a:solidFill>
+              </a:rPr>
+              <a:t>String</a:t>
+            </a:r>
+            <a:r>
+              <a:rPr lang="en-US" altLang="zh-TW">
+                <a:solidFill>
+                  <a:srgbClr val="00B0F0"/>
+                </a:solidFill>
+              </a:rPr>
+              <a:t> regex)</a:t>
+            </a:r>
+            <a:endParaRPr lang="en-US" altLang="zh-TW">
+              <a:solidFill>
+                <a:srgbClr val="FFC000"/>
+              </a:solidFill>
+            </a:endParaRPr>
+          </a:p>
+          <a:p>
+            <a:r>
+              <a:rPr lang="en-US" altLang="zh-TW">
+                <a:solidFill>
+                  <a:srgbClr val="FFC000"/>
+                </a:solidFill>
+              </a:rPr>
+              <a:t>String</a:t>
+            </a:r>
+            <a:r>
+              <a:rPr lang="en-US" altLang="zh-TW"/>
+              <a:t> </a:t>
+            </a:r>
+            <a:r>
+              <a:rPr lang="en-US" altLang="zh-TW">
+                <a:solidFill>
+                  <a:srgbClr val="92D050"/>
+                </a:solidFill>
+              </a:rPr>
+              <a:t>substring</a:t>
+            </a:r>
+            <a:r>
+              <a:rPr lang="en-US" altLang="zh-TW">
+                <a:solidFill>
+                  <a:srgbClr val="00B0F0"/>
+                </a:solidFill>
+              </a:rPr>
+              <a:t>(</a:t>
+            </a:r>
+            <a:r>
+              <a:rPr lang="en-US" altLang="zh-TW">
+                <a:solidFill>
+                  <a:srgbClr val="CF8E6D"/>
+                </a:solidFill>
+              </a:rPr>
+              <a:t>int</a:t>
+            </a:r>
+            <a:r>
+              <a:rPr lang="en-US" altLang="zh-TW"/>
+              <a:t> </a:t>
+            </a:r>
+            <a:r>
+              <a:rPr lang="en-US" altLang="zh-TW">
+                <a:solidFill>
+                  <a:srgbClr val="00B0F0"/>
+                </a:solidFill>
+              </a:rPr>
+              <a:t>beginIndex,</a:t>
+            </a:r>
+            <a:r>
+              <a:rPr lang="en-US" altLang="zh-TW"/>
+              <a:t> </a:t>
+            </a:r>
+            <a:r>
+              <a:rPr lang="en-US" altLang="zh-TW">
+                <a:solidFill>
+                  <a:srgbClr val="FFC000"/>
+                </a:solidFill>
+              </a:rPr>
+              <a:t>int</a:t>
+            </a:r>
+            <a:r>
+              <a:rPr lang="en-US" altLang="zh-TW"/>
+              <a:t> </a:t>
+            </a:r>
+            <a:r>
+              <a:rPr lang="en-US" altLang="zh-TW">
+                <a:solidFill>
+                  <a:srgbClr val="00B0F0"/>
+                </a:solidFill>
+              </a:rPr>
+              <a:t>endIndex)</a:t>
+            </a:r>
+          </a:p>
+          <a:p>
+            <a:r>
+              <a:rPr lang="en-US" altLang="zh-TW">
+                <a:solidFill>
+                  <a:srgbClr val="CF8E6D"/>
+                </a:solidFill>
+              </a:rPr>
+              <a:t>boolean</a:t>
+            </a:r>
+            <a:r>
+              <a:rPr lang="en-US" altLang="zh-TW">
+                <a:solidFill>
+                  <a:srgbClr val="00B0F0"/>
+                </a:solidFill>
+              </a:rPr>
+              <a:t> </a:t>
+            </a:r>
+            <a:r>
+              <a:rPr lang="en-US" altLang="zh-TW">
+                <a:solidFill>
+                  <a:srgbClr val="92D050"/>
+                </a:solidFill>
+              </a:rPr>
+              <a:t>startsWith</a:t>
+            </a:r>
+            <a:r>
+              <a:rPr lang="en-US" altLang="zh-TW">
+                <a:solidFill>
+                  <a:srgbClr val="00B0F0"/>
+                </a:solidFill>
+              </a:rPr>
+              <a:t>(</a:t>
+            </a:r>
+            <a:r>
+              <a:rPr lang="en-US" altLang="zh-TW">
+                <a:solidFill>
+                  <a:srgbClr val="FFC000"/>
+                </a:solidFill>
+              </a:rPr>
+              <a:t>String</a:t>
+            </a:r>
+            <a:r>
+              <a:rPr lang="en-US" altLang="zh-TW">
+                <a:solidFill>
+                  <a:srgbClr val="00B0F0"/>
+                </a:solidFill>
+              </a:rPr>
+              <a:t> prefix)</a:t>
+            </a:r>
+          </a:p>
+          <a:p>
+            <a:r>
+              <a:rPr lang="en-US" altLang="zh-TW">
+                <a:solidFill>
+                  <a:srgbClr val="CF8E6D"/>
+                </a:solidFill>
+              </a:rPr>
+              <a:t>boolean</a:t>
+            </a:r>
+            <a:r>
+              <a:rPr lang="en-US" altLang="zh-TW">
+                <a:solidFill>
+                  <a:srgbClr val="00B0F0"/>
+                </a:solidFill>
+              </a:rPr>
+              <a:t> </a:t>
+            </a:r>
+            <a:r>
+              <a:rPr lang="en-US" altLang="zh-TW">
+                <a:solidFill>
+                  <a:srgbClr val="92D050"/>
+                </a:solidFill>
+              </a:rPr>
+              <a:t>endsWith</a:t>
+            </a:r>
+            <a:r>
+              <a:rPr lang="en-US" altLang="zh-TW">
+                <a:solidFill>
+                  <a:srgbClr val="00B0F0"/>
+                </a:solidFill>
+              </a:rPr>
+              <a:t>(</a:t>
+            </a:r>
+            <a:r>
+              <a:rPr lang="en-US" altLang="zh-TW">
+                <a:solidFill>
+                  <a:srgbClr val="FFC000"/>
+                </a:solidFill>
+              </a:rPr>
+              <a:t>String</a:t>
+            </a:r>
+            <a:r>
+              <a:rPr lang="en-US" altLang="zh-TW">
+                <a:solidFill>
+                  <a:srgbClr val="00B0F0"/>
+                </a:solidFill>
+              </a:rPr>
+              <a:t> suffix)</a:t>
+            </a:r>
+          </a:p>
+          <a:p>
+            <a:r>
+              <a:rPr lang="en-US" altLang="zh-TW">
+                <a:solidFill>
+                  <a:srgbClr val="CF8E6D"/>
+                </a:solidFill>
+              </a:rPr>
+              <a:t>boolean</a:t>
+            </a:r>
+            <a:r>
+              <a:rPr lang="en-US" altLang="zh-TW">
+                <a:solidFill>
+                  <a:srgbClr val="00B0F0"/>
+                </a:solidFill>
+              </a:rPr>
+              <a:t> </a:t>
+            </a:r>
+            <a:r>
+              <a:rPr lang="en-US" altLang="zh-TW">
+                <a:solidFill>
+                  <a:srgbClr val="92D050"/>
+                </a:solidFill>
+              </a:rPr>
+              <a:t>contains</a:t>
+            </a:r>
+            <a:r>
+              <a:rPr lang="en-US" altLang="zh-TW">
+                <a:solidFill>
+                  <a:srgbClr val="00B0F0"/>
+                </a:solidFill>
+              </a:rPr>
+              <a:t>(</a:t>
+            </a:r>
+            <a:r>
+              <a:rPr lang="en-US" altLang="zh-TW">
+                <a:solidFill>
+                  <a:srgbClr val="FFC000"/>
+                </a:solidFill>
+              </a:rPr>
+              <a:t>String</a:t>
+            </a:r>
+            <a:r>
+              <a:rPr lang="en-US" altLang="zh-TW">
+                <a:solidFill>
+                  <a:srgbClr val="00B0F0"/>
+                </a:solidFill>
+              </a:rPr>
+              <a:t> s)</a:t>
+            </a:r>
+            <a:r>
+              <a:rPr lang="zh-TW" altLang="en-US"/>
+              <a:t>、</a:t>
+            </a:r>
+            <a:r>
+              <a:rPr lang="en-US" altLang="zh-TW">
+                <a:solidFill>
+                  <a:srgbClr val="CF8E6D"/>
+                </a:solidFill>
+              </a:rPr>
+              <a:t>char</a:t>
+            </a:r>
+            <a:r>
+              <a:rPr lang="en-US" altLang="zh-TW">
+                <a:solidFill>
+                  <a:srgbClr val="00B0F0"/>
+                </a:solidFill>
+              </a:rPr>
+              <a:t> </a:t>
+            </a:r>
+            <a:r>
+              <a:rPr lang="en-US" altLang="zh-TW">
+                <a:solidFill>
+                  <a:srgbClr val="92D050"/>
+                </a:solidFill>
+              </a:rPr>
+              <a:t>charAt</a:t>
+            </a:r>
+            <a:r>
+              <a:rPr lang="en-US" altLang="zh-TW">
+                <a:solidFill>
+                  <a:srgbClr val="00B0F0"/>
+                </a:solidFill>
+              </a:rPr>
+              <a:t>(</a:t>
+            </a:r>
+            <a:r>
+              <a:rPr lang="en-US" altLang="zh-TW">
+                <a:solidFill>
+                  <a:srgbClr val="CF8E6D"/>
+                </a:solidFill>
+              </a:rPr>
+              <a:t>int</a:t>
+            </a:r>
+            <a:r>
+              <a:rPr lang="en-US" altLang="zh-TW">
+                <a:solidFill>
+                  <a:srgbClr val="00B0F0"/>
+                </a:solidFill>
+              </a:rPr>
+              <a:t> index)</a:t>
+            </a:r>
+            <a:endParaRPr lang="en-US" altLang="zh-TW">
+              <a:solidFill>
+                <a:srgbClr val="FFC000"/>
+              </a:solidFill>
+            </a:endParaRPr>
+          </a:p>
+          <a:p>
+            <a:r>
+              <a:rPr lang="en-US" altLang="zh-TW">
+                <a:solidFill>
+                  <a:srgbClr val="FFC000"/>
+                </a:solidFill>
+              </a:rPr>
+              <a:t>String</a:t>
+            </a:r>
+            <a:r>
+              <a:rPr lang="en-US" altLang="zh-TW">
+                <a:solidFill>
+                  <a:srgbClr val="00B0F0"/>
+                </a:solidFill>
+              </a:rPr>
+              <a:t> </a:t>
+            </a:r>
+            <a:r>
+              <a:rPr lang="en-US" altLang="zh-TW">
+                <a:solidFill>
+                  <a:srgbClr val="92D050"/>
+                </a:solidFill>
+              </a:rPr>
+              <a:t>replace</a:t>
+            </a:r>
+            <a:r>
+              <a:rPr lang="en-US" altLang="zh-TW">
+                <a:solidFill>
+                  <a:srgbClr val="00B0F0"/>
+                </a:solidFill>
+              </a:rPr>
+              <a:t>(</a:t>
+            </a:r>
+            <a:r>
+              <a:rPr lang="en-US" altLang="zh-TW">
+                <a:solidFill>
+                  <a:srgbClr val="FFC000"/>
+                </a:solidFill>
+              </a:rPr>
+              <a:t>String</a:t>
+            </a:r>
+            <a:r>
+              <a:rPr lang="en-US" altLang="zh-TW">
+                <a:solidFill>
+                  <a:srgbClr val="00B0F0"/>
+                </a:solidFill>
+              </a:rPr>
+              <a:t> target, </a:t>
+            </a:r>
+            <a:r>
+              <a:rPr lang="en-US" altLang="zh-TW">
+                <a:solidFill>
+                  <a:srgbClr val="FFC000"/>
+                </a:solidFill>
+              </a:rPr>
+              <a:t>String</a:t>
+            </a:r>
+            <a:r>
+              <a:rPr lang="en-US" altLang="zh-TW">
+                <a:solidFill>
+                  <a:srgbClr val="00B0F0"/>
+                </a:solidFill>
+              </a:rPr>
+              <a:t> replacement)</a:t>
+            </a:r>
+          </a:p>
+          <a:p>
+            <a:r>
+              <a:rPr lang="zh-TW" altLang="en-US"/>
+              <a:t>不管是哪個程式語言，</a:t>
+            </a:r>
+            <a:r>
+              <a:rPr lang="zh-TW" altLang="en-US">
+                <a:solidFill>
+                  <a:srgbClr val="00B0F0"/>
+                </a:solidFill>
+              </a:rPr>
+              <a:t>字串</a:t>
+            </a:r>
+            <a:r>
+              <a:rPr lang="zh-TW" altLang="en-US"/>
+              <a:t>通常都有這些</a:t>
+            </a:r>
+            <a:r>
+              <a:rPr lang="zh-TW" altLang="en-US">
+                <a:solidFill>
+                  <a:srgbClr val="00B0F0"/>
+                </a:solidFill>
+              </a:rPr>
+              <a:t>方法</a:t>
+            </a:r>
+            <a:endParaRPr lang="en-US" altLang="zh-TW">
+              <a:solidFill>
+                <a:srgbClr val="00B0F0"/>
+              </a:solidFill>
+            </a:endParaRPr>
+          </a:p>
+        </p:txBody>
+      </p:sp>
+    </p:spTree>
+    <p:extLst>
+      <p:ext uri="{BB962C8B-B14F-4D97-AF65-F5344CB8AC3E}">
+        <p14:creationId xmlns:p14="http://schemas.microsoft.com/office/powerpoint/2010/main" val="2810301151"/>
+      </p:ext>
+    </p:extLst>
+  </p:cSld>
+  <p:clrMapOvr>
+    <a:masterClrMapping/>
+  </p:clrMapOvr>
+  <p:transition spd="slow">
+    <p:push dir="u"/>
+  </p:transition>
+</p:sld>
+</file>
+
+<file path=ppt/slides/slide17.xml><?xml version="1.0" encoding="utf-8"?>
+<p:sld xmlns:a="http://schemas.openxmlformats.org/drawingml/2006/main" xmlns:r="http://schemas.openxmlformats.org/officeDocument/2006/relationships" xmlns:p="http://schemas.openxmlformats.org/presentationml/2006/main">
+  <p:cSld>
+    <p:spTree>
+      <p:nvGrpSpPr>
+        <p:cNvPr id="1" name=""/>
+        <p:cNvGrpSpPr/>
+        <p:nvPr/>
+      </p:nvGrpSpPr>
+      <p:grpSpPr>
+        <a:xfrm>
+          <a:off x="0" y="0"/>
+          <a:ext cx="0" cy="0"/>
+          <a:chOff x="0" y="0"/>
+          <a:chExt cx="0" cy="0"/>
+        </a:xfrm>
+      </p:grpSpPr>
+      <p:sp>
+        <p:nvSpPr>
+          <p:cNvPr id="2" name="標題 1">
+            <a:extLst>
+              <a:ext uri="{FF2B5EF4-FFF2-40B4-BE49-F238E27FC236}">
+                <a16:creationId xmlns:a16="http://schemas.microsoft.com/office/drawing/2014/main" id="{432BFCCF-ED16-4A90-A11A-2C9328FC004D}"/>
+              </a:ext>
+            </a:extLst>
+          </p:cNvPr>
+          <p:cNvSpPr>
+            <a:spLocks noGrp="1"/>
+          </p:cNvSpPr>
+          <p:nvPr>
+            <p:ph type="title"/>
+          </p:nvPr>
+        </p:nvSpPr>
+        <p:spPr>
+          <a:xfrm>
+            <a:off x="838200" y="0"/>
+            <a:ext cx="10515600" cy="1325563"/>
+          </a:xfrm>
+        </p:spPr>
+        <p:txBody>
+          <a:bodyPr/>
+          <a:lstStyle/>
+          <a:p>
+            <a:r>
+              <a:rPr lang="zh-TW" altLang="en-US"/>
+              <a:t>字串</a:t>
+            </a:r>
+          </a:p>
+        </p:txBody>
+      </p:sp>
+      <p:grpSp>
+        <p:nvGrpSpPr>
+          <p:cNvPr id="6" name="群組 5">
+            <a:extLst>
+              <a:ext uri="{FF2B5EF4-FFF2-40B4-BE49-F238E27FC236}">
+                <a16:creationId xmlns:a16="http://schemas.microsoft.com/office/drawing/2014/main" id="{AB2C0953-DACA-4357-874E-6AC33BFA8B32}"/>
+              </a:ext>
+            </a:extLst>
+          </p:cNvPr>
+          <p:cNvGrpSpPr/>
+          <p:nvPr/>
+        </p:nvGrpSpPr>
+        <p:grpSpPr>
+          <a:xfrm>
+            <a:off x="8390965" y="3270331"/>
+            <a:ext cx="2962835" cy="1200329"/>
+            <a:chOff x="1522684" y="5780729"/>
+            <a:chExt cx="2962835" cy="1200329"/>
+          </a:xfrm>
+        </p:grpSpPr>
+        <p:sp>
+          <p:nvSpPr>
+            <p:cNvPr id="7" name="Rectangle 4">
+              <a:extLst>
+                <a:ext uri="{FF2B5EF4-FFF2-40B4-BE49-F238E27FC236}">
+                  <a16:creationId xmlns:a16="http://schemas.microsoft.com/office/drawing/2014/main" id="{5B960F75-5E77-4EEE-B849-E8BB1133A683}"/>
+                </a:ext>
+              </a:extLst>
+            </p:cNvPr>
+            <p:cNvSpPr>
+              <a:spLocks noChangeArrowheads="1"/>
+            </p:cNvSpPr>
+            <p:nvPr/>
+          </p:nvSpPr>
+          <p:spPr bwMode="auto">
+            <a:xfrm>
+              <a:off x="1522684" y="5780729"/>
+              <a:ext cx="2962835" cy="1200329"/>
+            </a:xfrm>
+            <a:prstGeom prst="rect">
+              <a:avLst/>
+            </a:prstGeom>
+            <a:solidFill>
+              <a:srgbClr val="1E1F22"/>
+            </a:solidFill>
+            <a:ln w="9525">
+              <a:noFill/>
+              <a:miter lim="800000"/>
+              <a:headEnd/>
+              <a:tailEnd/>
+            </a:ln>
+            <a:effectLst/>
+            <a:extLst>
+              <a:ext uri="{AF507438-7753-43E0-B8FC-AC1667EBCBE1}">
+                <a14:hiddenEffects xmlns:a14="http://schemas.microsoft.com/office/drawing/2010/main">
+                  <a:effectLst>
+                    <a:outerShdw dist="35921" dir="2700000" algn="ctr" rotWithShape="0">
+                      <a:schemeClr val="bg2"/>
+                    </a:outerShdw>
+                  </a:effectLst>
+                </a14:hiddenEffects>
+              </a:ext>
+            </a:extLst>
+          </p:spPr>
+          <p:txBody>
+            <a:bodyPr vert="horz" wrap="square" lIns="91440" tIns="45720" rIns="91440" bIns="45720" numCol="1" anchor="ctr" anchorCtr="0" compatLnSpc="1">
+              <a:prstTxWarp prst="textNoShape">
+                <a:avLst/>
+              </a:prstTxWarp>
+              <a:spAutoFit/>
+            </a:bodyPr>
+            <a:lstStyle/>
+            <a:p>
+              <a:pPr marL="0" marR="0" lvl="0" indent="0" algn="l" defTabSz="914400" rtl="0" eaLnBrk="0" fontAlgn="base" latinLnBrk="0" hangingPunct="0">
+                <a:lnSpc>
+                  <a:spcPct val="100000"/>
+                </a:lnSpc>
+                <a:spcBef>
+                  <a:spcPct val="0"/>
+                </a:spcBef>
+                <a:spcAft>
+                  <a:spcPct val="0"/>
+                </a:spcAft>
+                <a:buClrTx/>
+                <a:buSzTx/>
+                <a:buFontTx/>
+                <a:buNone/>
+                <a:tabLst/>
+              </a:pPr>
+              <a:r>
+                <a:rPr kumimoji="0" lang="en-US" altLang="zh-TW" sz="2400" b="0" i="0" u="none" strike="noStrike" cap="none" normalizeH="0" baseline="0">
+                  <a:ln>
+                    <a:noFill/>
+                  </a:ln>
+                  <a:solidFill>
+                    <a:srgbClr val="92D050"/>
+                  </a:solidFill>
+                  <a:effectLst/>
+                  <a:latin typeface="+mj-lt"/>
+                  <a:cs typeface="JetBrains Mono" panose="02000009000000000000" pitchFamily="49" charset="0"/>
+                </a:rPr>
+                <a:t>5</a:t>
+              </a:r>
+            </a:p>
+            <a:p>
+              <a:pPr marL="0" marR="0" lvl="0" indent="0" algn="l" defTabSz="914400" rtl="0" eaLnBrk="0" fontAlgn="base" latinLnBrk="0" hangingPunct="0">
+                <a:lnSpc>
+                  <a:spcPct val="100000"/>
+                </a:lnSpc>
+                <a:spcBef>
+                  <a:spcPct val="0"/>
+                </a:spcBef>
+                <a:spcAft>
+                  <a:spcPct val="0"/>
+                </a:spcAft>
+                <a:buClrTx/>
+                <a:buSzTx/>
+                <a:buFontTx/>
+                <a:buNone/>
+                <a:tabLst/>
+              </a:pPr>
+              <a:r>
+                <a:rPr kumimoji="0" lang="en-US" altLang="zh-TW" sz="2400" b="0" i="0" u="none" strike="noStrike" cap="none" normalizeH="0" baseline="0">
+                  <a:ln>
+                    <a:noFill/>
+                  </a:ln>
+                  <a:solidFill>
+                    <a:srgbClr val="92D050"/>
+                  </a:solidFill>
+                  <a:effectLst/>
+                  <a:latin typeface="+mj-lt"/>
+                  <a:cs typeface="JetBrains Mono" panose="02000009000000000000" pitchFamily="49" charset="0"/>
+                </a:rPr>
+                <a:t>2147483647</a:t>
+              </a:r>
+            </a:p>
+            <a:p>
+              <a:pPr marL="0" marR="0" lvl="0" indent="0" algn="l" defTabSz="914400" rtl="0" eaLnBrk="0" fontAlgn="base" latinLnBrk="0" hangingPunct="0">
+                <a:lnSpc>
+                  <a:spcPct val="100000"/>
+                </a:lnSpc>
+                <a:spcBef>
+                  <a:spcPct val="0"/>
+                </a:spcBef>
+                <a:spcAft>
+                  <a:spcPct val="0"/>
+                </a:spcAft>
+                <a:buClrTx/>
+                <a:buSzTx/>
+                <a:buFontTx/>
+                <a:buNone/>
+                <a:tabLst/>
+              </a:pPr>
+              <a:r>
+                <a:rPr kumimoji="0" lang="en-US" altLang="zh-TW" sz="2400" b="0" i="0" u="none" strike="noStrike" cap="none" normalizeH="0" baseline="0">
+                  <a:ln>
+                    <a:noFill/>
+                  </a:ln>
+                  <a:solidFill>
+                    <a:srgbClr val="BCBEC4"/>
+                  </a:solidFill>
+                  <a:effectLst/>
+                  <a:latin typeface="+mj-lt"/>
+                  <a:cs typeface="JetBrains Mono" panose="02000009000000000000" pitchFamily="49" charset="0"/>
+                </a:rPr>
+                <a:t>74836,28</a:t>
+              </a:r>
+            </a:p>
+          </p:txBody>
+        </p:sp>
+        <p:sp>
+          <p:nvSpPr>
+            <p:cNvPr id="8" name="文字方塊 7">
+              <a:extLst>
+                <a:ext uri="{FF2B5EF4-FFF2-40B4-BE49-F238E27FC236}">
+                  <a16:creationId xmlns:a16="http://schemas.microsoft.com/office/drawing/2014/main" id="{C6D298A9-046A-4B99-BB2B-A4C9067A46F6}"/>
+                </a:ext>
+              </a:extLst>
+            </p:cNvPr>
+            <p:cNvSpPr txBox="1"/>
+            <p:nvPr/>
+          </p:nvSpPr>
+          <p:spPr>
+            <a:xfrm>
+              <a:off x="3605150" y="6673281"/>
+              <a:ext cx="880369" cy="307777"/>
+            </a:xfrm>
+            <a:prstGeom prst="rect">
+              <a:avLst/>
+            </a:prstGeom>
+            <a:noFill/>
+            <a:ln>
+              <a:noFill/>
+            </a:ln>
+          </p:spPr>
+          <p:txBody>
+            <a:bodyPr wrap="none" rtlCol="0">
+              <a:spAutoFit/>
+            </a:bodyPr>
+            <a:lstStyle/>
+            <a:p>
+              <a:r>
+                <a:rPr lang="en-US" altLang="zh-TW" sz="1400">
+                  <a:solidFill>
+                    <a:schemeClr val="accent3"/>
+                  </a:solidFill>
+                </a:rPr>
+                <a:t>console</a:t>
+              </a:r>
+              <a:endParaRPr lang="zh-TW" altLang="en-US" sz="1400">
+                <a:solidFill>
+                  <a:schemeClr val="accent3"/>
+                </a:solidFill>
+              </a:endParaRPr>
+            </a:p>
+          </p:txBody>
+        </p:sp>
+      </p:grpSp>
+      <p:grpSp>
+        <p:nvGrpSpPr>
+          <p:cNvPr id="3" name="群組 2">
+            <a:extLst>
+              <a:ext uri="{FF2B5EF4-FFF2-40B4-BE49-F238E27FC236}">
+                <a16:creationId xmlns:a16="http://schemas.microsoft.com/office/drawing/2014/main" id="{09948E82-A120-4690-BE5C-D6D0D2A668B0}"/>
+              </a:ext>
+            </a:extLst>
+          </p:cNvPr>
+          <p:cNvGrpSpPr/>
+          <p:nvPr/>
+        </p:nvGrpSpPr>
+        <p:grpSpPr>
+          <a:xfrm>
+            <a:off x="838200" y="1325563"/>
+            <a:ext cx="7241085" cy="5068701"/>
+            <a:chOff x="838200" y="1325563"/>
+            <a:chExt cx="7241085" cy="5068701"/>
+          </a:xfrm>
+        </p:grpSpPr>
+        <p:sp>
+          <p:nvSpPr>
+            <p:cNvPr id="4" name="Rectangle 2">
+              <a:extLst>
+                <a:ext uri="{FF2B5EF4-FFF2-40B4-BE49-F238E27FC236}">
+                  <a16:creationId xmlns:a16="http://schemas.microsoft.com/office/drawing/2014/main" id="{0C353486-E7BB-4B72-9E1C-0025CA056FB5}"/>
+                </a:ext>
+              </a:extLst>
+            </p:cNvPr>
+            <p:cNvSpPr>
+              <a:spLocks noChangeArrowheads="1"/>
+            </p:cNvSpPr>
+            <p:nvPr/>
+          </p:nvSpPr>
+          <p:spPr bwMode="auto">
+            <a:xfrm>
+              <a:off x="838200" y="1346728"/>
+              <a:ext cx="7241085" cy="5047536"/>
+            </a:xfrm>
+            <a:prstGeom prst="rect">
+              <a:avLst/>
+            </a:prstGeom>
+            <a:solidFill>
+              <a:srgbClr val="1E1F22"/>
+            </a:solidFill>
+            <a:ln>
+              <a:noFill/>
+            </a:ln>
+            <a:effectLst/>
+            <a:extLst>
+              <a:ext uri="{91240B29-F687-4F45-9708-019B960494DF}">
+                <a14:hiddenLine xmlns:a14="http://schemas.microsoft.com/office/drawing/2010/main" w="9525">
+                  <a:solidFill>
+                    <a:schemeClr val="tx1"/>
+                  </a:solidFill>
+                  <a:miter lim="800000"/>
+                  <a:headEnd/>
+                  <a:tailEnd/>
+                </a14:hiddenLine>
+              </a:ext>
+              <a:ext uri="{AF507438-7753-43E0-B8FC-AC1667EBCBE1}">
+                <a14:hiddenEffects xmlns:a14="http://schemas.microsoft.com/office/drawing/2010/main">
+                  <a:effectLst>
+                    <a:outerShdw dist="35921" dir="2700000" algn="ctr" rotWithShape="0">
+                      <a:schemeClr val="bg2"/>
+                    </a:outerShdw>
+                  </a:effectLst>
+                </a14:hiddenEffects>
+              </a:ext>
+            </a:extLst>
+          </p:spPr>
+          <p:txBody>
+            <a:bodyPr vert="horz" wrap="none" lIns="91440" tIns="45720" rIns="91440" bIns="45720" numCol="1" anchor="ctr" anchorCtr="0" compatLnSpc="1">
+              <a:prstTxWarp prst="textNoShape">
+                <a:avLst/>
+              </a:prstTxWarp>
+              <a:spAutoFit/>
+            </a:bodyPr>
+            <a:lstStyle/>
+            <a:p>
+              <a:pPr marL="0" marR="0" lvl="0" indent="0" algn="l" defTabSz="914400" rtl="0" eaLnBrk="0" fontAlgn="base" latinLnBrk="0" hangingPunct="0">
+                <a:lnSpc>
+                  <a:spcPct val="100000"/>
+                </a:lnSpc>
+                <a:spcBef>
+                  <a:spcPct val="0"/>
+                </a:spcBef>
+                <a:spcAft>
+                  <a:spcPct val="0"/>
+                </a:spcAft>
+                <a:buClrTx/>
+                <a:buSzTx/>
+                <a:buFontTx/>
+                <a:buNone/>
+                <a:tabLst/>
+              </a:pPr>
+              <a:r>
+                <a:rPr kumimoji="0" lang="zh-TW" altLang="zh-TW" sz="1400" b="0" i="0" u="none" strike="noStrike" cap="none" normalizeH="0" baseline="0">
+                  <a:ln>
+                    <a:noFill/>
+                  </a:ln>
+                  <a:solidFill>
+                    <a:srgbClr val="CF8E6D"/>
+                  </a:solidFill>
+                  <a:effectLst/>
+                  <a:latin typeface="+mj-lt"/>
+                  <a:cs typeface="JetBrains Mono" panose="02000009000000000000" pitchFamily="49" charset="0"/>
+                </a:rPr>
+                <a:t>import </a:t>
+              </a:r>
+              <a:r>
+                <a:rPr kumimoji="0" lang="zh-TW" altLang="zh-TW" sz="1400" b="0" i="0" u="none" strike="noStrike" cap="none" normalizeH="0" baseline="0">
+                  <a:ln>
+                    <a:noFill/>
+                  </a:ln>
+                  <a:solidFill>
+                    <a:srgbClr val="BCBEC4"/>
+                  </a:solidFill>
+                  <a:effectLst/>
+                  <a:latin typeface="+mj-lt"/>
+                  <a:cs typeface="JetBrains Mono" panose="02000009000000000000" pitchFamily="49" charset="0"/>
+                </a:rPr>
+                <a:t>java.util.Scanner;</a:t>
+              </a:r>
+              <a:br>
+                <a:rPr kumimoji="0" lang="zh-TW" altLang="zh-TW" sz="1400" b="0" i="0" u="none" strike="noStrike" cap="none" normalizeH="0" baseline="0">
+                  <a:ln>
+                    <a:noFill/>
+                  </a:ln>
+                  <a:solidFill>
+                    <a:srgbClr val="BCBEC4"/>
+                  </a:solidFill>
+                  <a:effectLst/>
+                  <a:latin typeface="+mj-lt"/>
+                  <a:cs typeface="JetBrains Mono" panose="02000009000000000000" pitchFamily="49" charset="0"/>
+                </a:rPr>
+              </a:br>
+              <a:br>
+                <a:rPr kumimoji="0" lang="zh-TW" altLang="zh-TW" sz="1400" b="0" i="0" u="none" strike="noStrike" cap="none" normalizeH="0" baseline="0">
+                  <a:ln>
+                    <a:noFill/>
+                  </a:ln>
+                  <a:solidFill>
+                    <a:srgbClr val="BCBEC4"/>
+                  </a:solidFill>
+                  <a:effectLst/>
+                  <a:latin typeface="+mj-lt"/>
+                  <a:cs typeface="JetBrains Mono" panose="02000009000000000000" pitchFamily="49" charset="0"/>
+                </a:rPr>
+              </a:br>
+              <a:r>
+                <a:rPr kumimoji="0" lang="zh-TW" altLang="zh-TW" sz="1400" b="0" i="0" u="none" strike="noStrike" cap="none" normalizeH="0" baseline="0">
+                  <a:ln>
+                    <a:noFill/>
+                  </a:ln>
+                  <a:solidFill>
+                    <a:srgbClr val="7A7E85"/>
+                  </a:solidFill>
+                  <a:effectLst/>
+                  <a:latin typeface="+mj-lt"/>
+                  <a:cs typeface="JetBrains Mono" panose="02000009000000000000" pitchFamily="49" charset="0"/>
+                </a:rPr>
+                <a:t>// </a:t>
+              </a:r>
+              <a:r>
+                <a:rPr kumimoji="0" lang="zh-TW" altLang="zh-TW" sz="1400" b="0" i="0" u="none" strike="noStrike" cap="none" normalizeH="0" baseline="0">
+                  <a:ln>
+                    <a:noFill/>
+                  </a:ln>
+                  <a:solidFill>
+                    <a:srgbClr val="7A7E85"/>
+                  </a:solidFill>
+                  <a:effectLst/>
+                  <a:latin typeface="+mj-lt"/>
+                  <a:ea typeface="微軟正黑體" panose="020B0604030504040204" pitchFamily="34" charset="-120"/>
+                  <a:cs typeface="JetBrains Mono" panose="02000009000000000000" pitchFamily="49" charset="0"/>
+                </a:rPr>
+                <a:t>找整數中連續</a:t>
+              </a:r>
+              <a:r>
+                <a:rPr kumimoji="0" lang="zh-TW" altLang="zh-TW" sz="1400" b="0" i="0" u="none" strike="noStrike" cap="none" normalizeH="0" baseline="0">
+                  <a:ln>
+                    <a:noFill/>
+                  </a:ln>
+                  <a:solidFill>
+                    <a:srgbClr val="7A7E85"/>
+                  </a:solidFill>
+                  <a:effectLst/>
+                  <a:latin typeface="+mj-lt"/>
+                  <a:cs typeface="JetBrains Mono" panose="02000009000000000000" pitchFamily="49" charset="0"/>
+                </a:rPr>
+                <a:t> n </a:t>
+              </a:r>
+              <a:r>
+                <a:rPr kumimoji="0" lang="zh-TW" altLang="zh-TW" sz="1400" b="0" i="0" u="none" strike="noStrike" cap="none" normalizeH="0" baseline="0">
+                  <a:ln>
+                    <a:noFill/>
+                  </a:ln>
+                  <a:solidFill>
+                    <a:srgbClr val="7A7E85"/>
+                  </a:solidFill>
+                  <a:effectLst/>
+                  <a:latin typeface="+mj-lt"/>
+                  <a:ea typeface="微軟正黑體" panose="020B0604030504040204" pitchFamily="34" charset="-120"/>
+                  <a:cs typeface="JetBrains Mono" panose="02000009000000000000" pitchFamily="49" charset="0"/>
+                </a:rPr>
+                <a:t>個數字和的最大值</a:t>
+              </a:r>
+              <a:br>
+                <a:rPr kumimoji="0" lang="zh-TW" altLang="zh-TW" sz="1400" b="0" i="0" u="none" strike="noStrike" cap="none" normalizeH="0" baseline="0">
+                  <a:ln>
+                    <a:noFill/>
+                  </a:ln>
+                  <a:solidFill>
+                    <a:srgbClr val="7A7E85"/>
+                  </a:solidFill>
+                  <a:effectLst/>
+                  <a:latin typeface="+mj-lt"/>
+                  <a:ea typeface="微軟正黑體" panose="020B0604030504040204" pitchFamily="34" charset="-120"/>
+                  <a:cs typeface="JetBrains Mono" panose="02000009000000000000" pitchFamily="49" charset="0"/>
+                </a:rPr>
+              </a:br>
+              <a:r>
+                <a:rPr kumimoji="0" lang="zh-TW" altLang="zh-TW" sz="1400" b="0" i="0" u="none" strike="noStrike" cap="none" normalizeH="0" baseline="0">
+                  <a:ln>
+                    <a:noFill/>
+                  </a:ln>
+                  <a:solidFill>
+                    <a:srgbClr val="CF8E6D"/>
+                  </a:solidFill>
+                  <a:effectLst/>
+                  <a:latin typeface="+mj-lt"/>
+                  <a:cs typeface="JetBrains Mono" panose="02000009000000000000" pitchFamily="49" charset="0"/>
+                </a:rPr>
+                <a:t>public class </a:t>
+              </a:r>
+              <a:r>
+                <a:rPr kumimoji="0" lang="zh-TW" altLang="zh-TW" sz="1400" b="0" i="0" u="none" strike="noStrike" cap="none" normalizeH="0" baseline="0">
+                  <a:ln>
+                    <a:noFill/>
+                  </a:ln>
+                  <a:solidFill>
+                    <a:srgbClr val="BCBEC4"/>
+                  </a:solidFill>
+                  <a:effectLst/>
+                  <a:latin typeface="+mj-lt"/>
+                  <a:cs typeface="JetBrains Mono" panose="02000009000000000000" pitchFamily="49" charset="0"/>
+                </a:rPr>
+                <a:t>Main3 {</a:t>
+              </a:r>
+              <a:br>
+                <a:rPr kumimoji="0" lang="zh-TW" altLang="zh-TW" sz="1400" b="0" i="0" u="none" strike="noStrike" cap="none" normalizeH="0" baseline="0">
+                  <a:ln>
+                    <a:noFill/>
+                  </a:ln>
+                  <a:solidFill>
+                    <a:srgbClr val="BCBEC4"/>
+                  </a:solidFill>
+                  <a:effectLst/>
+                  <a:latin typeface="+mj-lt"/>
+                  <a:cs typeface="JetBrains Mono" panose="02000009000000000000" pitchFamily="49" charset="0"/>
+                </a:rPr>
+              </a:br>
+              <a:r>
+                <a:rPr kumimoji="0" lang="zh-TW" altLang="zh-TW" sz="1400" b="0" i="0" u="none" strike="noStrike" cap="none" normalizeH="0" baseline="0">
+                  <a:ln>
+                    <a:noFill/>
+                  </a:ln>
+                  <a:solidFill>
+                    <a:srgbClr val="BCBEC4"/>
+                  </a:solidFill>
+                  <a:effectLst/>
+                  <a:latin typeface="+mj-lt"/>
+                  <a:cs typeface="JetBrains Mono" panose="02000009000000000000" pitchFamily="49" charset="0"/>
+                </a:rPr>
+                <a:t>    </a:t>
+              </a:r>
+              <a:r>
+                <a:rPr kumimoji="0" lang="zh-TW" altLang="zh-TW" sz="1400" b="0" i="0" u="none" strike="noStrike" cap="none" normalizeH="0" baseline="0">
+                  <a:ln>
+                    <a:noFill/>
+                  </a:ln>
+                  <a:solidFill>
+                    <a:srgbClr val="CF8E6D"/>
+                  </a:solidFill>
+                  <a:effectLst/>
+                  <a:latin typeface="+mj-lt"/>
+                  <a:cs typeface="JetBrains Mono" panose="02000009000000000000" pitchFamily="49" charset="0"/>
+                </a:rPr>
+                <a:t>public static void </a:t>
+              </a:r>
+              <a:r>
+                <a:rPr kumimoji="0" lang="zh-TW" altLang="zh-TW" sz="1400" b="0" i="0" u="none" strike="noStrike" cap="none" normalizeH="0" baseline="0">
+                  <a:ln>
+                    <a:noFill/>
+                  </a:ln>
+                  <a:solidFill>
+                    <a:srgbClr val="56A8F5"/>
+                  </a:solidFill>
+                  <a:effectLst/>
+                  <a:latin typeface="+mj-lt"/>
+                  <a:cs typeface="JetBrains Mono" panose="02000009000000000000" pitchFamily="49" charset="0"/>
+                </a:rPr>
+                <a:t>main</a:t>
+              </a:r>
+              <a:r>
+                <a:rPr kumimoji="0" lang="zh-TW" altLang="zh-TW" sz="1400" b="0" i="0" u="none" strike="noStrike" cap="none" normalizeH="0" baseline="0">
+                  <a:ln>
+                    <a:noFill/>
+                  </a:ln>
+                  <a:solidFill>
+                    <a:srgbClr val="BCBEC4"/>
+                  </a:solidFill>
+                  <a:effectLst/>
+                  <a:latin typeface="+mj-lt"/>
+                  <a:cs typeface="JetBrains Mono" panose="02000009000000000000" pitchFamily="49" charset="0"/>
+                </a:rPr>
+                <a:t>(String[] args) {</a:t>
+              </a:r>
+              <a:br>
+                <a:rPr kumimoji="0" lang="zh-TW" altLang="zh-TW" sz="1400" b="0" i="0" u="none" strike="noStrike" cap="none" normalizeH="0" baseline="0">
+                  <a:ln>
+                    <a:noFill/>
+                  </a:ln>
+                  <a:solidFill>
+                    <a:srgbClr val="BCBEC4"/>
+                  </a:solidFill>
+                  <a:effectLst/>
+                  <a:latin typeface="+mj-lt"/>
+                  <a:cs typeface="JetBrains Mono" panose="02000009000000000000" pitchFamily="49" charset="0"/>
+                </a:rPr>
+              </a:br>
+              <a:r>
+                <a:rPr kumimoji="0" lang="zh-TW" altLang="zh-TW" sz="1400" b="0" i="0" u="none" strike="noStrike" cap="none" normalizeH="0" baseline="0">
+                  <a:ln>
+                    <a:noFill/>
+                  </a:ln>
+                  <a:solidFill>
+                    <a:srgbClr val="BCBEC4"/>
+                  </a:solidFill>
+                  <a:effectLst/>
+                  <a:latin typeface="+mj-lt"/>
+                  <a:cs typeface="JetBrains Mono" panose="02000009000000000000" pitchFamily="49" charset="0"/>
+                </a:rPr>
+                <a:t>        Scanner scanner = </a:t>
+              </a:r>
+              <a:r>
+                <a:rPr kumimoji="0" lang="zh-TW" altLang="zh-TW" sz="1400" b="0" i="0" u="none" strike="noStrike" cap="none" normalizeH="0" baseline="0">
+                  <a:ln>
+                    <a:noFill/>
+                  </a:ln>
+                  <a:solidFill>
+                    <a:srgbClr val="CF8E6D"/>
+                  </a:solidFill>
+                  <a:effectLst/>
+                  <a:latin typeface="+mj-lt"/>
+                  <a:cs typeface="JetBrains Mono" panose="02000009000000000000" pitchFamily="49" charset="0"/>
+                </a:rPr>
+                <a:t>new </a:t>
+              </a:r>
+              <a:r>
+                <a:rPr kumimoji="0" lang="zh-TW" altLang="zh-TW" sz="1400" b="0" i="0" u="none" strike="noStrike" cap="none" normalizeH="0" baseline="0">
+                  <a:ln>
+                    <a:noFill/>
+                  </a:ln>
+                  <a:solidFill>
+                    <a:srgbClr val="BCBEC4"/>
+                  </a:solidFill>
+                  <a:effectLst/>
+                  <a:latin typeface="+mj-lt"/>
+                  <a:cs typeface="JetBrains Mono" panose="02000009000000000000" pitchFamily="49" charset="0"/>
+                </a:rPr>
+                <a:t>Scanner(System.</a:t>
+              </a:r>
+              <a:r>
+                <a:rPr kumimoji="0" lang="zh-TW" altLang="zh-TW" sz="1400" b="0" i="1" u="none" strike="noStrike" cap="none" normalizeH="0" baseline="0">
+                  <a:ln>
+                    <a:noFill/>
+                  </a:ln>
+                  <a:solidFill>
+                    <a:srgbClr val="C77DBB"/>
+                  </a:solidFill>
+                  <a:effectLst/>
+                  <a:latin typeface="+mj-lt"/>
+                  <a:cs typeface="JetBrains Mono" panose="02000009000000000000" pitchFamily="49" charset="0"/>
+                </a:rPr>
+                <a:t>in</a:t>
+              </a:r>
+              <a:r>
+                <a:rPr kumimoji="0" lang="zh-TW" altLang="zh-TW" sz="1400" b="0" i="0" u="none" strike="noStrike" cap="none" normalizeH="0" baseline="0">
+                  <a:ln>
+                    <a:noFill/>
+                  </a:ln>
+                  <a:solidFill>
+                    <a:srgbClr val="BCBEC4"/>
+                  </a:solidFill>
+                  <a:effectLst/>
+                  <a:latin typeface="+mj-lt"/>
+                  <a:cs typeface="JetBrains Mono" panose="02000009000000000000" pitchFamily="49" charset="0"/>
+                </a:rPr>
+                <a:t>);</a:t>
+              </a:r>
+              <a:br>
+                <a:rPr kumimoji="0" lang="zh-TW" altLang="zh-TW" sz="1400" b="0" i="0" u="none" strike="noStrike" cap="none" normalizeH="0" baseline="0">
+                  <a:ln>
+                    <a:noFill/>
+                  </a:ln>
+                  <a:solidFill>
+                    <a:srgbClr val="BCBEC4"/>
+                  </a:solidFill>
+                  <a:effectLst/>
+                  <a:latin typeface="+mj-lt"/>
+                  <a:cs typeface="JetBrains Mono" panose="02000009000000000000" pitchFamily="49" charset="0"/>
+                </a:rPr>
+              </a:br>
+              <a:r>
+                <a:rPr kumimoji="0" lang="zh-TW" altLang="zh-TW" sz="1400" b="0" i="0" u="none" strike="noStrike" cap="none" normalizeH="0" baseline="0">
+                  <a:ln>
+                    <a:noFill/>
+                  </a:ln>
+                  <a:solidFill>
+                    <a:srgbClr val="BCBEC4"/>
+                  </a:solidFill>
+                  <a:effectLst/>
+                  <a:latin typeface="+mj-lt"/>
+                  <a:cs typeface="JetBrains Mono" panose="02000009000000000000" pitchFamily="49" charset="0"/>
+                </a:rPr>
+                <a:t>        </a:t>
+              </a:r>
+              <a:r>
+                <a:rPr kumimoji="0" lang="zh-TW" altLang="zh-TW" sz="1400" b="0" i="0" u="none" strike="noStrike" cap="none" normalizeH="0" baseline="0">
+                  <a:ln>
+                    <a:noFill/>
+                  </a:ln>
+                  <a:solidFill>
+                    <a:srgbClr val="CF8E6D"/>
+                  </a:solidFill>
+                  <a:effectLst/>
+                  <a:latin typeface="+mj-lt"/>
+                  <a:cs typeface="JetBrains Mono" panose="02000009000000000000" pitchFamily="49" charset="0"/>
+                </a:rPr>
+                <a:t>int </a:t>
+              </a:r>
+              <a:r>
+                <a:rPr kumimoji="0" lang="zh-TW" altLang="zh-TW" sz="1400" b="0" i="0" u="none" strike="noStrike" cap="none" normalizeH="0" baseline="0">
+                  <a:ln>
+                    <a:noFill/>
+                  </a:ln>
+                  <a:solidFill>
+                    <a:srgbClr val="BCBEC4"/>
+                  </a:solidFill>
+                  <a:effectLst/>
+                  <a:latin typeface="+mj-lt"/>
+                  <a:cs typeface="JetBrains Mono" panose="02000009000000000000" pitchFamily="49" charset="0"/>
+                </a:rPr>
+                <a:t>count = scanner.nextInt();</a:t>
+              </a:r>
+              <a:br>
+                <a:rPr kumimoji="0" lang="zh-TW" altLang="zh-TW" sz="1400" b="0" i="0" u="none" strike="noStrike" cap="none" normalizeH="0" baseline="0">
+                  <a:ln>
+                    <a:noFill/>
+                  </a:ln>
+                  <a:solidFill>
+                    <a:srgbClr val="BCBEC4"/>
+                  </a:solidFill>
+                  <a:effectLst/>
+                  <a:latin typeface="+mj-lt"/>
+                  <a:cs typeface="JetBrains Mono" panose="02000009000000000000" pitchFamily="49" charset="0"/>
+                </a:rPr>
+              </a:br>
+              <a:r>
+                <a:rPr kumimoji="0" lang="zh-TW" altLang="zh-TW" sz="1400" b="0" i="0" u="none" strike="noStrike" cap="none" normalizeH="0" baseline="0">
+                  <a:ln>
+                    <a:noFill/>
+                  </a:ln>
+                  <a:solidFill>
+                    <a:srgbClr val="BCBEC4"/>
+                  </a:solidFill>
+                  <a:effectLst/>
+                  <a:latin typeface="+mj-lt"/>
+                  <a:cs typeface="JetBrains Mono" panose="02000009000000000000" pitchFamily="49" charset="0"/>
+                </a:rPr>
+                <a:t>        String maxString = </a:t>
+              </a:r>
+              <a:r>
+                <a:rPr kumimoji="0" lang="zh-TW" altLang="zh-TW" sz="1400" b="0" i="0" u="none" strike="noStrike" cap="none" normalizeH="0" baseline="0">
+                  <a:ln>
+                    <a:noFill/>
+                  </a:ln>
+                  <a:solidFill>
+                    <a:srgbClr val="6AAB73"/>
+                  </a:solidFill>
+                  <a:effectLst/>
+                  <a:latin typeface="+mj-lt"/>
+                  <a:cs typeface="JetBrains Mono" panose="02000009000000000000" pitchFamily="49" charset="0"/>
+                </a:rPr>
+                <a:t>""</a:t>
+              </a:r>
+              <a:r>
+                <a:rPr kumimoji="0" lang="zh-TW" altLang="zh-TW" sz="1400" b="0" i="0" u="none" strike="noStrike" cap="none" normalizeH="0" baseline="0">
+                  <a:ln>
+                    <a:noFill/>
+                  </a:ln>
+                  <a:solidFill>
+                    <a:srgbClr val="BCBEC4"/>
+                  </a:solidFill>
+                  <a:effectLst/>
+                  <a:latin typeface="+mj-lt"/>
+                  <a:cs typeface="JetBrains Mono" panose="02000009000000000000" pitchFamily="49" charset="0"/>
+                </a:rPr>
+                <a:t>;</a:t>
+              </a:r>
+              <a:br>
+                <a:rPr kumimoji="0" lang="zh-TW" altLang="zh-TW" sz="1400" b="0" i="0" u="none" strike="noStrike" cap="none" normalizeH="0" baseline="0">
+                  <a:ln>
+                    <a:noFill/>
+                  </a:ln>
+                  <a:solidFill>
+                    <a:srgbClr val="BCBEC4"/>
+                  </a:solidFill>
+                  <a:effectLst/>
+                  <a:latin typeface="+mj-lt"/>
+                  <a:cs typeface="JetBrains Mono" panose="02000009000000000000" pitchFamily="49" charset="0"/>
+                </a:rPr>
+              </a:br>
+              <a:r>
+                <a:rPr kumimoji="0" lang="zh-TW" altLang="zh-TW" sz="1400" b="0" i="0" u="none" strike="noStrike" cap="none" normalizeH="0" baseline="0">
+                  <a:ln>
+                    <a:noFill/>
+                  </a:ln>
+                  <a:solidFill>
+                    <a:srgbClr val="BCBEC4"/>
+                  </a:solidFill>
+                  <a:effectLst/>
+                  <a:latin typeface="+mj-lt"/>
+                  <a:cs typeface="JetBrains Mono" panose="02000009000000000000" pitchFamily="49" charset="0"/>
+                </a:rPr>
+                <a:t>        </a:t>
+              </a:r>
+              <a:r>
+                <a:rPr kumimoji="0" lang="zh-TW" altLang="zh-TW" sz="1400" b="0" i="0" u="none" strike="noStrike" cap="none" normalizeH="0" baseline="0">
+                  <a:ln>
+                    <a:noFill/>
+                  </a:ln>
+                  <a:solidFill>
+                    <a:srgbClr val="CF8E6D"/>
+                  </a:solidFill>
+                  <a:effectLst/>
+                  <a:latin typeface="+mj-lt"/>
+                  <a:cs typeface="JetBrains Mono" panose="02000009000000000000" pitchFamily="49" charset="0"/>
+                </a:rPr>
+                <a:t>int </a:t>
+              </a:r>
+              <a:r>
+                <a:rPr kumimoji="0" lang="zh-TW" altLang="zh-TW" sz="1400" b="0" i="0" u="none" strike="noStrike" cap="none" normalizeH="0" baseline="0">
+                  <a:ln>
+                    <a:noFill/>
+                  </a:ln>
+                  <a:solidFill>
+                    <a:srgbClr val="BCBEC4"/>
+                  </a:solidFill>
+                  <a:effectLst/>
+                  <a:latin typeface="+mj-lt"/>
+                  <a:cs typeface="JetBrains Mono" panose="02000009000000000000" pitchFamily="49" charset="0"/>
+                </a:rPr>
+                <a:t>max = -</a:t>
+              </a:r>
+              <a:r>
+                <a:rPr kumimoji="0" lang="zh-TW" altLang="zh-TW" sz="1400" b="0" i="0" u="none" strike="noStrike" cap="none" normalizeH="0" baseline="0">
+                  <a:ln>
+                    <a:noFill/>
+                  </a:ln>
+                  <a:solidFill>
+                    <a:srgbClr val="2AACB8"/>
+                  </a:solidFill>
+                  <a:effectLst/>
+                  <a:latin typeface="+mj-lt"/>
+                  <a:cs typeface="JetBrains Mono" panose="02000009000000000000" pitchFamily="49" charset="0"/>
+                </a:rPr>
+                <a:t>1</a:t>
+              </a:r>
+              <a:r>
+                <a:rPr kumimoji="0" lang="zh-TW" altLang="zh-TW" sz="1400" b="0" i="0" u="none" strike="noStrike" cap="none" normalizeH="0" baseline="0">
+                  <a:ln>
+                    <a:noFill/>
+                  </a:ln>
+                  <a:solidFill>
+                    <a:srgbClr val="BCBEC4"/>
+                  </a:solidFill>
+                  <a:effectLst/>
+                  <a:latin typeface="+mj-lt"/>
+                  <a:cs typeface="JetBrains Mono" panose="02000009000000000000" pitchFamily="49" charset="0"/>
+                </a:rPr>
+                <a:t>;</a:t>
+              </a:r>
+              <a:br>
+                <a:rPr kumimoji="0" lang="zh-TW" altLang="zh-TW" sz="1400" b="0" i="0" u="none" strike="noStrike" cap="none" normalizeH="0" baseline="0">
+                  <a:ln>
+                    <a:noFill/>
+                  </a:ln>
+                  <a:solidFill>
+                    <a:srgbClr val="BCBEC4"/>
+                  </a:solidFill>
+                  <a:effectLst/>
+                  <a:latin typeface="+mj-lt"/>
+                  <a:cs typeface="JetBrains Mono" panose="02000009000000000000" pitchFamily="49" charset="0"/>
+                </a:rPr>
+              </a:br>
+              <a:r>
+                <a:rPr kumimoji="0" lang="zh-TW" altLang="zh-TW" sz="1400" b="0" i="0" u="none" strike="noStrike" cap="none" normalizeH="0" baseline="0">
+                  <a:ln>
+                    <a:noFill/>
+                  </a:ln>
+                  <a:solidFill>
+                    <a:srgbClr val="BCBEC4"/>
+                  </a:solidFill>
+                  <a:effectLst/>
+                  <a:latin typeface="+mj-lt"/>
+                  <a:cs typeface="JetBrains Mono" panose="02000009000000000000" pitchFamily="49" charset="0"/>
+                </a:rPr>
+                <a:t>        String string = scanner.next();</a:t>
+              </a:r>
+              <a:br>
+                <a:rPr kumimoji="0" lang="zh-TW" altLang="zh-TW" sz="1400" b="0" i="0" u="none" strike="noStrike" cap="none" normalizeH="0" baseline="0">
+                  <a:ln>
+                    <a:noFill/>
+                  </a:ln>
+                  <a:solidFill>
+                    <a:srgbClr val="BCBEC4"/>
+                  </a:solidFill>
+                  <a:effectLst/>
+                  <a:latin typeface="+mj-lt"/>
+                  <a:cs typeface="JetBrains Mono" panose="02000009000000000000" pitchFamily="49" charset="0"/>
+                </a:rPr>
+              </a:br>
+              <a:r>
+                <a:rPr kumimoji="0" lang="zh-TW" altLang="zh-TW" sz="1400" b="0" i="0" u="none" strike="noStrike" cap="none" normalizeH="0" baseline="0">
+                  <a:ln>
+                    <a:noFill/>
+                  </a:ln>
+                  <a:solidFill>
+                    <a:srgbClr val="BCBEC4"/>
+                  </a:solidFill>
+                  <a:effectLst/>
+                  <a:latin typeface="+mj-lt"/>
+                  <a:cs typeface="JetBrains Mono" panose="02000009000000000000" pitchFamily="49" charset="0"/>
+                </a:rPr>
+                <a:t>        </a:t>
+              </a:r>
+              <a:r>
+                <a:rPr kumimoji="0" lang="zh-TW" altLang="zh-TW" sz="1400" b="0" i="0" u="none" strike="noStrike" cap="none" normalizeH="0" baseline="0">
+                  <a:ln>
+                    <a:noFill/>
+                  </a:ln>
+                  <a:solidFill>
+                    <a:srgbClr val="CF8E6D"/>
+                  </a:solidFill>
+                  <a:effectLst/>
+                  <a:latin typeface="+mj-lt"/>
+                  <a:cs typeface="JetBrains Mono" panose="02000009000000000000" pitchFamily="49" charset="0"/>
+                </a:rPr>
+                <a:t>for </a:t>
+              </a:r>
+              <a:r>
+                <a:rPr kumimoji="0" lang="zh-TW" altLang="zh-TW" sz="1400" b="0" i="0" u="none" strike="noStrike" cap="none" normalizeH="0" baseline="0">
+                  <a:ln>
+                    <a:noFill/>
+                  </a:ln>
+                  <a:solidFill>
+                    <a:srgbClr val="BCBEC4"/>
+                  </a:solidFill>
+                  <a:effectLst/>
+                  <a:latin typeface="+mj-lt"/>
+                  <a:cs typeface="JetBrains Mono" panose="02000009000000000000" pitchFamily="49" charset="0"/>
+                </a:rPr>
+                <a:t>(</a:t>
+              </a:r>
+              <a:r>
+                <a:rPr kumimoji="0" lang="zh-TW" altLang="zh-TW" sz="1400" b="0" i="0" u="none" strike="noStrike" cap="none" normalizeH="0" baseline="0">
+                  <a:ln>
+                    <a:noFill/>
+                  </a:ln>
+                  <a:solidFill>
+                    <a:srgbClr val="CF8E6D"/>
+                  </a:solidFill>
+                  <a:effectLst/>
+                  <a:latin typeface="+mj-lt"/>
+                  <a:cs typeface="JetBrains Mono" panose="02000009000000000000" pitchFamily="49" charset="0"/>
+                </a:rPr>
+                <a:t>int </a:t>
+              </a:r>
+              <a:r>
+                <a:rPr kumimoji="0" lang="zh-TW" altLang="zh-TW" sz="1400" b="0" i="0" u="none" strike="noStrike" cap="none" normalizeH="0" baseline="0">
+                  <a:ln>
+                    <a:noFill/>
+                  </a:ln>
+                  <a:solidFill>
+                    <a:srgbClr val="BCBEC4"/>
+                  </a:solidFill>
+                  <a:effectLst/>
+                  <a:latin typeface="+mj-lt"/>
+                  <a:cs typeface="JetBrains Mono" panose="02000009000000000000" pitchFamily="49" charset="0"/>
+                </a:rPr>
+                <a:t>i = </a:t>
+              </a:r>
+              <a:r>
+                <a:rPr kumimoji="0" lang="zh-TW" altLang="zh-TW" sz="1400" b="0" i="0" u="none" strike="noStrike" cap="none" normalizeH="0" baseline="0">
+                  <a:ln>
+                    <a:noFill/>
+                  </a:ln>
+                  <a:solidFill>
+                    <a:srgbClr val="2AACB8"/>
+                  </a:solidFill>
+                  <a:effectLst/>
+                  <a:latin typeface="+mj-lt"/>
+                  <a:cs typeface="JetBrains Mono" panose="02000009000000000000" pitchFamily="49" charset="0"/>
+                </a:rPr>
+                <a:t>0</a:t>
+              </a:r>
+              <a:r>
+                <a:rPr kumimoji="0" lang="zh-TW" altLang="zh-TW" sz="1400" b="0" i="0" u="none" strike="noStrike" cap="none" normalizeH="0" baseline="0">
+                  <a:ln>
+                    <a:noFill/>
+                  </a:ln>
+                  <a:solidFill>
+                    <a:srgbClr val="BCBEC4"/>
+                  </a:solidFill>
+                  <a:effectLst/>
+                  <a:latin typeface="+mj-lt"/>
+                  <a:cs typeface="JetBrains Mono" panose="02000009000000000000" pitchFamily="49" charset="0"/>
+                </a:rPr>
+                <a:t>; i &lt;= string.length() - count; i++) {</a:t>
+              </a:r>
+              <a:br>
+                <a:rPr kumimoji="0" lang="zh-TW" altLang="zh-TW" sz="1400" b="0" i="0" u="none" strike="noStrike" cap="none" normalizeH="0" baseline="0">
+                  <a:ln>
+                    <a:noFill/>
+                  </a:ln>
+                  <a:solidFill>
+                    <a:srgbClr val="BCBEC4"/>
+                  </a:solidFill>
+                  <a:effectLst/>
+                  <a:latin typeface="+mj-lt"/>
+                  <a:cs typeface="JetBrains Mono" panose="02000009000000000000" pitchFamily="49" charset="0"/>
+                </a:rPr>
+              </a:br>
+              <a:r>
+                <a:rPr kumimoji="0" lang="zh-TW" altLang="zh-TW" sz="1400" b="0" i="0" u="none" strike="noStrike" cap="none" normalizeH="0" baseline="0">
+                  <a:ln>
+                    <a:noFill/>
+                  </a:ln>
+                  <a:solidFill>
+                    <a:srgbClr val="BCBEC4"/>
+                  </a:solidFill>
+                  <a:effectLst/>
+                  <a:latin typeface="+mj-lt"/>
+                  <a:cs typeface="JetBrains Mono" panose="02000009000000000000" pitchFamily="49" charset="0"/>
+                </a:rPr>
+                <a:t>            </a:t>
+              </a:r>
+              <a:r>
+                <a:rPr kumimoji="0" lang="zh-TW" altLang="zh-TW" sz="1400" b="0" i="0" u="none" strike="noStrike" cap="none" normalizeH="0" baseline="0">
+                  <a:ln>
+                    <a:noFill/>
+                  </a:ln>
+                  <a:solidFill>
+                    <a:srgbClr val="CF8E6D"/>
+                  </a:solidFill>
+                  <a:effectLst/>
+                  <a:latin typeface="+mj-lt"/>
+                  <a:cs typeface="JetBrains Mono" panose="02000009000000000000" pitchFamily="49" charset="0"/>
+                </a:rPr>
+                <a:t>int </a:t>
+              </a:r>
+              <a:r>
+                <a:rPr kumimoji="0" lang="zh-TW" altLang="zh-TW" sz="1400" b="0" i="0" u="none" strike="noStrike" cap="none" normalizeH="0" baseline="0">
+                  <a:ln>
+                    <a:noFill/>
+                  </a:ln>
+                  <a:solidFill>
+                    <a:srgbClr val="BCBEC4"/>
+                  </a:solidFill>
+                  <a:effectLst/>
+                  <a:latin typeface="+mj-lt"/>
+                  <a:cs typeface="JetBrains Mono" panose="02000009000000000000" pitchFamily="49" charset="0"/>
+                </a:rPr>
+                <a:t>sum = </a:t>
+              </a:r>
+              <a:r>
+                <a:rPr kumimoji="0" lang="zh-TW" altLang="zh-TW" sz="1400" b="0" i="0" u="none" strike="noStrike" cap="none" normalizeH="0" baseline="0">
+                  <a:ln>
+                    <a:noFill/>
+                  </a:ln>
+                  <a:solidFill>
+                    <a:srgbClr val="2AACB8"/>
+                  </a:solidFill>
+                  <a:effectLst/>
+                  <a:latin typeface="+mj-lt"/>
+                  <a:cs typeface="JetBrains Mono" panose="02000009000000000000" pitchFamily="49" charset="0"/>
+                </a:rPr>
+                <a:t>0</a:t>
+              </a:r>
+              <a:r>
+                <a:rPr kumimoji="0" lang="zh-TW" altLang="zh-TW" sz="1400" b="0" i="0" u="none" strike="noStrike" cap="none" normalizeH="0" baseline="0">
+                  <a:ln>
+                    <a:noFill/>
+                  </a:ln>
+                  <a:solidFill>
+                    <a:srgbClr val="BCBEC4"/>
+                  </a:solidFill>
+                  <a:effectLst/>
+                  <a:latin typeface="+mj-lt"/>
+                  <a:cs typeface="JetBrains Mono" panose="02000009000000000000" pitchFamily="49" charset="0"/>
+                </a:rPr>
+                <a:t>;</a:t>
+              </a:r>
+              <a:br>
+                <a:rPr kumimoji="0" lang="zh-TW" altLang="zh-TW" sz="1400" b="0" i="0" u="none" strike="noStrike" cap="none" normalizeH="0" baseline="0">
+                  <a:ln>
+                    <a:noFill/>
+                  </a:ln>
+                  <a:solidFill>
+                    <a:srgbClr val="BCBEC4"/>
+                  </a:solidFill>
+                  <a:effectLst/>
+                  <a:latin typeface="+mj-lt"/>
+                  <a:cs typeface="JetBrains Mono" panose="02000009000000000000" pitchFamily="49" charset="0"/>
+                </a:rPr>
+              </a:br>
+              <a:r>
+                <a:rPr kumimoji="0" lang="zh-TW" altLang="zh-TW" sz="1400" b="0" i="0" u="none" strike="noStrike" cap="none" normalizeH="0" baseline="0">
+                  <a:ln>
+                    <a:noFill/>
+                  </a:ln>
+                  <a:solidFill>
+                    <a:srgbClr val="BCBEC4"/>
+                  </a:solidFill>
+                  <a:effectLst/>
+                  <a:latin typeface="+mj-lt"/>
+                  <a:cs typeface="JetBrains Mono" panose="02000009000000000000" pitchFamily="49" charset="0"/>
+                </a:rPr>
+                <a:t>            </a:t>
+              </a:r>
+              <a:r>
+                <a:rPr kumimoji="0" lang="zh-TW" altLang="zh-TW" sz="1400" b="0" i="0" u="none" strike="noStrike" cap="none" normalizeH="0" baseline="0">
+                  <a:ln>
+                    <a:noFill/>
+                  </a:ln>
+                  <a:solidFill>
+                    <a:srgbClr val="CF8E6D"/>
+                  </a:solidFill>
+                  <a:effectLst/>
+                  <a:latin typeface="+mj-lt"/>
+                  <a:cs typeface="JetBrains Mono" panose="02000009000000000000" pitchFamily="49" charset="0"/>
+                </a:rPr>
+                <a:t>for </a:t>
+              </a:r>
+              <a:r>
+                <a:rPr kumimoji="0" lang="zh-TW" altLang="zh-TW" sz="1400" b="0" i="0" u="none" strike="noStrike" cap="none" normalizeH="0" baseline="0">
+                  <a:ln>
+                    <a:noFill/>
+                  </a:ln>
+                  <a:solidFill>
+                    <a:srgbClr val="BCBEC4"/>
+                  </a:solidFill>
+                  <a:effectLst/>
+                  <a:latin typeface="+mj-lt"/>
+                  <a:cs typeface="JetBrains Mono" panose="02000009000000000000" pitchFamily="49" charset="0"/>
+                </a:rPr>
+                <a:t>(</a:t>
+              </a:r>
+              <a:r>
+                <a:rPr kumimoji="0" lang="zh-TW" altLang="zh-TW" sz="1400" b="0" i="0" u="none" strike="noStrike" cap="none" normalizeH="0" baseline="0">
+                  <a:ln>
+                    <a:noFill/>
+                  </a:ln>
+                  <a:solidFill>
+                    <a:srgbClr val="CF8E6D"/>
+                  </a:solidFill>
+                  <a:effectLst/>
+                  <a:latin typeface="+mj-lt"/>
+                  <a:cs typeface="JetBrains Mono" panose="02000009000000000000" pitchFamily="49" charset="0"/>
+                </a:rPr>
+                <a:t>int </a:t>
+              </a:r>
+              <a:r>
+                <a:rPr kumimoji="0" lang="zh-TW" altLang="zh-TW" sz="1400" b="0" i="0" u="none" strike="noStrike" cap="none" normalizeH="0" baseline="0">
+                  <a:ln>
+                    <a:noFill/>
+                  </a:ln>
+                  <a:solidFill>
+                    <a:srgbClr val="BCBEC4"/>
+                  </a:solidFill>
+                  <a:effectLst/>
+                  <a:latin typeface="+mj-lt"/>
+                  <a:cs typeface="JetBrains Mono" panose="02000009000000000000" pitchFamily="49" charset="0"/>
+                </a:rPr>
+                <a:t>j = </a:t>
+              </a:r>
+              <a:r>
+                <a:rPr kumimoji="0" lang="zh-TW" altLang="zh-TW" sz="1400" b="0" i="0" u="none" strike="noStrike" cap="none" normalizeH="0" baseline="0">
+                  <a:ln>
+                    <a:noFill/>
+                  </a:ln>
+                  <a:solidFill>
+                    <a:srgbClr val="2AACB8"/>
+                  </a:solidFill>
+                  <a:effectLst/>
+                  <a:latin typeface="+mj-lt"/>
+                  <a:cs typeface="JetBrains Mono" panose="02000009000000000000" pitchFamily="49" charset="0"/>
+                </a:rPr>
+                <a:t>0</a:t>
+              </a:r>
+              <a:r>
+                <a:rPr kumimoji="0" lang="zh-TW" altLang="zh-TW" sz="1400" b="0" i="0" u="none" strike="noStrike" cap="none" normalizeH="0" baseline="0">
+                  <a:ln>
+                    <a:noFill/>
+                  </a:ln>
+                  <a:solidFill>
+                    <a:srgbClr val="BCBEC4"/>
+                  </a:solidFill>
+                  <a:effectLst/>
+                  <a:latin typeface="+mj-lt"/>
+                  <a:cs typeface="JetBrains Mono" panose="02000009000000000000" pitchFamily="49" charset="0"/>
+                </a:rPr>
+                <a:t>; j &lt; count; j++) {</a:t>
+              </a:r>
+              <a:br>
+                <a:rPr kumimoji="0" lang="zh-TW" altLang="zh-TW" sz="1400" b="0" i="0" u="none" strike="noStrike" cap="none" normalizeH="0" baseline="0">
+                  <a:ln>
+                    <a:noFill/>
+                  </a:ln>
+                  <a:solidFill>
+                    <a:srgbClr val="BCBEC4"/>
+                  </a:solidFill>
+                  <a:effectLst/>
+                  <a:latin typeface="+mj-lt"/>
+                  <a:cs typeface="JetBrains Mono" panose="02000009000000000000" pitchFamily="49" charset="0"/>
+                </a:rPr>
+              </a:br>
+              <a:r>
+                <a:rPr kumimoji="0" lang="zh-TW" altLang="zh-TW" sz="1400" b="0" i="0" u="none" strike="noStrike" cap="none" normalizeH="0" baseline="0">
+                  <a:ln>
+                    <a:noFill/>
+                  </a:ln>
+                  <a:solidFill>
+                    <a:srgbClr val="BCBEC4"/>
+                  </a:solidFill>
+                  <a:effectLst/>
+                  <a:latin typeface="+mj-lt"/>
+                  <a:cs typeface="JetBrains Mono" panose="02000009000000000000" pitchFamily="49" charset="0"/>
+                </a:rPr>
+                <a:t>                sum += Character.</a:t>
+              </a:r>
+              <a:r>
+                <a:rPr kumimoji="0" lang="zh-TW" altLang="zh-TW" sz="1400" b="0" i="1" u="none" strike="noStrike" cap="none" normalizeH="0" baseline="0">
+                  <a:ln>
+                    <a:noFill/>
+                  </a:ln>
+                  <a:solidFill>
+                    <a:srgbClr val="BCBEC4"/>
+                  </a:solidFill>
+                  <a:effectLst/>
+                  <a:latin typeface="+mj-lt"/>
+                  <a:cs typeface="JetBrains Mono" panose="02000009000000000000" pitchFamily="49" charset="0"/>
+                </a:rPr>
+                <a:t>getNumericValue</a:t>
+              </a:r>
+              <a:r>
+                <a:rPr kumimoji="0" lang="zh-TW" altLang="zh-TW" sz="1400" b="0" i="0" u="none" strike="noStrike" cap="none" normalizeH="0" baseline="0">
+                  <a:ln>
+                    <a:noFill/>
+                  </a:ln>
+                  <a:solidFill>
+                    <a:srgbClr val="BCBEC4"/>
+                  </a:solidFill>
+                  <a:effectLst/>
+                  <a:latin typeface="+mj-lt"/>
+                  <a:cs typeface="JetBrains Mono" panose="02000009000000000000" pitchFamily="49" charset="0"/>
+                </a:rPr>
+                <a:t>(string.charAt(i + j));</a:t>
+              </a:r>
+              <a:br>
+                <a:rPr kumimoji="0" lang="zh-TW" altLang="zh-TW" sz="1400" b="0" i="0" u="none" strike="noStrike" cap="none" normalizeH="0" baseline="0">
+                  <a:ln>
+                    <a:noFill/>
+                  </a:ln>
+                  <a:solidFill>
+                    <a:srgbClr val="BCBEC4"/>
+                  </a:solidFill>
+                  <a:effectLst/>
+                  <a:latin typeface="+mj-lt"/>
+                  <a:cs typeface="JetBrains Mono" panose="02000009000000000000" pitchFamily="49" charset="0"/>
+                </a:rPr>
+              </a:br>
+              <a:r>
+                <a:rPr kumimoji="0" lang="zh-TW" altLang="zh-TW" sz="1400" b="0" i="0" u="none" strike="noStrike" cap="none" normalizeH="0" baseline="0">
+                  <a:ln>
+                    <a:noFill/>
+                  </a:ln>
+                  <a:solidFill>
+                    <a:srgbClr val="BCBEC4"/>
+                  </a:solidFill>
+                  <a:effectLst/>
+                  <a:latin typeface="+mj-lt"/>
+                  <a:cs typeface="JetBrains Mono" panose="02000009000000000000" pitchFamily="49" charset="0"/>
+                </a:rPr>
+                <a:t>            }</a:t>
+              </a:r>
+              <a:br>
+                <a:rPr kumimoji="0" lang="zh-TW" altLang="zh-TW" sz="1400" b="0" i="0" u="none" strike="noStrike" cap="none" normalizeH="0" baseline="0">
+                  <a:ln>
+                    <a:noFill/>
+                  </a:ln>
+                  <a:solidFill>
+                    <a:srgbClr val="BCBEC4"/>
+                  </a:solidFill>
+                  <a:effectLst/>
+                  <a:latin typeface="+mj-lt"/>
+                  <a:cs typeface="JetBrains Mono" panose="02000009000000000000" pitchFamily="49" charset="0"/>
+                </a:rPr>
+              </a:br>
+              <a:r>
+                <a:rPr kumimoji="0" lang="zh-TW" altLang="zh-TW" sz="1400" b="0" i="0" u="none" strike="noStrike" cap="none" normalizeH="0" baseline="0">
+                  <a:ln>
+                    <a:noFill/>
+                  </a:ln>
+                  <a:solidFill>
+                    <a:srgbClr val="BCBEC4"/>
+                  </a:solidFill>
+                  <a:effectLst/>
+                  <a:latin typeface="+mj-lt"/>
+                  <a:cs typeface="JetBrains Mono" panose="02000009000000000000" pitchFamily="49" charset="0"/>
+                </a:rPr>
+                <a:t>            </a:t>
+              </a:r>
+              <a:r>
+                <a:rPr kumimoji="0" lang="zh-TW" altLang="zh-TW" sz="1400" b="0" i="0" u="none" strike="noStrike" cap="none" normalizeH="0" baseline="0">
+                  <a:ln>
+                    <a:noFill/>
+                  </a:ln>
+                  <a:solidFill>
+                    <a:srgbClr val="CF8E6D"/>
+                  </a:solidFill>
+                  <a:effectLst/>
+                  <a:latin typeface="+mj-lt"/>
+                  <a:cs typeface="JetBrains Mono" panose="02000009000000000000" pitchFamily="49" charset="0"/>
+                </a:rPr>
+                <a:t>if </a:t>
+              </a:r>
+              <a:r>
+                <a:rPr kumimoji="0" lang="zh-TW" altLang="zh-TW" sz="1400" b="0" i="0" u="none" strike="noStrike" cap="none" normalizeH="0" baseline="0">
+                  <a:ln>
+                    <a:noFill/>
+                  </a:ln>
+                  <a:solidFill>
+                    <a:srgbClr val="BCBEC4"/>
+                  </a:solidFill>
+                  <a:effectLst/>
+                  <a:latin typeface="+mj-lt"/>
+                  <a:cs typeface="JetBrains Mono" panose="02000009000000000000" pitchFamily="49" charset="0"/>
+                </a:rPr>
+                <a:t>(sum &gt; max) {</a:t>
+              </a:r>
+              <a:br>
+                <a:rPr kumimoji="0" lang="zh-TW" altLang="zh-TW" sz="1400" b="0" i="0" u="none" strike="noStrike" cap="none" normalizeH="0" baseline="0">
+                  <a:ln>
+                    <a:noFill/>
+                  </a:ln>
+                  <a:solidFill>
+                    <a:srgbClr val="BCBEC4"/>
+                  </a:solidFill>
+                  <a:effectLst/>
+                  <a:latin typeface="+mj-lt"/>
+                  <a:cs typeface="JetBrains Mono" panose="02000009000000000000" pitchFamily="49" charset="0"/>
+                </a:rPr>
+              </a:br>
+              <a:r>
+                <a:rPr kumimoji="0" lang="zh-TW" altLang="zh-TW" sz="1400" b="0" i="0" u="none" strike="noStrike" cap="none" normalizeH="0" baseline="0">
+                  <a:ln>
+                    <a:noFill/>
+                  </a:ln>
+                  <a:solidFill>
+                    <a:srgbClr val="BCBEC4"/>
+                  </a:solidFill>
+                  <a:effectLst/>
+                  <a:latin typeface="+mj-lt"/>
+                  <a:cs typeface="JetBrains Mono" panose="02000009000000000000" pitchFamily="49" charset="0"/>
+                </a:rPr>
+                <a:t>                max = sum;</a:t>
+              </a:r>
+              <a:br>
+                <a:rPr kumimoji="0" lang="zh-TW" altLang="zh-TW" sz="1400" b="0" i="0" u="none" strike="noStrike" cap="none" normalizeH="0" baseline="0">
+                  <a:ln>
+                    <a:noFill/>
+                  </a:ln>
+                  <a:solidFill>
+                    <a:srgbClr val="BCBEC4"/>
+                  </a:solidFill>
+                  <a:effectLst/>
+                  <a:latin typeface="+mj-lt"/>
+                  <a:cs typeface="JetBrains Mono" panose="02000009000000000000" pitchFamily="49" charset="0"/>
+                </a:rPr>
+              </a:br>
+              <a:r>
+                <a:rPr kumimoji="0" lang="zh-TW" altLang="zh-TW" sz="1400" b="0" i="0" u="none" strike="noStrike" cap="none" normalizeH="0" baseline="0">
+                  <a:ln>
+                    <a:noFill/>
+                  </a:ln>
+                  <a:solidFill>
+                    <a:srgbClr val="BCBEC4"/>
+                  </a:solidFill>
+                  <a:effectLst/>
+                  <a:latin typeface="+mj-lt"/>
+                  <a:cs typeface="JetBrains Mono" panose="02000009000000000000" pitchFamily="49" charset="0"/>
+                </a:rPr>
+                <a:t>                maxString = string.substring(i, i + count);</a:t>
+              </a:r>
+              <a:br>
+                <a:rPr kumimoji="0" lang="zh-TW" altLang="zh-TW" sz="1400" b="0" i="0" u="none" strike="noStrike" cap="none" normalizeH="0" baseline="0">
+                  <a:ln>
+                    <a:noFill/>
+                  </a:ln>
+                  <a:solidFill>
+                    <a:srgbClr val="BCBEC4"/>
+                  </a:solidFill>
+                  <a:effectLst/>
+                  <a:latin typeface="+mj-lt"/>
+                  <a:cs typeface="JetBrains Mono" panose="02000009000000000000" pitchFamily="49" charset="0"/>
+                </a:rPr>
+              </a:br>
+              <a:r>
+                <a:rPr kumimoji="0" lang="zh-TW" altLang="zh-TW" sz="1400" b="0" i="0" u="none" strike="noStrike" cap="none" normalizeH="0" baseline="0">
+                  <a:ln>
+                    <a:noFill/>
+                  </a:ln>
+                  <a:solidFill>
+                    <a:srgbClr val="BCBEC4"/>
+                  </a:solidFill>
+                  <a:effectLst/>
+                  <a:latin typeface="+mj-lt"/>
+                  <a:cs typeface="JetBrains Mono" panose="02000009000000000000" pitchFamily="49" charset="0"/>
+                </a:rPr>
+                <a:t>            }</a:t>
+              </a:r>
+              <a:br>
+                <a:rPr kumimoji="0" lang="zh-TW" altLang="zh-TW" sz="1400" b="0" i="0" u="none" strike="noStrike" cap="none" normalizeH="0" baseline="0">
+                  <a:ln>
+                    <a:noFill/>
+                  </a:ln>
+                  <a:solidFill>
+                    <a:srgbClr val="BCBEC4"/>
+                  </a:solidFill>
+                  <a:effectLst/>
+                  <a:latin typeface="+mj-lt"/>
+                  <a:cs typeface="JetBrains Mono" panose="02000009000000000000" pitchFamily="49" charset="0"/>
+                </a:rPr>
+              </a:br>
+              <a:r>
+                <a:rPr kumimoji="0" lang="zh-TW" altLang="zh-TW" sz="1400" b="0" i="0" u="none" strike="noStrike" cap="none" normalizeH="0" baseline="0">
+                  <a:ln>
+                    <a:noFill/>
+                  </a:ln>
+                  <a:solidFill>
+                    <a:srgbClr val="BCBEC4"/>
+                  </a:solidFill>
+                  <a:effectLst/>
+                  <a:latin typeface="+mj-lt"/>
+                  <a:cs typeface="JetBrains Mono" panose="02000009000000000000" pitchFamily="49" charset="0"/>
+                </a:rPr>
+                <a:t>        }</a:t>
+              </a:r>
+              <a:br>
+                <a:rPr kumimoji="0" lang="zh-TW" altLang="zh-TW" sz="1400" b="0" i="0" u="none" strike="noStrike" cap="none" normalizeH="0" baseline="0">
+                  <a:ln>
+                    <a:noFill/>
+                  </a:ln>
+                  <a:solidFill>
+                    <a:srgbClr val="BCBEC4"/>
+                  </a:solidFill>
+                  <a:effectLst/>
+                  <a:latin typeface="+mj-lt"/>
+                  <a:cs typeface="JetBrains Mono" panose="02000009000000000000" pitchFamily="49" charset="0"/>
+                </a:rPr>
+              </a:br>
+              <a:r>
+                <a:rPr kumimoji="0" lang="zh-TW" altLang="zh-TW" sz="1400" b="0" i="0" u="none" strike="noStrike" cap="none" normalizeH="0" baseline="0">
+                  <a:ln>
+                    <a:noFill/>
+                  </a:ln>
+                  <a:solidFill>
+                    <a:srgbClr val="BCBEC4"/>
+                  </a:solidFill>
+                  <a:effectLst/>
+                  <a:latin typeface="+mj-lt"/>
+                  <a:cs typeface="JetBrains Mono" panose="02000009000000000000" pitchFamily="49" charset="0"/>
+                </a:rPr>
+                <a:t>        System.</a:t>
+              </a:r>
+              <a:r>
+                <a:rPr kumimoji="0" lang="zh-TW" altLang="zh-TW" sz="1400" b="0" i="1" u="none" strike="noStrike" cap="none" normalizeH="0" baseline="0">
+                  <a:ln>
+                    <a:noFill/>
+                  </a:ln>
+                  <a:solidFill>
+                    <a:srgbClr val="C77DBB"/>
+                  </a:solidFill>
+                  <a:effectLst/>
+                  <a:latin typeface="+mj-lt"/>
+                  <a:cs typeface="JetBrains Mono" panose="02000009000000000000" pitchFamily="49" charset="0"/>
+                </a:rPr>
+                <a:t>out</a:t>
+              </a:r>
+              <a:r>
+                <a:rPr kumimoji="0" lang="zh-TW" altLang="zh-TW" sz="1400" b="0" i="0" u="none" strike="noStrike" cap="none" normalizeH="0" baseline="0">
+                  <a:ln>
+                    <a:noFill/>
+                  </a:ln>
+                  <a:solidFill>
+                    <a:srgbClr val="BCBEC4"/>
+                  </a:solidFill>
+                  <a:effectLst/>
+                  <a:latin typeface="+mj-lt"/>
+                  <a:cs typeface="JetBrains Mono" panose="02000009000000000000" pitchFamily="49" charset="0"/>
+                </a:rPr>
+                <a:t>.println(maxString + </a:t>
+              </a:r>
+              <a:r>
+                <a:rPr kumimoji="0" lang="zh-TW" altLang="zh-TW" sz="1400" b="0" i="0" u="none" strike="noStrike" cap="none" normalizeH="0" baseline="0">
+                  <a:ln>
+                    <a:noFill/>
+                  </a:ln>
+                  <a:solidFill>
+                    <a:srgbClr val="6AAB73"/>
+                  </a:solidFill>
+                  <a:effectLst/>
+                  <a:latin typeface="+mj-lt"/>
+                  <a:cs typeface="JetBrains Mono" panose="02000009000000000000" pitchFamily="49" charset="0"/>
+                </a:rPr>
+                <a:t>"," </a:t>
+              </a:r>
+              <a:r>
+                <a:rPr kumimoji="0" lang="zh-TW" altLang="zh-TW" sz="1400" b="0" i="0" u="none" strike="noStrike" cap="none" normalizeH="0" baseline="0">
+                  <a:ln>
+                    <a:noFill/>
+                  </a:ln>
+                  <a:solidFill>
+                    <a:srgbClr val="BCBEC4"/>
+                  </a:solidFill>
+                  <a:effectLst/>
+                  <a:latin typeface="+mj-lt"/>
+                  <a:cs typeface="JetBrains Mono" panose="02000009000000000000" pitchFamily="49" charset="0"/>
+                </a:rPr>
+                <a:t>+ max);</a:t>
+              </a:r>
+              <a:br>
+                <a:rPr kumimoji="0" lang="zh-TW" altLang="zh-TW" sz="1400" b="0" i="0" u="none" strike="noStrike" cap="none" normalizeH="0" baseline="0">
+                  <a:ln>
+                    <a:noFill/>
+                  </a:ln>
+                  <a:solidFill>
+                    <a:srgbClr val="BCBEC4"/>
+                  </a:solidFill>
+                  <a:effectLst/>
+                  <a:latin typeface="+mj-lt"/>
+                  <a:cs typeface="JetBrains Mono" panose="02000009000000000000" pitchFamily="49" charset="0"/>
+                </a:rPr>
+              </a:br>
+              <a:r>
+                <a:rPr kumimoji="0" lang="zh-TW" altLang="zh-TW" sz="1400" b="0" i="0" u="none" strike="noStrike" cap="none" normalizeH="0" baseline="0">
+                  <a:ln>
+                    <a:noFill/>
+                  </a:ln>
+                  <a:solidFill>
+                    <a:srgbClr val="BCBEC4"/>
+                  </a:solidFill>
+                  <a:effectLst/>
+                  <a:latin typeface="+mj-lt"/>
+                  <a:cs typeface="JetBrains Mono" panose="02000009000000000000" pitchFamily="49" charset="0"/>
+                </a:rPr>
+                <a:t>    }</a:t>
+              </a:r>
+              <a:br>
+                <a:rPr kumimoji="0" lang="zh-TW" altLang="zh-TW" sz="1400" b="0" i="0" u="none" strike="noStrike" cap="none" normalizeH="0" baseline="0">
+                  <a:ln>
+                    <a:noFill/>
+                  </a:ln>
+                  <a:solidFill>
+                    <a:srgbClr val="BCBEC4"/>
+                  </a:solidFill>
+                  <a:effectLst/>
+                  <a:latin typeface="+mj-lt"/>
+                  <a:cs typeface="JetBrains Mono" panose="02000009000000000000" pitchFamily="49" charset="0"/>
+                </a:rPr>
+              </a:br>
+              <a:r>
+                <a:rPr kumimoji="0" lang="zh-TW" altLang="zh-TW" sz="1400" b="0" i="0" u="none" strike="noStrike" cap="none" normalizeH="0" baseline="0">
+                  <a:ln>
+                    <a:noFill/>
+                  </a:ln>
+                  <a:solidFill>
+                    <a:srgbClr val="BCBEC4"/>
+                  </a:solidFill>
+                  <a:effectLst/>
+                  <a:latin typeface="+mj-lt"/>
+                  <a:cs typeface="JetBrains Mono" panose="02000009000000000000" pitchFamily="49" charset="0"/>
+                </a:rPr>
+                <a:t>}</a:t>
+              </a:r>
+              <a:endParaRPr kumimoji="0" lang="zh-TW" altLang="zh-TW" sz="2000" b="0" i="0" u="none" strike="noStrike" cap="none" normalizeH="0" baseline="0">
+                <a:ln>
+                  <a:noFill/>
+                </a:ln>
+                <a:solidFill>
+                  <a:schemeClr val="tx1"/>
+                </a:solidFill>
+                <a:effectLst/>
+                <a:latin typeface="+mj-lt"/>
+              </a:endParaRPr>
+            </a:p>
+          </p:txBody>
+        </p:sp>
+        <p:sp>
+          <p:nvSpPr>
+            <p:cNvPr id="9" name="文字方塊 8">
+              <a:extLst>
+                <a:ext uri="{FF2B5EF4-FFF2-40B4-BE49-F238E27FC236}">
+                  <a16:creationId xmlns:a16="http://schemas.microsoft.com/office/drawing/2014/main" id="{BAD36B0B-DD87-4749-8762-F9C3ACBE85F4}"/>
+                </a:ext>
+              </a:extLst>
+            </p:cNvPr>
+            <p:cNvSpPr txBox="1"/>
+            <p:nvPr/>
+          </p:nvSpPr>
+          <p:spPr>
+            <a:xfrm>
+              <a:off x="7388070" y="6024932"/>
+              <a:ext cx="691215" cy="369332"/>
+            </a:xfrm>
+            <a:prstGeom prst="rect">
+              <a:avLst/>
+            </a:prstGeom>
+            <a:noFill/>
+          </p:spPr>
+          <p:txBody>
+            <a:bodyPr wrap="none" rtlCol="0">
+              <a:spAutoFit/>
+            </a:bodyPr>
+            <a:lstStyle/>
+            <a:p>
+              <a:r>
+                <a:rPr lang="en-US" altLang="zh-TW">
+                  <a:solidFill>
+                    <a:schemeClr val="accent3"/>
+                  </a:solidFill>
+                </a:rPr>
+                <a:t>java</a:t>
+              </a:r>
+              <a:endParaRPr lang="zh-TW" altLang="en-US">
+                <a:solidFill>
+                  <a:schemeClr val="accent3"/>
+                </a:solidFill>
+              </a:endParaRPr>
+            </a:p>
+          </p:txBody>
+        </p:sp>
+        <p:pic>
+          <p:nvPicPr>
+            <p:cNvPr id="10" name="圖片 9">
+              <a:hlinkClick r:id="rId2"/>
+              <a:extLst>
+                <a:ext uri="{FF2B5EF4-FFF2-40B4-BE49-F238E27FC236}">
+                  <a16:creationId xmlns:a16="http://schemas.microsoft.com/office/drawing/2014/main" id="{5C8B66C7-54DC-483F-802C-46BBED270F54}"/>
+                </a:ext>
+              </a:extLst>
+            </p:cNvPr>
+            <p:cNvPicPr>
+              <a:picLocks noChangeAspect="1"/>
+            </p:cNvPicPr>
+            <p:nvPr/>
+          </p:nvPicPr>
+          <p:blipFill>
+            <a:blip r:embed="rId3">
+              <a:extLst>
+                <a:ext uri="{28A0092B-C50C-407E-A947-70E740481C1C}">
+                  <a14:useLocalDpi xmlns:a14="http://schemas.microsoft.com/office/drawing/2010/main" val="0"/>
+                </a:ext>
+              </a:extLst>
+            </a:blip>
+            <a:stretch>
+              <a:fillRect/>
+            </a:stretch>
+          </p:blipFill>
+          <p:spPr>
+            <a:xfrm>
+              <a:off x="7540385" y="1325563"/>
+              <a:ext cx="538900" cy="527184"/>
+            </a:xfrm>
+            <a:prstGeom prst="rect">
+              <a:avLst/>
+            </a:prstGeom>
+          </p:spPr>
+        </p:pic>
+      </p:grpSp>
+    </p:spTree>
+    <p:extLst>
+      <p:ext uri="{BB962C8B-B14F-4D97-AF65-F5344CB8AC3E}">
+        <p14:creationId xmlns:p14="http://schemas.microsoft.com/office/powerpoint/2010/main" val="927612326"/>
+      </p:ext>
+    </p:extLst>
+  </p:cSld>
+  <p:clrMapOvr>
+    <a:masterClrMapping/>
+  </p:clrMapOvr>
+  <p:transition spd="slow">
+    <p:push dir="u"/>
+  </p:transition>
+</p:sld>
+</file>
+
+<file path=ppt/slides/slide18.xml><?xml version="1.0" encoding="utf-8"?>
+<p:sld xmlns:a="http://schemas.openxmlformats.org/drawingml/2006/main" xmlns:r="http://schemas.openxmlformats.org/officeDocument/2006/relationships" xmlns:p="http://schemas.openxmlformats.org/presentationml/2006/main">
+  <p:cSld>
+    <p:spTree>
+      <p:nvGrpSpPr>
+        <p:cNvPr id="1" name=""/>
+        <p:cNvGrpSpPr/>
+        <p:nvPr/>
+      </p:nvGrpSpPr>
+      <p:grpSpPr>
+        <a:xfrm>
+          <a:off x="0" y="0"/>
+          <a:ext cx="0" cy="0"/>
+          <a:chOff x="0" y="0"/>
+          <a:chExt cx="0" cy="0"/>
+        </a:xfrm>
+      </p:grpSpPr>
+      <p:sp>
+        <p:nvSpPr>
+          <p:cNvPr id="2" name="標題 1">
+            <a:extLst>
+              <a:ext uri="{FF2B5EF4-FFF2-40B4-BE49-F238E27FC236}">
+                <a16:creationId xmlns:a16="http://schemas.microsoft.com/office/drawing/2014/main" id="{4843E14E-F0D5-439D-9398-E72A736DB293}"/>
+              </a:ext>
+            </a:extLst>
+          </p:cNvPr>
+          <p:cNvSpPr>
+            <a:spLocks noGrp="1"/>
+          </p:cNvSpPr>
+          <p:nvPr>
+            <p:ph type="title"/>
+          </p:nvPr>
+        </p:nvSpPr>
+        <p:spPr>
+          <a:xfrm>
+            <a:off x="838200" y="365125"/>
+            <a:ext cx="10515600" cy="1325563"/>
+          </a:xfrm>
+        </p:spPr>
+        <p:txBody>
+          <a:bodyPr/>
+          <a:lstStyle/>
+          <a:p>
+            <a:r>
+              <a:rPr lang="zh-TW" altLang="en-US"/>
+              <a:t>隨機</a:t>
+            </a:r>
+          </a:p>
+        </p:txBody>
+      </p:sp>
+      <p:sp>
+        <p:nvSpPr>
+          <p:cNvPr id="5" name="內容版面配置區 4">
+            <a:extLst>
+              <a:ext uri="{FF2B5EF4-FFF2-40B4-BE49-F238E27FC236}">
+                <a16:creationId xmlns:a16="http://schemas.microsoft.com/office/drawing/2014/main" id="{ADC1CCB5-A556-452C-8A85-16BC2C4BA086}"/>
+              </a:ext>
+            </a:extLst>
+          </p:cNvPr>
+          <p:cNvSpPr>
+            <a:spLocks noGrp="1"/>
+          </p:cNvSpPr>
+          <p:nvPr>
+            <p:ph idx="1"/>
+          </p:nvPr>
+        </p:nvSpPr>
+        <p:spPr/>
+        <p:txBody>
+          <a:bodyPr/>
+          <a:lstStyle/>
+          <a:p>
+            <a:r>
+              <a:rPr lang="zh-TW" altLang="en-US"/>
+              <a:t>在 </a:t>
+            </a:r>
+            <a:r>
+              <a:rPr lang="en-US" altLang="zh-TW"/>
+              <a:t>Java </a:t>
+            </a:r>
+            <a:r>
+              <a:rPr lang="zh-TW" altLang="en-US"/>
+              <a:t>中，可以使用 </a:t>
+            </a:r>
+            <a:r>
+              <a:rPr lang="en-US" altLang="zh-TW">
+                <a:solidFill>
+                  <a:srgbClr val="00B050"/>
+                </a:solidFill>
+              </a:rPr>
+              <a:t>java</a:t>
+            </a:r>
+            <a:r>
+              <a:rPr lang="en-US" altLang="zh-TW">
+                <a:solidFill>
+                  <a:srgbClr val="00B0F0"/>
+                </a:solidFill>
+              </a:rPr>
+              <a:t>.</a:t>
+            </a:r>
+            <a:r>
+              <a:rPr lang="en-US" altLang="zh-TW">
+                <a:solidFill>
+                  <a:srgbClr val="FFFF00"/>
+                </a:solidFill>
+              </a:rPr>
+              <a:t>util</a:t>
+            </a:r>
+            <a:r>
+              <a:rPr lang="en-US" altLang="zh-TW">
+                <a:solidFill>
+                  <a:srgbClr val="00B0F0"/>
+                </a:solidFill>
+              </a:rPr>
+              <a:t>.</a:t>
+            </a:r>
+            <a:r>
+              <a:rPr lang="en-US" altLang="zh-TW">
+                <a:solidFill>
+                  <a:srgbClr val="FFC000"/>
+                </a:solidFill>
+              </a:rPr>
+              <a:t>Random </a:t>
+            </a:r>
+            <a:r>
+              <a:rPr lang="zh-TW" altLang="en-US"/>
+              <a:t>來生成隨機數</a:t>
+            </a:r>
+            <a:endParaRPr lang="en-US" altLang="zh-TW"/>
+          </a:p>
+          <a:p>
+            <a:r>
+              <a:rPr lang="zh-TW" altLang="en-US"/>
+              <a:t>其</a:t>
+            </a:r>
+            <a:r>
+              <a:rPr lang="zh-TW" altLang="en-US">
+                <a:solidFill>
+                  <a:srgbClr val="00B0F0"/>
+                </a:solidFill>
+              </a:rPr>
+              <a:t>建構子</a:t>
+            </a:r>
+            <a:r>
+              <a:rPr lang="zh-TW" altLang="en-US"/>
+              <a:t>有 </a:t>
+            </a:r>
+            <a:r>
+              <a:rPr lang="en-US" altLang="zh-TW">
+                <a:solidFill>
+                  <a:srgbClr val="FFC000"/>
+                </a:solidFill>
+              </a:rPr>
+              <a:t>Random</a:t>
+            </a:r>
+            <a:r>
+              <a:rPr lang="en-US" altLang="zh-TW">
+                <a:solidFill>
+                  <a:srgbClr val="00B0F0"/>
+                </a:solidFill>
+              </a:rPr>
+              <a:t>()</a:t>
+            </a:r>
+            <a:r>
+              <a:rPr lang="en-US" altLang="zh-TW"/>
+              <a:t> </a:t>
+            </a:r>
+            <a:r>
+              <a:rPr lang="zh-TW" altLang="en-US"/>
+              <a:t>和 </a:t>
+            </a:r>
+            <a:r>
+              <a:rPr lang="en-US" altLang="zh-TW">
+                <a:solidFill>
+                  <a:srgbClr val="FFC000"/>
+                </a:solidFill>
+              </a:rPr>
+              <a:t>Random</a:t>
+            </a:r>
+            <a:r>
+              <a:rPr lang="en-US" altLang="zh-TW">
+                <a:solidFill>
+                  <a:srgbClr val="00B0F0"/>
+                </a:solidFill>
+              </a:rPr>
+              <a:t>(</a:t>
+            </a:r>
+            <a:r>
+              <a:rPr lang="en-US" altLang="zh-TW">
+                <a:solidFill>
+                  <a:srgbClr val="CF8E6D"/>
+                </a:solidFill>
+              </a:rPr>
+              <a:t>long</a:t>
+            </a:r>
+            <a:r>
+              <a:rPr lang="en-US" altLang="zh-TW"/>
+              <a:t> </a:t>
+            </a:r>
+            <a:r>
+              <a:rPr lang="en-US" altLang="zh-TW">
+                <a:solidFill>
+                  <a:srgbClr val="00B0F0"/>
+                </a:solidFill>
+              </a:rPr>
+              <a:t>seed)</a:t>
+            </a:r>
+            <a:r>
+              <a:rPr lang="zh-TW" altLang="en-US"/>
+              <a:t>，其</a:t>
+            </a:r>
+            <a:r>
+              <a:rPr lang="zh-TW" altLang="en-US">
+                <a:solidFill>
+                  <a:srgbClr val="00B0F0"/>
+                </a:solidFill>
+              </a:rPr>
+              <a:t>動態方法</a:t>
+            </a:r>
+            <a:r>
+              <a:rPr lang="zh-TW" altLang="en-US"/>
+              <a:t>有</a:t>
+            </a:r>
+            <a:endParaRPr lang="en-US" altLang="zh-TW"/>
+          </a:p>
+          <a:p>
+            <a:r>
+              <a:rPr lang="en-US" altLang="zh-TW">
+                <a:solidFill>
+                  <a:srgbClr val="CF8E6D"/>
+                </a:solidFill>
+              </a:rPr>
+              <a:t>xxx</a:t>
+            </a:r>
+            <a:r>
+              <a:rPr lang="en-US" altLang="zh-TW"/>
+              <a:t> </a:t>
+            </a:r>
+            <a:r>
+              <a:rPr lang="en-US" altLang="zh-TW">
+                <a:solidFill>
+                  <a:srgbClr val="92D050"/>
+                </a:solidFill>
+              </a:rPr>
+              <a:t>nextXxx</a:t>
+            </a:r>
+            <a:r>
+              <a:rPr lang="en-US" altLang="zh-TW">
+                <a:solidFill>
+                  <a:srgbClr val="00B0F0"/>
+                </a:solidFill>
+              </a:rPr>
+              <a:t>()</a:t>
+            </a:r>
+            <a:r>
+              <a:rPr lang="zh-TW" altLang="en-US"/>
+              <a:t>、</a:t>
+            </a:r>
+            <a:r>
+              <a:rPr lang="en-US" altLang="zh-TW">
+                <a:solidFill>
+                  <a:srgbClr val="CF8E6D"/>
+                </a:solidFill>
+              </a:rPr>
+              <a:t>xxx</a:t>
+            </a:r>
+            <a:r>
+              <a:rPr lang="en-US" altLang="zh-TW"/>
+              <a:t> </a:t>
+            </a:r>
+            <a:r>
+              <a:rPr lang="en-US" altLang="zh-TW">
+                <a:solidFill>
+                  <a:srgbClr val="92D050"/>
+                </a:solidFill>
+              </a:rPr>
+              <a:t>nextXxx</a:t>
+            </a:r>
+            <a:r>
+              <a:rPr lang="en-US" altLang="zh-TW">
+                <a:solidFill>
+                  <a:srgbClr val="00B0F0"/>
+                </a:solidFill>
+              </a:rPr>
+              <a:t>(</a:t>
+            </a:r>
+            <a:r>
+              <a:rPr lang="en-US" altLang="zh-TW">
+                <a:solidFill>
+                  <a:srgbClr val="CF8E6D"/>
+                </a:solidFill>
+              </a:rPr>
+              <a:t>xxx</a:t>
+            </a:r>
+            <a:r>
+              <a:rPr lang="en-US" altLang="zh-TW"/>
+              <a:t> </a:t>
+            </a:r>
+            <a:r>
+              <a:rPr lang="en-US" altLang="zh-TW">
+                <a:solidFill>
+                  <a:srgbClr val="00B0F0"/>
+                </a:solidFill>
+              </a:rPr>
+              <a:t>upperBound)</a:t>
+            </a:r>
+          </a:p>
+          <a:p>
+            <a:r>
+              <a:rPr lang="en-US" altLang="zh-TW">
+                <a:solidFill>
+                  <a:srgbClr val="CF8E6D"/>
+                </a:solidFill>
+              </a:rPr>
+              <a:t>xxx</a:t>
+            </a:r>
+            <a:r>
+              <a:rPr lang="en-US" altLang="zh-TW"/>
+              <a:t> </a:t>
+            </a:r>
+            <a:r>
+              <a:rPr lang="en-US" altLang="zh-TW">
+                <a:solidFill>
+                  <a:srgbClr val="92D050"/>
+                </a:solidFill>
+              </a:rPr>
+              <a:t>nextXxx</a:t>
+            </a:r>
+            <a:r>
+              <a:rPr lang="en-US" altLang="zh-TW">
+                <a:solidFill>
+                  <a:srgbClr val="00B0F0"/>
+                </a:solidFill>
+              </a:rPr>
+              <a:t>(</a:t>
+            </a:r>
+            <a:r>
+              <a:rPr lang="en-US" altLang="zh-TW">
+                <a:solidFill>
+                  <a:srgbClr val="CF8E6D"/>
+                </a:solidFill>
+              </a:rPr>
+              <a:t>xxx</a:t>
+            </a:r>
+            <a:r>
+              <a:rPr lang="en-US" altLang="zh-TW"/>
+              <a:t> </a:t>
+            </a:r>
+            <a:r>
+              <a:rPr lang="en-US" altLang="zh-TW">
+                <a:solidFill>
+                  <a:srgbClr val="00B0F0"/>
+                </a:solidFill>
+              </a:rPr>
+              <a:t>lowerBound, </a:t>
+            </a:r>
+            <a:r>
+              <a:rPr lang="en-US" altLang="zh-TW">
+                <a:solidFill>
+                  <a:srgbClr val="CF8E6D"/>
+                </a:solidFill>
+              </a:rPr>
+              <a:t>xxx</a:t>
+            </a:r>
+            <a:r>
+              <a:rPr lang="en-US" altLang="zh-TW"/>
+              <a:t> </a:t>
+            </a:r>
+            <a:r>
+              <a:rPr lang="en-US" altLang="zh-TW">
+                <a:solidFill>
+                  <a:srgbClr val="00B0F0"/>
+                </a:solidFill>
+              </a:rPr>
+              <a:t>upperBound)</a:t>
+            </a:r>
+          </a:p>
+          <a:p>
+            <a:r>
+              <a:rPr lang="zh-TW" altLang="en-US"/>
+              <a:t>其中 </a:t>
+            </a:r>
+            <a:r>
+              <a:rPr lang="en-US" altLang="zh-TW">
+                <a:solidFill>
+                  <a:srgbClr val="CF8E6D"/>
+                </a:solidFill>
+              </a:rPr>
+              <a:t>xxx</a:t>
+            </a:r>
+            <a:r>
+              <a:rPr lang="zh-TW" altLang="en-US"/>
+              <a:t> 為</a:t>
+            </a:r>
+            <a:r>
+              <a:rPr lang="zh-TW" altLang="en-US">
+                <a:solidFill>
+                  <a:srgbClr val="00B0F0"/>
+                </a:solidFill>
+              </a:rPr>
+              <a:t>基本資料型別</a:t>
+            </a:r>
+            <a:endParaRPr lang="en-US" altLang="zh-TW">
+              <a:solidFill>
+                <a:srgbClr val="00B0F0"/>
+              </a:solidFill>
+            </a:endParaRPr>
+          </a:p>
+          <a:p>
+            <a:r>
+              <a:rPr lang="en-US" altLang="zh-TW">
+                <a:solidFill>
+                  <a:srgbClr val="FFC000"/>
+                </a:solidFill>
+              </a:rPr>
+              <a:t>Random</a:t>
+            </a:r>
+            <a:r>
+              <a:rPr lang="zh-TW" altLang="en-US"/>
+              <a:t> 為</a:t>
+            </a:r>
+            <a:r>
+              <a:rPr lang="zh-TW" altLang="en-US">
+                <a:solidFill>
+                  <a:srgbClr val="00B0F0"/>
+                </a:solidFill>
+              </a:rPr>
+              <a:t>偽隨機</a:t>
+            </a:r>
+            <a:r>
+              <a:rPr lang="en-US" altLang="zh-TW">
+                <a:solidFill>
+                  <a:srgbClr val="00B0F0"/>
+                </a:solidFill>
+              </a:rPr>
+              <a:t>(pseudorandom)</a:t>
+            </a:r>
+            <a:r>
+              <a:rPr lang="zh-TW" altLang="en-US">
+                <a:solidFill>
+                  <a:srgbClr val="00B0F0"/>
+                </a:solidFill>
+              </a:rPr>
+              <a:t>生成器</a:t>
+            </a:r>
+            <a:endParaRPr lang="en-US" altLang="zh-TW">
+              <a:solidFill>
+                <a:srgbClr val="00B0F0"/>
+              </a:solidFill>
+            </a:endParaRPr>
+          </a:p>
+          <a:p>
+            <a:r>
+              <a:rPr lang="zh-TW" altLang="en-US"/>
+              <a:t>即 </a:t>
+            </a:r>
+            <a:r>
+              <a:rPr lang="en-US" altLang="zh-TW">
+                <a:solidFill>
+                  <a:srgbClr val="FFC000"/>
+                </a:solidFill>
+              </a:rPr>
+              <a:t>Random</a:t>
+            </a:r>
+            <a:r>
+              <a:rPr lang="en-US" altLang="zh-TW"/>
+              <a:t> </a:t>
+            </a:r>
+            <a:r>
+              <a:rPr lang="zh-TW" altLang="en-US"/>
+              <a:t>在同一</a:t>
+            </a:r>
+            <a:r>
+              <a:rPr lang="zh-TW" altLang="en-US">
+                <a:solidFill>
+                  <a:srgbClr val="00B0F0"/>
+                </a:solidFill>
+              </a:rPr>
+              <a:t>種子</a:t>
+            </a:r>
+            <a:r>
+              <a:rPr lang="en-US" altLang="zh-TW">
+                <a:solidFill>
+                  <a:srgbClr val="00B0F0"/>
+                </a:solidFill>
+              </a:rPr>
+              <a:t>(seed)</a:t>
+            </a:r>
+            <a:r>
+              <a:rPr lang="zh-TW" altLang="en-US"/>
+              <a:t>所生成的</a:t>
+            </a:r>
+            <a:r>
+              <a:rPr lang="zh-TW" altLang="en-US">
+                <a:solidFill>
+                  <a:srgbClr val="00B0F0"/>
+                </a:solidFill>
+              </a:rPr>
+              <a:t>隨機數序列</a:t>
+            </a:r>
+            <a:r>
+              <a:rPr lang="zh-TW" altLang="en-US"/>
+              <a:t>相同</a:t>
+            </a:r>
+            <a:endParaRPr lang="en-US" altLang="zh-TW"/>
+          </a:p>
+          <a:p>
+            <a:r>
+              <a:rPr lang="zh-TW" altLang="en-US">
+                <a:solidFill>
+                  <a:srgbClr val="00B0F0"/>
+                </a:solidFill>
+              </a:rPr>
+              <a:t>無參數建構子</a:t>
+            </a:r>
+            <a:r>
+              <a:rPr lang="zh-TW" altLang="en-US"/>
+              <a:t>會使用當前</a:t>
+            </a:r>
+            <a:r>
+              <a:rPr lang="zh-TW" altLang="en-US">
+                <a:solidFill>
+                  <a:srgbClr val="00B0F0"/>
+                </a:solidFill>
+              </a:rPr>
+              <a:t> </a:t>
+            </a:r>
+            <a:r>
+              <a:rPr lang="en-US" altLang="zh-TW">
+                <a:solidFill>
+                  <a:srgbClr val="00B0F0"/>
+                </a:solidFill>
+              </a:rPr>
+              <a:t>unix </a:t>
+            </a:r>
+            <a:r>
+              <a:rPr lang="zh-TW" altLang="en-US">
+                <a:solidFill>
+                  <a:srgbClr val="00B0F0"/>
+                </a:solidFill>
+              </a:rPr>
+              <a:t>時間</a:t>
+            </a:r>
+            <a:r>
+              <a:rPr lang="zh-TW" altLang="en-US"/>
+              <a:t>作為</a:t>
+            </a:r>
+            <a:r>
+              <a:rPr lang="zh-TW" altLang="en-US">
+                <a:solidFill>
+                  <a:srgbClr val="00B0F0"/>
+                </a:solidFill>
+              </a:rPr>
+              <a:t>種子</a:t>
+            </a:r>
+            <a:endParaRPr lang="en-US" altLang="zh-TW">
+              <a:solidFill>
+                <a:srgbClr val="00B0F0"/>
+              </a:solidFill>
+            </a:endParaRPr>
+          </a:p>
+        </p:txBody>
+      </p:sp>
+    </p:spTree>
+    <p:extLst>
+      <p:ext uri="{BB962C8B-B14F-4D97-AF65-F5344CB8AC3E}">
+        <p14:creationId xmlns:p14="http://schemas.microsoft.com/office/powerpoint/2010/main" val="314857464"/>
+      </p:ext>
+    </p:extLst>
+  </p:cSld>
+  <p:clrMapOvr>
+    <a:masterClrMapping/>
+  </p:clrMapOvr>
+  <p:transition spd="slow">
+    <p:push dir="u"/>
+  </p:transition>
+</p:sld>
+</file>
+
+<file path=ppt/slides/slide19.xml><?xml version="1.0" encoding="utf-8"?>
+<p:sld xmlns:a="http://schemas.openxmlformats.org/drawingml/2006/main" xmlns:r="http://schemas.openxmlformats.org/officeDocument/2006/relationships" xmlns:p="http://schemas.openxmlformats.org/presentationml/2006/main">
+  <p:cSld>
+    <p:spTree>
+      <p:nvGrpSpPr>
+        <p:cNvPr id="1" name=""/>
+        <p:cNvGrpSpPr/>
+        <p:nvPr/>
+      </p:nvGrpSpPr>
+      <p:grpSpPr>
+        <a:xfrm>
+          <a:off x="0" y="0"/>
+          <a:ext cx="0" cy="0"/>
+          <a:chOff x="0" y="0"/>
+          <a:chExt cx="0" cy="0"/>
+        </a:xfrm>
+      </p:grpSpPr>
+      <p:sp>
+        <p:nvSpPr>
+          <p:cNvPr id="2" name="標題 1">
+            <a:extLst>
+              <a:ext uri="{FF2B5EF4-FFF2-40B4-BE49-F238E27FC236}">
+                <a16:creationId xmlns:a16="http://schemas.microsoft.com/office/drawing/2014/main" id="{E89A2427-A599-49F9-8BA0-40986DB4514B}"/>
+              </a:ext>
+            </a:extLst>
+          </p:cNvPr>
+          <p:cNvSpPr>
+            <a:spLocks noGrp="1"/>
+          </p:cNvSpPr>
+          <p:nvPr>
+            <p:ph type="title"/>
+          </p:nvPr>
+        </p:nvSpPr>
+        <p:spPr>
+          <a:xfrm>
+            <a:off x="838200" y="365125"/>
+            <a:ext cx="5762376" cy="1325563"/>
+          </a:xfrm>
+        </p:spPr>
+        <p:txBody>
+          <a:bodyPr/>
+          <a:lstStyle/>
+          <a:p>
+            <a:r>
+              <a:rPr lang="zh-TW" altLang="en-US"/>
+              <a:t>隨機</a:t>
+            </a:r>
+          </a:p>
+        </p:txBody>
+      </p:sp>
+      <p:sp>
+        <p:nvSpPr>
+          <p:cNvPr id="3" name="內容版面配置區 2">
+            <a:extLst>
+              <a:ext uri="{FF2B5EF4-FFF2-40B4-BE49-F238E27FC236}">
+                <a16:creationId xmlns:a16="http://schemas.microsoft.com/office/drawing/2014/main" id="{18B5533E-437E-4C3D-BFC3-9464A1D5A04A}"/>
+              </a:ext>
+            </a:extLst>
+          </p:cNvPr>
+          <p:cNvSpPr>
+            <a:spLocks noGrp="1"/>
+          </p:cNvSpPr>
+          <p:nvPr>
+            <p:ph idx="1"/>
+          </p:nvPr>
+        </p:nvSpPr>
+        <p:spPr>
+          <a:xfrm>
+            <a:off x="838200" y="2106612"/>
+            <a:ext cx="5446372" cy="2644775"/>
+          </a:xfrm>
+        </p:spPr>
+        <p:txBody>
+          <a:bodyPr/>
+          <a:lstStyle/>
+          <a:p>
+            <a:r>
+              <a:rPr lang="en-US" altLang="zh-TW">
+                <a:solidFill>
+                  <a:srgbClr val="00B050"/>
+                </a:solidFill>
+              </a:rPr>
+              <a:t>java</a:t>
+            </a:r>
+            <a:r>
+              <a:rPr lang="en-US" altLang="zh-TW">
+                <a:solidFill>
+                  <a:srgbClr val="00B0F0"/>
+                </a:solidFill>
+              </a:rPr>
+              <a:t>.</a:t>
+            </a:r>
+            <a:r>
+              <a:rPr lang="en-US" altLang="zh-TW">
+                <a:solidFill>
+                  <a:srgbClr val="FFFF00"/>
+                </a:solidFill>
+              </a:rPr>
+              <a:t>lang</a:t>
+            </a:r>
+            <a:r>
+              <a:rPr lang="en-US" altLang="zh-TW">
+                <a:solidFill>
+                  <a:srgbClr val="00B0F0"/>
+                </a:solidFill>
+              </a:rPr>
+              <a:t>.</a:t>
+            </a:r>
+            <a:r>
+              <a:rPr lang="en-US" altLang="zh-TW">
+                <a:solidFill>
+                  <a:srgbClr val="FFC000"/>
+                </a:solidFill>
+              </a:rPr>
+              <a:t>Math</a:t>
+            </a:r>
+            <a:r>
+              <a:rPr lang="en-US" altLang="zh-TW">
+                <a:solidFill>
+                  <a:srgbClr val="00B0F0"/>
+                </a:solidFill>
+              </a:rPr>
+              <a:t> </a:t>
+            </a:r>
+            <a:r>
+              <a:rPr lang="zh-TW" altLang="en-US"/>
+              <a:t>的</a:t>
+            </a:r>
+            <a:endParaRPr lang="en-US" altLang="zh-TW"/>
+          </a:p>
+          <a:p>
+            <a:r>
+              <a:rPr lang="zh-TW" altLang="en-US">
+                <a:solidFill>
+                  <a:srgbClr val="00B0F0"/>
+                </a:solidFill>
+              </a:rPr>
+              <a:t>靜態方法</a:t>
+            </a:r>
+            <a:r>
+              <a:rPr lang="en-US" altLang="zh-TW">
+                <a:solidFill>
+                  <a:srgbClr val="00B0F0"/>
+                </a:solidFill>
+              </a:rPr>
+              <a:t> </a:t>
+            </a:r>
+            <a:r>
+              <a:rPr lang="en-US" altLang="zh-TW">
+                <a:solidFill>
+                  <a:srgbClr val="CF8E6D"/>
+                </a:solidFill>
+              </a:rPr>
+              <a:t>double</a:t>
+            </a:r>
+            <a:r>
+              <a:rPr lang="zh-TW" altLang="en-US">
+                <a:solidFill>
+                  <a:srgbClr val="00B0F0"/>
+                </a:solidFill>
+              </a:rPr>
+              <a:t> </a:t>
+            </a:r>
+            <a:r>
+              <a:rPr lang="en-US" altLang="zh-TW">
+                <a:solidFill>
+                  <a:srgbClr val="92D050"/>
+                </a:solidFill>
+              </a:rPr>
+              <a:t>random</a:t>
+            </a:r>
+            <a:r>
+              <a:rPr lang="en-US" altLang="zh-TW">
+                <a:solidFill>
+                  <a:srgbClr val="00B0F0"/>
+                </a:solidFill>
+              </a:rPr>
+              <a:t>() </a:t>
+            </a:r>
+          </a:p>
+          <a:p>
+            <a:r>
+              <a:rPr lang="zh-TW" altLang="en-US"/>
+              <a:t>則可以生成</a:t>
+            </a:r>
+            <a:endParaRPr lang="en-US" altLang="zh-TW"/>
+          </a:p>
+          <a:p>
+            <a:r>
+              <a:rPr lang="zh-TW" altLang="en-US"/>
+              <a:t>在區間</a:t>
+            </a:r>
+            <a:r>
+              <a:rPr lang="zh-TW" altLang="en-US">
+                <a:solidFill>
+                  <a:srgbClr val="00B0F0"/>
+                </a:solidFill>
+              </a:rPr>
+              <a:t> </a:t>
+            </a:r>
+            <a:r>
+              <a:rPr lang="en-US" altLang="zh-TW">
+                <a:solidFill>
+                  <a:srgbClr val="00B0F0"/>
+                </a:solidFill>
+                <a:latin typeface="Times New Roman" panose="02020603050405020304" pitchFamily="18" charset="0"/>
+                <a:cs typeface="Times New Roman" panose="02020603050405020304" pitchFamily="18" charset="0"/>
+              </a:rPr>
+              <a:t>[0, 1)</a:t>
+            </a:r>
+            <a:r>
+              <a:rPr lang="en-US" altLang="zh-TW">
+                <a:solidFill>
+                  <a:srgbClr val="00B0F0"/>
+                </a:solidFill>
+                <a:latin typeface="+mj-lt"/>
+                <a:cs typeface="Times New Roman" panose="02020603050405020304" pitchFamily="18" charset="0"/>
+              </a:rPr>
+              <a:t> </a:t>
+            </a:r>
+            <a:r>
+              <a:rPr lang="zh-TW" altLang="en-US"/>
+              <a:t>間的隨機數</a:t>
+            </a:r>
+            <a:endParaRPr lang="en-US" altLang="zh-TW"/>
+          </a:p>
+          <a:p>
+            <a:r>
+              <a:rPr lang="zh-TW" altLang="en-US"/>
+              <a:t>其內部也是使用了 </a:t>
+            </a:r>
+            <a:r>
+              <a:rPr lang="en-US" altLang="zh-TW">
+                <a:solidFill>
+                  <a:srgbClr val="FFC000"/>
+                </a:solidFill>
+              </a:rPr>
+              <a:t>Random</a:t>
+            </a:r>
+            <a:endParaRPr lang="en-US" altLang="zh-TW">
+              <a:solidFill>
+                <a:srgbClr val="00B0F0"/>
+              </a:solidFill>
+            </a:endParaRPr>
+          </a:p>
+        </p:txBody>
+      </p:sp>
+      <p:grpSp>
+        <p:nvGrpSpPr>
+          <p:cNvPr id="6" name="群組 5">
+            <a:extLst>
+              <a:ext uri="{FF2B5EF4-FFF2-40B4-BE49-F238E27FC236}">
+                <a16:creationId xmlns:a16="http://schemas.microsoft.com/office/drawing/2014/main" id="{ACAE8793-3FD4-45D8-AEFD-3A8FBB9944A2}"/>
+              </a:ext>
+            </a:extLst>
+          </p:cNvPr>
+          <p:cNvGrpSpPr/>
+          <p:nvPr/>
+        </p:nvGrpSpPr>
+        <p:grpSpPr>
+          <a:xfrm>
+            <a:off x="838200" y="5622459"/>
+            <a:ext cx="10515600" cy="923330"/>
+            <a:chOff x="-5579605" y="5903839"/>
+            <a:chExt cx="10515600" cy="923330"/>
+          </a:xfrm>
+        </p:grpSpPr>
+        <p:sp>
+          <p:nvSpPr>
+            <p:cNvPr id="7" name="Rectangle 4">
+              <a:extLst>
+                <a:ext uri="{FF2B5EF4-FFF2-40B4-BE49-F238E27FC236}">
+                  <a16:creationId xmlns:a16="http://schemas.microsoft.com/office/drawing/2014/main" id="{E3F24721-4E05-4119-A899-9F976F6A6041}"/>
+                </a:ext>
+              </a:extLst>
+            </p:cNvPr>
+            <p:cNvSpPr>
+              <a:spLocks noChangeArrowheads="1"/>
+            </p:cNvSpPr>
+            <p:nvPr/>
+          </p:nvSpPr>
+          <p:spPr bwMode="auto">
+            <a:xfrm>
+              <a:off x="-5579605" y="5903839"/>
+              <a:ext cx="10515600" cy="892552"/>
+            </a:xfrm>
+            <a:prstGeom prst="rect">
+              <a:avLst/>
+            </a:prstGeom>
+            <a:solidFill>
+              <a:srgbClr val="1E1F22"/>
+            </a:solidFill>
+            <a:ln w="9525">
+              <a:noFill/>
+              <a:miter lim="800000"/>
+              <a:headEnd/>
+              <a:tailEnd/>
+            </a:ln>
+            <a:effectLst/>
+            <a:extLst>
+              <a:ext uri="{AF507438-7753-43E0-B8FC-AC1667EBCBE1}">
+                <a14:hiddenEffects xmlns:a14="http://schemas.microsoft.com/office/drawing/2010/main">
+                  <a:effectLst>
+                    <a:outerShdw dist="35921" dir="2700000" algn="ctr" rotWithShape="0">
+                      <a:schemeClr val="bg2"/>
+                    </a:outerShdw>
+                  </a:effectLst>
+                </a14:hiddenEffects>
+              </a:ext>
+            </a:extLst>
+          </p:spPr>
+          <p:txBody>
+            <a:bodyPr vert="horz" wrap="square" lIns="91440" tIns="45720" rIns="91440" bIns="45720" numCol="1" anchor="ctr" anchorCtr="0" compatLnSpc="1">
+              <a:prstTxWarp prst="textNoShape">
+                <a:avLst/>
+              </a:prstTxWarp>
+              <a:spAutoFit/>
+            </a:bodyPr>
+            <a:lstStyle/>
+            <a:p>
+              <a:pPr marL="0" marR="0" lvl="0" indent="0" algn="l" defTabSz="914400" rtl="0" eaLnBrk="0" fontAlgn="base" latinLnBrk="0" hangingPunct="0">
+                <a:lnSpc>
+                  <a:spcPct val="100000"/>
+                </a:lnSpc>
+                <a:spcBef>
+                  <a:spcPct val="0"/>
+                </a:spcBef>
+                <a:spcAft>
+                  <a:spcPct val="0"/>
+                </a:spcAft>
+                <a:buClrTx/>
+                <a:buSzTx/>
+                <a:buFontTx/>
+                <a:buNone/>
+                <a:tabLst/>
+              </a:pPr>
+              <a:r>
+                <a:rPr lang="en-US" altLang="zh-TW" sz="1300">
+                  <a:solidFill>
+                    <a:srgbClr val="BCBEC4"/>
+                  </a:solidFill>
+                  <a:latin typeface="+mj-lt"/>
+                  <a:cs typeface="JetBrains Mono" panose="02000009000000000000" pitchFamily="49" charset="0"/>
+                </a:rPr>
+                <a:t>[0.5598715847357625, 0.450838353119576, 0.5623495846152963, 0.21469423361943507, 0.290874720158952]</a:t>
+              </a:r>
+            </a:p>
+            <a:p>
+              <a:pPr marL="0" marR="0" lvl="0" indent="0" algn="l" defTabSz="914400" rtl="0" eaLnBrk="0" fontAlgn="base" latinLnBrk="0" hangingPunct="0">
+                <a:lnSpc>
+                  <a:spcPct val="100000"/>
+                </a:lnSpc>
+                <a:spcBef>
+                  <a:spcPct val="0"/>
+                </a:spcBef>
+                <a:spcAft>
+                  <a:spcPct val="0"/>
+                </a:spcAft>
+                <a:buClrTx/>
+                <a:buSzTx/>
+                <a:buFontTx/>
+                <a:buNone/>
+                <a:tabLst/>
+              </a:pPr>
+              <a:r>
+                <a:rPr lang="en-US" altLang="zh-TW" sz="1300">
+                  <a:solidFill>
+                    <a:srgbClr val="BCBEC4"/>
+                  </a:solidFill>
+                  <a:latin typeface="+mj-lt"/>
+                  <a:cs typeface="JetBrains Mono" panose="02000009000000000000" pitchFamily="49" charset="0"/>
+                </a:rPr>
+                <a:t>[0.730967787376657, 0.24053641567148587, 0.6374174253501083, 0.5504370051176339, 0.5975452777972018]</a:t>
+              </a:r>
+            </a:p>
+            <a:p>
+              <a:pPr marL="0" marR="0" lvl="0" indent="0" algn="l" defTabSz="914400" rtl="0" eaLnBrk="0" fontAlgn="base" latinLnBrk="0" hangingPunct="0">
+                <a:lnSpc>
+                  <a:spcPct val="100000"/>
+                </a:lnSpc>
+                <a:spcBef>
+                  <a:spcPct val="0"/>
+                </a:spcBef>
+                <a:spcAft>
+                  <a:spcPct val="0"/>
+                </a:spcAft>
+                <a:buClrTx/>
+                <a:buSzTx/>
+                <a:buFontTx/>
+                <a:buNone/>
+                <a:tabLst/>
+              </a:pPr>
+              <a:r>
+                <a:rPr lang="en-US" altLang="zh-TW" sz="1300">
+                  <a:solidFill>
+                    <a:srgbClr val="BCBEC4"/>
+                  </a:solidFill>
+                  <a:latin typeface="+mj-lt"/>
+                  <a:cs typeface="JetBrains Mono" panose="02000009000000000000" pitchFamily="49" charset="0"/>
+                </a:rPr>
+                <a:t>[0.730967787376657, 0.24053641567148587, 0.6374174253501083, 0.5504370051176339, 0.5975452777972018]</a:t>
+              </a:r>
+            </a:p>
+            <a:p>
+              <a:pPr marL="0" marR="0" lvl="0" indent="0" algn="l" defTabSz="914400" rtl="0" eaLnBrk="0" fontAlgn="base" latinLnBrk="0" hangingPunct="0">
+                <a:lnSpc>
+                  <a:spcPct val="100000"/>
+                </a:lnSpc>
+                <a:spcBef>
+                  <a:spcPct val="0"/>
+                </a:spcBef>
+                <a:spcAft>
+                  <a:spcPct val="0"/>
+                </a:spcAft>
+                <a:buClrTx/>
+                <a:buSzTx/>
+                <a:buFontTx/>
+                <a:buNone/>
+                <a:tabLst/>
+              </a:pPr>
+              <a:r>
+                <a:rPr lang="en-US" altLang="zh-TW" sz="1300">
+                  <a:solidFill>
+                    <a:srgbClr val="BCBEC4"/>
+                  </a:solidFill>
+                  <a:latin typeface="+mj-lt"/>
+                  <a:cs typeface="JetBrains Mono" panose="02000009000000000000" pitchFamily="49" charset="0"/>
+                </a:rPr>
+                <a:t>[0.3564439755039498, 0.546236143641482, 0.7969334809641179, 0.4668859506985015, 0.9069712317195023]</a:t>
+              </a:r>
+            </a:p>
+          </p:txBody>
+        </p:sp>
+        <p:sp>
+          <p:nvSpPr>
+            <p:cNvPr id="8" name="文字方塊 7">
+              <a:extLst>
+                <a:ext uri="{FF2B5EF4-FFF2-40B4-BE49-F238E27FC236}">
+                  <a16:creationId xmlns:a16="http://schemas.microsoft.com/office/drawing/2014/main" id="{4526613C-FF6D-4D3A-9E14-71FB52757CDE}"/>
+                </a:ext>
+              </a:extLst>
+            </p:cNvPr>
+            <p:cNvSpPr txBox="1"/>
+            <p:nvPr/>
+          </p:nvSpPr>
+          <p:spPr>
+            <a:xfrm>
+              <a:off x="4155012" y="6519392"/>
+              <a:ext cx="780983" cy="307777"/>
+            </a:xfrm>
+            <a:prstGeom prst="rect">
+              <a:avLst/>
+            </a:prstGeom>
+            <a:noFill/>
+            <a:ln>
+              <a:noFill/>
+            </a:ln>
+          </p:spPr>
+          <p:txBody>
+            <a:bodyPr wrap="none" rtlCol="0">
+              <a:spAutoFit/>
+            </a:bodyPr>
+            <a:lstStyle/>
+            <a:p>
+              <a:r>
+                <a:rPr lang="en-US" altLang="zh-TW" sz="1400">
+                  <a:solidFill>
+                    <a:schemeClr val="accent3"/>
+                  </a:solidFill>
+                </a:rPr>
+                <a:t>output</a:t>
+              </a:r>
+              <a:endParaRPr lang="zh-TW" altLang="en-US" sz="1400">
+                <a:solidFill>
+                  <a:schemeClr val="accent3"/>
+                </a:solidFill>
+              </a:endParaRPr>
+            </a:p>
+          </p:txBody>
+        </p:sp>
+      </p:grpSp>
+      <p:grpSp>
+        <p:nvGrpSpPr>
+          <p:cNvPr id="14" name="群組 13">
+            <a:extLst>
+              <a:ext uri="{FF2B5EF4-FFF2-40B4-BE49-F238E27FC236}">
+                <a16:creationId xmlns:a16="http://schemas.microsoft.com/office/drawing/2014/main" id="{7E762F95-65F6-4040-8F35-CA0959EF28D7}"/>
+              </a:ext>
+            </a:extLst>
+          </p:cNvPr>
+          <p:cNvGrpSpPr/>
+          <p:nvPr/>
+        </p:nvGrpSpPr>
+        <p:grpSpPr>
+          <a:xfrm>
+            <a:off x="6600576" y="67598"/>
+            <a:ext cx="4753224" cy="5493812"/>
+            <a:chOff x="6600576" y="67598"/>
+            <a:chExt cx="4753224" cy="5493812"/>
+          </a:xfrm>
+        </p:grpSpPr>
+        <p:sp>
+          <p:nvSpPr>
+            <p:cNvPr id="4" name="Rectangle 1">
+              <a:extLst>
+                <a:ext uri="{FF2B5EF4-FFF2-40B4-BE49-F238E27FC236}">
+                  <a16:creationId xmlns:a16="http://schemas.microsoft.com/office/drawing/2014/main" id="{D403B1C5-E66D-4A8E-9436-6D19B0131B3B}"/>
+                </a:ext>
+              </a:extLst>
+            </p:cNvPr>
+            <p:cNvSpPr>
+              <a:spLocks noChangeArrowheads="1"/>
+            </p:cNvSpPr>
+            <p:nvPr/>
+          </p:nvSpPr>
+          <p:spPr bwMode="auto">
+            <a:xfrm>
+              <a:off x="6600576" y="67598"/>
+              <a:ext cx="4753224" cy="5493812"/>
+            </a:xfrm>
+            <a:prstGeom prst="rect">
+              <a:avLst/>
+            </a:prstGeom>
+            <a:solidFill>
+              <a:srgbClr val="1E1F22"/>
+            </a:solidFill>
+            <a:ln>
+              <a:noFill/>
+            </a:ln>
+            <a:effectLst/>
+            <a:extLst>
+              <a:ext uri="{91240B29-F687-4F45-9708-019B960494DF}">
+                <a14:hiddenLine xmlns:a14="http://schemas.microsoft.com/office/drawing/2010/main" w="9525">
+                  <a:solidFill>
+                    <a:schemeClr val="tx1"/>
+                  </a:solidFill>
+                  <a:miter lim="800000"/>
+                  <a:headEnd/>
+                  <a:tailEnd/>
+                </a14:hiddenLine>
+              </a:ext>
+              <a:ext uri="{AF507438-7753-43E0-B8FC-AC1667EBCBE1}">
+                <a14:hiddenEffects xmlns:a14="http://schemas.microsoft.com/office/drawing/2010/main">
+                  <a:effectLst>
+                    <a:outerShdw dist="35921" dir="2700000" algn="ctr" rotWithShape="0">
+                      <a:schemeClr val="bg2"/>
+                    </a:outerShdw>
+                  </a:effectLst>
+                </a14:hiddenEffects>
+              </a:ext>
+            </a:extLst>
+          </p:spPr>
+          <p:txBody>
+            <a:bodyPr vert="horz" wrap="none" lIns="91440" tIns="45720" rIns="91440" bIns="45720" numCol="1" anchor="ctr" anchorCtr="0" compatLnSpc="1">
+              <a:prstTxWarp prst="textNoShape">
+                <a:avLst/>
+              </a:prstTxWarp>
+              <a:spAutoFit/>
+            </a:bodyPr>
+            <a:lstStyle/>
+            <a:p>
+              <a:pPr marL="0" marR="0" lvl="0" indent="0" algn="l" defTabSz="914400" rtl="0" eaLnBrk="0" fontAlgn="base" latinLnBrk="0" hangingPunct="0">
+                <a:lnSpc>
+                  <a:spcPct val="100000"/>
+                </a:lnSpc>
+                <a:spcBef>
+                  <a:spcPct val="0"/>
+                </a:spcBef>
+                <a:spcAft>
+                  <a:spcPct val="0"/>
+                </a:spcAft>
+                <a:buClrTx/>
+                <a:buSzTx/>
+                <a:buFontTx/>
+                <a:buNone/>
+                <a:tabLst/>
+              </a:pPr>
+              <a:r>
+                <a:rPr kumimoji="0" lang="zh-TW" altLang="zh-TW" sz="1300" b="0" i="0" u="none" strike="noStrike" cap="none" normalizeH="0" baseline="0">
+                  <a:ln>
+                    <a:noFill/>
+                  </a:ln>
+                  <a:solidFill>
+                    <a:srgbClr val="CF8E6D"/>
+                  </a:solidFill>
+                  <a:effectLst/>
+                  <a:latin typeface="+mj-lt"/>
+                  <a:cs typeface="JetBrains Mono" panose="02000009000000000000" pitchFamily="49" charset="0"/>
+                </a:rPr>
+                <a:t>import </a:t>
+              </a:r>
+              <a:r>
+                <a:rPr kumimoji="0" lang="zh-TW" altLang="zh-TW" sz="1300" b="0" i="0" u="none" strike="noStrike" cap="none" normalizeH="0" baseline="0">
+                  <a:ln>
+                    <a:noFill/>
+                  </a:ln>
+                  <a:solidFill>
+                    <a:srgbClr val="BCBEC4"/>
+                  </a:solidFill>
+                  <a:effectLst/>
+                  <a:latin typeface="+mj-lt"/>
+                  <a:cs typeface="JetBrains Mono" panose="02000009000000000000" pitchFamily="49" charset="0"/>
+                </a:rPr>
+                <a:t>java.util.Arrays;</a:t>
+              </a:r>
+              <a:br>
+                <a:rPr kumimoji="0" lang="zh-TW" altLang="zh-TW" sz="1300" b="0" i="0" u="none" strike="noStrike" cap="none" normalizeH="0" baseline="0">
+                  <a:ln>
+                    <a:noFill/>
+                  </a:ln>
+                  <a:solidFill>
+                    <a:srgbClr val="BCBEC4"/>
+                  </a:solidFill>
+                  <a:effectLst/>
+                  <a:latin typeface="+mj-lt"/>
+                  <a:cs typeface="JetBrains Mono" panose="02000009000000000000" pitchFamily="49" charset="0"/>
+                </a:rPr>
+              </a:br>
+              <a:r>
+                <a:rPr kumimoji="0" lang="zh-TW" altLang="zh-TW" sz="1300" b="0" i="0" u="none" strike="noStrike" cap="none" normalizeH="0" baseline="0">
+                  <a:ln>
+                    <a:noFill/>
+                  </a:ln>
+                  <a:solidFill>
+                    <a:srgbClr val="CF8E6D"/>
+                  </a:solidFill>
+                  <a:effectLst/>
+                  <a:latin typeface="+mj-lt"/>
+                  <a:cs typeface="JetBrains Mono" panose="02000009000000000000" pitchFamily="49" charset="0"/>
+                </a:rPr>
+                <a:t>import </a:t>
+              </a:r>
+              <a:r>
+                <a:rPr kumimoji="0" lang="zh-TW" altLang="zh-TW" sz="1300" b="0" i="0" u="none" strike="noStrike" cap="none" normalizeH="0" baseline="0">
+                  <a:ln>
+                    <a:noFill/>
+                  </a:ln>
+                  <a:solidFill>
+                    <a:srgbClr val="BCBEC4"/>
+                  </a:solidFill>
+                  <a:effectLst/>
+                  <a:latin typeface="+mj-lt"/>
+                  <a:cs typeface="JetBrains Mono" panose="02000009000000000000" pitchFamily="49" charset="0"/>
+                </a:rPr>
+                <a:t>java.util.Random;</a:t>
+              </a:r>
+              <a:br>
+                <a:rPr kumimoji="0" lang="zh-TW" altLang="zh-TW" sz="1300" b="0" i="0" u="none" strike="noStrike" cap="none" normalizeH="0" baseline="0">
+                  <a:ln>
+                    <a:noFill/>
+                  </a:ln>
+                  <a:solidFill>
+                    <a:srgbClr val="BCBEC4"/>
+                  </a:solidFill>
+                  <a:effectLst/>
+                  <a:latin typeface="+mj-lt"/>
+                  <a:cs typeface="JetBrains Mono" panose="02000009000000000000" pitchFamily="49" charset="0"/>
+                </a:rPr>
+              </a:br>
+              <a:br>
+                <a:rPr kumimoji="0" lang="zh-TW" altLang="zh-TW" sz="1300" b="0" i="0" u="none" strike="noStrike" cap="none" normalizeH="0" baseline="0">
+                  <a:ln>
+                    <a:noFill/>
+                  </a:ln>
+                  <a:solidFill>
+                    <a:srgbClr val="BCBEC4"/>
+                  </a:solidFill>
+                  <a:effectLst/>
+                  <a:latin typeface="+mj-lt"/>
+                  <a:cs typeface="JetBrains Mono" panose="02000009000000000000" pitchFamily="49" charset="0"/>
+                </a:rPr>
+              </a:br>
+              <a:r>
+                <a:rPr kumimoji="0" lang="zh-TW" altLang="zh-TW" sz="1300" b="0" i="0" u="none" strike="noStrike" cap="none" normalizeH="0" baseline="0">
+                  <a:ln>
+                    <a:noFill/>
+                  </a:ln>
+                  <a:solidFill>
+                    <a:srgbClr val="CF8E6D"/>
+                  </a:solidFill>
+                  <a:effectLst/>
+                  <a:latin typeface="+mj-lt"/>
+                  <a:cs typeface="JetBrains Mono" panose="02000009000000000000" pitchFamily="49" charset="0"/>
+                </a:rPr>
+                <a:t>public class </a:t>
+              </a:r>
+              <a:r>
+                <a:rPr kumimoji="0" lang="zh-TW" altLang="zh-TW" sz="1300" b="0" i="0" u="none" strike="noStrike" cap="none" normalizeH="0" baseline="0">
+                  <a:ln>
+                    <a:noFill/>
+                  </a:ln>
+                  <a:solidFill>
+                    <a:srgbClr val="BCBEC4"/>
+                  </a:solidFill>
+                  <a:effectLst/>
+                  <a:latin typeface="+mj-lt"/>
+                  <a:cs typeface="JetBrains Mono" panose="02000009000000000000" pitchFamily="49" charset="0"/>
+                </a:rPr>
+                <a:t>Main1 {</a:t>
+              </a:r>
+              <a:br>
+                <a:rPr kumimoji="0" lang="zh-TW" altLang="zh-TW" sz="1300" b="0" i="0" u="none" strike="noStrike" cap="none" normalizeH="0" baseline="0">
+                  <a:ln>
+                    <a:noFill/>
+                  </a:ln>
+                  <a:solidFill>
+                    <a:srgbClr val="BCBEC4"/>
+                  </a:solidFill>
+                  <a:effectLst/>
+                  <a:latin typeface="+mj-lt"/>
+                  <a:cs typeface="JetBrains Mono" panose="02000009000000000000" pitchFamily="49" charset="0"/>
+                </a:rPr>
+              </a:br>
+              <a:r>
+                <a:rPr kumimoji="0" lang="zh-TW" altLang="zh-TW" sz="1300" b="0" i="0" u="none" strike="noStrike" cap="none" normalizeH="0" baseline="0">
+                  <a:ln>
+                    <a:noFill/>
+                  </a:ln>
+                  <a:solidFill>
+                    <a:srgbClr val="BCBEC4"/>
+                  </a:solidFill>
+                  <a:effectLst/>
+                  <a:latin typeface="+mj-lt"/>
+                  <a:cs typeface="JetBrains Mono" panose="02000009000000000000" pitchFamily="49" charset="0"/>
+                </a:rPr>
+                <a:t>    </a:t>
+              </a:r>
+              <a:r>
+                <a:rPr kumimoji="0" lang="zh-TW" altLang="zh-TW" sz="1300" b="0" i="0" u="none" strike="noStrike" cap="none" normalizeH="0" baseline="0">
+                  <a:ln>
+                    <a:noFill/>
+                  </a:ln>
+                  <a:solidFill>
+                    <a:srgbClr val="CF8E6D"/>
+                  </a:solidFill>
+                  <a:effectLst/>
+                  <a:latin typeface="+mj-lt"/>
+                  <a:cs typeface="JetBrains Mono" panose="02000009000000000000" pitchFamily="49" charset="0"/>
+                </a:rPr>
+                <a:t>public static void </a:t>
+              </a:r>
+              <a:r>
+                <a:rPr kumimoji="0" lang="zh-TW" altLang="zh-TW" sz="1300" b="0" i="0" u="none" strike="noStrike" cap="none" normalizeH="0" baseline="0">
+                  <a:ln>
+                    <a:noFill/>
+                  </a:ln>
+                  <a:solidFill>
+                    <a:srgbClr val="56A8F5"/>
+                  </a:solidFill>
+                  <a:effectLst/>
+                  <a:latin typeface="+mj-lt"/>
+                  <a:cs typeface="JetBrains Mono" panose="02000009000000000000" pitchFamily="49" charset="0"/>
+                </a:rPr>
+                <a:t>main</a:t>
+              </a:r>
+              <a:r>
+                <a:rPr kumimoji="0" lang="zh-TW" altLang="zh-TW" sz="1300" b="0" i="0" u="none" strike="noStrike" cap="none" normalizeH="0" baseline="0">
+                  <a:ln>
+                    <a:noFill/>
+                  </a:ln>
+                  <a:solidFill>
+                    <a:srgbClr val="BCBEC4"/>
+                  </a:solidFill>
+                  <a:effectLst/>
+                  <a:latin typeface="+mj-lt"/>
+                  <a:cs typeface="JetBrains Mono" panose="02000009000000000000" pitchFamily="49" charset="0"/>
+                </a:rPr>
+                <a:t>(String[] args) {</a:t>
+              </a:r>
+              <a:br>
+                <a:rPr kumimoji="0" lang="zh-TW" altLang="zh-TW" sz="1300" b="0" i="0" u="none" strike="noStrike" cap="none" normalizeH="0" baseline="0">
+                  <a:ln>
+                    <a:noFill/>
+                  </a:ln>
+                  <a:solidFill>
+                    <a:srgbClr val="BCBEC4"/>
+                  </a:solidFill>
+                  <a:effectLst/>
+                  <a:latin typeface="+mj-lt"/>
+                  <a:cs typeface="JetBrains Mono" panose="02000009000000000000" pitchFamily="49" charset="0"/>
+                </a:rPr>
+              </a:br>
+              <a:r>
+                <a:rPr kumimoji="0" lang="zh-TW" altLang="zh-TW" sz="1300" b="0" i="0" u="none" strike="noStrike" cap="none" normalizeH="0" baseline="0">
+                  <a:ln>
+                    <a:noFill/>
+                  </a:ln>
+                  <a:solidFill>
+                    <a:srgbClr val="BCBEC4"/>
+                  </a:solidFill>
+                  <a:effectLst/>
+                  <a:latin typeface="+mj-lt"/>
+                  <a:cs typeface="JetBrains Mono" panose="02000009000000000000" pitchFamily="49" charset="0"/>
+                </a:rPr>
+                <a:t>        </a:t>
+              </a:r>
+              <a:r>
+                <a:rPr kumimoji="0" lang="zh-TW" altLang="zh-TW" sz="1300" b="0" i="0" u="none" strike="noStrike" cap="none" normalizeH="0" baseline="0">
+                  <a:ln>
+                    <a:noFill/>
+                  </a:ln>
+                  <a:solidFill>
+                    <a:srgbClr val="CF8E6D"/>
+                  </a:solidFill>
+                  <a:effectLst/>
+                  <a:latin typeface="+mj-lt"/>
+                  <a:cs typeface="JetBrains Mono" panose="02000009000000000000" pitchFamily="49" charset="0"/>
+                </a:rPr>
+                <a:t>double</a:t>
+              </a:r>
+              <a:r>
+                <a:rPr kumimoji="0" lang="zh-TW" altLang="zh-TW" sz="1300" b="0" i="0" u="none" strike="noStrike" cap="none" normalizeH="0" baseline="0">
+                  <a:ln>
+                    <a:noFill/>
+                  </a:ln>
+                  <a:solidFill>
+                    <a:srgbClr val="BCBEC4"/>
+                  </a:solidFill>
+                  <a:effectLst/>
+                  <a:latin typeface="+mj-lt"/>
+                  <a:cs typeface="JetBrains Mono" panose="02000009000000000000" pitchFamily="49" charset="0"/>
+                </a:rPr>
+                <a:t>[] arr1 = </a:t>
+              </a:r>
+              <a:r>
+                <a:rPr kumimoji="0" lang="zh-TW" altLang="zh-TW" sz="1300" b="0" i="0" u="none" strike="noStrike" cap="none" normalizeH="0" baseline="0">
+                  <a:ln>
+                    <a:noFill/>
+                  </a:ln>
+                  <a:solidFill>
+                    <a:srgbClr val="CF8E6D"/>
+                  </a:solidFill>
+                  <a:effectLst/>
+                  <a:latin typeface="+mj-lt"/>
+                  <a:cs typeface="JetBrains Mono" panose="02000009000000000000" pitchFamily="49" charset="0"/>
+                </a:rPr>
+                <a:t>new double</a:t>
+              </a:r>
+              <a:r>
+                <a:rPr kumimoji="0" lang="zh-TW" altLang="zh-TW" sz="1300" b="0" i="0" u="none" strike="noStrike" cap="none" normalizeH="0" baseline="0">
+                  <a:ln>
+                    <a:noFill/>
+                  </a:ln>
+                  <a:solidFill>
+                    <a:srgbClr val="BCBEC4"/>
+                  </a:solidFill>
+                  <a:effectLst/>
+                  <a:latin typeface="+mj-lt"/>
+                  <a:cs typeface="JetBrains Mono" panose="02000009000000000000" pitchFamily="49" charset="0"/>
+                </a:rPr>
+                <a:t>[</a:t>
+              </a:r>
+              <a:r>
+                <a:rPr kumimoji="0" lang="zh-TW" altLang="zh-TW" sz="1300" b="0" i="0" u="none" strike="noStrike" cap="none" normalizeH="0" baseline="0">
+                  <a:ln>
+                    <a:noFill/>
+                  </a:ln>
+                  <a:solidFill>
+                    <a:srgbClr val="2AACB8"/>
+                  </a:solidFill>
+                  <a:effectLst/>
+                  <a:latin typeface="+mj-lt"/>
+                  <a:cs typeface="JetBrains Mono" panose="02000009000000000000" pitchFamily="49" charset="0"/>
+                </a:rPr>
+                <a:t>5</a:t>
+              </a:r>
+              <a:r>
+                <a:rPr kumimoji="0" lang="zh-TW" altLang="zh-TW" sz="1300" b="0" i="0" u="none" strike="noStrike" cap="none" normalizeH="0" baseline="0">
+                  <a:ln>
+                    <a:noFill/>
+                  </a:ln>
+                  <a:solidFill>
+                    <a:srgbClr val="BCBEC4"/>
+                  </a:solidFill>
+                  <a:effectLst/>
+                  <a:latin typeface="+mj-lt"/>
+                  <a:cs typeface="JetBrains Mono" panose="02000009000000000000" pitchFamily="49" charset="0"/>
+                </a:rPr>
+                <a:t>];</a:t>
+              </a:r>
+              <a:br>
+                <a:rPr kumimoji="0" lang="zh-TW" altLang="zh-TW" sz="1300" b="0" i="0" u="none" strike="noStrike" cap="none" normalizeH="0" baseline="0">
+                  <a:ln>
+                    <a:noFill/>
+                  </a:ln>
+                  <a:solidFill>
+                    <a:srgbClr val="BCBEC4"/>
+                  </a:solidFill>
+                  <a:effectLst/>
+                  <a:latin typeface="+mj-lt"/>
+                  <a:cs typeface="JetBrains Mono" panose="02000009000000000000" pitchFamily="49" charset="0"/>
+                </a:rPr>
+              </a:br>
+              <a:r>
+                <a:rPr kumimoji="0" lang="zh-TW" altLang="zh-TW" sz="1300" b="0" i="0" u="none" strike="noStrike" cap="none" normalizeH="0" baseline="0">
+                  <a:ln>
+                    <a:noFill/>
+                  </a:ln>
+                  <a:solidFill>
+                    <a:srgbClr val="BCBEC4"/>
+                  </a:solidFill>
+                  <a:effectLst/>
+                  <a:latin typeface="+mj-lt"/>
+                  <a:cs typeface="JetBrains Mono" panose="02000009000000000000" pitchFamily="49" charset="0"/>
+                </a:rPr>
+                <a:t>        </a:t>
+              </a:r>
+              <a:r>
+                <a:rPr kumimoji="0" lang="zh-TW" altLang="zh-TW" sz="1300" b="0" i="0" u="none" strike="noStrike" cap="none" normalizeH="0" baseline="0">
+                  <a:ln>
+                    <a:noFill/>
+                  </a:ln>
+                  <a:solidFill>
+                    <a:srgbClr val="CF8E6D"/>
+                  </a:solidFill>
+                  <a:effectLst/>
+                  <a:latin typeface="+mj-lt"/>
+                  <a:cs typeface="JetBrains Mono" panose="02000009000000000000" pitchFamily="49" charset="0"/>
+                </a:rPr>
+                <a:t>double</a:t>
+              </a:r>
+              <a:r>
+                <a:rPr kumimoji="0" lang="zh-TW" altLang="zh-TW" sz="1300" b="0" i="0" u="none" strike="noStrike" cap="none" normalizeH="0" baseline="0">
+                  <a:ln>
+                    <a:noFill/>
+                  </a:ln>
+                  <a:solidFill>
+                    <a:srgbClr val="BCBEC4"/>
+                  </a:solidFill>
+                  <a:effectLst/>
+                  <a:latin typeface="+mj-lt"/>
+                  <a:cs typeface="JetBrains Mono" panose="02000009000000000000" pitchFamily="49" charset="0"/>
+                </a:rPr>
+                <a:t>[] arr2 = </a:t>
+              </a:r>
+              <a:r>
+                <a:rPr kumimoji="0" lang="zh-TW" altLang="zh-TW" sz="1300" b="0" i="0" u="none" strike="noStrike" cap="none" normalizeH="0" baseline="0">
+                  <a:ln>
+                    <a:noFill/>
+                  </a:ln>
+                  <a:solidFill>
+                    <a:srgbClr val="CF8E6D"/>
+                  </a:solidFill>
+                  <a:effectLst/>
+                  <a:latin typeface="+mj-lt"/>
+                  <a:cs typeface="JetBrains Mono" panose="02000009000000000000" pitchFamily="49" charset="0"/>
+                </a:rPr>
+                <a:t>new double</a:t>
+              </a:r>
+              <a:r>
+                <a:rPr kumimoji="0" lang="zh-TW" altLang="zh-TW" sz="1300" b="0" i="0" u="none" strike="noStrike" cap="none" normalizeH="0" baseline="0">
+                  <a:ln>
+                    <a:noFill/>
+                  </a:ln>
+                  <a:solidFill>
+                    <a:srgbClr val="BCBEC4"/>
+                  </a:solidFill>
+                  <a:effectLst/>
+                  <a:latin typeface="+mj-lt"/>
+                  <a:cs typeface="JetBrains Mono" panose="02000009000000000000" pitchFamily="49" charset="0"/>
+                </a:rPr>
+                <a:t>[</a:t>
+              </a:r>
+              <a:r>
+                <a:rPr kumimoji="0" lang="zh-TW" altLang="zh-TW" sz="1300" b="0" i="0" u="none" strike="noStrike" cap="none" normalizeH="0" baseline="0">
+                  <a:ln>
+                    <a:noFill/>
+                  </a:ln>
+                  <a:solidFill>
+                    <a:srgbClr val="2AACB8"/>
+                  </a:solidFill>
+                  <a:effectLst/>
+                  <a:latin typeface="+mj-lt"/>
+                  <a:cs typeface="JetBrains Mono" panose="02000009000000000000" pitchFamily="49" charset="0"/>
+                </a:rPr>
+                <a:t>5</a:t>
+              </a:r>
+              <a:r>
+                <a:rPr kumimoji="0" lang="zh-TW" altLang="zh-TW" sz="1300" b="0" i="0" u="none" strike="noStrike" cap="none" normalizeH="0" baseline="0">
+                  <a:ln>
+                    <a:noFill/>
+                  </a:ln>
+                  <a:solidFill>
+                    <a:srgbClr val="BCBEC4"/>
+                  </a:solidFill>
+                  <a:effectLst/>
+                  <a:latin typeface="+mj-lt"/>
+                  <a:cs typeface="JetBrains Mono" panose="02000009000000000000" pitchFamily="49" charset="0"/>
+                </a:rPr>
+                <a:t>];</a:t>
+              </a:r>
+              <a:br>
+                <a:rPr kumimoji="0" lang="zh-TW" altLang="zh-TW" sz="1300" b="0" i="0" u="none" strike="noStrike" cap="none" normalizeH="0" baseline="0">
+                  <a:ln>
+                    <a:noFill/>
+                  </a:ln>
+                  <a:solidFill>
+                    <a:srgbClr val="BCBEC4"/>
+                  </a:solidFill>
+                  <a:effectLst/>
+                  <a:latin typeface="+mj-lt"/>
+                  <a:cs typeface="JetBrains Mono" panose="02000009000000000000" pitchFamily="49" charset="0"/>
+                </a:rPr>
+              </a:br>
+              <a:r>
+                <a:rPr kumimoji="0" lang="zh-TW" altLang="zh-TW" sz="1300" b="0" i="0" u="none" strike="noStrike" cap="none" normalizeH="0" baseline="0">
+                  <a:ln>
+                    <a:noFill/>
+                  </a:ln>
+                  <a:solidFill>
+                    <a:srgbClr val="BCBEC4"/>
+                  </a:solidFill>
+                  <a:effectLst/>
+                  <a:latin typeface="+mj-lt"/>
+                  <a:cs typeface="JetBrains Mono" panose="02000009000000000000" pitchFamily="49" charset="0"/>
+                </a:rPr>
+                <a:t>        </a:t>
+              </a:r>
+              <a:r>
+                <a:rPr kumimoji="0" lang="zh-TW" altLang="zh-TW" sz="1300" b="0" i="0" u="none" strike="noStrike" cap="none" normalizeH="0" baseline="0">
+                  <a:ln>
+                    <a:noFill/>
+                  </a:ln>
+                  <a:solidFill>
+                    <a:srgbClr val="CF8E6D"/>
+                  </a:solidFill>
+                  <a:effectLst/>
+                  <a:latin typeface="+mj-lt"/>
+                  <a:cs typeface="JetBrains Mono" panose="02000009000000000000" pitchFamily="49" charset="0"/>
+                </a:rPr>
+                <a:t>double</a:t>
+              </a:r>
+              <a:r>
+                <a:rPr kumimoji="0" lang="zh-TW" altLang="zh-TW" sz="1300" b="0" i="0" u="none" strike="noStrike" cap="none" normalizeH="0" baseline="0">
+                  <a:ln>
+                    <a:noFill/>
+                  </a:ln>
+                  <a:solidFill>
+                    <a:srgbClr val="BCBEC4"/>
+                  </a:solidFill>
+                  <a:effectLst/>
+                  <a:latin typeface="+mj-lt"/>
+                  <a:cs typeface="JetBrains Mono" panose="02000009000000000000" pitchFamily="49" charset="0"/>
+                </a:rPr>
+                <a:t>[] arr3 = </a:t>
+              </a:r>
+              <a:r>
+                <a:rPr kumimoji="0" lang="zh-TW" altLang="zh-TW" sz="1300" b="0" i="0" u="none" strike="noStrike" cap="none" normalizeH="0" baseline="0">
+                  <a:ln>
+                    <a:noFill/>
+                  </a:ln>
+                  <a:solidFill>
+                    <a:srgbClr val="CF8E6D"/>
+                  </a:solidFill>
+                  <a:effectLst/>
+                  <a:latin typeface="+mj-lt"/>
+                  <a:cs typeface="JetBrains Mono" panose="02000009000000000000" pitchFamily="49" charset="0"/>
+                </a:rPr>
+                <a:t>new double</a:t>
+              </a:r>
+              <a:r>
+                <a:rPr kumimoji="0" lang="zh-TW" altLang="zh-TW" sz="1300" b="0" i="0" u="none" strike="noStrike" cap="none" normalizeH="0" baseline="0">
+                  <a:ln>
+                    <a:noFill/>
+                  </a:ln>
+                  <a:solidFill>
+                    <a:srgbClr val="BCBEC4"/>
+                  </a:solidFill>
+                  <a:effectLst/>
+                  <a:latin typeface="+mj-lt"/>
+                  <a:cs typeface="JetBrains Mono" panose="02000009000000000000" pitchFamily="49" charset="0"/>
+                </a:rPr>
+                <a:t>[</a:t>
+              </a:r>
+              <a:r>
+                <a:rPr kumimoji="0" lang="zh-TW" altLang="zh-TW" sz="1300" b="0" i="0" u="none" strike="noStrike" cap="none" normalizeH="0" baseline="0">
+                  <a:ln>
+                    <a:noFill/>
+                  </a:ln>
+                  <a:solidFill>
+                    <a:srgbClr val="2AACB8"/>
+                  </a:solidFill>
+                  <a:effectLst/>
+                  <a:latin typeface="+mj-lt"/>
+                  <a:cs typeface="JetBrains Mono" panose="02000009000000000000" pitchFamily="49" charset="0"/>
+                </a:rPr>
+                <a:t>5</a:t>
+              </a:r>
+              <a:r>
+                <a:rPr kumimoji="0" lang="zh-TW" altLang="zh-TW" sz="1300" b="0" i="0" u="none" strike="noStrike" cap="none" normalizeH="0" baseline="0">
+                  <a:ln>
+                    <a:noFill/>
+                  </a:ln>
+                  <a:solidFill>
+                    <a:srgbClr val="BCBEC4"/>
+                  </a:solidFill>
+                  <a:effectLst/>
+                  <a:latin typeface="+mj-lt"/>
+                  <a:cs typeface="JetBrains Mono" panose="02000009000000000000" pitchFamily="49" charset="0"/>
+                </a:rPr>
+                <a:t>];</a:t>
+              </a:r>
+              <a:br>
+                <a:rPr kumimoji="0" lang="zh-TW" altLang="zh-TW" sz="1300" b="0" i="0" u="none" strike="noStrike" cap="none" normalizeH="0" baseline="0">
+                  <a:ln>
+                    <a:noFill/>
+                  </a:ln>
+                  <a:solidFill>
+                    <a:srgbClr val="BCBEC4"/>
+                  </a:solidFill>
+                  <a:effectLst/>
+                  <a:latin typeface="+mj-lt"/>
+                  <a:cs typeface="JetBrains Mono" panose="02000009000000000000" pitchFamily="49" charset="0"/>
+                </a:rPr>
+              </a:br>
+              <a:r>
+                <a:rPr kumimoji="0" lang="zh-TW" altLang="zh-TW" sz="1300" b="0" i="0" u="none" strike="noStrike" cap="none" normalizeH="0" baseline="0">
+                  <a:ln>
+                    <a:noFill/>
+                  </a:ln>
+                  <a:solidFill>
+                    <a:srgbClr val="BCBEC4"/>
+                  </a:solidFill>
+                  <a:effectLst/>
+                  <a:latin typeface="+mj-lt"/>
+                  <a:cs typeface="JetBrains Mono" panose="02000009000000000000" pitchFamily="49" charset="0"/>
+                </a:rPr>
+                <a:t>        </a:t>
+              </a:r>
+              <a:r>
+                <a:rPr kumimoji="0" lang="zh-TW" altLang="zh-TW" sz="1300" b="0" i="0" u="none" strike="noStrike" cap="none" normalizeH="0" baseline="0">
+                  <a:ln>
+                    <a:noFill/>
+                  </a:ln>
+                  <a:solidFill>
+                    <a:srgbClr val="CF8E6D"/>
+                  </a:solidFill>
+                  <a:effectLst/>
+                  <a:latin typeface="+mj-lt"/>
+                  <a:cs typeface="JetBrains Mono" panose="02000009000000000000" pitchFamily="49" charset="0"/>
+                </a:rPr>
+                <a:t>double</a:t>
+              </a:r>
+              <a:r>
+                <a:rPr kumimoji="0" lang="zh-TW" altLang="zh-TW" sz="1300" b="0" i="0" u="none" strike="noStrike" cap="none" normalizeH="0" baseline="0">
+                  <a:ln>
+                    <a:noFill/>
+                  </a:ln>
+                  <a:solidFill>
+                    <a:srgbClr val="BCBEC4"/>
+                  </a:solidFill>
+                  <a:effectLst/>
+                  <a:latin typeface="+mj-lt"/>
+                  <a:cs typeface="JetBrains Mono" panose="02000009000000000000" pitchFamily="49" charset="0"/>
+                </a:rPr>
+                <a:t>[] arr4 = </a:t>
+              </a:r>
+              <a:r>
+                <a:rPr kumimoji="0" lang="zh-TW" altLang="zh-TW" sz="1300" b="0" i="0" u="none" strike="noStrike" cap="none" normalizeH="0" baseline="0">
+                  <a:ln>
+                    <a:noFill/>
+                  </a:ln>
+                  <a:solidFill>
+                    <a:srgbClr val="CF8E6D"/>
+                  </a:solidFill>
+                  <a:effectLst/>
+                  <a:latin typeface="+mj-lt"/>
+                  <a:cs typeface="JetBrains Mono" panose="02000009000000000000" pitchFamily="49" charset="0"/>
+                </a:rPr>
+                <a:t>new double</a:t>
+              </a:r>
+              <a:r>
+                <a:rPr kumimoji="0" lang="zh-TW" altLang="zh-TW" sz="1300" b="0" i="0" u="none" strike="noStrike" cap="none" normalizeH="0" baseline="0">
+                  <a:ln>
+                    <a:noFill/>
+                  </a:ln>
+                  <a:solidFill>
+                    <a:srgbClr val="BCBEC4"/>
+                  </a:solidFill>
+                  <a:effectLst/>
+                  <a:latin typeface="+mj-lt"/>
+                  <a:cs typeface="JetBrains Mono" panose="02000009000000000000" pitchFamily="49" charset="0"/>
+                </a:rPr>
+                <a:t>[</a:t>
+              </a:r>
+              <a:r>
+                <a:rPr kumimoji="0" lang="zh-TW" altLang="zh-TW" sz="1300" b="0" i="0" u="none" strike="noStrike" cap="none" normalizeH="0" baseline="0">
+                  <a:ln>
+                    <a:noFill/>
+                  </a:ln>
+                  <a:solidFill>
+                    <a:srgbClr val="2AACB8"/>
+                  </a:solidFill>
+                  <a:effectLst/>
+                  <a:latin typeface="+mj-lt"/>
+                  <a:cs typeface="JetBrains Mono" panose="02000009000000000000" pitchFamily="49" charset="0"/>
+                </a:rPr>
+                <a:t>5</a:t>
+              </a:r>
+              <a:r>
+                <a:rPr kumimoji="0" lang="zh-TW" altLang="zh-TW" sz="1300" b="0" i="0" u="none" strike="noStrike" cap="none" normalizeH="0" baseline="0">
+                  <a:ln>
+                    <a:noFill/>
+                  </a:ln>
+                  <a:solidFill>
+                    <a:srgbClr val="BCBEC4"/>
+                  </a:solidFill>
+                  <a:effectLst/>
+                  <a:latin typeface="+mj-lt"/>
+                  <a:cs typeface="JetBrains Mono" panose="02000009000000000000" pitchFamily="49" charset="0"/>
+                </a:rPr>
+                <a:t>];</a:t>
+              </a:r>
+              <a:br>
+                <a:rPr kumimoji="0" lang="zh-TW" altLang="zh-TW" sz="1300" b="0" i="0" u="none" strike="noStrike" cap="none" normalizeH="0" baseline="0">
+                  <a:ln>
+                    <a:noFill/>
+                  </a:ln>
+                  <a:solidFill>
+                    <a:srgbClr val="BCBEC4"/>
+                  </a:solidFill>
+                  <a:effectLst/>
+                  <a:latin typeface="+mj-lt"/>
+                  <a:cs typeface="JetBrains Mono" panose="02000009000000000000" pitchFamily="49" charset="0"/>
+                </a:rPr>
+              </a:br>
+              <a:br>
+                <a:rPr kumimoji="0" lang="zh-TW" altLang="zh-TW" sz="1300" b="0" i="0" u="none" strike="noStrike" cap="none" normalizeH="0" baseline="0">
+                  <a:ln>
+                    <a:noFill/>
+                  </a:ln>
+                  <a:solidFill>
+                    <a:srgbClr val="BCBEC4"/>
+                  </a:solidFill>
+                  <a:effectLst/>
+                  <a:latin typeface="+mj-lt"/>
+                  <a:cs typeface="JetBrains Mono" panose="02000009000000000000" pitchFamily="49" charset="0"/>
+                </a:rPr>
+              </a:br>
+              <a:r>
+                <a:rPr kumimoji="0" lang="zh-TW" altLang="zh-TW" sz="1300" b="0" i="0" u="none" strike="noStrike" cap="none" normalizeH="0" baseline="0">
+                  <a:ln>
+                    <a:noFill/>
+                  </a:ln>
+                  <a:solidFill>
+                    <a:srgbClr val="BCBEC4"/>
+                  </a:solidFill>
+                  <a:effectLst/>
+                  <a:latin typeface="+mj-lt"/>
+                  <a:cs typeface="JetBrains Mono" panose="02000009000000000000" pitchFamily="49" charset="0"/>
+                </a:rPr>
+                <a:t>        Random random1 = </a:t>
+              </a:r>
+              <a:r>
+                <a:rPr kumimoji="0" lang="zh-TW" altLang="zh-TW" sz="1300" b="0" i="0" u="none" strike="noStrike" cap="none" normalizeH="0" baseline="0">
+                  <a:ln>
+                    <a:noFill/>
+                  </a:ln>
+                  <a:solidFill>
+                    <a:srgbClr val="CF8E6D"/>
+                  </a:solidFill>
+                  <a:effectLst/>
+                  <a:latin typeface="+mj-lt"/>
+                  <a:cs typeface="JetBrains Mono" panose="02000009000000000000" pitchFamily="49" charset="0"/>
+                </a:rPr>
+                <a:t>new </a:t>
+              </a:r>
+              <a:r>
+                <a:rPr kumimoji="0" lang="zh-TW" altLang="zh-TW" sz="1300" b="0" i="0" u="none" strike="noStrike" cap="none" normalizeH="0" baseline="0">
+                  <a:ln>
+                    <a:noFill/>
+                  </a:ln>
+                  <a:solidFill>
+                    <a:srgbClr val="BCBEC4"/>
+                  </a:solidFill>
+                  <a:effectLst/>
+                  <a:latin typeface="+mj-lt"/>
+                  <a:cs typeface="JetBrains Mono" panose="02000009000000000000" pitchFamily="49" charset="0"/>
+                </a:rPr>
+                <a:t>Random();</a:t>
+              </a:r>
+              <a:br>
+                <a:rPr kumimoji="0" lang="zh-TW" altLang="zh-TW" sz="1300" b="0" i="0" u="none" strike="noStrike" cap="none" normalizeH="0" baseline="0">
+                  <a:ln>
+                    <a:noFill/>
+                  </a:ln>
+                  <a:solidFill>
+                    <a:srgbClr val="BCBEC4"/>
+                  </a:solidFill>
+                  <a:effectLst/>
+                  <a:latin typeface="+mj-lt"/>
+                  <a:cs typeface="JetBrains Mono" panose="02000009000000000000" pitchFamily="49" charset="0"/>
+                </a:rPr>
+              </a:br>
+              <a:r>
+                <a:rPr kumimoji="0" lang="zh-TW" altLang="zh-TW" sz="1300" b="0" i="0" u="none" strike="noStrike" cap="none" normalizeH="0" baseline="0">
+                  <a:ln>
+                    <a:noFill/>
+                  </a:ln>
+                  <a:solidFill>
+                    <a:srgbClr val="BCBEC4"/>
+                  </a:solidFill>
+                  <a:effectLst/>
+                  <a:latin typeface="+mj-lt"/>
+                  <a:cs typeface="JetBrains Mono" panose="02000009000000000000" pitchFamily="49" charset="0"/>
+                </a:rPr>
+                <a:t>        Random random2 = </a:t>
+              </a:r>
+              <a:r>
+                <a:rPr kumimoji="0" lang="zh-TW" altLang="zh-TW" sz="1300" b="0" i="0" u="none" strike="noStrike" cap="none" normalizeH="0" baseline="0">
+                  <a:ln>
+                    <a:noFill/>
+                  </a:ln>
+                  <a:solidFill>
+                    <a:srgbClr val="CF8E6D"/>
+                  </a:solidFill>
+                  <a:effectLst/>
+                  <a:latin typeface="+mj-lt"/>
+                  <a:cs typeface="JetBrains Mono" panose="02000009000000000000" pitchFamily="49" charset="0"/>
+                </a:rPr>
+                <a:t>new </a:t>
+              </a:r>
+              <a:r>
+                <a:rPr kumimoji="0" lang="zh-TW" altLang="zh-TW" sz="1300" b="0" i="0" u="none" strike="noStrike" cap="none" normalizeH="0" baseline="0">
+                  <a:ln>
+                    <a:noFill/>
+                  </a:ln>
+                  <a:solidFill>
+                    <a:srgbClr val="BCBEC4"/>
+                  </a:solidFill>
+                  <a:effectLst/>
+                  <a:latin typeface="+mj-lt"/>
+                  <a:cs typeface="JetBrains Mono" panose="02000009000000000000" pitchFamily="49" charset="0"/>
+                </a:rPr>
+                <a:t>Random(</a:t>
+              </a:r>
+              <a:r>
+                <a:rPr kumimoji="0" lang="zh-TW" altLang="zh-TW" sz="1300" b="0" i="0" u="none" strike="noStrike" cap="none" normalizeH="0" baseline="0">
+                  <a:ln>
+                    <a:noFill/>
+                  </a:ln>
+                  <a:solidFill>
+                    <a:srgbClr val="2AACB8"/>
+                  </a:solidFill>
+                  <a:effectLst/>
+                  <a:latin typeface="+mj-lt"/>
+                  <a:cs typeface="JetBrains Mono" panose="02000009000000000000" pitchFamily="49" charset="0"/>
+                </a:rPr>
+                <a:t>0</a:t>
+              </a:r>
+              <a:r>
+                <a:rPr kumimoji="0" lang="zh-TW" altLang="zh-TW" sz="1300" b="0" i="0" u="none" strike="noStrike" cap="none" normalizeH="0" baseline="0">
+                  <a:ln>
+                    <a:noFill/>
+                  </a:ln>
+                  <a:solidFill>
+                    <a:srgbClr val="BCBEC4"/>
+                  </a:solidFill>
+                  <a:effectLst/>
+                  <a:latin typeface="+mj-lt"/>
+                  <a:cs typeface="JetBrains Mono" panose="02000009000000000000" pitchFamily="49" charset="0"/>
+                </a:rPr>
+                <a:t>);</a:t>
+              </a:r>
+              <a:br>
+                <a:rPr kumimoji="0" lang="zh-TW" altLang="zh-TW" sz="1300" b="0" i="0" u="none" strike="noStrike" cap="none" normalizeH="0" baseline="0">
+                  <a:ln>
+                    <a:noFill/>
+                  </a:ln>
+                  <a:solidFill>
+                    <a:srgbClr val="BCBEC4"/>
+                  </a:solidFill>
+                  <a:effectLst/>
+                  <a:latin typeface="+mj-lt"/>
+                  <a:cs typeface="JetBrains Mono" panose="02000009000000000000" pitchFamily="49" charset="0"/>
+                </a:rPr>
+              </a:br>
+              <a:r>
+                <a:rPr kumimoji="0" lang="zh-TW" altLang="zh-TW" sz="1300" b="0" i="0" u="none" strike="noStrike" cap="none" normalizeH="0" baseline="0">
+                  <a:ln>
+                    <a:noFill/>
+                  </a:ln>
+                  <a:solidFill>
+                    <a:srgbClr val="BCBEC4"/>
+                  </a:solidFill>
+                  <a:effectLst/>
+                  <a:latin typeface="+mj-lt"/>
+                  <a:cs typeface="JetBrains Mono" panose="02000009000000000000" pitchFamily="49" charset="0"/>
+                </a:rPr>
+                <a:t>        Random random3 = </a:t>
+              </a:r>
+              <a:r>
+                <a:rPr kumimoji="0" lang="zh-TW" altLang="zh-TW" sz="1300" b="0" i="0" u="none" strike="noStrike" cap="none" normalizeH="0" baseline="0">
+                  <a:ln>
+                    <a:noFill/>
+                  </a:ln>
+                  <a:solidFill>
+                    <a:srgbClr val="CF8E6D"/>
+                  </a:solidFill>
+                  <a:effectLst/>
+                  <a:latin typeface="+mj-lt"/>
+                  <a:cs typeface="JetBrains Mono" panose="02000009000000000000" pitchFamily="49" charset="0"/>
+                </a:rPr>
+                <a:t>new </a:t>
+              </a:r>
+              <a:r>
+                <a:rPr kumimoji="0" lang="zh-TW" altLang="zh-TW" sz="1300" b="0" i="0" u="none" strike="noStrike" cap="none" normalizeH="0" baseline="0">
+                  <a:ln>
+                    <a:noFill/>
+                  </a:ln>
+                  <a:solidFill>
+                    <a:srgbClr val="BCBEC4"/>
+                  </a:solidFill>
+                  <a:effectLst/>
+                  <a:latin typeface="+mj-lt"/>
+                  <a:cs typeface="JetBrains Mono" panose="02000009000000000000" pitchFamily="49" charset="0"/>
+                </a:rPr>
+                <a:t>Random(</a:t>
+              </a:r>
+              <a:r>
+                <a:rPr kumimoji="0" lang="zh-TW" altLang="zh-TW" sz="1300" b="0" i="0" u="none" strike="noStrike" cap="none" normalizeH="0" baseline="0">
+                  <a:ln>
+                    <a:noFill/>
+                  </a:ln>
+                  <a:solidFill>
+                    <a:srgbClr val="2AACB8"/>
+                  </a:solidFill>
+                  <a:effectLst/>
+                  <a:latin typeface="+mj-lt"/>
+                  <a:cs typeface="JetBrains Mono" panose="02000009000000000000" pitchFamily="49" charset="0"/>
+                </a:rPr>
+                <a:t>0</a:t>
+              </a:r>
+              <a:r>
+                <a:rPr kumimoji="0" lang="zh-TW" altLang="zh-TW" sz="1300" b="0" i="0" u="none" strike="noStrike" cap="none" normalizeH="0" baseline="0">
+                  <a:ln>
+                    <a:noFill/>
+                  </a:ln>
+                  <a:solidFill>
+                    <a:srgbClr val="BCBEC4"/>
+                  </a:solidFill>
+                  <a:effectLst/>
+                  <a:latin typeface="+mj-lt"/>
+                  <a:cs typeface="JetBrains Mono" panose="02000009000000000000" pitchFamily="49" charset="0"/>
+                </a:rPr>
+                <a:t>);</a:t>
+              </a:r>
+              <a:br>
+                <a:rPr kumimoji="0" lang="zh-TW" altLang="zh-TW" sz="1300" b="0" i="0" u="none" strike="noStrike" cap="none" normalizeH="0" baseline="0">
+                  <a:ln>
+                    <a:noFill/>
+                  </a:ln>
+                  <a:solidFill>
+                    <a:srgbClr val="BCBEC4"/>
+                  </a:solidFill>
+                  <a:effectLst/>
+                  <a:latin typeface="+mj-lt"/>
+                  <a:cs typeface="JetBrains Mono" panose="02000009000000000000" pitchFamily="49" charset="0"/>
+                </a:rPr>
+              </a:br>
+              <a:br>
+                <a:rPr kumimoji="0" lang="zh-TW" altLang="zh-TW" sz="1300" b="0" i="0" u="none" strike="noStrike" cap="none" normalizeH="0" baseline="0">
+                  <a:ln>
+                    <a:noFill/>
+                  </a:ln>
+                  <a:solidFill>
+                    <a:srgbClr val="BCBEC4"/>
+                  </a:solidFill>
+                  <a:effectLst/>
+                  <a:latin typeface="+mj-lt"/>
+                  <a:cs typeface="JetBrains Mono" panose="02000009000000000000" pitchFamily="49" charset="0"/>
+                </a:rPr>
+              </a:br>
+              <a:r>
+                <a:rPr kumimoji="0" lang="zh-TW" altLang="zh-TW" sz="1300" b="0" i="0" u="none" strike="noStrike" cap="none" normalizeH="0" baseline="0">
+                  <a:ln>
+                    <a:noFill/>
+                  </a:ln>
+                  <a:solidFill>
+                    <a:srgbClr val="BCBEC4"/>
+                  </a:solidFill>
+                  <a:effectLst/>
+                  <a:latin typeface="+mj-lt"/>
+                  <a:cs typeface="JetBrains Mono" panose="02000009000000000000" pitchFamily="49" charset="0"/>
+                </a:rPr>
+                <a:t>        </a:t>
+              </a:r>
+              <a:r>
+                <a:rPr kumimoji="0" lang="zh-TW" altLang="zh-TW" sz="1300" b="0" i="0" u="none" strike="noStrike" cap="none" normalizeH="0" baseline="0">
+                  <a:ln>
+                    <a:noFill/>
+                  </a:ln>
+                  <a:solidFill>
+                    <a:srgbClr val="CF8E6D"/>
+                  </a:solidFill>
+                  <a:effectLst/>
+                  <a:latin typeface="+mj-lt"/>
+                  <a:cs typeface="JetBrains Mono" panose="02000009000000000000" pitchFamily="49" charset="0"/>
+                </a:rPr>
+                <a:t>for </a:t>
+              </a:r>
+              <a:r>
+                <a:rPr kumimoji="0" lang="zh-TW" altLang="zh-TW" sz="1300" b="0" i="0" u="none" strike="noStrike" cap="none" normalizeH="0" baseline="0">
+                  <a:ln>
+                    <a:noFill/>
+                  </a:ln>
+                  <a:solidFill>
+                    <a:srgbClr val="BCBEC4"/>
+                  </a:solidFill>
+                  <a:effectLst/>
+                  <a:latin typeface="+mj-lt"/>
+                  <a:cs typeface="JetBrains Mono" panose="02000009000000000000" pitchFamily="49" charset="0"/>
+                </a:rPr>
+                <a:t>(</a:t>
+              </a:r>
+              <a:r>
+                <a:rPr kumimoji="0" lang="zh-TW" altLang="zh-TW" sz="1300" b="0" i="0" u="none" strike="noStrike" cap="none" normalizeH="0" baseline="0">
+                  <a:ln>
+                    <a:noFill/>
+                  </a:ln>
+                  <a:solidFill>
+                    <a:srgbClr val="CF8E6D"/>
+                  </a:solidFill>
+                  <a:effectLst/>
+                  <a:latin typeface="+mj-lt"/>
+                  <a:cs typeface="JetBrains Mono" panose="02000009000000000000" pitchFamily="49" charset="0"/>
+                </a:rPr>
+                <a:t>int </a:t>
+              </a:r>
+              <a:r>
+                <a:rPr kumimoji="0" lang="zh-TW" altLang="zh-TW" sz="1300" b="0" i="0" u="none" strike="noStrike" cap="none" normalizeH="0" baseline="0">
+                  <a:ln>
+                    <a:noFill/>
+                  </a:ln>
+                  <a:solidFill>
+                    <a:srgbClr val="BCBEC4"/>
+                  </a:solidFill>
+                  <a:effectLst/>
+                  <a:latin typeface="+mj-lt"/>
+                  <a:cs typeface="JetBrains Mono" panose="02000009000000000000" pitchFamily="49" charset="0"/>
+                </a:rPr>
+                <a:t>i = </a:t>
+              </a:r>
+              <a:r>
+                <a:rPr kumimoji="0" lang="zh-TW" altLang="zh-TW" sz="1300" b="0" i="0" u="none" strike="noStrike" cap="none" normalizeH="0" baseline="0">
+                  <a:ln>
+                    <a:noFill/>
+                  </a:ln>
+                  <a:solidFill>
+                    <a:srgbClr val="2AACB8"/>
+                  </a:solidFill>
+                  <a:effectLst/>
+                  <a:latin typeface="+mj-lt"/>
+                  <a:cs typeface="JetBrains Mono" panose="02000009000000000000" pitchFamily="49" charset="0"/>
+                </a:rPr>
+                <a:t>0</a:t>
+              </a:r>
+              <a:r>
+                <a:rPr kumimoji="0" lang="zh-TW" altLang="zh-TW" sz="1300" b="0" i="0" u="none" strike="noStrike" cap="none" normalizeH="0" baseline="0">
+                  <a:ln>
+                    <a:noFill/>
+                  </a:ln>
+                  <a:solidFill>
+                    <a:srgbClr val="BCBEC4"/>
+                  </a:solidFill>
+                  <a:effectLst/>
+                  <a:latin typeface="+mj-lt"/>
+                  <a:cs typeface="JetBrains Mono" panose="02000009000000000000" pitchFamily="49" charset="0"/>
+                </a:rPr>
+                <a:t>; i &lt; </a:t>
+              </a:r>
+              <a:r>
+                <a:rPr kumimoji="0" lang="zh-TW" altLang="zh-TW" sz="1300" b="0" i="0" u="none" strike="noStrike" cap="none" normalizeH="0" baseline="0">
+                  <a:ln>
+                    <a:noFill/>
+                  </a:ln>
+                  <a:solidFill>
+                    <a:srgbClr val="2AACB8"/>
+                  </a:solidFill>
+                  <a:effectLst/>
+                  <a:latin typeface="+mj-lt"/>
+                  <a:cs typeface="JetBrains Mono" panose="02000009000000000000" pitchFamily="49" charset="0"/>
+                </a:rPr>
+                <a:t>5</a:t>
+              </a:r>
+              <a:r>
+                <a:rPr kumimoji="0" lang="zh-TW" altLang="zh-TW" sz="1300" b="0" i="0" u="none" strike="noStrike" cap="none" normalizeH="0" baseline="0">
+                  <a:ln>
+                    <a:noFill/>
+                  </a:ln>
+                  <a:solidFill>
+                    <a:srgbClr val="BCBEC4"/>
+                  </a:solidFill>
+                  <a:effectLst/>
+                  <a:latin typeface="+mj-lt"/>
+                  <a:cs typeface="JetBrains Mono" panose="02000009000000000000" pitchFamily="49" charset="0"/>
+                </a:rPr>
+                <a:t>; i++) {</a:t>
+              </a:r>
+              <a:br>
+                <a:rPr kumimoji="0" lang="zh-TW" altLang="zh-TW" sz="1300" b="0" i="0" u="none" strike="noStrike" cap="none" normalizeH="0" baseline="0">
+                  <a:ln>
+                    <a:noFill/>
+                  </a:ln>
+                  <a:solidFill>
+                    <a:srgbClr val="BCBEC4"/>
+                  </a:solidFill>
+                  <a:effectLst/>
+                  <a:latin typeface="+mj-lt"/>
+                  <a:cs typeface="JetBrains Mono" panose="02000009000000000000" pitchFamily="49" charset="0"/>
+                </a:rPr>
+              </a:br>
+              <a:r>
+                <a:rPr kumimoji="0" lang="zh-TW" altLang="zh-TW" sz="1300" b="0" i="0" u="none" strike="noStrike" cap="none" normalizeH="0" baseline="0">
+                  <a:ln>
+                    <a:noFill/>
+                  </a:ln>
+                  <a:solidFill>
+                    <a:srgbClr val="BCBEC4"/>
+                  </a:solidFill>
+                  <a:effectLst/>
+                  <a:latin typeface="+mj-lt"/>
+                  <a:cs typeface="JetBrains Mono" panose="02000009000000000000" pitchFamily="49" charset="0"/>
+                </a:rPr>
+                <a:t>            arr1[i] = random1.nextDouble();</a:t>
+              </a:r>
+              <a:br>
+                <a:rPr kumimoji="0" lang="zh-TW" altLang="zh-TW" sz="1300" b="0" i="0" u="none" strike="noStrike" cap="none" normalizeH="0" baseline="0">
+                  <a:ln>
+                    <a:noFill/>
+                  </a:ln>
+                  <a:solidFill>
+                    <a:srgbClr val="BCBEC4"/>
+                  </a:solidFill>
+                  <a:effectLst/>
+                  <a:latin typeface="+mj-lt"/>
+                  <a:cs typeface="JetBrains Mono" panose="02000009000000000000" pitchFamily="49" charset="0"/>
+                </a:rPr>
+              </a:br>
+              <a:r>
+                <a:rPr kumimoji="0" lang="zh-TW" altLang="zh-TW" sz="1300" b="0" i="0" u="none" strike="noStrike" cap="none" normalizeH="0" baseline="0">
+                  <a:ln>
+                    <a:noFill/>
+                  </a:ln>
+                  <a:solidFill>
+                    <a:srgbClr val="BCBEC4"/>
+                  </a:solidFill>
+                  <a:effectLst/>
+                  <a:latin typeface="+mj-lt"/>
+                  <a:cs typeface="JetBrains Mono" panose="02000009000000000000" pitchFamily="49" charset="0"/>
+                </a:rPr>
+                <a:t>            arr2[i] = random2.nextDouble();</a:t>
+              </a:r>
+              <a:br>
+                <a:rPr kumimoji="0" lang="zh-TW" altLang="zh-TW" sz="1300" b="0" i="0" u="none" strike="noStrike" cap="none" normalizeH="0" baseline="0">
+                  <a:ln>
+                    <a:noFill/>
+                  </a:ln>
+                  <a:solidFill>
+                    <a:srgbClr val="BCBEC4"/>
+                  </a:solidFill>
+                  <a:effectLst/>
+                  <a:latin typeface="+mj-lt"/>
+                  <a:cs typeface="JetBrains Mono" panose="02000009000000000000" pitchFamily="49" charset="0"/>
+                </a:rPr>
+              </a:br>
+              <a:r>
+                <a:rPr kumimoji="0" lang="zh-TW" altLang="zh-TW" sz="1300" b="0" i="0" u="none" strike="noStrike" cap="none" normalizeH="0" baseline="0">
+                  <a:ln>
+                    <a:noFill/>
+                  </a:ln>
+                  <a:solidFill>
+                    <a:srgbClr val="BCBEC4"/>
+                  </a:solidFill>
+                  <a:effectLst/>
+                  <a:latin typeface="+mj-lt"/>
+                  <a:cs typeface="JetBrains Mono" panose="02000009000000000000" pitchFamily="49" charset="0"/>
+                </a:rPr>
+                <a:t>            arr3[i] = random3.nextDouble();</a:t>
+              </a:r>
+              <a:br>
+                <a:rPr kumimoji="0" lang="zh-TW" altLang="zh-TW" sz="1300" b="0" i="0" u="none" strike="noStrike" cap="none" normalizeH="0" baseline="0">
+                  <a:ln>
+                    <a:noFill/>
+                  </a:ln>
+                  <a:solidFill>
+                    <a:srgbClr val="BCBEC4"/>
+                  </a:solidFill>
+                  <a:effectLst/>
+                  <a:latin typeface="+mj-lt"/>
+                  <a:cs typeface="JetBrains Mono" panose="02000009000000000000" pitchFamily="49" charset="0"/>
+                </a:rPr>
+              </a:br>
+              <a:r>
+                <a:rPr kumimoji="0" lang="zh-TW" altLang="zh-TW" sz="1300" b="0" i="0" u="none" strike="noStrike" cap="none" normalizeH="0" baseline="0">
+                  <a:ln>
+                    <a:noFill/>
+                  </a:ln>
+                  <a:solidFill>
+                    <a:srgbClr val="BCBEC4"/>
+                  </a:solidFill>
+                  <a:effectLst/>
+                  <a:latin typeface="+mj-lt"/>
+                  <a:cs typeface="JetBrains Mono" panose="02000009000000000000" pitchFamily="49" charset="0"/>
+                </a:rPr>
+                <a:t>            arr4[i] = Math.</a:t>
+              </a:r>
+              <a:r>
+                <a:rPr kumimoji="0" lang="zh-TW" altLang="zh-TW" sz="1300" b="0" i="1" u="none" strike="noStrike" cap="none" normalizeH="0" baseline="0">
+                  <a:ln>
+                    <a:noFill/>
+                  </a:ln>
+                  <a:solidFill>
+                    <a:srgbClr val="BCBEC4"/>
+                  </a:solidFill>
+                  <a:effectLst/>
+                  <a:latin typeface="+mj-lt"/>
+                  <a:cs typeface="JetBrains Mono" panose="02000009000000000000" pitchFamily="49" charset="0"/>
+                </a:rPr>
+                <a:t>random</a:t>
+              </a:r>
+              <a:r>
+                <a:rPr kumimoji="0" lang="zh-TW" altLang="zh-TW" sz="1300" b="0" i="0" u="none" strike="noStrike" cap="none" normalizeH="0" baseline="0">
+                  <a:ln>
+                    <a:noFill/>
+                  </a:ln>
+                  <a:solidFill>
+                    <a:srgbClr val="BCBEC4"/>
+                  </a:solidFill>
+                  <a:effectLst/>
+                  <a:latin typeface="+mj-lt"/>
+                  <a:cs typeface="JetBrains Mono" panose="02000009000000000000" pitchFamily="49" charset="0"/>
+                </a:rPr>
+                <a:t>();</a:t>
+              </a:r>
+              <a:br>
+                <a:rPr kumimoji="0" lang="zh-TW" altLang="zh-TW" sz="1300" b="0" i="0" u="none" strike="noStrike" cap="none" normalizeH="0" baseline="0">
+                  <a:ln>
+                    <a:noFill/>
+                  </a:ln>
+                  <a:solidFill>
+                    <a:srgbClr val="BCBEC4"/>
+                  </a:solidFill>
+                  <a:effectLst/>
+                  <a:latin typeface="+mj-lt"/>
+                  <a:cs typeface="JetBrains Mono" panose="02000009000000000000" pitchFamily="49" charset="0"/>
+                </a:rPr>
+              </a:br>
+              <a:r>
+                <a:rPr kumimoji="0" lang="zh-TW" altLang="zh-TW" sz="1300" b="0" i="0" u="none" strike="noStrike" cap="none" normalizeH="0" baseline="0">
+                  <a:ln>
+                    <a:noFill/>
+                  </a:ln>
+                  <a:solidFill>
+                    <a:srgbClr val="BCBEC4"/>
+                  </a:solidFill>
+                  <a:effectLst/>
+                  <a:latin typeface="+mj-lt"/>
+                  <a:cs typeface="JetBrains Mono" panose="02000009000000000000" pitchFamily="49" charset="0"/>
+                </a:rPr>
+                <a:t>        }</a:t>
+              </a:r>
+              <a:br>
+                <a:rPr kumimoji="0" lang="zh-TW" altLang="zh-TW" sz="1300" b="0" i="0" u="none" strike="noStrike" cap="none" normalizeH="0" baseline="0">
+                  <a:ln>
+                    <a:noFill/>
+                  </a:ln>
+                  <a:solidFill>
+                    <a:srgbClr val="BCBEC4"/>
+                  </a:solidFill>
+                  <a:effectLst/>
+                  <a:latin typeface="+mj-lt"/>
+                  <a:cs typeface="JetBrains Mono" panose="02000009000000000000" pitchFamily="49" charset="0"/>
+                </a:rPr>
+              </a:br>
+              <a:br>
+                <a:rPr kumimoji="0" lang="zh-TW" altLang="zh-TW" sz="1300" b="0" i="0" u="none" strike="noStrike" cap="none" normalizeH="0" baseline="0">
+                  <a:ln>
+                    <a:noFill/>
+                  </a:ln>
+                  <a:solidFill>
+                    <a:srgbClr val="BCBEC4"/>
+                  </a:solidFill>
+                  <a:effectLst/>
+                  <a:latin typeface="+mj-lt"/>
+                  <a:cs typeface="JetBrains Mono" panose="02000009000000000000" pitchFamily="49" charset="0"/>
+                </a:rPr>
+              </a:br>
+              <a:r>
+                <a:rPr kumimoji="0" lang="zh-TW" altLang="zh-TW" sz="1300" b="0" i="0" u="none" strike="noStrike" cap="none" normalizeH="0" baseline="0">
+                  <a:ln>
+                    <a:noFill/>
+                  </a:ln>
+                  <a:solidFill>
+                    <a:srgbClr val="BCBEC4"/>
+                  </a:solidFill>
+                  <a:effectLst/>
+                  <a:latin typeface="+mj-lt"/>
+                  <a:cs typeface="JetBrains Mono" panose="02000009000000000000" pitchFamily="49" charset="0"/>
+                </a:rPr>
+                <a:t>        System.</a:t>
+              </a:r>
+              <a:r>
+                <a:rPr kumimoji="0" lang="zh-TW" altLang="zh-TW" sz="1300" b="0" i="1" u="none" strike="noStrike" cap="none" normalizeH="0" baseline="0">
+                  <a:ln>
+                    <a:noFill/>
+                  </a:ln>
+                  <a:solidFill>
+                    <a:srgbClr val="C77DBB"/>
+                  </a:solidFill>
+                  <a:effectLst/>
+                  <a:latin typeface="+mj-lt"/>
+                  <a:cs typeface="JetBrains Mono" panose="02000009000000000000" pitchFamily="49" charset="0"/>
+                </a:rPr>
+                <a:t>out</a:t>
+              </a:r>
+              <a:r>
+                <a:rPr kumimoji="0" lang="zh-TW" altLang="zh-TW" sz="1300" b="0" i="0" u="none" strike="noStrike" cap="none" normalizeH="0" baseline="0">
+                  <a:ln>
+                    <a:noFill/>
+                  </a:ln>
+                  <a:solidFill>
+                    <a:srgbClr val="BCBEC4"/>
+                  </a:solidFill>
+                  <a:effectLst/>
+                  <a:latin typeface="+mj-lt"/>
+                  <a:cs typeface="JetBrains Mono" panose="02000009000000000000" pitchFamily="49" charset="0"/>
+                </a:rPr>
+                <a:t>.println(Arrays.</a:t>
+              </a:r>
+              <a:r>
+                <a:rPr kumimoji="0" lang="zh-TW" altLang="zh-TW" sz="1300" b="0" i="1" u="none" strike="noStrike" cap="none" normalizeH="0" baseline="0">
+                  <a:ln>
+                    <a:noFill/>
+                  </a:ln>
+                  <a:solidFill>
+                    <a:srgbClr val="BCBEC4"/>
+                  </a:solidFill>
+                  <a:effectLst/>
+                  <a:latin typeface="+mj-lt"/>
+                  <a:cs typeface="JetBrains Mono" panose="02000009000000000000" pitchFamily="49" charset="0"/>
+                </a:rPr>
+                <a:t>toString</a:t>
+              </a:r>
+              <a:r>
+                <a:rPr kumimoji="0" lang="zh-TW" altLang="zh-TW" sz="1300" b="0" i="0" u="none" strike="noStrike" cap="none" normalizeH="0" baseline="0">
+                  <a:ln>
+                    <a:noFill/>
+                  </a:ln>
+                  <a:solidFill>
+                    <a:srgbClr val="BCBEC4"/>
+                  </a:solidFill>
+                  <a:effectLst/>
+                  <a:latin typeface="+mj-lt"/>
+                  <a:cs typeface="JetBrains Mono" panose="02000009000000000000" pitchFamily="49" charset="0"/>
+                </a:rPr>
+                <a:t>(arr1));</a:t>
+              </a:r>
+              <a:br>
+                <a:rPr kumimoji="0" lang="zh-TW" altLang="zh-TW" sz="1300" b="0" i="0" u="none" strike="noStrike" cap="none" normalizeH="0" baseline="0">
+                  <a:ln>
+                    <a:noFill/>
+                  </a:ln>
+                  <a:solidFill>
+                    <a:srgbClr val="BCBEC4"/>
+                  </a:solidFill>
+                  <a:effectLst/>
+                  <a:latin typeface="+mj-lt"/>
+                  <a:cs typeface="JetBrains Mono" panose="02000009000000000000" pitchFamily="49" charset="0"/>
+                </a:rPr>
+              </a:br>
+              <a:r>
+                <a:rPr kumimoji="0" lang="zh-TW" altLang="zh-TW" sz="1300" b="0" i="0" u="none" strike="noStrike" cap="none" normalizeH="0" baseline="0">
+                  <a:ln>
+                    <a:noFill/>
+                  </a:ln>
+                  <a:solidFill>
+                    <a:srgbClr val="BCBEC4"/>
+                  </a:solidFill>
+                  <a:effectLst/>
+                  <a:latin typeface="+mj-lt"/>
+                  <a:cs typeface="JetBrains Mono" panose="02000009000000000000" pitchFamily="49" charset="0"/>
+                </a:rPr>
+                <a:t>        System.</a:t>
+              </a:r>
+              <a:r>
+                <a:rPr kumimoji="0" lang="zh-TW" altLang="zh-TW" sz="1300" b="0" i="1" u="none" strike="noStrike" cap="none" normalizeH="0" baseline="0">
+                  <a:ln>
+                    <a:noFill/>
+                  </a:ln>
+                  <a:solidFill>
+                    <a:srgbClr val="C77DBB"/>
+                  </a:solidFill>
+                  <a:effectLst/>
+                  <a:latin typeface="+mj-lt"/>
+                  <a:cs typeface="JetBrains Mono" panose="02000009000000000000" pitchFamily="49" charset="0"/>
+                </a:rPr>
+                <a:t>out</a:t>
+              </a:r>
+              <a:r>
+                <a:rPr kumimoji="0" lang="zh-TW" altLang="zh-TW" sz="1300" b="0" i="0" u="none" strike="noStrike" cap="none" normalizeH="0" baseline="0">
+                  <a:ln>
+                    <a:noFill/>
+                  </a:ln>
+                  <a:solidFill>
+                    <a:srgbClr val="BCBEC4"/>
+                  </a:solidFill>
+                  <a:effectLst/>
+                  <a:latin typeface="+mj-lt"/>
+                  <a:cs typeface="JetBrains Mono" panose="02000009000000000000" pitchFamily="49" charset="0"/>
+                </a:rPr>
+                <a:t>.println(Arrays.</a:t>
+              </a:r>
+              <a:r>
+                <a:rPr kumimoji="0" lang="zh-TW" altLang="zh-TW" sz="1300" b="0" i="1" u="none" strike="noStrike" cap="none" normalizeH="0" baseline="0">
+                  <a:ln>
+                    <a:noFill/>
+                  </a:ln>
+                  <a:solidFill>
+                    <a:srgbClr val="BCBEC4"/>
+                  </a:solidFill>
+                  <a:effectLst/>
+                  <a:latin typeface="+mj-lt"/>
+                  <a:cs typeface="JetBrains Mono" panose="02000009000000000000" pitchFamily="49" charset="0"/>
+                </a:rPr>
+                <a:t>toString</a:t>
+              </a:r>
+              <a:r>
+                <a:rPr kumimoji="0" lang="zh-TW" altLang="zh-TW" sz="1300" b="0" i="0" u="none" strike="noStrike" cap="none" normalizeH="0" baseline="0">
+                  <a:ln>
+                    <a:noFill/>
+                  </a:ln>
+                  <a:solidFill>
+                    <a:srgbClr val="BCBEC4"/>
+                  </a:solidFill>
+                  <a:effectLst/>
+                  <a:latin typeface="+mj-lt"/>
+                  <a:cs typeface="JetBrains Mono" panose="02000009000000000000" pitchFamily="49" charset="0"/>
+                </a:rPr>
+                <a:t>(arr2));</a:t>
+              </a:r>
+              <a:br>
+                <a:rPr kumimoji="0" lang="zh-TW" altLang="zh-TW" sz="1300" b="0" i="0" u="none" strike="noStrike" cap="none" normalizeH="0" baseline="0">
+                  <a:ln>
+                    <a:noFill/>
+                  </a:ln>
+                  <a:solidFill>
+                    <a:srgbClr val="BCBEC4"/>
+                  </a:solidFill>
+                  <a:effectLst/>
+                  <a:latin typeface="+mj-lt"/>
+                  <a:cs typeface="JetBrains Mono" panose="02000009000000000000" pitchFamily="49" charset="0"/>
+                </a:rPr>
+              </a:br>
+              <a:r>
+                <a:rPr kumimoji="0" lang="zh-TW" altLang="zh-TW" sz="1300" b="0" i="0" u="none" strike="noStrike" cap="none" normalizeH="0" baseline="0">
+                  <a:ln>
+                    <a:noFill/>
+                  </a:ln>
+                  <a:solidFill>
+                    <a:srgbClr val="BCBEC4"/>
+                  </a:solidFill>
+                  <a:effectLst/>
+                  <a:latin typeface="+mj-lt"/>
+                  <a:cs typeface="JetBrains Mono" panose="02000009000000000000" pitchFamily="49" charset="0"/>
+                </a:rPr>
+                <a:t>        System.</a:t>
+              </a:r>
+              <a:r>
+                <a:rPr kumimoji="0" lang="zh-TW" altLang="zh-TW" sz="1300" b="0" i="1" u="none" strike="noStrike" cap="none" normalizeH="0" baseline="0">
+                  <a:ln>
+                    <a:noFill/>
+                  </a:ln>
+                  <a:solidFill>
+                    <a:srgbClr val="C77DBB"/>
+                  </a:solidFill>
+                  <a:effectLst/>
+                  <a:latin typeface="+mj-lt"/>
+                  <a:cs typeface="JetBrains Mono" panose="02000009000000000000" pitchFamily="49" charset="0"/>
+                </a:rPr>
+                <a:t>out</a:t>
+              </a:r>
+              <a:r>
+                <a:rPr kumimoji="0" lang="zh-TW" altLang="zh-TW" sz="1300" b="0" i="0" u="none" strike="noStrike" cap="none" normalizeH="0" baseline="0">
+                  <a:ln>
+                    <a:noFill/>
+                  </a:ln>
+                  <a:solidFill>
+                    <a:srgbClr val="BCBEC4"/>
+                  </a:solidFill>
+                  <a:effectLst/>
+                  <a:latin typeface="+mj-lt"/>
+                  <a:cs typeface="JetBrains Mono" panose="02000009000000000000" pitchFamily="49" charset="0"/>
+                </a:rPr>
+                <a:t>.println(Arrays.</a:t>
+              </a:r>
+              <a:r>
+                <a:rPr kumimoji="0" lang="zh-TW" altLang="zh-TW" sz="1300" b="0" i="1" u="none" strike="noStrike" cap="none" normalizeH="0" baseline="0">
+                  <a:ln>
+                    <a:noFill/>
+                  </a:ln>
+                  <a:solidFill>
+                    <a:srgbClr val="BCBEC4"/>
+                  </a:solidFill>
+                  <a:effectLst/>
+                  <a:latin typeface="+mj-lt"/>
+                  <a:cs typeface="JetBrains Mono" panose="02000009000000000000" pitchFamily="49" charset="0"/>
+                </a:rPr>
+                <a:t>toString</a:t>
+              </a:r>
+              <a:r>
+                <a:rPr kumimoji="0" lang="zh-TW" altLang="zh-TW" sz="1300" b="0" i="0" u="none" strike="noStrike" cap="none" normalizeH="0" baseline="0">
+                  <a:ln>
+                    <a:noFill/>
+                  </a:ln>
+                  <a:solidFill>
+                    <a:srgbClr val="BCBEC4"/>
+                  </a:solidFill>
+                  <a:effectLst/>
+                  <a:latin typeface="+mj-lt"/>
+                  <a:cs typeface="JetBrains Mono" panose="02000009000000000000" pitchFamily="49" charset="0"/>
+                </a:rPr>
+                <a:t>(arr3));</a:t>
+              </a:r>
+              <a:br>
+                <a:rPr kumimoji="0" lang="zh-TW" altLang="zh-TW" sz="1300" b="0" i="0" u="none" strike="noStrike" cap="none" normalizeH="0" baseline="0">
+                  <a:ln>
+                    <a:noFill/>
+                  </a:ln>
+                  <a:solidFill>
+                    <a:srgbClr val="BCBEC4"/>
+                  </a:solidFill>
+                  <a:effectLst/>
+                  <a:latin typeface="+mj-lt"/>
+                  <a:cs typeface="JetBrains Mono" panose="02000009000000000000" pitchFamily="49" charset="0"/>
+                </a:rPr>
+              </a:br>
+              <a:r>
+                <a:rPr kumimoji="0" lang="zh-TW" altLang="zh-TW" sz="1300" b="0" i="0" u="none" strike="noStrike" cap="none" normalizeH="0" baseline="0">
+                  <a:ln>
+                    <a:noFill/>
+                  </a:ln>
+                  <a:solidFill>
+                    <a:srgbClr val="BCBEC4"/>
+                  </a:solidFill>
+                  <a:effectLst/>
+                  <a:latin typeface="+mj-lt"/>
+                  <a:cs typeface="JetBrains Mono" panose="02000009000000000000" pitchFamily="49" charset="0"/>
+                </a:rPr>
+                <a:t>        System.</a:t>
+              </a:r>
+              <a:r>
+                <a:rPr kumimoji="0" lang="zh-TW" altLang="zh-TW" sz="1300" b="0" i="1" u="none" strike="noStrike" cap="none" normalizeH="0" baseline="0">
+                  <a:ln>
+                    <a:noFill/>
+                  </a:ln>
+                  <a:solidFill>
+                    <a:srgbClr val="C77DBB"/>
+                  </a:solidFill>
+                  <a:effectLst/>
+                  <a:latin typeface="+mj-lt"/>
+                  <a:cs typeface="JetBrains Mono" panose="02000009000000000000" pitchFamily="49" charset="0"/>
+                </a:rPr>
+                <a:t>out</a:t>
+              </a:r>
+              <a:r>
+                <a:rPr kumimoji="0" lang="zh-TW" altLang="zh-TW" sz="1300" b="0" i="0" u="none" strike="noStrike" cap="none" normalizeH="0" baseline="0">
+                  <a:ln>
+                    <a:noFill/>
+                  </a:ln>
+                  <a:solidFill>
+                    <a:srgbClr val="BCBEC4"/>
+                  </a:solidFill>
+                  <a:effectLst/>
+                  <a:latin typeface="+mj-lt"/>
+                  <a:cs typeface="JetBrains Mono" panose="02000009000000000000" pitchFamily="49" charset="0"/>
+                </a:rPr>
+                <a:t>.println(Arrays.</a:t>
+              </a:r>
+              <a:r>
+                <a:rPr kumimoji="0" lang="zh-TW" altLang="zh-TW" sz="1300" b="0" i="1" u="none" strike="noStrike" cap="none" normalizeH="0" baseline="0">
+                  <a:ln>
+                    <a:noFill/>
+                  </a:ln>
+                  <a:solidFill>
+                    <a:srgbClr val="BCBEC4"/>
+                  </a:solidFill>
+                  <a:effectLst/>
+                  <a:latin typeface="+mj-lt"/>
+                  <a:cs typeface="JetBrains Mono" panose="02000009000000000000" pitchFamily="49" charset="0"/>
+                </a:rPr>
+                <a:t>toString</a:t>
+              </a:r>
+              <a:r>
+                <a:rPr kumimoji="0" lang="zh-TW" altLang="zh-TW" sz="1300" b="0" i="0" u="none" strike="noStrike" cap="none" normalizeH="0" baseline="0">
+                  <a:ln>
+                    <a:noFill/>
+                  </a:ln>
+                  <a:solidFill>
+                    <a:srgbClr val="BCBEC4"/>
+                  </a:solidFill>
+                  <a:effectLst/>
+                  <a:latin typeface="+mj-lt"/>
+                  <a:cs typeface="JetBrains Mono" panose="02000009000000000000" pitchFamily="49" charset="0"/>
+                </a:rPr>
+                <a:t>(arr4));</a:t>
+              </a:r>
+              <a:br>
+                <a:rPr kumimoji="0" lang="zh-TW" altLang="zh-TW" sz="1300" b="0" i="0" u="none" strike="noStrike" cap="none" normalizeH="0" baseline="0">
+                  <a:ln>
+                    <a:noFill/>
+                  </a:ln>
+                  <a:solidFill>
+                    <a:srgbClr val="BCBEC4"/>
+                  </a:solidFill>
+                  <a:effectLst/>
+                  <a:latin typeface="+mj-lt"/>
+                  <a:cs typeface="JetBrains Mono" panose="02000009000000000000" pitchFamily="49" charset="0"/>
+                </a:rPr>
+              </a:br>
+              <a:r>
+                <a:rPr kumimoji="0" lang="zh-TW" altLang="zh-TW" sz="1300" b="0" i="0" u="none" strike="noStrike" cap="none" normalizeH="0" baseline="0">
+                  <a:ln>
+                    <a:noFill/>
+                  </a:ln>
+                  <a:solidFill>
+                    <a:srgbClr val="BCBEC4"/>
+                  </a:solidFill>
+                  <a:effectLst/>
+                  <a:latin typeface="+mj-lt"/>
+                  <a:cs typeface="JetBrains Mono" panose="02000009000000000000" pitchFamily="49" charset="0"/>
+                </a:rPr>
+                <a:t>    }</a:t>
+              </a:r>
+              <a:br>
+                <a:rPr kumimoji="0" lang="zh-TW" altLang="zh-TW" sz="1300" b="0" i="0" u="none" strike="noStrike" cap="none" normalizeH="0" baseline="0">
+                  <a:ln>
+                    <a:noFill/>
+                  </a:ln>
+                  <a:solidFill>
+                    <a:srgbClr val="BCBEC4"/>
+                  </a:solidFill>
+                  <a:effectLst/>
+                  <a:latin typeface="+mj-lt"/>
+                  <a:cs typeface="JetBrains Mono" panose="02000009000000000000" pitchFamily="49" charset="0"/>
+                </a:rPr>
+              </a:br>
+              <a:r>
+                <a:rPr kumimoji="0" lang="zh-TW" altLang="zh-TW" sz="1300" b="0" i="0" u="none" strike="noStrike" cap="none" normalizeH="0" baseline="0">
+                  <a:ln>
+                    <a:noFill/>
+                  </a:ln>
+                  <a:solidFill>
+                    <a:srgbClr val="BCBEC4"/>
+                  </a:solidFill>
+                  <a:effectLst/>
+                  <a:latin typeface="+mj-lt"/>
+                  <a:cs typeface="JetBrains Mono" panose="02000009000000000000" pitchFamily="49" charset="0"/>
+                </a:rPr>
+                <a:t>}</a:t>
+              </a:r>
+              <a:endParaRPr kumimoji="0" lang="zh-TW" altLang="zh-TW" sz="1800" b="0" i="0" u="none" strike="noStrike" cap="none" normalizeH="0" baseline="0">
+                <a:ln>
+                  <a:noFill/>
+                </a:ln>
+                <a:solidFill>
+                  <a:schemeClr val="tx1"/>
+                </a:solidFill>
+                <a:effectLst/>
+                <a:latin typeface="+mj-lt"/>
+              </a:endParaRPr>
+            </a:p>
+          </p:txBody>
+        </p:sp>
+        <p:sp>
+          <p:nvSpPr>
+            <p:cNvPr id="12" name="文字方塊 11">
+              <a:extLst>
+                <a:ext uri="{FF2B5EF4-FFF2-40B4-BE49-F238E27FC236}">
+                  <a16:creationId xmlns:a16="http://schemas.microsoft.com/office/drawing/2014/main" id="{1B9CF477-C684-4D60-AA80-D8F2969150A3}"/>
+                </a:ext>
+              </a:extLst>
+            </p:cNvPr>
+            <p:cNvSpPr txBox="1"/>
+            <p:nvPr/>
+          </p:nvSpPr>
+          <p:spPr>
+            <a:xfrm>
+              <a:off x="10662585" y="5192078"/>
+              <a:ext cx="691215" cy="369332"/>
+            </a:xfrm>
+            <a:prstGeom prst="rect">
+              <a:avLst/>
+            </a:prstGeom>
+            <a:noFill/>
+          </p:spPr>
+          <p:txBody>
+            <a:bodyPr wrap="none" rtlCol="0">
+              <a:spAutoFit/>
+            </a:bodyPr>
+            <a:lstStyle/>
+            <a:p>
+              <a:r>
+                <a:rPr lang="en-US" altLang="zh-TW">
+                  <a:solidFill>
+                    <a:schemeClr val="accent3"/>
+                  </a:solidFill>
+                </a:rPr>
+                <a:t>java</a:t>
+              </a:r>
+              <a:endParaRPr lang="zh-TW" altLang="en-US">
+                <a:solidFill>
+                  <a:schemeClr val="accent3"/>
+                </a:solidFill>
+              </a:endParaRPr>
+            </a:p>
+          </p:txBody>
+        </p:sp>
+        <p:pic>
+          <p:nvPicPr>
+            <p:cNvPr id="13" name="圖片 12">
+              <a:hlinkClick r:id="rId3"/>
+              <a:extLst>
+                <a:ext uri="{FF2B5EF4-FFF2-40B4-BE49-F238E27FC236}">
+                  <a16:creationId xmlns:a16="http://schemas.microsoft.com/office/drawing/2014/main" id="{430C8DA2-3B78-43DE-8E6B-F3A31DD9FF16}"/>
+                </a:ext>
+              </a:extLst>
+            </p:cNvPr>
+            <p:cNvPicPr>
+              <a:picLocks noChangeAspect="1"/>
+            </p:cNvPicPr>
+            <p:nvPr/>
+          </p:nvPicPr>
+          <p:blipFill>
+            <a:blip r:embed="rId4">
+              <a:extLst>
+                <a:ext uri="{28A0092B-C50C-407E-A947-70E740481C1C}">
+                  <a14:useLocalDpi xmlns:a14="http://schemas.microsoft.com/office/drawing/2010/main" val="0"/>
+                </a:ext>
+              </a:extLst>
+            </a:blip>
+            <a:stretch>
+              <a:fillRect/>
+            </a:stretch>
+          </p:blipFill>
+          <p:spPr>
+            <a:xfrm>
+              <a:off x="10814900" y="67598"/>
+              <a:ext cx="538900" cy="527184"/>
+            </a:xfrm>
+            <a:prstGeom prst="rect">
+              <a:avLst/>
+            </a:prstGeom>
+          </p:spPr>
+        </p:pic>
+      </p:grpSp>
+    </p:spTree>
+    <p:extLst>
+      <p:ext uri="{BB962C8B-B14F-4D97-AF65-F5344CB8AC3E}">
+        <p14:creationId xmlns:p14="http://schemas.microsoft.com/office/powerpoint/2010/main" val="321477388"/>
+      </p:ext>
+    </p:extLst>
+  </p:cSld>
+  <p:clrMapOvr>
+    <a:masterClrMapping/>
+  </p:clrMapOvr>
+  <p:transition spd="slow">
+    <p:push dir="u"/>
+  </p:transition>
+</p:sld>
+</file>
+
 <file path=ppt/slides/slide2.xml><?xml version="1.0" encoding="utf-8"?>
 <p:sld xmlns:a="http://schemas.openxmlformats.org/drawingml/2006/main" xmlns:r="http://schemas.openxmlformats.org/officeDocument/2006/relationships" xmlns:p="http://schemas.openxmlformats.org/presentationml/2006/main">
   <p:cSld>
@@ -24787,6 +27725,1346 @@
     <p:extLst>
       <p:ext uri="{BB962C8B-B14F-4D97-AF65-F5344CB8AC3E}">
         <p14:creationId xmlns:p14="http://schemas.microsoft.com/office/powerpoint/2010/main" val="294454275"/>
+      </p:ext>
+    </p:extLst>
+  </p:cSld>
+  <p:clrMapOvr>
+    <a:masterClrMapping/>
+  </p:clrMapOvr>
+  <p:transition spd="slow">
+    <p:push dir="u"/>
+  </p:transition>
+</p:sld>
+</file>
+
+<file path=ppt/slides/slide20.xml><?xml version="1.0" encoding="utf-8"?>
+<p:sld xmlns:a="http://schemas.openxmlformats.org/drawingml/2006/main" xmlns:r="http://schemas.openxmlformats.org/officeDocument/2006/relationships" xmlns:p="http://schemas.openxmlformats.org/presentationml/2006/main">
+  <p:cSld>
+    <p:spTree>
+      <p:nvGrpSpPr>
+        <p:cNvPr id="1" name=""/>
+        <p:cNvGrpSpPr/>
+        <p:nvPr/>
+      </p:nvGrpSpPr>
+      <p:grpSpPr>
+        <a:xfrm>
+          <a:off x="0" y="0"/>
+          <a:ext cx="0" cy="0"/>
+          <a:chOff x="0" y="0"/>
+          <a:chExt cx="0" cy="0"/>
+        </a:xfrm>
+      </p:grpSpPr>
+      <p:sp>
+        <p:nvSpPr>
+          <p:cNvPr id="2" name="標題 1">
+            <a:extLst>
+              <a:ext uri="{FF2B5EF4-FFF2-40B4-BE49-F238E27FC236}">
+                <a16:creationId xmlns:a16="http://schemas.microsoft.com/office/drawing/2014/main" id="{FCB469D4-7265-4AC3-A1A4-C5B433A4E83D}"/>
+              </a:ext>
+            </a:extLst>
+          </p:cNvPr>
+          <p:cNvSpPr>
+            <a:spLocks noGrp="1"/>
+          </p:cNvSpPr>
+          <p:nvPr>
+            <p:ph type="title"/>
+          </p:nvPr>
+        </p:nvSpPr>
+        <p:spPr/>
+        <p:txBody>
+          <a:bodyPr/>
+          <a:lstStyle/>
+          <a:p>
+            <a:r>
+              <a:rPr lang="zh-TW" altLang="en-US"/>
+              <a:t>數學</a:t>
+            </a:r>
+          </a:p>
+        </p:txBody>
+      </p:sp>
+      <p:sp>
+        <p:nvSpPr>
+          <p:cNvPr id="3" name="內容版面配置區 2">
+            <a:extLst>
+              <a:ext uri="{FF2B5EF4-FFF2-40B4-BE49-F238E27FC236}">
+                <a16:creationId xmlns:a16="http://schemas.microsoft.com/office/drawing/2014/main" id="{C8082964-69AE-4A8A-894E-0E8C4EC86FC5}"/>
+              </a:ext>
+            </a:extLst>
+          </p:cNvPr>
+          <p:cNvSpPr>
+            <a:spLocks noGrp="1"/>
+          </p:cNvSpPr>
+          <p:nvPr>
+            <p:ph idx="1"/>
+          </p:nvPr>
+        </p:nvSpPr>
+        <p:spPr>
+          <a:xfrm>
+            <a:off x="838200" y="1433513"/>
+            <a:ext cx="10515600" cy="5135562"/>
+          </a:xfrm>
+        </p:spPr>
+        <p:txBody>
+          <a:bodyPr>
+            <a:normAutofit/>
+          </a:bodyPr>
+          <a:lstStyle/>
+          <a:p>
+            <a:r>
+              <a:rPr lang="zh-TW" altLang="en-US"/>
+              <a:t>在 </a:t>
+            </a:r>
+            <a:r>
+              <a:rPr lang="en-US" altLang="zh-TW"/>
+              <a:t>Java</a:t>
+            </a:r>
+            <a:r>
+              <a:rPr lang="zh-TW" altLang="en-US"/>
+              <a:t> 中，關於數學的東西多半定義在 </a:t>
+            </a:r>
+            <a:r>
+              <a:rPr lang="en-US" altLang="zh-TW">
+                <a:solidFill>
+                  <a:srgbClr val="00B050"/>
+                </a:solidFill>
+              </a:rPr>
+              <a:t>java</a:t>
+            </a:r>
+            <a:r>
+              <a:rPr lang="en-US" altLang="zh-TW">
+                <a:solidFill>
+                  <a:srgbClr val="00B0F0"/>
+                </a:solidFill>
+              </a:rPr>
+              <a:t>.</a:t>
+            </a:r>
+            <a:r>
+              <a:rPr lang="en-US" altLang="zh-TW">
+                <a:solidFill>
+                  <a:srgbClr val="FFFF00"/>
+                </a:solidFill>
+              </a:rPr>
+              <a:t>lang</a:t>
+            </a:r>
+            <a:r>
+              <a:rPr lang="en-US" altLang="zh-TW">
+                <a:solidFill>
+                  <a:srgbClr val="00B0F0"/>
+                </a:solidFill>
+              </a:rPr>
+              <a:t>.</a:t>
+            </a:r>
+            <a:r>
+              <a:rPr lang="en-US" altLang="zh-TW">
+                <a:solidFill>
+                  <a:srgbClr val="FFC000"/>
+                </a:solidFill>
+              </a:rPr>
+              <a:t>Math</a:t>
+            </a:r>
+          </a:p>
+          <a:p>
+            <a:r>
+              <a:rPr lang="zh-TW" altLang="en-US"/>
+              <a:t>其中的</a:t>
+            </a:r>
+            <a:r>
+              <a:rPr lang="zh-TW" altLang="en-US">
+                <a:solidFill>
+                  <a:srgbClr val="00B0F0"/>
+                </a:solidFill>
+              </a:rPr>
+              <a:t>靜態方法</a:t>
+            </a:r>
+            <a:r>
+              <a:rPr lang="zh-TW" altLang="en-US"/>
+              <a:t>有許多，下方為部分</a:t>
+            </a:r>
+            <a:r>
+              <a:rPr lang="zh-TW" altLang="en-US">
+                <a:solidFill>
+                  <a:srgbClr val="00B0F0"/>
+                </a:solidFill>
+              </a:rPr>
+              <a:t>靜態方法</a:t>
+            </a:r>
+            <a:endParaRPr lang="en-US" altLang="zh-TW">
+              <a:solidFill>
+                <a:srgbClr val="00B0F0"/>
+              </a:solidFill>
+            </a:endParaRPr>
+          </a:p>
+          <a:p>
+            <a:r>
+              <a:rPr lang="zh-TW" altLang="en-US">
+                <a:solidFill>
+                  <a:srgbClr val="00B0F0"/>
+                </a:solidFill>
+              </a:rPr>
+              <a:t>返回值型別</a:t>
+            </a:r>
+            <a:r>
+              <a:rPr lang="zh-TW" altLang="en-US"/>
+              <a:t>皆為 </a:t>
+            </a:r>
+            <a:r>
+              <a:rPr lang="en-US" altLang="zh-TW">
+                <a:solidFill>
+                  <a:srgbClr val="CF8E6D"/>
+                </a:solidFill>
+              </a:rPr>
+              <a:t>double</a:t>
+            </a:r>
+            <a:r>
+              <a:rPr lang="zh-TW" altLang="en-US"/>
+              <a:t>，且皆只有一個 </a:t>
+            </a:r>
+            <a:r>
+              <a:rPr lang="en-US" altLang="zh-TW">
+                <a:solidFill>
+                  <a:srgbClr val="CF8E6D"/>
+                </a:solidFill>
+              </a:rPr>
+              <a:t>double</a:t>
+            </a:r>
+            <a:r>
+              <a:rPr lang="zh-TW" altLang="en-US"/>
+              <a:t> </a:t>
+            </a:r>
+            <a:r>
+              <a:rPr lang="zh-TW" altLang="en-US">
+                <a:solidFill>
+                  <a:srgbClr val="00B0F0"/>
+                </a:solidFill>
+              </a:rPr>
+              <a:t>參數</a:t>
+            </a:r>
+            <a:r>
+              <a:rPr lang="zh-TW" altLang="en-US"/>
+              <a:t>：</a:t>
+            </a:r>
+            <a:endParaRPr lang="en-US" altLang="zh-TW"/>
+          </a:p>
+          <a:p>
+            <a:r>
+              <a:rPr lang="zh-TW" altLang="en-US"/>
+              <a:t>基礎運算：</a:t>
+            </a:r>
+            <a:r>
+              <a:rPr lang="en-US" altLang="zh-TW">
+                <a:solidFill>
+                  <a:srgbClr val="92D050"/>
+                </a:solidFill>
+              </a:rPr>
+              <a:t>abs(</a:t>
+            </a:r>
+            <a:r>
+              <a:rPr lang="zh-TW" altLang="en-US">
+                <a:solidFill>
+                  <a:srgbClr val="92D050"/>
+                </a:solidFill>
+              </a:rPr>
+              <a:t>絕對值</a:t>
+            </a:r>
+            <a:r>
+              <a:rPr lang="en-US" altLang="zh-TW">
+                <a:solidFill>
+                  <a:srgbClr val="92D050"/>
+                </a:solidFill>
+              </a:rPr>
+              <a:t>)</a:t>
+            </a:r>
+            <a:r>
+              <a:rPr lang="zh-TW" altLang="en-US"/>
+              <a:t>、</a:t>
+            </a:r>
+            <a:r>
+              <a:rPr lang="en-US" altLang="zh-TW">
+                <a:solidFill>
+                  <a:srgbClr val="92D050"/>
+                </a:solidFill>
+              </a:rPr>
+              <a:t>sqrt(</a:t>
+            </a:r>
+            <a:r>
+              <a:rPr lang="zh-TW" altLang="en-US">
+                <a:solidFill>
+                  <a:srgbClr val="92D050"/>
+                </a:solidFill>
+              </a:rPr>
+              <a:t>開根號</a:t>
+            </a:r>
+            <a:r>
+              <a:rPr lang="en-US" altLang="zh-TW">
+                <a:solidFill>
+                  <a:srgbClr val="92D050"/>
+                </a:solidFill>
+              </a:rPr>
+              <a:t>)</a:t>
+            </a:r>
+            <a:r>
+              <a:rPr lang="zh-TW" altLang="en-US"/>
+              <a:t>、</a:t>
+            </a:r>
+            <a:r>
+              <a:rPr lang="en-US" altLang="zh-TW">
+                <a:solidFill>
+                  <a:srgbClr val="92D050"/>
+                </a:solidFill>
+              </a:rPr>
+              <a:t>cbrt(</a:t>
+            </a:r>
+            <a:r>
+              <a:rPr lang="zh-TW" altLang="en-US">
+                <a:solidFill>
+                  <a:srgbClr val="92D050"/>
+                </a:solidFill>
+              </a:rPr>
+              <a:t>開三次方根</a:t>
+            </a:r>
+            <a:r>
+              <a:rPr lang="en-US" altLang="zh-TW">
+                <a:solidFill>
+                  <a:srgbClr val="92D050"/>
+                </a:solidFill>
+              </a:rPr>
+              <a:t>)</a:t>
+            </a:r>
+          </a:p>
+          <a:p>
+            <a:r>
+              <a:rPr lang="en-US" altLang="zh-TW">
+                <a:solidFill>
+                  <a:srgbClr val="92D050"/>
+                </a:solidFill>
+              </a:rPr>
+              <a:t>log10(</a:t>
+            </a:r>
+            <a:r>
+              <a:rPr lang="zh-TW" altLang="en-US">
+                <a:solidFill>
+                  <a:srgbClr val="92D050"/>
+                </a:solidFill>
+              </a:rPr>
+              <a:t>常用對數</a:t>
+            </a:r>
+            <a:r>
+              <a:rPr lang="en-US" altLang="zh-TW">
+                <a:solidFill>
+                  <a:srgbClr val="92D050"/>
+                </a:solidFill>
+              </a:rPr>
+              <a:t>)</a:t>
+            </a:r>
+            <a:r>
+              <a:rPr lang="zh-TW" altLang="en-US"/>
+              <a:t>、</a:t>
+            </a:r>
+            <a:r>
+              <a:rPr lang="en-US" altLang="zh-TW">
+                <a:solidFill>
+                  <a:srgbClr val="92D050"/>
+                </a:solidFill>
+              </a:rPr>
+              <a:t>exp(</a:t>
+            </a:r>
+            <a:r>
+              <a:rPr lang="zh-TW" altLang="en-US">
+                <a:solidFill>
+                  <a:srgbClr val="92D050"/>
+                </a:solidFill>
+              </a:rPr>
+              <a:t>自然指數</a:t>
+            </a:r>
+            <a:r>
+              <a:rPr lang="en-US" altLang="zh-TW">
+                <a:solidFill>
+                  <a:srgbClr val="92D050"/>
+                </a:solidFill>
+              </a:rPr>
+              <a:t>)</a:t>
+            </a:r>
+            <a:r>
+              <a:rPr lang="zh-TW" altLang="en-US"/>
+              <a:t>、</a:t>
+            </a:r>
+            <a:r>
+              <a:rPr lang="en-US" altLang="zh-TW">
+                <a:solidFill>
+                  <a:srgbClr val="92D050"/>
+                </a:solidFill>
+              </a:rPr>
+              <a:t>log10(</a:t>
+            </a:r>
+            <a:r>
+              <a:rPr lang="zh-TW" altLang="en-US">
+                <a:solidFill>
+                  <a:srgbClr val="92D050"/>
+                </a:solidFill>
+              </a:rPr>
+              <a:t>自然對數</a:t>
+            </a:r>
+            <a:r>
+              <a:rPr lang="en-US" altLang="zh-TW">
+                <a:solidFill>
+                  <a:srgbClr val="92D050"/>
+                </a:solidFill>
+              </a:rPr>
+              <a:t>)</a:t>
+            </a:r>
+          </a:p>
+          <a:p>
+            <a:r>
+              <a:rPr lang="zh-TW" altLang="en-US"/>
+              <a:t>三角運算：</a:t>
+            </a:r>
+            <a:r>
+              <a:rPr lang="en-US" altLang="zh-TW">
+                <a:solidFill>
+                  <a:srgbClr val="92D050"/>
+                </a:solidFill>
+              </a:rPr>
+              <a:t>sin(</a:t>
+            </a:r>
+            <a:r>
+              <a:rPr lang="zh-TW" altLang="en-US">
+                <a:solidFill>
+                  <a:srgbClr val="92D050"/>
+                </a:solidFill>
+              </a:rPr>
+              <a:t>正弦</a:t>
+            </a:r>
+            <a:r>
+              <a:rPr lang="en-US" altLang="zh-TW">
+                <a:solidFill>
+                  <a:srgbClr val="92D050"/>
+                </a:solidFill>
+              </a:rPr>
+              <a:t>)</a:t>
+            </a:r>
+            <a:r>
+              <a:rPr lang="zh-TW" altLang="en-US"/>
+              <a:t>、</a:t>
+            </a:r>
+            <a:r>
+              <a:rPr lang="en-US" altLang="zh-TW">
+                <a:solidFill>
+                  <a:srgbClr val="92D050"/>
+                </a:solidFill>
+              </a:rPr>
+              <a:t>cos(</a:t>
+            </a:r>
+            <a:r>
+              <a:rPr lang="zh-TW" altLang="en-US">
+                <a:solidFill>
+                  <a:srgbClr val="92D050"/>
+                </a:solidFill>
+              </a:rPr>
+              <a:t>餘弦</a:t>
+            </a:r>
+            <a:r>
+              <a:rPr lang="en-US" altLang="zh-TW">
+                <a:solidFill>
+                  <a:srgbClr val="92D050"/>
+                </a:solidFill>
+              </a:rPr>
+              <a:t>)</a:t>
+            </a:r>
+            <a:r>
+              <a:rPr lang="zh-TW" altLang="en-US"/>
+              <a:t>、</a:t>
+            </a:r>
+            <a:r>
+              <a:rPr lang="en-US" altLang="zh-TW">
+                <a:solidFill>
+                  <a:srgbClr val="92D050"/>
+                </a:solidFill>
+              </a:rPr>
+              <a:t>tan(</a:t>
+            </a:r>
+            <a:r>
+              <a:rPr lang="zh-TW" altLang="en-US">
+                <a:solidFill>
+                  <a:srgbClr val="92D050"/>
+                </a:solidFill>
+              </a:rPr>
+              <a:t>正切</a:t>
+            </a:r>
+            <a:r>
+              <a:rPr lang="en-US" altLang="zh-TW">
+                <a:solidFill>
+                  <a:srgbClr val="92D050"/>
+                </a:solidFill>
+              </a:rPr>
+              <a:t>)</a:t>
+            </a:r>
+          </a:p>
+          <a:p>
+            <a:r>
+              <a:rPr lang="en-US" altLang="zh-TW">
+                <a:solidFill>
+                  <a:srgbClr val="92D050"/>
+                </a:solidFill>
+              </a:rPr>
+              <a:t>sin2(</a:t>
+            </a:r>
+            <a:r>
+              <a:rPr lang="zh-TW" altLang="en-US">
+                <a:solidFill>
+                  <a:srgbClr val="92D050"/>
+                </a:solidFill>
+              </a:rPr>
+              <a:t>正弦平方</a:t>
+            </a:r>
+            <a:r>
+              <a:rPr lang="en-US" altLang="zh-TW">
+                <a:solidFill>
+                  <a:srgbClr val="92D050"/>
+                </a:solidFill>
+              </a:rPr>
+              <a:t>)</a:t>
+            </a:r>
+            <a:r>
+              <a:rPr lang="zh-TW" altLang="en-US"/>
+              <a:t>、</a:t>
+            </a:r>
+            <a:r>
+              <a:rPr lang="en-US" altLang="zh-TW">
+                <a:solidFill>
+                  <a:srgbClr val="92D050"/>
+                </a:solidFill>
+              </a:rPr>
+              <a:t>cos2(</a:t>
+            </a:r>
+            <a:r>
+              <a:rPr lang="zh-TW" altLang="en-US">
+                <a:solidFill>
+                  <a:srgbClr val="92D050"/>
+                </a:solidFill>
+              </a:rPr>
+              <a:t>餘弦平方</a:t>
+            </a:r>
+            <a:r>
+              <a:rPr lang="en-US" altLang="zh-TW">
+                <a:solidFill>
+                  <a:srgbClr val="92D050"/>
+                </a:solidFill>
+              </a:rPr>
+              <a:t>)</a:t>
+            </a:r>
+            <a:r>
+              <a:rPr lang="zh-TW" altLang="en-US"/>
+              <a:t>、</a:t>
+            </a:r>
+            <a:r>
+              <a:rPr lang="en-US" altLang="zh-TW">
+                <a:solidFill>
+                  <a:srgbClr val="92D050"/>
+                </a:solidFill>
+              </a:rPr>
+              <a:t>tan2(</a:t>
+            </a:r>
+            <a:r>
+              <a:rPr lang="zh-TW" altLang="en-US">
+                <a:solidFill>
+                  <a:srgbClr val="92D050"/>
+                </a:solidFill>
+              </a:rPr>
+              <a:t>正切平方</a:t>
+            </a:r>
+            <a:r>
+              <a:rPr lang="en-US" altLang="zh-TW">
+                <a:solidFill>
+                  <a:srgbClr val="92D050"/>
+                </a:solidFill>
+              </a:rPr>
+              <a:t>)</a:t>
+            </a:r>
+          </a:p>
+          <a:p>
+            <a:r>
+              <a:rPr lang="en-US" altLang="zh-TW">
+                <a:solidFill>
+                  <a:srgbClr val="92D050"/>
+                </a:solidFill>
+              </a:rPr>
+              <a:t>asin(</a:t>
+            </a:r>
+            <a:r>
+              <a:rPr lang="zh-TW" altLang="en-US">
+                <a:solidFill>
+                  <a:srgbClr val="92D050"/>
+                </a:solidFill>
+              </a:rPr>
+              <a:t>反正弦</a:t>
+            </a:r>
+            <a:r>
+              <a:rPr lang="en-US" altLang="zh-TW">
+                <a:solidFill>
+                  <a:srgbClr val="92D050"/>
+                </a:solidFill>
+              </a:rPr>
+              <a:t>)</a:t>
+            </a:r>
+            <a:r>
+              <a:rPr lang="zh-TW" altLang="en-US"/>
+              <a:t>、</a:t>
+            </a:r>
+            <a:r>
+              <a:rPr lang="en-US" altLang="zh-TW">
+                <a:solidFill>
+                  <a:srgbClr val="92D050"/>
+                </a:solidFill>
+              </a:rPr>
+              <a:t>acos(</a:t>
+            </a:r>
+            <a:r>
+              <a:rPr lang="zh-TW" altLang="en-US">
+                <a:solidFill>
+                  <a:srgbClr val="92D050"/>
+                </a:solidFill>
+              </a:rPr>
+              <a:t>反餘弦</a:t>
+            </a:r>
+            <a:r>
+              <a:rPr lang="en-US" altLang="zh-TW">
+                <a:solidFill>
+                  <a:srgbClr val="92D050"/>
+                </a:solidFill>
+              </a:rPr>
+              <a:t>)</a:t>
+            </a:r>
+            <a:r>
+              <a:rPr lang="zh-TW" altLang="en-US"/>
+              <a:t>、</a:t>
+            </a:r>
+            <a:r>
+              <a:rPr lang="en-US" altLang="zh-TW">
+                <a:solidFill>
+                  <a:srgbClr val="92D050"/>
+                </a:solidFill>
+              </a:rPr>
+              <a:t>atan(</a:t>
+            </a:r>
+            <a:r>
+              <a:rPr lang="zh-TW" altLang="en-US">
+                <a:solidFill>
+                  <a:srgbClr val="92D050"/>
+                </a:solidFill>
+              </a:rPr>
+              <a:t>反正切</a:t>
+            </a:r>
+            <a:r>
+              <a:rPr lang="en-US" altLang="zh-TW">
+                <a:solidFill>
+                  <a:srgbClr val="92D050"/>
+                </a:solidFill>
+              </a:rPr>
+              <a:t>)</a:t>
+            </a:r>
+          </a:p>
+          <a:p>
+            <a:r>
+              <a:rPr lang="en-US" altLang="zh-TW">
+                <a:solidFill>
+                  <a:srgbClr val="92D050"/>
+                </a:solidFill>
+              </a:rPr>
+              <a:t>toRadians(</a:t>
+            </a:r>
+            <a:r>
+              <a:rPr lang="zh-TW" altLang="en-US">
+                <a:solidFill>
+                  <a:srgbClr val="92D050"/>
+                </a:solidFill>
+              </a:rPr>
+              <a:t>角度轉弧度</a:t>
+            </a:r>
+            <a:r>
+              <a:rPr lang="en-US" altLang="zh-TW">
+                <a:solidFill>
+                  <a:srgbClr val="92D050"/>
+                </a:solidFill>
+              </a:rPr>
+              <a:t>)</a:t>
+            </a:r>
+            <a:r>
+              <a:rPr lang="zh-TW" altLang="en-US"/>
+              <a:t>、</a:t>
+            </a:r>
+            <a:r>
+              <a:rPr lang="en-US" altLang="zh-TW">
+                <a:solidFill>
+                  <a:srgbClr val="92D050"/>
+                </a:solidFill>
+              </a:rPr>
+              <a:t>toDegrees(</a:t>
+            </a:r>
+            <a:r>
+              <a:rPr lang="zh-TW" altLang="en-US">
+                <a:solidFill>
+                  <a:srgbClr val="92D050"/>
+                </a:solidFill>
+              </a:rPr>
+              <a:t>弧度轉角度</a:t>
+            </a:r>
+            <a:r>
+              <a:rPr lang="en-US" altLang="zh-TW">
+                <a:solidFill>
+                  <a:srgbClr val="92D050"/>
+                </a:solidFill>
+              </a:rPr>
+              <a:t>)</a:t>
+            </a:r>
+          </a:p>
+          <a:p>
+            <a:r>
+              <a:rPr lang="zh-TW" altLang="en-US"/>
+              <a:t>其中三角函數、反三角函數使用的單位都是弧度</a:t>
+            </a:r>
+            <a:endParaRPr lang="en-US" altLang="zh-TW"/>
+          </a:p>
+        </p:txBody>
+      </p:sp>
+    </p:spTree>
+    <p:extLst>
+      <p:ext uri="{BB962C8B-B14F-4D97-AF65-F5344CB8AC3E}">
+        <p14:creationId xmlns:p14="http://schemas.microsoft.com/office/powerpoint/2010/main" val="2209087254"/>
+      </p:ext>
+    </p:extLst>
+  </p:cSld>
+  <p:clrMapOvr>
+    <a:masterClrMapping/>
+  </p:clrMapOvr>
+  <p:transition spd="slow">
+    <p:push dir="u"/>
+  </p:transition>
+</p:sld>
+</file>
+
+<file path=ppt/slides/slide21.xml><?xml version="1.0" encoding="utf-8"?>
+<p:sld xmlns:a="http://schemas.openxmlformats.org/drawingml/2006/main" xmlns:r="http://schemas.openxmlformats.org/officeDocument/2006/relationships" xmlns:p="http://schemas.openxmlformats.org/presentationml/2006/main">
+  <p:cSld>
+    <p:spTree>
+      <p:nvGrpSpPr>
+        <p:cNvPr id="1" name=""/>
+        <p:cNvGrpSpPr/>
+        <p:nvPr/>
+      </p:nvGrpSpPr>
+      <p:grpSpPr>
+        <a:xfrm>
+          <a:off x="0" y="0"/>
+          <a:ext cx="0" cy="0"/>
+          <a:chOff x="0" y="0"/>
+          <a:chExt cx="0" cy="0"/>
+        </a:xfrm>
+      </p:grpSpPr>
+      <p:sp>
+        <p:nvSpPr>
+          <p:cNvPr id="2" name="標題 1">
+            <a:extLst>
+              <a:ext uri="{FF2B5EF4-FFF2-40B4-BE49-F238E27FC236}">
+                <a16:creationId xmlns:a16="http://schemas.microsoft.com/office/drawing/2014/main" id="{4719A5B4-D40D-422E-B23B-EDE38E50F36F}"/>
+              </a:ext>
+            </a:extLst>
+          </p:cNvPr>
+          <p:cNvSpPr>
+            <a:spLocks noGrp="1"/>
+          </p:cNvSpPr>
+          <p:nvPr>
+            <p:ph type="title"/>
+          </p:nvPr>
+        </p:nvSpPr>
+        <p:spPr/>
+        <p:txBody>
+          <a:bodyPr/>
+          <a:lstStyle/>
+          <a:p>
+            <a:r>
+              <a:rPr lang="zh-TW" altLang="en-US"/>
+              <a:t>數學</a:t>
+            </a:r>
+          </a:p>
+        </p:txBody>
+      </p:sp>
+      <p:sp>
+        <p:nvSpPr>
+          <p:cNvPr id="3" name="內容版面配置區 2">
+            <a:extLst>
+              <a:ext uri="{FF2B5EF4-FFF2-40B4-BE49-F238E27FC236}">
+                <a16:creationId xmlns:a16="http://schemas.microsoft.com/office/drawing/2014/main" id="{DC8DB342-EFC6-4F92-ACCD-F175FF2F1960}"/>
+              </a:ext>
+            </a:extLst>
+          </p:cNvPr>
+          <p:cNvSpPr>
+            <a:spLocks noGrp="1"/>
+          </p:cNvSpPr>
+          <p:nvPr>
+            <p:ph idx="1"/>
+          </p:nvPr>
+        </p:nvSpPr>
+        <p:spPr>
+          <a:xfrm>
+            <a:off x="838200" y="1622424"/>
+            <a:ext cx="10515600" cy="4575176"/>
+          </a:xfrm>
+        </p:spPr>
+        <p:txBody>
+          <a:bodyPr/>
+          <a:lstStyle/>
+          <a:p>
+            <a:r>
+              <a:rPr lang="zh-TW" altLang="en-US">
+                <a:solidFill>
+                  <a:srgbClr val="00B0F0"/>
+                </a:solidFill>
+              </a:rPr>
+              <a:t>返回值型別</a:t>
+            </a:r>
+            <a:r>
+              <a:rPr lang="zh-TW" altLang="en-US"/>
+              <a:t>皆為 </a:t>
+            </a:r>
+            <a:r>
+              <a:rPr lang="en-US" altLang="zh-TW">
+                <a:solidFill>
+                  <a:srgbClr val="CF8E6D"/>
+                </a:solidFill>
+              </a:rPr>
+              <a:t>long</a:t>
+            </a:r>
+            <a:r>
+              <a:rPr lang="zh-TW" altLang="en-US"/>
+              <a:t>，且皆只有一個 </a:t>
+            </a:r>
+            <a:r>
+              <a:rPr lang="en-US" altLang="zh-TW">
+                <a:solidFill>
+                  <a:srgbClr val="CF8E6D"/>
+                </a:solidFill>
+              </a:rPr>
+              <a:t>double</a:t>
+            </a:r>
+            <a:r>
+              <a:rPr lang="zh-TW" altLang="en-US"/>
+              <a:t> </a:t>
+            </a:r>
+            <a:r>
+              <a:rPr lang="zh-TW" altLang="en-US">
+                <a:solidFill>
+                  <a:srgbClr val="00B0F0"/>
+                </a:solidFill>
+              </a:rPr>
+              <a:t>參數</a:t>
+            </a:r>
+            <a:r>
+              <a:rPr lang="zh-TW" altLang="en-US"/>
+              <a:t>：</a:t>
+            </a:r>
+            <a:endParaRPr lang="en-US" altLang="zh-TW"/>
+          </a:p>
+          <a:p>
+            <a:r>
+              <a:rPr lang="en-US" altLang="zh-TW">
+                <a:solidFill>
+                  <a:srgbClr val="92D050"/>
+                </a:solidFill>
+              </a:rPr>
+              <a:t>round(</a:t>
+            </a:r>
+            <a:r>
+              <a:rPr lang="zh-TW" altLang="en-US">
+                <a:solidFill>
+                  <a:srgbClr val="92D050"/>
+                </a:solidFill>
+              </a:rPr>
+              <a:t>四捨五入</a:t>
+            </a:r>
+            <a:r>
+              <a:rPr lang="en-US" altLang="zh-TW">
+                <a:solidFill>
+                  <a:srgbClr val="92D050"/>
+                </a:solidFill>
+              </a:rPr>
+              <a:t>)</a:t>
+            </a:r>
+            <a:r>
+              <a:rPr lang="zh-TW" altLang="en-US"/>
+              <a:t>、</a:t>
+            </a:r>
+            <a:r>
+              <a:rPr lang="en-US" altLang="zh-TW">
+                <a:solidFill>
+                  <a:srgbClr val="92D050"/>
+                </a:solidFill>
+              </a:rPr>
+              <a:t>floor(</a:t>
+            </a:r>
+            <a:r>
+              <a:rPr lang="zh-TW" altLang="en-US">
+                <a:solidFill>
+                  <a:srgbClr val="92D050"/>
+                </a:solidFill>
+              </a:rPr>
+              <a:t>向下取整</a:t>
+            </a:r>
+            <a:r>
+              <a:rPr lang="en-US" altLang="zh-TW">
+                <a:solidFill>
+                  <a:srgbClr val="92D050"/>
+                </a:solidFill>
+              </a:rPr>
+              <a:t>)</a:t>
+            </a:r>
+            <a:r>
+              <a:rPr lang="zh-TW" altLang="en-US"/>
+              <a:t>、</a:t>
+            </a:r>
+            <a:r>
+              <a:rPr lang="en-US" altLang="zh-TW">
+                <a:solidFill>
+                  <a:srgbClr val="92D050"/>
+                </a:solidFill>
+              </a:rPr>
+              <a:t>ceil(</a:t>
+            </a:r>
+            <a:r>
+              <a:rPr lang="zh-TW" altLang="en-US">
+                <a:solidFill>
+                  <a:srgbClr val="92D050"/>
+                </a:solidFill>
+              </a:rPr>
+              <a:t>向上取整</a:t>
+            </a:r>
+            <a:r>
+              <a:rPr lang="en-US" altLang="zh-TW">
+                <a:solidFill>
+                  <a:srgbClr val="92D050"/>
+                </a:solidFill>
+              </a:rPr>
+              <a:t>)</a:t>
+            </a:r>
+          </a:p>
+          <a:p>
+            <a:r>
+              <a:rPr lang="zh-TW" altLang="en-US">
+                <a:solidFill>
+                  <a:srgbClr val="00B0F0"/>
+                </a:solidFill>
+              </a:rPr>
+              <a:t>返回值型別</a:t>
+            </a:r>
+            <a:r>
+              <a:rPr lang="zh-TW" altLang="en-US"/>
+              <a:t>皆為 </a:t>
+            </a:r>
+            <a:r>
+              <a:rPr lang="en-US" altLang="zh-TW">
+                <a:solidFill>
+                  <a:srgbClr val="CF8E6D"/>
+                </a:solidFill>
+              </a:rPr>
+              <a:t>double</a:t>
+            </a:r>
+            <a:r>
+              <a:rPr lang="zh-TW" altLang="en-US"/>
+              <a:t>，且皆只有兩個 </a:t>
+            </a:r>
+            <a:r>
+              <a:rPr lang="en-US" altLang="zh-TW">
+                <a:solidFill>
+                  <a:srgbClr val="CF8E6D"/>
+                </a:solidFill>
+              </a:rPr>
+              <a:t>double</a:t>
+            </a:r>
+            <a:r>
+              <a:rPr lang="zh-TW" altLang="en-US"/>
+              <a:t> </a:t>
+            </a:r>
+            <a:r>
+              <a:rPr lang="zh-TW" altLang="en-US">
+                <a:solidFill>
+                  <a:srgbClr val="00B0F0"/>
+                </a:solidFill>
+              </a:rPr>
+              <a:t>參數</a:t>
+            </a:r>
+            <a:r>
+              <a:rPr lang="zh-TW" altLang="en-US"/>
+              <a:t>：</a:t>
+            </a:r>
+            <a:endParaRPr lang="en-US" altLang="zh-TW"/>
+          </a:p>
+          <a:p>
+            <a:r>
+              <a:rPr lang="en-US" altLang="zh-TW">
+                <a:solidFill>
+                  <a:srgbClr val="92D050"/>
+                </a:solidFill>
+              </a:rPr>
+              <a:t>pow(</a:t>
+            </a:r>
+            <a:r>
+              <a:rPr lang="zh-TW" altLang="en-US">
+                <a:solidFill>
+                  <a:srgbClr val="92D050"/>
+                </a:solidFill>
+              </a:rPr>
+              <a:t>指數</a:t>
+            </a:r>
+            <a:r>
+              <a:rPr lang="en-US" altLang="zh-TW">
+                <a:solidFill>
+                  <a:srgbClr val="92D050"/>
+                </a:solidFill>
+              </a:rPr>
+              <a:t>)</a:t>
+            </a:r>
+            <a:r>
+              <a:rPr lang="zh-TW" altLang="en-US"/>
+              <a:t>、</a:t>
+            </a:r>
+            <a:r>
+              <a:rPr lang="en-US" altLang="zh-TW">
+                <a:solidFill>
+                  <a:srgbClr val="92D050"/>
+                </a:solidFill>
+              </a:rPr>
+              <a:t>max(</a:t>
+            </a:r>
+            <a:r>
+              <a:rPr lang="zh-TW" altLang="en-US">
+                <a:solidFill>
+                  <a:srgbClr val="92D050"/>
+                </a:solidFill>
+              </a:rPr>
+              <a:t>取最大</a:t>
+            </a:r>
+            <a:r>
+              <a:rPr lang="en-US" altLang="zh-TW">
+                <a:solidFill>
+                  <a:srgbClr val="92D050"/>
+                </a:solidFill>
+              </a:rPr>
+              <a:t>)</a:t>
+            </a:r>
+            <a:r>
+              <a:rPr lang="zh-TW" altLang="en-US"/>
+              <a:t>、</a:t>
+            </a:r>
+            <a:r>
+              <a:rPr lang="en-US" altLang="zh-TW">
+                <a:solidFill>
+                  <a:srgbClr val="92D050"/>
+                </a:solidFill>
+              </a:rPr>
+              <a:t>min(</a:t>
+            </a:r>
+            <a:r>
+              <a:rPr lang="zh-TW" altLang="en-US">
+                <a:solidFill>
+                  <a:srgbClr val="92D050"/>
+                </a:solidFill>
+              </a:rPr>
+              <a:t>取最小</a:t>
+            </a:r>
+            <a:r>
+              <a:rPr lang="en-US" altLang="zh-TW">
+                <a:solidFill>
+                  <a:srgbClr val="92D050"/>
+                </a:solidFill>
+              </a:rPr>
+              <a:t>)</a:t>
+            </a:r>
+          </a:p>
+          <a:p>
+            <a:r>
+              <a:rPr lang="zh-TW" altLang="en-US"/>
+              <a:t>以及限制數值範圍的</a:t>
+            </a:r>
+            <a:r>
+              <a:rPr lang="zh-TW" altLang="en-US">
+                <a:solidFill>
+                  <a:srgbClr val="00B0F0"/>
+                </a:solidFill>
+              </a:rPr>
+              <a:t>方法</a:t>
+            </a:r>
+            <a:r>
+              <a:rPr lang="zh-TW" altLang="en-US"/>
+              <a:t>，保證</a:t>
+            </a:r>
+            <a:r>
+              <a:rPr lang="zh-TW" altLang="en-US">
+                <a:solidFill>
+                  <a:srgbClr val="00B0F0"/>
+                </a:solidFill>
+              </a:rPr>
+              <a:t> </a:t>
+            </a:r>
+            <a:r>
+              <a:rPr lang="en-US" altLang="zh-TW">
+                <a:solidFill>
+                  <a:srgbClr val="00B0F0"/>
+                </a:solidFill>
+              </a:rPr>
+              <a:t>value </a:t>
+            </a:r>
+            <a:r>
+              <a:rPr lang="zh-TW" altLang="en-US"/>
+              <a:t>不超過 </a:t>
+            </a:r>
+            <a:r>
+              <a:rPr lang="en-US" altLang="zh-TW">
+                <a:solidFill>
+                  <a:srgbClr val="00B0F0"/>
+                </a:solidFill>
+              </a:rPr>
+              <a:t>max </a:t>
+            </a:r>
+            <a:r>
+              <a:rPr lang="zh-TW" altLang="en-US"/>
+              <a:t>或</a:t>
+            </a:r>
+            <a:r>
+              <a:rPr lang="zh-TW" altLang="en-US">
+                <a:solidFill>
+                  <a:srgbClr val="00B0F0"/>
+                </a:solidFill>
+              </a:rPr>
+              <a:t> </a:t>
+            </a:r>
+            <a:r>
+              <a:rPr lang="en-US" altLang="zh-TW">
+                <a:solidFill>
+                  <a:srgbClr val="00B0F0"/>
+                </a:solidFill>
+              </a:rPr>
+              <a:t>min</a:t>
+            </a:r>
+            <a:r>
+              <a:rPr lang="zh-TW" altLang="en-US"/>
+              <a:t>：</a:t>
+            </a:r>
+            <a:endParaRPr lang="fr-FR" altLang="zh-TW"/>
+          </a:p>
+          <a:p>
+            <a:r>
+              <a:rPr lang="fr-FR" altLang="zh-TW">
+                <a:solidFill>
+                  <a:srgbClr val="CF8E6D"/>
+                </a:solidFill>
+              </a:rPr>
+              <a:t>double</a:t>
+            </a:r>
+            <a:r>
+              <a:rPr lang="fr-FR" altLang="zh-TW">
+                <a:solidFill>
+                  <a:srgbClr val="92D050"/>
+                </a:solidFill>
+              </a:rPr>
+              <a:t> clamp</a:t>
+            </a:r>
+            <a:r>
+              <a:rPr lang="fr-FR" altLang="zh-TW">
+                <a:solidFill>
+                  <a:srgbClr val="00B0F0"/>
+                </a:solidFill>
+              </a:rPr>
+              <a:t>(</a:t>
+            </a:r>
+            <a:r>
+              <a:rPr lang="fr-FR" altLang="zh-TW">
+                <a:solidFill>
+                  <a:srgbClr val="CF8E6D"/>
+                </a:solidFill>
+              </a:rPr>
+              <a:t>double</a:t>
+            </a:r>
+            <a:r>
+              <a:rPr lang="fr-FR" altLang="zh-TW">
+                <a:solidFill>
+                  <a:srgbClr val="92D050"/>
+                </a:solidFill>
+              </a:rPr>
+              <a:t> </a:t>
+            </a:r>
+            <a:r>
+              <a:rPr lang="fr-FR" altLang="zh-TW">
+                <a:solidFill>
+                  <a:srgbClr val="00B0F0"/>
+                </a:solidFill>
+              </a:rPr>
+              <a:t>value, </a:t>
+            </a:r>
+            <a:r>
+              <a:rPr lang="fr-FR" altLang="zh-TW">
+                <a:solidFill>
+                  <a:srgbClr val="CF8E6D"/>
+                </a:solidFill>
+              </a:rPr>
+              <a:t>double</a:t>
+            </a:r>
+            <a:r>
+              <a:rPr lang="fr-FR" altLang="zh-TW">
+                <a:solidFill>
+                  <a:srgbClr val="92D050"/>
+                </a:solidFill>
+              </a:rPr>
+              <a:t> </a:t>
+            </a:r>
+            <a:r>
+              <a:rPr lang="fr-FR" altLang="zh-TW">
+                <a:solidFill>
+                  <a:srgbClr val="00B0F0"/>
+                </a:solidFill>
+              </a:rPr>
+              <a:t>min,</a:t>
+            </a:r>
+            <a:r>
+              <a:rPr lang="fr-FR" altLang="zh-TW">
+                <a:solidFill>
+                  <a:srgbClr val="92D050"/>
+                </a:solidFill>
+              </a:rPr>
+              <a:t> </a:t>
+            </a:r>
+            <a:r>
+              <a:rPr lang="fr-FR" altLang="zh-TW">
+                <a:solidFill>
+                  <a:srgbClr val="CF8E6D"/>
+                </a:solidFill>
+              </a:rPr>
+              <a:t>double</a:t>
+            </a:r>
+            <a:r>
+              <a:rPr lang="fr-FR" altLang="zh-TW">
+                <a:solidFill>
+                  <a:srgbClr val="92D050"/>
+                </a:solidFill>
+              </a:rPr>
+              <a:t> </a:t>
+            </a:r>
+            <a:r>
+              <a:rPr lang="fr-FR" altLang="zh-TW">
+                <a:solidFill>
+                  <a:srgbClr val="00B0F0"/>
+                </a:solidFill>
+              </a:rPr>
+              <a:t>max)</a:t>
+            </a:r>
+          </a:p>
+          <a:p>
+            <a:r>
+              <a:rPr lang="zh-TW" altLang="en-US"/>
+              <a:t>該類別也定義了一些數學常數：</a:t>
+            </a:r>
+            <a:endParaRPr lang="en-US" altLang="zh-TW"/>
+          </a:p>
+          <a:p>
+            <a:r>
+              <a:rPr lang="en-US" altLang="zh-TW">
+                <a:solidFill>
+                  <a:srgbClr val="92D050"/>
+                </a:solidFill>
+              </a:rPr>
+              <a:t>PI(3.141...)</a:t>
+            </a:r>
+            <a:r>
+              <a:rPr lang="zh-TW" altLang="en-US"/>
+              <a:t>、</a:t>
+            </a:r>
+            <a:r>
+              <a:rPr lang="en-US" altLang="zh-TW">
+                <a:solidFill>
+                  <a:srgbClr val="92D050"/>
+                </a:solidFill>
+              </a:rPr>
+              <a:t>E(2.718...)</a:t>
+            </a:r>
+            <a:r>
+              <a:rPr lang="zh-TW" altLang="en-US"/>
+              <a:t>、</a:t>
+            </a:r>
+            <a:r>
+              <a:rPr lang="en-US" altLang="zh-TW">
+                <a:solidFill>
+                  <a:srgbClr val="92D050"/>
+                </a:solidFill>
+              </a:rPr>
+              <a:t>TAU(2</a:t>
+            </a:r>
+            <a:r>
+              <a:rPr lang="zh-TW" altLang="en-US">
+                <a:solidFill>
+                  <a:srgbClr val="92D050"/>
+                </a:solidFill>
+              </a:rPr>
+              <a:t>倍</a:t>
+            </a:r>
+            <a:r>
+              <a:rPr lang="en-US" altLang="zh-TW">
+                <a:solidFill>
+                  <a:srgbClr val="92D050"/>
+                </a:solidFill>
+              </a:rPr>
+              <a:t>PI</a:t>
+            </a:r>
+            <a:r>
+              <a:rPr lang="zh-TW" altLang="en-US">
+                <a:solidFill>
+                  <a:srgbClr val="92D050"/>
+                </a:solidFill>
+              </a:rPr>
+              <a:t>，</a:t>
+            </a:r>
+            <a:r>
+              <a:rPr lang="en-US" altLang="zh-TW">
+                <a:solidFill>
+                  <a:srgbClr val="92D050"/>
+                </a:solidFill>
+              </a:rPr>
+              <a:t>6.283...)</a:t>
+            </a:r>
+          </a:p>
+          <a:p>
+            <a:r>
+              <a:rPr lang="zh-TW" altLang="en-US"/>
+              <a:t>以上這些</a:t>
+            </a:r>
+            <a:r>
+              <a:rPr lang="zh-TW" altLang="en-US">
+                <a:solidFill>
+                  <a:srgbClr val="00B0F0"/>
+                </a:solidFill>
+              </a:rPr>
+              <a:t>方法</a:t>
+            </a:r>
+            <a:r>
+              <a:rPr lang="zh-TW" altLang="en-US"/>
+              <a:t>和</a:t>
+            </a:r>
+            <a:r>
+              <a:rPr lang="zh-TW" altLang="en-US">
+                <a:solidFill>
+                  <a:srgbClr val="00B0F0"/>
+                </a:solidFill>
+              </a:rPr>
+              <a:t>欄位</a:t>
+            </a:r>
+            <a:r>
+              <a:rPr lang="zh-TW" altLang="en-US"/>
+              <a:t>，在其他程式語言中也基本上都有提供</a:t>
+            </a:r>
+            <a:endParaRPr lang="fr-FR" altLang="zh-TW"/>
+          </a:p>
+        </p:txBody>
+      </p:sp>
+    </p:spTree>
+    <p:extLst>
+      <p:ext uri="{BB962C8B-B14F-4D97-AF65-F5344CB8AC3E}">
+        <p14:creationId xmlns:p14="http://schemas.microsoft.com/office/powerpoint/2010/main" val="1764439659"/>
       </p:ext>
     </p:extLst>
   </p:cSld>

--- a/powerpoint/10_包裝類別與工具類別(1).pptx
+++ b/powerpoint/10_包裝類別與工具類別(1).pptx
@@ -215,7 +215,7 @@
           <a:p>
             <a:fld id="{00D1967D-2DD3-4C36-96B1-E3AA5FB7040E}" type="datetimeFigureOut">
               <a:rPr lang="zh-TW" altLang="en-US" smtClean="0"/>
-              <a:t>2024/8/28</a:t>
+              <a:t>2024/8/29</a:t>
             </a:fld>
             <a:endParaRPr lang="zh-TW" altLang="en-US"/>
           </a:p>
@@ -31935,12 +31935,8 @@
           <a:lstStyle/>
           <a:p>
             <a:r>
-              <a:rPr lang="zh-TW" altLang="en-US"/>
-              <a:t>增強 </a:t>
-            </a:r>
-            <a:r>
               <a:rPr lang="en-US" altLang="zh-TW"/>
-              <a:t>for</a:t>
+              <a:t>for-each</a:t>
             </a:r>
             <a:endParaRPr lang="zh-TW" altLang="en-US"/>
           </a:p>
@@ -32053,31 +32049,13 @@
               <a:t>所以可以使用「</a:t>
             </a:r>
             <a:r>
-              <a:rPr lang="zh-TW" altLang="en-US">
+              <a:rPr lang="en-US" altLang="zh-TW">
                 <a:solidFill>
                   <a:srgbClr val="00B0F0"/>
                 </a:solidFill>
                 <a:latin typeface="+mj-lt"/>
               </a:rPr>
-              <a:t>增強 </a:t>
-            </a:r>
-            <a:r>
-              <a:rPr lang="en-US" altLang="zh-TW">
-                <a:solidFill>
-                  <a:srgbClr val="CF8E6D"/>
-                </a:solidFill>
-                <a:latin typeface="+mj-lt"/>
-              </a:rPr>
-              <a:t>for</a:t>
-            </a:r>
-            <a:r>
-              <a:rPr lang="zh-TW" altLang="en-US">
-                <a:solidFill>
-                  <a:srgbClr val="00B0F0"/>
-                </a:solidFill>
-                <a:latin typeface="+mj-lt"/>
-              </a:rPr>
-              <a:t> 迴圈</a:t>
+              <a:t>for-each</a:t>
             </a:r>
             <a:r>
               <a:rPr lang="zh-TW" altLang="en-US">
